--- a/prog/Bevezetés a Programozás Világába.pptx
+++ b/prog/Bevezetés a Programozás Világába.pptx
@@ -1,18 +1,22 @@
 
 <file path=ppt/presentation.xml><?xml version="1.0" encoding="utf-8"?>
-<p:presentation xmlns:a="http://schemas.openxmlformats.org/drawingml/2006/main" xmlns:r="http://schemas.openxmlformats.org/officeDocument/2006/relationships" xmlns:mc="http://schemas.openxmlformats.org/markup-compatibility/2006" xmlns:mv="urn:schemas-microsoft-com:mac:vml" xmlns:p="http://schemas.openxmlformats.org/presentationml/2006/main" xmlns:c="http://schemas.openxmlformats.org/drawingml/2006/chart" xmlns:dgm="http://schemas.openxmlformats.org/drawingml/2006/diagram" xmlns:o="urn:schemas-microsoft-com:office:office" xmlns:v="urn:schemas-microsoft-com:vml" xmlns:pvml="urn:schemas-microsoft-com:office:powerpoint" xmlns:com="http://schemas.openxmlformats.org/drawingml/2006/compatibility" xmlns:p14="http://schemas.microsoft.com/office/powerpoint/2010/main" xmlns:p15="http://schemas.microsoft.com/office/powerpoint/2012/main" xmlns:ahyp="http://schemas.microsoft.com/office/drawing/2018/hyperlinkcolor" autoCompressPictures="0" embedTrueTypeFonts="1" strictFirstAndLastChars="0" saveSubsetFonts="1">
+<p:presentation xmlns:a="http://schemas.openxmlformats.org/drawingml/2006/main" xmlns:r="http://schemas.openxmlformats.org/officeDocument/2006/relationships" xmlns:p="http://schemas.openxmlformats.org/presentationml/2006/main" strictFirstAndLastChars="0" embedTrueTypeFonts="1" saveSubsetFonts="1" autoCompressPictures="0">
   <p:sldMasterIdLst>
-    <p:sldMasterId id="2147483659" r:id="rId4"/>
+    <p:sldMasterId id="2147483659" r:id="rId1"/>
   </p:sldMasterIdLst>
   <p:notesMasterIdLst>
-    <p:notesMasterId r:id="rId5"/>
+    <p:notesMasterId r:id="rId25"/>
   </p:notesMasterIdLst>
   <p:sldIdLst>
-    <p:sldId id="256" r:id="rId6"/>
-    <p:sldId id="257" r:id="rId7"/>
-    <p:sldId id="258" r:id="rId8"/>
-    <p:sldId id="259" r:id="rId9"/>
-    <p:sldId id="260" r:id="rId10"/>
+    <p:sldId id="256" r:id="rId2"/>
+    <p:sldId id="257" r:id="rId3"/>
+    <p:sldId id="258" r:id="rId4"/>
+    <p:sldId id="259" r:id="rId5"/>
+    <p:sldId id="260" r:id="rId6"/>
+    <p:sldId id="275" r:id="rId7"/>
+    <p:sldId id="276" r:id="rId8"/>
+    <p:sldId id="277" r:id="rId9"/>
+    <p:sldId id="278" r:id="rId10"/>
     <p:sldId id="261" r:id="rId11"/>
     <p:sldId id="262" r:id="rId12"/>
     <p:sldId id="263" r:id="rId13"/>
@@ -28,33 +32,33 @@
     <p:sldId id="273" r:id="rId23"/>
     <p:sldId id="274" r:id="rId24"/>
   </p:sldIdLst>
-  <p:sldSz cy="5143500" cx="9144000"/>
+  <p:sldSz cx="9144000" cy="5143500" type="screen16x9"/>
   <p:notesSz cx="6858000" cy="9144000"/>
   <p:embeddedFontLst>
     <p:embeddedFont>
-      <p:font typeface="Roboto"/>
-      <p:regular r:id="rId25"/>
-      <p:bold r:id="rId26"/>
-      <p:italic r:id="rId27"/>
-      <p:boldItalic r:id="rId28"/>
+      <p:font typeface="Lato" panose="020F0502020204030203" pitchFamily="34" charset="0"/>
+      <p:regular r:id="rId26"/>
+      <p:bold r:id="rId27"/>
+      <p:italic r:id="rId28"/>
+      <p:boldItalic r:id="rId29"/>
     </p:embeddedFont>
     <p:embeddedFont>
-      <p:font typeface="Playfair Display"/>
-      <p:regular r:id="rId29"/>
-      <p:bold r:id="rId30"/>
-      <p:italic r:id="rId31"/>
-      <p:boldItalic r:id="rId32"/>
+      <p:font typeface="Playfair Display" panose="00000500000000000000" pitchFamily="2" charset="0"/>
+      <p:regular r:id="rId30"/>
+      <p:bold r:id="rId31"/>
+      <p:italic r:id="rId32"/>
+      <p:boldItalic r:id="rId33"/>
     </p:embeddedFont>
     <p:embeddedFont>
-      <p:font typeface="Lato"/>
-      <p:regular r:id="rId33"/>
-      <p:bold r:id="rId34"/>
-      <p:italic r:id="rId35"/>
-      <p:boldItalic r:id="rId36"/>
+      <p:font typeface="Roboto" panose="02000000000000000000" pitchFamily="2" charset="0"/>
+      <p:regular r:id="rId34"/>
+      <p:bold r:id="rId35"/>
+      <p:italic r:id="rId36"/>
+      <p:boldItalic r:id="rId37"/>
     </p:embeddedFont>
   </p:embeddedFontLst>
   <p:defaultTextStyle>
-    <a:defPPr lvl="0" marR="0" rtl="0" algn="l">
+    <a:defPPr marR="0" lvl="0" algn="l" rtl="0">
       <a:lnSpc>
         <a:spcPct val="100000"/>
       </a:lnSpc>
@@ -65,7 +69,7 @@
         <a:spcPts val="0"/>
       </a:spcAft>
     </a:defPPr>
-    <a:lvl1pPr lvl="0" marR="0" rtl="0" algn="l">
+    <a:lvl1pPr marR="0" lvl="0" algn="l" rtl="0">
       <a:lnSpc>
         <a:spcPct val="100000"/>
       </a:lnSpc>
@@ -79,7 +83,7 @@
         <a:srgbClr val="000000"/>
       </a:buClr>
       <a:buFont typeface="Arial"/>
-      <a:defRPr b="0" i="0" sz="1400" u="none" cap="none" strike="noStrike">
+      <a:defRPr sz="1400" b="0" i="0" u="none" strike="noStrike" cap="none">
         <a:solidFill>
           <a:srgbClr val="000000"/>
         </a:solidFill>
@@ -89,7 +93,7 @@
         <a:sym typeface="Arial"/>
       </a:defRPr>
     </a:lvl1pPr>
-    <a:lvl2pPr lvl="1" marR="0" rtl="0" algn="l">
+    <a:lvl2pPr marR="0" lvl="1" algn="l" rtl="0">
       <a:lnSpc>
         <a:spcPct val="100000"/>
       </a:lnSpc>
@@ -103,7 +107,7 @@
         <a:srgbClr val="000000"/>
       </a:buClr>
       <a:buFont typeface="Arial"/>
-      <a:defRPr b="0" i="0" sz="1400" u="none" cap="none" strike="noStrike">
+      <a:defRPr sz="1400" b="0" i="0" u="none" strike="noStrike" cap="none">
         <a:solidFill>
           <a:srgbClr val="000000"/>
         </a:solidFill>
@@ -113,7 +117,7 @@
         <a:sym typeface="Arial"/>
       </a:defRPr>
     </a:lvl2pPr>
-    <a:lvl3pPr lvl="2" marR="0" rtl="0" algn="l">
+    <a:lvl3pPr marR="0" lvl="2" algn="l" rtl="0">
       <a:lnSpc>
         <a:spcPct val="100000"/>
       </a:lnSpc>
@@ -127,7 +131,7 @@
         <a:srgbClr val="000000"/>
       </a:buClr>
       <a:buFont typeface="Arial"/>
-      <a:defRPr b="0" i="0" sz="1400" u="none" cap="none" strike="noStrike">
+      <a:defRPr sz="1400" b="0" i="0" u="none" strike="noStrike" cap="none">
         <a:solidFill>
           <a:srgbClr val="000000"/>
         </a:solidFill>
@@ -137,7 +141,7 @@
         <a:sym typeface="Arial"/>
       </a:defRPr>
     </a:lvl3pPr>
-    <a:lvl4pPr lvl="3" marR="0" rtl="0" algn="l">
+    <a:lvl4pPr marR="0" lvl="3" algn="l" rtl="0">
       <a:lnSpc>
         <a:spcPct val="100000"/>
       </a:lnSpc>
@@ -151,7 +155,7 @@
         <a:srgbClr val="000000"/>
       </a:buClr>
       <a:buFont typeface="Arial"/>
-      <a:defRPr b="0" i="0" sz="1400" u="none" cap="none" strike="noStrike">
+      <a:defRPr sz="1400" b="0" i="0" u="none" strike="noStrike" cap="none">
         <a:solidFill>
           <a:srgbClr val="000000"/>
         </a:solidFill>
@@ -161,7 +165,7 @@
         <a:sym typeface="Arial"/>
       </a:defRPr>
     </a:lvl4pPr>
-    <a:lvl5pPr lvl="4" marR="0" rtl="0" algn="l">
+    <a:lvl5pPr marR="0" lvl="4" algn="l" rtl="0">
       <a:lnSpc>
         <a:spcPct val="100000"/>
       </a:lnSpc>
@@ -175,7 +179,7 @@
         <a:srgbClr val="000000"/>
       </a:buClr>
       <a:buFont typeface="Arial"/>
-      <a:defRPr b="0" i="0" sz="1400" u="none" cap="none" strike="noStrike">
+      <a:defRPr sz="1400" b="0" i="0" u="none" strike="noStrike" cap="none">
         <a:solidFill>
           <a:srgbClr val="000000"/>
         </a:solidFill>
@@ -185,7 +189,7 @@
         <a:sym typeface="Arial"/>
       </a:defRPr>
     </a:lvl5pPr>
-    <a:lvl6pPr lvl="5" marR="0" rtl="0" algn="l">
+    <a:lvl6pPr marR="0" lvl="5" algn="l" rtl="0">
       <a:lnSpc>
         <a:spcPct val="100000"/>
       </a:lnSpc>
@@ -199,7 +203,7 @@
         <a:srgbClr val="000000"/>
       </a:buClr>
       <a:buFont typeface="Arial"/>
-      <a:defRPr b="0" i="0" sz="1400" u="none" cap="none" strike="noStrike">
+      <a:defRPr sz="1400" b="0" i="0" u="none" strike="noStrike" cap="none">
         <a:solidFill>
           <a:srgbClr val="000000"/>
         </a:solidFill>
@@ -209,7 +213,7 @@
         <a:sym typeface="Arial"/>
       </a:defRPr>
     </a:lvl6pPr>
-    <a:lvl7pPr lvl="6" marR="0" rtl="0" algn="l">
+    <a:lvl7pPr marR="0" lvl="6" algn="l" rtl="0">
       <a:lnSpc>
         <a:spcPct val="100000"/>
       </a:lnSpc>
@@ -223,7 +227,7 @@
         <a:srgbClr val="000000"/>
       </a:buClr>
       <a:buFont typeface="Arial"/>
-      <a:defRPr b="0" i="0" sz="1400" u="none" cap="none" strike="noStrike">
+      <a:defRPr sz="1400" b="0" i="0" u="none" strike="noStrike" cap="none">
         <a:solidFill>
           <a:srgbClr val="000000"/>
         </a:solidFill>
@@ -233,7 +237,7 @@
         <a:sym typeface="Arial"/>
       </a:defRPr>
     </a:lvl7pPr>
-    <a:lvl8pPr lvl="7" marR="0" rtl="0" algn="l">
+    <a:lvl8pPr marR="0" lvl="7" algn="l" rtl="0">
       <a:lnSpc>
         <a:spcPct val="100000"/>
       </a:lnSpc>
@@ -247,7 +251,7 @@
         <a:srgbClr val="000000"/>
       </a:buClr>
       <a:buFont typeface="Arial"/>
-      <a:defRPr b="0" i="0" sz="1400" u="none" cap="none" strike="noStrike">
+      <a:defRPr sz="1400" b="0" i="0" u="none" strike="noStrike" cap="none">
         <a:solidFill>
           <a:srgbClr val="000000"/>
         </a:solidFill>
@@ -257,7 +261,7 @@
         <a:sym typeface="Arial"/>
       </a:defRPr>
     </a:lvl8pPr>
-    <a:lvl9pPr lvl="8" marR="0" rtl="0" algn="l">
+    <a:lvl9pPr marR="0" lvl="8" algn="l" rtl="0">
       <a:lnSpc>
         <a:spcPct val="100000"/>
       </a:lnSpc>
@@ -271,7 +275,7 @@
         <a:srgbClr val="000000"/>
       </a:buClr>
       <a:buFont typeface="Arial"/>
-      <a:defRPr b="0" i="0" sz="1400" u="none" cap="none" strike="noStrike">
+      <a:defRPr sz="1400" b="0" i="0" u="none" strike="noStrike" cap="none">
         <a:solidFill>
           <a:srgbClr val="000000"/>
         </a:solidFill>
@@ -284,7 +288,7 @@
   </p:defaultTextStyle>
   <p:extLst>
     <p:ext uri="{EFAFB233-063F-42B5-8137-9DF3F51BA10A}">
-      <p15:sldGuideLst>
+      <p15:sldGuideLst xmlns:p15="http://schemas.microsoft.com/office/powerpoint/2012/main">
         <p15:guide id="1" orient="horz" pos="1620">
           <p15:clr>
             <a:srgbClr val="747775"/>
@@ -302,11 +306,16 @@
 </file>
 
 <file path=ppt/notesMasters/notesMaster1.xml><?xml version="1.0" encoding="utf-8"?>
-<p:notesMaster xmlns:a="http://schemas.openxmlformats.org/drawingml/2006/main" xmlns:r="http://schemas.openxmlformats.org/officeDocument/2006/relationships" xmlns:mc="http://schemas.openxmlformats.org/markup-compatibility/2006" xmlns:mv="urn:schemas-microsoft-com:mac:vml" xmlns:p="http://schemas.openxmlformats.org/presentationml/2006/main" xmlns:c="http://schemas.openxmlformats.org/drawingml/2006/chart" xmlns:dgm="http://schemas.openxmlformats.org/drawingml/2006/diagram" xmlns:o="urn:schemas-microsoft-com:office:office" xmlns:v="urn:schemas-microsoft-com:vml" xmlns:pvml="urn:schemas-microsoft-com:office:powerpoint" xmlns:com="http://schemas.openxmlformats.org/drawingml/2006/compatibility" xmlns:p14="http://schemas.microsoft.com/office/powerpoint/2010/main" xmlns:p15="http://schemas.microsoft.com/office/powerpoint/2012/main" xmlns:ahyp="http://schemas.microsoft.com/office/drawing/2018/hyperlinkcolor">
+<p:notesMaster xmlns:a="http://schemas.openxmlformats.org/drawingml/2006/main" xmlns:r="http://schemas.openxmlformats.org/officeDocument/2006/relationships" xmlns:p="http://schemas.openxmlformats.org/presentationml/2006/main">
   <p:cSld>
+    <p:bg>
+      <p:bgRef idx="1001">
+        <a:schemeClr val="bg1"/>
+      </p:bgRef>
+    </p:bg>
     <p:spTree>
       <p:nvGrpSpPr>
-        <p:cNvPr id="2" name="Shape 2"/>
+        <p:cNvPr id="1" name="Shape 2"/>
         <p:cNvGrpSpPr/>
         <p:nvPr/>
       </p:nvGrpSpPr>
@@ -321,9 +330,11 @@
       <p:sp>
         <p:nvSpPr>
           <p:cNvPr id="3" name="Google Shape;3;n"/>
-          <p:cNvSpPr/>
+          <p:cNvSpPr>
+            <a:spLocks noGrp="1" noRot="1" noChangeAspect="1"/>
+          </p:cNvSpPr>
           <p:nvPr>
-            <p:ph idx="2" type="sldImg"/>
+            <p:ph type="sldImg" idx="2"/>
           </p:nvPr>
         </p:nvSpPr>
         <p:spPr>
@@ -332,9 +343,13 @@
             <a:ext cx="6096075" cy="3429000"/>
           </a:xfrm>
           <a:custGeom>
-            <a:rect b="b" l="l" r="r" t="t"/>
+            <a:avLst/>
+            <a:gdLst/>
+            <a:ahLst/>
+            <a:cxnLst/>
+            <a:rect l="l" t="t" r="r" b="b"/>
             <a:pathLst>
-              <a:path extrusionOk="0" h="120000" w="120000">
+              <a:path w="120000" h="120000" extrusionOk="0">
                 <a:moveTo>
                   <a:pt x="0" y="0"/>
                 </a:moveTo>
@@ -352,23 +367,25 @@
             </a:pathLst>
           </a:custGeom>
           <a:noFill/>
-          <a:ln cap="flat" cmpd="sng" w="9525">
+          <a:ln w="9525" cap="flat" cmpd="sng">
             <a:solidFill>
               <a:srgbClr val="000000"/>
             </a:solidFill>
             <a:prstDash val="solid"/>
             <a:round/>
-            <a:headEnd len="sm" w="sm" type="none"/>
-            <a:tailEnd len="sm" w="sm" type="none"/>
+            <a:headEnd type="none" w="sm" len="sm"/>
+            <a:tailEnd type="none" w="sm" len="sm"/>
           </a:ln>
         </p:spPr>
       </p:sp>
       <p:sp>
         <p:nvSpPr>
           <p:cNvPr id="4" name="Google Shape;4;n"/>
-          <p:cNvSpPr txBox="1"/>
+          <p:cNvSpPr txBox="1">
+            <a:spLocks noGrp="1"/>
+          </p:cNvSpPr>
           <p:nvPr>
-            <p:ph idx="1" type="body"/>
+            <p:ph type="body" idx="1"/>
           </p:nvPr>
         </p:nvSpPr>
         <p:spPr>
@@ -385,11 +402,11 @@
           </a:ln>
         </p:spPr>
         <p:txBody>
-          <a:bodyPr anchorCtr="0" anchor="t" bIns="91425" lIns="91425" spcFirstLastPara="1" rIns="91425" wrap="square" tIns="91425">
+          <a:bodyPr spcFirstLastPara="1" wrap="square" lIns="91425" tIns="91425" rIns="91425" bIns="91425" anchor="t" anchorCtr="0">
             <a:noAutofit/>
           </a:bodyPr>
           <a:lstStyle>
-            <a:lvl1pPr indent="-298450" lvl="0" marL="457200">
+            <a:lvl1pPr marL="457200" lvl="0" indent="-298450">
               <a:spcBef>
                 <a:spcPts val="0"/>
               </a:spcBef>
@@ -400,7 +417,7 @@
               <a:buChar char="●"/>
               <a:defRPr sz="1100"/>
             </a:lvl1pPr>
-            <a:lvl2pPr indent="-298450" lvl="1" marL="914400">
+            <a:lvl2pPr marL="914400" lvl="1" indent="-298450">
               <a:spcBef>
                 <a:spcPts val="0"/>
               </a:spcBef>
@@ -411,7 +428,7 @@
               <a:buChar char="○"/>
               <a:defRPr sz="1100"/>
             </a:lvl2pPr>
-            <a:lvl3pPr indent="-298450" lvl="2" marL="1371600">
+            <a:lvl3pPr marL="1371600" lvl="2" indent="-298450">
               <a:spcBef>
                 <a:spcPts val="0"/>
               </a:spcBef>
@@ -422,7 +439,7 @@
               <a:buChar char="■"/>
               <a:defRPr sz="1100"/>
             </a:lvl3pPr>
-            <a:lvl4pPr indent="-298450" lvl="3" marL="1828800">
+            <a:lvl4pPr marL="1828800" lvl="3" indent="-298450">
               <a:spcBef>
                 <a:spcPts val="0"/>
               </a:spcBef>
@@ -433,7 +450,7 @@
               <a:buChar char="●"/>
               <a:defRPr sz="1100"/>
             </a:lvl4pPr>
-            <a:lvl5pPr indent="-298450" lvl="4" marL="2286000">
+            <a:lvl5pPr marL="2286000" lvl="4" indent="-298450">
               <a:spcBef>
                 <a:spcPts val="0"/>
               </a:spcBef>
@@ -444,7 +461,7 @@
               <a:buChar char="○"/>
               <a:defRPr sz="1100"/>
             </a:lvl5pPr>
-            <a:lvl6pPr indent="-298450" lvl="5" marL="2743200">
+            <a:lvl6pPr marL="2743200" lvl="5" indent="-298450">
               <a:spcBef>
                 <a:spcPts val="0"/>
               </a:spcBef>
@@ -455,7 +472,7 @@
               <a:buChar char="■"/>
               <a:defRPr sz="1100"/>
             </a:lvl6pPr>
-            <a:lvl7pPr indent="-298450" lvl="6" marL="3200400">
+            <a:lvl7pPr marL="3200400" lvl="6" indent="-298450">
               <a:spcBef>
                 <a:spcPts val="0"/>
               </a:spcBef>
@@ -466,7 +483,7 @@
               <a:buChar char="●"/>
               <a:defRPr sz="1100"/>
             </a:lvl7pPr>
-            <a:lvl8pPr indent="-298450" lvl="7" marL="3657600">
+            <a:lvl8pPr marL="3657600" lvl="7" indent="-298450">
               <a:spcBef>
                 <a:spcPts val="0"/>
               </a:spcBef>
@@ -477,7 +494,7 @@
               <a:buChar char="○"/>
               <a:defRPr sz="1100"/>
             </a:lvl8pPr>
-            <a:lvl9pPr indent="-298450" lvl="8" marL="4114800">
+            <a:lvl9pPr marL="4114800" lvl="8" indent="-298450">
               <a:spcBef>
                 <a:spcPts val="0"/>
               </a:spcBef>
@@ -489,14 +506,16 @@
               <a:defRPr sz="1100"/>
             </a:lvl9pPr>
           </a:lstStyle>
-          <a:p/>
+          <a:p>
+            <a:endParaRPr/>
+          </a:p>
         </p:txBody>
       </p:sp>
     </p:spTree>
   </p:cSld>
-  <p:clrMap accent1="accent1" accent2="accent2" accent3="accent3" accent4="accent4" accent5="accent5" accent6="accent6" bg1="lt1" bg2="dk2" tx1="dk1" tx2="lt2" folHlink="folHlink" hlink="hlink"/>
+  <p:clrMap bg1="lt1" tx1="dk1" bg2="dk2" tx2="lt2" accent1="accent1" accent2="accent2" accent3="accent3" accent4="accent4" accent5="accent5" accent6="accent6" hlink="hlink" folHlink="folHlink"/>
   <p:notesStyle>
-    <a:defPPr lvl="0" marR="0" rtl="0" algn="l">
+    <a:defPPr marR="0" lvl="0" algn="l" rtl="0">
       <a:lnSpc>
         <a:spcPct val="100000"/>
       </a:lnSpc>
@@ -507,7 +526,7 @@
         <a:spcPts val="0"/>
       </a:spcAft>
     </a:defPPr>
-    <a:lvl1pPr lvl="0" marR="0" rtl="0" algn="l">
+    <a:lvl1pPr marR="0" lvl="0" algn="l" rtl="0">
       <a:lnSpc>
         <a:spcPct val="100000"/>
       </a:lnSpc>
@@ -521,7 +540,7 @@
         <a:srgbClr val="000000"/>
       </a:buClr>
       <a:buFont typeface="Arial"/>
-      <a:defRPr b="0" i="0" sz="1400" u="none" cap="none" strike="noStrike">
+      <a:defRPr sz="1400" b="0" i="0" u="none" strike="noStrike" cap="none">
         <a:solidFill>
           <a:srgbClr val="000000"/>
         </a:solidFill>
@@ -531,7 +550,7 @@
         <a:sym typeface="Arial"/>
       </a:defRPr>
     </a:lvl1pPr>
-    <a:lvl2pPr lvl="1" marR="0" rtl="0" algn="l">
+    <a:lvl2pPr marR="0" lvl="1" algn="l" rtl="0">
       <a:lnSpc>
         <a:spcPct val="100000"/>
       </a:lnSpc>
@@ -545,7 +564,7 @@
         <a:srgbClr val="000000"/>
       </a:buClr>
       <a:buFont typeface="Arial"/>
-      <a:defRPr b="0" i="0" sz="1400" u="none" cap="none" strike="noStrike">
+      <a:defRPr sz="1400" b="0" i="0" u="none" strike="noStrike" cap="none">
         <a:solidFill>
           <a:srgbClr val="000000"/>
         </a:solidFill>
@@ -555,7 +574,7 @@
         <a:sym typeface="Arial"/>
       </a:defRPr>
     </a:lvl2pPr>
-    <a:lvl3pPr lvl="2" marR="0" rtl="0" algn="l">
+    <a:lvl3pPr marR="0" lvl="2" algn="l" rtl="0">
       <a:lnSpc>
         <a:spcPct val="100000"/>
       </a:lnSpc>
@@ -569,7 +588,7 @@
         <a:srgbClr val="000000"/>
       </a:buClr>
       <a:buFont typeface="Arial"/>
-      <a:defRPr b="0" i="0" sz="1400" u="none" cap="none" strike="noStrike">
+      <a:defRPr sz="1400" b="0" i="0" u="none" strike="noStrike" cap="none">
         <a:solidFill>
           <a:srgbClr val="000000"/>
         </a:solidFill>
@@ -579,7 +598,7 @@
         <a:sym typeface="Arial"/>
       </a:defRPr>
     </a:lvl3pPr>
-    <a:lvl4pPr lvl="3" marR="0" rtl="0" algn="l">
+    <a:lvl4pPr marR="0" lvl="3" algn="l" rtl="0">
       <a:lnSpc>
         <a:spcPct val="100000"/>
       </a:lnSpc>
@@ -593,7 +612,7 @@
         <a:srgbClr val="000000"/>
       </a:buClr>
       <a:buFont typeface="Arial"/>
-      <a:defRPr b="0" i="0" sz="1400" u="none" cap="none" strike="noStrike">
+      <a:defRPr sz="1400" b="0" i="0" u="none" strike="noStrike" cap="none">
         <a:solidFill>
           <a:srgbClr val="000000"/>
         </a:solidFill>
@@ -603,7 +622,7 @@
         <a:sym typeface="Arial"/>
       </a:defRPr>
     </a:lvl4pPr>
-    <a:lvl5pPr lvl="4" marR="0" rtl="0" algn="l">
+    <a:lvl5pPr marR="0" lvl="4" algn="l" rtl="0">
       <a:lnSpc>
         <a:spcPct val="100000"/>
       </a:lnSpc>
@@ -617,7 +636,7 @@
         <a:srgbClr val="000000"/>
       </a:buClr>
       <a:buFont typeface="Arial"/>
-      <a:defRPr b="0" i="0" sz="1400" u="none" cap="none" strike="noStrike">
+      <a:defRPr sz="1400" b="0" i="0" u="none" strike="noStrike" cap="none">
         <a:solidFill>
           <a:srgbClr val="000000"/>
         </a:solidFill>
@@ -627,7 +646,7 @@
         <a:sym typeface="Arial"/>
       </a:defRPr>
     </a:lvl5pPr>
-    <a:lvl6pPr lvl="5" marR="0" rtl="0" algn="l">
+    <a:lvl6pPr marR="0" lvl="5" algn="l" rtl="0">
       <a:lnSpc>
         <a:spcPct val="100000"/>
       </a:lnSpc>
@@ -641,7 +660,7 @@
         <a:srgbClr val="000000"/>
       </a:buClr>
       <a:buFont typeface="Arial"/>
-      <a:defRPr b="0" i="0" sz="1400" u="none" cap="none" strike="noStrike">
+      <a:defRPr sz="1400" b="0" i="0" u="none" strike="noStrike" cap="none">
         <a:solidFill>
           <a:srgbClr val="000000"/>
         </a:solidFill>
@@ -651,7 +670,7 @@
         <a:sym typeface="Arial"/>
       </a:defRPr>
     </a:lvl6pPr>
-    <a:lvl7pPr lvl="6" marR="0" rtl="0" algn="l">
+    <a:lvl7pPr marR="0" lvl="6" algn="l" rtl="0">
       <a:lnSpc>
         <a:spcPct val="100000"/>
       </a:lnSpc>
@@ -665,7 +684,7 @@
         <a:srgbClr val="000000"/>
       </a:buClr>
       <a:buFont typeface="Arial"/>
-      <a:defRPr b="0" i="0" sz="1400" u="none" cap="none" strike="noStrike">
+      <a:defRPr sz="1400" b="0" i="0" u="none" strike="noStrike" cap="none">
         <a:solidFill>
           <a:srgbClr val="000000"/>
         </a:solidFill>
@@ -675,7 +694,7 @@
         <a:sym typeface="Arial"/>
       </a:defRPr>
     </a:lvl7pPr>
-    <a:lvl8pPr lvl="7" marR="0" rtl="0" algn="l">
+    <a:lvl8pPr marR="0" lvl="7" algn="l" rtl="0">
       <a:lnSpc>
         <a:spcPct val="100000"/>
       </a:lnSpc>
@@ -689,7 +708,7 @@
         <a:srgbClr val="000000"/>
       </a:buClr>
       <a:buFont typeface="Arial"/>
-      <a:defRPr b="0" i="0" sz="1400" u="none" cap="none" strike="noStrike">
+      <a:defRPr sz="1400" b="0" i="0" u="none" strike="noStrike" cap="none">
         <a:solidFill>
           <a:srgbClr val="000000"/>
         </a:solidFill>
@@ -699,7 +718,7 @@
         <a:sym typeface="Arial"/>
       </a:defRPr>
     </a:lvl8pPr>
-    <a:lvl9pPr lvl="8" marR="0" rtl="0" algn="l">
+    <a:lvl9pPr marR="0" lvl="8" algn="l" rtl="0">
       <a:lnSpc>
         <a:spcPct val="100000"/>
       </a:lnSpc>
@@ -713,7 +732,7 @@
         <a:srgbClr val="000000"/>
       </a:buClr>
       <a:buFont typeface="Arial"/>
-      <a:defRPr b="0" i="0" sz="1400" u="none" cap="none" strike="noStrike">
+      <a:defRPr sz="1400" b="0" i="0" u="none" strike="noStrike" cap="none">
         <a:solidFill>
           <a:srgbClr val="000000"/>
         </a:solidFill>
@@ -728,11 +747,11 @@
 </file>
 
 <file path=ppt/notesSlides/notesSlide1.xml><?xml version="1.0" encoding="utf-8"?>
-<p:notes xmlns:a="http://schemas.openxmlformats.org/drawingml/2006/main" xmlns:r="http://schemas.openxmlformats.org/officeDocument/2006/relationships" xmlns:mc="http://schemas.openxmlformats.org/markup-compatibility/2006" xmlns:mv="urn:schemas-microsoft-com:mac:vml" xmlns:p="http://schemas.openxmlformats.org/presentationml/2006/main" xmlns:c="http://schemas.openxmlformats.org/drawingml/2006/chart" xmlns:dgm="http://schemas.openxmlformats.org/drawingml/2006/diagram" xmlns:o="urn:schemas-microsoft-com:office:office" xmlns:v="urn:schemas-microsoft-com:vml" xmlns:pvml="urn:schemas-microsoft-com:office:powerpoint" xmlns:com="http://schemas.openxmlformats.org/drawingml/2006/compatibility" xmlns:p14="http://schemas.microsoft.com/office/powerpoint/2010/main" xmlns:p15="http://schemas.microsoft.com/office/powerpoint/2012/main" xmlns:ahyp="http://schemas.microsoft.com/office/drawing/2018/hyperlinkcolor" showMasterPhAnim="0" showMasterSp="0">
+<p:notes xmlns:a="http://schemas.openxmlformats.org/drawingml/2006/main" xmlns:r="http://schemas.openxmlformats.org/officeDocument/2006/relationships" xmlns:p="http://schemas.openxmlformats.org/presentationml/2006/main" showMasterSp="0" showMasterPhAnim="0">
   <p:cSld>
     <p:spTree>
       <p:nvGrpSpPr>
-        <p:cNvPr id="55" name="Shape 55"/>
+        <p:cNvPr id="1" name="Shape 55"/>
         <p:cNvGrpSpPr/>
         <p:nvPr/>
       </p:nvGrpSpPr>
@@ -747,20 +766,26 @@
       <p:sp>
         <p:nvSpPr>
           <p:cNvPr id="56" name="Google Shape;56;p:notes"/>
-          <p:cNvSpPr/>
+          <p:cNvSpPr>
+            <a:spLocks noGrp="1" noRot="1" noChangeAspect="1"/>
+          </p:cNvSpPr>
           <p:nvPr>
-            <p:ph idx="2" type="sldImg"/>
+            <p:ph type="sldImg" idx="2"/>
           </p:nvPr>
         </p:nvSpPr>
         <p:spPr>
           <a:xfrm>
-            <a:off x="381300" y="685800"/>
-            <a:ext cx="6096075" cy="3429000"/>
+            <a:off x="381000" y="685800"/>
+            <a:ext cx="6096000" cy="3429000"/>
           </a:xfrm>
           <a:custGeom>
-            <a:rect b="b" l="l" r="r" t="t"/>
+            <a:avLst/>
+            <a:gdLst/>
+            <a:ahLst/>
+            <a:cxnLst/>
+            <a:rect l="l" t="t" r="r" b="b"/>
             <a:pathLst>
-              <a:path extrusionOk="0" h="120000" w="120000">
+              <a:path w="120000" h="120000" extrusionOk="0">
                 <a:moveTo>
                   <a:pt x="0" y="0"/>
                 </a:moveTo>
@@ -782,9 +807,11 @@
       <p:sp>
         <p:nvSpPr>
           <p:cNvPr id="57" name="Google Shape;57;p:notes"/>
-          <p:cNvSpPr txBox="1"/>
+          <p:cNvSpPr txBox="1">
+            <a:spLocks noGrp="1"/>
+          </p:cNvSpPr>
           <p:nvPr>
-            <p:ph idx="1" type="body"/>
+            <p:ph type="body" idx="1"/>
           </p:nvPr>
         </p:nvSpPr>
         <p:spPr>
@@ -797,12 +824,12 @@
           </a:prstGeom>
         </p:spPr>
         <p:txBody>
-          <a:bodyPr anchorCtr="0" anchor="t" bIns="91425" lIns="91425" spcFirstLastPara="1" rIns="91425" wrap="square" tIns="91425">
+          <a:bodyPr spcFirstLastPara="1" wrap="square" lIns="91425" tIns="91425" rIns="91425" bIns="91425" anchor="t" anchorCtr="0">
             <a:noAutofit/>
           </a:bodyPr>
           <a:lstStyle/>
           <a:p>
-            <a:pPr indent="0" lvl="0" marL="0" rtl="0" algn="l">
+            <a:pPr marL="0" lvl="0" indent="0" algn="l" rtl="0">
               <a:spcBef>
                 <a:spcPts val="0"/>
               </a:spcBef>
@@ -811,9 +838,6 @@
               </a:spcAft>
               <a:buNone/>
             </a:pPr>
-            <a:r>
-              <a:t/>
-            </a:r>
             <a:endParaRPr/>
           </a:p>
         </p:txBody>
@@ -827,11 +851,11 @@
 </file>
 
 <file path=ppt/notesSlides/notesSlide10.xml><?xml version="1.0" encoding="utf-8"?>
-<p:notes xmlns:a="http://schemas.openxmlformats.org/drawingml/2006/main" xmlns:r="http://schemas.openxmlformats.org/officeDocument/2006/relationships" xmlns:mc="http://schemas.openxmlformats.org/markup-compatibility/2006" xmlns:mv="urn:schemas-microsoft-com:mac:vml" xmlns:p="http://schemas.openxmlformats.org/presentationml/2006/main" xmlns:c="http://schemas.openxmlformats.org/drawingml/2006/chart" xmlns:dgm="http://schemas.openxmlformats.org/drawingml/2006/diagram" xmlns:o="urn:schemas-microsoft-com:office:office" xmlns:v="urn:schemas-microsoft-com:vml" xmlns:pvml="urn:schemas-microsoft-com:office:powerpoint" xmlns:com="http://schemas.openxmlformats.org/drawingml/2006/compatibility" xmlns:p14="http://schemas.microsoft.com/office/powerpoint/2010/main" xmlns:p15="http://schemas.microsoft.com/office/powerpoint/2012/main" xmlns:ahyp="http://schemas.microsoft.com/office/drawing/2018/hyperlinkcolor" showMasterPhAnim="0" showMasterSp="0">
+<p:notes xmlns:a="http://schemas.openxmlformats.org/drawingml/2006/main" xmlns:r="http://schemas.openxmlformats.org/officeDocument/2006/relationships" xmlns:p="http://schemas.openxmlformats.org/presentationml/2006/main" showMasterSp="0" showMasterPhAnim="0">
   <p:cSld>
     <p:spTree>
       <p:nvGrpSpPr>
-        <p:cNvPr id="112" name="Shape 112"/>
+        <p:cNvPr id="1" name="Shape 112"/>
         <p:cNvGrpSpPr/>
         <p:nvPr/>
       </p:nvGrpSpPr>
@@ -846,9 +870,11 @@
       <p:sp>
         <p:nvSpPr>
           <p:cNvPr id="113" name="Google Shape;113;g33bfb3211b3_0_46:notes"/>
-          <p:cNvSpPr/>
+          <p:cNvSpPr>
+            <a:spLocks noGrp="1" noRot="1" noChangeAspect="1"/>
+          </p:cNvSpPr>
           <p:nvPr>
-            <p:ph idx="2" type="sldImg"/>
+            <p:ph type="sldImg" idx="2"/>
           </p:nvPr>
         </p:nvSpPr>
         <p:spPr>
@@ -857,9 +883,13 @@
             <a:ext cx="6096000" cy="3429000"/>
           </a:xfrm>
           <a:custGeom>
-            <a:rect b="b" l="l" r="r" t="t"/>
+            <a:avLst/>
+            <a:gdLst/>
+            <a:ahLst/>
+            <a:cxnLst/>
+            <a:rect l="l" t="t" r="r" b="b"/>
             <a:pathLst>
-              <a:path extrusionOk="0" h="120000" w="120000">
+              <a:path w="120000" h="120000" extrusionOk="0">
                 <a:moveTo>
                   <a:pt x="0" y="0"/>
                 </a:moveTo>
@@ -881,9 +911,11 @@
       <p:sp>
         <p:nvSpPr>
           <p:cNvPr id="114" name="Google Shape;114;g33bfb3211b3_0_46:notes"/>
-          <p:cNvSpPr txBox="1"/>
+          <p:cNvSpPr txBox="1">
+            <a:spLocks noGrp="1"/>
+          </p:cNvSpPr>
           <p:nvPr>
-            <p:ph idx="1" type="body"/>
+            <p:ph type="body" idx="1"/>
           </p:nvPr>
         </p:nvSpPr>
         <p:spPr>
@@ -896,12 +928,12 @@
           </a:prstGeom>
         </p:spPr>
         <p:txBody>
-          <a:bodyPr anchorCtr="0" anchor="t" bIns="91425" lIns="91425" spcFirstLastPara="1" rIns="91425" wrap="square" tIns="91425">
+          <a:bodyPr spcFirstLastPara="1" wrap="square" lIns="91425" tIns="91425" rIns="91425" bIns="91425" anchor="t" anchorCtr="0">
             <a:noAutofit/>
           </a:bodyPr>
           <a:lstStyle/>
           <a:p>
-            <a:pPr indent="0" lvl="0" marL="0" rtl="0" algn="l">
+            <a:pPr marL="0" lvl="0" indent="0" algn="l" rtl="0">
               <a:spcBef>
                 <a:spcPts val="0"/>
               </a:spcBef>
@@ -910,9 +942,6 @@
               </a:spcAft>
               <a:buNone/>
             </a:pPr>
-            <a:r>
-              <a:t/>
-            </a:r>
             <a:endParaRPr/>
           </a:p>
         </p:txBody>
@@ -926,11 +955,11 @@
 </file>
 
 <file path=ppt/notesSlides/notesSlide11.xml><?xml version="1.0" encoding="utf-8"?>
-<p:notes xmlns:a="http://schemas.openxmlformats.org/drawingml/2006/main" xmlns:r="http://schemas.openxmlformats.org/officeDocument/2006/relationships" xmlns:mc="http://schemas.openxmlformats.org/markup-compatibility/2006" xmlns:mv="urn:schemas-microsoft-com:mac:vml" xmlns:p="http://schemas.openxmlformats.org/presentationml/2006/main" xmlns:c="http://schemas.openxmlformats.org/drawingml/2006/chart" xmlns:dgm="http://schemas.openxmlformats.org/drawingml/2006/diagram" xmlns:o="urn:schemas-microsoft-com:office:office" xmlns:v="urn:schemas-microsoft-com:vml" xmlns:pvml="urn:schemas-microsoft-com:office:powerpoint" xmlns:com="http://schemas.openxmlformats.org/drawingml/2006/compatibility" xmlns:p14="http://schemas.microsoft.com/office/powerpoint/2010/main" xmlns:p15="http://schemas.microsoft.com/office/powerpoint/2012/main" xmlns:ahyp="http://schemas.microsoft.com/office/drawing/2018/hyperlinkcolor" showMasterPhAnim="0" showMasterSp="0">
+<p:notes xmlns:a="http://schemas.openxmlformats.org/drawingml/2006/main" xmlns:r="http://schemas.openxmlformats.org/officeDocument/2006/relationships" xmlns:p="http://schemas.openxmlformats.org/presentationml/2006/main" showMasterSp="0" showMasterPhAnim="0">
   <p:cSld>
     <p:spTree>
       <p:nvGrpSpPr>
-        <p:cNvPr id="120" name="Shape 120"/>
+        <p:cNvPr id="1" name="Shape 120"/>
         <p:cNvGrpSpPr/>
         <p:nvPr/>
       </p:nvGrpSpPr>
@@ -945,9 +974,11 @@
       <p:sp>
         <p:nvSpPr>
           <p:cNvPr id="121" name="Google Shape;121;g33bfb3211b3_0_55:notes"/>
-          <p:cNvSpPr/>
+          <p:cNvSpPr>
+            <a:spLocks noGrp="1" noRot="1" noChangeAspect="1"/>
+          </p:cNvSpPr>
           <p:nvPr>
-            <p:ph idx="2" type="sldImg"/>
+            <p:ph type="sldImg" idx="2"/>
           </p:nvPr>
         </p:nvSpPr>
         <p:spPr>
@@ -956,9 +987,13 @@
             <a:ext cx="6096000" cy="3429000"/>
           </a:xfrm>
           <a:custGeom>
-            <a:rect b="b" l="l" r="r" t="t"/>
+            <a:avLst/>
+            <a:gdLst/>
+            <a:ahLst/>
+            <a:cxnLst/>
+            <a:rect l="l" t="t" r="r" b="b"/>
             <a:pathLst>
-              <a:path extrusionOk="0" h="120000" w="120000">
+              <a:path w="120000" h="120000" extrusionOk="0">
                 <a:moveTo>
                   <a:pt x="0" y="0"/>
                 </a:moveTo>
@@ -980,9 +1015,11 @@
       <p:sp>
         <p:nvSpPr>
           <p:cNvPr id="122" name="Google Shape;122;g33bfb3211b3_0_55:notes"/>
-          <p:cNvSpPr txBox="1"/>
+          <p:cNvSpPr txBox="1">
+            <a:spLocks noGrp="1"/>
+          </p:cNvSpPr>
           <p:nvPr>
-            <p:ph idx="1" type="body"/>
+            <p:ph type="body" idx="1"/>
           </p:nvPr>
         </p:nvSpPr>
         <p:spPr>
@@ -995,12 +1032,12 @@
           </a:prstGeom>
         </p:spPr>
         <p:txBody>
-          <a:bodyPr anchorCtr="0" anchor="t" bIns="91425" lIns="91425" spcFirstLastPara="1" rIns="91425" wrap="square" tIns="91425">
+          <a:bodyPr spcFirstLastPara="1" wrap="square" lIns="91425" tIns="91425" rIns="91425" bIns="91425" anchor="t" anchorCtr="0">
             <a:noAutofit/>
           </a:bodyPr>
           <a:lstStyle/>
           <a:p>
-            <a:pPr indent="0" lvl="0" marL="0" rtl="0" algn="l">
+            <a:pPr marL="0" lvl="0" indent="0" algn="l" rtl="0">
               <a:spcBef>
                 <a:spcPts val="0"/>
               </a:spcBef>
@@ -1009,9 +1046,6 @@
               </a:spcAft>
               <a:buNone/>
             </a:pPr>
-            <a:r>
-              <a:t/>
-            </a:r>
             <a:endParaRPr/>
           </a:p>
         </p:txBody>
@@ -1025,11 +1059,11 @@
 </file>
 
 <file path=ppt/notesSlides/notesSlide12.xml><?xml version="1.0" encoding="utf-8"?>
-<p:notes xmlns:a="http://schemas.openxmlformats.org/drawingml/2006/main" xmlns:r="http://schemas.openxmlformats.org/officeDocument/2006/relationships" xmlns:mc="http://schemas.openxmlformats.org/markup-compatibility/2006" xmlns:mv="urn:schemas-microsoft-com:mac:vml" xmlns:p="http://schemas.openxmlformats.org/presentationml/2006/main" xmlns:c="http://schemas.openxmlformats.org/drawingml/2006/chart" xmlns:dgm="http://schemas.openxmlformats.org/drawingml/2006/diagram" xmlns:o="urn:schemas-microsoft-com:office:office" xmlns:v="urn:schemas-microsoft-com:vml" xmlns:pvml="urn:schemas-microsoft-com:office:powerpoint" xmlns:com="http://schemas.openxmlformats.org/drawingml/2006/compatibility" xmlns:p14="http://schemas.microsoft.com/office/powerpoint/2010/main" xmlns:p15="http://schemas.microsoft.com/office/powerpoint/2012/main" xmlns:ahyp="http://schemas.microsoft.com/office/drawing/2018/hyperlinkcolor" showMasterPhAnim="0" showMasterSp="0">
+<p:notes xmlns:a="http://schemas.openxmlformats.org/drawingml/2006/main" xmlns:r="http://schemas.openxmlformats.org/officeDocument/2006/relationships" xmlns:p="http://schemas.openxmlformats.org/presentationml/2006/main" showMasterSp="0" showMasterPhAnim="0">
   <p:cSld>
     <p:spTree>
       <p:nvGrpSpPr>
-        <p:cNvPr id="129" name="Shape 129"/>
+        <p:cNvPr id="1" name="Shape 129"/>
         <p:cNvGrpSpPr/>
         <p:nvPr/>
       </p:nvGrpSpPr>
@@ -1044,9 +1078,11 @@
       <p:sp>
         <p:nvSpPr>
           <p:cNvPr id="130" name="Google Shape;130;g33bfb3211b3_0_65:notes"/>
-          <p:cNvSpPr/>
+          <p:cNvSpPr>
+            <a:spLocks noGrp="1" noRot="1" noChangeAspect="1"/>
+          </p:cNvSpPr>
           <p:nvPr>
-            <p:ph idx="2" type="sldImg"/>
+            <p:ph type="sldImg" idx="2"/>
           </p:nvPr>
         </p:nvSpPr>
         <p:spPr>
@@ -1055,9 +1091,13 @@
             <a:ext cx="6096000" cy="3429000"/>
           </a:xfrm>
           <a:custGeom>
-            <a:rect b="b" l="l" r="r" t="t"/>
+            <a:avLst/>
+            <a:gdLst/>
+            <a:ahLst/>
+            <a:cxnLst/>
+            <a:rect l="l" t="t" r="r" b="b"/>
             <a:pathLst>
-              <a:path extrusionOk="0" h="120000" w="120000">
+              <a:path w="120000" h="120000" extrusionOk="0">
                 <a:moveTo>
                   <a:pt x="0" y="0"/>
                 </a:moveTo>
@@ -1079,9 +1119,11 @@
       <p:sp>
         <p:nvSpPr>
           <p:cNvPr id="131" name="Google Shape;131;g33bfb3211b3_0_65:notes"/>
-          <p:cNvSpPr txBox="1"/>
+          <p:cNvSpPr txBox="1">
+            <a:spLocks noGrp="1"/>
+          </p:cNvSpPr>
           <p:nvPr>
-            <p:ph idx="1" type="body"/>
+            <p:ph type="body" idx="1"/>
           </p:nvPr>
         </p:nvSpPr>
         <p:spPr>
@@ -1094,12 +1136,12 @@
           </a:prstGeom>
         </p:spPr>
         <p:txBody>
-          <a:bodyPr anchorCtr="0" anchor="t" bIns="91425" lIns="91425" spcFirstLastPara="1" rIns="91425" wrap="square" tIns="91425">
+          <a:bodyPr spcFirstLastPara="1" wrap="square" lIns="91425" tIns="91425" rIns="91425" bIns="91425" anchor="t" anchorCtr="0">
             <a:noAutofit/>
           </a:bodyPr>
           <a:lstStyle/>
           <a:p>
-            <a:pPr indent="0" lvl="0" marL="0" rtl="0" algn="l">
+            <a:pPr marL="0" lvl="0" indent="0" algn="l" rtl="0">
               <a:spcBef>
                 <a:spcPts val="0"/>
               </a:spcBef>
@@ -1108,9 +1150,6 @@
               </a:spcAft>
               <a:buNone/>
             </a:pPr>
-            <a:r>
-              <a:t/>
-            </a:r>
             <a:endParaRPr/>
           </a:p>
         </p:txBody>
@@ -1124,11 +1163,11 @@
 </file>
 
 <file path=ppt/notesSlides/notesSlide13.xml><?xml version="1.0" encoding="utf-8"?>
-<p:notes xmlns:a="http://schemas.openxmlformats.org/drawingml/2006/main" xmlns:r="http://schemas.openxmlformats.org/officeDocument/2006/relationships" xmlns:mc="http://schemas.openxmlformats.org/markup-compatibility/2006" xmlns:mv="urn:schemas-microsoft-com:mac:vml" xmlns:p="http://schemas.openxmlformats.org/presentationml/2006/main" xmlns:c="http://schemas.openxmlformats.org/drawingml/2006/chart" xmlns:dgm="http://schemas.openxmlformats.org/drawingml/2006/diagram" xmlns:o="urn:schemas-microsoft-com:office:office" xmlns:v="urn:schemas-microsoft-com:vml" xmlns:pvml="urn:schemas-microsoft-com:office:powerpoint" xmlns:com="http://schemas.openxmlformats.org/drawingml/2006/compatibility" xmlns:p14="http://schemas.microsoft.com/office/powerpoint/2010/main" xmlns:p15="http://schemas.microsoft.com/office/powerpoint/2012/main" xmlns:ahyp="http://schemas.microsoft.com/office/drawing/2018/hyperlinkcolor" showMasterPhAnim="0" showMasterSp="0">
+<p:notes xmlns:a="http://schemas.openxmlformats.org/drawingml/2006/main" xmlns:r="http://schemas.openxmlformats.org/officeDocument/2006/relationships" xmlns:p="http://schemas.openxmlformats.org/presentationml/2006/main" showMasterSp="0" showMasterPhAnim="0">
   <p:cSld>
     <p:spTree>
       <p:nvGrpSpPr>
-        <p:cNvPr id="136" name="Shape 136"/>
+        <p:cNvPr id="1" name="Shape 136"/>
         <p:cNvGrpSpPr/>
         <p:nvPr/>
       </p:nvGrpSpPr>
@@ -1143,9 +1182,11 @@
       <p:sp>
         <p:nvSpPr>
           <p:cNvPr id="137" name="Google Shape;137;g33bfb3211b3_0_71:notes"/>
-          <p:cNvSpPr/>
+          <p:cNvSpPr>
+            <a:spLocks noGrp="1" noRot="1" noChangeAspect="1"/>
+          </p:cNvSpPr>
           <p:nvPr>
-            <p:ph idx="2" type="sldImg"/>
+            <p:ph type="sldImg" idx="2"/>
           </p:nvPr>
         </p:nvSpPr>
         <p:spPr>
@@ -1154,9 +1195,13 @@
             <a:ext cx="6096000" cy="3429000"/>
           </a:xfrm>
           <a:custGeom>
-            <a:rect b="b" l="l" r="r" t="t"/>
+            <a:avLst/>
+            <a:gdLst/>
+            <a:ahLst/>
+            <a:cxnLst/>
+            <a:rect l="l" t="t" r="r" b="b"/>
             <a:pathLst>
-              <a:path extrusionOk="0" h="120000" w="120000">
+              <a:path w="120000" h="120000" extrusionOk="0">
                 <a:moveTo>
                   <a:pt x="0" y="0"/>
                 </a:moveTo>
@@ -1178,9 +1223,11 @@
       <p:sp>
         <p:nvSpPr>
           <p:cNvPr id="138" name="Google Shape;138;g33bfb3211b3_0_71:notes"/>
-          <p:cNvSpPr txBox="1"/>
+          <p:cNvSpPr txBox="1">
+            <a:spLocks noGrp="1"/>
+          </p:cNvSpPr>
           <p:nvPr>
-            <p:ph idx="1" type="body"/>
+            <p:ph type="body" idx="1"/>
           </p:nvPr>
         </p:nvSpPr>
         <p:spPr>
@@ -1193,12 +1240,12 @@
           </a:prstGeom>
         </p:spPr>
         <p:txBody>
-          <a:bodyPr anchorCtr="0" anchor="t" bIns="91425" lIns="91425" spcFirstLastPara="1" rIns="91425" wrap="square" tIns="91425">
+          <a:bodyPr spcFirstLastPara="1" wrap="square" lIns="91425" tIns="91425" rIns="91425" bIns="91425" anchor="t" anchorCtr="0">
             <a:noAutofit/>
           </a:bodyPr>
           <a:lstStyle/>
           <a:p>
-            <a:pPr indent="0" lvl="0" marL="0" rtl="0" algn="l">
+            <a:pPr marL="0" lvl="0" indent="0" algn="l" rtl="0">
               <a:spcBef>
                 <a:spcPts val="0"/>
               </a:spcBef>
@@ -1207,9 +1254,6 @@
               </a:spcAft>
               <a:buNone/>
             </a:pPr>
-            <a:r>
-              <a:t/>
-            </a:r>
             <a:endParaRPr/>
           </a:p>
         </p:txBody>
@@ -1223,11 +1267,11 @@
 </file>
 
 <file path=ppt/notesSlides/notesSlide14.xml><?xml version="1.0" encoding="utf-8"?>
-<p:notes xmlns:a="http://schemas.openxmlformats.org/drawingml/2006/main" xmlns:r="http://schemas.openxmlformats.org/officeDocument/2006/relationships" xmlns:mc="http://schemas.openxmlformats.org/markup-compatibility/2006" xmlns:mv="urn:schemas-microsoft-com:mac:vml" xmlns:p="http://schemas.openxmlformats.org/presentationml/2006/main" xmlns:c="http://schemas.openxmlformats.org/drawingml/2006/chart" xmlns:dgm="http://schemas.openxmlformats.org/drawingml/2006/diagram" xmlns:o="urn:schemas-microsoft-com:office:office" xmlns:v="urn:schemas-microsoft-com:vml" xmlns:pvml="urn:schemas-microsoft-com:office:powerpoint" xmlns:com="http://schemas.openxmlformats.org/drawingml/2006/compatibility" xmlns:p14="http://schemas.microsoft.com/office/powerpoint/2010/main" xmlns:p15="http://schemas.microsoft.com/office/powerpoint/2012/main" xmlns:ahyp="http://schemas.microsoft.com/office/drawing/2018/hyperlinkcolor" showMasterPhAnim="0" showMasterSp="0">
+<p:notes xmlns:a="http://schemas.openxmlformats.org/drawingml/2006/main" xmlns:r="http://schemas.openxmlformats.org/officeDocument/2006/relationships" xmlns:p="http://schemas.openxmlformats.org/presentationml/2006/main" showMasterSp="0" showMasterPhAnim="0">
   <p:cSld>
     <p:spTree>
       <p:nvGrpSpPr>
-        <p:cNvPr id="143" name="Shape 143"/>
+        <p:cNvPr id="1" name="Shape 143"/>
         <p:cNvGrpSpPr/>
         <p:nvPr/>
       </p:nvGrpSpPr>
@@ -1242,9 +1286,11 @@
       <p:sp>
         <p:nvSpPr>
           <p:cNvPr id="144" name="Google Shape;144;g33bfb3211b3_0_78:notes"/>
-          <p:cNvSpPr/>
+          <p:cNvSpPr>
+            <a:spLocks noGrp="1" noRot="1" noChangeAspect="1"/>
+          </p:cNvSpPr>
           <p:nvPr>
-            <p:ph idx="2" type="sldImg"/>
+            <p:ph type="sldImg" idx="2"/>
           </p:nvPr>
         </p:nvSpPr>
         <p:spPr>
@@ -1253,9 +1299,13 @@
             <a:ext cx="6096000" cy="3429000"/>
           </a:xfrm>
           <a:custGeom>
-            <a:rect b="b" l="l" r="r" t="t"/>
+            <a:avLst/>
+            <a:gdLst/>
+            <a:ahLst/>
+            <a:cxnLst/>
+            <a:rect l="l" t="t" r="r" b="b"/>
             <a:pathLst>
-              <a:path extrusionOk="0" h="120000" w="120000">
+              <a:path w="120000" h="120000" extrusionOk="0">
                 <a:moveTo>
                   <a:pt x="0" y="0"/>
                 </a:moveTo>
@@ -1277,9 +1327,11 @@
       <p:sp>
         <p:nvSpPr>
           <p:cNvPr id="145" name="Google Shape;145;g33bfb3211b3_0_78:notes"/>
-          <p:cNvSpPr txBox="1"/>
+          <p:cNvSpPr txBox="1">
+            <a:spLocks noGrp="1"/>
+          </p:cNvSpPr>
           <p:nvPr>
-            <p:ph idx="1" type="body"/>
+            <p:ph type="body" idx="1"/>
           </p:nvPr>
         </p:nvSpPr>
         <p:spPr>
@@ -1292,12 +1344,12 @@
           </a:prstGeom>
         </p:spPr>
         <p:txBody>
-          <a:bodyPr anchorCtr="0" anchor="t" bIns="91425" lIns="91425" spcFirstLastPara="1" rIns="91425" wrap="square" tIns="91425">
+          <a:bodyPr spcFirstLastPara="1" wrap="square" lIns="91425" tIns="91425" rIns="91425" bIns="91425" anchor="t" anchorCtr="0">
             <a:noAutofit/>
           </a:bodyPr>
           <a:lstStyle/>
           <a:p>
-            <a:pPr indent="0" lvl="0" marL="0" rtl="0" algn="l">
+            <a:pPr marL="0" lvl="0" indent="0" algn="l" rtl="0">
               <a:spcBef>
                 <a:spcPts val="0"/>
               </a:spcBef>
@@ -1306,9 +1358,6 @@
               </a:spcAft>
               <a:buNone/>
             </a:pPr>
-            <a:r>
-              <a:t/>
-            </a:r>
             <a:endParaRPr/>
           </a:p>
         </p:txBody>
@@ -1322,11 +1371,11 @@
 </file>
 
 <file path=ppt/notesSlides/notesSlide15.xml><?xml version="1.0" encoding="utf-8"?>
-<p:notes xmlns:a="http://schemas.openxmlformats.org/drawingml/2006/main" xmlns:r="http://schemas.openxmlformats.org/officeDocument/2006/relationships" xmlns:mc="http://schemas.openxmlformats.org/markup-compatibility/2006" xmlns:mv="urn:schemas-microsoft-com:mac:vml" xmlns:p="http://schemas.openxmlformats.org/presentationml/2006/main" xmlns:c="http://schemas.openxmlformats.org/drawingml/2006/chart" xmlns:dgm="http://schemas.openxmlformats.org/drawingml/2006/diagram" xmlns:o="urn:schemas-microsoft-com:office:office" xmlns:v="urn:schemas-microsoft-com:vml" xmlns:pvml="urn:schemas-microsoft-com:office:powerpoint" xmlns:com="http://schemas.openxmlformats.org/drawingml/2006/compatibility" xmlns:p14="http://schemas.microsoft.com/office/powerpoint/2010/main" xmlns:p15="http://schemas.microsoft.com/office/powerpoint/2012/main" xmlns:ahyp="http://schemas.microsoft.com/office/drawing/2018/hyperlinkcolor" showMasterPhAnim="0" showMasterSp="0">
+<p:notes xmlns:a="http://schemas.openxmlformats.org/drawingml/2006/main" xmlns:r="http://schemas.openxmlformats.org/officeDocument/2006/relationships" xmlns:p="http://schemas.openxmlformats.org/presentationml/2006/main" showMasterSp="0" showMasterPhAnim="0">
   <p:cSld>
     <p:spTree>
       <p:nvGrpSpPr>
-        <p:cNvPr id="149" name="Shape 149"/>
+        <p:cNvPr id="1" name="Shape 149"/>
         <p:cNvGrpSpPr/>
         <p:nvPr/>
       </p:nvGrpSpPr>
@@ -1341,9 +1390,11 @@
       <p:sp>
         <p:nvSpPr>
           <p:cNvPr id="150" name="Google Shape;150;g33bfb3211b3_0_84:notes"/>
-          <p:cNvSpPr/>
+          <p:cNvSpPr>
+            <a:spLocks noGrp="1" noRot="1" noChangeAspect="1"/>
+          </p:cNvSpPr>
           <p:nvPr>
-            <p:ph idx="2" type="sldImg"/>
+            <p:ph type="sldImg" idx="2"/>
           </p:nvPr>
         </p:nvSpPr>
         <p:spPr>
@@ -1352,9 +1403,13 @@
             <a:ext cx="6096000" cy="3429000"/>
           </a:xfrm>
           <a:custGeom>
-            <a:rect b="b" l="l" r="r" t="t"/>
+            <a:avLst/>
+            <a:gdLst/>
+            <a:ahLst/>
+            <a:cxnLst/>
+            <a:rect l="l" t="t" r="r" b="b"/>
             <a:pathLst>
-              <a:path extrusionOk="0" h="120000" w="120000">
+              <a:path w="120000" h="120000" extrusionOk="0">
                 <a:moveTo>
                   <a:pt x="0" y="0"/>
                 </a:moveTo>
@@ -1376,9 +1431,11 @@
       <p:sp>
         <p:nvSpPr>
           <p:cNvPr id="151" name="Google Shape;151;g33bfb3211b3_0_84:notes"/>
-          <p:cNvSpPr txBox="1"/>
+          <p:cNvSpPr txBox="1">
+            <a:spLocks noGrp="1"/>
+          </p:cNvSpPr>
           <p:nvPr>
-            <p:ph idx="1" type="body"/>
+            <p:ph type="body" idx="1"/>
           </p:nvPr>
         </p:nvSpPr>
         <p:spPr>
@@ -1391,12 +1448,12 @@
           </a:prstGeom>
         </p:spPr>
         <p:txBody>
-          <a:bodyPr anchorCtr="0" anchor="t" bIns="91425" lIns="91425" spcFirstLastPara="1" rIns="91425" wrap="square" tIns="91425">
+          <a:bodyPr spcFirstLastPara="1" wrap="square" lIns="91425" tIns="91425" rIns="91425" bIns="91425" anchor="t" anchorCtr="0">
             <a:noAutofit/>
           </a:bodyPr>
           <a:lstStyle/>
           <a:p>
-            <a:pPr indent="0" lvl="0" marL="0" rtl="0" algn="l">
+            <a:pPr marL="0" lvl="0" indent="0" algn="l" rtl="0">
               <a:spcBef>
                 <a:spcPts val="0"/>
               </a:spcBef>
@@ -1405,9 +1462,6 @@
               </a:spcAft>
               <a:buNone/>
             </a:pPr>
-            <a:r>
-              <a:t/>
-            </a:r>
             <a:endParaRPr/>
           </a:p>
         </p:txBody>
@@ -1421,11 +1475,11 @@
 </file>
 
 <file path=ppt/notesSlides/notesSlide16.xml><?xml version="1.0" encoding="utf-8"?>
-<p:notes xmlns:a="http://schemas.openxmlformats.org/drawingml/2006/main" xmlns:r="http://schemas.openxmlformats.org/officeDocument/2006/relationships" xmlns:mc="http://schemas.openxmlformats.org/markup-compatibility/2006" xmlns:mv="urn:schemas-microsoft-com:mac:vml" xmlns:p="http://schemas.openxmlformats.org/presentationml/2006/main" xmlns:c="http://schemas.openxmlformats.org/drawingml/2006/chart" xmlns:dgm="http://schemas.openxmlformats.org/drawingml/2006/diagram" xmlns:o="urn:schemas-microsoft-com:office:office" xmlns:v="urn:schemas-microsoft-com:vml" xmlns:pvml="urn:schemas-microsoft-com:office:powerpoint" xmlns:com="http://schemas.openxmlformats.org/drawingml/2006/compatibility" xmlns:p14="http://schemas.microsoft.com/office/powerpoint/2010/main" xmlns:p15="http://schemas.microsoft.com/office/powerpoint/2012/main" xmlns:ahyp="http://schemas.microsoft.com/office/drawing/2018/hyperlinkcolor" showMasterPhAnim="0" showMasterSp="0">
+<p:notes xmlns:a="http://schemas.openxmlformats.org/drawingml/2006/main" xmlns:r="http://schemas.openxmlformats.org/officeDocument/2006/relationships" xmlns:p="http://schemas.openxmlformats.org/presentationml/2006/main" showMasterSp="0" showMasterPhAnim="0">
   <p:cSld>
     <p:spTree>
       <p:nvGrpSpPr>
-        <p:cNvPr id="156" name="Shape 156"/>
+        <p:cNvPr id="1" name="Shape 156"/>
         <p:cNvGrpSpPr/>
         <p:nvPr/>
       </p:nvGrpSpPr>
@@ -1440,9 +1494,11 @@
       <p:sp>
         <p:nvSpPr>
           <p:cNvPr id="157" name="Google Shape;157;g33bfb3211b3_0_89:notes"/>
-          <p:cNvSpPr/>
+          <p:cNvSpPr>
+            <a:spLocks noGrp="1" noRot="1" noChangeAspect="1"/>
+          </p:cNvSpPr>
           <p:nvPr>
-            <p:ph idx="2" type="sldImg"/>
+            <p:ph type="sldImg" idx="2"/>
           </p:nvPr>
         </p:nvSpPr>
         <p:spPr>
@@ -1451,9 +1507,13 @@
             <a:ext cx="6096000" cy="3429000"/>
           </a:xfrm>
           <a:custGeom>
-            <a:rect b="b" l="l" r="r" t="t"/>
+            <a:avLst/>
+            <a:gdLst/>
+            <a:ahLst/>
+            <a:cxnLst/>
+            <a:rect l="l" t="t" r="r" b="b"/>
             <a:pathLst>
-              <a:path extrusionOk="0" h="120000" w="120000">
+              <a:path w="120000" h="120000" extrusionOk="0">
                 <a:moveTo>
                   <a:pt x="0" y="0"/>
                 </a:moveTo>
@@ -1475,9 +1535,11 @@
       <p:sp>
         <p:nvSpPr>
           <p:cNvPr id="158" name="Google Shape;158;g33bfb3211b3_0_89:notes"/>
-          <p:cNvSpPr txBox="1"/>
+          <p:cNvSpPr txBox="1">
+            <a:spLocks noGrp="1"/>
+          </p:cNvSpPr>
           <p:nvPr>
-            <p:ph idx="1" type="body"/>
+            <p:ph type="body" idx="1"/>
           </p:nvPr>
         </p:nvSpPr>
         <p:spPr>
@@ -1490,12 +1552,12 @@
           </a:prstGeom>
         </p:spPr>
         <p:txBody>
-          <a:bodyPr anchorCtr="0" anchor="t" bIns="91425" lIns="91425" spcFirstLastPara="1" rIns="91425" wrap="square" tIns="91425">
+          <a:bodyPr spcFirstLastPara="1" wrap="square" lIns="91425" tIns="91425" rIns="91425" bIns="91425" anchor="t" anchorCtr="0">
             <a:noAutofit/>
           </a:bodyPr>
           <a:lstStyle/>
           <a:p>
-            <a:pPr indent="0" lvl="0" marL="0" rtl="0" algn="l">
+            <a:pPr marL="0" lvl="0" indent="0" algn="l" rtl="0">
               <a:spcBef>
                 <a:spcPts val="0"/>
               </a:spcBef>
@@ -1504,9 +1566,6 @@
               </a:spcAft>
               <a:buNone/>
             </a:pPr>
-            <a:r>
-              <a:t/>
-            </a:r>
             <a:endParaRPr/>
           </a:p>
         </p:txBody>
@@ -1520,11 +1579,11 @@
 </file>
 
 <file path=ppt/notesSlides/notesSlide17.xml><?xml version="1.0" encoding="utf-8"?>
-<p:notes xmlns:a="http://schemas.openxmlformats.org/drawingml/2006/main" xmlns:r="http://schemas.openxmlformats.org/officeDocument/2006/relationships" xmlns:mc="http://schemas.openxmlformats.org/markup-compatibility/2006" xmlns:mv="urn:schemas-microsoft-com:mac:vml" xmlns:p="http://schemas.openxmlformats.org/presentationml/2006/main" xmlns:c="http://schemas.openxmlformats.org/drawingml/2006/chart" xmlns:dgm="http://schemas.openxmlformats.org/drawingml/2006/diagram" xmlns:o="urn:schemas-microsoft-com:office:office" xmlns:v="urn:schemas-microsoft-com:vml" xmlns:pvml="urn:schemas-microsoft-com:office:powerpoint" xmlns:com="http://schemas.openxmlformats.org/drawingml/2006/compatibility" xmlns:p14="http://schemas.microsoft.com/office/powerpoint/2010/main" xmlns:p15="http://schemas.microsoft.com/office/powerpoint/2012/main" xmlns:ahyp="http://schemas.microsoft.com/office/drawing/2018/hyperlinkcolor" showMasterPhAnim="0" showMasterSp="0">
+<p:notes xmlns:a="http://schemas.openxmlformats.org/drawingml/2006/main" xmlns:r="http://schemas.openxmlformats.org/officeDocument/2006/relationships" xmlns:p="http://schemas.openxmlformats.org/presentationml/2006/main" showMasterSp="0" showMasterPhAnim="0">
   <p:cSld>
     <p:spTree>
       <p:nvGrpSpPr>
-        <p:cNvPr id="163" name="Shape 163"/>
+        <p:cNvPr id="1" name="Shape 163"/>
         <p:cNvGrpSpPr/>
         <p:nvPr/>
       </p:nvGrpSpPr>
@@ -1539,9 +1598,11 @@
       <p:sp>
         <p:nvSpPr>
           <p:cNvPr id="164" name="Google Shape;164;g33bfb3211b3_0_93:notes"/>
-          <p:cNvSpPr/>
+          <p:cNvSpPr>
+            <a:spLocks noGrp="1" noRot="1" noChangeAspect="1"/>
+          </p:cNvSpPr>
           <p:nvPr>
-            <p:ph idx="2" type="sldImg"/>
+            <p:ph type="sldImg" idx="2"/>
           </p:nvPr>
         </p:nvSpPr>
         <p:spPr>
@@ -1550,9 +1611,13 @@
             <a:ext cx="6096000" cy="3429000"/>
           </a:xfrm>
           <a:custGeom>
-            <a:rect b="b" l="l" r="r" t="t"/>
+            <a:avLst/>
+            <a:gdLst/>
+            <a:ahLst/>
+            <a:cxnLst/>
+            <a:rect l="l" t="t" r="r" b="b"/>
             <a:pathLst>
-              <a:path extrusionOk="0" h="120000" w="120000">
+              <a:path w="120000" h="120000" extrusionOk="0">
                 <a:moveTo>
                   <a:pt x="0" y="0"/>
                 </a:moveTo>
@@ -1574,9 +1639,11 @@
       <p:sp>
         <p:nvSpPr>
           <p:cNvPr id="165" name="Google Shape;165;g33bfb3211b3_0_93:notes"/>
-          <p:cNvSpPr txBox="1"/>
+          <p:cNvSpPr txBox="1">
+            <a:spLocks noGrp="1"/>
+          </p:cNvSpPr>
           <p:nvPr>
-            <p:ph idx="1" type="body"/>
+            <p:ph type="body" idx="1"/>
           </p:nvPr>
         </p:nvSpPr>
         <p:spPr>
@@ -1589,12 +1656,12 @@
           </a:prstGeom>
         </p:spPr>
         <p:txBody>
-          <a:bodyPr anchorCtr="0" anchor="t" bIns="91425" lIns="91425" spcFirstLastPara="1" rIns="91425" wrap="square" tIns="91425">
+          <a:bodyPr spcFirstLastPara="1" wrap="square" lIns="91425" tIns="91425" rIns="91425" bIns="91425" anchor="t" anchorCtr="0">
             <a:noAutofit/>
           </a:bodyPr>
           <a:lstStyle/>
           <a:p>
-            <a:pPr indent="0" lvl="0" marL="0" rtl="0" algn="l">
+            <a:pPr marL="0" lvl="0" indent="0" algn="l" rtl="0">
               <a:spcBef>
                 <a:spcPts val="0"/>
               </a:spcBef>
@@ -1603,9 +1670,6 @@
               </a:spcAft>
               <a:buNone/>
             </a:pPr>
-            <a:r>
-              <a:t/>
-            </a:r>
             <a:endParaRPr/>
           </a:p>
         </p:txBody>
@@ -1619,11 +1683,11 @@
 </file>
 
 <file path=ppt/notesSlides/notesSlide18.xml><?xml version="1.0" encoding="utf-8"?>
-<p:notes xmlns:a="http://schemas.openxmlformats.org/drawingml/2006/main" xmlns:r="http://schemas.openxmlformats.org/officeDocument/2006/relationships" xmlns:mc="http://schemas.openxmlformats.org/markup-compatibility/2006" xmlns:mv="urn:schemas-microsoft-com:mac:vml" xmlns:p="http://schemas.openxmlformats.org/presentationml/2006/main" xmlns:c="http://schemas.openxmlformats.org/drawingml/2006/chart" xmlns:dgm="http://schemas.openxmlformats.org/drawingml/2006/diagram" xmlns:o="urn:schemas-microsoft-com:office:office" xmlns:v="urn:schemas-microsoft-com:vml" xmlns:pvml="urn:schemas-microsoft-com:office:powerpoint" xmlns:com="http://schemas.openxmlformats.org/drawingml/2006/compatibility" xmlns:p14="http://schemas.microsoft.com/office/powerpoint/2010/main" xmlns:p15="http://schemas.microsoft.com/office/powerpoint/2012/main" xmlns:ahyp="http://schemas.microsoft.com/office/drawing/2018/hyperlinkcolor" showMasterPhAnim="0" showMasterSp="0">
+<p:notes xmlns:a="http://schemas.openxmlformats.org/drawingml/2006/main" xmlns:r="http://schemas.openxmlformats.org/officeDocument/2006/relationships" xmlns:p="http://schemas.openxmlformats.org/presentationml/2006/main" showMasterSp="0" showMasterPhAnim="0">
   <p:cSld>
     <p:spTree>
       <p:nvGrpSpPr>
-        <p:cNvPr id="170" name="Shape 170"/>
+        <p:cNvPr id="1" name="Shape 170"/>
         <p:cNvGrpSpPr/>
         <p:nvPr/>
       </p:nvGrpSpPr>
@@ -1638,9 +1702,11 @@
       <p:sp>
         <p:nvSpPr>
           <p:cNvPr id="171" name="Google Shape;171;g33bfb3211b3_0_97:notes"/>
-          <p:cNvSpPr/>
+          <p:cNvSpPr>
+            <a:spLocks noGrp="1" noRot="1" noChangeAspect="1"/>
+          </p:cNvSpPr>
           <p:nvPr>
-            <p:ph idx="2" type="sldImg"/>
+            <p:ph type="sldImg" idx="2"/>
           </p:nvPr>
         </p:nvSpPr>
         <p:spPr>
@@ -1649,9 +1715,13 @@
             <a:ext cx="6096000" cy="3429000"/>
           </a:xfrm>
           <a:custGeom>
-            <a:rect b="b" l="l" r="r" t="t"/>
+            <a:avLst/>
+            <a:gdLst/>
+            <a:ahLst/>
+            <a:cxnLst/>
+            <a:rect l="l" t="t" r="r" b="b"/>
             <a:pathLst>
-              <a:path extrusionOk="0" h="120000" w="120000">
+              <a:path w="120000" h="120000" extrusionOk="0">
                 <a:moveTo>
                   <a:pt x="0" y="0"/>
                 </a:moveTo>
@@ -1673,9 +1743,11 @@
       <p:sp>
         <p:nvSpPr>
           <p:cNvPr id="172" name="Google Shape;172;g33bfb3211b3_0_97:notes"/>
-          <p:cNvSpPr txBox="1"/>
+          <p:cNvSpPr txBox="1">
+            <a:spLocks noGrp="1"/>
+          </p:cNvSpPr>
           <p:nvPr>
-            <p:ph idx="1" type="body"/>
+            <p:ph type="body" idx="1"/>
           </p:nvPr>
         </p:nvSpPr>
         <p:spPr>
@@ -1688,12 +1760,12 @@
           </a:prstGeom>
         </p:spPr>
         <p:txBody>
-          <a:bodyPr anchorCtr="0" anchor="t" bIns="91425" lIns="91425" spcFirstLastPara="1" rIns="91425" wrap="square" tIns="91425">
+          <a:bodyPr spcFirstLastPara="1" wrap="square" lIns="91425" tIns="91425" rIns="91425" bIns="91425" anchor="t" anchorCtr="0">
             <a:noAutofit/>
           </a:bodyPr>
           <a:lstStyle/>
           <a:p>
-            <a:pPr indent="0" lvl="0" marL="0" rtl="0" algn="l">
+            <a:pPr marL="0" lvl="0" indent="0" algn="l" rtl="0">
               <a:spcBef>
                 <a:spcPts val="0"/>
               </a:spcBef>
@@ -1702,9 +1774,6 @@
               </a:spcAft>
               <a:buNone/>
             </a:pPr>
-            <a:r>
-              <a:t/>
-            </a:r>
             <a:endParaRPr/>
           </a:p>
         </p:txBody>
@@ -1718,11 +1787,11 @@
 </file>
 
 <file path=ppt/notesSlides/notesSlide19.xml><?xml version="1.0" encoding="utf-8"?>
-<p:notes xmlns:a="http://schemas.openxmlformats.org/drawingml/2006/main" xmlns:r="http://schemas.openxmlformats.org/officeDocument/2006/relationships" xmlns:mc="http://schemas.openxmlformats.org/markup-compatibility/2006" xmlns:mv="urn:schemas-microsoft-com:mac:vml" xmlns:p="http://schemas.openxmlformats.org/presentationml/2006/main" xmlns:c="http://schemas.openxmlformats.org/drawingml/2006/chart" xmlns:dgm="http://schemas.openxmlformats.org/drawingml/2006/diagram" xmlns:o="urn:schemas-microsoft-com:office:office" xmlns:v="urn:schemas-microsoft-com:vml" xmlns:pvml="urn:schemas-microsoft-com:office:powerpoint" xmlns:com="http://schemas.openxmlformats.org/drawingml/2006/compatibility" xmlns:p14="http://schemas.microsoft.com/office/powerpoint/2010/main" xmlns:p15="http://schemas.microsoft.com/office/powerpoint/2012/main" xmlns:ahyp="http://schemas.microsoft.com/office/drawing/2018/hyperlinkcolor" showMasterPhAnim="0" showMasterSp="0">
+<p:notes xmlns:a="http://schemas.openxmlformats.org/drawingml/2006/main" xmlns:r="http://schemas.openxmlformats.org/officeDocument/2006/relationships" xmlns:p="http://schemas.openxmlformats.org/presentationml/2006/main" showMasterSp="0" showMasterPhAnim="0">
   <p:cSld>
     <p:spTree>
       <p:nvGrpSpPr>
-        <p:cNvPr id="177" name="Shape 177"/>
+        <p:cNvPr id="1" name="Shape 177"/>
         <p:cNvGrpSpPr/>
         <p:nvPr/>
       </p:nvGrpSpPr>
@@ -1737,9 +1806,11 @@
       <p:sp>
         <p:nvSpPr>
           <p:cNvPr id="178" name="Google Shape;178;g33bfb3211b3_0_101:notes"/>
-          <p:cNvSpPr/>
+          <p:cNvSpPr>
+            <a:spLocks noGrp="1" noRot="1" noChangeAspect="1"/>
+          </p:cNvSpPr>
           <p:nvPr>
-            <p:ph idx="2" type="sldImg"/>
+            <p:ph type="sldImg" idx="2"/>
           </p:nvPr>
         </p:nvSpPr>
         <p:spPr>
@@ -1748,9 +1819,13 @@
             <a:ext cx="6096000" cy="3429000"/>
           </a:xfrm>
           <a:custGeom>
-            <a:rect b="b" l="l" r="r" t="t"/>
+            <a:avLst/>
+            <a:gdLst/>
+            <a:ahLst/>
+            <a:cxnLst/>
+            <a:rect l="l" t="t" r="r" b="b"/>
             <a:pathLst>
-              <a:path extrusionOk="0" h="120000" w="120000">
+              <a:path w="120000" h="120000" extrusionOk="0">
                 <a:moveTo>
                   <a:pt x="0" y="0"/>
                 </a:moveTo>
@@ -1772,9 +1847,11 @@
       <p:sp>
         <p:nvSpPr>
           <p:cNvPr id="179" name="Google Shape;179;g33bfb3211b3_0_101:notes"/>
-          <p:cNvSpPr txBox="1"/>
+          <p:cNvSpPr txBox="1">
+            <a:spLocks noGrp="1"/>
+          </p:cNvSpPr>
           <p:nvPr>
-            <p:ph idx="1" type="body"/>
+            <p:ph type="body" idx="1"/>
           </p:nvPr>
         </p:nvSpPr>
         <p:spPr>
@@ -1787,12 +1864,12 @@
           </a:prstGeom>
         </p:spPr>
         <p:txBody>
-          <a:bodyPr anchorCtr="0" anchor="t" bIns="91425" lIns="91425" spcFirstLastPara="1" rIns="91425" wrap="square" tIns="91425">
+          <a:bodyPr spcFirstLastPara="1" wrap="square" lIns="91425" tIns="91425" rIns="91425" bIns="91425" anchor="t" anchorCtr="0">
             <a:noAutofit/>
           </a:bodyPr>
           <a:lstStyle/>
           <a:p>
-            <a:pPr indent="0" lvl="0" marL="0" rtl="0" algn="l">
+            <a:pPr marL="0" lvl="0" indent="0" algn="l" rtl="0">
               <a:spcBef>
                 <a:spcPts val="0"/>
               </a:spcBef>
@@ -1801,9 +1878,6 @@
               </a:spcAft>
               <a:buNone/>
             </a:pPr>
-            <a:r>
-              <a:t/>
-            </a:r>
             <a:endParaRPr/>
           </a:p>
         </p:txBody>
@@ -1817,11 +1891,11 @@
 </file>
 
 <file path=ppt/notesSlides/notesSlide2.xml><?xml version="1.0" encoding="utf-8"?>
-<p:notes xmlns:a="http://schemas.openxmlformats.org/drawingml/2006/main" xmlns:r="http://schemas.openxmlformats.org/officeDocument/2006/relationships" xmlns:mc="http://schemas.openxmlformats.org/markup-compatibility/2006" xmlns:mv="urn:schemas-microsoft-com:mac:vml" xmlns:p="http://schemas.openxmlformats.org/presentationml/2006/main" xmlns:c="http://schemas.openxmlformats.org/drawingml/2006/chart" xmlns:dgm="http://schemas.openxmlformats.org/drawingml/2006/diagram" xmlns:o="urn:schemas-microsoft-com:office:office" xmlns:v="urn:schemas-microsoft-com:vml" xmlns:pvml="urn:schemas-microsoft-com:office:powerpoint" xmlns:com="http://schemas.openxmlformats.org/drawingml/2006/compatibility" xmlns:p14="http://schemas.microsoft.com/office/powerpoint/2010/main" xmlns:p15="http://schemas.microsoft.com/office/powerpoint/2012/main" xmlns:ahyp="http://schemas.microsoft.com/office/drawing/2018/hyperlinkcolor" showMasterPhAnim="0" showMasterSp="0">
+<p:notes xmlns:a="http://schemas.openxmlformats.org/drawingml/2006/main" xmlns:r="http://schemas.openxmlformats.org/officeDocument/2006/relationships" xmlns:p="http://schemas.openxmlformats.org/presentationml/2006/main" showMasterSp="0" showMasterPhAnim="0">
   <p:cSld>
     <p:spTree>
       <p:nvGrpSpPr>
-        <p:cNvPr id="62" name="Shape 62"/>
+        <p:cNvPr id="1" name="Shape 62"/>
         <p:cNvGrpSpPr/>
         <p:nvPr/>
       </p:nvGrpSpPr>
@@ -1836,9 +1910,11 @@
       <p:sp>
         <p:nvSpPr>
           <p:cNvPr id="63" name="Google Shape;63;g33bfb3211b3_0_2:notes"/>
-          <p:cNvSpPr/>
+          <p:cNvSpPr>
+            <a:spLocks noGrp="1" noRot="1" noChangeAspect="1"/>
+          </p:cNvSpPr>
           <p:nvPr>
-            <p:ph idx="2" type="sldImg"/>
+            <p:ph type="sldImg" idx="2"/>
           </p:nvPr>
         </p:nvSpPr>
         <p:spPr>
@@ -1847,9 +1923,13 @@
             <a:ext cx="6096000" cy="3429000"/>
           </a:xfrm>
           <a:custGeom>
-            <a:rect b="b" l="l" r="r" t="t"/>
+            <a:avLst/>
+            <a:gdLst/>
+            <a:ahLst/>
+            <a:cxnLst/>
+            <a:rect l="l" t="t" r="r" b="b"/>
             <a:pathLst>
-              <a:path extrusionOk="0" h="120000" w="120000">
+              <a:path w="120000" h="120000" extrusionOk="0">
                 <a:moveTo>
                   <a:pt x="0" y="0"/>
                 </a:moveTo>
@@ -1871,9 +1951,11 @@
       <p:sp>
         <p:nvSpPr>
           <p:cNvPr id="64" name="Google Shape;64;g33bfb3211b3_0_2:notes"/>
-          <p:cNvSpPr txBox="1"/>
+          <p:cNvSpPr txBox="1">
+            <a:spLocks noGrp="1"/>
+          </p:cNvSpPr>
           <p:nvPr>
-            <p:ph idx="1" type="body"/>
+            <p:ph type="body" idx="1"/>
           </p:nvPr>
         </p:nvSpPr>
         <p:spPr>
@@ -1886,12 +1968,12 @@
           </a:prstGeom>
         </p:spPr>
         <p:txBody>
-          <a:bodyPr anchorCtr="0" anchor="t" bIns="91425" lIns="91425" spcFirstLastPara="1" rIns="91425" wrap="square" tIns="91425">
+          <a:bodyPr spcFirstLastPara="1" wrap="square" lIns="91425" tIns="91425" rIns="91425" bIns="91425" anchor="t" anchorCtr="0">
             <a:noAutofit/>
           </a:bodyPr>
           <a:lstStyle/>
           <a:p>
-            <a:pPr indent="0" lvl="0" marL="0" rtl="0" algn="l">
+            <a:pPr marL="0" lvl="0" indent="0" algn="l" rtl="0">
               <a:spcBef>
                 <a:spcPts val="0"/>
               </a:spcBef>
@@ -1900,9 +1982,6 @@
               </a:spcAft>
               <a:buNone/>
             </a:pPr>
-            <a:r>
-              <a:t/>
-            </a:r>
             <a:endParaRPr/>
           </a:p>
         </p:txBody>
@@ -1916,11 +1995,11 @@
 </file>
 
 <file path=ppt/notesSlides/notesSlide3.xml><?xml version="1.0" encoding="utf-8"?>
-<p:notes xmlns:a="http://schemas.openxmlformats.org/drawingml/2006/main" xmlns:r="http://schemas.openxmlformats.org/officeDocument/2006/relationships" xmlns:mc="http://schemas.openxmlformats.org/markup-compatibility/2006" xmlns:mv="urn:schemas-microsoft-com:mac:vml" xmlns:p="http://schemas.openxmlformats.org/presentationml/2006/main" xmlns:c="http://schemas.openxmlformats.org/drawingml/2006/chart" xmlns:dgm="http://schemas.openxmlformats.org/drawingml/2006/diagram" xmlns:o="urn:schemas-microsoft-com:office:office" xmlns:v="urn:schemas-microsoft-com:vml" xmlns:pvml="urn:schemas-microsoft-com:office:powerpoint" xmlns:com="http://schemas.openxmlformats.org/drawingml/2006/compatibility" xmlns:p14="http://schemas.microsoft.com/office/powerpoint/2010/main" xmlns:p15="http://schemas.microsoft.com/office/powerpoint/2012/main" xmlns:ahyp="http://schemas.microsoft.com/office/drawing/2018/hyperlinkcolor" showMasterPhAnim="0" showMasterSp="0">
+<p:notes xmlns:a="http://schemas.openxmlformats.org/drawingml/2006/main" xmlns:r="http://schemas.openxmlformats.org/officeDocument/2006/relationships" xmlns:p="http://schemas.openxmlformats.org/presentationml/2006/main" showMasterSp="0" showMasterPhAnim="0">
   <p:cSld>
     <p:spTree>
       <p:nvGrpSpPr>
-        <p:cNvPr id="68" name="Shape 68"/>
+        <p:cNvPr id="1" name="Shape 68"/>
         <p:cNvGrpSpPr/>
         <p:nvPr/>
       </p:nvGrpSpPr>
@@ -1935,20 +2014,26 @@
       <p:sp>
         <p:nvSpPr>
           <p:cNvPr id="69" name="Google Shape;69;g33bfb3211b3_0_7:notes"/>
-          <p:cNvSpPr/>
+          <p:cNvSpPr>
+            <a:spLocks noGrp="1" noRot="1" noChangeAspect="1"/>
+          </p:cNvSpPr>
           <p:nvPr>
-            <p:ph idx="2" type="sldImg"/>
+            <p:ph type="sldImg" idx="2"/>
           </p:nvPr>
         </p:nvSpPr>
         <p:spPr>
           <a:xfrm>
-            <a:off x="381300" y="685800"/>
+            <a:off x="381000" y="685800"/>
             <a:ext cx="6096000" cy="3429000"/>
           </a:xfrm>
           <a:custGeom>
-            <a:rect b="b" l="l" r="r" t="t"/>
+            <a:avLst/>
+            <a:gdLst/>
+            <a:ahLst/>
+            <a:cxnLst/>
+            <a:rect l="l" t="t" r="r" b="b"/>
             <a:pathLst>
-              <a:path extrusionOk="0" h="120000" w="120000">
+              <a:path w="120000" h="120000" extrusionOk="0">
                 <a:moveTo>
                   <a:pt x="0" y="0"/>
                 </a:moveTo>
@@ -1970,9 +2055,11 @@
       <p:sp>
         <p:nvSpPr>
           <p:cNvPr id="70" name="Google Shape;70;g33bfb3211b3_0_7:notes"/>
-          <p:cNvSpPr txBox="1"/>
+          <p:cNvSpPr txBox="1">
+            <a:spLocks noGrp="1"/>
+          </p:cNvSpPr>
           <p:nvPr>
-            <p:ph idx="1" type="body"/>
+            <p:ph type="body" idx="1"/>
           </p:nvPr>
         </p:nvSpPr>
         <p:spPr>
@@ -1985,12 +2072,12 @@
           </a:prstGeom>
         </p:spPr>
         <p:txBody>
-          <a:bodyPr anchorCtr="0" anchor="t" bIns="91425" lIns="91425" spcFirstLastPara="1" rIns="91425" wrap="square" tIns="91425">
+          <a:bodyPr spcFirstLastPara="1" wrap="square" lIns="91425" tIns="91425" rIns="91425" bIns="91425" anchor="t" anchorCtr="0">
             <a:noAutofit/>
           </a:bodyPr>
           <a:lstStyle/>
           <a:p>
-            <a:pPr indent="0" lvl="0" marL="0" rtl="0" algn="l">
+            <a:pPr marL="0" lvl="0" indent="0" algn="l" rtl="0">
               <a:spcBef>
                 <a:spcPts val="0"/>
               </a:spcBef>
@@ -1999,9 +2086,6 @@
               </a:spcAft>
               <a:buNone/>
             </a:pPr>
-            <a:r>
-              <a:t/>
-            </a:r>
             <a:endParaRPr/>
           </a:p>
         </p:txBody>
@@ -2015,11 +2099,11 @@
 </file>
 
 <file path=ppt/notesSlides/notesSlide4.xml><?xml version="1.0" encoding="utf-8"?>
-<p:notes xmlns:a="http://schemas.openxmlformats.org/drawingml/2006/main" xmlns:r="http://schemas.openxmlformats.org/officeDocument/2006/relationships" xmlns:mc="http://schemas.openxmlformats.org/markup-compatibility/2006" xmlns:mv="urn:schemas-microsoft-com:mac:vml" xmlns:p="http://schemas.openxmlformats.org/presentationml/2006/main" xmlns:c="http://schemas.openxmlformats.org/drawingml/2006/chart" xmlns:dgm="http://schemas.openxmlformats.org/drawingml/2006/diagram" xmlns:o="urn:schemas-microsoft-com:office:office" xmlns:v="urn:schemas-microsoft-com:vml" xmlns:pvml="urn:schemas-microsoft-com:office:powerpoint" xmlns:com="http://schemas.openxmlformats.org/drawingml/2006/compatibility" xmlns:p14="http://schemas.microsoft.com/office/powerpoint/2010/main" xmlns:p15="http://schemas.microsoft.com/office/powerpoint/2012/main" xmlns:ahyp="http://schemas.microsoft.com/office/drawing/2018/hyperlinkcolor" showMasterPhAnim="0" showMasterSp="0">
+<p:notes xmlns:a="http://schemas.openxmlformats.org/drawingml/2006/main" xmlns:r="http://schemas.openxmlformats.org/officeDocument/2006/relationships" xmlns:p="http://schemas.openxmlformats.org/presentationml/2006/main" showMasterSp="0" showMasterPhAnim="0">
   <p:cSld>
     <p:spTree>
       <p:nvGrpSpPr>
-        <p:cNvPr id="74" name="Shape 74"/>
+        <p:cNvPr id="1" name="Shape 74"/>
         <p:cNvGrpSpPr/>
         <p:nvPr/>
       </p:nvGrpSpPr>
@@ -2034,9 +2118,11 @@
       <p:sp>
         <p:nvSpPr>
           <p:cNvPr id="75" name="Google Shape;75;g33bfb3211b3_0_12:notes"/>
-          <p:cNvSpPr/>
+          <p:cNvSpPr>
+            <a:spLocks noGrp="1" noRot="1" noChangeAspect="1"/>
+          </p:cNvSpPr>
           <p:nvPr>
-            <p:ph idx="2" type="sldImg"/>
+            <p:ph type="sldImg" idx="2"/>
           </p:nvPr>
         </p:nvSpPr>
         <p:spPr>
@@ -2045,9 +2131,13 @@
             <a:ext cx="6096000" cy="3429000"/>
           </a:xfrm>
           <a:custGeom>
-            <a:rect b="b" l="l" r="r" t="t"/>
+            <a:avLst/>
+            <a:gdLst/>
+            <a:ahLst/>
+            <a:cxnLst/>
+            <a:rect l="l" t="t" r="r" b="b"/>
             <a:pathLst>
-              <a:path extrusionOk="0" h="120000" w="120000">
+              <a:path w="120000" h="120000" extrusionOk="0">
                 <a:moveTo>
                   <a:pt x="0" y="0"/>
                 </a:moveTo>
@@ -2069,9 +2159,11 @@
       <p:sp>
         <p:nvSpPr>
           <p:cNvPr id="76" name="Google Shape;76;g33bfb3211b3_0_12:notes"/>
-          <p:cNvSpPr txBox="1"/>
+          <p:cNvSpPr txBox="1">
+            <a:spLocks noGrp="1"/>
+          </p:cNvSpPr>
           <p:nvPr>
-            <p:ph idx="1" type="body"/>
+            <p:ph type="body" idx="1"/>
           </p:nvPr>
         </p:nvSpPr>
         <p:spPr>
@@ -2084,12 +2176,12 @@
           </a:prstGeom>
         </p:spPr>
         <p:txBody>
-          <a:bodyPr anchorCtr="0" anchor="t" bIns="91425" lIns="91425" spcFirstLastPara="1" rIns="91425" wrap="square" tIns="91425">
+          <a:bodyPr spcFirstLastPara="1" wrap="square" lIns="91425" tIns="91425" rIns="91425" bIns="91425" anchor="t" anchorCtr="0">
             <a:noAutofit/>
           </a:bodyPr>
           <a:lstStyle/>
           <a:p>
-            <a:pPr indent="0" lvl="0" marL="0" rtl="0" algn="l">
+            <a:pPr marL="0" lvl="0" indent="0" algn="l" rtl="0">
               <a:spcBef>
                 <a:spcPts val="0"/>
               </a:spcBef>
@@ -2098,9 +2190,6 @@
               </a:spcAft>
               <a:buNone/>
             </a:pPr>
-            <a:r>
-              <a:t/>
-            </a:r>
             <a:endParaRPr/>
           </a:p>
         </p:txBody>
@@ -2114,11 +2203,11 @@
 </file>
 
 <file path=ppt/notesSlides/notesSlide5.xml><?xml version="1.0" encoding="utf-8"?>
-<p:notes xmlns:a="http://schemas.openxmlformats.org/drawingml/2006/main" xmlns:r="http://schemas.openxmlformats.org/officeDocument/2006/relationships" xmlns:mc="http://schemas.openxmlformats.org/markup-compatibility/2006" xmlns:mv="urn:schemas-microsoft-com:mac:vml" xmlns:p="http://schemas.openxmlformats.org/presentationml/2006/main" xmlns:c="http://schemas.openxmlformats.org/drawingml/2006/chart" xmlns:dgm="http://schemas.openxmlformats.org/drawingml/2006/diagram" xmlns:o="urn:schemas-microsoft-com:office:office" xmlns:v="urn:schemas-microsoft-com:vml" xmlns:pvml="urn:schemas-microsoft-com:office:powerpoint" xmlns:com="http://schemas.openxmlformats.org/drawingml/2006/compatibility" xmlns:p14="http://schemas.microsoft.com/office/powerpoint/2010/main" xmlns:p15="http://schemas.microsoft.com/office/powerpoint/2012/main" xmlns:ahyp="http://schemas.microsoft.com/office/drawing/2018/hyperlinkcolor" showMasterPhAnim="0" showMasterSp="0">
+<p:notes xmlns:a="http://schemas.openxmlformats.org/drawingml/2006/main" xmlns:r="http://schemas.openxmlformats.org/officeDocument/2006/relationships" xmlns:p="http://schemas.openxmlformats.org/presentationml/2006/main" showMasterSp="0" showMasterPhAnim="0">
   <p:cSld>
     <p:spTree>
       <p:nvGrpSpPr>
-        <p:cNvPr id="80" name="Shape 80"/>
+        <p:cNvPr id="1" name="Shape 80"/>
         <p:cNvGrpSpPr/>
         <p:nvPr/>
       </p:nvGrpSpPr>
@@ -2133,9 +2222,11 @@
       <p:sp>
         <p:nvSpPr>
           <p:cNvPr id="81" name="Google Shape;81;g33bfb3211b3_0_17:notes"/>
-          <p:cNvSpPr/>
+          <p:cNvSpPr>
+            <a:spLocks noGrp="1" noRot="1" noChangeAspect="1"/>
+          </p:cNvSpPr>
           <p:nvPr>
-            <p:ph idx="2" type="sldImg"/>
+            <p:ph type="sldImg" idx="2"/>
           </p:nvPr>
         </p:nvSpPr>
         <p:spPr>
@@ -2144,9 +2235,13 @@
             <a:ext cx="6096000" cy="3429000"/>
           </a:xfrm>
           <a:custGeom>
-            <a:rect b="b" l="l" r="r" t="t"/>
+            <a:avLst/>
+            <a:gdLst/>
+            <a:ahLst/>
+            <a:cxnLst/>
+            <a:rect l="l" t="t" r="r" b="b"/>
             <a:pathLst>
-              <a:path extrusionOk="0" h="120000" w="120000">
+              <a:path w="120000" h="120000" extrusionOk="0">
                 <a:moveTo>
                   <a:pt x="0" y="0"/>
                 </a:moveTo>
@@ -2168,9 +2263,11 @@
       <p:sp>
         <p:nvSpPr>
           <p:cNvPr id="82" name="Google Shape;82;g33bfb3211b3_0_17:notes"/>
-          <p:cNvSpPr txBox="1"/>
+          <p:cNvSpPr txBox="1">
+            <a:spLocks noGrp="1"/>
+          </p:cNvSpPr>
           <p:nvPr>
-            <p:ph idx="1" type="body"/>
+            <p:ph type="body" idx="1"/>
           </p:nvPr>
         </p:nvSpPr>
         <p:spPr>
@@ -2183,12 +2280,12 @@
           </a:prstGeom>
         </p:spPr>
         <p:txBody>
-          <a:bodyPr anchorCtr="0" anchor="t" bIns="91425" lIns="91425" spcFirstLastPara="1" rIns="91425" wrap="square" tIns="91425">
+          <a:bodyPr spcFirstLastPara="1" wrap="square" lIns="91425" tIns="91425" rIns="91425" bIns="91425" anchor="t" anchorCtr="0">
             <a:noAutofit/>
           </a:bodyPr>
           <a:lstStyle/>
           <a:p>
-            <a:pPr indent="0" lvl="0" marL="0" rtl="0" algn="l">
+            <a:pPr marL="0" lvl="0" indent="0" algn="l" rtl="0">
               <a:spcBef>
                 <a:spcPts val="0"/>
               </a:spcBef>
@@ -2197,9 +2294,6 @@
               </a:spcAft>
               <a:buNone/>
             </a:pPr>
-            <a:r>
-              <a:t/>
-            </a:r>
             <a:endParaRPr/>
           </a:p>
         </p:txBody>
@@ -2213,11 +2307,11 @@
 </file>
 
 <file path=ppt/notesSlides/notesSlide6.xml><?xml version="1.0" encoding="utf-8"?>
-<p:notes xmlns:a="http://schemas.openxmlformats.org/drawingml/2006/main" xmlns:r="http://schemas.openxmlformats.org/officeDocument/2006/relationships" xmlns:mc="http://schemas.openxmlformats.org/markup-compatibility/2006" xmlns:mv="urn:schemas-microsoft-com:mac:vml" xmlns:p="http://schemas.openxmlformats.org/presentationml/2006/main" xmlns:c="http://schemas.openxmlformats.org/drawingml/2006/chart" xmlns:dgm="http://schemas.openxmlformats.org/drawingml/2006/diagram" xmlns:o="urn:schemas-microsoft-com:office:office" xmlns:v="urn:schemas-microsoft-com:vml" xmlns:pvml="urn:schemas-microsoft-com:office:powerpoint" xmlns:com="http://schemas.openxmlformats.org/drawingml/2006/compatibility" xmlns:p14="http://schemas.microsoft.com/office/powerpoint/2010/main" xmlns:p15="http://schemas.microsoft.com/office/powerpoint/2012/main" xmlns:ahyp="http://schemas.microsoft.com/office/drawing/2018/hyperlinkcolor" showMasterPhAnim="0" showMasterSp="0">
+<p:notes xmlns:a="http://schemas.openxmlformats.org/drawingml/2006/main" xmlns:r="http://schemas.openxmlformats.org/officeDocument/2006/relationships" xmlns:p="http://schemas.openxmlformats.org/presentationml/2006/main" showMasterSp="0" showMasterPhAnim="0">
   <p:cSld>
     <p:spTree>
       <p:nvGrpSpPr>
-        <p:cNvPr id="86" name="Shape 86"/>
+        <p:cNvPr id="1" name="Shape 86"/>
         <p:cNvGrpSpPr/>
         <p:nvPr/>
       </p:nvGrpSpPr>
@@ -2232,9 +2326,11 @@
       <p:sp>
         <p:nvSpPr>
           <p:cNvPr id="87" name="Google Shape;87;g33bfb3211b3_0_22:notes"/>
-          <p:cNvSpPr/>
+          <p:cNvSpPr>
+            <a:spLocks noGrp="1" noRot="1" noChangeAspect="1"/>
+          </p:cNvSpPr>
           <p:nvPr>
-            <p:ph idx="2" type="sldImg"/>
+            <p:ph type="sldImg" idx="2"/>
           </p:nvPr>
         </p:nvSpPr>
         <p:spPr>
@@ -2243,9 +2339,13 @@
             <a:ext cx="6096000" cy="3429000"/>
           </a:xfrm>
           <a:custGeom>
-            <a:rect b="b" l="l" r="r" t="t"/>
+            <a:avLst/>
+            <a:gdLst/>
+            <a:ahLst/>
+            <a:cxnLst/>
+            <a:rect l="l" t="t" r="r" b="b"/>
             <a:pathLst>
-              <a:path extrusionOk="0" h="120000" w="120000">
+              <a:path w="120000" h="120000" extrusionOk="0">
                 <a:moveTo>
                   <a:pt x="0" y="0"/>
                 </a:moveTo>
@@ -2267,9 +2367,11 @@
       <p:sp>
         <p:nvSpPr>
           <p:cNvPr id="88" name="Google Shape;88;g33bfb3211b3_0_22:notes"/>
-          <p:cNvSpPr txBox="1"/>
+          <p:cNvSpPr txBox="1">
+            <a:spLocks noGrp="1"/>
+          </p:cNvSpPr>
           <p:nvPr>
-            <p:ph idx="1" type="body"/>
+            <p:ph type="body" idx="1"/>
           </p:nvPr>
         </p:nvSpPr>
         <p:spPr>
@@ -2282,12 +2384,12 @@
           </a:prstGeom>
         </p:spPr>
         <p:txBody>
-          <a:bodyPr anchorCtr="0" anchor="t" bIns="91425" lIns="91425" spcFirstLastPara="1" rIns="91425" wrap="square" tIns="91425">
+          <a:bodyPr spcFirstLastPara="1" wrap="square" lIns="91425" tIns="91425" rIns="91425" bIns="91425" anchor="t" anchorCtr="0">
             <a:noAutofit/>
           </a:bodyPr>
           <a:lstStyle/>
           <a:p>
-            <a:pPr indent="0" lvl="0" marL="0" rtl="0" algn="l">
+            <a:pPr marL="0" lvl="0" indent="0" algn="l" rtl="0">
               <a:spcBef>
                 <a:spcPts val="0"/>
               </a:spcBef>
@@ -2296,9 +2398,6 @@
               </a:spcAft>
               <a:buNone/>
             </a:pPr>
-            <a:r>
-              <a:t/>
-            </a:r>
             <a:endParaRPr/>
           </a:p>
         </p:txBody>
@@ -2312,11 +2411,11 @@
 </file>
 
 <file path=ppt/notesSlides/notesSlide7.xml><?xml version="1.0" encoding="utf-8"?>
-<p:notes xmlns:a="http://schemas.openxmlformats.org/drawingml/2006/main" xmlns:r="http://schemas.openxmlformats.org/officeDocument/2006/relationships" xmlns:mc="http://schemas.openxmlformats.org/markup-compatibility/2006" xmlns:mv="urn:schemas-microsoft-com:mac:vml" xmlns:p="http://schemas.openxmlformats.org/presentationml/2006/main" xmlns:c="http://schemas.openxmlformats.org/drawingml/2006/chart" xmlns:dgm="http://schemas.openxmlformats.org/drawingml/2006/diagram" xmlns:o="urn:schemas-microsoft-com:office:office" xmlns:v="urn:schemas-microsoft-com:vml" xmlns:pvml="urn:schemas-microsoft-com:office:powerpoint" xmlns:com="http://schemas.openxmlformats.org/drawingml/2006/compatibility" xmlns:p14="http://schemas.microsoft.com/office/powerpoint/2010/main" xmlns:p15="http://schemas.microsoft.com/office/powerpoint/2012/main" xmlns:ahyp="http://schemas.microsoft.com/office/drawing/2018/hyperlinkcolor" showMasterPhAnim="0" showMasterSp="0">
+<p:notes xmlns:a="http://schemas.openxmlformats.org/drawingml/2006/main" xmlns:r="http://schemas.openxmlformats.org/officeDocument/2006/relationships" xmlns:p="http://schemas.openxmlformats.org/presentationml/2006/main" showMasterSp="0" showMasterPhAnim="0">
   <p:cSld>
     <p:spTree>
       <p:nvGrpSpPr>
-        <p:cNvPr id="92" name="Shape 92"/>
+        <p:cNvPr id="1" name="Shape 92"/>
         <p:cNvGrpSpPr/>
         <p:nvPr/>
       </p:nvGrpSpPr>
@@ -2331,9 +2430,11 @@
       <p:sp>
         <p:nvSpPr>
           <p:cNvPr id="93" name="Google Shape;93;g33bfb3211b3_0_27:notes"/>
-          <p:cNvSpPr/>
+          <p:cNvSpPr>
+            <a:spLocks noGrp="1" noRot="1" noChangeAspect="1"/>
+          </p:cNvSpPr>
           <p:nvPr>
-            <p:ph idx="2" type="sldImg"/>
+            <p:ph type="sldImg" idx="2"/>
           </p:nvPr>
         </p:nvSpPr>
         <p:spPr>
@@ -2342,9 +2443,13 @@
             <a:ext cx="6096000" cy="3429000"/>
           </a:xfrm>
           <a:custGeom>
-            <a:rect b="b" l="l" r="r" t="t"/>
+            <a:avLst/>
+            <a:gdLst/>
+            <a:ahLst/>
+            <a:cxnLst/>
+            <a:rect l="l" t="t" r="r" b="b"/>
             <a:pathLst>
-              <a:path extrusionOk="0" h="120000" w="120000">
+              <a:path w="120000" h="120000" extrusionOk="0">
                 <a:moveTo>
                   <a:pt x="0" y="0"/>
                 </a:moveTo>
@@ -2366,9 +2471,11 @@
       <p:sp>
         <p:nvSpPr>
           <p:cNvPr id="94" name="Google Shape;94;g33bfb3211b3_0_27:notes"/>
-          <p:cNvSpPr txBox="1"/>
+          <p:cNvSpPr txBox="1">
+            <a:spLocks noGrp="1"/>
+          </p:cNvSpPr>
           <p:nvPr>
-            <p:ph idx="1" type="body"/>
+            <p:ph type="body" idx="1"/>
           </p:nvPr>
         </p:nvSpPr>
         <p:spPr>
@@ -2381,12 +2488,12 @@
           </a:prstGeom>
         </p:spPr>
         <p:txBody>
-          <a:bodyPr anchorCtr="0" anchor="t" bIns="91425" lIns="91425" spcFirstLastPara="1" rIns="91425" wrap="square" tIns="91425">
+          <a:bodyPr spcFirstLastPara="1" wrap="square" lIns="91425" tIns="91425" rIns="91425" bIns="91425" anchor="t" anchorCtr="0">
             <a:noAutofit/>
           </a:bodyPr>
           <a:lstStyle/>
           <a:p>
-            <a:pPr indent="0" lvl="0" marL="0" rtl="0" algn="l">
+            <a:pPr marL="0" lvl="0" indent="0" algn="l" rtl="0">
               <a:spcBef>
                 <a:spcPts val="0"/>
               </a:spcBef>
@@ -2395,9 +2502,6 @@
               </a:spcAft>
               <a:buNone/>
             </a:pPr>
-            <a:r>
-              <a:t/>
-            </a:r>
             <a:endParaRPr/>
           </a:p>
         </p:txBody>
@@ -2411,11 +2515,11 @@
 </file>
 
 <file path=ppt/notesSlides/notesSlide8.xml><?xml version="1.0" encoding="utf-8"?>
-<p:notes xmlns:a="http://schemas.openxmlformats.org/drawingml/2006/main" xmlns:r="http://schemas.openxmlformats.org/officeDocument/2006/relationships" xmlns:mc="http://schemas.openxmlformats.org/markup-compatibility/2006" xmlns:mv="urn:schemas-microsoft-com:mac:vml" xmlns:p="http://schemas.openxmlformats.org/presentationml/2006/main" xmlns:c="http://schemas.openxmlformats.org/drawingml/2006/chart" xmlns:dgm="http://schemas.openxmlformats.org/drawingml/2006/diagram" xmlns:o="urn:schemas-microsoft-com:office:office" xmlns:v="urn:schemas-microsoft-com:vml" xmlns:pvml="urn:schemas-microsoft-com:office:powerpoint" xmlns:com="http://schemas.openxmlformats.org/drawingml/2006/compatibility" xmlns:p14="http://schemas.microsoft.com/office/powerpoint/2010/main" xmlns:p15="http://schemas.microsoft.com/office/powerpoint/2012/main" xmlns:ahyp="http://schemas.microsoft.com/office/drawing/2018/hyperlinkcolor" showMasterPhAnim="0" showMasterSp="0">
+<p:notes xmlns:a="http://schemas.openxmlformats.org/drawingml/2006/main" xmlns:r="http://schemas.openxmlformats.org/officeDocument/2006/relationships" xmlns:p="http://schemas.openxmlformats.org/presentationml/2006/main" showMasterSp="0" showMasterPhAnim="0">
   <p:cSld>
     <p:spTree>
       <p:nvGrpSpPr>
-        <p:cNvPr id="98" name="Shape 98"/>
+        <p:cNvPr id="1" name="Shape 98"/>
         <p:cNvGrpSpPr/>
         <p:nvPr/>
       </p:nvGrpSpPr>
@@ -2430,9 +2534,11 @@
       <p:sp>
         <p:nvSpPr>
           <p:cNvPr id="99" name="Google Shape;99;g33bfb3211b3_0_33:notes"/>
-          <p:cNvSpPr/>
+          <p:cNvSpPr>
+            <a:spLocks noGrp="1" noRot="1" noChangeAspect="1"/>
+          </p:cNvSpPr>
           <p:nvPr>
-            <p:ph idx="2" type="sldImg"/>
+            <p:ph type="sldImg" idx="2"/>
           </p:nvPr>
         </p:nvSpPr>
         <p:spPr>
@@ -2441,9 +2547,13 @@
             <a:ext cx="6096000" cy="3429000"/>
           </a:xfrm>
           <a:custGeom>
-            <a:rect b="b" l="l" r="r" t="t"/>
+            <a:avLst/>
+            <a:gdLst/>
+            <a:ahLst/>
+            <a:cxnLst/>
+            <a:rect l="l" t="t" r="r" b="b"/>
             <a:pathLst>
-              <a:path extrusionOk="0" h="120000" w="120000">
+              <a:path w="120000" h="120000" extrusionOk="0">
                 <a:moveTo>
                   <a:pt x="0" y="0"/>
                 </a:moveTo>
@@ -2465,9 +2575,11 @@
       <p:sp>
         <p:nvSpPr>
           <p:cNvPr id="100" name="Google Shape;100;g33bfb3211b3_0_33:notes"/>
-          <p:cNvSpPr txBox="1"/>
+          <p:cNvSpPr txBox="1">
+            <a:spLocks noGrp="1"/>
+          </p:cNvSpPr>
           <p:nvPr>
-            <p:ph idx="1" type="body"/>
+            <p:ph type="body" idx="1"/>
           </p:nvPr>
         </p:nvSpPr>
         <p:spPr>
@@ -2480,12 +2592,12 @@
           </a:prstGeom>
         </p:spPr>
         <p:txBody>
-          <a:bodyPr anchorCtr="0" anchor="t" bIns="91425" lIns="91425" spcFirstLastPara="1" rIns="91425" wrap="square" tIns="91425">
+          <a:bodyPr spcFirstLastPara="1" wrap="square" lIns="91425" tIns="91425" rIns="91425" bIns="91425" anchor="t" anchorCtr="0">
             <a:noAutofit/>
           </a:bodyPr>
           <a:lstStyle/>
           <a:p>
-            <a:pPr indent="0" lvl="0" marL="0" rtl="0" algn="l">
+            <a:pPr marL="0" lvl="0" indent="0" algn="l" rtl="0">
               <a:spcBef>
                 <a:spcPts val="0"/>
               </a:spcBef>
@@ -2494,9 +2606,6 @@
               </a:spcAft>
               <a:buNone/>
             </a:pPr>
-            <a:r>
-              <a:t/>
-            </a:r>
             <a:endParaRPr/>
           </a:p>
         </p:txBody>
@@ -2510,11 +2619,11 @@
 </file>
 
 <file path=ppt/notesSlides/notesSlide9.xml><?xml version="1.0" encoding="utf-8"?>
-<p:notes xmlns:a="http://schemas.openxmlformats.org/drawingml/2006/main" xmlns:r="http://schemas.openxmlformats.org/officeDocument/2006/relationships" xmlns:mc="http://schemas.openxmlformats.org/markup-compatibility/2006" xmlns:mv="urn:schemas-microsoft-com:mac:vml" xmlns:p="http://schemas.openxmlformats.org/presentationml/2006/main" xmlns:c="http://schemas.openxmlformats.org/drawingml/2006/chart" xmlns:dgm="http://schemas.openxmlformats.org/drawingml/2006/diagram" xmlns:o="urn:schemas-microsoft-com:office:office" xmlns:v="urn:schemas-microsoft-com:vml" xmlns:pvml="urn:schemas-microsoft-com:office:powerpoint" xmlns:com="http://schemas.openxmlformats.org/drawingml/2006/compatibility" xmlns:p14="http://schemas.microsoft.com/office/powerpoint/2010/main" xmlns:p15="http://schemas.microsoft.com/office/powerpoint/2012/main" xmlns:ahyp="http://schemas.microsoft.com/office/drawing/2018/hyperlinkcolor" showMasterPhAnim="0" showMasterSp="0">
+<p:notes xmlns:a="http://schemas.openxmlformats.org/drawingml/2006/main" xmlns:r="http://schemas.openxmlformats.org/officeDocument/2006/relationships" xmlns:p="http://schemas.openxmlformats.org/presentationml/2006/main" showMasterSp="0" showMasterPhAnim="0">
   <p:cSld>
     <p:spTree>
       <p:nvGrpSpPr>
-        <p:cNvPr id="104" name="Shape 104"/>
+        <p:cNvPr id="1" name="Shape 104"/>
         <p:cNvGrpSpPr/>
         <p:nvPr/>
       </p:nvGrpSpPr>
@@ -2529,9 +2638,11 @@
       <p:sp>
         <p:nvSpPr>
           <p:cNvPr id="105" name="Google Shape;105;g33bfb3211b3_0_38:notes"/>
-          <p:cNvSpPr/>
+          <p:cNvSpPr>
+            <a:spLocks noGrp="1" noRot="1" noChangeAspect="1"/>
+          </p:cNvSpPr>
           <p:nvPr>
-            <p:ph idx="2" type="sldImg"/>
+            <p:ph type="sldImg" idx="2"/>
           </p:nvPr>
         </p:nvSpPr>
         <p:spPr>
@@ -2540,9 +2651,13 @@
             <a:ext cx="6096000" cy="3429000"/>
           </a:xfrm>
           <a:custGeom>
-            <a:rect b="b" l="l" r="r" t="t"/>
+            <a:avLst/>
+            <a:gdLst/>
+            <a:ahLst/>
+            <a:cxnLst/>
+            <a:rect l="l" t="t" r="r" b="b"/>
             <a:pathLst>
-              <a:path extrusionOk="0" h="120000" w="120000">
+              <a:path w="120000" h="120000" extrusionOk="0">
                 <a:moveTo>
                   <a:pt x="0" y="0"/>
                 </a:moveTo>
@@ -2564,9 +2679,11 @@
       <p:sp>
         <p:nvSpPr>
           <p:cNvPr id="106" name="Google Shape;106;g33bfb3211b3_0_38:notes"/>
-          <p:cNvSpPr txBox="1"/>
+          <p:cNvSpPr txBox="1">
+            <a:spLocks noGrp="1"/>
+          </p:cNvSpPr>
           <p:nvPr>
-            <p:ph idx="1" type="body"/>
+            <p:ph type="body" idx="1"/>
           </p:nvPr>
         </p:nvSpPr>
         <p:spPr>
@@ -2579,12 +2696,12 @@
           </a:prstGeom>
         </p:spPr>
         <p:txBody>
-          <a:bodyPr anchorCtr="0" anchor="t" bIns="91425" lIns="91425" spcFirstLastPara="1" rIns="91425" wrap="square" tIns="91425">
+          <a:bodyPr spcFirstLastPara="1" wrap="square" lIns="91425" tIns="91425" rIns="91425" bIns="91425" anchor="t" anchorCtr="0">
             <a:noAutofit/>
           </a:bodyPr>
           <a:lstStyle/>
           <a:p>
-            <a:pPr indent="0" lvl="0" marL="0" rtl="0" algn="l">
+            <a:pPr marL="0" lvl="0" indent="0" algn="l" rtl="0">
               <a:spcBef>
                 <a:spcPts val="0"/>
               </a:spcBef>
@@ -2593,9 +2710,6 @@
               </a:spcAft>
               <a:buNone/>
             </a:pPr>
-            <a:r>
-              <a:t/>
-            </a:r>
             <a:endParaRPr/>
           </a:p>
         </p:txBody>
@@ -2609,11 +2723,11 @@
 </file>
 
 <file path=ppt/slideLayouts/slideLayout1.xml><?xml version="1.0" encoding="utf-8"?>
-<p:sldLayout xmlns:a="http://schemas.openxmlformats.org/drawingml/2006/main" xmlns:r="http://schemas.openxmlformats.org/officeDocument/2006/relationships" xmlns:mc="http://schemas.openxmlformats.org/markup-compatibility/2006" xmlns:mv="urn:schemas-microsoft-com:mac:vml" xmlns:p="http://schemas.openxmlformats.org/presentationml/2006/main" xmlns:c="http://schemas.openxmlformats.org/drawingml/2006/chart" xmlns:dgm="http://schemas.openxmlformats.org/drawingml/2006/diagram" xmlns:o="urn:schemas-microsoft-com:office:office" xmlns:v="urn:schemas-microsoft-com:vml" xmlns:pvml="urn:schemas-microsoft-com:office:powerpoint" xmlns:com="http://schemas.openxmlformats.org/drawingml/2006/compatibility" xmlns:p14="http://schemas.microsoft.com/office/powerpoint/2010/main" xmlns:p15="http://schemas.microsoft.com/office/powerpoint/2012/main" xmlns:ahyp="http://schemas.microsoft.com/office/drawing/2018/hyperlinkcolor" matchingName="Title slide" type="title">
+<p:sldLayout xmlns:a="http://schemas.openxmlformats.org/drawingml/2006/main" xmlns:r="http://schemas.openxmlformats.org/officeDocument/2006/relationships" xmlns:p="http://schemas.openxmlformats.org/presentationml/2006/main" matchingName="Title slide" type="title">
   <p:cSld name="TITLE">
     <p:spTree>
       <p:nvGrpSpPr>
-        <p:cNvPr id="9" name="Shape 9"/>
+        <p:cNvPr id="1" name="Shape 9"/>
         <p:cNvGrpSpPr/>
         <p:nvPr/>
       </p:nvGrpSpPr>
@@ -2647,12 +2761,12 @@
           </a:ln>
         </p:spPr>
         <p:txBody>
-          <a:bodyPr anchorCtr="0" anchor="ctr" bIns="91425" lIns="91425" spcFirstLastPara="1" rIns="91425" wrap="square" tIns="91425">
+          <a:bodyPr spcFirstLastPara="1" wrap="square" lIns="91425" tIns="91425" rIns="91425" bIns="91425" anchor="ctr" anchorCtr="0">
             <a:noAutofit/>
           </a:bodyPr>
           <a:lstStyle/>
           <a:p>
-            <a:pPr indent="0" lvl="0" marL="0" rtl="0" algn="l">
+            <a:pPr marL="0" lvl="0" indent="0" algn="l" rtl="0">
               <a:spcBef>
                 <a:spcPts val="0"/>
               </a:spcBef>
@@ -2661,9 +2775,6 @@
               </a:spcAft>
               <a:buNone/>
             </a:pPr>
-            <a:r>
-              <a:t/>
-            </a:r>
             <a:endParaRPr/>
           </a:p>
         </p:txBody>
@@ -2683,23 +2794,23 @@
             <a:avLst/>
           </a:prstGeom>
           <a:noFill/>
-          <a:ln cap="flat" cmpd="sng" w="28575">
+          <a:ln w="28575" cap="flat" cmpd="sng">
             <a:solidFill>
               <a:schemeClr val="lt1"/>
             </a:solidFill>
             <a:prstDash val="solid"/>
             <a:miter lim="8000"/>
-            <a:headEnd len="sm" w="sm" type="none"/>
-            <a:tailEnd len="sm" w="sm" type="none"/>
+            <a:headEnd type="none" w="sm" len="sm"/>
+            <a:tailEnd type="none" w="sm" len="sm"/>
           </a:ln>
         </p:spPr>
         <p:txBody>
-          <a:bodyPr anchorCtr="0" anchor="ctr" bIns="91425" lIns="91425" spcFirstLastPara="1" rIns="91425" wrap="square" tIns="91425">
+          <a:bodyPr spcFirstLastPara="1" wrap="square" lIns="91425" tIns="91425" rIns="91425" bIns="91425" anchor="ctr" anchorCtr="0">
             <a:noAutofit/>
           </a:bodyPr>
           <a:lstStyle/>
           <a:p>
-            <a:pPr indent="0" lvl="0" marL="0" rtl="0" algn="l">
+            <a:pPr marL="0" lvl="0" indent="0" algn="l" rtl="0">
               <a:spcBef>
                 <a:spcPts val="0"/>
               </a:spcBef>
@@ -2708,9 +2819,6 @@
               </a:spcAft>
               <a:buNone/>
             </a:pPr>
-            <a:r>
-              <a:t/>
-            </a:r>
             <a:endParaRPr/>
           </a:p>
         </p:txBody>
@@ -2718,7 +2826,9 @@
       <p:sp>
         <p:nvSpPr>
           <p:cNvPr id="12" name="Google Shape;12;p2"/>
-          <p:cNvSpPr txBox="1"/>
+          <p:cNvSpPr txBox="1">
+            <a:spLocks noGrp="1"/>
+          </p:cNvSpPr>
           <p:nvPr>
             <p:ph type="ctrTitle"/>
           </p:nvPr>
@@ -2733,7 +2843,7 @@
           </a:prstGeom>
         </p:spPr>
         <p:txBody>
-          <a:bodyPr anchorCtr="0" anchor="ctr" bIns="91425" lIns="91425" spcFirstLastPara="1" rIns="91425" wrap="square" tIns="91425">
+          <a:bodyPr spcFirstLastPara="1" wrap="square" lIns="91425" tIns="91425" rIns="91425" bIns="91425" anchor="ctr" anchorCtr="0">
             <a:normAutofit/>
           </a:bodyPr>
           <a:lstStyle>
@@ -2945,15 +3055,19 @@
               </a:defRPr>
             </a:lvl9pPr>
           </a:lstStyle>
-          <a:p/>
+          <a:p>
+            <a:endParaRPr/>
+          </a:p>
         </p:txBody>
       </p:sp>
       <p:sp>
         <p:nvSpPr>
           <p:cNvPr id="13" name="Google Shape;13;p2"/>
-          <p:cNvSpPr txBox="1"/>
+          <p:cNvSpPr txBox="1">
+            <a:spLocks noGrp="1"/>
+          </p:cNvSpPr>
           <p:nvPr>
-            <p:ph idx="1" type="subTitle"/>
+            <p:ph type="subTitle" idx="1"/>
           </p:nvPr>
         </p:nvSpPr>
         <p:spPr>
@@ -2966,7 +3080,7 @@
           </a:prstGeom>
         </p:spPr>
         <p:txBody>
-          <a:bodyPr anchorCtr="0" anchor="b" bIns="91425" lIns="91425" spcFirstLastPara="1" rIns="91425" wrap="square" tIns="91425">
+          <a:bodyPr spcFirstLastPara="1" wrap="square" lIns="91425" tIns="91425" rIns="91425" bIns="91425" anchor="b" anchorCtr="0">
             <a:normAutofit/>
           </a:bodyPr>
           <a:lstStyle>
@@ -3012,7 +3126,7 @@
               <a:buSzPts val="1800"/>
               <a:buFont typeface="Playfair Display"/>
               <a:buNone/>
-              <a:defRPr b="1" sz="1800">
+              <a:defRPr sz="1800" b="1">
                 <a:solidFill>
                   <a:schemeClr val="lt1"/>
                 </a:solidFill>
@@ -3038,7 +3152,7 @@
               <a:buSzPts val="1800"/>
               <a:buFont typeface="Playfair Display"/>
               <a:buNone/>
-              <a:defRPr b="1" sz="1800">
+              <a:defRPr sz="1800" b="1">
                 <a:solidFill>
                   <a:schemeClr val="lt1"/>
                 </a:solidFill>
@@ -3064,7 +3178,7 @@
               <a:buSzPts val="1800"/>
               <a:buFont typeface="Playfair Display"/>
               <a:buNone/>
-              <a:defRPr b="1" sz="1800">
+              <a:defRPr sz="1800" b="1">
                 <a:solidFill>
                   <a:schemeClr val="lt1"/>
                 </a:solidFill>
@@ -3090,7 +3204,7 @@
               <a:buSzPts val="1800"/>
               <a:buFont typeface="Playfair Display"/>
               <a:buNone/>
-              <a:defRPr b="1" sz="1800">
+              <a:defRPr sz="1800" b="1">
                 <a:solidFill>
                   <a:schemeClr val="lt1"/>
                 </a:solidFill>
@@ -3116,7 +3230,7 @@
               <a:buSzPts val="1800"/>
               <a:buFont typeface="Playfair Display"/>
               <a:buNone/>
-              <a:defRPr b="1" sz="1800">
+              <a:defRPr sz="1800" b="1">
                 <a:solidFill>
                   <a:schemeClr val="lt1"/>
                 </a:solidFill>
@@ -3142,7 +3256,7 @@
               <a:buSzPts val="1800"/>
               <a:buFont typeface="Playfair Display"/>
               <a:buNone/>
-              <a:defRPr b="1" sz="1800">
+              <a:defRPr sz="1800" b="1">
                 <a:solidFill>
                   <a:schemeClr val="lt1"/>
                 </a:solidFill>
@@ -3168,7 +3282,7 @@
               <a:buSzPts val="1800"/>
               <a:buFont typeface="Playfair Display"/>
               <a:buNone/>
-              <a:defRPr b="1" sz="1800">
+              <a:defRPr sz="1800" b="1">
                 <a:solidFill>
                   <a:schemeClr val="lt1"/>
                 </a:solidFill>
@@ -3194,7 +3308,7 @@
               <a:buSzPts val="1800"/>
               <a:buFont typeface="Playfair Display"/>
               <a:buNone/>
-              <a:defRPr b="1" sz="1800">
+              <a:defRPr sz="1800" b="1">
                 <a:solidFill>
                   <a:schemeClr val="lt1"/>
                 </a:solidFill>
@@ -3205,15 +3319,19 @@
               </a:defRPr>
             </a:lvl9pPr>
           </a:lstStyle>
-          <a:p/>
+          <a:p>
+            <a:endParaRPr/>
+          </a:p>
         </p:txBody>
       </p:sp>
       <p:sp>
         <p:nvSpPr>
           <p:cNvPr id="14" name="Google Shape;14;p2"/>
-          <p:cNvSpPr txBox="1"/>
+          <p:cNvSpPr txBox="1">
+            <a:spLocks noGrp="1"/>
+          </p:cNvSpPr>
           <p:nvPr>
-            <p:ph idx="12" type="sldNum"/>
+            <p:ph type="sldNum" idx="12"/>
           </p:nvPr>
         </p:nvSpPr>
         <p:spPr>
@@ -3226,7 +3344,7 @@
           </a:prstGeom>
         </p:spPr>
         <p:txBody>
-          <a:bodyPr anchorCtr="0" anchor="ctr" bIns="91425" lIns="91425" spcFirstLastPara="1" rIns="91425" wrap="square" tIns="91425">
+          <a:bodyPr spcFirstLastPara="1" wrap="square" lIns="91425" tIns="91425" rIns="91425" bIns="91425" anchor="ctr" anchorCtr="0">
             <a:normAutofit/>
           </a:bodyPr>
           <a:lstStyle>
@@ -3268,7 +3386,7 @@
             </a:lvl9pPr>
           </a:lstStyle>
           <a:p>
-            <a:pPr indent="0" lvl="0" marL="0" rtl="0" algn="r">
+            <a:pPr marL="0" lvl="0" indent="0" algn="r" rtl="0">
               <a:spcBef>
                 <a:spcPts val="0"/>
               </a:spcBef>
@@ -3294,11 +3412,11 @@
 </file>
 
 <file path=ppt/slideLayouts/slideLayout10.xml><?xml version="1.0" encoding="utf-8"?>
-<p:sldLayout xmlns:a="http://schemas.openxmlformats.org/drawingml/2006/main" xmlns:r="http://schemas.openxmlformats.org/officeDocument/2006/relationships" xmlns:mc="http://schemas.openxmlformats.org/markup-compatibility/2006" xmlns:mv="urn:schemas-microsoft-com:mac:vml" xmlns:p="http://schemas.openxmlformats.org/presentationml/2006/main" xmlns:c="http://schemas.openxmlformats.org/drawingml/2006/chart" xmlns:dgm="http://schemas.openxmlformats.org/drawingml/2006/diagram" xmlns:o="urn:schemas-microsoft-com:office:office" xmlns:v="urn:schemas-microsoft-com:vml" xmlns:pvml="urn:schemas-microsoft-com:office:powerpoint" xmlns:com="http://schemas.openxmlformats.org/drawingml/2006/compatibility" xmlns:p14="http://schemas.microsoft.com/office/powerpoint/2010/main" xmlns:p15="http://schemas.microsoft.com/office/powerpoint/2012/main" xmlns:ahyp="http://schemas.microsoft.com/office/drawing/2018/hyperlinkcolor" matchingName="Big number">
+<p:sldLayout xmlns:a="http://schemas.openxmlformats.org/drawingml/2006/main" xmlns:r="http://schemas.openxmlformats.org/officeDocument/2006/relationships" xmlns:p="http://schemas.openxmlformats.org/presentationml/2006/main" matchingName="Big number">
   <p:cSld name="BIG_NUMBER">
     <p:spTree>
       <p:nvGrpSpPr>
-        <p:cNvPr id="48" name="Shape 48"/>
+        <p:cNvPr id="1" name="Shape 48"/>
         <p:cNvGrpSpPr/>
         <p:nvPr/>
       </p:nvGrpSpPr>
@@ -3332,12 +3450,12 @@
           </a:ln>
         </p:spPr>
         <p:txBody>
-          <a:bodyPr anchorCtr="0" anchor="ctr" bIns="91425" lIns="91425" spcFirstLastPara="1" rIns="91425" wrap="square" tIns="91425">
+          <a:bodyPr spcFirstLastPara="1" wrap="square" lIns="91425" tIns="91425" rIns="91425" bIns="91425" anchor="ctr" anchorCtr="0">
             <a:noAutofit/>
           </a:bodyPr>
           <a:lstStyle/>
           <a:p>
-            <a:pPr indent="0" lvl="0" marL="0" rtl="0" algn="l">
+            <a:pPr marL="0" lvl="0" indent="0" algn="l" rtl="0">
               <a:spcBef>
                 <a:spcPts val="0"/>
               </a:spcBef>
@@ -3346,9 +3464,6 @@
               </a:spcAft>
               <a:buNone/>
             </a:pPr>
-            <a:r>
-              <a:t/>
-            </a:r>
             <a:endParaRPr/>
           </a:p>
         </p:txBody>
@@ -3356,9 +3471,11 @@
       <p:sp>
         <p:nvSpPr>
           <p:cNvPr id="50" name="Google Shape;50;p11"/>
-          <p:cNvSpPr txBox="1"/>
+          <p:cNvSpPr txBox="1">
+            <a:spLocks noGrp="1"/>
+          </p:cNvSpPr>
           <p:nvPr>
-            <p:ph hasCustomPrompt="1" type="title"/>
+            <p:ph type="title" hasCustomPrompt="1"/>
           </p:nvPr>
         </p:nvSpPr>
         <p:spPr>
@@ -3371,7 +3488,7 @@
           </a:prstGeom>
         </p:spPr>
         <p:txBody>
-          <a:bodyPr anchorCtr="0" anchor="b" bIns="91425" lIns="91425" spcFirstLastPara="1" rIns="91425" wrap="square" tIns="91425">
+          <a:bodyPr spcFirstLastPara="1" wrap="square" lIns="91425" tIns="91425" rIns="91425" bIns="91425" anchor="b" anchorCtr="0">
             <a:normAutofit/>
           </a:bodyPr>
           <a:lstStyle>
@@ -3539,9 +3656,11 @@
       <p:sp>
         <p:nvSpPr>
           <p:cNvPr id="51" name="Google Shape;51;p11"/>
-          <p:cNvSpPr txBox="1"/>
+          <p:cNvSpPr txBox="1">
+            <a:spLocks noGrp="1"/>
+          </p:cNvSpPr>
           <p:nvPr>
-            <p:ph idx="1" type="body"/>
+            <p:ph type="body" idx="1"/>
           </p:nvPr>
         </p:nvSpPr>
         <p:spPr>
@@ -3554,11 +3673,11 @@
           </a:prstGeom>
         </p:spPr>
         <p:txBody>
-          <a:bodyPr anchorCtr="0" anchor="t" bIns="91425" lIns="91425" spcFirstLastPara="1" rIns="91425" wrap="square" tIns="91425">
+          <a:bodyPr spcFirstLastPara="1" wrap="square" lIns="91425" tIns="91425" rIns="91425" bIns="91425" anchor="t" anchorCtr="0">
             <a:normAutofit/>
           </a:bodyPr>
           <a:lstStyle>
-            <a:lvl1pPr indent="-342900" lvl="0" marL="457200" algn="ctr">
+            <a:lvl1pPr marL="457200" lvl="0" indent="-342900" algn="ctr">
               <a:spcBef>
                 <a:spcPts val="0"/>
               </a:spcBef>
@@ -3569,7 +3688,7 @@
               <a:buChar char="●"/>
               <a:defRPr/>
             </a:lvl1pPr>
-            <a:lvl2pPr indent="-317500" lvl="1" marL="914400" algn="ctr">
+            <a:lvl2pPr marL="914400" lvl="1" indent="-317500" algn="ctr">
               <a:spcBef>
                 <a:spcPts val="0"/>
               </a:spcBef>
@@ -3580,7 +3699,7 @@
               <a:buChar char="○"/>
               <a:defRPr/>
             </a:lvl2pPr>
-            <a:lvl3pPr indent="-317500" lvl="2" marL="1371600" algn="ctr">
+            <a:lvl3pPr marL="1371600" lvl="2" indent="-317500" algn="ctr">
               <a:spcBef>
                 <a:spcPts val="0"/>
               </a:spcBef>
@@ -3591,7 +3710,7 @@
               <a:buChar char="■"/>
               <a:defRPr/>
             </a:lvl3pPr>
-            <a:lvl4pPr indent="-317500" lvl="3" marL="1828800" algn="ctr">
+            <a:lvl4pPr marL="1828800" lvl="3" indent="-317500" algn="ctr">
               <a:spcBef>
                 <a:spcPts val="0"/>
               </a:spcBef>
@@ -3602,7 +3721,7 @@
               <a:buChar char="●"/>
               <a:defRPr/>
             </a:lvl4pPr>
-            <a:lvl5pPr indent="-317500" lvl="4" marL="2286000" algn="ctr">
+            <a:lvl5pPr marL="2286000" lvl="4" indent="-317500" algn="ctr">
               <a:spcBef>
                 <a:spcPts val="0"/>
               </a:spcBef>
@@ -3613,7 +3732,7 @@
               <a:buChar char="○"/>
               <a:defRPr/>
             </a:lvl5pPr>
-            <a:lvl6pPr indent="-317500" lvl="5" marL="2743200" algn="ctr">
+            <a:lvl6pPr marL="2743200" lvl="5" indent="-317500" algn="ctr">
               <a:spcBef>
                 <a:spcPts val="0"/>
               </a:spcBef>
@@ -3624,7 +3743,7 @@
               <a:buChar char="■"/>
               <a:defRPr/>
             </a:lvl6pPr>
-            <a:lvl7pPr indent="-317500" lvl="6" marL="3200400" algn="ctr">
+            <a:lvl7pPr marL="3200400" lvl="6" indent="-317500" algn="ctr">
               <a:spcBef>
                 <a:spcPts val="0"/>
               </a:spcBef>
@@ -3635,7 +3754,7 @@
               <a:buChar char="●"/>
               <a:defRPr/>
             </a:lvl7pPr>
-            <a:lvl8pPr indent="-317500" lvl="7" marL="3657600" algn="ctr">
+            <a:lvl8pPr marL="3657600" lvl="7" indent="-317500" algn="ctr">
               <a:spcBef>
                 <a:spcPts val="0"/>
               </a:spcBef>
@@ -3646,7 +3765,7 @@
               <a:buChar char="○"/>
               <a:defRPr/>
             </a:lvl8pPr>
-            <a:lvl9pPr indent="-317500" lvl="8" marL="4114800" algn="ctr">
+            <a:lvl9pPr marL="4114800" lvl="8" indent="-317500" algn="ctr">
               <a:spcBef>
                 <a:spcPts val="0"/>
               </a:spcBef>
@@ -3658,15 +3777,19 @@
               <a:defRPr/>
             </a:lvl9pPr>
           </a:lstStyle>
-          <a:p/>
+          <a:p>
+            <a:endParaRPr/>
+          </a:p>
         </p:txBody>
       </p:sp>
       <p:sp>
         <p:nvSpPr>
           <p:cNvPr id="52" name="Google Shape;52;p11"/>
-          <p:cNvSpPr txBox="1"/>
+          <p:cNvSpPr txBox="1">
+            <a:spLocks noGrp="1"/>
+          </p:cNvSpPr>
           <p:nvPr>
-            <p:ph idx="12" type="sldNum"/>
+            <p:ph type="sldNum" idx="12"/>
           </p:nvPr>
         </p:nvSpPr>
         <p:spPr>
@@ -3679,7 +3802,7 @@
           </a:prstGeom>
         </p:spPr>
         <p:txBody>
-          <a:bodyPr anchorCtr="0" anchor="ctr" bIns="91425" lIns="91425" spcFirstLastPara="1" rIns="91425" wrap="square" tIns="91425">
+          <a:bodyPr spcFirstLastPara="1" wrap="square" lIns="91425" tIns="91425" rIns="91425" bIns="91425" anchor="ctr" anchorCtr="0">
             <a:normAutofit/>
           </a:bodyPr>
           <a:lstStyle>
@@ -3721,7 +3844,7 @@
             </a:lvl9pPr>
           </a:lstStyle>
           <a:p>
-            <a:pPr indent="0" lvl="0" marL="0" rtl="0" algn="r">
+            <a:pPr marL="0" lvl="0" indent="0" algn="r" rtl="0">
               <a:spcBef>
                 <a:spcPts val="0"/>
               </a:spcBef>
@@ -3747,11 +3870,11 @@
 </file>
 
 <file path=ppt/slideLayouts/slideLayout11.xml><?xml version="1.0" encoding="utf-8"?>
-<p:sldLayout xmlns:a="http://schemas.openxmlformats.org/drawingml/2006/main" xmlns:r="http://schemas.openxmlformats.org/officeDocument/2006/relationships" xmlns:mc="http://schemas.openxmlformats.org/markup-compatibility/2006" xmlns:mv="urn:schemas-microsoft-com:mac:vml" xmlns:p="http://schemas.openxmlformats.org/presentationml/2006/main" xmlns:c="http://schemas.openxmlformats.org/drawingml/2006/chart" xmlns:dgm="http://schemas.openxmlformats.org/drawingml/2006/diagram" xmlns:o="urn:schemas-microsoft-com:office:office" xmlns:v="urn:schemas-microsoft-com:vml" xmlns:pvml="urn:schemas-microsoft-com:office:powerpoint" xmlns:com="http://schemas.openxmlformats.org/drawingml/2006/compatibility" xmlns:p14="http://schemas.microsoft.com/office/powerpoint/2010/main" xmlns:p15="http://schemas.microsoft.com/office/powerpoint/2012/main" xmlns:ahyp="http://schemas.microsoft.com/office/drawing/2018/hyperlinkcolor" matchingName="Blank" type="blank">
+<p:sldLayout xmlns:a="http://schemas.openxmlformats.org/drawingml/2006/main" xmlns:r="http://schemas.openxmlformats.org/officeDocument/2006/relationships" xmlns:p="http://schemas.openxmlformats.org/presentationml/2006/main" matchingName="Blank" type="blank">
   <p:cSld name="BLANK">
     <p:spTree>
       <p:nvGrpSpPr>
-        <p:cNvPr id="53" name="Shape 53"/>
+        <p:cNvPr id="1" name="Shape 53"/>
         <p:cNvGrpSpPr/>
         <p:nvPr/>
       </p:nvGrpSpPr>
@@ -3766,9 +3889,11 @@
       <p:sp>
         <p:nvSpPr>
           <p:cNvPr id="54" name="Google Shape;54;p12"/>
-          <p:cNvSpPr txBox="1"/>
+          <p:cNvSpPr txBox="1">
+            <a:spLocks noGrp="1"/>
+          </p:cNvSpPr>
           <p:nvPr>
-            <p:ph idx="12" type="sldNum"/>
+            <p:ph type="sldNum" idx="12"/>
           </p:nvPr>
         </p:nvSpPr>
         <p:spPr>
@@ -3781,7 +3906,7 @@
           </a:prstGeom>
         </p:spPr>
         <p:txBody>
-          <a:bodyPr anchorCtr="0" anchor="ctr" bIns="91425" lIns="91425" spcFirstLastPara="1" rIns="91425" wrap="square" tIns="91425">
+          <a:bodyPr spcFirstLastPara="1" wrap="square" lIns="91425" tIns="91425" rIns="91425" bIns="91425" anchor="ctr" anchorCtr="0">
             <a:normAutofit/>
           </a:bodyPr>
           <a:lstStyle>
@@ -3823,7 +3948,7 @@
             </a:lvl9pPr>
           </a:lstStyle>
           <a:p>
-            <a:pPr indent="0" lvl="0" marL="0" rtl="0" algn="r">
+            <a:pPr marL="0" lvl="0" indent="0" algn="r" rtl="0">
               <a:spcBef>
                 <a:spcPts val="0"/>
               </a:spcBef>
@@ -3849,18 +3974,19 @@
 </file>
 
 <file path=ppt/slideLayouts/slideLayout2.xml><?xml version="1.0" encoding="utf-8"?>
-<p:sldLayout xmlns:a="http://schemas.openxmlformats.org/drawingml/2006/main" xmlns:r="http://schemas.openxmlformats.org/officeDocument/2006/relationships" xmlns:mc="http://schemas.openxmlformats.org/markup-compatibility/2006" xmlns:mv="urn:schemas-microsoft-com:mac:vml" xmlns:p="http://schemas.openxmlformats.org/presentationml/2006/main" xmlns:c="http://schemas.openxmlformats.org/drawingml/2006/chart" xmlns:dgm="http://schemas.openxmlformats.org/drawingml/2006/diagram" xmlns:o="urn:schemas-microsoft-com:office:office" xmlns:v="urn:schemas-microsoft-com:vml" xmlns:pvml="urn:schemas-microsoft-com:office:powerpoint" xmlns:com="http://schemas.openxmlformats.org/drawingml/2006/compatibility" xmlns:p14="http://schemas.microsoft.com/office/powerpoint/2010/main" xmlns:p15="http://schemas.microsoft.com/office/powerpoint/2012/main" xmlns:ahyp="http://schemas.microsoft.com/office/drawing/2018/hyperlinkcolor" matchingName="Section header" type="secHead">
+<p:sldLayout xmlns:a="http://schemas.openxmlformats.org/drawingml/2006/main" xmlns:r="http://schemas.openxmlformats.org/officeDocument/2006/relationships" xmlns:p="http://schemas.openxmlformats.org/presentationml/2006/main" matchingName="Section header" type="secHead">
   <p:cSld name="SECTION_HEADER">
     <p:bg>
       <p:bgPr>
         <a:solidFill>
           <a:schemeClr val="dk1"/>
         </a:solidFill>
+        <a:effectLst/>
       </p:bgPr>
     </p:bg>
     <p:spTree>
       <p:nvGrpSpPr>
-        <p:cNvPr id="15" name="Shape 15"/>
+        <p:cNvPr id="1" name="Shape 15"/>
         <p:cNvGrpSpPr/>
         <p:nvPr/>
       </p:nvGrpSpPr>
@@ -3875,7 +4001,9 @@
       <p:sp>
         <p:nvSpPr>
           <p:cNvPr id="16" name="Google Shape;16;p3"/>
-          <p:cNvSpPr txBox="1"/>
+          <p:cNvSpPr txBox="1">
+            <a:spLocks noGrp="1"/>
+          </p:cNvSpPr>
           <p:nvPr>
             <p:ph type="title"/>
           </p:nvPr>
@@ -3890,7 +4018,7 @@
           </a:prstGeom>
         </p:spPr>
         <p:txBody>
-          <a:bodyPr anchorCtr="0" anchor="ctr" bIns="91425" lIns="91425" spcFirstLastPara="1" rIns="91425" wrap="square" tIns="91425">
+          <a:bodyPr spcFirstLastPara="1" wrap="square" lIns="91425" tIns="91425" rIns="91425" bIns="91425" anchor="ctr" anchorCtr="0">
             <a:normAutofit/>
           </a:bodyPr>
           <a:lstStyle>
@@ -3907,7 +4035,7 @@
               <a:buSzPts val="4800"/>
               <a:buFont typeface="Lato"/>
               <a:buNone/>
-              <a:defRPr b="0" sz="4800">
+              <a:defRPr sz="4800" b="0">
                 <a:solidFill>
                   <a:schemeClr val="lt1"/>
                 </a:solidFill>
@@ -3930,7 +4058,7 @@
               <a:buSzPts val="4800"/>
               <a:buFont typeface="Lato"/>
               <a:buNone/>
-              <a:defRPr b="0" sz="4800">
+              <a:defRPr sz="4800" b="0">
                 <a:solidFill>
                   <a:schemeClr val="lt1"/>
                 </a:solidFill>
@@ -3953,7 +4081,7 @@
               <a:buSzPts val="4800"/>
               <a:buFont typeface="Lato"/>
               <a:buNone/>
-              <a:defRPr b="0" sz="4800">
+              <a:defRPr sz="4800" b="0">
                 <a:solidFill>
                   <a:schemeClr val="lt1"/>
                 </a:solidFill>
@@ -3976,7 +4104,7 @@
               <a:buSzPts val="4800"/>
               <a:buFont typeface="Lato"/>
               <a:buNone/>
-              <a:defRPr b="0" sz="4800">
+              <a:defRPr sz="4800" b="0">
                 <a:solidFill>
                   <a:schemeClr val="lt1"/>
                 </a:solidFill>
@@ -3999,7 +4127,7 @@
               <a:buSzPts val="4800"/>
               <a:buFont typeface="Lato"/>
               <a:buNone/>
-              <a:defRPr b="0" sz="4800">
+              <a:defRPr sz="4800" b="0">
                 <a:solidFill>
                   <a:schemeClr val="lt1"/>
                 </a:solidFill>
@@ -4022,7 +4150,7 @@
               <a:buSzPts val="4800"/>
               <a:buFont typeface="Lato"/>
               <a:buNone/>
-              <a:defRPr b="0" sz="4800">
+              <a:defRPr sz="4800" b="0">
                 <a:solidFill>
                   <a:schemeClr val="lt1"/>
                 </a:solidFill>
@@ -4045,7 +4173,7 @@
               <a:buSzPts val="4800"/>
               <a:buFont typeface="Lato"/>
               <a:buNone/>
-              <a:defRPr b="0" sz="4800">
+              <a:defRPr sz="4800" b="0">
                 <a:solidFill>
                   <a:schemeClr val="lt1"/>
                 </a:solidFill>
@@ -4068,7 +4196,7 @@
               <a:buSzPts val="4800"/>
               <a:buFont typeface="Lato"/>
               <a:buNone/>
-              <a:defRPr b="0" sz="4800">
+              <a:defRPr sz="4800" b="0">
                 <a:solidFill>
                   <a:schemeClr val="lt1"/>
                 </a:solidFill>
@@ -4091,7 +4219,7 @@
               <a:buSzPts val="4800"/>
               <a:buFont typeface="Lato"/>
               <a:buNone/>
-              <a:defRPr b="0" sz="4800">
+              <a:defRPr sz="4800" b="0">
                 <a:solidFill>
                   <a:schemeClr val="lt1"/>
                 </a:solidFill>
@@ -4102,15 +4230,19 @@
               </a:defRPr>
             </a:lvl9pPr>
           </a:lstStyle>
-          <a:p/>
+          <a:p>
+            <a:endParaRPr/>
+          </a:p>
         </p:txBody>
       </p:sp>
       <p:sp>
         <p:nvSpPr>
           <p:cNvPr id="17" name="Google Shape;17;p3"/>
-          <p:cNvSpPr txBox="1"/>
+          <p:cNvSpPr txBox="1">
+            <a:spLocks noGrp="1"/>
+          </p:cNvSpPr>
           <p:nvPr>
-            <p:ph idx="12" type="sldNum"/>
+            <p:ph type="sldNum" idx="12"/>
           </p:nvPr>
         </p:nvSpPr>
         <p:spPr>
@@ -4123,7 +4255,7 @@
           </a:prstGeom>
         </p:spPr>
         <p:txBody>
-          <a:bodyPr anchorCtr="0" anchor="ctr" bIns="91425" lIns="91425" spcFirstLastPara="1" rIns="91425" wrap="square" tIns="91425">
+          <a:bodyPr spcFirstLastPara="1" wrap="square" lIns="91425" tIns="91425" rIns="91425" bIns="91425" anchor="ctr" anchorCtr="0">
             <a:normAutofit/>
           </a:bodyPr>
           <a:lstStyle>
@@ -4201,7 +4333,7 @@
             </a:lvl9pPr>
           </a:lstStyle>
           <a:p>
-            <a:pPr indent="0" lvl="0" marL="0" rtl="0" algn="r">
+            <a:pPr marL="0" lvl="0" indent="0" algn="r" rtl="0">
               <a:spcBef>
                 <a:spcPts val="0"/>
               </a:spcBef>
@@ -4227,11 +4359,11 @@
 </file>
 
 <file path=ppt/slideLayouts/slideLayout3.xml><?xml version="1.0" encoding="utf-8"?>
-<p:sldLayout xmlns:a="http://schemas.openxmlformats.org/drawingml/2006/main" xmlns:r="http://schemas.openxmlformats.org/officeDocument/2006/relationships" xmlns:mc="http://schemas.openxmlformats.org/markup-compatibility/2006" xmlns:mv="urn:schemas-microsoft-com:mac:vml" xmlns:p="http://schemas.openxmlformats.org/presentationml/2006/main" xmlns:c="http://schemas.openxmlformats.org/drawingml/2006/chart" xmlns:dgm="http://schemas.openxmlformats.org/drawingml/2006/diagram" xmlns:o="urn:schemas-microsoft-com:office:office" xmlns:v="urn:schemas-microsoft-com:vml" xmlns:pvml="urn:schemas-microsoft-com:office:powerpoint" xmlns:com="http://schemas.openxmlformats.org/drawingml/2006/compatibility" xmlns:p14="http://schemas.microsoft.com/office/powerpoint/2010/main" xmlns:p15="http://schemas.microsoft.com/office/powerpoint/2012/main" xmlns:ahyp="http://schemas.microsoft.com/office/drawing/2018/hyperlinkcolor" matchingName="Title and body" type="tx">
+<p:sldLayout xmlns:a="http://schemas.openxmlformats.org/drawingml/2006/main" xmlns:r="http://schemas.openxmlformats.org/officeDocument/2006/relationships" xmlns:p="http://schemas.openxmlformats.org/presentationml/2006/main" matchingName="Title and body" type="tx">
   <p:cSld name="TITLE_AND_BODY">
     <p:spTree>
       <p:nvGrpSpPr>
-        <p:cNvPr id="18" name="Shape 18"/>
+        <p:cNvPr id="1" name="Shape 18"/>
         <p:cNvGrpSpPr/>
         <p:nvPr/>
       </p:nvGrpSpPr>
@@ -4265,12 +4397,12 @@
           </a:ln>
         </p:spPr>
         <p:txBody>
-          <a:bodyPr anchorCtr="0" anchor="ctr" bIns="91425" lIns="91425" spcFirstLastPara="1" rIns="91425" wrap="square" tIns="91425">
+          <a:bodyPr spcFirstLastPara="1" wrap="square" lIns="91425" tIns="91425" rIns="91425" bIns="91425" anchor="ctr" anchorCtr="0">
             <a:noAutofit/>
           </a:bodyPr>
           <a:lstStyle/>
           <a:p>
-            <a:pPr indent="0" lvl="0" marL="0" rtl="0" algn="l">
+            <a:pPr marL="0" lvl="0" indent="0" algn="l" rtl="0">
               <a:spcBef>
                 <a:spcPts val="0"/>
               </a:spcBef>
@@ -4279,9 +4411,6 @@
               </a:spcAft>
               <a:buNone/>
             </a:pPr>
-            <a:r>
-              <a:t/>
-            </a:r>
             <a:endParaRPr/>
           </a:p>
         </p:txBody>
@@ -4289,7 +4418,9 @@
       <p:sp>
         <p:nvSpPr>
           <p:cNvPr id="20" name="Google Shape;20;p4"/>
-          <p:cNvSpPr txBox="1"/>
+          <p:cNvSpPr txBox="1">
+            <a:spLocks noGrp="1"/>
+          </p:cNvSpPr>
           <p:nvPr>
             <p:ph type="title"/>
           </p:nvPr>
@@ -4304,7 +4435,7 @@
           </a:prstGeom>
         </p:spPr>
         <p:txBody>
-          <a:bodyPr anchorCtr="0" anchor="t" bIns="91425" lIns="91425" spcFirstLastPara="1" rIns="91425" wrap="square" tIns="91425">
+          <a:bodyPr spcFirstLastPara="1" wrap="square" lIns="91425" tIns="91425" rIns="91425" bIns="91425" anchor="t" anchorCtr="0">
             <a:normAutofit/>
           </a:bodyPr>
           <a:lstStyle>
@@ -4408,15 +4539,19 @@
               <a:defRPr/>
             </a:lvl9pPr>
           </a:lstStyle>
-          <a:p/>
+          <a:p>
+            <a:endParaRPr/>
+          </a:p>
         </p:txBody>
       </p:sp>
       <p:sp>
         <p:nvSpPr>
           <p:cNvPr id="21" name="Google Shape;21;p4"/>
-          <p:cNvSpPr txBox="1"/>
+          <p:cNvSpPr txBox="1">
+            <a:spLocks noGrp="1"/>
+          </p:cNvSpPr>
           <p:nvPr>
-            <p:ph idx="1" type="body"/>
+            <p:ph type="body" idx="1"/>
           </p:nvPr>
         </p:nvSpPr>
         <p:spPr>
@@ -4429,11 +4564,11 @@
           </a:prstGeom>
         </p:spPr>
         <p:txBody>
-          <a:bodyPr anchorCtr="0" anchor="t" bIns="91425" lIns="91425" spcFirstLastPara="1" rIns="91425" wrap="square" tIns="91425">
+          <a:bodyPr spcFirstLastPara="1" wrap="square" lIns="91425" tIns="91425" rIns="91425" bIns="91425" anchor="t" anchorCtr="0">
             <a:normAutofit/>
           </a:bodyPr>
           <a:lstStyle>
-            <a:lvl1pPr indent="-342900" lvl="0" marL="457200">
+            <a:lvl1pPr marL="457200" lvl="0" indent="-342900">
               <a:spcBef>
                 <a:spcPts val="0"/>
               </a:spcBef>
@@ -4444,7 +4579,7 @@
               <a:buChar char="●"/>
               <a:defRPr/>
             </a:lvl1pPr>
-            <a:lvl2pPr indent="-317500" lvl="1" marL="914400">
+            <a:lvl2pPr marL="914400" lvl="1" indent="-317500">
               <a:spcBef>
                 <a:spcPts val="0"/>
               </a:spcBef>
@@ -4455,7 +4590,7 @@
               <a:buChar char="○"/>
               <a:defRPr/>
             </a:lvl2pPr>
-            <a:lvl3pPr indent="-317500" lvl="2" marL="1371600">
+            <a:lvl3pPr marL="1371600" lvl="2" indent="-317500">
               <a:spcBef>
                 <a:spcPts val="0"/>
               </a:spcBef>
@@ -4466,7 +4601,7 @@
               <a:buChar char="■"/>
               <a:defRPr/>
             </a:lvl3pPr>
-            <a:lvl4pPr indent="-317500" lvl="3" marL="1828800">
+            <a:lvl4pPr marL="1828800" lvl="3" indent="-317500">
               <a:spcBef>
                 <a:spcPts val="0"/>
               </a:spcBef>
@@ -4477,7 +4612,7 @@
               <a:buChar char="●"/>
               <a:defRPr/>
             </a:lvl4pPr>
-            <a:lvl5pPr indent="-317500" lvl="4" marL="2286000">
+            <a:lvl5pPr marL="2286000" lvl="4" indent="-317500">
               <a:spcBef>
                 <a:spcPts val="0"/>
               </a:spcBef>
@@ -4488,7 +4623,7 @@
               <a:buChar char="○"/>
               <a:defRPr/>
             </a:lvl5pPr>
-            <a:lvl6pPr indent="-317500" lvl="5" marL="2743200">
+            <a:lvl6pPr marL="2743200" lvl="5" indent="-317500">
               <a:spcBef>
                 <a:spcPts val="0"/>
               </a:spcBef>
@@ -4499,7 +4634,7 @@
               <a:buChar char="■"/>
               <a:defRPr/>
             </a:lvl6pPr>
-            <a:lvl7pPr indent="-317500" lvl="6" marL="3200400">
+            <a:lvl7pPr marL="3200400" lvl="6" indent="-317500">
               <a:spcBef>
                 <a:spcPts val="0"/>
               </a:spcBef>
@@ -4510,7 +4645,7 @@
               <a:buChar char="●"/>
               <a:defRPr/>
             </a:lvl7pPr>
-            <a:lvl8pPr indent="-317500" lvl="7" marL="3657600">
+            <a:lvl8pPr marL="3657600" lvl="7" indent="-317500">
               <a:spcBef>
                 <a:spcPts val="0"/>
               </a:spcBef>
@@ -4521,7 +4656,7 @@
               <a:buChar char="○"/>
               <a:defRPr/>
             </a:lvl8pPr>
-            <a:lvl9pPr indent="-317500" lvl="8" marL="4114800">
+            <a:lvl9pPr marL="4114800" lvl="8" indent="-317500">
               <a:spcBef>
                 <a:spcPts val="0"/>
               </a:spcBef>
@@ -4533,15 +4668,19 @@
               <a:defRPr/>
             </a:lvl9pPr>
           </a:lstStyle>
-          <a:p/>
+          <a:p>
+            <a:endParaRPr/>
+          </a:p>
         </p:txBody>
       </p:sp>
       <p:sp>
         <p:nvSpPr>
           <p:cNvPr id="22" name="Google Shape;22;p4"/>
-          <p:cNvSpPr txBox="1"/>
+          <p:cNvSpPr txBox="1">
+            <a:spLocks noGrp="1"/>
+          </p:cNvSpPr>
           <p:nvPr>
-            <p:ph idx="12" type="sldNum"/>
+            <p:ph type="sldNum" idx="12"/>
           </p:nvPr>
         </p:nvSpPr>
         <p:spPr>
@@ -4554,7 +4693,7 @@
           </a:prstGeom>
         </p:spPr>
         <p:txBody>
-          <a:bodyPr anchorCtr="0" anchor="ctr" bIns="91425" lIns="91425" spcFirstLastPara="1" rIns="91425" wrap="square" tIns="91425">
+          <a:bodyPr spcFirstLastPara="1" wrap="square" lIns="91425" tIns="91425" rIns="91425" bIns="91425" anchor="ctr" anchorCtr="0">
             <a:normAutofit/>
           </a:bodyPr>
           <a:lstStyle>
@@ -4596,7 +4735,7 @@
             </a:lvl9pPr>
           </a:lstStyle>
           <a:p>
-            <a:pPr indent="0" lvl="0" marL="0" rtl="0" algn="r">
+            <a:pPr marL="0" lvl="0" indent="0" algn="r" rtl="0">
               <a:spcBef>
                 <a:spcPts val="0"/>
               </a:spcBef>
@@ -4622,11 +4761,11 @@
 </file>
 
 <file path=ppt/slideLayouts/slideLayout4.xml><?xml version="1.0" encoding="utf-8"?>
-<p:sldLayout xmlns:a="http://schemas.openxmlformats.org/drawingml/2006/main" xmlns:r="http://schemas.openxmlformats.org/officeDocument/2006/relationships" xmlns:mc="http://schemas.openxmlformats.org/markup-compatibility/2006" xmlns:mv="urn:schemas-microsoft-com:mac:vml" xmlns:p="http://schemas.openxmlformats.org/presentationml/2006/main" xmlns:c="http://schemas.openxmlformats.org/drawingml/2006/chart" xmlns:dgm="http://schemas.openxmlformats.org/drawingml/2006/diagram" xmlns:o="urn:schemas-microsoft-com:office:office" xmlns:v="urn:schemas-microsoft-com:vml" xmlns:pvml="urn:schemas-microsoft-com:office:powerpoint" xmlns:com="http://schemas.openxmlformats.org/drawingml/2006/compatibility" xmlns:p14="http://schemas.microsoft.com/office/powerpoint/2010/main" xmlns:p15="http://schemas.microsoft.com/office/powerpoint/2012/main" xmlns:ahyp="http://schemas.microsoft.com/office/drawing/2018/hyperlinkcolor" matchingName="Title and two columns" type="twoColTx">
+<p:sldLayout xmlns:a="http://schemas.openxmlformats.org/drawingml/2006/main" xmlns:r="http://schemas.openxmlformats.org/officeDocument/2006/relationships" xmlns:p="http://schemas.openxmlformats.org/presentationml/2006/main" matchingName="Title and two columns" type="twoColTx">
   <p:cSld name="TITLE_AND_TWO_COLUMNS">
     <p:spTree>
       <p:nvGrpSpPr>
-        <p:cNvPr id="23" name="Shape 23"/>
+        <p:cNvPr id="1" name="Shape 23"/>
         <p:cNvGrpSpPr/>
         <p:nvPr/>
       </p:nvGrpSpPr>
@@ -4641,7 +4780,9 @@
       <p:sp>
         <p:nvSpPr>
           <p:cNvPr id="24" name="Google Shape;24;p5"/>
-          <p:cNvSpPr txBox="1"/>
+          <p:cNvSpPr txBox="1">
+            <a:spLocks noGrp="1"/>
+          </p:cNvSpPr>
           <p:nvPr>
             <p:ph type="title"/>
           </p:nvPr>
@@ -4656,7 +4797,7 @@
           </a:prstGeom>
         </p:spPr>
         <p:txBody>
-          <a:bodyPr anchorCtr="0" anchor="t" bIns="91425" lIns="91425" spcFirstLastPara="1" rIns="91425" wrap="square" tIns="91425">
+          <a:bodyPr spcFirstLastPara="1" wrap="square" lIns="91425" tIns="91425" rIns="91425" bIns="91425" anchor="t" anchorCtr="0">
             <a:normAutofit/>
           </a:bodyPr>
           <a:lstStyle>
@@ -4760,15 +4901,19 @@
               <a:defRPr/>
             </a:lvl9pPr>
           </a:lstStyle>
-          <a:p/>
+          <a:p>
+            <a:endParaRPr/>
+          </a:p>
         </p:txBody>
       </p:sp>
       <p:sp>
         <p:nvSpPr>
           <p:cNvPr id="25" name="Google Shape;25;p5"/>
-          <p:cNvSpPr txBox="1"/>
+          <p:cNvSpPr txBox="1">
+            <a:spLocks noGrp="1"/>
+          </p:cNvSpPr>
           <p:nvPr>
-            <p:ph idx="1" type="body"/>
+            <p:ph type="body" idx="1"/>
           </p:nvPr>
         </p:nvSpPr>
         <p:spPr>
@@ -4781,11 +4926,11 @@
           </a:prstGeom>
         </p:spPr>
         <p:txBody>
-          <a:bodyPr anchorCtr="0" anchor="t" bIns="91425" lIns="91425" spcFirstLastPara="1" rIns="91425" wrap="square" tIns="91425">
+          <a:bodyPr spcFirstLastPara="1" wrap="square" lIns="91425" tIns="91425" rIns="91425" bIns="91425" anchor="t" anchorCtr="0">
             <a:normAutofit/>
           </a:bodyPr>
           <a:lstStyle>
-            <a:lvl1pPr indent="-317500" lvl="0" marL="457200">
+            <a:lvl1pPr marL="457200" lvl="0" indent="-317500">
               <a:spcBef>
                 <a:spcPts val="0"/>
               </a:spcBef>
@@ -4796,7 +4941,7 @@
               <a:buChar char="●"/>
               <a:defRPr sz="1400"/>
             </a:lvl1pPr>
-            <a:lvl2pPr indent="-304800" lvl="1" marL="914400">
+            <a:lvl2pPr marL="914400" lvl="1" indent="-304800">
               <a:spcBef>
                 <a:spcPts val="0"/>
               </a:spcBef>
@@ -4807,7 +4952,7 @@
               <a:buChar char="○"/>
               <a:defRPr sz="1200"/>
             </a:lvl2pPr>
-            <a:lvl3pPr indent="-304800" lvl="2" marL="1371600">
+            <a:lvl3pPr marL="1371600" lvl="2" indent="-304800">
               <a:spcBef>
                 <a:spcPts val="0"/>
               </a:spcBef>
@@ -4818,7 +4963,7 @@
               <a:buChar char="■"/>
               <a:defRPr sz="1200"/>
             </a:lvl3pPr>
-            <a:lvl4pPr indent="-304800" lvl="3" marL="1828800">
+            <a:lvl4pPr marL="1828800" lvl="3" indent="-304800">
               <a:spcBef>
                 <a:spcPts val="0"/>
               </a:spcBef>
@@ -4829,7 +4974,7 @@
               <a:buChar char="●"/>
               <a:defRPr sz="1200"/>
             </a:lvl4pPr>
-            <a:lvl5pPr indent="-304800" lvl="4" marL="2286000">
+            <a:lvl5pPr marL="2286000" lvl="4" indent="-304800">
               <a:spcBef>
                 <a:spcPts val="0"/>
               </a:spcBef>
@@ -4840,7 +4985,7 @@
               <a:buChar char="○"/>
               <a:defRPr sz="1200"/>
             </a:lvl5pPr>
-            <a:lvl6pPr indent="-304800" lvl="5" marL="2743200">
+            <a:lvl6pPr marL="2743200" lvl="5" indent="-304800">
               <a:spcBef>
                 <a:spcPts val="0"/>
               </a:spcBef>
@@ -4851,7 +4996,7 @@
               <a:buChar char="■"/>
               <a:defRPr sz="1200"/>
             </a:lvl6pPr>
-            <a:lvl7pPr indent="-304800" lvl="6" marL="3200400">
+            <a:lvl7pPr marL="3200400" lvl="6" indent="-304800">
               <a:spcBef>
                 <a:spcPts val="0"/>
               </a:spcBef>
@@ -4862,7 +5007,7 @@
               <a:buChar char="●"/>
               <a:defRPr sz="1200"/>
             </a:lvl7pPr>
-            <a:lvl8pPr indent="-304800" lvl="7" marL="3657600">
+            <a:lvl8pPr marL="3657600" lvl="7" indent="-304800">
               <a:spcBef>
                 <a:spcPts val="0"/>
               </a:spcBef>
@@ -4873,7 +5018,7 @@
               <a:buChar char="○"/>
               <a:defRPr sz="1200"/>
             </a:lvl8pPr>
-            <a:lvl9pPr indent="-304800" lvl="8" marL="4114800">
+            <a:lvl9pPr marL="4114800" lvl="8" indent="-304800">
               <a:spcBef>
                 <a:spcPts val="0"/>
               </a:spcBef>
@@ -4885,15 +5030,19 @@
               <a:defRPr sz="1200"/>
             </a:lvl9pPr>
           </a:lstStyle>
-          <a:p/>
+          <a:p>
+            <a:endParaRPr/>
+          </a:p>
         </p:txBody>
       </p:sp>
       <p:sp>
         <p:nvSpPr>
           <p:cNvPr id="26" name="Google Shape;26;p5"/>
-          <p:cNvSpPr txBox="1"/>
+          <p:cNvSpPr txBox="1">
+            <a:spLocks noGrp="1"/>
+          </p:cNvSpPr>
           <p:nvPr>
-            <p:ph idx="2" type="body"/>
+            <p:ph type="body" idx="2"/>
           </p:nvPr>
         </p:nvSpPr>
         <p:spPr>
@@ -4906,11 +5055,11 @@
           </a:prstGeom>
         </p:spPr>
         <p:txBody>
-          <a:bodyPr anchorCtr="0" anchor="t" bIns="91425" lIns="91425" spcFirstLastPara="1" rIns="91425" wrap="square" tIns="91425">
+          <a:bodyPr spcFirstLastPara="1" wrap="square" lIns="91425" tIns="91425" rIns="91425" bIns="91425" anchor="t" anchorCtr="0">
             <a:normAutofit/>
           </a:bodyPr>
           <a:lstStyle>
-            <a:lvl1pPr indent="-317500" lvl="0" marL="457200">
+            <a:lvl1pPr marL="457200" lvl="0" indent="-317500">
               <a:spcBef>
                 <a:spcPts val="0"/>
               </a:spcBef>
@@ -4921,7 +5070,7 @@
               <a:buChar char="●"/>
               <a:defRPr sz="1400"/>
             </a:lvl1pPr>
-            <a:lvl2pPr indent="-304800" lvl="1" marL="914400">
+            <a:lvl2pPr marL="914400" lvl="1" indent="-304800">
               <a:spcBef>
                 <a:spcPts val="0"/>
               </a:spcBef>
@@ -4932,7 +5081,7 @@
               <a:buChar char="○"/>
               <a:defRPr sz="1200"/>
             </a:lvl2pPr>
-            <a:lvl3pPr indent="-304800" lvl="2" marL="1371600">
+            <a:lvl3pPr marL="1371600" lvl="2" indent="-304800">
               <a:spcBef>
                 <a:spcPts val="0"/>
               </a:spcBef>
@@ -4943,7 +5092,7 @@
               <a:buChar char="■"/>
               <a:defRPr sz="1200"/>
             </a:lvl3pPr>
-            <a:lvl4pPr indent="-304800" lvl="3" marL="1828800">
+            <a:lvl4pPr marL="1828800" lvl="3" indent="-304800">
               <a:spcBef>
                 <a:spcPts val="0"/>
               </a:spcBef>
@@ -4954,7 +5103,7 @@
               <a:buChar char="●"/>
               <a:defRPr sz="1200"/>
             </a:lvl4pPr>
-            <a:lvl5pPr indent="-304800" lvl="4" marL="2286000">
+            <a:lvl5pPr marL="2286000" lvl="4" indent="-304800">
               <a:spcBef>
                 <a:spcPts val="0"/>
               </a:spcBef>
@@ -4965,7 +5114,7 @@
               <a:buChar char="○"/>
               <a:defRPr sz="1200"/>
             </a:lvl5pPr>
-            <a:lvl6pPr indent="-304800" lvl="5" marL="2743200">
+            <a:lvl6pPr marL="2743200" lvl="5" indent="-304800">
               <a:spcBef>
                 <a:spcPts val="0"/>
               </a:spcBef>
@@ -4976,7 +5125,7 @@
               <a:buChar char="■"/>
               <a:defRPr sz="1200"/>
             </a:lvl6pPr>
-            <a:lvl7pPr indent="-304800" lvl="6" marL="3200400">
+            <a:lvl7pPr marL="3200400" lvl="6" indent="-304800">
               <a:spcBef>
                 <a:spcPts val="0"/>
               </a:spcBef>
@@ -4987,7 +5136,7 @@
               <a:buChar char="●"/>
               <a:defRPr sz="1200"/>
             </a:lvl7pPr>
-            <a:lvl8pPr indent="-304800" lvl="7" marL="3657600">
+            <a:lvl8pPr marL="3657600" lvl="7" indent="-304800">
               <a:spcBef>
                 <a:spcPts val="0"/>
               </a:spcBef>
@@ -4998,7 +5147,7 @@
               <a:buChar char="○"/>
               <a:defRPr sz="1200"/>
             </a:lvl8pPr>
-            <a:lvl9pPr indent="-304800" lvl="8" marL="4114800">
+            <a:lvl9pPr marL="4114800" lvl="8" indent="-304800">
               <a:spcBef>
                 <a:spcPts val="0"/>
               </a:spcBef>
@@ -5010,15 +5159,19 @@
               <a:defRPr sz="1200"/>
             </a:lvl9pPr>
           </a:lstStyle>
-          <a:p/>
+          <a:p>
+            <a:endParaRPr/>
+          </a:p>
         </p:txBody>
       </p:sp>
       <p:sp>
         <p:nvSpPr>
           <p:cNvPr id="27" name="Google Shape;27;p5"/>
-          <p:cNvSpPr txBox="1"/>
+          <p:cNvSpPr txBox="1">
+            <a:spLocks noGrp="1"/>
+          </p:cNvSpPr>
           <p:nvPr>
-            <p:ph idx="12" type="sldNum"/>
+            <p:ph type="sldNum" idx="12"/>
           </p:nvPr>
         </p:nvSpPr>
         <p:spPr>
@@ -5031,7 +5184,7 @@
           </a:prstGeom>
         </p:spPr>
         <p:txBody>
-          <a:bodyPr anchorCtr="0" anchor="ctr" bIns="91425" lIns="91425" spcFirstLastPara="1" rIns="91425" wrap="square" tIns="91425">
+          <a:bodyPr spcFirstLastPara="1" wrap="square" lIns="91425" tIns="91425" rIns="91425" bIns="91425" anchor="ctr" anchorCtr="0">
             <a:normAutofit/>
           </a:bodyPr>
           <a:lstStyle>
@@ -5073,7 +5226,7 @@
             </a:lvl9pPr>
           </a:lstStyle>
           <a:p>
-            <a:pPr indent="0" lvl="0" marL="0" rtl="0" algn="r">
+            <a:pPr marL="0" lvl="0" indent="0" algn="r" rtl="0">
               <a:spcBef>
                 <a:spcPts val="0"/>
               </a:spcBef>
@@ -5099,11 +5252,11 @@
 </file>
 
 <file path=ppt/slideLayouts/slideLayout5.xml><?xml version="1.0" encoding="utf-8"?>
-<p:sldLayout xmlns:a="http://schemas.openxmlformats.org/drawingml/2006/main" xmlns:r="http://schemas.openxmlformats.org/officeDocument/2006/relationships" xmlns:mc="http://schemas.openxmlformats.org/markup-compatibility/2006" xmlns:mv="urn:schemas-microsoft-com:mac:vml" xmlns:p="http://schemas.openxmlformats.org/presentationml/2006/main" xmlns:c="http://schemas.openxmlformats.org/drawingml/2006/chart" xmlns:dgm="http://schemas.openxmlformats.org/drawingml/2006/diagram" xmlns:o="urn:schemas-microsoft-com:office:office" xmlns:v="urn:schemas-microsoft-com:vml" xmlns:pvml="urn:schemas-microsoft-com:office:powerpoint" xmlns:com="http://schemas.openxmlformats.org/drawingml/2006/compatibility" xmlns:p14="http://schemas.microsoft.com/office/powerpoint/2010/main" xmlns:p15="http://schemas.microsoft.com/office/powerpoint/2012/main" xmlns:ahyp="http://schemas.microsoft.com/office/drawing/2018/hyperlinkcolor" matchingName="Title only" type="titleOnly">
+<p:sldLayout xmlns:a="http://schemas.openxmlformats.org/drawingml/2006/main" xmlns:r="http://schemas.openxmlformats.org/officeDocument/2006/relationships" xmlns:p="http://schemas.openxmlformats.org/presentationml/2006/main" matchingName="Title only" type="titleOnly">
   <p:cSld name="TITLE_ONLY">
     <p:spTree>
       <p:nvGrpSpPr>
-        <p:cNvPr id="28" name="Shape 28"/>
+        <p:cNvPr id="1" name="Shape 28"/>
         <p:cNvGrpSpPr/>
         <p:nvPr/>
       </p:nvGrpSpPr>
@@ -5118,7 +5271,9 @@
       <p:sp>
         <p:nvSpPr>
           <p:cNvPr id="29" name="Google Shape;29;p6"/>
-          <p:cNvSpPr txBox="1"/>
+          <p:cNvSpPr txBox="1">
+            <a:spLocks noGrp="1"/>
+          </p:cNvSpPr>
           <p:nvPr>
             <p:ph type="title"/>
           </p:nvPr>
@@ -5133,7 +5288,7 @@
           </a:prstGeom>
         </p:spPr>
         <p:txBody>
-          <a:bodyPr anchorCtr="0" anchor="t" bIns="91425" lIns="91425" spcFirstLastPara="1" rIns="91425" wrap="square" tIns="91425">
+          <a:bodyPr spcFirstLastPara="1" wrap="square" lIns="91425" tIns="91425" rIns="91425" bIns="91425" anchor="t" anchorCtr="0">
             <a:normAutofit/>
           </a:bodyPr>
           <a:lstStyle>
@@ -5237,15 +5392,19 @@
               <a:defRPr/>
             </a:lvl9pPr>
           </a:lstStyle>
-          <a:p/>
+          <a:p>
+            <a:endParaRPr/>
+          </a:p>
         </p:txBody>
       </p:sp>
       <p:sp>
         <p:nvSpPr>
           <p:cNvPr id="30" name="Google Shape;30;p6"/>
-          <p:cNvSpPr txBox="1"/>
+          <p:cNvSpPr txBox="1">
+            <a:spLocks noGrp="1"/>
+          </p:cNvSpPr>
           <p:nvPr>
-            <p:ph idx="12" type="sldNum"/>
+            <p:ph type="sldNum" idx="12"/>
           </p:nvPr>
         </p:nvSpPr>
         <p:spPr>
@@ -5258,7 +5417,7 @@
           </a:prstGeom>
         </p:spPr>
         <p:txBody>
-          <a:bodyPr anchorCtr="0" anchor="ctr" bIns="91425" lIns="91425" spcFirstLastPara="1" rIns="91425" wrap="square" tIns="91425">
+          <a:bodyPr spcFirstLastPara="1" wrap="square" lIns="91425" tIns="91425" rIns="91425" bIns="91425" anchor="ctr" anchorCtr="0">
             <a:normAutofit/>
           </a:bodyPr>
           <a:lstStyle>
@@ -5300,7 +5459,7 @@
             </a:lvl9pPr>
           </a:lstStyle>
           <a:p>
-            <a:pPr indent="0" lvl="0" marL="0" rtl="0" algn="r">
+            <a:pPr marL="0" lvl="0" indent="0" algn="r" rtl="0">
               <a:spcBef>
                 <a:spcPts val="0"/>
               </a:spcBef>
@@ -5326,11 +5485,11 @@
 </file>
 
 <file path=ppt/slideLayouts/slideLayout6.xml><?xml version="1.0" encoding="utf-8"?>
-<p:sldLayout xmlns:a="http://schemas.openxmlformats.org/drawingml/2006/main" xmlns:r="http://schemas.openxmlformats.org/officeDocument/2006/relationships" xmlns:mc="http://schemas.openxmlformats.org/markup-compatibility/2006" xmlns:mv="urn:schemas-microsoft-com:mac:vml" xmlns:p="http://schemas.openxmlformats.org/presentationml/2006/main" xmlns:c="http://schemas.openxmlformats.org/drawingml/2006/chart" xmlns:dgm="http://schemas.openxmlformats.org/drawingml/2006/diagram" xmlns:o="urn:schemas-microsoft-com:office:office" xmlns:v="urn:schemas-microsoft-com:vml" xmlns:pvml="urn:schemas-microsoft-com:office:powerpoint" xmlns:com="http://schemas.openxmlformats.org/drawingml/2006/compatibility" xmlns:p14="http://schemas.microsoft.com/office/powerpoint/2010/main" xmlns:p15="http://schemas.microsoft.com/office/powerpoint/2012/main" xmlns:ahyp="http://schemas.microsoft.com/office/drawing/2018/hyperlinkcolor" matchingName="One column text">
+<p:sldLayout xmlns:a="http://schemas.openxmlformats.org/drawingml/2006/main" xmlns:r="http://schemas.openxmlformats.org/officeDocument/2006/relationships" xmlns:p="http://schemas.openxmlformats.org/presentationml/2006/main" matchingName="One column text">
   <p:cSld name="ONE_COLUMN_TEXT">
     <p:spTree>
       <p:nvGrpSpPr>
-        <p:cNvPr id="31" name="Shape 31"/>
+        <p:cNvPr id="1" name="Shape 31"/>
         <p:cNvGrpSpPr/>
         <p:nvPr/>
       </p:nvGrpSpPr>
@@ -5345,7 +5504,9 @@
       <p:sp>
         <p:nvSpPr>
           <p:cNvPr id="32" name="Google Shape;32;p7"/>
-          <p:cNvSpPr txBox="1"/>
+          <p:cNvSpPr txBox="1">
+            <a:spLocks noGrp="1"/>
+          </p:cNvSpPr>
           <p:nvPr>
             <p:ph type="title"/>
           </p:nvPr>
@@ -5360,7 +5521,7 @@
           </a:prstGeom>
         </p:spPr>
         <p:txBody>
-          <a:bodyPr anchorCtr="0" anchor="b" bIns="91425" lIns="91425" spcFirstLastPara="1" rIns="91425" wrap="square" tIns="91425">
+          <a:bodyPr spcFirstLastPara="1" wrap="square" lIns="91425" tIns="91425" rIns="91425" bIns="91425" anchor="b" anchorCtr="0">
             <a:normAutofit/>
           </a:bodyPr>
           <a:lstStyle>
@@ -5464,15 +5625,19 @@
               <a:defRPr sz="2400"/>
             </a:lvl9pPr>
           </a:lstStyle>
-          <a:p/>
+          <a:p>
+            <a:endParaRPr/>
+          </a:p>
         </p:txBody>
       </p:sp>
       <p:sp>
         <p:nvSpPr>
           <p:cNvPr id="33" name="Google Shape;33;p7"/>
-          <p:cNvSpPr txBox="1"/>
+          <p:cNvSpPr txBox="1">
+            <a:spLocks noGrp="1"/>
+          </p:cNvSpPr>
           <p:nvPr>
-            <p:ph idx="1" type="body"/>
+            <p:ph type="body" idx="1"/>
           </p:nvPr>
         </p:nvSpPr>
         <p:spPr>
@@ -5485,11 +5650,11 @@
           </a:prstGeom>
         </p:spPr>
         <p:txBody>
-          <a:bodyPr anchorCtr="0" anchor="t" bIns="91425" lIns="91425" spcFirstLastPara="1" rIns="91425" wrap="square" tIns="91425">
+          <a:bodyPr spcFirstLastPara="1" wrap="square" lIns="91425" tIns="91425" rIns="91425" bIns="91425" anchor="t" anchorCtr="0">
             <a:normAutofit/>
           </a:bodyPr>
           <a:lstStyle>
-            <a:lvl1pPr indent="-304800" lvl="0" marL="457200">
+            <a:lvl1pPr marL="457200" lvl="0" indent="-304800">
               <a:spcBef>
                 <a:spcPts val="0"/>
               </a:spcBef>
@@ -5500,7 +5665,7 @@
               <a:buChar char="●"/>
               <a:defRPr sz="1200"/>
             </a:lvl1pPr>
-            <a:lvl2pPr indent="-304800" lvl="1" marL="914400">
+            <a:lvl2pPr marL="914400" lvl="1" indent="-304800">
               <a:spcBef>
                 <a:spcPts val="0"/>
               </a:spcBef>
@@ -5511,7 +5676,7 @@
               <a:buChar char="○"/>
               <a:defRPr sz="1200"/>
             </a:lvl2pPr>
-            <a:lvl3pPr indent="-304800" lvl="2" marL="1371600">
+            <a:lvl3pPr marL="1371600" lvl="2" indent="-304800">
               <a:spcBef>
                 <a:spcPts val="0"/>
               </a:spcBef>
@@ -5522,7 +5687,7 @@
               <a:buChar char="■"/>
               <a:defRPr sz="1200"/>
             </a:lvl3pPr>
-            <a:lvl4pPr indent="-304800" lvl="3" marL="1828800">
+            <a:lvl4pPr marL="1828800" lvl="3" indent="-304800">
               <a:spcBef>
                 <a:spcPts val="0"/>
               </a:spcBef>
@@ -5533,7 +5698,7 @@
               <a:buChar char="●"/>
               <a:defRPr sz="1200"/>
             </a:lvl4pPr>
-            <a:lvl5pPr indent="-304800" lvl="4" marL="2286000">
+            <a:lvl5pPr marL="2286000" lvl="4" indent="-304800">
               <a:spcBef>
                 <a:spcPts val="0"/>
               </a:spcBef>
@@ -5544,7 +5709,7 @@
               <a:buChar char="○"/>
               <a:defRPr sz="1200"/>
             </a:lvl5pPr>
-            <a:lvl6pPr indent="-304800" lvl="5" marL="2743200">
+            <a:lvl6pPr marL="2743200" lvl="5" indent="-304800">
               <a:spcBef>
                 <a:spcPts val="0"/>
               </a:spcBef>
@@ -5555,7 +5720,7 @@
               <a:buChar char="■"/>
               <a:defRPr sz="1200"/>
             </a:lvl6pPr>
-            <a:lvl7pPr indent="-304800" lvl="6" marL="3200400">
+            <a:lvl7pPr marL="3200400" lvl="6" indent="-304800">
               <a:spcBef>
                 <a:spcPts val="0"/>
               </a:spcBef>
@@ -5566,7 +5731,7 @@
               <a:buChar char="●"/>
               <a:defRPr sz="1200"/>
             </a:lvl7pPr>
-            <a:lvl8pPr indent="-304800" lvl="7" marL="3657600">
+            <a:lvl8pPr marL="3657600" lvl="7" indent="-304800">
               <a:spcBef>
                 <a:spcPts val="0"/>
               </a:spcBef>
@@ -5577,7 +5742,7 @@
               <a:buChar char="○"/>
               <a:defRPr sz="1200"/>
             </a:lvl8pPr>
-            <a:lvl9pPr indent="-304800" lvl="8" marL="4114800">
+            <a:lvl9pPr marL="4114800" lvl="8" indent="-304800">
               <a:spcBef>
                 <a:spcPts val="0"/>
               </a:spcBef>
@@ -5589,15 +5754,19 @@
               <a:defRPr sz="1200"/>
             </a:lvl9pPr>
           </a:lstStyle>
-          <a:p/>
+          <a:p>
+            <a:endParaRPr/>
+          </a:p>
         </p:txBody>
       </p:sp>
       <p:sp>
         <p:nvSpPr>
           <p:cNvPr id="34" name="Google Shape;34;p7"/>
-          <p:cNvSpPr txBox="1"/>
+          <p:cNvSpPr txBox="1">
+            <a:spLocks noGrp="1"/>
+          </p:cNvSpPr>
           <p:nvPr>
-            <p:ph idx="12" type="sldNum"/>
+            <p:ph type="sldNum" idx="12"/>
           </p:nvPr>
         </p:nvSpPr>
         <p:spPr>
@@ -5610,7 +5779,7 @@
           </a:prstGeom>
         </p:spPr>
         <p:txBody>
-          <a:bodyPr anchorCtr="0" anchor="ctr" bIns="91425" lIns="91425" spcFirstLastPara="1" rIns="91425" wrap="square" tIns="91425">
+          <a:bodyPr spcFirstLastPara="1" wrap="square" lIns="91425" tIns="91425" rIns="91425" bIns="91425" anchor="ctr" anchorCtr="0">
             <a:normAutofit/>
           </a:bodyPr>
           <a:lstStyle>
@@ -5652,7 +5821,7 @@
             </a:lvl9pPr>
           </a:lstStyle>
           <a:p>
-            <a:pPr indent="0" lvl="0" marL="0" rtl="0" algn="r">
+            <a:pPr marL="0" lvl="0" indent="0" algn="r" rtl="0">
               <a:spcBef>
                 <a:spcPts val="0"/>
               </a:spcBef>
@@ -5678,18 +5847,19 @@
 </file>
 
 <file path=ppt/slideLayouts/slideLayout7.xml><?xml version="1.0" encoding="utf-8"?>
-<p:sldLayout xmlns:a="http://schemas.openxmlformats.org/drawingml/2006/main" xmlns:r="http://schemas.openxmlformats.org/officeDocument/2006/relationships" xmlns:mc="http://schemas.openxmlformats.org/markup-compatibility/2006" xmlns:mv="urn:schemas-microsoft-com:mac:vml" xmlns:p="http://schemas.openxmlformats.org/presentationml/2006/main" xmlns:c="http://schemas.openxmlformats.org/drawingml/2006/chart" xmlns:dgm="http://schemas.openxmlformats.org/drawingml/2006/diagram" xmlns:o="urn:schemas-microsoft-com:office:office" xmlns:v="urn:schemas-microsoft-com:vml" xmlns:pvml="urn:schemas-microsoft-com:office:powerpoint" xmlns:com="http://schemas.openxmlformats.org/drawingml/2006/compatibility" xmlns:p14="http://schemas.microsoft.com/office/powerpoint/2010/main" xmlns:p15="http://schemas.microsoft.com/office/powerpoint/2012/main" xmlns:ahyp="http://schemas.microsoft.com/office/drawing/2018/hyperlinkcolor" matchingName="Main point">
+<p:sldLayout xmlns:a="http://schemas.openxmlformats.org/drawingml/2006/main" xmlns:r="http://schemas.openxmlformats.org/officeDocument/2006/relationships" xmlns:p="http://schemas.openxmlformats.org/presentationml/2006/main" matchingName="Main point">
   <p:cSld name="MAIN_POINT">
     <p:bg>
       <p:bgPr>
         <a:solidFill>
           <a:schemeClr val="dk2"/>
         </a:solidFill>
+        <a:effectLst/>
       </p:bgPr>
     </p:bg>
     <p:spTree>
       <p:nvGrpSpPr>
-        <p:cNvPr id="35" name="Shape 35"/>
+        <p:cNvPr id="1" name="Shape 35"/>
         <p:cNvGrpSpPr/>
         <p:nvPr/>
       </p:nvGrpSpPr>
@@ -5704,7 +5874,9 @@
       <p:sp>
         <p:nvSpPr>
           <p:cNvPr id="36" name="Google Shape;36;p8"/>
-          <p:cNvSpPr txBox="1"/>
+          <p:cNvSpPr txBox="1">
+            <a:spLocks noGrp="1"/>
+          </p:cNvSpPr>
           <p:nvPr>
             <p:ph type="title"/>
           </p:nvPr>
@@ -5719,7 +5891,7 @@
           </a:prstGeom>
         </p:spPr>
         <p:txBody>
-          <a:bodyPr anchorCtr="0" anchor="ctr" bIns="91425" lIns="91425" spcFirstLastPara="1" rIns="91425" wrap="square" tIns="91425">
+          <a:bodyPr spcFirstLastPara="1" wrap="square" lIns="91425" tIns="91425" rIns="91425" bIns="91425" anchor="ctr" anchorCtr="0">
             <a:normAutofit/>
           </a:bodyPr>
           <a:lstStyle>
@@ -5736,7 +5908,7 @@
               <a:buSzPts val="4800"/>
               <a:buFont typeface="Lato"/>
               <a:buNone/>
-              <a:defRPr b="0" sz="4800">
+              <a:defRPr sz="4800" b="0">
                 <a:solidFill>
                   <a:schemeClr val="lt1"/>
                 </a:solidFill>
@@ -5759,7 +5931,7 @@
               <a:buSzPts val="4800"/>
               <a:buFont typeface="Lato"/>
               <a:buNone/>
-              <a:defRPr b="0" sz="4800">
+              <a:defRPr sz="4800" b="0">
                 <a:solidFill>
                   <a:schemeClr val="lt1"/>
                 </a:solidFill>
@@ -5782,7 +5954,7 @@
               <a:buSzPts val="4800"/>
               <a:buFont typeface="Lato"/>
               <a:buNone/>
-              <a:defRPr b="0" sz="4800">
+              <a:defRPr sz="4800" b="0">
                 <a:solidFill>
                   <a:schemeClr val="lt1"/>
                 </a:solidFill>
@@ -5805,7 +5977,7 @@
               <a:buSzPts val="4800"/>
               <a:buFont typeface="Lato"/>
               <a:buNone/>
-              <a:defRPr b="0" sz="4800">
+              <a:defRPr sz="4800" b="0">
                 <a:solidFill>
                   <a:schemeClr val="lt1"/>
                 </a:solidFill>
@@ -5828,7 +6000,7 @@
               <a:buSzPts val="4800"/>
               <a:buFont typeface="Lato"/>
               <a:buNone/>
-              <a:defRPr b="0" sz="4800">
+              <a:defRPr sz="4800" b="0">
                 <a:solidFill>
                   <a:schemeClr val="lt1"/>
                 </a:solidFill>
@@ -5851,7 +6023,7 @@
               <a:buSzPts val="4800"/>
               <a:buFont typeface="Lato"/>
               <a:buNone/>
-              <a:defRPr b="0" sz="4800">
+              <a:defRPr sz="4800" b="0">
                 <a:solidFill>
                   <a:schemeClr val="lt1"/>
                 </a:solidFill>
@@ -5874,7 +6046,7 @@
               <a:buSzPts val="4800"/>
               <a:buFont typeface="Lato"/>
               <a:buNone/>
-              <a:defRPr b="0" sz="4800">
+              <a:defRPr sz="4800" b="0">
                 <a:solidFill>
                   <a:schemeClr val="lt1"/>
                 </a:solidFill>
@@ -5897,7 +6069,7 @@
               <a:buSzPts val="4800"/>
               <a:buFont typeface="Lato"/>
               <a:buNone/>
-              <a:defRPr b="0" sz="4800">
+              <a:defRPr sz="4800" b="0">
                 <a:solidFill>
                   <a:schemeClr val="lt1"/>
                 </a:solidFill>
@@ -5920,7 +6092,7 @@
               <a:buSzPts val="4800"/>
               <a:buFont typeface="Lato"/>
               <a:buNone/>
-              <a:defRPr b="0" sz="4800">
+              <a:defRPr sz="4800" b="0">
                 <a:solidFill>
                   <a:schemeClr val="lt1"/>
                 </a:solidFill>
@@ -5931,15 +6103,19 @@
               </a:defRPr>
             </a:lvl9pPr>
           </a:lstStyle>
-          <a:p/>
+          <a:p>
+            <a:endParaRPr/>
+          </a:p>
         </p:txBody>
       </p:sp>
       <p:sp>
         <p:nvSpPr>
           <p:cNvPr id="37" name="Google Shape;37;p8"/>
-          <p:cNvSpPr txBox="1"/>
+          <p:cNvSpPr txBox="1">
+            <a:spLocks noGrp="1"/>
+          </p:cNvSpPr>
           <p:nvPr>
-            <p:ph idx="12" type="sldNum"/>
+            <p:ph type="sldNum" idx="12"/>
           </p:nvPr>
         </p:nvSpPr>
         <p:spPr>
@@ -5952,7 +6128,7 @@
           </a:prstGeom>
         </p:spPr>
         <p:txBody>
-          <a:bodyPr anchorCtr="0" anchor="ctr" bIns="91425" lIns="91425" spcFirstLastPara="1" rIns="91425" wrap="square" tIns="91425">
+          <a:bodyPr spcFirstLastPara="1" wrap="square" lIns="91425" tIns="91425" rIns="91425" bIns="91425" anchor="ctr" anchorCtr="0">
             <a:normAutofit/>
           </a:bodyPr>
           <a:lstStyle>
@@ -6030,7 +6206,7 @@
             </a:lvl9pPr>
           </a:lstStyle>
           <a:p>
-            <a:pPr indent="0" lvl="0" marL="0" rtl="0" algn="r">
+            <a:pPr marL="0" lvl="0" indent="0" algn="r" rtl="0">
               <a:spcBef>
                 <a:spcPts val="0"/>
               </a:spcBef>
@@ -6056,11 +6232,11 @@
 </file>
 
 <file path=ppt/slideLayouts/slideLayout8.xml><?xml version="1.0" encoding="utf-8"?>
-<p:sldLayout xmlns:a="http://schemas.openxmlformats.org/drawingml/2006/main" xmlns:r="http://schemas.openxmlformats.org/officeDocument/2006/relationships" xmlns:mc="http://schemas.openxmlformats.org/markup-compatibility/2006" xmlns:mv="urn:schemas-microsoft-com:mac:vml" xmlns:p="http://schemas.openxmlformats.org/presentationml/2006/main" xmlns:c="http://schemas.openxmlformats.org/drawingml/2006/chart" xmlns:dgm="http://schemas.openxmlformats.org/drawingml/2006/diagram" xmlns:o="urn:schemas-microsoft-com:office:office" xmlns:v="urn:schemas-microsoft-com:vml" xmlns:pvml="urn:schemas-microsoft-com:office:powerpoint" xmlns:com="http://schemas.openxmlformats.org/drawingml/2006/compatibility" xmlns:p14="http://schemas.microsoft.com/office/powerpoint/2010/main" xmlns:p15="http://schemas.microsoft.com/office/powerpoint/2012/main" xmlns:ahyp="http://schemas.microsoft.com/office/drawing/2018/hyperlinkcolor" matchingName="Section title and description">
+<p:sldLayout xmlns:a="http://schemas.openxmlformats.org/drawingml/2006/main" xmlns:r="http://schemas.openxmlformats.org/officeDocument/2006/relationships" xmlns:p="http://schemas.openxmlformats.org/presentationml/2006/main" matchingName="Section title and description">
   <p:cSld name="SECTION_TITLE_AND_DESCRIPTION">
     <p:spTree>
       <p:nvGrpSpPr>
-        <p:cNvPr id="38" name="Shape 38"/>
+        <p:cNvPr id="1" name="Shape 38"/>
         <p:cNvGrpSpPr/>
         <p:nvPr/>
       </p:nvGrpSpPr>
@@ -6094,12 +6270,12 @@
           </a:ln>
         </p:spPr>
         <p:txBody>
-          <a:bodyPr anchorCtr="0" anchor="ctr" bIns="91425" lIns="91425" spcFirstLastPara="1" rIns="91425" wrap="square" tIns="91425">
+          <a:bodyPr spcFirstLastPara="1" wrap="square" lIns="91425" tIns="91425" rIns="91425" bIns="91425" anchor="ctr" anchorCtr="0">
             <a:noAutofit/>
           </a:bodyPr>
           <a:lstStyle/>
           <a:p>
-            <a:pPr indent="0" lvl="0" marL="0" rtl="0" algn="l">
+            <a:pPr marL="0" lvl="0" indent="0" algn="l" rtl="0">
               <a:spcBef>
                 <a:spcPts val="0"/>
               </a:spcBef>
@@ -6108,9 +6284,6 @@
               </a:spcAft>
               <a:buNone/>
             </a:pPr>
-            <a:r>
-              <a:t/>
-            </a:r>
             <a:endParaRPr/>
           </a:p>
         </p:txBody>
@@ -6130,21 +6303,23 @@
             <a:avLst/>
           </a:prstGeom>
           <a:noFill/>
-          <a:ln cap="flat" cmpd="sng" w="19050">
+          <a:ln w="19050" cap="flat" cmpd="sng">
             <a:solidFill>
               <a:schemeClr val="lt1"/>
             </a:solidFill>
             <a:prstDash val="solid"/>
             <a:round/>
-            <a:headEnd len="sm" w="sm" type="none"/>
-            <a:tailEnd len="sm" w="sm" type="none"/>
+            <a:headEnd type="none" w="sm" len="sm"/>
+            <a:tailEnd type="none" w="sm" len="sm"/>
           </a:ln>
         </p:spPr>
       </p:cxnSp>
       <p:sp>
         <p:nvSpPr>
           <p:cNvPr id="41" name="Google Shape;41;p9"/>
-          <p:cNvSpPr txBox="1"/>
+          <p:cNvSpPr txBox="1">
+            <a:spLocks noGrp="1"/>
+          </p:cNvSpPr>
           <p:nvPr>
             <p:ph type="title"/>
           </p:nvPr>
@@ -6159,7 +6334,7 @@
           </a:prstGeom>
         </p:spPr>
         <p:txBody>
-          <a:bodyPr anchorCtr="0" anchor="b" bIns="91425" lIns="91425" spcFirstLastPara="1" rIns="91425" wrap="square" tIns="91425">
+          <a:bodyPr spcFirstLastPara="1" wrap="square" lIns="91425" tIns="91425" rIns="91425" bIns="91425" anchor="b" anchorCtr="0">
             <a:normAutofit/>
           </a:bodyPr>
           <a:lstStyle>
@@ -6263,15 +6438,19 @@
               <a:defRPr sz="4200"/>
             </a:lvl9pPr>
           </a:lstStyle>
-          <a:p/>
+          <a:p>
+            <a:endParaRPr/>
+          </a:p>
         </p:txBody>
       </p:sp>
       <p:sp>
         <p:nvSpPr>
           <p:cNvPr id="42" name="Google Shape;42;p9"/>
-          <p:cNvSpPr txBox="1"/>
+          <p:cNvSpPr txBox="1">
+            <a:spLocks noGrp="1"/>
+          </p:cNvSpPr>
           <p:nvPr>
-            <p:ph idx="1" type="subTitle"/>
+            <p:ph type="subTitle" idx="1"/>
           </p:nvPr>
         </p:nvSpPr>
         <p:spPr>
@@ -6284,7 +6463,7 @@
           </a:prstGeom>
         </p:spPr>
         <p:txBody>
-          <a:bodyPr anchorCtr="0" anchor="t" bIns="91425" lIns="91425" spcFirstLastPara="1" rIns="91425" wrap="square" tIns="91425">
+          <a:bodyPr spcFirstLastPara="1" wrap="square" lIns="91425" tIns="91425" rIns="91425" bIns="91425" anchor="t" anchorCtr="0">
             <a:normAutofit/>
           </a:bodyPr>
           <a:lstStyle>
@@ -6415,15 +6594,19 @@
               <a:defRPr sz="2100"/>
             </a:lvl9pPr>
           </a:lstStyle>
-          <a:p/>
+          <a:p>
+            <a:endParaRPr/>
+          </a:p>
         </p:txBody>
       </p:sp>
       <p:sp>
         <p:nvSpPr>
           <p:cNvPr id="43" name="Google Shape;43;p9"/>
-          <p:cNvSpPr txBox="1"/>
+          <p:cNvSpPr txBox="1">
+            <a:spLocks noGrp="1"/>
+          </p:cNvSpPr>
           <p:nvPr>
-            <p:ph idx="2" type="body"/>
+            <p:ph type="body" idx="2"/>
           </p:nvPr>
         </p:nvSpPr>
         <p:spPr>
@@ -6436,11 +6619,11 @@
           </a:prstGeom>
         </p:spPr>
         <p:txBody>
-          <a:bodyPr anchorCtr="0" anchor="ctr" bIns="91425" lIns="91425" spcFirstLastPara="1" rIns="91425" wrap="square" tIns="91425">
+          <a:bodyPr spcFirstLastPara="1" wrap="square" lIns="91425" tIns="91425" rIns="91425" bIns="91425" anchor="ctr" anchorCtr="0">
             <a:normAutofit/>
           </a:bodyPr>
           <a:lstStyle>
-            <a:lvl1pPr indent="-342900" lvl="0" marL="457200">
+            <a:lvl1pPr marL="457200" lvl="0" indent="-342900">
               <a:spcBef>
                 <a:spcPts val="0"/>
               </a:spcBef>
@@ -6458,7 +6641,7 @@
                 </a:solidFill>
               </a:defRPr>
             </a:lvl1pPr>
-            <a:lvl2pPr indent="-317500" lvl="1" marL="914400">
+            <a:lvl2pPr marL="914400" lvl="1" indent="-317500">
               <a:spcBef>
                 <a:spcPts val="0"/>
               </a:spcBef>
@@ -6476,7 +6659,7 @@
                 </a:solidFill>
               </a:defRPr>
             </a:lvl2pPr>
-            <a:lvl3pPr indent="-317500" lvl="2" marL="1371600">
+            <a:lvl3pPr marL="1371600" lvl="2" indent="-317500">
               <a:spcBef>
                 <a:spcPts val="0"/>
               </a:spcBef>
@@ -6494,7 +6677,7 @@
                 </a:solidFill>
               </a:defRPr>
             </a:lvl3pPr>
-            <a:lvl4pPr indent="-317500" lvl="3" marL="1828800">
+            <a:lvl4pPr marL="1828800" lvl="3" indent="-317500">
               <a:spcBef>
                 <a:spcPts val="0"/>
               </a:spcBef>
@@ -6512,7 +6695,7 @@
                 </a:solidFill>
               </a:defRPr>
             </a:lvl4pPr>
-            <a:lvl5pPr indent="-317500" lvl="4" marL="2286000">
+            <a:lvl5pPr marL="2286000" lvl="4" indent="-317500">
               <a:spcBef>
                 <a:spcPts val="0"/>
               </a:spcBef>
@@ -6530,7 +6713,7 @@
                 </a:solidFill>
               </a:defRPr>
             </a:lvl5pPr>
-            <a:lvl6pPr indent="-317500" lvl="5" marL="2743200">
+            <a:lvl6pPr marL="2743200" lvl="5" indent="-317500">
               <a:spcBef>
                 <a:spcPts val="0"/>
               </a:spcBef>
@@ -6548,7 +6731,7 @@
                 </a:solidFill>
               </a:defRPr>
             </a:lvl6pPr>
-            <a:lvl7pPr indent="-317500" lvl="6" marL="3200400">
+            <a:lvl7pPr marL="3200400" lvl="6" indent="-317500">
               <a:spcBef>
                 <a:spcPts val="0"/>
               </a:spcBef>
@@ -6566,7 +6749,7 @@
                 </a:solidFill>
               </a:defRPr>
             </a:lvl7pPr>
-            <a:lvl8pPr indent="-317500" lvl="7" marL="3657600">
+            <a:lvl8pPr marL="3657600" lvl="7" indent="-317500">
               <a:spcBef>
                 <a:spcPts val="0"/>
               </a:spcBef>
@@ -6584,7 +6767,7 @@
                 </a:solidFill>
               </a:defRPr>
             </a:lvl8pPr>
-            <a:lvl9pPr indent="-317500" lvl="8" marL="4114800">
+            <a:lvl9pPr marL="4114800" lvl="8" indent="-317500">
               <a:spcBef>
                 <a:spcPts val="0"/>
               </a:spcBef>
@@ -6603,15 +6786,19 @@
               </a:defRPr>
             </a:lvl9pPr>
           </a:lstStyle>
-          <a:p/>
+          <a:p>
+            <a:endParaRPr/>
+          </a:p>
         </p:txBody>
       </p:sp>
       <p:sp>
         <p:nvSpPr>
           <p:cNvPr id="44" name="Google Shape;44;p9"/>
-          <p:cNvSpPr txBox="1"/>
+          <p:cNvSpPr txBox="1">
+            <a:spLocks noGrp="1"/>
+          </p:cNvSpPr>
           <p:nvPr>
-            <p:ph idx="12" type="sldNum"/>
+            <p:ph type="sldNum" idx="12"/>
           </p:nvPr>
         </p:nvSpPr>
         <p:spPr>
@@ -6624,7 +6811,7 @@
           </a:prstGeom>
         </p:spPr>
         <p:txBody>
-          <a:bodyPr anchorCtr="0" anchor="ctr" bIns="91425" lIns="91425" spcFirstLastPara="1" rIns="91425" wrap="square" tIns="91425">
+          <a:bodyPr spcFirstLastPara="1" wrap="square" lIns="91425" tIns="91425" rIns="91425" bIns="91425" anchor="ctr" anchorCtr="0">
             <a:normAutofit/>
           </a:bodyPr>
           <a:lstStyle>
@@ -6702,7 +6889,7 @@
             </a:lvl9pPr>
           </a:lstStyle>
           <a:p>
-            <a:pPr indent="0" lvl="0" marL="0" rtl="0" algn="r">
+            <a:pPr marL="0" lvl="0" indent="0" algn="r" rtl="0">
               <a:spcBef>
                 <a:spcPts val="0"/>
               </a:spcBef>
@@ -6728,11 +6915,11 @@
 </file>
 
 <file path=ppt/slideLayouts/slideLayout9.xml><?xml version="1.0" encoding="utf-8"?>
-<p:sldLayout xmlns:a="http://schemas.openxmlformats.org/drawingml/2006/main" xmlns:r="http://schemas.openxmlformats.org/officeDocument/2006/relationships" xmlns:mc="http://schemas.openxmlformats.org/markup-compatibility/2006" xmlns:mv="urn:schemas-microsoft-com:mac:vml" xmlns:p="http://schemas.openxmlformats.org/presentationml/2006/main" xmlns:c="http://schemas.openxmlformats.org/drawingml/2006/chart" xmlns:dgm="http://schemas.openxmlformats.org/drawingml/2006/diagram" xmlns:o="urn:schemas-microsoft-com:office:office" xmlns:v="urn:schemas-microsoft-com:vml" xmlns:pvml="urn:schemas-microsoft-com:office:powerpoint" xmlns:com="http://schemas.openxmlformats.org/drawingml/2006/compatibility" xmlns:p14="http://schemas.microsoft.com/office/powerpoint/2010/main" xmlns:p15="http://schemas.microsoft.com/office/powerpoint/2012/main" xmlns:ahyp="http://schemas.microsoft.com/office/drawing/2018/hyperlinkcolor" matchingName="Caption">
+<p:sldLayout xmlns:a="http://schemas.openxmlformats.org/drawingml/2006/main" xmlns:r="http://schemas.openxmlformats.org/officeDocument/2006/relationships" xmlns:p="http://schemas.openxmlformats.org/presentationml/2006/main" matchingName="Caption">
   <p:cSld name="CAPTION_ONLY">
     <p:spTree>
       <p:nvGrpSpPr>
-        <p:cNvPr id="45" name="Shape 45"/>
+        <p:cNvPr id="1" name="Shape 45"/>
         <p:cNvGrpSpPr/>
         <p:nvPr/>
       </p:nvGrpSpPr>
@@ -6747,9 +6934,11 @@
       <p:sp>
         <p:nvSpPr>
           <p:cNvPr id="46" name="Google Shape;46;p10"/>
-          <p:cNvSpPr txBox="1"/>
+          <p:cNvSpPr txBox="1">
+            <a:spLocks noGrp="1"/>
+          </p:cNvSpPr>
           <p:nvPr>
-            <p:ph idx="1" type="body"/>
+            <p:ph type="body" idx="1"/>
           </p:nvPr>
         </p:nvSpPr>
         <p:spPr>
@@ -6762,11 +6951,11 @@
           </a:prstGeom>
         </p:spPr>
         <p:txBody>
-          <a:bodyPr anchorCtr="0" anchor="ctr" bIns="91425" lIns="91425" spcFirstLastPara="1" rIns="91425" wrap="square" tIns="91425">
+          <a:bodyPr spcFirstLastPara="1" wrap="square" lIns="91425" tIns="91425" rIns="91425" bIns="91425" anchor="ctr" anchorCtr="0">
             <a:normAutofit/>
           </a:bodyPr>
           <a:lstStyle>
-            <a:lvl1pPr indent="-228600" lvl="0" marL="457200">
+            <a:lvl1pPr marL="457200" lvl="0" indent="-228600">
               <a:lnSpc>
                 <a:spcPct val="100000"/>
               </a:lnSpc>
@@ -6781,15 +6970,19 @@
               <a:defRPr/>
             </a:lvl1pPr>
           </a:lstStyle>
-          <a:p/>
+          <a:p>
+            <a:endParaRPr/>
+          </a:p>
         </p:txBody>
       </p:sp>
       <p:sp>
         <p:nvSpPr>
           <p:cNvPr id="47" name="Google Shape;47;p10"/>
-          <p:cNvSpPr txBox="1"/>
+          <p:cNvSpPr txBox="1">
+            <a:spLocks noGrp="1"/>
+          </p:cNvSpPr>
           <p:nvPr>
-            <p:ph idx="12" type="sldNum"/>
+            <p:ph type="sldNum" idx="12"/>
           </p:nvPr>
         </p:nvSpPr>
         <p:spPr>
@@ -6802,7 +6995,7 @@
           </a:prstGeom>
         </p:spPr>
         <p:txBody>
-          <a:bodyPr anchorCtr="0" anchor="ctr" bIns="91425" lIns="91425" spcFirstLastPara="1" rIns="91425" wrap="square" tIns="91425">
+          <a:bodyPr spcFirstLastPara="1" wrap="square" lIns="91425" tIns="91425" rIns="91425" bIns="91425" anchor="ctr" anchorCtr="0">
             <a:normAutofit/>
           </a:bodyPr>
           <a:lstStyle>
@@ -6844,7 +7037,7 @@
             </a:lvl9pPr>
           </a:lstStyle>
           <a:p>
-            <a:pPr indent="0" lvl="0" marL="0" rtl="0" algn="r">
+            <a:pPr marL="0" lvl="0" indent="0" algn="r" rtl="0">
               <a:spcBef>
                 <a:spcPts val="0"/>
               </a:spcBef>
@@ -6870,18 +7063,19 @@
 </file>
 
 <file path=ppt/slideMasters/slideMaster1.xml><?xml version="1.0" encoding="utf-8"?>
-<p:sldMaster xmlns:a="http://schemas.openxmlformats.org/drawingml/2006/main" xmlns:r="http://schemas.openxmlformats.org/officeDocument/2006/relationships" xmlns:mc="http://schemas.openxmlformats.org/markup-compatibility/2006" xmlns:mv="urn:schemas-microsoft-com:mac:vml" xmlns:p="http://schemas.openxmlformats.org/presentationml/2006/main" xmlns:c="http://schemas.openxmlformats.org/drawingml/2006/chart" xmlns:dgm="http://schemas.openxmlformats.org/drawingml/2006/diagram" xmlns:o="urn:schemas-microsoft-com:office:office" xmlns:v="urn:schemas-microsoft-com:vml" xmlns:pvml="urn:schemas-microsoft-com:office:powerpoint" xmlns:com="http://schemas.openxmlformats.org/drawingml/2006/compatibility" xmlns:p14="http://schemas.microsoft.com/office/powerpoint/2010/main" xmlns:p15="http://schemas.microsoft.com/office/powerpoint/2012/main" xmlns:ahyp="http://schemas.microsoft.com/office/drawing/2018/hyperlinkcolor">
+<p:sldMaster xmlns:a="http://schemas.openxmlformats.org/drawingml/2006/main" xmlns:r="http://schemas.openxmlformats.org/officeDocument/2006/relationships" xmlns:p="http://schemas.openxmlformats.org/presentationml/2006/main">
   <p:cSld name="coral">
     <p:bg>
       <p:bgPr>
         <a:solidFill>
           <a:schemeClr val="lt1"/>
         </a:solidFill>
+        <a:effectLst/>
       </p:bgPr>
     </p:bg>
     <p:spTree>
       <p:nvGrpSpPr>
-        <p:cNvPr id="5" name="Shape 5"/>
+        <p:cNvPr id="1" name="Shape 5"/>
         <p:cNvGrpSpPr/>
         <p:nvPr/>
       </p:nvGrpSpPr>
@@ -6896,7 +7090,9 @@
       <p:sp>
         <p:nvSpPr>
           <p:cNvPr id="6" name="Google Shape;6;p1"/>
-          <p:cNvSpPr txBox="1"/>
+          <p:cNvSpPr txBox="1">
+            <a:spLocks noGrp="1"/>
+          </p:cNvSpPr>
           <p:nvPr>
             <p:ph type="title"/>
           </p:nvPr>
@@ -6915,7 +7111,7 @@
           </a:ln>
         </p:spPr>
         <p:txBody>
-          <a:bodyPr anchorCtr="0" anchor="t" bIns="91425" lIns="91425" spcFirstLastPara="1" rIns="91425" wrap="square" tIns="91425">
+          <a:bodyPr spcFirstLastPara="1" wrap="square" lIns="91425" tIns="91425" rIns="91425" bIns="91425" anchor="t" anchorCtr="0">
             <a:normAutofit/>
           </a:bodyPr>
           <a:lstStyle>
@@ -6932,7 +7128,7 @@
               <a:buSzPts val="3200"/>
               <a:buFont typeface="Playfair Display"/>
               <a:buNone/>
-              <a:defRPr b="1" sz="3200">
+              <a:defRPr sz="3200" b="1">
                 <a:solidFill>
                   <a:schemeClr val="dk1"/>
                 </a:solidFill>
@@ -6955,7 +7151,7 @@
               <a:buSzPts val="3200"/>
               <a:buFont typeface="Playfair Display"/>
               <a:buNone/>
-              <a:defRPr b="1" sz="3200">
+              <a:defRPr sz="3200" b="1">
                 <a:solidFill>
                   <a:schemeClr val="dk1"/>
                 </a:solidFill>
@@ -6978,7 +7174,7 @@
               <a:buSzPts val="3200"/>
               <a:buFont typeface="Playfair Display"/>
               <a:buNone/>
-              <a:defRPr b="1" sz="3200">
+              <a:defRPr sz="3200" b="1">
                 <a:solidFill>
                   <a:schemeClr val="dk1"/>
                 </a:solidFill>
@@ -7001,7 +7197,7 @@
               <a:buSzPts val="3200"/>
               <a:buFont typeface="Playfair Display"/>
               <a:buNone/>
-              <a:defRPr b="1" sz="3200">
+              <a:defRPr sz="3200" b="1">
                 <a:solidFill>
                   <a:schemeClr val="dk1"/>
                 </a:solidFill>
@@ -7024,7 +7220,7 @@
               <a:buSzPts val="3200"/>
               <a:buFont typeface="Playfair Display"/>
               <a:buNone/>
-              <a:defRPr b="1" sz="3200">
+              <a:defRPr sz="3200" b="1">
                 <a:solidFill>
                   <a:schemeClr val="dk1"/>
                 </a:solidFill>
@@ -7047,7 +7243,7 @@
               <a:buSzPts val="3200"/>
               <a:buFont typeface="Playfair Display"/>
               <a:buNone/>
-              <a:defRPr b="1" sz="3200">
+              <a:defRPr sz="3200" b="1">
                 <a:solidFill>
                   <a:schemeClr val="dk1"/>
                 </a:solidFill>
@@ -7070,7 +7266,7 @@
               <a:buSzPts val="3200"/>
               <a:buFont typeface="Playfair Display"/>
               <a:buNone/>
-              <a:defRPr b="1" sz="3200">
+              <a:defRPr sz="3200" b="1">
                 <a:solidFill>
                   <a:schemeClr val="dk1"/>
                 </a:solidFill>
@@ -7093,7 +7289,7 @@
               <a:buSzPts val="3200"/>
               <a:buFont typeface="Playfair Display"/>
               <a:buNone/>
-              <a:defRPr b="1" sz="3200">
+              <a:defRPr sz="3200" b="1">
                 <a:solidFill>
                   <a:schemeClr val="dk1"/>
                 </a:solidFill>
@@ -7116,7 +7312,7 @@
               <a:buSzPts val="3200"/>
               <a:buFont typeface="Playfair Display"/>
               <a:buNone/>
-              <a:defRPr b="1" sz="3200">
+              <a:defRPr sz="3200" b="1">
                 <a:solidFill>
                   <a:schemeClr val="dk1"/>
                 </a:solidFill>
@@ -7127,15 +7323,19 @@
               </a:defRPr>
             </a:lvl9pPr>
           </a:lstStyle>
-          <a:p/>
+          <a:p>
+            <a:endParaRPr/>
+          </a:p>
         </p:txBody>
       </p:sp>
       <p:sp>
         <p:nvSpPr>
           <p:cNvPr id="7" name="Google Shape;7;p1"/>
-          <p:cNvSpPr txBox="1"/>
+          <p:cNvSpPr txBox="1">
+            <a:spLocks noGrp="1"/>
+          </p:cNvSpPr>
           <p:nvPr>
-            <p:ph idx="1" type="body"/>
+            <p:ph type="body" idx="1"/>
           </p:nvPr>
         </p:nvSpPr>
         <p:spPr>
@@ -7152,11 +7352,11 @@
           </a:ln>
         </p:spPr>
         <p:txBody>
-          <a:bodyPr anchorCtr="0" anchor="t" bIns="91425" lIns="91425" spcFirstLastPara="1" rIns="91425" wrap="square" tIns="91425">
+          <a:bodyPr spcFirstLastPara="1" wrap="square" lIns="91425" tIns="91425" rIns="91425" bIns="91425" anchor="t" anchorCtr="0">
             <a:normAutofit/>
           </a:bodyPr>
           <a:lstStyle>
-            <a:lvl1pPr indent="-342900" lvl="0" marL="457200">
+            <a:lvl1pPr marL="457200" lvl="0" indent="-342900">
               <a:lnSpc>
                 <a:spcPct val="115000"/>
               </a:lnSpc>
@@ -7182,7 +7382,7 @@
                 <a:sym typeface="Lato"/>
               </a:defRPr>
             </a:lvl1pPr>
-            <a:lvl2pPr indent="-317500" lvl="1" marL="914400">
+            <a:lvl2pPr marL="914400" lvl="1" indent="-317500">
               <a:lnSpc>
                 <a:spcPct val="115000"/>
               </a:lnSpc>
@@ -7208,7 +7408,7 @@
                 <a:sym typeface="Lato"/>
               </a:defRPr>
             </a:lvl2pPr>
-            <a:lvl3pPr indent="-317500" lvl="2" marL="1371600">
+            <a:lvl3pPr marL="1371600" lvl="2" indent="-317500">
               <a:lnSpc>
                 <a:spcPct val="115000"/>
               </a:lnSpc>
@@ -7234,7 +7434,7 @@
                 <a:sym typeface="Lato"/>
               </a:defRPr>
             </a:lvl3pPr>
-            <a:lvl4pPr indent="-317500" lvl="3" marL="1828800">
+            <a:lvl4pPr marL="1828800" lvl="3" indent="-317500">
               <a:lnSpc>
                 <a:spcPct val="115000"/>
               </a:lnSpc>
@@ -7260,7 +7460,7 @@
                 <a:sym typeface="Lato"/>
               </a:defRPr>
             </a:lvl4pPr>
-            <a:lvl5pPr indent="-317500" lvl="4" marL="2286000">
+            <a:lvl5pPr marL="2286000" lvl="4" indent="-317500">
               <a:lnSpc>
                 <a:spcPct val="115000"/>
               </a:lnSpc>
@@ -7286,7 +7486,7 @@
                 <a:sym typeface="Lato"/>
               </a:defRPr>
             </a:lvl5pPr>
-            <a:lvl6pPr indent="-317500" lvl="5" marL="2743200">
+            <a:lvl6pPr marL="2743200" lvl="5" indent="-317500">
               <a:lnSpc>
                 <a:spcPct val="115000"/>
               </a:lnSpc>
@@ -7312,7 +7512,7 @@
                 <a:sym typeface="Lato"/>
               </a:defRPr>
             </a:lvl6pPr>
-            <a:lvl7pPr indent="-317500" lvl="6" marL="3200400">
+            <a:lvl7pPr marL="3200400" lvl="6" indent="-317500">
               <a:lnSpc>
                 <a:spcPct val="115000"/>
               </a:lnSpc>
@@ -7338,7 +7538,7 @@
                 <a:sym typeface="Lato"/>
               </a:defRPr>
             </a:lvl7pPr>
-            <a:lvl8pPr indent="-317500" lvl="7" marL="3657600">
+            <a:lvl8pPr marL="3657600" lvl="7" indent="-317500">
               <a:lnSpc>
                 <a:spcPct val="115000"/>
               </a:lnSpc>
@@ -7364,7 +7564,7 @@
                 <a:sym typeface="Lato"/>
               </a:defRPr>
             </a:lvl8pPr>
-            <a:lvl9pPr indent="-317500" lvl="8" marL="4114800">
+            <a:lvl9pPr marL="4114800" lvl="8" indent="-317500">
               <a:lnSpc>
                 <a:spcPct val="115000"/>
               </a:lnSpc>
@@ -7391,15 +7591,19 @@
               </a:defRPr>
             </a:lvl9pPr>
           </a:lstStyle>
-          <a:p/>
+          <a:p>
+            <a:endParaRPr/>
+          </a:p>
         </p:txBody>
       </p:sp>
       <p:sp>
         <p:nvSpPr>
           <p:cNvPr id="8" name="Google Shape;8;p1"/>
-          <p:cNvSpPr txBox="1"/>
+          <p:cNvSpPr txBox="1">
+            <a:spLocks noGrp="1"/>
+          </p:cNvSpPr>
           <p:nvPr>
-            <p:ph idx="12" type="sldNum"/>
+            <p:ph type="sldNum" idx="12"/>
           </p:nvPr>
         </p:nvSpPr>
         <p:spPr>
@@ -7416,7 +7620,7 @@
           </a:ln>
         </p:spPr>
         <p:txBody>
-          <a:bodyPr anchorCtr="0" anchor="ctr" bIns="91425" lIns="91425" spcFirstLastPara="1" rIns="91425" wrap="square" tIns="91425">
+          <a:bodyPr spcFirstLastPara="1" wrap="square" lIns="91425" tIns="91425" rIns="91425" bIns="91425" anchor="ctr" anchorCtr="0">
             <a:normAutofit/>
           </a:bodyPr>
           <a:lstStyle>
@@ -7530,7 +7734,7 @@
             </a:lvl9pPr>
           </a:lstStyle>
           <a:p>
-            <a:pPr indent="0" lvl="0" marL="0" rtl="0" algn="r">
+            <a:pPr marL="0" lvl="0" indent="0" algn="r" rtl="0">
               <a:spcBef>
                 <a:spcPts val="0"/>
               </a:spcBef>
@@ -7549,7 +7753,7 @@
       </p:sp>
     </p:spTree>
   </p:cSld>
-  <p:clrMap accent1="accent1" accent2="accent2" accent3="accent3" accent4="accent4" accent5="accent5" accent6="accent6" bg1="lt1" bg2="dk2" tx1="dk1" tx2="lt2" folHlink="folHlink" hlink="hlink"/>
+  <p:clrMap bg1="lt1" tx1="dk1" bg2="dk2" tx2="lt2" accent1="accent1" accent2="accent2" accent3="accent3" accent4="accent4" accent5="accent5" accent6="accent6" hlink="hlink" folHlink="folHlink"/>
   <p:sldLayoutIdLst>
     <p:sldLayoutId id="2147483648" r:id="rId1"/>
     <p:sldLayoutId id="2147483649" r:id="rId2"/>
@@ -7563,10 +7767,10 @@
     <p:sldLayoutId id="2147483657" r:id="rId10"/>
     <p:sldLayoutId id="2147483658" r:id="rId11"/>
   </p:sldLayoutIdLst>
-  <p:hf dt="0" ftr="0" hdr="0" sldNum="0"/>
+  <p:hf sldNum="0" hdr="0" ftr="0" dt="0"/>
   <p:txStyles>
     <p:titleStyle>
-      <a:defPPr lvl="0" marR="0" rtl="0" algn="l">
+      <a:defPPr marR="0" lvl="0" algn="l" rtl="0">
         <a:lnSpc>
           <a:spcPct val="100000"/>
         </a:lnSpc>
@@ -7577,7 +7781,7 @@
           <a:spcPts val="0"/>
         </a:spcAft>
       </a:defPPr>
-      <a:lvl1pPr lvl="0" marR="0" rtl="0" algn="l">
+      <a:lvl1pPr marR="0" lvl="0" algn="l" rtl="0">
         <a:lnSpc>
           <a:spcPct val="100000"/>
         </a:lnSpc>
@@ -7591,7 +7795,7 @@
           <a:srgbClr val="000000"/>
         </a:buClr>
         <a:buFont typeface="Arial"/>
-        <a:defRPr b="0" i="0" sz="1400" u="none" cap="none" strike="noStrike">
+        <a:defRPr sz="1400" b="0" i="0" u="none" strike="noStrike" cap="none">
           <a:solidFill>
             <a:srgbClr val="000000"/>
           </a:solidFill>
@@ -7601,7 +7805,7 @@
           <a:sym typeface="Arial"/>
         </a:defRPr>
       </a:lvl1pPr>
-      <a:lvl2pPr lvl="1" marR="0" rtl="0" algn="l">
+      <a:lvl2pPr marR="0" lvl="1" algn="l" rtl="0">
         <a:lnSpc>
           <a:spcPct val="100000"/>
         </a:lnSpc>
@@ -7615,7 +7819,7 @@
           <a:srgbClr val="000000"/>
         </a:buClr>
         <a:buFont typeface="Arial"/>
-        <a:defRPr b="0" i="0" sz="1400" u="none" cap="none" strike="noStrike">
+        <a:defRPr sz="1400" b="0" i="0" u="none" strike="noStrike" cap="none">
           <a:solidFill>
             <a:srgbClr val="000000"/>
           </a:solidFill>
@@ -7625,7 +7829,7 @@
           <a:sym typeface="Arial"/>
         </a:defRPr>
       </a:lvl2pPr>
-      <a:lvl3pPr lvl="2" marR="0" rtl="0" algn="l">
+      <a:lvl3pPr marR="0" lvl="2" algn="l" rtl="0">
         <a:lnSpc>
           <a:spcPct val="100000"/>
         </a:lnSpc>
@@ -7639,7 +7843,7 @@
           <a:srgbClr val="000000"/>
         </a:buClr>
         <a:buFont typeface="Arial"/>
-        <a:defRPr b="0" i="0" sz="1400" u="none" cap="none" strike="noStrike">
+        <a:defRPr sz="1400" b="0" i="0" u="none" strike="noStrike" cap="none">
           <a:solidFill>
             <a:srgbClr val="000000"/>
           </a:solidFill>
@@ -7649,7 +7853,7 @@
           <a:sym typeface="Arial"/>
         </a:defRPr>
       </a:lvl3pPr>
-      <a:lvl4pPr lvl="3" marR="0" rtl="0" algn="l">
+      <a:lvl4pPr marR="0" lvl="3" algn="l" rtl="0">
         <a:lnSpc>
           <a:spcPct val="100000"/>
         </a:lnSpc>
@@ -7663,7 +7867,7 @@
           <a:srgbClr val="000000"/>
         </a:buClr>
         <a:buFont typeface="Arial"/>
-        <a:defRPr b="0" i="0" sz="1400" u="none" cap="none" strike="noStrike">
+        <a:defRPr sz="1400" b="0" i="0" u="none" strike="noStrike" cap="none">
           <a:solidFill>
             <a:srgbClr val="000000"/>
           </a:solidFill>
@@ -7673,7 +7877,7 @@
           <a:sym typeface="Arial"/>
         </a:defRPr>
       </a:lvl4pPr>
-      <a:lvl5pPr lvl="4" marR="0" rtl="0" algn="l">
+      <a:lvl5pPr marR="0" lvl="4" algn="l" rtl="0">
         <a:lnSpc>
           <a:spcPct val="100000"/>
         </a:lnSpc>
@@ -7687,7 +7891,7 @@
           <a:srgbClr val="000000"/>
         </a:buClr>
         <a:buFont typeface="Arial"/>
-        <a:defRPr b="0" i="0" sz="1400" u="none" cap="none" strike="noStrike">
+        <a:defRPr sz="1400" b="0" i="0" u="none" strike="noStrike" cap="none">
           <a:solidFill>
             <a:srgbClr val="000000"/>
           </a:solidFill>
@@ -7697,7 +7901,7 @@
           <a:sym typeface="Arial"/>
         </a:defRPr>
       </a:lvl5pPr>
-      <a:lvl6pPr lvl="5" marR="0" rtl="0" algn="l">
+      <a:lvl6pPr marR="0" lvl="5" algn="l" rtl="0">
         <a:lnSpc>
           <a:spcPct val="100000"/>
         </a:lnSpc>
@@ -7711,7 +7915,7 @@
           <a:srgbClr val="000000"/>
         </a:buClr>
         <a:buFont typeface="Arial"/>
-        <a:defRPr b="0" i="0" sz="1400" u="none" cap="none" strike="noStrike">
+        <a:defRPr sz="1400" b="0" i="0" u="none" strike="noStrike" cap="none">
           <a:solidFill>
             <a:srgbClr val="000000"/>
           </a:solidFill>
@@ -7721,7 +7925,7 @@
           <a:sym typeface="Arial"/>
         </a:defRPr>
       </a:lvl6pPr>
-      <a:lvl7pPr lvl="6" marR="0" rtl="0" algn="l">
+      <a:lvl7pPr marR="0" lvl="6" algn="l" rtl="0">
         <a:lnSpc>
           <a:spcPct val="100000"/>
         </a:lnSpc>
@@ -7735,7 +7939,7 @@
           <a:srgbClr val="000000"/>
         </a:buClr>
         <a:buFont typeface="Arial"/>
-        <a:defRPr b="0" i="0" sz="1400" u="none" cap="none" strike="noStrike">
+        <a:defRPr sz="1400" b="0" i="0" u="none" strike="noStrike" cap="none">
           <a:solidFill>
             <a:srgbClr val="000000"/>
           </a:solidFill>
@@ -7745,7 +7949,7 @@
           <a:sym typeface="Arial"/>
         </a:defRPr>
       </a:lvl7pPr>
-      <a:lvl8pPr lvl="7" marR="0" rtl="0" algn="l">
+      <a:lvl8pPr marR="0" lvl="7" algn="l" rtl="0">
         <a:lnSpc>
           <a:spcPct val="100000"/>
         </a:lnSpc>
@@ -7759,7 +7963,7 @@
           <a:srgbClr val="000000"/>
         </a:buClr>
         <a:buFont typeface="Arial"/>
-        <a:defRPr b="0" i="0" sz="1400" u="none" cap="none" strike="noStrike">
+        <a:defRPr sz="1400" b="0" i="0" u="none" strike="noStrike" cap="none">
           <a:solidFill>
             <a:srgbClr val="000000"/>
           </a:solidFill>
@@ -7769,7 +7973,7 @@
           <a:sym typeface="Arial"/>
         </a:defRPr>
       </a:lvl8pPr>
-      <a:lvl9pPr lvl="8" marR="0" rtl="0" algn="l">
+      <a:lvl9pPr marR="0" lvl="8" algn="l" rtl="0">
         <a:lnSpc>
           <a:spcPct val="100000"/>
         </a:lnSpc>
@@ -7783,7 +7987,7 @@
           <a:srgbClr val="000000"/>
         </a:buClr>
         <a:buFont typeface="Arial"/>
-        <a:defRPr b="0" i="0" sz="1400" u="none" cap="none" strike="noStrike">
+        <a:defRPr sz="1400" b="0" i="0" u="none" strike="noStrike" cap="none">
           <a:solidFill>
             <a:srgbClr val="000000"/>
           </a:solidFill>
@@ -7795,7 +7999,7 @@
       </a:lvl9pPr>
     </p:titleStyle>
     <p:bodyStyle>
-      <a:defPPr lvl="0" marR="0" rtl="0" algn="l">
+      <a:defPPr marR="0" lvl="0" algn="l" rtl="0">
         <a:lnSpc>
           <a:spcPct val="100000"/>
         </a:lnSpc>
@@ -7806,7 +8010,7 @@
           <a:spcPts val="0"/>
         </a:spcAft>
       </a:defPPr>
-      <a:lvl1pPr lvl="0" marR="0" rtl="0" algn="l">
+      <a:lvl1pPr marR="0" lvl="0" algn="l" rtl="0">
         <a:lnSpc>
           <a:spcPct val="100000"/>
         </a:lnSpc>
@@ -7820,7 +8024,7 @@
           <a:srgbClr val="000000"/>
         </a:buClr>
         <a:buFont typeface="Arial"/>
-        <a:defRPr b="0" i="0" sz="1400" u="none" cap="none" strike="noStrike">
+        <a:defRPr sz="1400" b="0" i="0" u="none" strike="noStrike" cap="none">
           <a:solidFill>
             <a:srgbClr val="000000"/>
           </a:solidFill>
@@ -7830,7 +8034,7 @@
           <a:sym typeface="Arial"/>
         </a:defRPr>
       </a:lvl1pPr>
-      <a:lvl2pPr lvl="1" marR="0" rtl="0" algn="l">
+      <a:lvl2pPr marR="0" lvl="1" algn="l" rtl="0">
         <a:lnSpc>
           <a:spcPct val="100000"/>
         </a:lnSpc>
@@ -7844,7 +8048,7 @@
           <a:srgbClr val="000000"/>
         </a:buClr>
         <a:buFont typeface="Arial"/>
-        <a:defRPr b="0" i="0" sz="1400" u="none" cap="none" strike="noStrike">
+        <a:defRPr sz="1400" b="0" i="0" u="none" strike="noStrike" cap="none">
           <a:solidFill>
             <a:srgbClr val="000000"/>
           </a:solidFill>
@@ -7854,7 +8058,7 @@
           <a:sym typeface="Arial"/>
         </a:defRPr>
       </a:lvl2pPr>
-      <a:lvl3pPr lvl="2" marR="0" rtl="0" algn="l">
+      <a:lvl3pPr marR="0" lvl="2" algn="l" rtl="0">
         <a:lnSpc>
           <a:spcPct val="100000"/>
         </a:lnSpc>
@@ -7868,7 +8072,7 @@
           <a:srgbClr val="000000"/>
         </a:buClr>
         <a:buFont typeface="Arial"/>
-        <a:defRPr b="0" i="0" sz="1400" u="none" cap="none" strike="noStrike">
+        <a:defRPr sz="1400" b="0" i="0" u="none" strike="noStrike" cap="none">
           <a:solidFill>
             <a:srgbClr val="000000"/>
           </a:solidFill>
@@ -7878,7 +8082,7 @@
           <a:sym typeface="Arial"/>
         </a:defRPr>
       </a:lvl3pPr>
-      <a:lvl4pPr lvl="3" marR="0" rtl="0" algn="l">
+      <a:lvl4pPr marR="0" lvl="3" algn="l" rtl="0">
         <a:lnSpc>
           <a:spcPct val="100000"/>
         </a:lnSpc>
@@ -7892,7 +8096,7 @@
           <a:srgbClr val="000000"/>
         </a:buClr>
         <a:buFont typeface="Arial"/>
-        <a:defRPr b="0" i="0" sz="1400" u="none" cap="none" strike="noStrike">
+        <a:defRPr sz="1400" b="0" i="0" u="none" strike="noStrike" cap="none">
           <a:solidFill>
             <a:srgbClr val="000000"/>
           </a:solidFill>
@@ -7902,7 +8106,7 @@
           <a:sym typeface="Arial"/>
         </a:defRPr>
       </a:lvl4pPr>
-      <a:lvl5pPr lvl="4" marR="0" rtl="0" algn="l">
+      <a:lvl5pPr marR="0" lvl="4" algn="l" rtl="0">
         <a:lnSpc>
           <a:spcPct val="100000"/>
         </a:lnSpc>
@@ -7916,7 +8120,7 @@
           <a:srgbClr val="000000"/>
         </a:buClr>
         <a:buFont typeface="Arial"/>
-        <a:defRPr b="0" i="0" sz="1400" u="none" cap="none" strike="noStrike">
+        <a:defRPr sz="1400" b="0" i="0" u="none" strike="noStrike" cap="none">
           <a:solidFill>
             <a:srgbClr val="000000"/>
           </a:solidFill>
@@ -7926,7 +8130,7 @@
           <a:sym typeface="Arial"/>
         </a:defRPr>
       </a:lvl5pPr>
-      <a:lvl6pPr lvl="5" marR="0" rtl="0" algn="l">
+      <a:lvl6pPr marR="0" lvl="5" algn="l" rtl="0">
         <a:lnSpc>
           <a:spcPct val="100000"/>
         </a:lnSpc>
@@ -7940,7 +8144,7 @@
           <a:srgbClr val="000000"/>
         </a:buClr>
         <a:buFont typeface="Arial"/>
-        <a:defRPr b="0" i="0" sz="1400" u="none" cap="none" strike="noStrike">
+        <a:defRPr sz="1400" b="0" i="0" u="none" strike="noStrike" cap="none">
           <a:solidFill>
             <a:srgbClr val="000000"/>
           </a:solidFill>
@@ -7950,7 +8154,7 @@
           <a:sym typeface="Arial"/>
         </a:defRPr>
       </a:lvl6pPr>
-      <a:lvl7pPr lvl="6" marR="0" rtl="0" algn="l">
+      <a:lvl7pPr marR="0" lvl="6" algn="l" rtl="0">
         <a:lnSpc>
           <a:spcPct val="100000"/>
         </a:lnSpc>
@@ -7964,7 +8168,7 @@
           <a:srgbClr val="000000"/>
         </a:buClr>
         <a:buFont typeface="Arial"/>
-        <a:defRPr b="0" i="0" sz="1400" u="none" cap="none" strike="noStrike">
+        <a:defRPr sz="1400" b="0" i="0" u="none" strike="noStrike" cap="none">
           <a:solidFill>
             <a:srgbClr val="000000"/>
           </a:solidFill>
@@ -7974,7 +8178,7 @@
           <a:sym typeface="Arial"/>
         </a:defRPr>
       </a:lvl7pPr>
-      <a:lvl8pPr lvl="7" marR="0" rtl="0" algn="l">
+      <a:lvl8pPr marR="0" lvl="7" algn="l" rtl="0">
         <a:lnSpc>
           <a:spcPct val="100000"/>
         </a:lnSpc>
@@ -7988,7 +8192,7 @@
           <a:srgbClr val="000000"/>
         </a:buClr>
         <a:buFont typeface="Arial"/>
-        <a:defRPr b="0" i="0" sz="1400" u="none" cap="none" strike="noStrike">
+        <a:defRPr sz="1400" b="0" i="0" u="none" strike="noStrike" cap="none">
           <a:solidFill>
             <a:srgbClr val="000000"/>
           </a:solidFill>
@@ -7998,7 +8202,7 @@
           <a:sym typeface="Arial"/>
         </a:defRPr>
       </a:lvl8pPr>
-      <a:lvl9pPr lvl="8" marR="0" rtl="0" algn="l">
+      <a:lvl9pPr marR="0" lvl="8" algn="l" rtl="0">
         <a:lnSpc>
           <a:spcPct val="100000"/>
         </a:lnSpc>
@@ -8012,7 +8216,7 @@
           <a:srgbClr val="000000"/>
         </a:buClr>
         <a:buFont typeface="Arial"/>
-        <a:defRPr b="0" i="0" sz="1400" u="none" cap="none" strike="noStrike">
+        <a:defRPr sz="1400" b="0" i="0" u="none" strike="noStrike" cap="none">
           <a:solidFill>
             <a:srgbClr val="000000"/>
           </a:solidFill>
@@ -8024,7 +8228,7 @@
       </a:lvl9pPr>
     </p:bodyStyle>
     <p:otherStyle>
-      <a:defPPr lvl="0" marR="0" rtl="0" algn="l">
+      <a:defPPr marR="0" lvl="0" algn="l" rtl="0">
         <a:lnSpc>
           <a:spcPct val="100000"/>
         </a:lnSpc>
@@ -8035,7 +8239,7 @@
           <a:spcPts val="0"/>
         </a:spcAft>
       </a:defPPr>
-      <a:lvl1pPr lvl="0" marR="0" rtl="0" algn="l">
+      <a:lvl1pPr marR="0" lvl="0" algn="l" rtl="0">
         <a:lnSpc>
           <a:spcPct val="100000"/>
         </a:lnSpc>
@@ -8049,7 +8253,7 @@
           <a:srgbClr val="000000"/>
         </a:buClr>
         <a:buFont typeface="Arial"/>
-        <a:defRPr b="0" i="0" sz="1400" u="none" cap="none" strike="noStrike">
+        <a:defRPr sz="1400" b="0" i="0" u="none" strike="noStrike" cap="none">
           <a:solidFill>
             <a:srgbClr val="000000"/>
           </a:solidFill>
@@ -8059,7 +8263,7 @@
           <a:sym typeface="Arial"/>
         </a:defRPr>
       </a:lvl1pPr>
-      <a:lvl2pPr lvl="1" marR="0" rtl="0" algn="l">
+      <a:lvl2pPr marR="0" lvl="1" algn="l" rtl="0">
         <a:lnSpc>
           <a:spcPct val="100000"/>
         </a:lnSpc>
@@ -8073,7 +8277,7 @@
           <a:srgbClr val="000000"/>
         </a:buClr>
         <a:buFont typeface="Arial"/>
-        <a:defRPr b="0" i="0" sz="1400" u="none" cap="none" strike="noStrike">
+        <a:defRPr sz="1400" b="0" i="0" u="none" strike="noStrike" cap="none">
           <a:solidFill>
             <a:srgbClr val="000000"/>
           </a:solidFill>
@@ -8083,7 +8287,7 @@
           <a:sym typeface="Arial"/>
         </a:defRPr>
       </a:lvl2pPr>
-      <a:lvl3pPr lvl="2" marR="0" rtl="0" algn="l">
+      <a:lvl3pPr marR="0" lvl="2" algn="l" rtl="0">
         <a:lnSpc>
           <a:spcPct val="100000"/>
         </a:lnSpc>
@@ -8097,7 +8301,7 @@
           <a:srgbClr val="000000"/>
         </a:buClr>
         <a:buFont typeface="Arial"/>
-        <a:defRPr b="0" i="0" sz="1400" u="none" cap="none" strike="noStrike">
+        <a:defRPr sz="1400" b="0" i="0" u="none" strike="noStrike" cap="none">
           <a:solidFill>
             <a:srgbClr val="000000"/>
           </a:solidFill>
@@ -8107,7 +8311,7 @@
           <a:sym typeface="Arial"/>
         </a:defRPr>
       </a:lvl3pPr>
-      <a:lvl4pPr lvl="3" marR="0" rtl="0" algn="l">
+      <a:lvl4pPr marR="0" lvl="3" algn="l" rtl="0">
         <a:lnSpc>
           <a:spcPct val="100000"/>
         </a:lnSpc>
@@ -8121,7 +8325,7 @@
           <a:srgbClr val="000000"/>
         </a:buClr>
         <a:buFont typeface="Arial"/>
-        <a:defRPr b="0" i="0" sz="1400" u="none" cap="none" strike="noStrike">
+        <a:defRPr sz="1400" b="0" i="0" u="none" strike="noStrike" cap="none">
           <a:solidFill>
             <a:srgbClr val="000000"/>
           </a:solidFill>
@@ -8131,7 +8335,7 @@
           <a:sym typeface="Arial"/>
         </a:defRPr>
       </a:lvl4pPr>
-      <a:lvl5pPr lvl="4" marR="0" rtl="0" algn="l">
+      <a:lvl5pPr marR="0" lvl="4" algn="l" rtl="0">
         <a:lnSpc>
           <a:spcPct val="100000"/>
         </a:lnSpc>
@@ -8145,7 +8349,7 @@
           <a:srgbClr val="000000"/>
         </a:buClr>
         <a:buFont typeface="Arial"/>
-        <a:defRPr b="0" i="0" sz="1400" u="none" cap="none" strike="noStrike">
+        <a:defRPr sz="1400" b="0" i="0" u="none" strike="noStrike" cap="none">
           <a:solidFill>
             <a:srgbClr val="000000"/>
           </a:solidFill>
@@ -8155,7 +8359,7 @@
           <a:sym typeface="Arial"/>
         </a:defRPr>
       </a:lvl5pPr>
-      <a:lvl6pPr lvl="5" marR="0" rtl="0" algn="l">
+      <a:lvl6pPr marR="0" lvl="5" algn="l" rtl="0">
         <a:lnSpc>
           <a:spcPct val="100000"/>
         </a:lnSpc>
@@ -8169,7 +8373,7 @@
           <a:srgbClr val="000000"/>
         </a:buClr>
         <a:buFont typeface="Arial"/>
-        <a:defRPr b="0" i="0" sz="1400" u="none" cap="none" strike="noStrike">
+        <a:defRPr sz="1400" b="0" i="0" u="none" strike="noStrike" cap="none">
           <a:solidFill>
             <a:srgbClr val="000000"/>
           </a:solidFill>
@@ -8179,7 +8383,7 @@
           <a:sym typeface="Arial"/>
         </a:defRPr>
       </a:lvl6pPr>
-      <a:lvl7pPr lvl="6" marR="0" rtl="0" algn="l">
+      <a:lvl7pPr marR="0" lvl="6" algn="l" rtl="0">
         <a:lnSpc>
           <a:spcPct val="100000"/>
         </a:lnSpc>
@@ -8193,7 +8397,7 @@
           <a:srgbClr val="000000"/>
         </a:buClr>
         <a:buFont typeface="Arial"/>
-        <a:defRPr b="0" i="0" sz="1400" u="none" cap="none" strike="noStrike">
+        <a:defRPr sz="1400" b="0" i="0" u="none" strike="noStrike" cap="none">
           <a:solidFill>
             <a:srgbClr val="000000"/>
           </a:solidFill>
@@ -8203,7 +8407,7 @@
           <a:sym typeface="Arial"/>
         </a:defRPr>
       </a:lvl7pPr>
-      <a:lvl8pPr lvl="7" marR="0" rtl="0" algn="l">
+      <a:lvl8pPr marR="0" lvl="7" algn="l" rtl="0">
         <a:lnSpc>
           <a:spcPct val="100000"/>
         </a:lnSpc>
@@ -8217,7 +8421,7 @@
           <a:srgbClr val="000000"/>
         </a:buClr>
         <a:buFont typeface="Arial"/>
-        <a:defRPr b="0" i="0" sz="1400" u="none" cap="none" strike="noStrike">
+        <a:defRPr sz="1400" b="0" i="0" u="none" strike="noStrike" cap="none">
           <a:solidFill>
             <a:srgbClr val="000000"/>
           </a:solidFill>
@@ -8227,7 +8431,7 @@
           <a:sym typeface="Arial"/>
         </a:defRPr>
       </a:lvl8pPr>
-      <a:lvl9pPr lvl="8" marR="0" rtl="0" algn="l">
+      <a:lvl9pPr marR="0" lvl="8" algn="l" rtl="0">
         <a:lnSpc>
           <a:spcPct val="100000"/>
         </a:lnSpc>
@@ -8241,7 +8445,7 @@
           <a:srgbClr val="000000"/>
         </a:buClr>
         <a:buFont typeface="Arial"/>
-        <a:defRPr b="0" i="0" sz="1400" u="none" cap="none" strike="noStrike">
+        <a:defRPr sz="1400" b="0" i="0" u="none" strike="noStrike" cap="none">
           <a:solidFill>
             <a:srgbClr val="000000"/>
           </a:solidFill>
@@ -8257,11 +8461,11 @@
 </file>
 
 <file path=ppt/slides/slide1.xml><?xml version="1.0" encoding="utf-8"?>
-<p:sld xmlns:a="http://schemas.openxmlformats.org/drawingml/2006/main" xmlns:r="http://schemas.openxmlformats.org/officeDocument/2006/relationships" xmlns:mc="http://schemas.openxmlformats.org/markup-compatibility/2006" xmlns:mv="urn:schemas-microsoft-com:mac:vml" xmlns:p="http://schemas.openxmlformats.org/presentationml/2006/main" xmlns:c="http://schemas.openxmlformats.org/drawingml/2006/chart" xmlns:dgm="http://schemas.openxmlformats.org/drawingml/2006/diagram" xmlns:o="urn:schemas-microsoft-com:office:office" xmlns:v="urn:schemas-microsoft-com:vml" xmlns:pvml="urn:schemas-microsoft-com:office:powerpoint" xmlns:com="http://schemas.openxmlformats.org/drawingml/2006/compatibility" xmlns:p14="http://schemas.microsoft.com/office/powerpoint/2010/main" xmlns:p15="http://schemas.microsoft.com/office/powerpoint/2012/main" xmlns:ahyp="http://schemas.microsoft.com/office/drawing/2018/hyperlinkcolor">
+<p:sld xmlns:a="http://schemas.openxmlformats.org/drawingml/2006/main" xmlns:r="http://schemas.openxmlformats.org/officeDocument/2006/relationships" xmlns:p="http://schemas.openxmlformats.org/presentationml/2006/main">
   <p:cSld>
     <p:spTree>
       <p:nvGrpSpPr>
-        <p:cNvPr id="58" name="Shape 58"/>
+        <p:cNvPr id="1" name="Shape 58"/>
         <p:cNvGrpSpPr/>
         <p:nvPr/>
       </p:nvGrpSpPr>
@@ -8276,7 +8480,9 @@
       <p:sp>
         <p:nvSpPr>
           <p:cNvPr id="59" name="Google Shape;59;p13"/>
-          <p:cNvSpPr txBox="1"/>
+          <p:cNvSpPr txBox="1">
+            <a:spLocks noGrp="1"/>
+          </p:cNvSpPr>
           <p:nvPr>
             <p:ph type="ctrTitle"/>
           </p:nvPr>
@@ -8291,12 +8497,12 @@
           </a:prstGeom>
         </p:spPr>
         <p:txBody>
-          <a:bodyPr anchorCtr="0" anchor="ctr" bIns="91425" lIns="91425" spcFirstLastPara="1" rIns="91425" wrap="square" tIns="91425">
+          <a:bodyPr spcFirstLastPara="1" wrap="square" lIns="91425" tIns="91425" rIns="91425" bIns="91425" anchor="ctr" anchorCtr="0">
             <a:normAutofit fontScale="90000"/>
           </a:bodyPr>
           <a:lstStyle/>
           <a:p>
-            <a:pPr indent="0" lvl="0" marL="0" rtl="0" algn="ctr">
+            <a:pPr marL="0" lvl="0" indent="0" algn="ctr" rtl="0">
               <a:spcBef>
                 <a:spcPts val="0"/>
               </a:spcBef>
@@ -8316,9 +8522,11 @@
       <p:sp>
         <p:nvSpPr>
           <p:cNvPr id="60" name="Google Shape;60;p13"/>
-          <p:cNvSpPr txBox="1"/>
+          <p:cNvSpPr txBox="1">
+            <a:spLocks noGrp="1"/>
+          </p:cNvSpPr>
           <p:nvPr>
-            <p:ph idx="1" type="subTitle"/>
+            <p:ph type="subTitle" idx="1"/>
           </p:nvPr>
         </p:nvSpPr>
         <p:spPr>
@@ -8331,12 +8539,12 @@
           </a:prstGeom>
         </p:spPr>
         <p:txBody>
-          <a:bodyPr anchorCtr="0" anchor="b" bIns="91425" lIns="91425" spcFirstLastPara="1" rIns="91425" wrap="square" tIns="91425">
+          <a:bodyPr spcFirstLastPara="1" wrap="square" lIns="91425" tIns="91425" rIns="91425" bIns="91425" anchor="b" anchorCtr="0">
             <a:normAutofit/>
           </a:bodyPr>
           <a:lstStyle/>
           <a:p>
-            <a:pPr indent="0" lvl="0" marL="0" rtl="0" algn="ctr">
+            <a:pPr marL="0" lvl="0" indent="0" algn="ctr" rtl="0">
               <a:spcBef>
                 <a:spcPts val="0"/>
               </a:spcBef>
@@ -8345,9 +8553,6 @@
               </a:spcAft>
               <a:buNone/>
             </a:pPr>
-            <a:r>
-              <a:t/>
-            </a:r>
             <a:endParaRPr/>
           </a:p>
         </p:txBody>
@@ -8360,8 +8565,8 @@
         </p:nvSpPr>
         <p:spPr>
           <a:xfrm>
-            <a:off x="3789875" y="3976750"/>
-            <a:ext cx="5116800" cy="792600"/>
+            <a:off x="2383638" y="4491764"/>
+            <a:ext cx="5116800" cy="560536"/>
           </a:xfrm>
           <a:prstGeom prst="rect">
             <a:avLst/>
@@ -8372,12 +8577,12 @@
           </a:ln>
         </p:spPr>
         <p:txBody>
-          <a:bodyPr anchorCtr="0" anchor="t" bIns="91425" lIns="91425" spcFirstLastPara="1" rIns="91425" wrap="square" tIns="91425">
+          <a:bodyPr spcFirstLastPara="1" wrap="square" lIns="91425" tIns="91425" rIns="91425" bIns="91425" anchor="t" anchorCtr="0">
             <a:noAutofit/>
           </a:bodyPr>
           <a:lstStyle/>
           <a:p>
-            <a:pPr indent="0" lvl="0" marL="0" rtl="0" algn="l">
+            <a:pPr marL="0" lvl="0" indent="0" algn="l" rtl="0">
               <a:spcBef>
                 <a:spcPts val="0"/>
               </a:spcBef>
@@ -8387,14 +8592,14 @@
               <a:buNone/>
             </a:pPr>
             <a:r>
-              <a:rPr lang="hu" sz="1800">
+              <a:rPr lang="hu" sz="1800" dirty="0">
                 <a:solidFill>
                   <a:schemeClr val="dk2"/>
                 </a:solidFill>
               </a:rPr>
               <a:t>Készítette: Szalontai István, 2025-03-03</a:t>
             </a:r>
-            <a:endParaRPr sz="1800">
+            <a:endParaRPr sz="1800" dirty="0">
               <a:solidFill>
                 <a:schemeClr val="dk2"/>
               </a:solidFill>
@@ -8411,11 +8616,662 @@
 </file>
 
 <file path=ppt/slides/slide10.xml><?xml version="1.0" encoding="utf-8"?>
-<p:sld xmlns:a="http://schemas.openxmlformats.org/drawingml/2006/main" xmlns:r="http://schemas.openxmlformats.org/officeDocument/2006/relationships" xmlns:mc="http://schemas.openxmlformats.org/markup-compatibility/2006" xmlns:mv="urn:schemas-microsoft-com:mac:vml" xmlns:p="http://schemas.openxmlformats.org/presentationml/2006/main" xmlns:c="http://schemas.openxmlformats.org/drawingml/2006/chart" xmlns:dgm="http://schemas.openxmlformats.org/drawingml/2006/diagram" xmlns:o="urn:schemas-microsoft-com:office:office" xmlns:v="urn:schemas-microsoft-com:vml" xmlns:pvml="urn:schemas-microsoft-com:office:powerpoint" xmlns:com="http://schemas.openxmlformats.org/drawingml/2006/compatibility" xmlns:p14="http://schemas.microsoft.com/office/powerpoint/2010/main" xmlns:p15="http://schemas.microsoft.com/office/powerpoint/2012/main" xmlns:ahyp="http://schemas.microsoft.com/office/drawing/2018/hyperlinkcolor">
+<p:sld xmlns:a="http://schemas.openxmlformats.org/drawingml/2006/main" xmlns:r="http://schemas.openxmlformats.org/officeDocument/2006/relationships" xmlns:p="http://schemas.openxmlformats.org/presentationml/2006/main">
   <p:cSld>
     <p:spTree>
       <p:nvGrpSpPr>
-        <p:cNvPr id="115" name="Shape 115"/>
+        <p:cNvPr id="1" name="Shape 89"/>
+        <p:cNvGrpSpPr/>
+        <p:nvPr/>
+      </p:nvGrpSpPr>
+      <p:grpSpPr>
+        <a:xfrm>
+          <a:off x="0" y="0"/>
+          <a:ext cx="0" cy="0"/>
+          <a:chOff x="0" y="0"/>
+          <a:chExt cx="0" cy="0"/>
+        </a:xfrm>
+      </p:grpSpPr>
+      <p:sp>
+        <p:nvSpPr>
+          <p:cNvPr id="90" name="Google Shape;90;p18"/>
+          <p:cNvSpPr txBox="1">
+            <a:spLocks noGrp="1"/>
+          </p:cNvSpPr>
+          <p:nvPr>
+            <p:ph type="title"/>
+          </p:nvPr>
+        </p:nvSpPr>
+        <p:spPr>
+          <a:xfrm>
+            <a:off x="311700" y="391350"/>
+            <a:ext cx="8520600" cy="626100"/>
+          </a:xfrm>
+          <a:prstGeom prst="rect">
+            <a:avLst/>
+          </a:prstGeom>
+        </p:spPr>
+        <p:txBody>
+          <a:bodyPr spcFirstLastPara="1" wrap="square" lIns="91425" tIns="91425" rIns="91425" bIns="91425" anchor="t" anchorCtr="0">
+            <a:normAutofit fontScale="90000"/>
+          </a:bodyPr>
+          <a:lstStyle/>
+          <a:p>
+            <a:pPr marL="0" lvl="0" indent="0" algn="l" rtl="0">
+              <a:spcBef>
+                <a:spcPts val="0"/>
+              </a:spcBef>
+              <a:spcAft>
+                <a:spcPts val="0"/>
+              </a:spcAft>
+              <a:buNone/>
+            </a:pPr>
+            <a:r>
+              <a:rPr lang="hu"/>
+              <a:t>Bevezetés a Pythonba</a:t>
+            </a:r>
+            <a:endParaRPr/>
+          </a:p>
+        </p:txBody>
+      </p:sp>
+      <p:sp>
+        <p:nvSpPr>
+          <p:cNvPr id="91" name="Google Shape;91;p18"/>
+          <p:cNvSpPr txBox="1">
+            <a:spLocks noGrp="1"/>
+          </p:cNvSpPr>
+          <p:nvPr>
+            <p:ph type="body" idx="1"/>
+          </p:nvPr>
+        </p:nvSpPr>
+        <p:spPr>
+          <a:xfrm>
+            <a:off x="311700" y="1152475"/>
+            <a:ext cx="8520600" cy="3416400"/>
+          </a:xfrm>
+          <a:prstGeom prst="rect">
+            <a:avLst/>
+          </a:prstGeom>
+        </p:spPr>
+        <p:txBody>
+          <a:bodyPr spcFirstLastPara="1" wrap="square" lIns="91425" tIns="91425" rIns="91425" bIns="91425" anchor="t" anchorCtr="0">
+            <a:normAutofit/>
+          </a:bodyPr>
+          <a:lstStyle/>
+          <a:p>
+            <a:pPr marL="457200" lvl="0" indent="-381000" algn="l" rtl="0">
+              <a:spcBef>
+                <a:spcPts val="0"/>
+              </a:spcBef>
+              <a:spcAft>
+                <a:spcPts val="0"/>
+              </a:spcAft>
+              <a:buSzPts val="2400"/>
+              <a:buChar char="●"/>
+            </a:pPr>
+            <a:r>
+              <a:rPr lang="hu" sz="2400"/>
+              <a:t>Miért Python?</a:t>
+            </a:r>
+            <a:endParaRPr sz="2400"/>
+          </a:p>
+          <a:p>
+            <a:pPr marL="914400" lvl="1" indent="-355600" algn="l" rtl="0">
+              <a:spcBef>
+                <a:spcPts val="1000"/>
+              </a:spcBef>
+              <a:spcAft>
+                <a:spcPts val="0"/>
+              </a:spcAft>
+              <a:buSzPts val="2000"/>
+              <a:buChar char="○"/>
+            </a:pPr>
+            <a:r>
+              <a:rPr lang="hu" sz="2000"/>
+              <a:t>Egyszerű és olvasható szintaxis.</a:t>
+            </a:r>
+            <a:endParaRPr sz="2000"/>
+          </a:p>
+          <a:p>
+            <a:pPr marL="914400" lvl="1" indent="-355600" algn="l" rtl="0">
+              <a:spcBef>
+                <a:spcPts val="1000"/>
+              </a:spcBef>
+              <a:spcAft>
+                <a:spcPts val="0"/>
+              </a:spcAft>
+              <a:buSzPts val="2000"/>
+              <a:buChar char="○"/>
+            </a:pPr>
+            <a:r>
+              <a:rPr lang="hu" sz="2000"/>
+              <a:t>Nagy közösség és sok hasznos könyvtár.</a:t>
+            </a:r>
+            <a:endParaRPr sz="2000"/>
+          </a:p>
+          <a:p>
+            <a:pPr marL="914400" lvl="1" indent="-355600" algn="l" rtl="0">
+              <a:spcBef>
+                <a:spcPts val="1000"/>
+              </a:spcBef>
+              <a:spcAft>
+                <a:spcPts val="1000"/>
+              </a:spcAft>
+              <a:buSzPts val="2000"/>
+              <a:buChar char="○"/>
+            </a:pPr>
+            <a:r>
+              <a:rPr lang="hu" sz="2000"/>
+              <a:t>Sokoldalú: webfejlesztés, adatelemzés, mesterséges intelligencia stb.</a:t>
+            </a:r>
+            <a:endParaRPr sz="2000"/>
+          </a:p>
+        </p:txBody>
+      </p:sp>
+    </p:spTree>
+  </p:cSld>
+  <p:clrMapOvr>
+    <a:masterClrMapping/>
+  </p:clrMapOvr>
+</p:sld>
+</file>
+
+<file path=ppt/slides/slide11.xml><?xml version="1.0" encoding="utf-8"?>
+<p:sld xmlns:a="http://schemas.openxmlformats.org/drawingml/2006/main" xmlns:r="http://schemas.openxmlformats.org/officeDocument/2006/relationships" xmlns:p="http://schemas.openxmlformats.org/presentationml/2006/main">
+  <p:cSld>
+    <p:spTree>
+      <p:nvGrpSpPr>
+        <p:cNvPr id="1" name="Shape 95"/>
+        <p:cNvGrpSpPr/>
+        <p:nvPr/>
+      </p:nvGrpSpPr>
+      <p:grpSpPr>
+        <a:xfrm>
+          <a:off x="0" y="0"/>
+          <a:ext cx="0" cy="0"/>
+          <a:chOff x="0" y="0"/>
+          <a:chExt cx="0" cy="0"/>
+        </a:xfrm>
+      </p:grpSpPr>
+      <p:sp>
+        <p:nvSpPr>
+          <p:cNvPr id="96" name="Google Shape;96;p19"/>
+          <p:cNvSpPr txBox="1">
+            <a:spLocks noGrp="1"/>
+          </p:cNvSpPr>
+          <p:nvPr>
+            <p:ph type="title"/>
+          </p:nvPr>
+        </p:nvSpPr>
+        <p:spPr>
+          <a:xfrm>
+            <a:off x="311700" y="391350"/>
+            <a:ext cx="8520600" cy="626100"/>
+          </a:xfrm>
+          <a:prstGeom prst="rect">
+            <a:avLst/>
+          </a:prstGeom>
+        </p:spPr>
+        <p:txBody>
+          <a:bodyPr spcFirstLastPara="1" wrap="square" lIns="91425" tIns="91425" rIns="91425" bIns="91425" anchor="t" anchorCtr="0">
+            <a:normAutofit fontScale="90000"/>
+          </a:bodyPr>
+          <a:lstStyle/>
+          <a:p>
+            <a:pPr marL="0" lvl="0" indent="0" algn="l" rtl="0">
+              <a:spcBef>
+                <a:spcPts val="0"/>
+              </a:spcBef>
+              <a:spcAft>
+                <a:spcPts val="0"/>
+              </a:spcAft>
+              <a:buNone/>
+            </a:pPr>
+            <a:r>
+              <a:rPr lang="hu"/>
+              <a:t>Első lépések:</a:t>
+            </a:r>
+            <a:endParaRPr/>
+          </a:p>
+        </p:txBody>
+      </p:sp>
+      <p:sp>
+        <p:nvSpPr>
+          <p:cNvPr id="97" name="Google Shape;97;p19"/>
+          <p:cNvSpPr txBox="1">
+            <a:spLocks noGrp="1"/>
+          </p:cNvSpPr>
+          <p:nvPr>
+            <p:ph type="body" idx="1"/>
+          </p:nvPr>
+        </p:nvSpPr>
+        <p:spPr>
+          <a:xfrm>
+            <a:off x="311700" y="1152475"/>
+            <a:ext cx="8520600" cy="3416400"/>
+          </a:xfrm>
+          <a:prstGeom prst="rect">
+            <a:avLst/>
+          </a:prstGeom>
+        </p:spPr>
+        <p:txBody>
+          <a:bodyPr spcFirstLastPara="1" wrap="square" lIns="91425" tIns="91425" rIns="91425" bIns="91425" anchor="t" anchorCtr="0">
+            <a:normAutofit/>
+          </a:bodyPr>
+          <a:lstStyle/>
+          <a:p>
+            <a:pPr marL="457200" lvl="0" indent="-342900" algn="l" rtl="0">
+              <a:spcBef>
+                <a:spcPts val="0"/>
+              </a:spcBef>
+              <a:spcAft>
+                <a:spcPts val="0"/>
+              </a:spcAft>
+              <a:buSzPts val="1800"/>
+              <a:buChar char="●"/>
+            </a:pPr>
+            <a:r>
+              <a:rPr lang="hu"/>
+              <a:t>Python telepítése:</a:t>
+            </a:r>
+            <a:r>
+              <a:rPr lang="hu" sz="2100"/>
+              <a:t> </a:t>
+            </a:r>
+            <a:r>
+              <a:rPr lang="hu" sz="1700" u="sng">
+                <a:solidFill>
+                  <a:schemeClr val="hlink"/>
+                </a:solidFill>
+                <a:hlinkClick r:id="rId3"/>
+              </a:rPr>
+              <a:t>https://www.python.org/</a:t>
+            </a:r>
+            <a:endParaRPr sz="2400"/>
+          </a:p>
+          <a:p>
+            <a:pPr marL="457200" lvl="0" indent="-342900" algn="l" rtl="0">
+              <a:spcBef>
+                <a:spcPts val="0"/>
+              </a:spcBef>
+              <a:spcAft>
+                <a:spcPts val="0"/>
+              </a:spcAft>
+              <a:buSzPts val="1800"/>
+              <a:buChar char="●"/>
+            </a:pPr>
+            <a:r>
+              <a:rPr lang="hu"/>
+              <a:t>Első program: print("Helló, Világ!")</a:t>
+            </a:r>
+            <a:endParaRPr/>
+          </a:p>
+        </p:txBody>
+      </p:sp>
+    </p:spTree>
+  </p:cSld>
+  <p:clrMapOvr>
+    <a:masterClrMapping/>
+  </p:clrMapOvr>
+</p:sld>
+</file>
+
+<file path=ppt/slides/slide12.xml><?xml version="1.0" encoding="utf-8"?>
+<p:sld xmlns:a="http://schemas.openxmlformats.org/drawingml/2006/main" xmlns:r="http://schemas.openxmlformats.org/officeDocument/2006/relationships" xmlns:p="http://schemas.openxmlformats.org/presentationml/2006/main">
+  <p:cSld>
+    <p:spTree>
+      <p:nvGrpSpPr>
+        <p:cNvPr id="1" name="Shape 101"/>
+        <p:cNvGrpSpPr/>
+        <p:nvPr/>
+      </p:nvGrpSpPr>
+      <p:grpSpPr>
+        <a:xfrm>
+          <a:off x="0" y="0"/>
+          <a:ext cx="0" cy="0"/>
+          <a:chOff x="0" y="0"/>
+          <a:chExt cx="0" cy="0"/>
+        </a:xfrm>
+      </p:grpSpPr>
+      <p:sp>
+        <p:nvSpPr>
+          <p:cNvPr id="102" name="Google Shape;102;p20"/>
+          <p:cNvSpPr txBox="1">
+            <a:spLocks noGrp="1"/>
+          </p:cNvSpPr>
+          <p:nvPr>
+            <p:ph type="title"/>
+          </p:nvPr>
+        </p:nvSpPr>
+        <p:spPr>
+          <a:xfrm>
+            <a:off x="311700" y="391350"/>
+            <a:ext cx="8520600" cy="626100"/>
+          </a:xfrm>
+          <a:prstGeom prst="rect">
+            <a:avLst/>
+          </a:prstGeom>
+        </p:spPr>
+        <p:txBody>
+          <a:bodyPr spcFirstLastPara="1" wrap="square" lIns="91425" tIns="91425" rIns="91425" bIns="91425" anchor="t" anchorCtr="0">
+            <a:normAutofit fontScale="90000"/>
+          </a:bodyPr>
+          <a:lstStyle/>
+          <a:p>
+            <a:pPr marL="0" lvl="0" indent="0" algn="l" rtl="0">
+              <a:spcBef>
+                <a:spcPts val="0"/>
+              </a:spcBef>
+              <a:spcAft>
+                <a:spcPts val="0"/>
+              </a:spcAft>
+              <a:buNone/>
+            </a:pPr>
+            <a:r>
+              <a:rPr lang="hu"/>
+              <a:t>Alapfogalmak</a:t>
+            </a:r>
+            <a:endParaRPr/>
+          </a:p>
+        </p:txBody>
+      </p:sp>
+      <p:sp>
+        <p:nvSpPr>
+          <p:cNvPr id="103" name="Google Shape;103;p20"/>
+          <p:cNvSpPr txBox="1">
+            <a:spLocks noGrp="1"/>
+          </p:cNvSpPr>
+          <p:nvPr>
+            <p:ph type="body" idx="1"/>
+          </p:nvPr>
+        </p:nvSpPr>
+        <p:spPr>
+          <a:xfrm>
+            <a:off x="311700" y="1152475"/>
+            <a:ext cx="8520600" cy="2372700"/>
+          </a:xfrm>
+          <a:prstGeom prst="rect">
+            <a:avLst/>
+          </a:prstGeom>
+        </p:spPr>
+        <p:txBody>
+          <a:bodyPr spcFirstLastPara="1" wrap="square" lIns="91425" tIns="91425" rIns="91425" bIns="91425" anchor="t" anchorCtr="0">
+            <a:normAutofit/>
+          </a:bodyPr>
+          <a:lstStyle/>
+          <a:p>
+            <a:pPr marL="457200" lvl="0" indent="-381000" algn="l" rtl="0">
+              <a:spcBef>
+                <a:spcPts val="0"/>
+              </a:spcBef>
+              <a:spcAft>
+                <a:spcPts val="0"/>
+              </a:spcAft>
+              <a:buSzPts val="2400"/>
+              <a:buChar char="●"/>
+            </a:pPr>
+            <a:r>
+              <a:rPr lang="hu" sz="2400"/>
+              <a:t>Változók és adattípusok (számok, szövegek, listák).</a:t>
+            </a:r>
+            <a:endParaRPr sz="2400"/>
+          </a:p>
+          <a:p>
+            <a:pPr marL="457200" lvl="0" indent="-381000" algn="l" rtl="0">
+              <a:spcBef>
+                <a:spcPts val="0"/>
+              </a:spcBef>
+              <a:spcAft>
+                <a:spcPts val="0"/>
+              </a:spcAft>
+              <a:buSzPts val="2400"/>
+              <a:buChar char="●"/>
+            </a:pPr>
+            <a:r>
+              <a:rPr lang="hu" sz="2400"/>
+              <a:t>Feltételes utasítások (if, else).</a:t>
+            </a:r>
+            <a:endParaRPr sz="2400"/>
+          </a:p>
+          <a:p>
+            <a:pPr marL="457200" lvl="0" indent="-381000" algn="l" rtl="0">
+              <a:spcBef>
+                <a:spcPts val="0"/>
+              </a:spcBef>
+              <a:spcAft>
+                <a:spcPts val="0"/>
+              </a:spcAft>
+              <a:buSzPts val="2400"/>
+              <a:buChar char="●"/>
+            </a:pPr>
+            <a:r>
+              <a:rPr lang="hu" sz="2400"/>
+              <a:t>Ciklusok (for, while).</a:t>
+            </a:r>
+            <a:endParaRPr sz="2400"/>
+          </a:p>
+          <a:p>
+            <a:pPr marL="457200" lvl="0" indent="-381000" algn="l" rtl="0">
+              <a:spcBef>
+                <a:spcPts val="0"/>
+              </a:spcBef>
+              <a:spcAft>
+                <a:spcPts val="0"/>
+              </a:spcAft>
+              <a:buSzPts val="2400"/>
+              <a:buChar char="●"/>
+            </a:pPr>
+            <a:r>
+              <a:rPr lang="hu" sz="2400"/>
+              <a:t>Függvények definiálása (def).</a:t>
+            </a:r>
+            <a:endParaRPr sz="2400"/>
+          </a:p>
+        </p:txBody>
+      </p:sp>
+    </p:spTree>
+  </p:cSld>
+  <p:clrMapOvr>
+    <a:masterClrMapping/>
+  </p:clrMapOvr>
+</p:sld>
+</file>
+
+<file path=ppt/slides/slide13.xml><?xml version="1.0" encoding="utf-8"?>
+<p:sld xmlns:a="http://schemas.openxmlformats.org/drawingml/2006/main" xmlns:r="http://schemas.openxmlformats.org/officeDocument/2006/relationships" xmlns:p="http://schemas.openxmlformats.org/presentationml/2006/main">
+  <p:cSld>
+    <p:spTree>
+      <p:nvGrpSpPr>
+        <p:cNvPr id="1" name="Shape 107"/>
+        <p:cNvGrpSpPr/>
+        <p:nvPr/>
+      </p:nvGrpSpPr>
+      <p:grpSpPr>
+        <a:xfrm>
+          <a:off x="0" y="0"/>
+          <a:ext cx="0" cy="0"/>
+          <a:chOff x="0" y="0"/>
+          <a:chExt cx="0" cy="0"/>
+        </a:xfrm>
+      </p:grpSpPr>
+      <p:sp>
+        <p:nvSpPr>
+          <p:cNvPr id="108" name="Google Shape;108;p21"/>
+          <p:cNvSpPr txBox="1">
+            <a:spLocks noGrp="1"/>
+          </p:cNvSpPr>
+          <p:nvPr>
+            <p:ph type="title"/>
+          </p:nvPr>
+        </p:nvSpPr>
+        <p:spPr>
+          <a:xfrm>
+            <a:off x="311700" y="391350"/>
+            <a:ext cx="8520600" cy="626100"/>
+          </a:xfrm>
+          <a:prstGeom prst="rect">
+            <a:avLst/>
+          </a:prstGeom>
+        </p:spPr>
+        <p:txBody>
+          <a:bodyPr spcFirstLastPara="1" wrap="square" lIns="91425" tIns="91425" rIns="91425" bIns="91425" anchor="t" anchorCtr="0">
+            <a:normAutofit fontScale="90000"/>
+          </a:bodyPr>
+          <a:lstStyle/>
+          <a:p>
+            <a:pPr marL="0" lvl="0" indent="0" algn="l" rtl="0">
+              <a:spcBef>
+                <a:spcPts val="0"/>
+              </a:spcBef>
+              <a:spcAft>
+                <a:spcPts val="0"/>
+              </a:spcAft>
+              <a:buNone/>
+            </a:pPr>
+            <a:r>
+              <a:rPr lang="hu"/>
+              <a:t>Python alapok</a:t>
+            </a:r>
+            <a:endParaRPr/>
+          </a:p>
+        </p:txBody>
+      </p:sp>
+      <p:sp>
+        <p:nvSpPr>
+          <p:cNvPr id="109" name="Google Shape;109;p21"/>
+          <p:cNvSpPr txBox="1">
+            <a:spLocks noGrp="1"/>
+          </p:cNvSpPr>
+          <p:nvPr>
+            <p:ph type="body" idx="1"/>
+          </p:nvPr>
+        </p:nvSpPr>
+        <p:spPr>
+          <a:xfrm>
+            <a:off x="311700" y="1152475"/>
+            <a:ext cx="8520600" cy="3416400"/>
+          </a:xfrm>
+          <a:prstGeom prst="rect">
+            <a:avLst/>
+          </a:prstGeom>
+        </p:spPr>
+        <p:txBody>
+          <a:bodyPr spcFirstLastPara="1" wrap="square" lIns="91425" tIns="91425" rIns="91425" bIns="91425" anchor="t" anchorCtr="0">
+            <a:normAutofit/>
+          </a:bodyPr>
+          <a:lstStyle/>
+          <a:p>
+            <a:pPr marL="457200" lvl="0" indent="-387350" algn="l" rtl="0">
+              <a:lnSpc>
+                <a:spcPct val="100000"/>
+              </a:lnSpc>
+              <a:spcBef>
+                <a:spcPts val="0"/>
+              </a:spcBef>
+              <a:spcAft>
+                <a:spcPts val="0"/>
+              </a:spcAft>
+              <a:buSzPts val="2500"/>
+              <a:buChar char="●"/>
+            </a:pPr>
+            <a:r>
+              <a:rPr lang="hu" sz="2500"/>
+              <a:t>Változók és adattípusok:</a:t>
+            </a:r>
+            <a:endParaRPr sz="2500"/>
+          </a:p>
+          <a:p>
+            <a:pPr marL="457200" lvl="0" indent="-387350" algn="l" rtl="0">
+              <a:lnSpc>
+                <a:spcPct val="100000"/>
+              </a:lnSpc>
+              <a:spcBef>
+                <a:spcPts val="0"/>
+              </a:spcBef>
+              <a:spcAft>
+                <a:spcPts val="0"/>
+              </a:spcAft>
+              <a:buSzPts val="2500"/>
+              <a:buChar char="●"/>
+            </a:pPr>
+            <a:r>
+              <a:rPr lang="hu" sz="2500"/>
+              <a:t>Feltételes utasítások:</a:t>
+            </a:r>
+            <a:endParaRPr sz="2500"/>
+          </a:p>
+        </p:txBody>
+      </p:sp>
+      <p:pic>
+        <p:nvPicPr>
+          <p:cNvPr id="110" name="Google Shape;110;p21"/>
+          <p:cNvPicPr preferRelativeResize="0"/>
+          <p:nvPr/>
+        </p:nvPicPr>
+        <p:blipFill>
+          <a:blip r:embed="rId3">
+            <a:alphaModFix/>
+          </a:blip>
+          <a:stretch>
+            <a:fillRect/>
+          </a:stretch>
+        </p:blipFill>
+        <p:spPr>
+          <a:xfrm>
+            <a:off x="5648874" y="510299"/>
+            <a:ext cx="2843900" cy="1890550"/>
+          </a:xfrm>
+          <a:prstGeom prst="rect">
+            <a:avLst/>
+          </a:prstGeom>
+          <a:noFill/>
+          <a:ln>
+            <a:noFill/>
+          </a:ln>
+        </p:spPr>
+      </p:pic>
+      <p:pic>
+        <p:nvPicPr>
+          <p:cNvPr id="111" name="Google Shape;111;p21"/>
+          <p:cNvPicPr preferRelativeResize="0"/>
+          <p:nvPr/>
+        </p:nvPicPr>
+        <p:blipFill>
+          <a:blip r:embed="rId4">
+            <a:alphaModFix/>
+          </a:blip>
+          <a:stretch>
+            <a:fillRect/>
+          </a:stretch>
+        </p:blipFill>
+        <p:spPr>
+          <a:xfrm>
+            <a:off x="3786825" y="2732830"/>
+            <a:ext cx="4705950" cy="1890541"/>
+          </a:xfrm>
+          <a:prstGeom prst="rect">
+            <a:avLst/>
+          </a:prstGeom>
+          <a:noFill/>
+          <a:ln>
+            <a:noFill/>
+          </a:ln>
+        </p:spPr>
+      </p:pic>
+    </p:spTree>
+  </p:cSld>
+  <p:clrMapOvr>
+    <a:masterClrMapping/>
+  </p:clrMapOvr>
+</p:sld>
+</file>
+
+<file path=ppt/slides/slide14.xml><?xml version="1.0" encoding="utf-8"?>
+<p:sld xmlns:a="http://schemas.openxmlformats.org/drawingml/2006/main" xmlns:r="http://schemas.openxmlformats.org/officeDocument/2006/relationships" xmlns:p="http://schemas.openxmlformats.org/presentationml/2006/main">
+  <p:cSld>
+    <p:spTree>
+      <p:nvGrpSpPr>
+        <p:cNvPr id="1" name="Shape 115"/>
         <p:cNvGrpSpPr/>
         <p:nvPr/>
       </p:nvGrpSpPr>
@@ -8430,7 +9286,9 @@
       <p:sp>
         <p:nvSpPr>
           <p:cNvPr id="116" name="Google Shape;116;p22"/>
-          <p:cNvSpPr txBox="1"/>
+          <p:cNvSpPr txBox="1">
+            <a:spLocks noGrp="1"/>
+          </p:cNvSpPr>
           <p:nvPr>
             <p:ph type="title"/>
           </p:nvPr>
@@ -8445,12 +9303,12 @@
           </a:prstGeom>
         </p:spPr>
         <p:txBody>
-          <a:bodyPr anchorCtr="0" anchor="t" bIns="91425" lIns="91425" spcFirstLastPara="1" rIns="91425" wrap="square" tIns="91425">
+          <a:bodyPr spcFirstLastPara="1" wrap="square" lIns="91425" tIns="91425" rIns="91425" bIns="91425" anchor="t" anchorCtr="0">
             <a:normAutofit fontScale="90000"/>
           </a:bodyPr>
           <a:lstStyle/>
           <a:p>
-            <a:pPr indent="0" lvl="0" marL="0" rtl="0" algn="l">
+            <a:pPr marL="0" lvl="0" indent="0" algn="l" rtl="0">
               <a:spcBef>
                 <a:spcPts val="0"/>
               </a:spcBef>
@@ -8470,9 +9328,11 @@
       <p:sp>
         <p:nvSpPr>
           <p:cNvPr id="117" name="Google Shape;117;p22"/>
-          <p:cNvSpPr txBox="1"/>
+          <p:cNvSpPr txBox="1">
+            <a:spLocks noGrp="1"/>
+          </p:cNvSpPr>
           <p:nvPr>
-            <p:ph idx="1" type="body"/>
+            <p:ph type="body" idx="1"/>
           </p:nvPr>
         </p:nvSpPr>
         <p:spPr>
@@ -8485,12 +9345,12 @@
           </a:prstGeom>
         </p:spPr>
         <p:txBody>
-          <a:bodyPr anchorCtr="0" anchor="t" bIns="91425" lIns="91425" spcFirstLastPara="1" rIns="91425" wrap="square" tIns="91425">
+          <a:bodyPr spcFirstLastPara="1" wrap="square" lIns="91425" tIns="91425" rIns="91425" bIns="91425" anchor="t" anchorCtr="0">
             <a:normAutofit/>
           </a:bodyPr>
           <a:lstStyle/>
           <a:p>
-            <a:pPr indent="-387350" lvl="0" marL="457200" rtl="0" algn="l">
+            <a:pPr marL="457200" lvl="0" indent="-387350" algn="l" rtl="0">
               <a:lnSpc>
                 <a:spcPct val="100000"/>
               </a:lnSpc>
@@ -8510,7 +9370,7 @@
             <a:endParaRPr sz="2500"/>
           </a:p>
           <a:p>
-            <a:pPr indent="-387350" lvl="0" marL="457200" rtl="0" algn="l">
+            <a:pPr marL="457200" lvl="0" indent="-387350" algn="l" rtl="0">
               <a:lnSpc>
                 <a:spcPct val="100000"/>
               </a:lnSpc>
@@ -8595,12 +9455,12 @@
 </p:sld>
 </file>
 
-<file path=ppt/slides/slide11.xml><?xml version="1.0" encoding="utf-8"?>
-<p:sld xmlns:a="http://schemas.openxmlformats.org/drawingml/2006/main" xmlns:r="http://schemas.openxmlformats.org/officeDocument/2006/relationships" xmlns:mc="http://schemas.openxmlformats.org/markup-compatibility/2006" xmlns:mv="urn:schemas-microsoft-com:mac:vml" xmlns:p="http://schemas.openxmlformats.org/presentationml/2006/main" xmlns:c="http://schemas.openxmlformats.org/drawingml/2006/chart" xmlns:dgm="http://schemas.openxmlformats.org/drawingml/2006/diagram" xmlns:o="urn:schemas-microsoft-com:office:office" xmlns:v="urn:schemas-microsoft-com:vml" xmlns:pvml="urn:schemas-microsoft-com:office:powerpoint" xmlns:com="http://schemas.openxmlformats.org/drawingml/2006/compatibility" xmlns:p14="http://schemas.microsoft.com/office/powerpoint/2010/main" xmlns:p15="http://schemas.microsoft.com/office/powerpoint/2012/main" xmlns:ahyp="http://schemas.microsoft.com/office/drawing/2018/hyperlinkcolor">
+<file path=ppt/slides/slide15.xml><?xml version="1.0" encoding="utf-8"?>
+<p:sld xmlns:a="http://schemas.openxmlformats.org/drawingml/2006/main" xmlns:r="http://schemas.openxmlformats.org/officeDocument/2006/relationships" xmlns:p="http://schemas.openxmlformats.org/presentationml/2006/main">
   <p:cSld>
     <p:spTree>
       <p:nvGrpSpPr>
-        <p:cNvPr id="123" name="Shape 123"/>
+        <p:cNvPr id="1" name="Shape 123"/>
         <p:cNvGrpSpPr/>
         <p:nvPr/>
       </p:nvGrpSpPr>
@@ -8615,7 +9475,9 @@
       <p:sp>
         <p:nvSpPr>
           <p:cNvPr id="124" name="Google Shape;124;p23"/>
-          <p:cNvSpPr txBox="1"/>
+          <p:cNvSpPr txBox="1">
+            <a:spLocks noGrp="1"/>
+          </p:cNvSpPr>
           <p:nvPr>
             <p:ph type="title"/>
           </p:nvPr>
@@ -8630,12 +9492,12 @@
           </a:prstGeom>
         </p:spPr>
         <p:txBody>
-          <a:bodyPr anchorCtr="0" anchor="t" bIns="91425" lIns="91425" spcFirstLastPara="1" rIns="91425" wrap="square" tIns="91425">
+          <a:bodyPr spcFirstLastPara="1" wrap="square" lIns="91425" tIns="91425" rIns="91425" bIns="91425" anchor="t" anchorCtr="0">
             <a:normAutofit fontScale="90000"/>
           </a:bodyPr>
           <a:lstStyle/>
           <a:p>
-            <a:pPr indent="0" lvl="0" marL="0" rtl="0" algn="l">
+            <a:pPr marL="0" lvl="0" indent="0" algn="l" rtl="0">
               <a:spcBef>
                 <a:spcPts val="0"/>
               </a:spcBef>
@@ -8655,9 +9517,11 @@
       <p:sp>
         <p:nvSpPr>
           <p:cNvPr id="125" name="Google Shape;125;p23"/>
-          <p:cNvSpPr txBox="1"/>
+          <p:cNvSpPr txBox="1">
+            <a:spLocks noGrp="1"/>
+          </p:cNvSpPr>
           <p:nvPr>
-            <p:ph idx="1" type="body"/>
+            <p:ph type="body" idx="1"/>
           </p:nvPr>
         </p:nvSpPr>
         <p:spPr>
@@ -8670,12 +9534,12 @@
           </a:prstGeom>
         </p:spPr>
         <p:txBody>
-          <a:bodyPr anchorCtr="0" anchor="t" bIns="91425" lIns="91425" spcFirstLastPara="1" rIns="91425" wrap="square" tIns="91425">
+          <a:bodyPr spcFirstLastPara="1" wrap="square" lIns="91425" tIns="91425" rIns="91425" bIns="91425" anchor="t" anchorCtr="0">
             <a:normAutofit/>
           </a:bodyPr>
           <a:lstStyle/>
           <a:p>
-            <a:pPr indent="-387350" lvl="0" marL="457200" rtl="0" algn="l">
+            <a:pPr marL="457200" lvl="0" indent="-387350" algn="l" rtl="0">
               <a:lnSpc>
                 <a:spcPct val="100000"/>
               </a:lnSpc>
@@ -8690,16 +9554,12 @@
             </a:pPr>
             <a:r>
               <a:rPr lang="hu" sz="2500"/>
-              <a:t>Listák és szótárak</a:t>
-            </a:r>
-            <a:r>
-              <a:rPr lang="hu" sz="2500"/>
-              <a:t>:</a:t>
+              <a:t>Listák és szótárak:</a:t>
             </a:r>
             <a:endParaRPr sz="2500"/>
           </a:p>
           <a:p>
-            <a:pPr indent="-387350" lvl="0" marL="457200" rtl="0" algn="l">
+            <a:pPr marL="457200" lvl="0" indent="-387350" algn="l" rtl="0">
               <a:lnSpc>
                 <a:spcPct val="100000"/>
               </a:lnSpc>
@@ -8719,7 +9579,7 @@
             <a:endParaRPr sz="2500"/>
           </a:p>
           <a:p>
-            <a:pPr indent="-387350" lvl="0" marL="457200" rtl="0" algn="l">
+            <a:pPr marL="457200" lvl="0" indent="-387350" algn="l" rtl="0">
               <a:lnSpc>
                 <a:spcPct val="100000"/>
               </a:lnSpc>
@@ -8832,12 +9692,12 @@
 </p:sld>
 </file>
 
-<file path=ppt/slides/slide12.xml><?xml version="1.0" encoding="utf-8"?>
-<p:sld xmlns:a="http://schemas.openxmlformats.org/drawingml/2006/main" xmlns:r="http://schemas.openxmlformats.org/officeDocument/2006/relationships" xmlns:mc="http://schemas.openxmlformats.org/markup-compatibility/2006" xmlns:mv="urn:schemas-microsoft-com:mac:vml" xmlns:p="http://schemas.openxmlformats.org/presentationml/2006/main" xmlns:c="http://schemas.openxmlformats.org/drawingml/2006/chart" xmlns:dgm="http://schemas.openxmlformats.org/drawingml/2006/diagram" xmlns:o="urn:schemas-microsoft-com:office:office" xmlns:v="urn:schemas-microsoft-com:vml" xmlns:pvml="urn:schemas-microsoft-com:office:powerpoint" xmlns:com="http://schemas.openxmlformats.org/drawingml/2006/compatibility" xmlns:p14="http://schemas.microsoft.com/office/powerpoint/2010/main" xmlns:p15="http://schemas.microsoft.com/office/powerpoint/2012/main" xmlns:ahyp="http://schemas.microsoft.com/office/drawing/2018/hyperlinkcolor">
+<file path=ppt/slides/slide16.xml><?xml version="1.0" encoding="utf-8"?>
+<p:sld xmlns:a="http://schemas.openxmlformats.org/drawingml/2006/main" xmlns:r="http://schemas.openxmlformats.org/officeDocument/2006/relationships" xmlns:p="http://schemas.openxmlformats.org/presentationml/2006/main">
   <p:cSld>
     <p:spTree>
       <p:nvGrpSpPr>
-        <p:cNvPr id="132" name="Shape 132"/>
+        <p:cNvPr id="1" name="Shape 132"/>
         <p:cNvGrpSpPr/>
         <p:nvPr/>
       </p:nvGrpSpPr>
@@ -8852,7 +9712,9 @@
       <p:sp>
         <p:nvSpPr>
           <p:cNvPr id="133" name="Google Shape;133;p24"/>
-          <p:cNvSpPr txBox="1"/>
+          <p:cNvSpPr txBox="1">
+            <a:spLocks noGrp="1"/>
+          </p:cNvSpPr>
           <p:nvPr>
             <p:ph type="title"/>
           </p:nvPr>
@@ -8867,12 +9729,12 @@
           </a:prstGeom>
         </p:spPr>
         <p:txBody>
-          <a:bodyPr anchorCtr="0" anchor="t" bIns="91425" lIns="91425" spcFirstLastPara="1" rIns="91425" wrap="square" tIns="91425">
+          <a:bodyPr spcFirstLastPara="1" wrap="square" lIns="91425" tIns="91425" rIns="91425" bIns="91425" anchor="t" anchorCtr="0">
             <a:normAutofit fontScale="90000"/>
           </a:bodyPr>
           <a:lstStyle/>
           <a:p>
-            <a:pPr indent="0" lvl="0" marL="0" rtl="0" algn="l">
+            <a:pPr marL="0" lvl="0" indent="0" algn="l" rtl="0">
               <a:spcBef>
                 <a:spcPts val="0"/>
               </a:spcBef>
@@ -8892,9 +9754,11 @@
       <p:sp>
         <p:nvSpPr>
           <p:cNvPr id="134" name="Google Shape;134;p24"/>
-          <p:cNvSpPr txBox="1"/>
+          <p:cNvSpPr txBox="1">
+            <a:spLocks noGrp="1"/>
+          </p:cNvSpPr>
           <p:nvPr>
-            <p:ph idx="1" type="body"/>
+            <p:ph type="body" idx="1"/>
           </p:nvPr>
         </p:nvSpPr>
         <p:spPr>
@@ -8907,12 +9771,12 @@
           </a:prstGeom>
         </p:spPr>
         <p:txBody>
-          <a:bodyPr anchorCtr="0" anchor="t" bIns="91425" lIns="91425" spcFirstLastPara="1" rIns="91425" wrap="square" tIns="91425">
+          <a:bodyPr spcFirstLastPara="1" wrap="square" lIns="91425" tIns="91425" rIns="91425" bIns="91425" anchor="t" anchorCtr="0">
             <a:normAutofit/>
           </a:bodyPr>
           <a:lstStyle/>
           <a:p>
-            <a:pPr indent="0" lvl="0" marL="0" rtl="0" algn="l">
+            <a:pPr marL="0" lvl="0" indent="0" algn="l" rtl="0">
               <a:spcBef>
                 <a:spcPts val="0"/>
               </a:spcBef>
@@ -8965,12 +9829,12 @@
 </p:sld>
 </file>
 
-<file path=ppt/slides/slide13.xml><?xml version="1.0" encoding="utf-8"?>
-<p:sld xmlns:a="http://schemas.openxmlformats.org/drawingml/2006/main" xmlns:r="http://schemas.openxmlformats.org/officeDocument/2006/relationships" xmlns:mc="http://schemas.openxmlformats.org/markup-compatibility/2006" xmlns:mv="urn:schemas-microsoft-com:mac:vml" xmlns:p="http://schemas.openxmlformats.org/presentationml/2006/main" xmlns:c="http://schemas.openxmlformats.org/drawingml/2006/chart" xmlns:dgm="http://schemas.openxmlformats.org/drawingml/2006/diagram" xmlns:o="urn:schemas-microsoft-com:office:office" xmlns:v="urn:schemas-microsoft-com:vml" xmlns:pvml="urn:schemas-microsoft-com:office:powerpoint" xmlns:com="http://schemas.openxmlformats.org/drawingml/2006/compatibility" xmlns:p14="http://schemas.microsoft.com/office/powerpoint/2010/main" xmlns:p15="http://schemas.microsoft.com/office/powerpoint/2012/main" xmlns:ahyp="http://schemas.microsoft.com/office/drawing/2018/hyperlinkcolor">
+<file path=ppt/slides/slide17.xml><?xml version="1.0" encoding="utf-8"?>
+<p:sld xmlns:a="http://schemas.openxmlformats.org/drawingml/2006/main" xmlns:r="http://schemas.openxmlformats.org/officeDocument/2006/relationships" xmlns:p="http://schemas.openxmlformats.org/presentationml/2006/main">
   <p:cSld>
     <p:spTree>
       <p:nvGrpSpPr>
-        <p:cNvPr id="139" name="Shape 139"/>
+        <p:cNvPr id="1" name="Shape 139"/>
         <p:cNvGrpSpPr/>
         <p:nvPr/>
       </p:nvGrpSpPr>
@@ -8985,7 +9849,9 @@
       <p:sp>
         <p:nvSpPr>
           <p:cNvPr id="140" name="Google Shape;140;p25"/>
-          <p:cNvSpPr txBox="1"/>
+          <p:cNvSpPr txBox="1">
+            <a:spLocks noGrp="1"/>
+          </p:cNvSpPr>
           <p:nvPr>
             <p:ph type="title"/>
           </p:nvPr>
@@ -9000,12 +9866,12 @@
           </a:prstGeom>
         </p:spPr>
         <p:txBody>
-          <a:bodyPr anchorCtr="0" anchor="t" bIns="91425" lIns="91425" spcFirstLastPara="1" rIns="91425" wrap="square" tIns="91425">
+          <a:bodyPr spcFirstLastPara="1" wrap="square" lIns="91425" tIns="91425" rIns="91425" bIns="91425" anchor="t" anchorCtr="0">
             <a:normAutofit fontScale="90000"/>
           </a:bodyPr>
           <a:lstStyle/>
           <a:p>
-            <a:pPr indent="0" lvl="0" marL="0" rtl="0" algn="l">
+            <a:pPr marL="0" lvl="0" indent="0" algn="l" rtl="0">
               <a:spcBef>
                 <a:spcPts val="0"/>
               </a:spcBef>
@@ -9086,12 +9952,12 @@
 </p:sld>
 </file>
 
-<file path=ppt/slides/slide14.xml><?xml version="1.0" encoding="utf-8"?>
-<p:sld xmlns:a="http://schemas.openxmlformats.org/drawingml/2006/main" xmlns:r="http://schemas.openxmlformats.org/officeDocument/2006/relationships" xmlns:mc="http://schemas.openxmlformats.org/markup-compatibility/2006" xmlns:mv="urn:schemas-microsoft-com:mac:vml" xmlns:p="http://schemas.openxmlformats.org/presentationml/2006/main" xmlns:c="http://schemas.openxmlformats.org/drawingml/2006/chart" xmlns:dgm="http://schemas.openxmlformats.org/drawingml/2006/diagram" xmlns:o="urn:schemas-microsoft-com:office:office" xmlns:v="urn:schemas-microsoft-com:vml" xmlns:pvml="urn:schemas-microsoft-com:office:powerpoint" xmlns:com="http://schemas.openxmlformats.org/drawingml/2006/compatibility" xmlns:p14="http://schemas.microsoft.com/office/powerpoint/2010/main" xmlns:p15="http://schemas.microsoft.com/office/powerpoint/2012/main" xmlns:ahyp="http://schemas.microsoft.com/office/drawing/2018/hyperlinkcolor">
+<file path=ppt/slides/slide18.xml><?xml version="1.0" encoding="utf-8"?>
+<p:sld xmlns:a="http://schemas.openxmlformats.org/drawingml/2006/main" xmlns:r="http://schemas.openxmlformats.org/officeDocument/2006/relationships" xmlns:p="http://schemas.openxmlformats.org/presentationml/2006/main">
   <p:cSld>
     <p:spTree>
       <p:nvGrpSpPr>
-        <p:cNvPr id="146" name="Shape 146"/>
+        <p:cNvPr id="1" name="Shape 146"/>
         <p:cNvGrpSpPr/>
         <p:nvPr/>
       </p:nvGrpSpPr>
@@ -9106,7 +9972,9 @@
       <p:sp>
         <p:nvSpPr>
           <p:cNvPr id="147" name="Google Shape;147;p26"/>
-          <p:cNvSpPr txBox="1"/>
+          <p:cNvSpPr txBox="1">
+            <a:spLocks noGrp="1"/>
+          </p:cNvSpPr>
           <p:nvPr>
             <p:ph type="title"/>
           </p:nvPr>
@@ -9121,12 +9989,12 @@
           </a:prstGeom>
         </p:spPr>
         <p:txBody>
-          <a:bodyPr anchorCtr="0" anchor="t" bIns="91425" lIns="91425" spcFirstLastPara="1" rIns="91425" wrap="square" tIns="91425">
+          <a:bodyPr spcFirstLastPara="1" wrap="square" lIns="91425" tIns="91425" rIns="91425" bIns="91425" anchor="t" anchorCtr="0">
             <a:normAutofit fontScale="90000"/>
           </a:bodyPr>
           <a:lstStyle/>
           <a:p>
-            <a:pPr indent="0" lvl="0" marL="0" rtl="0" algn="l">
+            <a:pPr marL="0" lvl="0" indent="0" algn="l" rtl="0">
               <a:spcBef>
                 <a:spcPts val="0"/>
               </a:spcBef>
@@ -9179,12 +10047,12 @@
 </p:sld>
 </file>
 
-<file path=ppt/slides/slide15.xml><?xml version="1.0" encoding="utf-8"?>
-<p:sld xmlns:a="http://schemas.openxmlformats.org/drawingml/2006/main" xmlns:r="http://schemas.openxmlformats.org/officeDocument/2006/relationships" xmlns:mc="http://schemas.openxmlformats.org/markup-compatibility/2006" xmlns:mv="urn:schemas-microsoft-com:mac:vml" xmlns:p="http://schemas.openxmlformats.org/presentationml/2006/main" xmlns:c="http://schemas.openxmlformats.org/drawingml/2006/chart" xmlns:dgm="http://schemas.openxmlformats.org/drawingml/2006/diagram" xmlns:o="urn:schemas-microsoft-com:office:office" xmlns:v="urn:schemas-microsoft-com:vml" xmlns:pvml="urn:schemas-microsoft-com:office:powerpoint" xmlns:com="http://schemas.openxmlformats.org/drawingml/2006/compatibility" xmlns:p14="http://schemas.microsoft.com/office/powerpoint/2010/main" xmlns:p15="http://schemas.microsoft.com/office/powerpoint/2012/main" xmlns:ahyp="http://schemas.microsoft.com/office/drawing/2018/hyperlinkcolor">
+<file path=ppt/slides/slide19.xml><?xml version="1.0" encoding="utf-8"?>
+<p:sld xmlns:a="http://schemas.openxmlformats.org/drawingml/2006/main" xmlns:r="http://schemas.openxmlformats.org/officeDocument/2006/relationships" xmlns:p="http://schemas.openxmlformats.org/presentationml/2006/main">
   <p:cSld>
     <p:spTree>
       <p:nvGrpSpPr>
-        <p:cNvPr id="152" name="Shape 152"/>
+        <p:cNvPr id="1" name="Shape 152"/>
         <p:cNvGrpSpPr/>
         <p:nvPr/>
       </p:nvGrpSpPr>
@@ -9199,7 +10067,9 @@
       <p:sp>
         <p:nvSpPr>
           <p:cNvPr id="153" name="Google Shape;153;p27"/>
-          <p:cNvSpPr txBox="1"/>
+          <p:cNvSpPr txBox="1">
+            <a:spLocks noGrp="1"/>
+          </p:cNvSpPr>
           <p:nvPr>
             <p:ph type="title"/>
           </p:nvPr>
@@ -9214,12 +10084,12 @@
           </a:prstGeom>
         </p:spPr>
         <p:txBody>
-          <a:bodyPr anchorCtr="0" anchor="t" bIns="91425" lIns="91425" spcFirstLastPara="1" rIns="91425" wrap="square" tIns="91425">
+          <a:bodyPr spcFirstLastPara="1" wrap="square" lIns="91425" tIns="91425" rIns="91425" bIns="91425" anchor="t" anchorCtr="0">
             <a:normAutofit fontScale="90000"/>
           </a:bodyPr>
           <a:lstStyle/>
           <a:p>
-            <a:pPr indent="0" lvl="0" marL="0" rtl="0" algn="l">
+            <a:pPr marL="0" lvl="0" indent="0" algn="l" rtl="0">
               <a:spcBef>
                 <a:spcPts val="0"/>
               </a:spcBef>
@@ -9256,12 +10126,12 @@
           </a:ln>
         </p:spPr>
         <p:txBody>
-          <a:bodyPr anchorCtr="0" anchor="t" bIns="91425" lIns="91425" spcFirstLastPara="1" rIns="91425" wrap="square" tIns="91425">
+          <a:bodyPr spcFirstLastPara="1" wrap="square" lIns="91425" tIns="91425" rIns="91425" bIns="91425" anchor="t" anchorCtr="0">
             <a:noAutofit/>
           </a:bodyPr>
           <a:lstStyle/>
           <a:p>
-            <a:pPr indent="0" lvl="0" marL="0" rtl="0" algn="l">
+            <a:pPr marL="0" lvl="0" indent="0" algn="l" rtl="0">
               <a:spcBef>
                 <a:spcPts val="0"/>
               </a:spcBef>
@@ -9326,12 +10196,147 @@
 </p:sld>
 </file>
 
-<file path=ppt/slides/slide16.xml><?xml version="1.0" encoding="utf-8"?>
-<p:sld xmlns:a="http://schemas.openxmlformats.org/drawingml/2006/main" xmlns:r="http://schemas.openxmlformats.org/officeDocument/2006/relationships" xmlns:mc="http://schemas.openxmlformats.org/markup-compatibility/2006" xmlns:mv="urn:schemas-microsoft-com:mac:vml" xmlns:p="http://schemas.openxmlformats.org/presentationml/2006/main" xmlns:c="http://schemas.openxmlformats.org/drawingml/2006/chart" xmlns:dgm="http://schemas.openxmlformats.org/drawingml/2006/diagram" xmlns:o="urn:schemas-microsoft-com:office:office" xmlns:v="urn:schemas-microsoft-com:vml" xmlns:pvml="urn:schemas-microsoft-com:office:powerpoint" xmlns:com="http://schemas.openxmlformats.org/drawingml/2006/compatibility" xmlns:p14="http://schemas.microsoft.com/office/powerpoint/2010/main" xmlns:p15="http://schemas.microsoft.com/office/powerpoint/2012/main" xmlns:ahyp="http://schemas.microsoft.com/office/drawing/2018/hyperlinkcolor">
+<file path=ppt/slides/slide2.xml><?xml version="1.0" encoding="utf-8"?>
+<p:sld xmlns:a="http://schemas.openxmlformats.org/drawingml/2006/main" xmlns:r="http://schemas.openxmlformats.org/officeDocument/2006/relationships" xmlns:p="http://schemas.openxmlformats.org/presentationml/2006/main">
   <p:cSld>
     <p:spTree>
       <p:nvGrpSpPr>
-        <p:cNvPr id="159" name="Shape 159"/>
+        <p:cNvPr id="1" name="Shape 65"/>
+        <p:cNvGrpSpPr/>
+        <p:nvPr/>
+      </p:nvGrpSpPr>
+      <p:grpSpPr>
+        <a:xfrm>
+          <a:off x="0" y="0"/>
+          <a:ext cx="0" cy="0"/>
+          <a:chOff x="0" y="0"/>
+          <a:chExt cx="0" cy="0"/>
+        </a:xfrm>
+      </p:grpSpPr>
+      <p:sp>
+        <p:nvSpPr>
+          <p:cNvPr id="66" name="Google Shape;66;p14"/>
+          <p:cNvSpPr txBox="1">
+            <a:spLocks noGrp="1"/>
+          </p:cNvSpPr>
+          <p:nvPr>
+            <p:ph type="title"/>
+          </p:nvPr>
+        </p:nvSpPr>
+        <p:spPr>
+          <a:xfrm>
+            <a:off x="311700" y="391350"/>
+            <a:ext cx="8520600" cy="626100"/>
+          </a:xfrm>
+          <a:prstGeom prst="rect">
+            <a:avLst/>
+          </a:prstGeom>
+        </p:spPr>
+        <p:txBody>
+          <a:bodyPr spcFirstLastPara="1" wrap="square" lIns="91425" tIns="91425" rIns="91425" bIns="91425" anchor="t" anchorCtr="0">
+            <a:normAutofit fontScale="90000"/>
+          </a:bodyPr>
+          <a:lstStyle/>
+          <a:p>
+            <a:pPr marL="0" lvl="0" indent="0" algn="l" rtl="0">
+              <a:spcBef>
+                <a:spcPts val="0"/>
+              </a:spcBef>
+              <a:spcAft>
+                <a:spcPts val="0"/>
+              </a:spcAft>
+              <a:buNone/>
+            </a:pPr>
+            <a:r>
+              <a:rPr lang="hu"/>
+              <a:t>Mi is az a program?</a:t>
+            </a:r>
+            <a:endParaRPr/>
+          </a:p>
+        </p:txBody>
+      </p:sp>
+      <p:sp>
+        <p:nvSpPr>
+          <p:cNvPr id="67" name="Google Shape;67;p14"/>
+          <p:cNvSpPr txBox="1">
+            <a:spLocks noGrp="1"/>
+          </p:cNvSpPr>
+          <p:nvPr>
+            <p:ph type="body" idx="1"/>
+          </p:nvPr>
+        </p:nvSpPr>
+        <p:spPr>
+          <a:xfrm>
+            <a:off x="311700" y="1152475"/>
+            <a:ext cx="8520600" cy="3416400"/>
+          </a:xfrm>
+          <a:prstGeom prst="rect">
+            <a:avLst/>
+          </a:prstGeom>
+        </p:spPr>
+        <p:txBody>
+          <a:bodyPr spcFirstLastPara="1" wrap="square" lIns="91425" tIns="91425" rIns="91425" bIns="91425" anchor="t" anchorCtr="0">
+            <a:normAutofit/>
+          </a:bodyPr>
+          <a:lstStyle/>
+          <a:p>
+            <a:pPr marL="457200" lvl="0" indent="-374650" algn="l" rtl="0">
+              <a:spcBef>
+                <a:spcPts val="0"/>
+              </a:spcBef>
+              <a:spcAft>
+                <a:spcPts val="0"/>
+              </a:spcAft>
+              <a:buSzPts val="2300"/>
+              <a:buChar char="●"/>
+            </a:pPr>
+            <a:r>
+              <a:rPr lang="hu" sz="2300" b="1"/>
+              <a:t>Definíció</a:t>
+            </a:r>
+            <a:r>
+              <a:rPr lang="hu" sz="2300"/>
+              <a:t>: A program egy olyan utasítások sorozata, amelyet a számítógép képes végrehajtani. Ezek az utasítások egy adott feladat elvégzésére szolgálnak, például számítások, adatfeldolgozás vagy felhasználói felület megjelenítése.</a:t>
+            </a:r>
+            <a:endParaRPr sz="2300"/>
+          </a:p>
+          <a:p>
+            <a:pPr marL="457200" lvl="0" indent="-374650" algn="l" rtl="0">
+              <a:spcBef>
+                <a:spcPts val="1000"/>
+              </a:spcBef>
+              <a:spcAft>
+                <a:spcPts val="1000"/>
+              </a:spcAft>
+              <a:buSzPts val="2300"/>
+              <a:buChar char="●"/>
+            </a:pPr>
+            <a:r>
+              <a:rPr lang="hu" sz="2300" b="1"/>
+              <a:t>Példa</a:t>
+            </a:r>
+            <a:r>
+              <a:rPr lang="hu" sz="2300"/>
+              <a:t>: Egy egyszerű program lehet egy olyan szkript, amely kiírja a képernyőre, hogy "Helló, Világ!".</a:t>
+            </a:r>
+            <a:endParaRPr sz="2300"/>
+          </a:p>
+        </p:txBody>
+      </p:sp>
+    </p:spTree>
+  </p:cSld>
+  <p:clrMapOvr>
+    <a:masterClrMapping/>
+  </p:clrMapOvr>
+</p:sld>
+</file>
+
+<file path=ppt/slides/slide20.xml><?xml version="1.0" encoding="utf-8"?>
+<p:sld xmlns:a="http://schemas.openxmlformats.org/drawingml/2006/main" xmlns:r="http://schemas.openxmlformats.org/officeDocument/2006/relationships" xmlns:p="http://schemas.openxmlformats.org/presentationml/2006/main">
+  <p:cSld>
+    <p:spTree>
+      <p:nvGrpSpPr>
+        <p:cNvPr id="1" name="Shape 159"/>
         <p:cNvGrpSpPr/>
         <p:nvPr/>
       </p:nvGrpSpPr>
@@ -9346,7 +10351,9 @@
       <p:sp>
         <p:nvSpPr>
           <p:cNvPr id="160" name="Google Shape;160;p28"/>
-          <p:cNvSpPr txBox="1"/>
+          <p:cNvSpPr txBox="1">
+            <a:spLocks noGrp="1"/>
+          </p:cNvSpPr>
           <p:nvPr>
             <p:ph type="title"/>
           </p:nvPr>
@@ -9361,12 +10368,12 @@
           </a:prstGeom>
         </p:spPr>
         <p:txBody>
-          <a:bodyPr anchorCtr="0" anchor="t" bIns="91425" lIns="91425" spcFirstLastPara="1" rIns="91425" wrap="square" tIns="91425">
+          <a:bodyPr spcFirstLastPara="1" wrap="square" lIns="91425" tIns="91425" rIns="91425" bIns="91425" anchor="t" anchorCtr="0">
             <a:normAutofit fontScale="90000"/>
           </a:bodyPr>
           <a:lstStyle/>
           <a:p>
-            <a:pPr indent="0" lvl="0" marL="0" rtl="0" algn="l">
+            <a:pPr marL="0" lvl="0" indent="0" algn="l" rtl="0">
               <a:spcBef>
                 <a:spcPts val="0"/>
               </a:spcBef>
@@ -9403,12 +10410,12 @@
           </a:ln>
         </p:spPr>
         <p:txBody>
-          <a:bodyPr anchorCtr="0" anchor="t" bIns="91425" lIns="91425" spcFirstLastPara="1" rIns="91425" wrap="square" tIns="91425">
+          <a:bodyPr spcFirstLastPara="1" wrap="square" lIns="91425" tIns="91425" rIns="91425" bIns="91425" anchor="t" anchorCtr="0">
             <a:noAutofit/>
           </a:bodyPr>
           <a:lstStyle/>
           <a:p>
-            <a:pPr indent="0" lvl="0" marL="0" rtl="0" algn="l">
+            <a:pPr marL="0" lvl="0" indent="0" algn="l" rtl="0">
               <a:spcBef>
                 <a:spcPts val="0"/>
               </a:spcBef>
@@ -9473,12 +10480,12 @@
 </p:sld>
 </file>
 
-<file path=ppt/slides/slide17.xml><?xml version="1.0" encoding="utf-8"?>
-<p:sld xmlns:a="http://schemas.openxmlformats.org/drawingml/2006/main" xmlns:r="http://schemas.openxmlformats.org/officeDocument/2006/relationships" xmlns:mc="http://schemas.openxmlformats.org/markup-compatibility/2006" xmlns:mv="urn:schemas-microsoft-com:mac:vml" xmlns:p="http://schemas.openxmlformats.org/presentationml/2006/main" xmlns:c="http://schemas.openxmlformats.org/drawingml/2006/chart" xmlns:dgm="http://schemas.openxmlformats.org/drawingml/2006/diagram" xmlns:o="urn:schemas-microsoft-com:office:office" xmlns:v="urn:schemas-microsoft-com:vml" xmlns:pvml="urn:schemas-microsoft-com:office:powerpoint" xmlns:com="http://schemas.openxmlformats.org/drawingml/2006/compatibility" xmlns:p14="http://schemas.microsoft.com/office/powerpoint/2010/main" xmlns:p15="http://schemas.microsoft.com/office/powerpoint/2012/main" xmlns:ahyp="http://schemas.microsoft.com/office/drawing/2018/hyperlinkcolor">
+<file path=ppt/slides/slide21.xml><?xml version="1.0" encoding="utf-8"?>
+<p:sld xmlns:a="http://schemas.openxmlformats.org/drawingml/2006/main" xmlns:r="http://schemas.openxmlformats.org/officeDocument/2006/relationships" xmlns:p="http://schemas.openxmlformats.org/presentationml/2006/main">
   <p:cSld>
     <p:spTree>
       <p:nvGrpSpPr>
-        <p:cNvPr id="166" name="Shape 166"/>
+        <p:cNvPr id="1" name="Shape 166"/>
         <p:cNvGrpSpPr/>
         <p:nvPr/>
       </p:nvGrpSpPr>
@@ -9493,7 +10500,9 @@
       <p:sp>
         <p:nvSpPr>
           <p:cNvPr id="167" name="Google Shape;167;p29"/>
-          <p:cNvSpPr txBox="1"/>
+          <p:cNvSpPr txBox="1">
+            <a:spLocks noGrp="1"/>
+          </p:cNvSpPr>
           <p:nvPr>
             <p:ph type="title"/>
           </p:nvPr>
@@ -9508,12 +10517,12 @@
           </a:prstGeom>
         </p:spPr>
         <p:txBody>
-          <a:bodyPr anchorCtr="0" anchor="t" bIns="91425" lIns="91425" spcFirstLastPara="1" rIns="91425" wrap="square" tIns="91425">
+          <a:bodyPr spcFirstLastPara="1" wrap="square" lIns="91425" tIns="91425" rIns="91425" bIns="91425" anchor="t" anchorCtr="0">
             <a:normAutofit fontScale="90000"/>
           </a:bodyPr>
           <a:lstStyle/>
           <a:p>
-            <a:pPr indent="0" lvl="0" marL="0" rtl="0" algn="l">
+            <a:pPr marL="0" lvl="0" indent="0" algn="l" rtl="0">
               <a:spcBef>
                 <a:spcPts val="0"/>
               </a:spcBef>
@@ -9578,12 +10587,12 @@
           </a:ln>
         </p:spPr>
         <p:txBody>
-          <a:bodyPr anchorCtr="0" anchor="t" bIns="91425" lIns="91425" spcFirstLastPara="1" rIns="91425" wrap="square" tIns="91425">
+          <a:bodyPr spcFirstLastPara="1" wrap="square" lIns="91425" tIns="91425" rIns="91425" bIns="91425" anchor="t" anchorCtr="0">
             <a:noAutofit/>
           </a:bodyPr>
           <a:lstStyle/>
           <a:p>
-            <a:pPr indent="0" lvl="0" marL="0" rtl="0" algn="l">
+            <a:pPr marL="0" lvl="0" indent="0" algn="l" rtl="0">
               <a:spcBef>
                 <a:spcPts val="0"/>
               </a:spcBef>
@@ -9620,12 +10629,12 @@
 </p:sld>
 </file>
 
-<file path=ppt/slides/slide18.xml><?xml version="1.0" encoding="utf-8"?>
-<p:sld xmlns:a="http://schemas.openxmlformats.org/drawingml/2006/main" xmlns:r="http://schemas.openxmlformats.org/officeDocument/2006/relationships" xmlns:mc="http://schemas.openxmlformats.org/markup-compatibility/2006" xmlns:mv="urn:schemas-microsoft-com:mac:vml" xmlns:p="http://schemas.openxmlformats.org/presentationml/2006/main" xmlns:c="http://schemas.openxmlformats.org/drawingml/2006/chart" xmlns:dgm="http://schemas.openxmlformats.org/drawingml/2006/diagram" xmlns:o="urn:schemas-microsoft-com:office:office" xmlns:v="urn:schemas-microsoft-com:vml" xmlns:pvml="urn:schemas-microsoft-com:office:powerpoint" xmlns:com="http://schemas.openxmlformats.org/drawingml/2006/compatibility" xmlns:p14="http://schemas.microsoft.com/office/powerpoint/2010/main" xmlns:p15="http://schemas.microsoft.com/office/powerpoint/2012/main" xmlns:ahyp="http://schemas.microsoft.com/office/drawing/2018/hyperlinkcolor">
+<file path=ppt/slides/slide22.xml><?xml version="1.0" encoding="utf-8"?>
+<p:sld xmlns:a="http://schemas.openxmlformats.org/drawingml/2006/main" xmlns:r="http://schemas.openxmlformats.org/officeDocument/2006/relationships" xmlns:p="http://schemas.openxmlformats.org/presentationml/2006/main">
   <p:cSld>
     <p:spTree>
       <p:nvGrpSpPr>
-        <p:cNvPr id="173" name="Shape 173"/>
+        <p:cNvPr id="1" name="Shape 173"/>
         <p:cNvGrpSpPr/>
         <p:nvPr/>
       </p:nvGrpSpPr>
@@ -9640,7 +10649,9 @@
       <p:sp>
         <p:nvSpPr>
           <p:cNvPr id="174" name="Google Shape;174;p30"/>
-          <p:cNvSpPr txBox="1"/>
+          <p:cNvSpPr txBox="1">
+            <a:spLocks noGrp="1"/>
+          </p:cNvSpPr>
           <p:nvPr>
             <p:ph type="title"/>
           </p:nvPr>
@@ -9655,12 +10666,12 @@
           </a:prstGeom>
         </p:spPr>
         <p:txBody>
-          <a:bodyPr anchorCtr="0" anchor="t" bIns="91425" lIns="91425" spcFirstLastPara="1" rIns="91425" wrap="square" tIns="91425">
+          <a:bodyPr spcFirstLastPara="1" wrap="square" lIns="91425" tIns="91425" rIns="91425" bIns="91425" anchor="t" anchorCtr="0">
             <a:normAutofit fontScale="90000"/>
           </a:bodyPr>
           <a:lstStyle/>
           <a:p>
-            <a:pPr indent="0" lvl="0" marL="0" rtl="0" algn="l">
+            <a:pPr marL="0" lvl="0" indent="0" algn="l" rtl="0">
               <a:spcBef>
                 <a:spcPts val="0"/>
               </a:spcBef>
@@ -9725,12 +10736,12 @@
           </a:ln>
         </p:spPr>
         <p:txBody>
-          <a:bodyPr anchorCtr="0" anchor="t" bIns="91425" lIns="91425" spcFirstLastPara="1" rIns="91425" wrap="square" tIns="91425">
+          <a:bodyPr spcFirstLastPara="1" wrap="square" lIns="91425" tIns="91425" rIns="91425" bIns="91425" anchor="t" anchorCtr="0">
             <a:noAutofit/>
           </a:bodyPr>
           <a:lstStyle/>
           <a:p>
-            <a:pPr indent="0" lvl="0" marL="0" rtl="0" algn="l">
+            <a:pPr marL="0" lvl="0" indent="0" algn="l" rtl="0">
               <a:spcBef>
                 <a:spcPts val="0"/>
               </a:spcBef>
@@ -9767,12 +10778,12 @@
 </p:sld>
 </file>
 
-<file path=ppt/slides/slide19.xml><?xml version="1.0" encoding="utf-8"?>
-<p:sld xmlns:a="http://schemas.openxmlformats.org/drawingml/2006/main" xmlns:r="http://schemas.openxmlformats.org/officeDocument/2006/relationships" xmlns:mc="http://schemas.openxmlformats.org/markup-compatibility/2006" xmlns:mv="urn:schemas-microsoft-com:mac:vml" xmlns:p="http://schemas.openxmlformats.org/presentationml/2006/main" xmlns:c="http://schemas.openxmlformats.org/drawingml/2006/chart" xmlns:dgm="http://schemas.openxmlformats.org/drawingml/2006/diagram" xmlns:o="urn:schemas-microsoft-com:office:office" xmlns:v="urn:schemas-microsoft-com:vml" xmlns:pvml="urn:schemas-microsoft-com:office:powerpoint" xmlns:com="http://schemas.openxmlformats.org/drawingml/2006/compatibility" xmlns:p14="http://schemas.microsoft.com/office/powerpoint/2010/main" xmlns:p15="http://schemas.microsoft.com/office/powerpoint/2012/main" xmlns:ahyp="http://schemas.microsoft.com/office/drawing/2018/hyperlinkcolor">
+<file path=ppt/slides/slide23.xml><?xml version="1.0" encoding="utf-8"?>
+<p:sld xmlns:a="http://schemas.openxmlformats.org/drawingml/2006/main" xmlns:r="http://schemas.openxmlformats.org/officeDocument/2006/relationships" xmlns:p="http://schemas.openxmlformats.org/presentationml/2006/main">
   <p:cSld>
     <p:spTree>
       <p:nvGrpSpPr>
-        <p:cNvPr id="180" name="Shape 180"/>
+        <p:cNvPr id="1" name="Shape 180"/>
         <p:cNvGrpSpPr/>
         <p:nvPr/>
       </p:nvGrpSpPr>
@@ -9787,7 +10798,9 @@
       <p:sp>
         <p:nvSpPr>
           <p:cNvPr id="181" name="Google Shape;181;p31"/>
-          <p:cNvSpPr txBox="1"/>
+          <p:cNvSpPr txBox="1">
+            <a:spLocks noGrp="1"/>
+          </p:cNvSpPr>
           <p:nvPr>
             <p:ph type="title"/>
           </p:nvPr>
@@ -9802,12 +10815,12 @@
           </a:prstGeom>
         </p:spPr>
         <p:txBody>
-          <a:bodyPr anchorCtr="0" anchor="t" bIns="91425" lIns="91425" spcFirstLastPara="1" rIns="91425" wrap="square" tIns="91425">
+          <a:bodyPr spcFirstLastPara="1" wrap="square" lIns="91425" tIns="91425" rIns="91425" bIns="91425" anchor="t" anchorCtr="0">
             <a:normAutofit fontScale="90000"/>
           </a:bodyPr>
           <a:lstStyle/>
           <a:p>
-            <a:pPr indent="0" lvl="0" marL="0" rtl="0" algn="l">
+            <a:pPr marL="0" lvl="0" indent="0" algn="l" rtl="0">
               <a:spcBef>
                 <a:spcPts val="0"/>
               </a:spcBef>
@@ -9872,12 +10885,12 @@
           </a:ln>
         </p:spPr>
         <p:txBody>
-          <a:bodyPr anchorCtr="0" anchor="t" bIns="91425" lIns="91425" spcFirstLastPara="1" rIns="91425" wrap="square" tIns="91425">
+          <a:bodyPr spcFirstLastPara="1" wrap="square" lIns="91425" tIns="91425" rIns="91425" bIns="91425" anchor="t" anchorCtr="0">
             <a:noAutofit/>
           </a:bodyPr>
           <a:lstStyle/>
           <a:p>
-            <a:pPr indent="0" lvl="0" marL="0" rtl="0" algn="l">
+            <a:pPr marL="0" lvl="0" indent="0" algn="l" rtl="0">
               <a:spcBef>
                 <a:spcPts val="0"/>
               </a:spcBef>
@@ -9899,7 +10912,7 @@
               <a:t>Ez a program a szöveget "</a:t>
             </a:r>
             <a:r>
-              <a:rPr b="1" i="1" lang="hu" sz="1600">
+              <a:rPr lang="hu" sz="1600" b="1" i="1">
                 <a:solidFill>
                   <a:srgbClr val="404040"/>
                 </a:solidFill>
@@ -9923,7 +10936,7 @@
               <a:t>" fordítja, minden magánhangzó után hozzáad egy "</a:t>
             </a:r>
             <a:r>
-              <a:rPr b="1" lang="hu" sz="1600">
+              <a:rPr lang="hu" sz="1600" b="1">
                 <a:solidFill>
                   <a:srgbClr val="404040"/>
                 </a:solidFill>
@@ -9951,137 +10964,6 @@
                 <a:schemeClr val="dk2"/>
               </a:solidFill>
             </a:endParaRPr>
-          </a:p>
-        </p:txBody>
-      </p:sp>
-    </p:spTree>
-  </p:cSld>
-  <p:clrMapOvr>
-    <a:masterClrMapping/>
-  </p:clrMapOvr>
-</p:sld>
-</file>
-
-<file path=ppt/slides/slide2.xml><?xml version="1.0" encoding="utf-8"?>
-<p:sld xmlns:a="http://schemas.openxmlformats.org/drawingml/2006/main" xmlns:r="http://schemas.openxmlformats.org/officeDocument/2006/relationships" xmlns:mc="http://schemas.openxmlformats.org/markup-compatibility/2006" xmlns:mv="urn:schemas-microsoft-com:mac:vml" xmlns:p="http://schemas.openxmlformats.org/presentationml/2006/main" xmlns:c="http://schemas.openxmlformats.org/drawingml/2006/chart" xmlns:dgm="http://schemas.openxmlformats.org/drawingml/2006/diagram" xmlns:o="urn:schemas-microsoft-com:office:office" xmlns:v="urn:schemas-microsoft-com:vml" xmlns:pvml="urn:schemas-microsoft-com:office:powerpoint" xmlns:com="http://schemas.openxmlformats.org/drawingml/2006/compatibility" xmlns:p14="http://schemas.microsoft.com/office/powerpoint/2010/main" xmlns:p15="http://schemas.microsoft.com/office/powerpoint/2012/main" xmlns:ahyp="http://schemas.microsoft.com/office/drawing/2018/hyperlinkcolor">
-  <p:cSld>
-    <p:spTree>
-      <p:nvGrpSpPr>
-        <p:cNvPr id="65" name="Shape 65"/>
-        <p:cNvGrpSpPr/>
-        <p:nvPr/>
-      </p:nvGrpSpPr>
-      <p:grpSpPr>
-        <a:xfrm>
-          <a:off x="0" y="0"/>
-          <a:ext cx="0" cy="0"/>
-          <a:chOff x="0" y="0"/>
-          <a:chExt cx="0" cy="0"/>
-        </a:xfrm>
-      </p:grpSpPr>
-      <p:sp>
-        <p:nvSpPr>
-          <p:cNvPr id="66" name="Google Shape;66;p14"/>
-          <p:cNvSpPr txBox="1"/>
-          <p:nvPr>
-            <p:ph type="title"/>
-          </p:nvPr>
-        </p:nvSpPr>
-        <p:spPr>
-          <a:xfrm>
-            <a:off x="311700" y="391350"/>
-            <a:ext cx="8520600" cy="626100"/>
-          </a:xfrm>
-          <a:prstGeom prst="rect">
-            <a:avLst/>
-          </a:prstGeom>
-        </p:spPr>
-        <p:txBody>
-          <a:bodyPr anchorCtr="0" anchor="t" bIns="91425" lIns="91425" spcFirstLastPara="1" rIns="91425" wrap="square" tIns="91425">
-            <a:normAutofit fontScale="90000"/>
-          </a:bodyPr>
-          <a:lstStyle/>
-          <a:p>
-            <a:pPr indent="0" lvl="0" marL="0" rtl="0" algn="l">
-              <a:spcBef>
-                <a:spcPts val="0"/>
-              </a:spcBef>
-              <a:spcAft>
-                <a:spcPts val="0"/>
-              </a:spcAft>
-              <a:buNone/>
-            </a:pPr>
-            <a:r>
-              <a:rPr lang="hu"/>
-              <a:t>Mi is az a program?</a:t>
-            </a:r>
-            <a:endParaRPr/>
-          </a:p>
-        </p:txBody>
-      </p:sp>
-      <p:sp>
-        <p:nvSpPr>
-          <p:cNvPr id="67" name="Google Shape;67;p14"/>
-          <p:cNvSpPr txBox="1"/>
-          <p:nvPr>
-            <p:ph idx="1" type="body"/>
-          </p:nvPr>
-        </p:nvSpPr>
-        <p:spPr>
-          <a:xfrm>
-            <a:off x="311700" y="1152475"/>
-            <a:ext cx="8520600" cy="3416400"/>
-          </a:xfrm>
-          <a:prstGeom prst="rect">
-            <a:avLst/>
-          </a:prstGeom>
-        </p:spPr>
-        <p:txBody>
-          <a:bodyPr anchorCtr="0" anchor="t" bIns="91425" lIns="91425" spcFirstLastPara="1" rIns="91425" wrap="square" tIns="91425">
-            <a:normAutofit/>
-          </a:bodyPr>
-          <a:lstStyle/>
-          <a:p>
-            <a:pPr indent="-374650" lvl="0" marL="457200" rtl="0" algn="l">
-              <a:spcBef>
-                <a:spcPts val="0"/>
-              </a:spcBef>
-              <a:spcAft>
-                <a:spcPts val="0"/>
-              </a:spcAft>
-              <a:buSzPts val="2300"/>
-              <a:buChar char="●"/>
-            </a:pPr>
-            <a:r>
-              <a:rPr b="1" lang="hu" sz="2300"/>
-              <a:t>Definíció</a:t>
-            </a:r>
-            <a:r>
-              <a:rPr lang="hu" sz="2300"/>
-              <a:t>: A program egy olyan utasítások sorozata, amelyet a számítógép képes végrehajtani. Ezek az utasítások egy adott feladat elvégzésére szolgálnak, például számítások, adatfeldolgozás vagy felhasználói felület megjelenítése.</a:t>
-            </a:r>
-            <a:endParaRPr sz="2300"/>
-          </a:p>
-          <a:p>
-            <a:pPr indent="-374650" lvl="0" marL="457200" rtl="0" algn="l">
-              <a:spcBef>
-                <a:spcPts val="1000"/>
-              </a:spcBef>
-              <a:spcAft>
-                <a:spcPts val="1000"/>
-              </a:spcAft>
-              <a:buSzPts val="2300"/>
-              <a:buChar char="●"/>
-            </a:pPr>
-            <a:r>
-              <a:rPr b="1" lang="hu" sz="2300"/>
-              <a:t>Példa</a:t>
-            </a:r>
-            <a:r>
-              <a:rPr lang="hu" sz="2300"/>
-              <a:t>: Egy egyszerű program lehet egy olyan szkript, amely kiírja a képernyőre, hogy "Helló, Világ!".</a:t>
-            </a:r>
-            <a:endParaRPr sz="2300"/>
           </a:p>
         </p:txBody>
       </p:sp>
@@ -10094,11 +10976,11 @@
 </file>
 
 <file path=ppt/slides/slide3.xml><?xml version="1.0" encoding="utf-8"?>
-<p:sld xmlns:a="http://schemas.openxmlformats.org/drawingml/2006/main" xmlns:r="http://schemas.openxmlformats.org/officeDocument/2006/relationships" xmlns:mc="http://schemas.openxmlformats.org/markup-compatibility/2006" xmlns:mv="urn:schemas-microsoft-com:mac:vml" xmlns:p="http://schemas.openxmlformats.org/presentationml/2006/main" xmlns:c="http://schemas.openxmlformats.org/drawingml/2006/chart" xmlns:dgm="http://schemas.openxmlformats.org/drawingml/2006/diagram" xmlns:o="urn:schemas-microsoft-com:office:office" xmlns:v="urn:schemas-microsoft-com:vml" xmlns:pvml="urn:schemas-microsoft-com:office:powerpoint" xmlns:com="http://schemas.openxmlformats.org/drawingml/2006/compatibility" xmlns:p14="http://schemas.microsoft.com/office/powerpoint/2010/main" xmlns:p15="http://schemas.microsoft.com/office/powerpoint/2012/main" xmlns:ahyp="http://schemas.microsoft.com/office/drawing/2018/hyperlinkcolor">
+<p:sld xmlns:a="http://schemas.openxmlformats.org/drawingml/2006/main" xmlns:r="http://schemas.openxmlformats.org/officeDocument/2006/relationships" xmlns:p="http://schemas.openxmlformats.org/presentationml/2006/main">
   <p:cSld>
     <p:spTree>
       <p:nvGrpSpPr>
-        <p:cNvPr id="71" name="Shape 71"/>
+        <p:cNvPr id="1" name="Shape 71"/>
         <p:cNvGrpSpPr/>
         <p:nvPr/>
       </p:nvGrpSpPr>
@@ -10113,7 +10995,9 @@
       <p:sp>
         <p:nvSpPr>
           <p:cNvPr id="72" name="Google Shape;72;p15"/>
-          <p:cNvSpPr txBox="1"/>
+          <p:cNvSpPr txBox="1">
+            <a:spLocks noGrp="1"/>
+          </p:cNvSpPr>
           <p:nvPr>
             <p:ph type="title"/>
           </p:nvPr>
@@ -10128,12 +11012,12 @@
           </a:prstGeom>
         </p:spPr>
         <p:txBody>
-          <a:bodyPr anchorCtr="0" anchor="t" bIns="91425" lIns="91425" spcFirstLastPara="1" rIns="91425" wrap="square" tIns="91425">
+          <a:bodyPr spcFirstLastPara="1" wrap="square" lIns="91425" tIns="91425" rIns="91425" bIns="91425" anchor="t" anchorCtr="0">
             <a:normAutofit fontScale="90000"/>
           </a:bodyPr>
           <a:lstStyle/>
           <a:p>
-            <a:pPr indent="0" lvl="0" marL="0" rtl="0" algn="l">
+            <a:pPr marL="0" lvl="0" indent="0" algn="l" rtl="0">
               <a:spcBef>
                 <a:spcPts val="0"/>
               </a:spcBef>
@@ -10153,9 +11037,11 @@
       <p:sp>
         <p:nvSpPr>
           <p:cNvPr id="73" name="Google Shape;73;p15"/>
-          <p:cNvSpPr txBox="1"/>
+          <p:cNvSpPr txBox="1">
+            <a:spLocks noGrp="1"/>
+          </p:cNvSpPr>
           <p:nvPr>
-            <p:ph idx="1" type="body"/>
+            <p:ph type="body" idx="1"/>
           </p:nvPr>
         </p:nvSpPr>
         <p:spPr>
@@ -10168,12 +11054,12 @@
           </a:prstGeom>
         </p:spPr>
         <p:txBody>
-          <a:bodyPr anchorCtr="0" anchor="t" bIns="91425" lIns="91425" spcFirstLastPara="1" rIns="91425" wrap="square" tIns="91425">
-            <a:normAutofit/>
+          <a:bodyPr spcFirstLastPara="1" wrap="square" lIns="91425" tIns="91425" rIns="91425" bIns="91425" anchor="t" anchorCtr="0">
+            <a:normAutofit lnSpcReduction="10000"/>
           </a:bodyPr>
           <a:lstStyle/>
           <a:p>
-            <a:pPr indent="-342900" lvl="0" marL="457200" rtl="0" algn="l">
+            <a:pPr marL="457200" lvl="0" indent="-342900" algn="l" rtl="0">
               <a:spcBef>
                 <a:spcPts val="0"/>
               </a:spcBef>
@@ -10184,7 +11070,7 @@
               <a:buChar char="●"/>
             </a:pPr>
             <a:r>
-              <a:rPr b="1" lang="hu"/>
+              <a:rPr lang="hu" b="1"/>
               <a:t>Operációs rendszerek:</a:t>
             </a:r>
             <a:r>
@@ -10194,7 +11080,7 @@
             <a:endParaRPr/>
           </a:p>
           <a:p>
-            <a:pPr indent="-342900" lvl="0" marL="457200" rtl="0" algn="l">
+            <a:pPr marL="457200" lvl="0" indent="-342900" algn="l" rtl="0">
               <a:spcBef>
                 <a:spcPts val="1000"/>
               </a:spcBef>
@@ -10205,7 +11091,7 @@
               <a:buChar char="●"/>
             </a:pPr>
             <a:r>
-              <a:rPr b="1" lang="hu"/>
+              <a:rPr lang="hu" b="1"/>
               <a:t>Webes alkalmazások:</a:t>
             </a:r>
             <a:r>
@@ -10215,7 +11101,7 @@
             <a:endParaRPr/>
           </a:p>
           <a:p>
-            <a:pPr indent="-342900" lvl="0" marL="457200" rtl="0" algn="l">
+            <a:pPr marL="457200" lvl="0" indent="-342900" algn="l" rtl="0">
               <a:spcBef>
                 <a:spcPts val="1000"/>
               </a:spcBef>
@@ -10226,7 +11112,7 @@
               <a:buChar char="●"/>
             </a:pPr>
             <a:r>
-              <a:rPr b="1" lang="hu"/>
+              <a:rPr lang="hu" b="1"/>
               <a:t>Mobil alkalmazások: </a:t>
             </a:r>
             <a:r>
@@ -10236,7 +11122,7 @@
             <a:endParaRPr/>
           </a:p>
           <a:p>
-            <a:pPr indent="-342900" lvl="0" marL="457200" rtl="0" algn="l">
+            <a:pPr marL="457200" lvl="0" indent="-342900" algn="l" rtl="0">
               <a:spcBef>
                 <a:spcPts val="1000"/>
               </a:spcBef>
@@ -10247,7 +11133,7 @@
               <a:buChar char="●"/>
             </a:pPr>
             <a:r>
-              <a:rPr b="1" lang="hu"/>
+              <a:rPr lang="hu" b="1"/>
               <a:t>Beágyazott rendszerek: </a:t>
             </a:r>
             <a:r>
@@ -10267,11 +11153,11 @@
 </file>
 
 <file path=ppt/slides/slide4.xml><?xml version="1.0" encoding="utf-8"?>
-<p:sld xmlns:a="http://schemas.openxmlformats.org/drawingml/2006/main" xmlns:r="http://schemas.openxmlformats.org/officeDocument/2006/relationships" xmlns:mc="http://schemas.openxmlformats.org/markup-compatibility/2006" xmlns:mv="urn:schemas-microsoft-com:mac:vml" xmlns:p="http://schemas.openxmlformats.org/presentationml/2006/main" xmlns:c="http://schemas.openxmlformats.org/drawingml/2006/chart" xmlns:dgm="http://schemas.openxmlformats.org/drawingml/2006/diagram" xmlns:o="urn:schemas-microsoft-com:office:office" xmlns:v="urn:schemas-microsoft-com:vml" xmlns:pvml="urn:schemas-microsoft-com:office:powerpoint" xmlns:com="http://schemas.openxmlformats.org/drawingml/2006/compatibility" xmlns:p14="http://schemas.microsoft.com/office/powerpoint/2010/main" xmlns:p15="http://schemas.microsoft.com/office/powerpoint/2012/main" xmlns:ahyp="http://schemas.microsoft.com/office/drawing/2018/hyperlinkcolor">
+<p:sld xmlns:a="http://schemas.openxmlformats.org/drawingml/2006/main" xmlns:r="http://schemas.openxmlformats.org/officeDocument/2006/relationships" xmlns:p="http://schemas.openxmlformats.org/presentationml/2006/main">
   <p:cSld>
     <p:spTree>
       <p:nvGrpSpPr>
-        <p:cNvPr id="77" name="Shape 77"/>
+        <p:cNvPr id="1" name="Shape 77"/>
         <p:cNvGrpSpPr/>
         <p:nvPr/>
       </p:nvGrpSpPr>
@@ -10286,7 +11172,9 @@
       <p:sp>
         <p:nvSpPr>
           <p:cNvPr id="78" name="Google Shape;78;p16"/>
-          <p:cNvSpPr txBox="1"/>
+          <p:cNvSpPr txBox="1">
+            <a:spLocks noGrp="1"/>
+          </p:cNvSpPr>
           <p:nvPr>
             <p:ph type="title"/>
           </p:nvPr>
@@ -10301,12 +11189,12 @@
           </a:prstGeom>
         </p:spPr>
         <p:txBody>
-          <a:bodyPr anchorCtr="0" anchor="t" bIns="91425" lIns="91425" spcFirstLastPara="1" rIns="91425" wrap="square" tIns="91425">
+          <a:bodyPr spcFirstLastPara="1" wrap="square" lIns="91425" tIns="91425" rIns="91425" bIns="91425" anchor="t" anchorCtr="0">
             <a:normAutofit fontScale="90000"/>
           </a:bodyPr>
           <a:lstStyle/>
           <a:p>
-            <a:pPr indent="0" lvl="0" marL="0" rtl="0" algn="l">
+            <a:pPr marL="0" lvl="0" indent="0" algn="l" rtl="0">
               <a:spcBef>
                 <a:spcPts val="0"/>
               </a:spcBef>
@@ -10326,9 +11214,11 @@
       <p:sp>
         <p:nvSpPr>
           <p:cNvPr id="79" name="Google Shape;79;p16"/>
-          <p:cNvSpPr txBox="1"/>
+          <p:cNvSpPr txBox="1">
+            <a:spLocks noGrp="1"/>
+          </p:cNvSpPr>
           <p:nvPr>
-            <p:ph idx="1" type="body"/>
+            <p:ph type="body" idx="1"/>
           </p:nvPr>
         </p:nvSpPr>
         <p:spPr>
@@ -10341,12 +11231,12 @@
           </a:prstGeom>
         </p:spPr>
         <p:txBody>
-          <a:bodyPr anchorCtr="0" anchor="t" bIns="91425" lIns="91425" spcFirstLastPara="1" rIns="91425" wrap="square" tIns="91425">
+          <a:bodyPr spcFirstLastPara="1" wrap="square" lIns="91425" tIns="91425" rIns="91425" bIns="91425" anchor="t" anchorCtr="0">
             <a:normAutofit/>
           </a:bodyPr>
           <a:lstStyle/>
           <a:p>
-            <a:pPr indent="-342900" lvl="0" marL="457200" rtl="0" algn="l">
+            <a:pPr marL="457200" lvl="0" indent="-342900" algn="l" rtl="0">
               <a:spcBef>
                 <a:spcPts val="0"/>
               </a:spcBef>
@@ -10357,7 +11247,7 @@
               <a:buChar char="●"/>
             </a:pPr>
             <a:r>
-              <a:rPr b="1" lang="hu"/>
+              <a:rPr lang="hu" b="1"/>
               <a:t>Forráskód</a:t>
             </a:r>
             <a:r>
@@ -10367,7 +11257,7 @@
             <a:endParaRPr/>
           </a:p>
           <a:p>
-            <a:pPr indent="-342900" lvl="0" marL="457200" rtl="0" algn="l">
+            <a:pPr marL="457200" lvl="0" indent="-342900" algn="l" rtl="0">
               <a:spcBef>
                 <a:spcPts val="1000"/>
               </a:spcBef>
@@ -10378,7 +11268,7 @@
               <a:buChar char="●"/>
             </a:pPr>
             <a:r>
-              <a:rPr b="1" lang="hu"/>
+              <a:rPr lang="hu" b="1"/>
               <a:t>Futtatható kód</a:t>
             </a:r>
             <a:r>
@@ -10388,7 +11278,7 @@
             <a:endParaRPr/>
           </a:p>
           <a:p>
-            <a:pPr indent="-342900" lvl="0" marL="457200" rtl="0" algn="l">
+            <a:pPr marL="457200" lvl="0" indent="-342900" algn="l" rtl="0">
               <a:spcBef>
                 <a:spcPts val="1000"/>
               </a:spcBef>
@@ -10399,7 +11289,7 @@
               <a:buChar char="●"/>
             </a:pPr>
             <a:r>
-              <a:rPr b="1" lang="hu"/>
+              <a:rPr lang="hu" b="1"/>
               <a:t>Adatok és erőforrások:</a:t>
             </a:r>
             <a:r>
@@ -10419,11 +11309,11 @@
 </file>
 
 <file path=ppt/slides/slide5.xml><?xml version="1.0" encoding="utf-8"?>
-<p:sld xmlns:a="http://schemas.openxmlformats.org/drawingml/2006/main" xmlns:r="http://schemas.openxmlformats.org/officeDocument/2006/relationships" xmlns:mc="http://schemas.openxmlformats.org/markup-compatibility/2006" xmlns:mv="urn:schemas-microsoft-com:mac:vml" xmlns:p="http://schemas.openxmlformats.org/presentationml/2006/main" xmlns:c="http://schemas.openxmlformats.org/drawingml/2006/chart" xmlns:dgm="http://schemas.openxmlformats.org/drawingml/2006/diagram" xmlns:o="urn:schemas-microsoft-com:office:office" xmlns:v="urn:schemas-microsoft-com:vml" xmlns:pvml="urn:schemas-microsoft-com:office:powerpoint" xmlns:com="http://schemas.openxmlformats.org/drawingml/2006/compatibility" xmlns:p14="http://schemas.microsoft.com/office/powerpoint/2010/main" xmlns:p15="http://schemas.microsoft.com/office/powerpoint/2012/main" xmlns:ahyp="http://schemas.microsoft.com/office/drawing/2018/hyperlinkcolor">
+<p:sld xmlns:a="http://schemas.openxmlformats.org/drawingml/2006/main" xmlns:r="http://schemas.openxmlformats.org/officeDocument/2006/relationships" xmlns:p="http://schemas.openxmlformats.org/presentationml/2006/main">
   <p:cSld>
     <p:spTree>
       <p:nvGrpSpPr>
-        <p:cNvPr id="83" name="Shape 83"/>
+        <p:cNvPr id="1" name="Shape 83"/>
         <p:cNvGrpSpPr/>
         <p:nvPr/>
       </p:nvGrpSpPr>
@@ -10438,7 +11328,9 @@
       <p:sp>
         <p:nvSpPr>
           <p:cNvPr id="84" name="Google Shape;84;p17"/>
-          <p:cNvSpPr txBox="1"/>
+          <p:cNvSpPr txBox="1">
+            <a:spLocks noGrp="1"/>
+          </p:cNvSpPr>
           <p:nvPr>
             <p:ph type="title"/>
           </p:nvPr>
@@ -10453,12 +11345,12 @@
           </a:prstGeom>
         </p:spPr>
         <p:txBody>
-          <a:bodyPr anchorCtr="0" anchor="t" bIns="91425" lIns="91425" spcFirstLastPara="1" rIns="91425" wrap="square" tIns="91425">
+          <a:bodyPr spcFirstLastPara="1" wrap="square" lIns="91425" tIns="91425" rIns="91425" bIns="91425" anchor="t" anchorCtr="0">
             <a:normAutofit fontScale="90000"/>
           </a:bodyPr>
           <a:lstStyle/>
           <a:p>
-            <a:pPr indent="0" lvl="0" marL="0" rtl="0" algn="l">
+            <a:pPr marL="0" lvl="0" indent="0" algn="l" rtl="0">
               <a:spcBef>
                 <a:spcPts val="0"/>
               </a:spcBef>
@@ -10478,9 +11370,11 @@
       <p:sp>
         <p:nvSpPr>
           <p:cNvPr id="85" name="Google Shape;85;p17"/>
-          <p:cNvSpPr txBox="1"/>
+          <p:cNvSpPr txBox="1">
+            <a:spLocks noGrp="1"/>
+          </p:cNvSpPr>
           <p:nvPr>
-            <p:ph idx="1" type="body"/>
+            <p:ph type="body" idx="1"/>
           </p:nvPr>
         </p:nvSpPr>
         <p:spPr>
@@ -10493,12 +11387,12 @@
           </a:prstGeom>
         </p:spPr>
         <p:txBody>
-          <a:bodyPr anchorCtr="0" anchor="t" bIns="91425" lIns="91425" spcFirstLastPara="1" rIns="91425" wrap="square" tIns="91425">
+          <a:bodyPr spcFirstLastPara="1" wrap="square" lIns="91425" tIns="91425" rIns="91425" bIns="91425" anchor="t" anchorCtr="0">
             <a:normAutofit/>
           </a:bodyPr>
           <a:lstStyle/>
           <a:p>
-            <a:pPr indent="-342900" lvl="0" marL="457200" rtl="0" algn="l">
+            <a:pPr marL="457200" lvl="0" indent="-342900" algn="l" rtl="0">
               <a:spcBef>
                 <a:spcPts val="0"/>
               </a:spcBef>
@@ -10509,7 +11403,7 @@
               <a:buChar char="●"/>
             </a:pPr>
             <a:r>
-              <a:rPr b="1" lang="hu"/>
+              <a:rPr lang="hu" b="1"/>
               <a:t>Fordított nyelvek</a:t>
             </a:r>
             <a:r>
@@ -10519,7 +11413,7 @@
             <a:endParaRPr/>
           </a:p>
           <a:p>
-            <a:pPr indent="-317500" lvl="1" marL="914400" rtl="0" algn="l">
+            <a:pPr marL="914400" lvl="1" indent="-317500" algn="l" rtl="0">
               <a:spcBef>
                 <a:spcPts val="0"/>
               </a:spcBef>
@@ -10536,7 +11430,7 @@
             <a:endParaRPr/>
           </a:p>
           <a:p>
-            <a:pPr indent="-317500" lvl="1" marL="914400" rtl="0" algn="l">
+            <a:pPr marL="914400" lvl="1" indent="-317500" algn="l" rtl="0">
               <a:spcBef>
                 <a:spcPts val="0"/>
               </a:spcBef>
@@ -10553,7 +11447,7 @@
             <a:endParaRPr/>
           </a:p>
           <a:p>
-            <a:pPr indent="-342900" lvl="0" marL="457200" rtl="0" algn="l">
+            <a:pPr marL="457200" lvl="0" indent="-342900" algn="l" rtl="0">
               <a:spcBef>
                 <a:spcPts val="0"/>
               </a:spcBef>
@@ -10564,7 +11458,7 @@
               <a:buChar char="●"/>
             </a:pPr>
             <a:r>
-              <a:rPr b="1" lang="hu"/>
+              <a:rPr lang="hu" b="1"/>
               <a:t>Értelmezett nyelvek </a:t>
             </a:r>
             <a:r>
@@ -10574,7 +11468,7 @@
             <a:endParaRPr/>
           </a:p>
           <a:p>
-            <a:pPr indent="-317500" lvl="1" marL="914400" rtl="0" algn="l">
+            <a:pPr marL="914400" lvl="1" indent="-317500" algn="l" rtl="0">
               <a:spcBef>
                 <a:spcPts val="0"/>
               </a:spcBef>
@@ -10591,7 +11485,7 @@
             <a:endParaRPr/>
           </a:p>
           <a:p>
-            <a:pPr indent="-317500" lvl="1" marL="914400" rtl="0" algn="l">
+            <a:pPr marL="914400" lvl="1" indent="-317500" algn="l" rtl="0">
               <a:spcBef>
                 <a:spcPts val="0"/>
               </a:spcBef>
@@ -10608,7 +11502,7 @@
             <a:endParaRPr/>
           </a:p>
           <a:p>
-            <a:pPr indent="-342900" lvl="0" marL="457200" rtl="0" algn="l">
+            <a:pPr marL="457200" lvl="0" indent="-342900" algn="l" rtl="0">
               <a:spcBef>
                 <a:spcPts val="0"/>
               </a:spcBef>
@@ -10619,7 +11513,7 @@
               <a:buChar char="●"/>
             </a:pPr>
             <a:r>
-              <a:rPr b="1" lang="hu"/>
+              <a:rPr lang="hu" b="1"/>
               <a:t>Közvetítő (meta) kódot generáló nyelvek </a:t>
             </a:r>
             <a:r>
@@ -10629,7 +11523,7 @@
             <a:endParaRPr/>
           </a:p>
           <a:p>
-            <a:pPr indent="-317500" lvl="1" marL="914400" rtl="0" algn="l">
+            <a:pPr marL="914400" lvl="1" indent="-317500" algn="l" rtl="0">
               <a:spcBef>
                 <a:spcPts val="0"/>
               </a:spcBef>
@@ -10644,7 +11538,7 @@
               <a:t>A forráskódot egy közvetítő kódra (bytecode) fordítja, amelyet egy virtuális gép (pl. Java Virtual Machine azaz </a:t>
             </a:r>
             <a:r>
-              <a:rPr b="1" lang="hu"/>
+              <a:rPr lang="hu" b="1"/>
               <a:t>JVM</a:t>
             </a:r>
             <a:r>
@@ -10654,7 +11548,7 @@
             <a:endParaRPr/>
           </a:p>
           <a:p>
-            <a:pPr indent="-317500" lvl="1" marL="914400" rtl="0" algn="l">
+            <a:pPr marL="914400" lvl="1" indent="-317500" algn="l" rtl="0">
               <a:spcBef>
                 <a:spcPts val="0"/>
               </a:spcBef>
@@ -10669,7 +11563,7 @@
               <a:t>Platformfüggetlenség, de a virtuális gép (Java Runtime Environment azaz </a:t>
             </a:r>
             <a:r>
-              <a:rPr b="1" lang="hu"/>
+              <a:rPr lang="hu" b="1"/>
               <a:t>JRE)</a:t>
             </a:r>
             <a:r>
@@ -10689,11 +11583,11 @@
 </file>
 
 <file path=ppt/slides/slide6.xml><?xml version="1.0" encoding="utf-8"?>
-<p:sld xmlns:a="http://schemas.openxmlformats.org/drawingml/2006/main" xmlns:r="http://schemas.openxmlformats.org/officeDocument/2006/relationships" xmlns:mc="http://schemas.openxmlformats.org/markup-compatibility/2006" xmlns:mv="urn:schemas-microsoft-com:mac:vml" xmlns:p="http://schemas.openxmlformats.org/presentationml/2006/main" xmlns:c="http://schemas.openxmlformats.org/drawingml/2006/chart" xmlns:dgm="http://schemas.openxmlformats.org/drawingml/2006/diagram" xmlns:o="urn:schemas-microsoft-com:office:office" xmlns:v="urn:schemas-microsoft-com:vml" xmlns:pvml="urn:schemas-microsoft-com:office:powerpoint" xmlns:com="http://schemas.openxmlformats.org/drawingml/2006/compatibility" xmlns:p14="http://schemas.microsoft.com/office/powerpoint/2010/main" xmlns:p15="http://schemas.microsoft.com/office/powerpoint/2012/main" xmlns:ahyp="http://schemas.microsoft.com/office/drawing/2018/hyperlinkcolor">
+<p:sld xmlns:a="http://schemas.openxmlformats.org/drawingml/2006/main" xmlns:r="http://schemas.openxmlformats.org/officeDocument/2006/relationships" xmlns:p="http://schemas.openxmlformats.org/presentationml/2006/main">
   <p:cSld>
     <p:spTree>
       <p:nvGrpSpPr>
-        <p:cNvPr id="89" name="Shape 89"/>
+        <p:cNvPr id="1" name=""/>
         <p:cNvGrpSpPr/>
         <p:nvPr/>
       </p:nvGrpSpPr>
@@ -10707,137 +11601,87 @@
       </p:grpSpPr>
       <p:sp>
         <p:nvSpPr>
-          <p:cNvPr id="90" name="Google Shape;90;p18"/>
-          <p:cNvSpPr txBox="1"/>
+          <p:cNvPr id="2" name="Cím 1">
+            <a:extLst>
+              <a:ext uri="{FF2B5EF4-FFF2-40B4-BE49-F238E27FC236}">
+                <a16:creationId xmlns:a16="http://schemas.microsoft.com/office/drawing/2014/main" id="{69B25718-150C-4365-CB0C-833317DBDF4F}"/>
+              </a:ext>
+            </a:extLst>
+          </p:cNvPr>
+          <p:cNvSpPr>
+            <a:spLocks noGrp="1"/>
+          </p:cNvSpPr>
           <p:nvPr>
             <p:ph type="title"/>
           </p:nvPr>
         </p:nvSpPr>
-        <p:spPr>
-          <a:xfrm>
-            <a:off x="311700" y="391350"/>
-            <a:ext cx="8520600" cy="626100"/>
-          </a:xfrm>
-          <a:prstGeom prst="rect">
-            <a:avLst/>
-          </a:prstGeom>
-        </p:spPr>
+        <p:spPr/>
         <p:txBody>
-          <a:bodyPr anchorCtr="0" anchor="t" bIns="91425" lIns="91425" spcFirstLastPara="1" rIns="91425" wrap="square" tIns="91425">
+          <a:bodyPr>
             <a:normAutofit fontScale="90000"/>
           </a:bodyPr>
           <a:lstStyle/>
           <a:p>
-            <a:pPr indent="0" lvl="0" marL="0" rtl="0" algn="l">
-              <a:spcBef>
-                <a:spcPts val="0"/>
-              </a:spcBef>
-              <a:spcAft>
-                <a:spcPts val="0"/>
-              </a:spcAft>
-              <a:buNone/>
-            </a:pPr>
-            <a:r>
-              <a:rPr lang="hu"/>
-              <a:t>Bevezetés a Pythonba</a:t>
-            </a:r>
-            <a:endParaRPr/>
+            <a:r>
+              <a:rPr lang="hu-HU" dirty="0"/>
+              <a:t>Üdvözlés 3 féle programozási nyelven</a:t>
+            </a:r>
+            <a:endParaRPr lang="en-US" dirty="0"/>
           </a:p>
         </p:txBody>
       </p:sp>
       <p:sp>
         <p:nvSpPr>
-          <p:cNvPr id="91" name="Google Shape;91;p18"/>
-          <p:cNvSpPr txBox="1"/>
+          <p:cNvPr id="3" name="Szöveg helye 2">
+            <a:extLst>
+              <a:ext uri="{FF2B5EF4-FFF2-40B4-BE49-F238E27FC236}">
+                <a16:creationId xmlns:a16="http://schemas.microsoft.com/office/drawing/2014/main" id="{99AB46BB-3288-0F05-5266-380C68EC2A54}"/>
+              </a:ext>
+            </a:extLst>
+          </p:cNvPr>
+          <p:cNvSpPr>
+            <a:spLocks noGrp="1"/>
+          </p:cNvSpPr>
           <p:nvPr>
-            <p:ph idx="1" type="body"/>
+            <p:ph type="body" idx="1"/>
           </p:nvPr>
         </p:nvSpPr>
-        <p:spPr>
-          <a:xfrm>
-            <a:off x="311700" y="1152475"/>
-            <a:ext cx="8520600" cy="3416400"/>
-          </a:xfrm>
-          <a:prstGeom prst="rect">
-            <a:avLst/>
-          </a:prstGeom>
-        </p:spPr>
+        <p:spPr/>
         <p:txBody>
-          <a:bodyPr anchorCtr="0" anchor="t" bIns="91425" lIns="91425" spcFirstLastPara="1" rIns="91425" wrap="square" tIns="91425">
-            <a:normAutofit/>
-          </a:bodyPr>
+          <a:bodyPr/>
           <a:lstStyle/>
           <a:p>
-            <a:pPr indent="-381000" lvl="0" marL="457200" rtl="0" algn="l">
-              <a:spcBef>
-                <a:spcPts val="0"/>
-              </a:spcBef>
-              <a:spcAft>
-                <a:spcPts val="0"/>
-              </a:spcAft>
-              <a:buSzPts val="2400"/>
-              <a:buChar char="●"/>
-            </a:pPr>
-            <a:r>
-              <a:rPr lang="hu" sz="2400"/>
-              <a:t>Miért Python?</a:t>
-            </a:r>
-            <a:endParaRPr sz="2400"/>
-          </a:p>
-          <a:p>
-            <a:pPr indent="-355600" lvl="1" marL="914400" rtl="0" algn="l">
-              <a:spcBef>
-                <a:spcPts val="1000"/>
-              </a:spcBef>
-              <a:spcAft>
-                <a:spcPts val="0"/>
-              </a:spcAft>
-              <a:buSzPts val="2000"/>
-              <a:buChar char="○"/>
-            </a:pPr>
-            <a:r>
-              <a:rPr lang="hu" sz="2000"/>
-              <a:t>Egyszerű és olvasható szintaxis.</a:t>
-            </a:r>
-            <a:endParaRPr sz="2000"/>
-          </a:p>
-          <a:p>
-            <a:pPr indent="-355600" lvl="1" marL="914400" rtl="0" algn="l">
-              <a:spcBef>
-                <a:spcPts val="1000"/>
-              </a:spcBef>
-              <a:spcAft>
-                <a:spcPts val="0"/>
-              </a:spcAft>
-              <a:buSzPts val="2000"/>
-              <a:buChar char="○"/>
-            </a:pPr>
-            <a:r>
-              <a:rPr lang="hu" sz="2000"/>
-              <a:t>Nagy közösség és sok hasznos könyvtár.</a:t>
-            </a:r>
-            <a:endParaRPr sz="2000"/>
-          </a:p>
-          <a:p>
-            <a:pPr indent="-355600" lvl="1" marL="914400" rtl="0" algn="l">
-              <a:spcBef>
-                <a:spcPts val="1000"/>
-              </a:spcBef>
-              <a:spcAft>
-                <a:spcPts val="1000"/>
-              </a:spcAft>
-              <a:buSzPts val="2000"/>
-              <a:buChar char="○"/>
-            </a:pPr>
-            <a:r>
-              <a:rPr lang="hu" sz="2000"/>
-              <a:t>Sokoldalú: webfejlesztés, adatelemzés, mesterséges intelligencia stb.</a:t>
-            </a:r>
-            <a:endParaRPr sz="2000"/>
+            <a:r>
+              <a:rPr lang="hu-HU" dirty="0"/>
+              <a:t>Megnézzük először Visual Basic Scriptben (VBS) az Excelen belül</a:t>
+            </a:r>
+          </a:p>
+          <a:p>
+            <a:r>
+              <a:rPr lang="hu-HU" dirty="0"/>
+              <a:t>Majd </a:t>
+            </a:r>
+            <a:r>
+              <a:rPr lang="hu-HU" dirty="0" err="1"/>
+              <a:t>Javascriptben</a:t>
+            </a:r>
+            <a:endParaRPr lang="hu-HU" dirty="0"/>
+          </a:p>
+          <a:p>
+            <a:r>
+              <a:rPr lang="hu-HU" dirty="0"/>
+              <a:t>Végül Pythonban</a:t>
+            </a:r>
+            <a:endParaRPr lang="en-US" dirty="0"/>
           </a:p>
         </p:txBody>
       </p:sp>
     </p:spTree>
+    <p:extLst>
+      <p:ext uri="{BB962C8B-B14F-4D97-AF65-F5344CB8AC3E}">
+        <p14:creationId xmlns:p14="http://schemas.microsoft.com/office/powerpoint/2010/main" val="343294888"/>
+      </p:ext>
+    </p:extLst>
   </p:cSld>
   <p:clrMapOvr>
     <a:masterClrMapping/>
@@ -10846,11 +11690,11 @@
 </file>
 
 <file path=ppt/slides/slide7.xml><?xml version="1.0" encoding="utf-8"?>
-<p:sld xmlns:a="http://schemas.openxmlformats.org/drawingml/2006/main" xmlns:r="http://schemas.openxmlformats.org/officeDocument/2006/relationships" xmlns:mc="http://schemas.openxmlformats.org/markup-compatibility/2006" xmlns:mv="urn:schemas-microsoft-com:mac:vml" xmlns:p="http://schemas.openxmlformats.org/presentationml/2006/main" xmlns:c="http://schemas.openxmlformats.org/drawingml/2006/chart" xmlns:dgm="http://schemas.openxmlformats.org/drawingml/2006/diagram" xmlns:o="urn:schemas-microsoft-com:office:office" xmlns:v="urn:schemas-microsoft-com:vml" xmlns:pvml="urn:schemas-microsoft-com:office:powerpoint" xmlns:com="http://schemas.openxmlformats.org/drawingml/2006/compatibility" xmlns:p14="http://schemas.microsoft.com/office/powerpoint/2010/main" xmlns:p15="http://schemas.microsoft.com/office/powerpoint/2012/main" xmlns:ahyp="http://schemas.microsoft.com/office/drawing/2018/hyperlinkcolor">
+<p:sld xmlns:a="http://schemas.openxmlformats.org/drawingml/2006/main" xmlns:r="http://schemas.openxmlformats.org/officeDocument/2006/relationships" xmlns:p="http://schemas.openxmlformats.org/presentationml/2006/main">
   <p:cSld>
     <p:spTree>
       <p:nvGrpSpPr>
-        <p:cNvPr id="95" name="Shape 95"/>
+        <p:cNvPr id="1" name=""/>
         <p:cNvGrpSpPr/>
         <p:nvPr/>
       </p:nvGrpSpPr>
@@ -10864,116 +11708,302 @@
       </p:grpSpPr>
       <p:sp>
         <p:nvSpPr>
-          <p:cNvPr id="96" name="Google Shape;96;p19"/>
-          <p:cNvSpPr txBox="1"/>
+          <p:cNvPr id="2" name="Cím 1">
+            <a:extLst>
+              <a:ext uri="{FF2B5EF4-FFF2-40B4-BE49-F238E27FC236}">
+                <a16:creationId xmlns:a16="http://schemas.microsoft.com/office/drawing/2014/main" id="{EADBD171-2E9E-AAA1-90A8-258B0DE89F9A}"/>
+              </a:ext>
+            </a:extLst>
+          </p:cNvPr>
+          <p:cNvSpPr>
+            <a:spLocks noGrp="1"/>
+          </p:cNvSpPr>
           <p:nvPr>
             <p:ph type="title"/>
           </p:nvPr>
         </p:nvSpPr>
-        <p:spPr>
-          <a:xfrm>
-            <a:off x="311700" y="391350"/>
-            <a:ext cx="8520600" cy="626100"/>
-          </a:xfrm>
-          <a:prstGeom prst="rect">
-            <a:avLst/>
-          </a:prstGeom>
-        </p:spPr>
+        <p:spPr/>
         <p:txBody>
-          <a:bodyPr anchorCtr="0" anchor="t" bIns="91425" lIns="91425" spcFirstLastPara="1" rIns="91425" wrap="square" tIns="91425">
+          <a:bodyPr>
             <a:normAutofit fontScale="90000"/>
           </a:bodyPr>
           <a:lstStyle/>
           <a:p>
-            <a:pPr indent="0" lvl="0" marL="0" rtl="0" algn="l">
-              <a:spcBef>
-                <a:spcPts val="0"/>
-              </a:spcBef>
-              <a:spcAft>
-                <a:spcPts val="0"/>
-              </a:spcAft>
-              <a:buNone/>
-            </a:pPr>
-            <a:r>
-              <a:rPr lang="hu"/>
-              <a:t>Első lépések:</a:t>
-            </a:r>
-            <a:endParaRPr/>
+            <a:r>
+              <a:rPr lang="hu-HU" dirty="0"/>
+              <a:t>Üdvözlés VBS-ben</a:t>
+            </a:r>
+            <a:endParaRPr lang="en-US" dirty="0"/>
           </a:p>
         </p:txBody>
       </p:sp>
       <p:sp>
         <p:nvSpPr>
-          <p:cNvPr id="97" name="Google Shape;97;p19"/>
-          <p:cNvSpPr txBox="1"/>
+          <p:cNvPr id="3" name="Szöveg helye 2">
+            <a:extLst>
+              <a:ext uri="{FF2B5EF4-FFF2-40B4-BE49-F238E27FC236}">
+                <a16:creationId xmlns:a16="http://schemas.microsoft.com/office/drawing/2014/main" id="{47F902E3-BABA-55FC-4B33-38D030B429DE}"/>
+              </a:ext>
+            </a:extLst>
+          </p:cNvPr>
+          <p:cNvSpPr>
+            <a:spLocks noGrp="1"/>
+          </p:cNvSpPr>
           <p:nvPr>
-            <p:ph idx="1" type="body"/>
+            <p:ph type="body" idx="1"/>
           </p:nvPr>
         </p:nvSpPr>
         <p:spPr>
           <a:xfrm>
-            <a:off x="311700" y="1152475"/>
-            <a:ext cx="8520600" cy="3416400"/>
-          </a:xfrm>
-          <a:prstGeom prst="rect">
-            <a:avLst/>
-          </a:prstGeom>
+            <a:off x="311700" y="1017450"/>
+            <a:ext cx="8520600" cy="3551425"/>
+          </a:xfrm>
         </p:spPr>
         <p:txBody>
-          <a:bodyPr anchorCtr="0" anchor="t" bIns="91425" lIns="91425" spcFirstLastPara="1" rIns="91425" wrap="square" tIns="91425">
-            <a:normAutofit/>
+          <a:bodyPr>
+            <a:noAutofit/>
           </a:bodyPr>
           <a:lstStyle/>
           <a:p>
-            <a:pPr indent="-342900" lvl="0" marL="457200" rtl="0" algn="l">
-              <a:spcBef>
-                <a:spcPts val="0"/>
-              </a:spcBef>
-              <a:spcAft>
-                <a:spcPts val="0"/>
-              </a:spcAft>
-              <a:buSzPts val="1800"/>
-              <a:buChar char="●"/>
+            <a:pPr>
+              <a:buFont typeface="+mj-lt"/>
+              <a:buAutoNum type="arabicPeriod"/>
             </a:pPr>
             <a:r>
-              <a:rPr lang="hu"/>
-              <a:t>Python telepítése:</a:t>
-            </a:r>
-            <a:r>
-              <a:rPr lang="hu" sz="2100"/>
+              <a:rPr lang="hu-HU" sz="1400" dirty="0"/>
+              <a:t>Nyisd meg az Excel-t.</a:t>
+            </a:r>
+          </a:p>
+          <a:p>
+            <a:pPr>
+              <a:buFont typeface="+mj-lt"/>
+              <a:buAutoNum type="arabicPeriod"/>
+            </a:pPr>
+            <a:r>
+              <a:rPr lang="hu-HU" sz="1400" dirty="0"/>
+              <a:t>Nyomd le az Alt + F11 billentyűkombinációt, hogy megnyisd a VBA szerkesztőt.</a:t>
+            </a:r>
+          </a:p>
+          <a:p>
+            <a:pPr>
+              <a:buFont typeface="+mj-lt"/>
+              <a:buAutoNum type="arabicPeriod"/>
+            </a:pPr>
+            <a:r>
+              <a:rPr lang="hu-HU" sz="1400" dirty="0"/>
+              <a:t>A szerkesztőben, a bal oldali ablakban (Project – </a:t>
+            </a:r>
+            <a:r>
+              <a:rPr lang="hu-HU" sz="1400" dirty="0" err="1"/>
+              <a:t>VBAProject</a:t>
+            </a:r>
+            <a:r>
+              <a:rPr lang="hu-HU" sz="1400" dirty="0"/>
+              <a:t>), kattints jobb gombbal a </a:t>
+            </a:r>
+            <a:r>
+              <a:rPr lang="hu-HU" sz="1400" b="1" dirty="0"/>
+              <a:t>Munka1</a:t>
+            </a:r>
+            <a:r>
+              <a:rPr lang="hu-HU" sz="1400" dirty="0"/>
+              <a:t> vagy a </a:t>
+            </a:r>
+            <a:r>
+              <a:rPr lang="hu-HU" sz="1400" b="1" dirty="0" err="1"/>
+              <a:t>ThisWorkbook</a:t>
+            </a:r>
+            <a:r>
+              <a:rPr lang="hu-HU" sz="1400" dirty="0"/>
+              <a:t> modulra, és válaszd a </a:t>
+            </a:r>
+            <a:r>
+              <a:rPr lang="hu-HU" sz="1400" b="1" dirty="0" err="1"/>
+              <a:t>Insert</a:t>
+            </a:r>
+            <a:r>
+              <a:rPr lang="hu-HU" sz="1400" b="1" dirty="0"/>
+              <a:t> &gt; </a:t>
+            </a:r>
+            <a:r>
+              <a:rPr lang="hu-HU" sz="1400" b="1" dirty="0" err="1"/>
+              <a:t>Module</a:t>
+            </a:r>
+            <a:r>
+              <a:rPr lang="hu-HU" sz="1400" b="1" dirty="0"/>
               <a:t> </a:t>
             </a:r>
             <a:r>
-              <a:rPr lang="hu" sz="1700" u="sng">
-                <a:solidFill>
-                  <a:schemeClr val="hlink"/>
-                </a:solidFill>
-                <a:hlinkClick r:id="rId3"/>
-              </a:rPr>
-              <a:t>https://www.python.org/</a:t>
-            </a:r>
-            <a:endParaRPr sz="2400"/>
-          </a:p>
-          <a:p>
-            <a:pPr indent="-342900" lvl="0" marL="457200" rtl="0" algn="l">
-              <a:spcBef>
-                <a:spcPts val="0"/>
-              </a:spcBef>
-              <a:spcAft>
-                <a:spcPts val="0"/>
-              </a:spcAft>
-              <a:buSzPts val="1800"/>
-              <a:buChar char="●"/>
+              <a:rPr lang="hu-HU" sz="1400" dirty="0"/>
+              <a:t>lehetőséget.</a:t>
+            </a:r>
+          </a:p>
+          <a:p>
+            <a:pPr>
+              <a:buFont typeface="+mj-lt"/>
+              <a:buAutoNum type="arabicPeriod"/>
             </a:pPr>
             <a:r>
-              <a:rPr lang="hu"/>
-              <a:t>Első program: print("Helló, Világ!")</a:t>
-            </a:r>
-            <a:endParaRPr/>
+              <a:rPr lang="hu-HU" sz="1400" dirty="0"/>
+              <a:t>Másold be a következő kódot az új modulba!</a:t>
+            </a:r>
+          </a:p>
+          <a:p>
+            <a:pPr>
+              <a:buFont typeface="+mj-lt"/>
+              <a:buAutoNum type="arabicPeriod"/>
+            </a:pPr>
+            <a:r>
+              <a:rPr lang="hu-HU" sz="1400" dirty="0"/>
+              <a:t>Majd a futtatáshoz kattints a Play gombra!</a:t>
+            </a:r>
+            <a:br>
+              <a:rPr lang="hu-HU" sz="1400" dirty="0"/>
+            </a:br>
+            <a:endParaRPr lang="hu-HU" sz="1400" dirty="0"/>
+          </a:p>
+        </p:txBody>
+      </p:sp>
+      <p:pic>
+        <p:nvPicPr>
+          <p:cNvPr id="6" name="Kép 5">
+            <a:extLst>
+              <a:ext uri="{FF2B5EF4-FFF2-40B4-BE49-F238E27FC236}">
+                <a16:creationId xmlns:a16="http://schemas.microsoft.com/office/drawing/2014/main" id="{26EF6973-4939-6626-9343-BD41D0CF8367}"/>
+              </a:ext>
+            </a:extLst>
+          </p:cNvPr>
+          <p:cNvPicPr>
+            <a:picLocks noChangeAspect="1"/>
+          </p:cNvPicPr>
+          <p:nvPr/>
+        </p:nvPicPr>
+        <p:blipFill>
+          <a:blip r:embed="rId2"/>
+          <a:stretch>
+            <a:fillRect/>
+          </a:stretch>
+        </p:blipFill>
+        <p:spPr>
+          <a:xfrm>
+            <a:off x="2666999" y="2571750"/>
+            <a:ext cx="6086103" cy="1997125"/>
+          </a:xfrm>
+          <a:prstGeom prst="rect">
+            <a:avLst/>
+          </a:prstGeom>
+        </p:spPr>
+      </p:pic>
+      <p:sp>
+        <p:nvSpPr>
+          <p:cNvPr id="7" name="Ellipszis 6">
+            <a:extLst>
+              <a:ext uri="{FF2B5EF4-FFF2-40B4-BE49-F238E27FC236}">
+                <a16:creationId xmlns:a16="http://schemas.microsoft.com/office/drawing/2014/main" id="{0BCF6D9D-A602-EA9D-E5E5-D78AFEE87463}"/>
+              </a:ext>
+            </a:extLst>
+          </p:cNvPr>
+          <p:cNvSpPr/>
+          <p:nvPr/>
+        </p:nvSpPr>
+        <p:spPr>
+          <a:xfrm>
+            <a:off x="4481947" y="2916382"/>
+            <a:ext cx="401782" cy="367145"/>
+          </a:xfrm>
+          <a:prstGeom prst="ellipse">
+            <a:avLst/>
+          </a:prstGeom>
+          <a:noFill/>
+          <a:ln>
+            <a:solidFill>
+              <a:srgbClr val="FF0000"/>
+            </a:solidFill>
+          </a:ln>
+        </p:spPr>
+        <p:style>
+          <a:lnRef idx="2">
+            <a:schemeClr val="accent1">
+              <a:shade val="15000"/>
+            </a:schemeClr>
+          </a:lnRef>
+          <a:fillRef idx="1">
+            <a:schemeClr val="accent1"/>
+          </a:fillRef>
+          <a:effectRef idx="0">
+            <a:schemeClr val="accent1"/>
+          </a:effectRef>
+          <a:fontRef idx="minor">
+            <a:schemeClr val="lt1"/>
+          </a:fontRef>
+        </p:style>
+        <p:txBody>
+          <a:bodyPr rtlCol="0" anchor="ctr"/>
+          <a:lstStyle/>
+          <a:p>
+            <a:pPr algn="ctr"/>
+            <a:endParaRPr lang="en-US"/>
+          </a:p>
+        </p:txBody>
+      </p:sp>
+      <p:sp>
+        <p:nvSpPr>
+          <p:cNvPr id="8" name="Ellipszis 7">
+            <a:extLst>
+              <a:ext uri="{FF2B5EF4-FFF2-40B4-BE49-F238E27FC236}">
+                <a16:creationId xmlns:a16="http://schemas.microsoft.com/office/drawing/2014/main" id="{F8B0A0C7-3719-5091-706D-675F275C6C40}"/>
+              </a:ext>
+            </a:extLst>
+          </p:cNvPr>
+          <p:cNvSpPr/>
+          <p:nvPr/>
+        </p:nvSpPr>
+        <p:spPr>
+          <a:xfrm>
+            <a:off x="2909453" y="3816928"/>
+            <a:ext cx="1302327" cy="367145"/>
+          </a:xfrm>
+          <a:prstGeom prst="ellipse">
+            <a:avLst/>
+          </a:prstGeom>
+          <a:noFill/>
+          <a:ln>
+            <a:solidFill>
+              <a:srgbClr val="FF0000"/>
+            </a:solidFill>
+          </a:ln>
+        </p:spPr>
+        <p:style>
+          <a:lnRef idx="2">
+            <a:schemeClr val="accent1">
+              <a:shade val="15000"/>
+            </a:schemeClr>
+          </a:lnRef>
+          <a:fillRef idx="1">
+            <a:schemeClr val="accent1"/>
+          </a:fillRef>
+          <a:effectRef idx="0">
+            <a:schemeClr val="accent1"/>
+          </a:effectRef>
+          <a:fontRef idx="minor">
+            <a:schemeClr val="lt1"/>
+          </a:fontRef>
+        </p:style>
+        <p:txBody>
+          <a:bodyPr rtlCol="0" anchor="ctr"/>
+          <a:lstStyle/>
+          <a:p>
+            <a:pPr algn="ctr"/>
+            <a:endParaRPr lang="en-US"/>
           </a:p>
         </p:txBody>
       </p:sp>
     </p:spTree>
+    <p:extLst>
+      <p:ext uri="{BB962C8B-B14F-4D97-AF65-F5344CB8AC3E}">
+        <p14:creationId xmlns:p14="http://schemas.microsoft.com/office/powerpoint/2010/main" val="1171697967"/>
+      </p:ext>
+    </p:extLst>
   </p:cSld>
   <p:clrMapOvr>
     <a:masterClrMapping/>
@@ -10982,11 +12012,11 @@
 </file>
 
 <file path=ppt/slides/slide8.xml><?xml version="1.0" encoding="utf-8"?>
-<p:sld xmlns:a="http://schemas.openxmlformats.org/drawingml/2006/main" xmlns:r="http://schemas.openxmlformats.org/officeDocument/2006/relationships" xmlns:mc="http://schemas.openxmlformats.org/markup-compatibility/2006" xmlns:mv="urn:schemas-microsoft-com:mac:vml" xmlns:p="http://schemas.openxmlformats.org/presentationml/2006/main" xmlns:c="http://schemas.openxmlformats.org/drawingml/2006/chart" xmlns:dgm="http://schemas.openxmlformats.org/drawingml/2006/diagram" xmlns:o="urn:schemas-microsoft-com:office:office" xmlns:v="urn:schemas-microsoft-com:vml" xmlns:pvml="urn:schemas-microsoft-com:office:powerpoint" xmlns:com="http://schemas.openxmlformats.org/drawingml/2006/compatibility" xmlns:p14="http://schemas.microsoft.com/office/powerpoint/2010/main" xmlns:p15="http://schemas.microsoft.com/office/powerpoint/2012/main" xmlns:ahyp="http://schemas.microsoft.com/office/drawing/2018/hyperlinkcolor">
+<p:sld xmlns:a="http://schemas.openxmlformats.org/drawingml/2006/main" xmlns:r="http://schemas.openxmlformats.org/officeDocument/2006/relationships" xmlns:p="http://schemas.openxmlformats.org/presentationml/2006/main">
   <p:cSld>
     <p:spTree>
       <p:nvGrpSpPr>
-        <p:cNvPr id="101" name="Shape 101"/>
+        <p:cNvPr id="1" name=""/>
         <p:cNvGrpSpPr/>
         <p:nvPr/>
       </p:nvGrpSpPr>
@@ -11000,137 +12030,172 @@
       </p:grpSpPr>
       <p:sp>
         <p:nvSpPr>
-          <p:cNvPr id="102" name="Google Shape;102;p20"/>
-          <p:cNvSpPr txBox="1"/>
+          <p:cNvPr id="2" name="Cím 1">
+            <a:extLst>
+              <a:ext uri="{FF2B5EF4-FFF2-40B4-BE49-F238E27FC236}">
+                <a16:creationId xmlns:a16="http://schemas.microsoft.com/office/drawing/2014/main" id="{95CE2589-BF60-AAC2-7671-654308A119FF}"/>
+              </a:ext>
+            </a:extLst>
+          </p:cNvPr>
+          <p:cNvSpPr>
+            <a:spLocks noGrp="1"/>
+          </p:cNvSpPr>
           <p:nvPr>
             <p:ph type="title"/>
           </p:nvPr>
         </p:nvSpPr>
-        <p:spPr>
-          <a:xfrm>
-            <a:off x="311700" y="391350"/>
-            <a:ext cx="8520600" cy="626100"/>
-          </a:xfrm>
-          <a:prstGeom prst="rect">
-            <a:avLst/>
-          </a:prstGeom>
-        </p:spPr>
+        <p:spPr/>
         <p:txBody>
-          <a:bodyPr anchorCtr="0" anchor="t" bIns="91425" lIns="91425" spcFirstLastPara="1" rIns="91425" wrap="square" tIns="91425">
+          <a:bodyPr>
             <a:normAutofit fontScale="90000"/>
           </a:bodyPr>
           <a:lstStyle/>
           <a:p>
-            <a:pPr indent="0" lvl="0" marL="0" rtl="0" algn="l">
-              <a:spcBef>
-                <a:spcPts val="0"/>
-              </a:spcBef>
-              <a:spcAft>
-                <a:spcPts val="0"/>
-              </a:spcAft>
-              <a:buNone/>
-            </a:pPr>
-            <a:r>
-              <a:rPr lang="hu"/>
-              <a:t>Alapfogalmak</a:t>
-            </a:r>
-            <a:endParaRPr/>
+            <a:r>
+              <a:rPr lang="hu-HU" dirty="0"/>
+              <a:t>Üdvözlés </a:t>
+            </a:r>
+            <a:r>
+              <a:rPr lang="hu-HU" dirty="0" err="1"/>
+              <a:t>Javascriptben</a:t>
+            </a:r>
+            <a:endParaRPr lang="en-US" dirty="0"/>
           </a:p>
         </p:txBody>
       </p:sp>
       <p:sp>
         <p:nvSpPr>
-          <p:cNvPr id="103" name="Google Shape;103;p20"/>
-          <p:cNvSpPr txBox="1"/>
+          <p:cNvPr id="3" name="Szöveg helye 2">
+            <a:extLst>
+              <a:ext uri="{FF2B5EF4-FFF2-40B4-BE49-F238E27FC236}">
+                <a16:creationId xmlns:a16="http://schemas.microsoft.com/office/drawing/2014/main" id="{F000A5C0-B247-A03D-322F-F391E1F7C350}"/>
+              </a:ext>
+            </a:extLst>
+          </p:cNvPr>
+          <p:cNvSpPr>
+            <a:spLocks noGrp="1"/>
+          </p:cNvSpPr>
           <p:nvPr>
-            <p:ph idx="1" type="body"/>
+            <p:ph type="body" idx="1"/>
           </p:nvPr>
         </p:nvSpPr>
-        <p:spPr>
-          <a:xfrm>
-            <a:off x="311700" y="1152475"/>
-            <a:ext cx="8520600" cy="2372700"/>
-          </a:xfrm>
-          <a:prstGeom prst="rect">
-            <a:avLst/>
-          </a:prstGeom>
-        </p:spPr>
+        <p:spPr/>
         <p:txBody>
-          <a:bodyPr anchorCtr="0" anchor="t" bIns="91425" lIns="91425" spcFirstLastPara="1" rIns="91425" wrap="square" tIns="91425">
-            <a:normAutofit/>
-          </a:bodyPr>
+          <a:bodyPr/>
           <a:lstStyle/>
           <a:p>
-            <a:pPr indent="-381000" lvl="0" marL="457200" rtl="0" algn="l">
-              <a:spcBef>
-                <a:spcPts val="0"/>
-              </a:spcBef>
-              <a:spcAft>
-                <a:spcPts val="0"/>
-              </a:spcAft>
-              <a:buSzPts val="2400"/>
-              <a:buChar char="●"/>
+            <a:pPr>
+              <a:buFont typeface="+mj-lt"/>
+              <a:buAutoNum type="arabicPeriod"/>
             </a:pPr>
             <a:r>
-              <a:rPr lang="hu" sz="2400"/>
-              <a:t>Változók és adattípusok (számok, szövegek, listák).</a:t>
-            </a:r>
-            <a:endParaRPr sz="2400"/>
-          </a:p>
-          <a:p>
-            <a:pPr indent="-381000" lvl="0" marL="457200" rtl="0" algn="l">
-              <a:spcBef>
-                <a:spcPts val="0"/>
-              </a:spcBef>
-              <a:spcAft>
-                <a:spcPts val="0"/>
-              </a:spcAft>
-              <a:buSzPts val="2400"/>
-              <a:buChar char="●"/>
+              <a:rPr lang="hu-HU" dirty="0"/>
+              <a:t>Nyiss meg egy </a:t>
+            </a:r>
+            <a:r>
+              <a:rPr lang="hu-HU" b="1" dirty="0"/>
+              <a:t>Jegyzettömböt</a:t>
+            </a:r>
+            <a:r>
+              <a:rPr lang="hu-HU" dirty="0"/>
+              <a:t> vagy egy </a:t>
+            </a:r>
+            <a:r>
+              <a:rPr lang="hu-HU" b="1" dirty="0" err="1"/>
+              <a:t>Notepad</a:t>
+            </a:r>
+            <a:r>
+              <a:rPr lang="hu-HU" b="1" dirty="0"/>
+              <a:t>++ </a:t>
+            </a:r>
+            <a:r>
+              <a:rPr lang="hu-HU" dirty="0"/>
+              <a:t>-t és másold bele a következő kódot:</a:t>
+            </a:r>
+            <a:br>
+              <a:rPr lang="hu-HU" dirty="0"/>
+            </a:br>
+            <a:br>
+              <a:rPr lang="hu-HU" dirty="0"/>
+            </a:br>
+            <a:br>
+              <a:rPr lang="hu-HU" dirty="0"/>
+            </a:br>
+            <a:br>
+              <a:rPr lang="hu-HU" dirty="0"/>
+            </a:br>
+            <a:br>
+              <a:rPr lang="hu-HU" dirty="0"/>
+            </a:br>
+            <a:endParaRPr lang="hu-HU" dirty="0"/>
+          </a:p>
+          <a:p>
+            <a:pPr>
+              <a:buFont typeface="+mj-lt"/>
+              <a:buAutoNum type="arabicPeriod"/>
             </a:pPr>
             <a:r>
-              <a:rPr lang="hu" sz="2400"/>
-              <a:t>Feltételes utasítások (if, else).</a:t>
-            </a:r>
-            <a:endParaRPr sz="2400"/>
-          </a:p>
-          <a:p>
-            <a:pPr indent="-381000" lvl="0" marL="457200" rtl="0" algn="l">
-              <a:spcBef>
-                <a:spcPts val="0"/>
-              </a:spcBef>
-              <a:spcAft>
-                <a:spcPts val="0"/>
-              </a:spcAft>
-              <a:buSzPts val="2400"/>
-              <a:buChar char="●"/>
+              <a:rPr lang="hu-HU" dirty="0"/>
+              <a:t>Mentsd el </a:t>
+            </a:r>
+            <a:r>
+              <a:rPr lang="hu-HU" b="1" dirty="0"/>
+              <a:t>welcome.html </a:t>
+            </a:r>
+            <a:r>
+              <a:rPr lang="hu-HU" dirty="0"/>
+              <a:t>néven!</a:t>
+            </a:r>
+          </a:p>
+          <a:p>
+            <a:pPr>
+              <a:buFont typeface="+mj-lt"/>
+              <a:buAutoNum type="arabicPeriod"/>
             </a:pPr>
             <a:r>
-              <a:rPr lang="hu" sz="2400"/>
-              <a:t>Ciklusok (for, while).</a:t>
-            </a:r>
-            <a:endParaRPr sz="2400"/>
-          </a:p>
-          <a:p>
-            <a:pPr indent="-381000" lvl="0" marL="457200" rtl="0" algn="l">
-              <a:spcBef>
-                <a:spcPts val="0"/>
-              </a:spcBef>
-              <a:spcAft>
-                <a:spcPts val="0"/>
-              </a:spcAft>
-              <a:buSzPts val="2400"/>
-              <a:buChar char="●"/>
-            </a:pPr>
-            <a:r>
-              <a:rPr lang="hu" sz="2400"/>
-              <a:t>Függvények definiálása (def).</a:t>
-            </a:r>
-            <a:endParaRPr sz="2400"/>
+              <a:rPr lang="hu-HU" dirty="0"/>
+              <a:t>Nyisd meg a fájlt böngészőben!</a:t>
+            </a:r>
+            <a:endParaRPr lang="en-US" dirty="0"/>
           </a:p>
         </p:txBody>
       </p:sp>
+      <p:pic>
+        <p:nvPicPr>
+          <p:cNvPr id="5" name="Kép 4">
+            <a:extLst>
+              <a:ext uri="{FF2B5EF4-FFF2-40B4-BE49-F238E27FC236}">
+                <a16:creationId xmlns:a16="http://schemas.microsoft.com/office/drawing/2014/main" id="{56CBB217-EEB4-9AED-7717-3C052AFE0375}"/>
+              </a:ext>
+            </a:extLst>
+          </p:cNvPr>
+          <p:cNvPicPr>
+            <a:picLocks noChangeAspect="1"/>
+          </p:cNvPicPr>
+          <p:nvPr/>
+        </p:nvPicPr>
+        <p:blipFill>
+          <a:blip r:embed="rId2"/>
+          <a:stretch>
+            <a:fillRect/>
+          </a:stretch>
+        </p:blipFill>
+        <p:spPr>
+          <a:xfrm>
+            <a:off x="1271127" y="1923959"/>
+            <a:ext cx="6601746" cy="1295581"/>
+          </a:xfrm>
+          <a:prstGeom prst="rect">
+            <a:avLst/>
+          </a:prstGeom>
+        </p:spPr>
+      </p:pic>
     </p:spTree>
+    <p:extLst>
+      <p:ext uri="{BB962C8B-B14F-4D97-AF65-F5344CB8AC3E}">
+        <p14:creationId xmlns:p14="http://schemas.microsoft.com/office/powerpoint/2010/main" val="1178786851"/>
+      </p:ext>
+    </p:extLst>
   </p:cSld>
   <p:clrMapOvr>
     <a:masterClrMapping/>
@@ -11139,11 +12204,11 @@
 </file>
 
 <file path=ppt/slides/slide9.xml><?xml version="1.0" encoding="utf-8"?>
-<p:sld xmlns:a="http://schemas.openxmlformats.org/drawingml/2006/main" xmlns:r="http://schemas.openxmlformats.org/officeDocument/2006/relationships" xmlns:mc="http://schemas.openxmlformats.org/markup-compatibility/2006" xmlns:mv="urn:schemas-microsoft-com:mac:vml" xmlns:p="http://schemas.openxmlformats.org/presentationml/2006/main" xmlns:c="http://schemas.openxmlformats.org/drawingml/2006/chart" xmlns:dgm="http://schemas.openxmlformats.org/drawingml/2006/diagram" xmlns:o="urn:schemas-microsoft-com:office:office" xmlns:v="urn:schemas-microsoft-com:vml" xmlns:pvml="urn:schemas-microsoft-com:office:powerpoint" xmlns:com="http://schemas.openxmlformats.org/drawingml/2006/compatibility" xmlns:p14="http://schemas.microsoft.com/office/powerpoint/2010/main" xmlns:p15="http://schemas.microsoft.com/office/powerpoint/2012/main" xmlns:ahyp="http://schemas.microsoft.com/office/drawing/2018/hyperlinkcolor">
+<p:sld xmlns:a="http://schemas.openxmlformats.org/drawingml/2006/main" xmlns:r="http://schemas.openxmlformats.org/officeDocument/2006/relationships" xmlns:p="http://schemas.openxmlformats.org/presentationml/2006/main">
   <p:cSld>
     <p:spTree>
       <p:nvGrpSpPr>
-        <p:cNvPr id="107" name="Shape 107"/>
+        <p:cNvPr id="1" name=""/>
         <p:cNvGrpSpPr/>
         <p:nvPr/>
       </p:nvGrpSpPr>
@@ -11157,165 +12222,236 @@
       </p:grpSpPr>
       <p:sp>
         <p:nvSpPr>
-          <p:cNvPr id="108" name="Google Shape;108;p21"/>
-          <p:cNvSpPr txBox="1"/>
+          <p:cNvPr id="2" name="Cím 1">
+            <a:extLst>
+              <a:ext uri="{FF2B5EF4-FFF2-40B4-BE49-F238E27FC236}">
+                <a16:creationId xmlns:a16="http://schemas.microsoft.com/office/drawing/2014/main" id="{FF2AE46F-F351-B6E6-A20F-2D4B9CFAD939}"/>
+              </a:ext>
+            </a:extLst>
+          </p:cNvPr>
+          <p:cNvSpPr>
+            <a:spLocks noGrp="1"/>
+          </p:cNvSpPr>
           <p:nvPr>
             <p:ph type="title"/>
           </p:nvPr>
         </p:nvSpPr>
-        <p:spPr>
-          <a:xfrm>
-            <a:off x="311700" y="391350"/>
-            <a:ext cx="8520600" cy="626100"/>
-          </a:xfrm>
-          <a:prstGeom prst="rect">
-            <a:avLst/>
-          </a:prstGeom>
-        </p:spPr>
+        <p:spPr/>
         <p:txBody>
-          <a:bodyPr anchorCtr="0" anchor="t" bIns="91425" lIns="91425" spcFirstLastPara="1" rIns="91425" wrap="square" tIns="91425">
+          <a:bodyPr>
             <a:normAutofit fontScale="90000"/>
           </a:bodyPr>
           <a:lstStyle/>
           <a:p>
-            <a:pPr indent="0" lvl="0" marL="0" rtl="0" algn="l">
-              <a:spcBef>
-                <a:spcPts val="0"/>
-              </a:spcBef>
-              <a:spcAft>
-                <a:spcPts val="0"/>
-              </a:spcAft>
-              <a:buNone/>
-            </a:pPr>
-            <a:r>
-              <a:rPr lang="hu"/>
-              <a:t>Python alapok</a:t>
-            </a:r>
-            <a:endParaRPr/>
+            <a:r>
+              <a:rPr lang="hu-HU" dirty="0"/>
+              <a:t>Üdvözlés Pythonban</a:t>
+            </a:r>
+            <a:endParaRPr lang="en-US" dirty="0"/>
           </a:p>
         </p:txBody>
       </p:sp>
       <p:sp>
         <p:nvSpPr>
-          <p:cNvPr id="109" name="Google Shape;109;p21"/>
-          <p:cNvSpPr txBox="1"/>
+          <p:cNvPr id="3" name="Szöveg helye 2">
+            <a:extLst>
+              <a:ext uri="{FF2B5EF4-FFF2-40B4-BE49-F238E27FC236}">
+                <a16:creationId xmlns:a16="http://schemas.microsoft.com/office/drawing/2014/main" id="{B07AAF79-2A59-CAFD-5FA3-9961B3CB5704}"/>
+              </a:ext>
+            </a:extLst>
+          </p:cNvPr>
+          <p:cNvSpPr>
+            <a:spLocks noGrp="1"/>
+          </p:cNvSpPr>
           <p:nvPr>
-            <p:ph idx="1" type="body"/>
+            <p:ph type="body" idx="1"/>
           </p:nvPr>
         </p:nvSpPr>
-        <p:spPr>
-          <a:xfrm>
-            <a:off x="311700" y="1152475"/>
-            <a:ext cx="8520600" cy="3416400"/>
-          </a:xfrm>
-          <a:prstGeom prst="rect">
-            <a:avLst/>
-          </a:prstGeom>
-        </p:spPr>
+        <p:spPr/>
         <p:txBody>
-          <a:bodyPr anchorCtr="0" anchor="t" bIns="91425" lIns="91425" spcFirstLastPara="1" rIns="91425" wrap="square" tIns="91425">
-            <a:normAutofit/>
+          <a:bodyPr>
+            <a:normAutofit fontScale="92500" lnSpcReduction="10000"/>
           </a:bodyPr>
           <a:lstStyle/>
           <a:p>
-            <a:pPr indent="-387350" lvl="0" marL="457200" rtl="0" algn="l">
-              <a:lnSpc>
-                <a:spcPct val="100000"/>
-              </a:lnSpc>
-              <a:spcBef>
-                <a:spcPts val="0"/>
-              </a:spcBef>
-              <a:spcAft>
-                <a:spcPts val="0"/>
-              </a:spcAft>
-              <a:buSzPts val="2500"/>
-              <a:buChar char="●"/>
+            <a:pPr>
+              <a:buFont typeface="+mj-lt"/>
+              <a:buAutoNum type="arabicPeriod"/>
             </a:pPr>
             <a:r>
-              <a:rPr lang="hu" sz="2500"/>
-              <a:t>Változók és adattípusok:</a:t>
-            </a:r>
-            <a:endParaRPr sz="2500"/>
-          </a:p>
-          <a:p>
-            <a:pPr indent="-387350" lvl="0" marL="457200" rtl="0" algn="l">
-              <a:lnSpc>
-                <a:spcPct val="100000"/>
-              </a:lnSpc>
-              <a:spcBef>
-                <a:spcPts val="0"/>
-              </a:spcBef>
-              <a:spcAft>
-                <a:spcPts val="0"/>
-              </a:spcAft>
-              <a:buSzPts val="2500"/>
-              <a:buChar char="●"/>
+              <a:rPr lang="hu-HU" dirty="0"/>
+              <a:t>Nyiss meg egy </a:t>
+            </a:r>
+            <a:r>
+              <a:rPr lang="hu-HU" b="1" dirty="0"/>
+              <a:t>Jegyzettömböt</a:t>
+            </a:r>
+            <a:r>
+              <a:rPr lang="hu-HU" dirty="0"/>
+              <a:t> vagy egy </a:t>
+            </a:r>
+            <a:r>
+              <a:rPr lang="hu-HU" b="1" dirty="0" err="1"/>
+              <a:t>Notepad</a:t>
+            </a:r>
+            <a:r>
+              <a:rPr lang="hu-HU" b="1" dirty="0"/>
+              <a:t>++ </a:t>
+            </a:r>
+            <a:r>
+              <a:rPr lang="hu-HU" dirty="0"/>
+              <a:t>-t és másold bele a következő kódot:</a:t>
+            </a:r>
+            <a:br>
+              <a:rPr lang="hu-HU" dirty="0"/>
+            </a:br>
+            <a:br>
+              <a:rPr lang="hu-HU" dirty="0"/>
+            </a:br>
+            <a:endParaRPr lang="hu-HU" dirty="0"/>
+          </a:p>
+          <a:p>
+            <a:pPr>
+              <a:buFont typeface="+mj-lt"/>
+              <a:buAutoNum type="arabicPeriod"/>
             </a:pPr>
             <a:r>
-              <a:rPr lang="hu" sz="2500"/>
-              <a:t>Feltételes utasítások:</a:t>
-            </a:r>
-            <a:endParaRPr sz="2500"/>
+              <a:rPr lang="hu-HU" dirty="0"/>
+              <a:t>Mentsd el </a:t>
+            </a:r>
+            <a:r>
+              <a:rPr lang="hu-HU" b="1" dirty="0"/>
+              <a:t>welcome.py </a:t>
+            </a:r>
+            <a:r>
+              <a:rPr lang="hu-HU" dirty="0"/>
+              <a:t>néven!</a:t>
+            </a:r>
+          </a:p>
+          <a:p>
+            <a:pPr>
+              <a:buFont typeface="+mj-lt"/>
+              <a:buAutoNum type="arabicPeriod"/>
+            </a:pPr>
+            <a:r>
+              <a:rPr lang="hu-HU" dirty="0"/>
+              <a:t>Indítsd el a programot parancssorból </a:t>
+            </a:r>
+            <a:r>
+              <a:rPr lang="hu-HU" b="1" dirty="0" err="1"/>
+              <a:t>cmd</a:t>
+            </a:r>
+            <a:r>
+              <a:rPr lang="hu-HU" dirty="0"/>
+              <a:t> vagy </a:t>
+            </a:r>
+            <a:r>
+              <a:rPr lang="hu-HU" b="1" dirty="0"/>
+              <a:t>PowerShell</a:t>
+            </a:r>
+            <a:r>
+              <a:rPr lang="hu-HU" dirty="0"/>
+              <a:t>:</a:t>
+            </a:r>
+            <a:br>
+              <a:rPr lang="hu-HU" dirty="0"/>
+            </a:br>
+            <a:br>
+              <a:rPr lang="hu-HU" dirty="0"/>
+            </a:br>
+            <a:br>
+              <a:rPr lang="hu-HU" dirty="0"/>
+            </a:br>
+            <a:br>
+              <a:rPr lang="hu-HU" dirty="0"/>
+            </a:br>
+            <a:endParaRPr lang="hu-HU" dirty="0"/>
+          </a:p>
+          <a:p>
+            <a:pPr>
+              <a:buFont typeface="+mj-lt"/>
+              <a:buAutoNum type="arabicPeriod"/>
+            </a:pPr>
+            <a:r>
+              <a:rPr lang="hu-HU" dirty="0"/>
+              <a:t>Vagy másold be egy online </a:t>
+            </a:r>
+            <a:r>
+              <a:rPr lang="en-US" dirty="0">
+                <a:hlinkClick r:id="rId2"/>
+              </a:rPr>
+              <a:t>https://www.online-python.com/</a:t>
+            </a:r>
+            <a:endParaRPr lang="en-US" dirty="0"/>
           </a:p>
         </p:txBody>
       </p:sp>
       <p:pic>
         <p:nvPicPr>
-          <p:cNvPr id="110" name="Google Shape;110;p21"/>
-          <p:cNvPicPr preferRelativeResize="0"/>
+          <p:cNvPr id="5" name="Kép 4">
+            <a:extLst>
+              <a:ext uri="{FF2B5EF4-FFF2-40B4-BE49-F238E27FC236}">
+                <a16:creationId xmlns:a16="http://schemas.microsoft.com/office/drawing/2014/main" id="{A32A6FEE-101D-92D4-2AA2-6204D9A57143}"/>
+              </a:ext>
+            </a:extLst>
+          </p:cNvPr>
+          <p:cNvPicPr>
+            <a:picLocks noChangeAspect="1"/>
+          </p:cNvPicPr>
           <p:nvPr/>
         </p:nvPicPr>
         <p:blipFill>
-          <a:blip r:embed="rId3">
-            <a:alphaModFix/>
-          </a:blip>
+          <a:blip r:embed="rId3"/>
           <a:stretch>
             <a:fillRect/>
           </a:stretch>
         </p:blipFill>
         <p:spPr>
           <a:xfrm>
-            <a:off x="5648874" y="510299"/>
-            <a:ext cx="2843900" cy="1890550"/>
+            <a:off x="1733132" y="2895100"/>
+            <a:ext cx="5331864" cy="1011804"/>
           </a:xfrm>
           <a:prstGeom prst="rect">
             <a:avLst/>
           </a:prstGeom>
-          <a:noFill/>
-          <a:ln>
-            <a:noFill/>
-          </a:ln>
         </p:spPr>
       </p:pic>
       <p:pic>
         <p:nvPicPr>
-          <p:cNvPr id="111" name="Google Shape;111;p21"/>
-          <p:cNvPicPr preferRelativeResize="0"/>
+          <p:cNvPr id="7" name="Kép 6">
+            <a:extLst>
+              <a:ext uri="{FF2B5EF4-FFF2-40B4-BE49-F238E27FC236}">
+                <a16:creationId xmlns:a16="http://schemas.microsoft.com/office/drawing/2014/main" id="{5B1DB762-7854-4B63-CE0E-233789415AB6}"/>
+              </a:ext>
+            </a:extLst>
+          </p:cNvPr>
+          <p:cNvPicPr>
+            <a:picLocks noChangeAspect="1"/>
+          </p:cNvPicPr>
           <p:nvPr/>
         </p:nvPicPr>
         <p:blipFill>
-          <a:blip r:embed="rId4">
-            <a:alphaModFix/>
-          </a:blip>
+          <a:blip r:embed="rId4"/>
           <a:stretch>
             <a:fillRect/>
           </a:stretch>
         </p:blipFill>
         <p:spPr>
           <a:xfrm>
-            <a:off x="3786825" y="2732830"/>
-            <a:ext cx="4705950" cy="1890541"/>
+            <a:off x="1580732" y="1642497"/>
+            <a:ext cx="5982535" cy="590632"/>
           </a:xfrm>
           <a:prstGeom prst="rect">
             <a:avLst/>
           </a:prstGeom>
-          <a:noFill/>
-          <a:ln>
-            <a:noFill/>
-          </a:ln>
         </p:spPr>
       </p:pic>
     </p:spTree>
+    <p:extLst>
+      <p:ext uri="{BB962C8B-B14F-4D97-AF65-F5344CB8AC3E}">
+        <p14:creationId xmlns:p14="http://schemas.microsoft.com/office/powerpoint/2010/main" val="1290536375"/>
+      </p:ext>
+    </p:extLst>
   </p:cSld>
   <p:clrMapOvr>
     <a:masterClrMapping/>
@@ -11324,7 +12460,7 @@
 </file>
 
 <file path=ppt/theme/theme1.xml><?xml version="1.0" encoding="utf-8"?>
-<a:theme xmlns:a="http://schemas.openxmlformats.org/drawingml/2006/main" xmlns:r="http://schemas.openxmlformats.org/officeDocument/2006/relationships" name="Coral">
+<a:theme xmlns:a="http://schemas.openxmlformats.org/drawingml/2006/main" name="Coral">
   <a:themeElements>
     <a:clrScheme name="Coral">
       <a:dk1>
@@ -11599,11 +12735,13 @@
       </a:bgFillStyleLst>
     </a:fmtScheme>
   </a:themeElements>
+  <a:objectDefaults/>
+  <a:extraClrSchemeLst/>
 </a:theme>
 </file>
 
 <file path=ppt/theme/theme2.xml><?xml version="1.0" encoding="utf-8"?>
-<a:theme xmlns:a="http://schemas.openxmlformats.org/drawingml/2006/main" xmlns:r="http://schemas.openxmlformats.org/officeDocument/2006/relationships">
+<a:theme xmlns:a="http://schemas.openxmlformats.org/drawingml/2006/main">
   <a:themeElements>
     <a:clrScheme name="Default">
       <a:dk1>
@@ -11878,5 +13016,7 @@
       </a:bgFillStyleLst>
     </a:fmtScheme>
   </a:themeElements>
+  <a:objectDefaults/>
+  <a:extraClrSchemeLst/>
 </a:theme>
 </file>
--- a/prog/Bevezetés a Programozás Világába.pptx
+++ b/prog/Bevezetés a Programozás Világába.pptx
@@ -5,7 +5,7 @@
     <p:sldMasterId id="2147483659" r:id="rId1"/>
   </p:sldMasterIdLst>
   <p:notesMasterIdLst>
-    <p:notesMasterId r:id="rId25"/>
+    <p:notesMasterId r:id="rId26"/>
   </p:notesMasterIdLst>
   <p:sldIdLst>
     <p:sldId id="256" r:id="rId2"/>
@@ -16,45 +16,46 @@
     <p:sldId id="275" r:id="rId7"/>
     <p:sldId id="276" r:id="rId8"/>
     <p:sldId id="277" r:id="rId9"/>
-    <p:sldId id="278" r:id="rId10"/>
-    <p:sldId id="261" r:id="rId11"/>
-    <p:sldId id="262" r:id="rId12"/>
-    <p:sldId id="263" r:id="rId13"/>
-    <p:sldId id="264" r:id="rId14"/>
-    <p:sldId id="265" r:id="rId15"/>
-    <p:sldId id="266" r:id="rId16"/>
-    <p:sldId id="267" r:id="rId17"/>
-    <p:sldId id="268" r:id="rId18"/>
-    <p:sldId id="269" r:id="rId19"/>
-    <p:sldId id="270" r:id="rId20"/>
-    <p:sldId id="271" r:id="rId21"/>
-    <p:sldId id="272" r:id="rId22"/>
-    <p:sldId id="273" r:id="rId23"/>
-    <p:sldId id="274" r:id="rId24"/>
+    <p:sldId id="279" r:id="rId10"/>
+    <p:sldId id="278" r:id="rId11"/>
+    <p:sldId id="261" r:id="rId12"/>
+    <p:sldId id="262" r:id="rId13"/>
+    <p:sldId id="263" r:id="rId14"/>
+    <p:sldId id="264" r:id="rId15"/>
+    <p:sldId id="265" r:id="rId16"/>
+    <p:sldId id="266" r:id="rId17"/>
+    <p:sldId id="267" r:id="rId18"/>
+    <p:sldId id="268" r:id="rId19"/>
+    <p:sldId id="269" r:id="rId20"/>
+    <p:sldId id="270" r:id="rId21"/>
+    <p:sldId id="271" r:id="rId22"/>
+    <p:sldId id="272" r:id="rId23"/>
+    <p:sldId id="273" r:id="rId24"/>
+    <p:sldId id="274" r:id="rId25"/>
   </p:sldIdLst>
   <p:sldSz cx="9144000" cy="5143500" type="screen16x9"/>
   <p:notesSz cx="6858000" cy="9144000"/>
   <p:embeddedFontLst>
     <p:embeddedFont>
       <p:font typeface="Lato" panose="020F0502020204030203" pitchFamily="34" charset="0"/>
-      <p:regular r:id="rId26"/>
-      <p:bold r:id="rId27"/>
-      <p:italic r:id="rId28"/>
-      <p:boldItalic r:id="rId29"/>
+      <p:regular r:id="rId27"/>
+      <p:bold r:id="rId28"/>
+      <p:italic r:id="rId29"/>
+      <p:boldItalic r:id="rId30"/>
     </p:embeddedFont>
     <p:embeddedFont>
       <p:font typeface="Playfair Display" panose="00000500000000000000" pitchFamily="2" charset="0"/>
-      <p:regular r:id="rId30"/>
-      <p:bold r:id="rId31"/>
-      <p:italic r:id="rId32"/>
-      <p:boldItalic r:id="rId33"/>
+      <p:regular r:id="rId31"/>
+      <p:bold r:id="rId32"/>
+      <p:italic r:id="rId33"/>
+      <p:boldItalic r:id="rId34"/>
     </p:embeddedFont>
     <p:embeddedFont>
       <p:font typeface="Roboto" panose="02000000000000000000" pitchFamily="2" charset="0"/>
-      <p:regular r:id="rId34"/>
-      <p:bold r:id="rId35"/>
-      <p:italic r:id="rId36"/>
-      <p:boldItalic r:id="rId37"/>
+      <p:regular r:id="rId35"/>
+      <p:bold r:id="rId36"/>
+      <p:italic r:id="rId37"/>
+      <p:boldItalic r:id="rId38"/>
     </p:embeddedFont>
   </p:embeddedFontLst>
   <p:defaultTextStyle>
@@ -8620,6 +8621,262 @@
   <p:cSld>
     <p:spTree>
       <p:nvGrpSpPr>
+        <p:cNvPr id="1" name=""/>
+        <p:cNvGrpSpPr/>
+        <p:nvPr/>
+      </p:nvGrpSpPr>
+      <p:grpSpPr>
+        <a:xfrm>
+          <a:off x="0" y="0"/>
+          <a:ext cx="0" cy="0"/>
+          <a:chOff x="0" y="0"/>
+          <a:chExt cx="0" cy="0"/>
+        </a:xfrm>
+      </p:grpSpPr>
+      <p:sp>
+        <p:nvSpPr>
+          <p:cNvPr id="2" name="Cím 1">
+            <a:extLst>
+              <a:ext uri="{FF2B5EF4-FFF2-40B4-BE49-F238E27FC236}">
+                <a16:creationId xmlns:a16="http://schemas.microsoft.com/office/drawing/2014/main" id="{FF2AE46F-F351-B6E6-A20F-2D4B9CFAD939}"/>
+              </a:ext>
+            </a:extLst>
+          </p:cNvPr>
+          <p:cNvSpPr>
+            <a:spLocks noGrp="1"/>
+          </p:cNvSpPr>
+          <p:nvPr>
+            <p:ph type="title"/>
+          </p:nvPr>
+        </p:nvSpPr>
+        <p:spPr/>
+        <p:txBody>
+          <a:bodyPr>
+            <a:normAutofit fontScale="90000"/>
+          </a:bodyPr>
+          <a:lstStyle/>
+          <a:p>
+            <a:r>
+              <a:rPr lang="hu-HU" dirty="0"/>
+              <a:t>Üdvözlés Pythonban</a:t>
+            </a:r>
+            <a:endParaRPr lang="en-US" dirty="0"/>
+          </a:p>
+        </p:txBody>
+      </p:sp>
+      <p:sp>
+        <p:nvSpPr>
+          <p:cNvPr id="3" name="Szöveg helye 2">
+            <a:extLst>
+              <a:ext uri="{FF2B5EF4-FFF2-40B4-BE49-F238E27FC236}">
+                <a16:creationId xmlns:a16="http://schemas.microsoft.com/office/drawing/2014/main" id="{B07AAF79-2A59-CAFD-5FA3-9961B3CB5704}"/>
+              </a:ext>
+            </a:extLst>
+          </p:cNvPr>
+          <p:cNvSpPr>
+            <a:spLocks noGrp="1"/>
+          </p:cNvSpPr>
+          <p:nvPr>
+            <p:ph type="body" idx="1"/>
+          </p:nvPr>
+        </p:nvSpPr>
+        <p:spPr/>
+        <p:txBody>
+          <a:bodyPr>
+            <a:normAutofit fontScale="92500" lnSpcReduction="10000"/>
+          </a:bodyPr>
+          <a:lstStyle/>
+          <a:p>
+            <a:pPr>
+              <a:buFont typeface="+mj-lt"/>
+              <a:buAutoNum type="arabicPeriod"/>
+            </a:pPr>
+            <a:r>
+              <a:rPr lang="hu-HU" dirty="0"/>
+              <a:t>Nyiss meg egy </a:t>
+            </a:r>
+            <a:r>
+              <a:rPr lang="hu-HU" b="1" dirty="0"/>
+              <a:t>Jegyzettömböt</a:t>
+            </a:r>
+            <a:r>
+              <a:rPr lang="hu-HU" dirty="0"/>
+              <a:t> vagy egy </a:t>
+            </a:r>
+            <a:r>
+              <a:rPr lang="hu-HU" b="1" dirty="0" err="1"/>
+              <a:t>Notepad</a:t>
+            </a:r>
+            <a:r>
+              <a:rPr lang="hu-HU" b="1" dirty="0"/>
+              <a:t>++ </a:t>
+            </a:r>
+            <a:r>
+              <a:rPr lang="hu-HU" dirty="0"/>
+              <a:t>-t és másold bele a következő kódot:</a:t>
+            </a:r>
+            <a:br>
+              <a:rPr lang="hu-HU" dirty="0"/>
+            </a:br>
+            <a:br>
+              <a:rPr lang="hu-HU" dirty="0"/>
+            </a:br>
+            <a:endParaRPr lang="hu-HU" dirty="0"/>
+          </a:p>
+          <a:p>
+            <a:pPr>
+              <a:buFont typeface="+mj-lt"/>
+              <a:buAutoNum type="arabicPeriod"/>
+            </a:pPr>
+            <a:r>
+              <a:rPr lang="hu-HU" dirty="0"/>
+              <a:t>Mentsd el </a:t>
+            </a:r>
+            <a:r>
+              <a:rPr lang="hu-HU" b="1" dirty="0"/>
+              <a:t>welcome.py </a:t>
+            </a:r>
+            <a:r>
+              <a:rPr lang="hu-HU" dirty="0"/>
+              <a:t>néven!</a:t>
+            </a:r>
+          </a:p>
+          <a:p>
+            <a:pPr>
+              <a:buFont typeface="+mj-lt"/>
+              <a:buAutoNum type="arabicPeriod"/>
+            </a:pPr>
+            <a:r>
+              <a:rPr lang="hu-HU" dirty="0"/>
+              <a:t>Indítsd el a programot parancssorból </a:t>
+            </a:r>
+            <a:r>
+              <a:rPr lang="hu-HU" b="1" dirty="0" err="1"/>
+              <a:t>cmd</a:t>
+            </a:r>
+            <a:r>
+              <a:rPr lang="hu-HU" dirty="0"/>
+              <a:t> vagy </a:t>
+            </a:r>
+            <a:r>
+              <a:rPr lang="hu-HU" b="1" dirty="0"/>
+              <a:t>PowerShell</a:t>
+            </a:r>
+            <a:r>
+              <a:rPr lang="hu-HU" dirty="0"/>
+              <a:t>:</a:t>
+            </a:r>
+            <a:br>
+              <a:rPr lang="hu-HU" dirty="0"/>
+            </a:br>
+            <a:br>
+              <a:rPr lang="hu-HU" dirty="0"/>
+            </a:br>
+            <a:br>
+              <a:rPr lang="hu-HU" dirty="0"/>
+            </a:br>
+            <a:br>
+              <a:rPr lang="hu-HU" dirty="0"/>
+            </a:br>
+            <a:endParaRPr lang="hu-HU" dirty="0"/>
+          </a:p>
+          <a:p>
+            <a:pPr>
+              <a:buFont typeface="+mj-lt"/>
+              <a:buAutoNum type="arabicPeriod"/>
+            </a:pPr>
+            <a:r>
+              <a:rPr lang="hu-HU" dirty="0"/>
+              <a:t>Vagy másold be egy online </a:t>
+            </a:r>
+            <a:r>
+              <a:rPr lang="en-US" dirty="0">
+                <a:hlinkClick r:id="rId2"/>
+              </a:rPr>
+              <a:t>https://www.online-python.com/</a:t>
+            </a:r>
+            <a:endParaRPr lang="en-US" dirty="0"/>
+          </a:p>
+        </p:txBody>
+      </p:sp>
+      <p:pic>
+        <p:nvPicPr>
+          <p:cNvPr id="5" name="Kép 4">
+            <a:extLst>
+              <a:ext uri="{FF2B5EF4-FFF2-40B4-BE49-F238E27FC236}">
+                <a16:creationId xmlns:a16="http://schemas.microsoft.com/office/drawing/2014/main" id="{A32A6FEE-101D-92D4-2AA2-6204D9A57143}"/>
+              </a:ext>
+            </a:extLst>
+          </p:cNvPr>
+          <p:cNvPicPr>
+            <a:picLocks noChangeAspect="1"/>
+          </p:cNvPicPr>
+          <p:nvPr/>
+        </p:nvPicPr>
+        <p:blipFill>
+          <a:blip r:embed="rId3"/>
+          <a:stretch>
+            <a:fillRect/>
+          </a:stretch>
+        </p:blipFill>
+        <p:spPr>
+          <a:xfrm>
+            <a:off x="1733132" y="2895100"/>
+            <a:ext cx="5331864" cy="1011804"/>
+          </a:xfrm>
+          <a:prstGeom prst="rect">
+            <a:avLst/>
+          </a:prstGeom>
+        </p:spPr>
+      </p:pic>
+      <p:pic>
+        <p:nvPicPr>
+          <p:cNvPr id="7" name="Kép 6">
+            <a:extLst>
+              <a:ext uri="{FF2B5EF4-FFF2-40B4-BE49-F238E27FC236}">
+                <a16:creationId xmlns:a16="http://schemas.microsoft.com/office/drawing/2014/main" id="{5B1DB762-7854-4B63-CE0E-233789415AB6}"/>
+              </a:ext>
+            </a:extLst>
+          </p:cNvPr>
+          <p:cNvPicPr>
+            <a:picLocks noChangeAspect="1"/>
+          </p:cNvPicPr>
+          <p:nvPr/>
+        </p:nvPicPr>
+        <p:blipFill>
+          <a:blip r:embed="rId4"/>
+          <a:stretch>
+            <a:fillRect/>
+          </a:stretch>
+        </p:blipFill>
+        <p:spPr>
+          <a:xfrm>
+            <a:off x="1580732" y="1642497"/>
+            <a:ext cx="5982535" cy="590632"/>
+          </a:xfrm>
+          <a:prstGeom prst="rect">
+            <a:avLst/>
+          </a:prstGeom>
+        </p:spPr>
+      </p:pic>
+    </p:spTree>
+    <p:extLst>
+      <p:ext uri="{BB962C8B-B14F-4D97-AF65-F5344CB8AC3E}">
+        <p14:creationId xmlns:p14="http://schemas.microsoft.com/office/powerpoint/2010/main" val="1290536375"/>
+      </p:ext>
+    </p:extLst>
+  </p:cSld>
+  <p:clrMapOvr>
+    <a:masterClrMapping/>
+  </p:clrMapOvr>
+</p:sld>
+</file>
+
+<file path=ppt/slides/slide11.xml><?xml version="1.0" encoding="utf-8"?>
+<p:sld xmlns:a="http://schemas.openxmlformats.org/drawingml/2006/main" xmlns:r="http://schemas.openxmlformats.org/officeDocument/2006/relationships" xmlns:p="http://schemas.openxmlformats.org/presentationml/2006/main">
+  <p:cSld>
+    <p:spTree>
+      <p:nvGrpSpPr>
         <p:cNvPr id="1" name="Shape 89"/>
         <p:cNvGrpSpPr/>
         <p:nvPr/>
@@ -8776,7 +9033,7 @@
 </p:sld>
 </file>
 
-<file path=ppt/slides/slide11.xml><?xml version="1.0" encoding="utf-8"?>
+<file path=ppt/slides/slide12.xml><?xml version="1.0" encoding="utf-8"?>
 <p:sld xmlns:a="http://schemas.openxmlformats.org/drawingml/2006/main" xmlns:r="http://schemas.openxmlformats.org/officeDocument/2006/relationships" xmlns:p="http://schemas.openxmlformats.org/presentationml/2006/main">
   <p:cSld>
     <p:spTree>
@@ -8916,7 +9173,7 @@
 </p:sld>
 </file>
 
-<file path=ppt/slides/slide12.xml><?xml version="1.0" encoding="utf-8"?>
+<file path=ppt/slides/slide13.xml><?xml version="1.0" encoding="utf-8"?>
 <p:sld xmlns:a="http://schemas.openxmlformats.org/drawingml/2006/main" xmlns:r="http://schemas.openxmlformats.org/officeDocument/2006/relationships" xmlns:p="http://schemas.openxmlformats.org/presentationml/2006/main">
   <p:cSld>
     <p:spTree>
@@ -9077,7 +9334,7 @@
 </p:sld>
 </file>
 
-<file path=ppt/slides/slide13.xml><?xml version="1.0" encoding="utf-8"?>
+<file path=ppt/slides/slide14.xml><?xml version="1.0" encoding="utf-8"?>
 <p:sld xmlns:a="http://schemas.openxmlformats.org/drawingml/2006/main" xmlns:r="http://schemas.openxmlformats.org/officeDocument/2006/relationships" xmlns:p="http://schemas.openxmlformats.org/presentationml/2006/main">
   <p:cSld>
     <p:spTree>
@@ -9266,7 +9523,7 @@
 </p:sld>
 </file>
 
-<file path=ppt/slides/slide14.xml><?xml version="1.0" encoding="utf-8"?>
+<file path=ppt/slides/slide15.xml><?xml version="1.0" encoding="utf-8"?>
 <p:sld xmlns:a="http://schemas.openxmlformats.org/drawingml/2006/main" xmlns:r="http://schemas.openxmlformats.org/officeDocument/2006/relationships" xmlns:p="http://schemas.openxmlformats.org/presentationml/2006/main">
   <p:cSld>
     <p:spTree>
@@ -9455,7 +9712,7 @@
 </p:sld>
 </file>
 
-<file path=ppt/slides/slide15.xml><?xml version="1.0" encoding="utf-8"?>
+<file path=ppt/slides/slide16.xml><?xml version="1.0" encoding="utf-8"?>
 <p:sld xmlns:a="http://schemas.openxmlformats.org/drawingml/2006/main" xmlns:r="http://schemas.openxmlformats.org/officeDocument/2006/relationships" xmlns:p="http://schemas.openxmlformats.org/presentationml/2006/main">
   <p:cSld>
     <p:spTree>
@@ -9692,7 +9949,7 @@
 </p:sld>
 </file>
 
-<file path=ppt/slides/slide16.xml><?xml version="1.0" encoding="utf-8"?>
+<file path=ppt/slides/slide17.xml><?xml version="1.0" encoding="utf-8"?>
 <p:sld xmlns:a="http://schemas.openxmlformats.org/drawingml/2006/main" xmlns:r="http://schemas.openxmlformats.org/officeDocument/2006/relationships" xmlns:p="http://schemas.openxmlformats.org/presentationml/2006/main">
   <p:cSld>
     <p:spTree>
@@ -9829,7 +10086,7 @@
 </p:sld>
 </file>
 
-<file path=ppt/slides/slide17.xml><?xml version="1.0" encoding="utf-8"?>
+<file path=ppt/slides/slide18.xml><?xml version="1.0" encoding="utf-8"?>
 <p:sld xmlns:a="http://schemas.openxmlformats.org/drawingml/2006/main" xmlns:r="http://schemas.openxmlformats.org/officeDocument/2006/relationships" xmlns:p="http://schemas.openxmlformats.org/presentationml/2006/main">
   <p:cSld>
     <p:spTree>
@@ -9952,7 +10209,7 @@
 </p:sld>
 </file>
 
-<file path=ppt/slides/slide18.xml><?xml version="1.0" encoding="utf-8"?>
+<file path=ppt/slides/slide19.xml><?xml version="1.0" encoding="utf-8"?>
 <p:sld xmlns:a="http://schemas.openxmlformats.org/drawingml/2006/main" xmlns:r="http://schemas.openxmlformats.org/officeDocument/2006/relationships" xmlns:p="http://schemas.openxmlformats.org/presentationml/2006/main">
   <p:cSld>
     <p:spTree>
@@ -10029,155 +10286,6 @@
           <a:xfrm>
             <a:off x="152400" y="1017725"/>
             <a:ext cx="4829179" cy="3973375"/>
-          </a:xfrm>
-          <a:prstGeom prst="rect">
-            <a:avLst/>
-          </a:prstGeom>
-          <a:noFill/>
-          <a:ln>
-            <a:noFill/>
-          </a:ln>
-        </p:spPr>
-      </p:pic>
-    </p:spTree>
-  </p:cSld>
-  <p:clrMapOvr>
-    <a:masterClrMapping/>
-  </p:clrMapOvr>
-</p:sld>
-</file>
-
-<file path=ppt/slides/slide19.xml><?xml version="1.0" encoding="utf-8"?>
-<p:sld xmlns:a="http://schemas.openxmlformats.org/drawingml/2006/main" xmlns:r="http://schemas.openxmlformats.org/officeDocument/2006/relationships" xmlns:p="http://schemas.openxmlformats.org/presentationml/2006/main">
-  <p:cSld>
-    <p:spTree>
-      <p:nvGrpSpPr>
-        <p:cNvPr id="1" name="Shape 152"/>
-        <p:cNvGrpSpPr/>
-        <p:nvPr/>
-      </p:nvGrpSpPr>
-      <p:grpSpPr>
-        <a:xfrm>
-          <a:off x="0" y="0"/>
-          <a:ext cx="0" cy="0"/>
-          <a:chOff x="0" y="0"/>
-          <a:chExt cx="0" cy="0"/>
-        </a:xfrm>
-      </p:grpSpPr>
-      <p:sp>
-        <p:nvSpPr>
-          <p:cNvPr id="153" name="Google Shape;153;p27"/>
-          <p:cNvSpPr txBox="1">
-            <a:spLocks noGrp="1"/>
-          </p:cNvSpPr>
-          <p:nvPr>
-            <p:ph type="title"/>
-          </p:nvPr>
-        </p:nvSpPr>
-        <p:spPr>
-          <a:xfrm>
-            <a:off x="311700" y="391350"/>
-            <a:ext cx="8520600" cy="626100"/>
-          </a:xfrm>
-          <a:prstGeom prst="rect">
-            <a:avLst/>
-          </a:prstGeom>
-        </p:spPr>
-        <p:txBody>
-          <a:bodyPr spcFirstLastPara="1" wrap="square" lIns="91425" tIns="91425" rIns="91425" bIns="91425" anchor="t" anchorCtr="0">
-            <a:normAutofit fontScale="90000"/>
-          </a:bodyPr>
-          <a:lstStyle/>
-          <a:p>
-            <a:pPr marL="0" lvl="0" indent="0" algn="l" rtl="0">
-              <a:spcBef>
-                <a:spcPts val="0"/>
-              </a:spcBef>
-              <a:spcAft>
-                <a:spcPts val="0"/>
-              </a:spcAft>
-              <a:buNone/>
-            </a:pPr>
-            <a:r>
-              <a:rPr lang="hu"/>
-              <a:t>Számológép</a:t>
-            </a:r>
-            <a:endParaRPr/>
-          </a:p>
-        </p:txBody>
-      </p:sp>
-      <p:sp>
-        <p:nvSpPr>
-          <p:cNvPr id="154" name="Google Shape;154;p27"/>
-          <p:cNvSpPr txBox="1"/>
-          <p:nvPr/>
-        </p:nvSpPr>
-        <p:spPr>
-          <a:xfrm>
-            <a:off x="419275" y="1283750"/>
-            <a:ext cx="3801000" cy="2697300"/>
-          </a:xfrm>
-          <a:prstGeom prst="rect">
-            <a:avLst/>
-          </a:prstGeom>
-          <a:noFill/>
-          <a:ln>
-            <a:noFill/>
-          </a:ln>
-        </p:spPr>
-        <p:txBody>
-          <a:bodyPr spcFirstLastPara="1" wrap="square" lIns="91425" tIns="91425" rIns="91425" bIns="91425" anchor="t" anchorCtr="0">
-            <a:noAutofit/>
-          </a:bodyPr>
-          <a:lstStyle/>
-          <a:p>
-            <a:pPr marL="0" lvl="0" indent="0" algn="l" rtl="0">
-              <a:spcBef>
-                <a:spcPts val="0"/>
-              </a:spcBef>
-              <a:spcAft>
-                <a:spcPts val="0"/>
-              </a:spcAft>
-              <a:buNone/>
-            </a:pPr>
-            <a:r>
-              <a:rPr lang="hu" sz="1600">
-                <a:solidFill>
-                  <a:srgbClr val="404040"/>
-                </a:solidFill>
-                <a:latin typeface="Roboto"/>
-                <a:ea typeface="Roboto"/>
-                <a:cs typeface="Roboto"/>
-                <a:sym typeface="Roboto"/>
-              </a:rPr>
-              <a:t>Egy egyszerű számológép, amely alap műveleteket végez.</a:t>
-            </a:r>
-            <a:endParaRPr sz="2600">
-              <a:solidFill>
-                <a:schemeClr val="dk2"/>
-              </a:solidFill>
-            </a:endParaRPr>
-          </a:p>
-        </p:txBody>
-      </p:sp>
-      <p:pic>
-        <p:nvPicPr>
-          <p:cNvPr id="155" name="Google Shape;155;p27"/>
-          <p:cNvPicPr preferRelativeResize="0"/>
-          <p:nvPr/>
-        </p:nvPicPr>
-        <p:blipFill>
-          <a:blip r:embed="rId3">
-            <a:alphaModFix/>
-          </a:blip>
-          <a:stretch>
-            <a:fillRect/>
-          </a:stretch>
-        </p:blipFill>
-        <p:spPr>
-          <a:xfrm>
-            <a:off x="4572000" y="564775"/>
-            <a:ext cx="3561215" cy="3820974"/>
           </a:xfrm>
           <a:prstGeom prst="rect">
             <a:avLst/>
@@ -10336,6 +10444,155 @@
   <p:cSld>
     <p:spTree>
       <p:nvGrpSpPr>
+        <p:cNvPr id="1" name="Shape 152"/>
+        <p:cNvGrpSpPr/>
+        <p:nvPr/>
+      </p:nvGrpSpPr>
+      <p:grpSpPr>
+        <a:xfrm>
+          <a:off x="0" y="0"/>
+          <a:ext cx="0" cy="0"/>
+          <a:chOff x="0" y="0"/>
+          <a:chExt cx="0" cy="0"/>
+        </a:xfrm>
+      </p:grpSpPr>
+      <p:sp>
+        <p:nvSpPr>
+          <p:cNvPr id="153" name="Google Shape;153;p27"/>
+          <p:cNvSpPr txBox="1">
+            <a:spLocks noGrp="1"/>
+          </p:cNvSpPr>
+          <p:nvPr>
+            <p:ph type="title"/>
+          </p:nvPr>
+        </p:nvSpPr>
+        <p:spPr>
+          <a:xfrm>
+            <a:off x="311700" y="391350"/>
+            <a:ext cx="8520600" cy="626100"/>
+          </a:xfrm>
+          <a:prstGeom prst="rect">
+            <a:avLst/>
+          </a:prstGeom>
+        </p:spPr>
+        <p:txBody>
+          <a:bodyPr spcFirstLastPara="1" wrap="square" lIns="91425" tIns="91425" rIns="91425" bIns="91425" anchor="t" anchorCtr="0">
+            <a:normAutofit fontScale="90000"/>
+          </a:bodyPr>
+          <a:lstStyle/>
+          <a:p>
+            <a:pPr marL="0" lvl="0" indent="0" algn="l" rtl="0">
+              <a:spcBef>
+                <a:spcPts val="0"/>
+              </a:spcBef>
+              <a:spcAft>
+                <a:spcPts val="0"/>
+              </a:spcAft>
+              <a:buNone/>
+            </a:pPr>
+            <a:r>
+              <a:rPr lang="hu"/>
+              <a:t>Számológép</a:t>
+            </a:r>
+            <a:endParaRPr/>
+          </a:p>
+        </p:txBody>
+      </p:sp>
+      <p:sp>
+        <p:nvSpPr>
+          <p:cNvPr id="154" name="Google Shape;154;p27"/>
+          <p:cNvSpPr txBox="1"/>
+          <p:nvPr/>
+        </p:nvSpPr>
+        <p:spPr>
+          <a:xfrm>
+            <a:off x="419275" y="1283750"/>
+            <a:ext cx="3801000" cy="2697300"/>
+          </a:xfrm>
+          <a:prstGeom prst="rect">
+            <a:avLst/>
+          </a:prstGeom>
+          <a:noFill/>
+          <a:ln>
+            <a:noFill/>
+          </a:ln>
+        </p:spPr>
+        <p:txBody>
+          <a:bodyPr spcFirstLastPara="1" wrap="square" lIns="91425" tIns="91425" rIns="91425" bIns="91425" anchor="t" anchorCtr="0">
+            <a:noAutofit/>
+          </a:bodyPr>
+          <a:lstStyle/>
+          <a:p>
+            <a:pPr marL="0" lvl="0" indent="0" algn="l" rtl="0">
+              <a:spcBef>
+                <a:spcPts val="0"/>
+              </a:spcBef>
+              <a:spcAft>
+                <a:spcPts val="0"/>
+              </a:spcAft>
+              <a:buNone/>
+            </a:pPr>
+            <a:r>
+              <a:rPr lang="hu" sz="1600">
+                <a:solidFill>
+                  <a:srgbClr val="404040"/>
+                </a:solidFill>
+                <a:latin typeface="Roboto"/>
+                <a:ea typeface="Roboto"/>
+                <a:cs typeface="Roboto"/>
+                <a:sym typeface="Roboto"/>
+              </a:rPr>
+              <a:t>Egy egyszerű számológép, amely alap műveleteket végez.</a:t>
+            </a:r>
+            <a:endParaRPr sz="2600">
+              <a:solidFill>
+                <a:schemeClr val="dk2"/>
+              </a:solidFill>
+            </a:endParaRPr>
+          </a:p>
+        </p:txBody>
+      </p:sp>
+      <p:pic>
+        <p:nvPicPr>
+          <p:cNvPr id="155" name="Google Shape;155;p27"/>
+          <p:cNvPicPr preferRelativeResize="0"/>
+          <p:nvPr/>
+        </p:nvPicPr>
+        <p:blipFill>
+          <a:blip r:embed="rId3">
+            <a:alphaModFix/>
+          </a:blip>
+          <a:stretch>
+            <a:fillRect/>
+          </a:stretch>
+        </p:blipFill>
+        <p:spPr>
+          <a:xfrm>
+            <a:off x="4572000" y="564775"/>
+            <a:ext cx="3561215" cy="3820974"/>
+          </a:xfrm>
+          <a:prstGeom prst="rect">
+            <a:avLst/>
+          </a:prstGeom>
+          <a:noFill/>
+          <a:ln>
+            <a:noFill/>
+          </a:ln>
+        </p:spPr>
+      </p:pic>
+    </p:spTree>
+  </p:cSld>
+  <p:clrMapOvr>
+    <a:masterClrMapping/>
+  </p:clrMapOvr>
+</p:sld>
+</file>
+
+<file path=ppt/slides/slide21.xml><?xml version="1.0" encoding="utf-8"?>
+<p:sld xmlns:a="http://schemas.openxmlformats.org/drawingml/2006/main" xmlns:r="http://schemas.openxmlformats.org/officeDocument/2006/relationships" xmlns:p="http://schemas.openxmlformats.org/presentationml/2006/main">
+  <p:cSld>
+    <p:spTree>
+      <p:nvGrpSpPr>
         <p:cNvPr id="1" name="Shape 159"/>
         <p:cNvGrpSpPr/>
         <p:nvPr/>
@@ -10480,7 +10737,7 @@
 </p:sld>
 </file>
 
-<file path=ppt/slides/slide21.xml><?xml version="1.0" encoding="utf-8"?>
+<file path=ppt/slides/slide22.xml><?xml version="1.0" encoding="utf-8"?>
 <p:sld xmlns:a="http://schemas.openxmlformats.org/drawingml/2006/main" xmlns:r="http://schemas.openxmlformats.org/officeDocument/2006/relationships" xmlns:p="http://schemas.openxmlformats.org/presentationml/2006/main">
   <p:cSld>
     <p:spTree>
@@ -10629,7 +10886,7 @@
 </p:sld>
 </file>
 
-<file path=ppt/slides/slide22.xml><?xml version="1.0" encoding="utf-8"?>
+<file path=ppt/slides/slide23.xml><?xml version="1.0" encoding="utf-8"?>
 <p:sld xmlns:a="http://schemas.openxmlformats.org/drawingml/2006/main" xmlns:r="http://schemas.openxmlformats.org/officeDocument/2006/relationships" xmlns:p="http://schemas.openxmlformats.org/presentationml/2006/main">
   <p:cSld>
     <p:spTree>
@@ -10778,7 +11035,7 @@
 </p:sld>
 </file>
 
-<file path=ppt/slides/slide23.xml><?xml version="1.0" encoding="utf-8"?>
+<file path=ppt/slides/slide24.xml><?xml version="1.0" encoding="utf-8"?>
 <p:sld xmlns:a="http://schemas.openxmlformats.org/drawingml/2006/main" xmlns:r="http://schemas.openxmlformats.org/officeDocument/2006/relationships" xmlns:p="http://schemas.openxmlformats.org/presentationml/2006/main">
   <p:cSld>
     <p:spTree>
@@ -11624,7 +11881,7 @@
           <a:p>
             <a:r>
               <a:rPr lang="hu-HU" dirty="0"/>
-              <a:t>Üdvözlés 3 féle programozási nyelven</a:t>
+              <a:t>Üdvözlés 4 féle programozási nyelven</a:t>
             </a:r>
             <a:endParaRPr lang="en-US" dirty="0"/>
           </a:p>
@@ -11653,7 +11910,7 @@
           <a:p>
             <a:r>
               <a:rPr lang="hu-HU" dirty="0"/>
-              <a:t>Megnézzük először Visual Basic Scriptben (VBS) az Excelen belül</a:t>
+              <a:t>Megnézzük először Visual Basic Script-ben (VBS) az Excelen belül</a:t>
             </a:r>
           </a:p>
           <a:p>
@@ -11663,9 +11920,26 @@
             </a:r>
             <a:r>
               <a:rPr lang="hu-HU" dirty="0" err="1"/>
-              <a:t>Javascriptben</a:t>
-            </a:r>
-            <a:endParaRPr lang="hu-HU" dirty="0"/>
+              <a:t>Javascript</a:t>
+            </a:r>
+            <a:r>
+              <a:rPr lang="hu-HU" dirty="0"/>
+              <a:t>-ben</a:t>
+            </a:r>
+          </a:p>
+          <a:p>
+            <a:r>
+              <a:rPr lang="hu-HU" dirty="0"/>
+              <a:t>… és </a:t>
+            </a:r>
+            <a:r>
+              <a:rPr lang="hu-HU" dirty="0" err="1"/>
+              <a:t>Scratch</a:t>
+            </a:r>
+            <a:r>
+              <a:rPr lang="hu-HU" dirty="0"/>
+              <a:t>-ben?</a:t>
+            </a:r>
           </a:p>
           <a:p>
             <a:r>
@@ -12225,7 +12499,7 @@
           <p:cNvPr id="2" name="Cím 1">
             <a:extLst>
               <a:ext uri="{FF2B5EF4-FFF2-40B4-BE49-F238E27FC236}">
-                <a16:creationId xmlns:a16="http://schemas.microsoft.com/office/drawing/2014/main" id="{FF2AE46F-F351-B6E6-A20F-2D4B9CFAD939}"/>
+                <a16:creationId xmlns:a16="http://schemas.microsoft.com/office/drawing/2014/main" id="{D078A1E8-8B29-65EF-D9E3-662DFDE7388A}"/>
               </a:ext>
             </a:extLst>
           </p:cNvPr>
@@ -12245,142 +12519,11 @@
           <a:p>
             <a:r>
               <a:rPr lang="hu-HU" dirty="0"/>
-              <a:t>Üdvözlés Pythonban</a:t>
-            </a:r>
-            <a:endParaRPr lang="en-US" dirty="0"/>
-          </a:p>
-        </p:txBody>
-      </p:sp>
-      <p:sp>
-        <p:nvSpPr>
-          <p:cNvPr id="3" name="Szöveg helye 2">
-            <a:extLst>
-              <a:ext uri="{FF2B5EF4-FFF2-40B4-BE49-F238E27FC236}">
-                <a16:creationId xmlns:a16="http://schemas.microsoft.com/office/drawing/2014/main" id="{B07AAF79-2A59-CAFD-5FA3-9961B3CB5704}"/>
-              </a:ext>
-            </a:extLst>
-          </p:cNvPr>
-          <p:cNvSpPr>
-            <a:spLocks noGrp="1"/>
-          </p:cNvSpPr>
-          <p:nvPr>
-            <p:ph type="body" idx="1"/>
-          </p:nvPr>
-        </p:nvSpPr>
-        <p:spPr/>
-        <p:txBody>
-          <a:bodyPr>
-            <a:normAutofit fontScale="92500" lnSpcReduction="10000"/>
-          </a:bodyPr>
-          <a:lstStyle/>
-          <a:p>
-            <a:pPr>
-              <a:buFont typeface="+mj-lt"/>
-              <a:buAutoNum type="arabicPeriod"/>
-            </a:pPr>
-            <a:r>
-              <a:rPr lang="hu-HU" dirty="0"/>
-              <a:t>Nyiss meg egy </a:t>
-            </a:r>
-            <a:r>
-              <a:rPr lang="hu-HU" b="1" dirty="0"/>
-              <a:t>Jegyzettömböt</a:t>
-            </a:r>
-            <a:r>
-              <a:rPr lang="hu-HU" dirty="0"/>
-              <a:t> vagy egy </a:t>
-            </a:r>
-            <a:r>
-              <a:rPr lang="hu-HU" b="1" dirty="0" err="1"/>
-              <a:t>Notepad</a:t>
-            </a:r>
-            <a:r>
-              <a:rPr lang="hu-HU" b="1" dirty="0"/>
-              <a:t>++ </a:t>
-            </a:r>
-            <a:r>
-              <a:rPr lang="hu-HU" dirty="0"/>
-              <a:t>-t és másold bele a következő kódot:</a:t>
-            </a:r>
-            <a:br>
-              <a:rPr lang="hu-HU" dirty="0"/>
-            </a:br>
-            <a:br>
-              <a:rPr lang="hu-HU" dirty="0"/>
-            </a:br>
-            <a:endParaRPr lang="hu-HU" dirty="0"/>
-          </a:p>
-          <a:p>
-            <a:pPr>
-              <a:buFont typeface="+mj-lt"/>
-              <a:buAutoNum type="arabicPeriod"/>
-            </a:pPr>
-            <a:r>
-              <a:rPr lang="hu-HU" dirty="0"/>
-              <a:t>Mentsd el </a:t>
-            </a:r>
-            <a:r>
-              <a:rPr lang="hu-HU" b="1" dirty="0"/>
-              <a:t>welcome.py </a:t>
-            </a:r>
-            <a:r>
-              <a:rPr lang="hu-HU" dirty="0"/>
-              <a:t>néven!</a:t>
-            </a:r>
-          </a:p>
-          <a:p>
-            <a:pPr>
-              <a:buFont typeface="+mj-lt"/>
-              <a:buAutoNum type="arabicPeriod"/>
-            </a:pPr>
-            <a:r>
-              <a:rPr lang="hu-HU" dirty="0"/>
-              <a:t>Indítsd el a programot parancssorból </a:t>
-            </a:r>
-            <a:r>
-              <a:rPr lang="hu-HU" b="1" dirty="0" err="1"/>
-              <a:t>cmd</a:t>
-            </a:r>
-            <a:r>
-              <a:rPr lang="hu-HU" dirty="0"/>
-              <a:t> vagy </a:t>
-            </a:r>
-            <a:r>
-              <a:rPr lang="hu-HU" b="1" dirty="0"/>
-              <a:t>PowerShell</a:t>
-            </a:r>
-            <a:r>
-              <a:rPr lang="hu-HU" dirty="0"/>
-              <a:t>:</a:t>
-            </a:r>
-            <a:br>
-              <a:rPr lang="hu-HU" dirty="0"/>
-            </a:br>
-            <a:br>
-              <a:rPr lang="hu-HU" dirty="0"/>
-            </a:br>
-            <a:br>
-              <a:rPr lang="hu-HU" dirty="0"/>
-            </a:br>
-            <a:br>
-              <a:rPr lang="hu-HU" dirty="0"/>
-            </a:br>
-            <a:endParaRPr lang="hu-HU" dirty="0"/>
-          </a:p>
-          <a:p>
-            <a:pPr>
-              <a:buFont typeface="+mj-lt"/>
-              <a:buAutoNum type="arabicPeriod"/>
-            </a:pPr>
-            <a:r>
-              <a:rPr lang="hu-HU" dirty="0"/>
-              <a:t>Vagy másold be egy online </a:t>
-            </a:r>
-            <a:r>
-              <a:rPr lang="en-US" dirty="0">
-                <a:hlinkClick r:id="rId2"/>
-              </a:rPr>
-              <a:t>https://www.online-python.com/</a:t>
+              <a:t>Üdvözlés </a:t>
+            </a:r>
+            <a:r>
+              <a:rPr lang="hu-HU" dirty="0" err="1"/>
+              <a:t>Scratchben</a:t>
             </a:r>
             <a:endParaRPr lang="en-US" dirty="0"/>
           </a:p>
@@ -12391,7 +12534,37 @@
           <p:cNvPr id="5" name="Kép 4">
             <a:extLst>
               <a:ext uri="{FF2B5EF4-FFF2-40B4-BE49-F238E27FC236}">
-                <a16:creationId xmlns:a16="http://schemas.microsoft.com/office/drawing/2014/main" id="{A32A6FEE-101D-92D4-2AA2-6204D9A57143}"/>
+                <a16:creationId xmlns:a16="http://schemas.microsoft.com/office/drawing/2014/main" id="{5E3AEDFE-CD1A-739A-B65C-70488B10FFAD}"/>
+              </a:ext>
+            </a:extLst>
+          </p:cNvPr>
+          <p:cNvPicPr>
+            <a:picLocks noChangeAspect="1"/>
+          </p:cNvPicPr>
+          <p:nvPr/>
+        </p:nvPicPr>
+        <p:blipFill>
+          <a:blip r:embed="rId2"/>
+          <a:stretch>
+            <a:fillRect/>
+          </a:stretch>
+        </p:blipFill>
+        <p:spPr>
+          <a:xfrm>
+            <a:off x="395310" y="1271883"/>
+            <a:ext cx="4737799" cy="1579266"/>
+          </a:xfrm>
+          <a:prstGeom prst="rect">
+            <a:avLst/>
+          </a:prstGeom>
+        </p:spPr>
+      </p:pic>
+      <p:pic>
+        <p:nvPicPr>
+          <p:cNvPr id="7" name="Kép 6">
+            <a:extLst>
+              <a:ext uri="{FF2B5EF4-FFF2-40B4-BE49-F238E27FC236}">
+                <a16:creationId xmlns:a16="http://schemas.microsoft.com/office/drawing/2014/main" id="{476CF647-8121-67A0-0AC0-2F423B3DBFDC}"/>
               </a:ext>
             </a:extLst>
           </p:cNvPr>
@@ -12408,8 +12581,8 @@
         </p:blipFill>
         <p:spPr>
           <a:xfrm>
-            <a:off x="1733132" y="2895100"/>
-            <a:ext cx="5331864" cy="1011804"/>
+            <a:off x="5355772" y="518817"/>
+            <a:ext cx="3151492" cy="2052933"/>
           </a:xfrm>
           <a:prstGeom prst="rect">
             <a:avLst/>
@@ -12418,10 +12591,10 @@
       </p:pic>
       <p:pic>
         <p:nvPicPr>
-          <p:cNvPr id="7" name="Kép 6">
+          <p:cNvPr id="9" name="Kép 8">
             <a:extLst>
               <a:ext uri="{FF2B5EF4-FFF2-40B4-BE49-F238E27FC236}">
-                <a16:creationId xmlns:a16="http://schemas.microsoft.com/office/drawing/2014/main" id="{5B1DB762-7854-4B63-CE0E-233789415AB6}"/>
+                <a16:creationId xmlns:a16="http://schemas.microsoft.com/office/drawing/2014/main" id="{89D3F94F-0E3F-7D8E-09DC-9141170F0F0A}"/>
               </a:ext>
             </a:extLst>
           </p:cNvPr>
@@ -12438,8 +12611,8 @@
         </p:blipFill>
         <p:spPr>
           <a:xfrm>
-            <a:off x="1580732" y="1642497"/>
-            <a:ext cx="5982535" cy="590632"/>
+            <a:off x="6264584" y="2699217"/>
+            <a:ext cx="2057687" cy="1657581"/>
           </a:xfrm>
           <a:prstGeom prst="rect">
             <a:avLst/>
@@ -12449,7 +12622,7 @@
     </p:spTree>
     <p:extLst>
       <p:ext uri="{BB962C8B-B14F-4D97-AF65-F5344CB8AC3E}">
-        <p14:creationId xmlns:p14="http://schemas.microsoft.com/office/powerpoint/2010/main" val="1290536375"/>
+        <p14:creationId xmlns:p14="http://schemas.microsoft.com/office/powerpoint/2010/main" val="695231929"/>
       </p:ext>
     </p:extLst>
   </p:cSld>

--- a/prog/Bevezetés a Programozás Világába.pptx
+++ b/prog/Bevezetés a Programozás Világába.pptx
@@ -5,7 +5,7 @@
     <p:sldMasterId id="2147483659" r:id="rId1"/>
   </p:sldMasterIdLst>
   <p:notesMasterIdLst>
-    <p:notesMasterId r:id="rId26"/>
+    <p:notesMasterId r:id="rId30"/>
   </p:notesMasterIdLst>
   <p:sldIdLst>
     <p:sldId id="256" r:id="rId2"/>
@@ -23,39 +23,43 @@
     <p:sldId id="263" r:id="rId14"/>
     <p:sldId id="264" r:id="rId15"/>
     <p:sldId id="265" r:id="rId16"/>
-    <p:sldId id="266" r:id="rId17"/>
-    <p:sldId id="267" r:id="rId18"/>
-    <p:sldId id="268" r:id="rId19"/>
-    <p:sldId id="269" r:id="rId20"/>
-    <p:sldId id="270" r:id="rId21"/>
-    <p:sldId id="271" r:id="rId22"/>
-    <p:sldId id="272" r:id="rId23"/>
-    <p:sldId id="273" r:id="rId24"/>
-    <p:sldId id="274" r:id="rId25"/>
+    <p:sldId id="280" r:id="rId17"/>
+    <p:sldId id="281" r:id="rId18"/>
+    <p:sldId id="282" r:id="rId19"/>
+    <p:sldId id="283" r:id="rId20"/>
+    <p:sldId id="266" r:id="rId21"/>
+    <p:sldId id="267" r:id="rId22"/>
+    <p:sldId id="268" r:id="rId23"/>
+    <p:sldId id="269" r:id="rId24"/>
+    <p:sldId id="270" r:id="rId25"/>
+    <p:sldId id="271" r:id="rId26"/>
+    <p:sldId id="272" r:id="rId27"/>
+    <p:sldId id="273" r:id="rId28"/>
+    <p:sldId id="274" r:id="rId29"/>
   </p:sldIdLst>
   <p:sldSz cx="9144000" cy="5143500" type="screen16x9"/>
   <p:notesSz cx="6858000" cy="9144000"/>
   <p:embeddedFontLst>
     <p:embeddedFont>
       <p:font typeface="Lato" panose="020F0502020204030203" pitchFamily="34" charset="0"/>
-      <p:regular r:id="rId27"/>
-      <p:bold r:id="rId28"/>
-      <p:italic r:id="rId29"/>
-      <p:boldItalic r:id="rId30"/>
-    </p:embeddedFont>
-    <p:embeddedFont>
-      <p:font typeface="Playfair Display" panose="00000500000000000000" pitchFamily="2" charset="0"/>
       <p:regular r:id="rId31"/>
       <p:bold r:id="rId32"/>
       <p:italic r:id="rId33"/>
       <p:boldItalic r:id="rId34"/>
     </p:embeddedFont>
     <p:embeddedFont>
-      <p:font typeface="Roboto" panose="02000000000000000000" pitchFamily="2" charset="0"/>
+      <p:font typeface="Playfair Display" panose="00000500000000000000" pitchFamily="2" charset="0"/>
       <p:regular r:id="rId35"/>
       <p:bold r:id="rId36"/>
       <p:italic r:id="rId37"/>
       <p:boldItalic r:id="rId38"/>
+    </p:embeddedFont>
+    <p:embeddedFont>
+      <p:font typeface="Roboto" panose="02000000000000000000" pitchFamily="2" charset="0"/>
+      <p:regular r:id="rId39"/>
+      <p:bold r:id="rId40"/>
+      <p:italic r:id="rId41"/>
+      <p:boldItalic r:id="rId42"/>
     </p:embeddedFont>
   </p:embeddedFontLst>
   <p:defaultTextStyle>
@@ -9717,7 +9721,7 @@
   <p:cSld>
     <p:spTree>
       <p:nvGrpSpPr>
-        <p:cNvPr id="1" name="Shape 123"/>
+        <p:cNvPr id="1" name=""/>
         <p:cNvGrpSpPr/>
         <p:nvPr/>
       </p:nvGrpSpPr>
@@ -9731,50 +9735,45 @@
       </p:grpSpPr>
       <p:sp>
         <p:nvSpPr>
-          <p:cNvPr id="124" name="Google Shape;124;p23"/>
-          <p:cNvSpPr txBox="1">
+          <p:cNvPr id="2" name="Cím 1">
+            <a:extLst>
+              <a:ext uri="{FF2B5EF4-FFF2-40B4-BE49-F238E27FC236}">
+                <a16:creationId xmlns:a16="http://schemas.microsoft.com/office/drawing/2014/main" id="{E07591FD-706B-CE0B-8C13-8A38E282B08D}"/>
+              </a:ext>
+            </a:extLst>
+          </p:cNvPr>
+          <p:cNvSpPr>
             <a:spLocks noGrp="1"/>
           </p:cNvSpPr>
           <p:nvPr>
             <p:ph type="title"/>
           </p:nvPr>
         </p:nvSpPr>
-        <p:spPr>
-          <a:xfrm>
-            <a:off x="311700" y="391350"/>
-            <a:ext cx="8520600" cy="626100"/>
-          </a:xfrm>
-          <a:prstGeom prst="rect">
-            <a:avLst/>
-          </a:prstGeom>
-        </p:spPr>
+        <p:spPr/>
         <p:txBody>
-          <a:bodyPr spcFirstLastPara="1" wrap="square" lIns="91425" tIns="91425" rIns="91425" bIns="91425" anchor="t" anchorCtr="0">
+          <a:bodyPr>
             <a:normAutofit fontScale="90000"/>
           </a:bodyPr>
           <a:lstStyle/>
           <a:p>
-            <a:pPr marL="0" lvl="0" indent="0" algn="l" rtl="0">
-              <a:spcBef>
-                <a:spcPts val="0"/>
-              </a:spcBef>
-              <a:spcAft>
-                <a:spcPts val="0"/>
-              </a:spcAft>
-              <a:buNone/>
-            </a:pPr>
-            <a:r>
-              <a:rPr lang="hu"/>
-              <a:t>Haladó Python</a:t>
-            </a:r>
-            <a:endParaRPr/>
+            <a:r>
+              <a:rPr lang="hu-HU" dirty="0"/>
+              <a:t>Ciklusok</a:t>
+            </a:r>
+            <a:endParaRPr lang="en-US" dirty="0"/>
           </a:p>
         </p:txBody>
       </p:sp>
       <p:sp>
         <p:nvSpPr>
-          <p:cNvPr id="125" name="Google Shape;125;p23"/>
-          <p:cNvSpPr txBox="1">
+          <p:cNvPr id="3" name="Szöveg helye 2">
+            <a:extLst>
+              <a:ext uri="{FF2B5EF4-FFF2-40B4-BE49-F238E27FC236}">
+                <a16:creationId xmlns:a16="http://schemas.microsoft.com/office/drawing/2014/main" id="{6D73D728-370C-92AB-E782-F62089E0B7F7}"/>
+              </a:ext>
+            </a:extLst>
+          </p:cNvPr>
+          <p:cNvSpPr>
             <a:spLocks noGrp="1"/>
           </p:cNvSpPr>
           <p:nvPr>
@@ -9784,164 +9783,164 @@
         <p:spPr>
           <a:xfrm>
             <a:off x="311700" y="1152475"/>
-            <a:ext cx="8520600" cy="3416400"/>
-          </a:xfrm>
-          <a:prstGeom prst="rect">
-            <a:avLst/>
-          </a:prstGeom>
+            <a:ext cx="4260300" cy="810140"/>
+          </a:xfrm>
         </p:spPr>
         <p:txBody>
-          <a:bodyPr spcFirstLastPara="1" wrap="square" lIns="91425" tIns="91425" rIns="91425" bIns="91425" anchor="t" anchorCtr="0">
-            <a:normAutofit/>
-          </a:bodyPr>
+          <a:bodyPr/>
           <a:lstStyle/>
           <a:p>
-            <a:pPr marL="457200" lvl="0" indent="-387350" algn="l" rtl="0">
-              <a:lnSpc>
-                <a:spcPct val="100000"/>
-              </a:lnSpc>
-              <a:spcBef>
-                <a:spcPts val="0"/>
-              </a:spcBef>
-              <a:spcAft>
-                <a:spcPts val="0"/>
-              </a:spcAft>
-              <a:buSzPts val="2500"/>
-              <a:buChar char="●"/>
-            </a:pPr>
-            <a:r>
-              <a:rPr lang="hu" sz="2500"/>
-              <a:t>Listák és szótárak:</a:t>
-            </a:r>
-            <a:endParaRPr sz="2500"/>
-          </a:p>
-          <a:p>
-            <a:pPr marL="457200" lvl="0" indent="-387350" algn="l" rtl="0">
-              <a:lnSpc>
-                <a:spcPct val="100000"/>
-              </a:lnSpc>
-              <a:spcBef>
-                <a:spcPts val="0"/>
-              </a:spcBef>
-              <a:spcAft>
-                <a:spcPts val="0"/>
-              </a:spcAft>
-              <a:buSzPts val="2500"/>
-              <a:buChar char="●"/>
-            </a:pPr>
-            <a:r>
-              <a:rPr lang="hu" sz="2500"/>
-              <a:t>Fájlkezelés:</a:t>
-            </a:r>
-            <a:endParaRPr sz="2500"/>
-          </a:p>
-          <a:p>
-            <a:pPr marL="457200" lvl="0" indent="-387350" algn="l" rtl="0">
-              <a:lnSpc>
-                <a:spcPct val="100000"/>
-              </a:lnSpc>
-              <a:spcBef>
-                <a:spcPts val="0"/>
-              </a:spcBef>
-              <a:spcAft>
-                <a:spcPts val="0"/>
-              </a:spcAft>
-              <a:buSzPts val="2500"/>
-              <a:buChar char="●"/>
-            </a:pPr>
-            <a:r>
-              <a:rPr lang="hu" sz="2500"/>
-              <a:t>Modulok és csomagok:</a:t>
-            </a:r>
-            <a:endParaRPr sz="2500"/>
+            <a:r>
+              <a:rPr lang="hu-HU" b="1" dirty="0"/>
+              <a:t>Feladat</a:t>
+            </a:r>
+            <a:r>
+              <a:rPr lang="hu-HU" dirty="0"/>
+              <a:t>: Számoljunk el 1-től 5-ig</a:t>
+            </a:r>
+            <a:endParaRPr lang="en-US" dirty="0"/>
           </a:p>
         </p:txBody>
       </p:sp>
       <p:pic>
         <p:nvPicPr>
-          <p:cNvPr id="126" name="Google Shape;126;p23"/>
-          <p:cNvPicPr preferRelativeResize="0"/>
+          <p:cNvPr id="7" name="Kép 6">
+            <a:extLst>
+              <a:ext uri="{FF2B5EF4-FFF2-40B4-BE49-F238E27FC236}">
+                <a16:creationId xmlns:a16="http://schemas.microsoft.com/office/drawing/2014/main" id="{76D31B35-28BB-3A2C-99CB-3BA9478459A1}"/>
+              </a:ext>
+            </a:extLst>
+          </p:cNvPr>
+          <p:cNvPicPr>
+            <a:picLocks noChangeAspect="1"/>
+          </p:cNvPicPr>
           <p:nvPr/>
         </p:nvPicPr>
         <p:blipFill>
-          <a:blip r:embed="rId3">
-            <a:alphaModFix/>
-          </a:blip>
+          <a:blip r:embed="rId2"/>
           <a:stretch>
             <a:fillRect/>
           </a:stretch>
         </p:blipFill>
         <p:spPr>
           <a:xfrm>
-            <a:off x="4447249" y="668299"/>
-            <a:ext cx="4007275" cy="1541250"/>
+            <a:off x="933547" y="1743509"/>
+            <a:ext cx="2790315" cy="635418"/>
           </a:xfrm>
           <a:prstGeom prst="rect">
             <a:avLst/>
           </a:prstGeom>
-          <a:noFill/>
           <a:ln>
-            <a:noFill/>
+            <a:solidFill>
+              <a:schemeClr val="accent1"/>
+            </a:solidFill>
           </a:ln>
+          <a:effectLst>
+            <a:softEdge rad="0"/>
+          </a:effectLst>
         </p:spPr>
       </p:pic>
       <p:pic>
         <p:nvPicPr>
-          <p:cNvPr id="127" name="Google Shape;127;p23"/>
-          <p:cNvPicPr preferRelativeResize="0"/>
+          <p:cNvPr id="9" name="Kép 8">
+            <a:extLst>
+              <a:ext uri="{FF2B5EF4-FFF2-40B4-BE49-F238E27FC236}">
+                <a16:creationId xmlns:a16="http://schemas.microsoft.com/office/drawing/2014/main" id="{5B5B878F-597E-CFCA-1DD3-E76BE1B10D45}"/>
+              </a:ext>
+            </a:extLst>
+          </p:cNvPr>
+          <p:cNvPicPr>
+            <a:picLocks noChangeAspect="1"/>
+          </p:cNvPicPr>
           <p:nvPr/>
         </p:nvPicPr>
         <p:blipFill>
-          <a:blip r:embed="rId4">
-            <a:alphaModFix/>
-          </a:blip>
+          <a:blip r:embed="rId3"/>
           <a:stretch>
             <a:fillRect/>
           </a:stretch>
         </p:blipFill>
         <p:spPr>
           <a:xfrm>
-            <a:off x="3504225" y="2627810"/>
-            <a:ext cx="4950300" cy="1655900"/>
+            <a:off x="4142710" y="704400"/>
+            <a:ext cx="4067743" cy="3581900"/>
           </a:xfrm>
           <a:prstGeom prst="rect">
             <a:avLst/>
           </a:prstGeom>
-          <a:noFill/>
-          <a:ln>
-            <a:noFill/>
-          </a:ln>
         </p:spPr>
       </p:pic>
       <p:pic>
         <p:nvPicPr>
-          <p:cNvPr id="128" name="Google Shape;128;p23"/>
-          <p:cNvPicPr preferRelativeResize="0"/>
+          <p:cNvPr id="11" name="Kép 10">
+            <a:extLst>
+              <a:ext uri="{FF2B5EF4-FFF2-40B4-BE49-F238E27FC236}">
+                <a16:creationId xmlns:a16="http://schemas.microsoft.com/office/drawing/2014/main" id="{7E2CA2C4-8CC1-1762-AFF7-D0D976F0B38B}"/>
+              </a:ext>
+            </a:extLst>
+          </p:cNvPr>
+          <p:cNvPicPr>
+            <a:picLocks noChangeAspect="1"/>
+          </p:cNvPicPr>
           <p:nvPr/>
         </p:nvPicPr>
         <p:blipFill>
-          <a:blip r:embed="rId5">
-            <a:alphaModFix/>
-          </a:blip>
+          <a:blip r:embed="rId4"/>
           <a:stretch>
             <a:fillRect/>
           </a:stretch>
         </p:blipFill>
         <p:spPr>
           <a:xfrm>
-            <a:off x="311707" y="2690557"/>
-            <a:ext cx="2892050" cy="1424000"/>
+            <a:off x="6907826" y="370980"/>
+            <a:ext cx="1822798" cy="1814660"/>
           </a:xfrm>
           <a:prstGeom prst="rect">
             <a:avLst/>
           </a:prstGeom>
-          <a:noFill/>
+        </p:spPr>
+      </p:pic>
+      <p:pic>
+        <p:nvPicPr>
+          <p:cNvPr id="13" name="Kép 12">
+            <a:extLst>
+              <a:ext uri="{FF2B5EF4-FFF2-40B4-BE49-F238E27FC236}">
+                <a16:creationId xmlns:a16="http://schemas.microsoft.com/office/drawing/2014/main" id="{5209F219-9ED6-2428-22F8-300733D3CE3C}"/>
+              </a:ext>
+            </a:extLst>
+          </p:cNvPr>
+          <p:cNvPicPr>
+            <a:picLocks noChangeAspect="1"/>
+          </p:cNvPicPr>
+          <p:nvPr/>
+        </p:nvPicPr>
+        <p:blipFill>
+          <a:blip r:embed="rId5"/>
+          <a:stretch>
+            <a:fillRect/>
+          </a:stretch>
+        </p:blipFill>
+        <p:spPr>
+          <a:xfrm>
+            <a:off x="933547" y="2829320"/>
+            <a:ext cx="2042626" cy="1456979"/>
+          </a:xfrm>
+          <a:prstGeom prst="rect">
+            <a:avLst/>
+          </a:prstGeom>
           <a:ln>
-            <a:noFill/>
+            <a:solidFill>
+              <a:schemeClr val="accent1"/>
+            </a:solidFill>
           </a:ln>
         </p:spPr>
       </p:pic>
     </p:spTree>
+    <p:extLst>
+      <p:ext uri="{BB962C8B-B14F-4D97-AF65-F5344CB8AC3E}">
+        <p14:creationId xmlns:p14="http://schemas.microsoft.com/office/powerpoint/2010/main" val="3356495796"/>
+      </p:ext>
+    </p:extLst>
   </p:cSld>
   <p:clrMapOvr>
     <a:masterClrMapping/>
@@ -9954,7 +9953,278 @@
   <p:cSld>
     <p:spTree>
       <p:nvGrpSpPr>
-        <p:cNvPr id="1" name="Shape 132"/>
+        <p:cNvPr id="1" name="">
+          <a:extLst>
+            <a:ext uri="{FF2B5EF4-FFF2-40B4-BE49-F238E27FC236}">
+              <a16:creationId xmlns:a16="http://schemas.microsoft.com/office/drawing/2014/main" id="{10C3617D-671F-E57D-9340-2A2352309FB5}"/>
+            </a:ext>
+          </a:extLst>
+        </p:cNvPr>
+        <p:cNvGrpSpPr/>
+        <p:nvPr/>
+      </p:nvGrpSpPr>
+      <p:grpSpPr>
+        <a:xfrm>
+          <a:off x="0" y="0"/>
+          <a:ext cx="0" cy="0"/>
+          <a:chOff x="0" y="0"/>
+          <a:chExt cx="0" cy="0"/>
+        </a:xfrm>
+      </p:grpSpPr>
+      <p:pic>
+        <p:nvPicPr>
+          <p:cNvPr id="12" name="Kép 11">
+            <a:extLst>
+              <a:ext uri="{FF2B5EF4-FFF2-40B4-BE49-F238E27FC236}">
+                <a16:creationId xmlns:a16="http://schemas.microsoft.com/office/drawing/2014/main" id="{1082AB8F-6BFA-CF03-DA56-DFB401CFC8F2}"/>
+              </a:ext>
+            </a:extLst>
+          </p:cNvPr>
+          <p:cNvPicPr>
+            <a:picLocks noChangeAspect="1"/>
+          </p:cNvPicPr>
+          <p:nvPr/>
+        </p:nvPicPr>
+        <p:blipFill>
+          <a:blip r:embed="rId2"/>
+          <a:stretch>
+            <a:fillRect/>
+          </a:stretch>
+        </p:blipFill>
+        <p:spPr>
+          <a:xfrm>
+            <a:off x="4379104" y="773094"/>
+            <a:ext cx="3639058" cy="3505689"/>
+          </a:xfrm>
+          <a:prstGeom prst="rect">
+            <a:avLst/>
+          </a:prstGeom>
+        </p:spPr>
+      </p:pic>
+      <p:sp>
+        <p:nvSpPr>
+          <p:cNvPr id="2" name="Cím 1">
+            <a:extLst>
+              <a:ext uri="{FF2B5EF4-FFF2-40B4-BE49-F238E27FC236}">
+                <a16:creationId xmlns:a16="http://schemas.microsoft.com/office/drawing/2014/main" id="{1FDAB0C7-D225-A570-AEE5-3AB6B77B88B2}"/>
+              </a:ext>
+            </a:extLst>
+          </p:cNvPr>
+          <p:cNvSpPr>
+            <a:spLocks noGrp="1"/>
+          </p:cNvSpPr>
+          <p:nvPr>
+            <p:ph type="title"/>
+          </p:nvPr>
+        </p:nvSpPr>
+        <p:spPr/>
+        <p:txBody>
+          <a:bodyPr>
+            <a:normAutofit fontScale="90000"/>
+          </a:bodyPr>
+          <a:lstStyle/>
+          <a:p>
+            <a:r>
+              <a:rPr lang="hu-HU" dirty="0"/>
+              <a:t>Ciklusok</a:t>
+            </a:r>
+            <a:r>
+              <a:rPr lang="en-US" dirty="0"/>
+              <a:t> </a:t>
+            </a:r>
+            <a:r>
+              <a:rPr lang="hu-HU" dirty="0"/>
+              <a:t>visszafelé</a:t>
+            </a:r>
+            <a:endParaRPr lang="en-US" dirty="0"/>
+          </a:p>
+        </p:txBody>
+      </p:sp>
+      <p:sp>
+        <p:nvSpPr>
+          <p:cNvPr id="3" name="Szöveg helye 2">
+            <a:extLst>
+              <a:ext uri="{FF2B5EF4-FFF2-40B4-BE49-F238E27FC236}">
+                <a16:creationId xmlns:a16="http://schemas.microsoft.com/office/drawing/2014/main" id="{28E9E56F-0F9C-58A9-F6E4-58F3651CE634}"/>
+              </a:ext>
+            </a:extLst>
+          </p:cNvPr>
+          <p:cNvSpPr>
+            <a:spLocks noGrp="1"/>
+          </p:cNvSpPr>
+          <p:nvPr>
+            <p:ph type="body" idx="1"/>
+          </p:nvPr>
+        </p:nvSpPr>
+        <p:spPr>
+          <a:xfrm>
+            <a:off x="311700" y="1152475"/>
+            <a:ext cx="4260300" cy="810140"/>
+          </a:xfrm>
+        </p:spPr>
+        <p:txBody>
+          <a:bodyPr/>
+          <a:lstStyle/>
+          <a:p>
+            <a:r>
+              <a:rPr lang="hu-HU" b="1" dirty="0"/>
+              <a:t>Feladat</a:t>
+            </a:r>
+            <a:r>
+              <a:rPr lang="hu-HU" dirty="0"/>
+              <a:t>: Számoljunk el </a:t>
+            </a:r>
+            <a:r>
+              <a:rPr lang="en-US" dirty="0"/>
+              <a:t>5</a:t>
+            </a:r>
+            <a:r>
+              <a:rPr lang="hu-HU" dirty="0"/>
+              <a:t>-</a:t>
+            </a:r>
+            <a:r>
+              <a:rPr lang="hu-HU" dirty="0" err="1"/>
+              <a:t>től</a:t>
+            </a:r>
+            <a:r>
+              <a:rPr lang="hu-HU" dirty="0"/>
+              <a:t> </a:t>
+            </a:r>
+            <a:r>
+              <a:rPr lang="en-US" dirty="0"/>
+              <a:t>1</a:t>
+            </a:r>
+            <a:r>
+              <a:rPr lang="hu-HU" dirty="0"/>
+              <a:t>-</a:t>
+            </a:r>
+            <a:r>
+              <a:rPr lang="hu-HU" dirty="0" err="1"/>
+              <a:t>ig</a:t>
+            </a:r>
+            <a:endParaRPr lang="en-US" dirty="0"/>
+          </a:p>
+        </p:txBody>
+      </p:sp>
+      <p:pic>
+        <p:nvPicPr>
+          <p:cNvPr id="11" name="Kép 10">
+            <a:extLst>
+              <a:ext uri="{FF2B5EF4-FFF2-40B4-BE49-F238E27FC236}">
+                <a16:creationId xmlns:a16="http://schemas.microsoft.com/office/drawing/2014/main" id="{29C8DBEB-368B-DF12-D114-7037D17FD609}"/>
+              </a:ext>
+            </a:extLst>
+          </p:cNvPr>
+          <p:cNvPicPr>
+            <a:picLocks noChangeAspect="1"/>
+          </p:cNvPicPr>
+          <p:nvPr/>
+        </p:nvPicPr>
+        <p:blipFill>
+          <a:blip r:embed="rId3"/>
+          <a:stretch>
+            <a:fillRect/>
+          </a:stretch>
+        </p:blipFill>
+        <p:spPr>
+          <a:xfrm>
+            <a:off x="6907826" y="370980"/>
+            <a:ext cx="1822798" cy="1814660"/>
+          </a:xfrm>
+          <a:prstGeom prst="rect">
+            <a:avLst/>
+          </a:prstGeom>
+        </p:spPr>
+      </p:pic>
+      <p:pic>
+        <p:nvPicPr>
+          <p:cNvPr id="5" name="Kép 4">
+            <a:extLst>
+              <a:ext uri="{FF2B5EF4-FFF2-40B4-BE49-F238E27FC236}">
+                <a16:creationId xmlns:a16="http://schemas.microsoft.com/office/drawing/2014/main" id="{453C7BA2-1BFC-21FE-5902-67A50A8B652F}"/>
+              </a:ext>
+            </a:extLst>
+          </p:cNvPr>
+          <p:cNvPicPr>
+            <a:picLocks noChangeAspect="1"/>
+          </p:cNvPicPr>
+          <p:nvPr/>
+        </p:nvPicPr>
+        <p:blipFill>
+          <a:blip r:embed="rId4"/>
+          <a:stretch>
+            <a:fillRect/>
+          </a:stretch>
+        </p:blipFill>
+        <p:spPr>
+          <a:xfrm>
+            <a:off x="926051" y="2764573"/>
+            <a:ext cx="1794663" cy="1382555"/>
+          </a:xfrm>
+          <a:prstGeom prst="rect">
+            <a:avLst/>
+          </a:prstGeom>
+          <a:ln>
+            <a:solidFill>
+              <a:schemeClr val="accent1"/>
+            </a:solidFill>
+          </a:ln>
+        </p:spPr>
+      </p:pic>
+      <p:pic>
+        <p:nvPicPr>
+          <p:cNvPr id="8" name="Kép 7">
+            <a:extLst>
+              <a:ext uri="{FF2B5EF4-FFF2-40B4-BE49-F238E27FC236}">
+                <a16:creationId xmlns:a16="http://schemas.microsoft.com/office/drawing/2014/main" id="{B1ECB557-DF4C-8422-9F69-642756A5D89A}"/>
+              </a:ext>
+            </a:extLst>
+          </p:cNvPr>
+          <p:cNvPicPr>
+            <a:picLocks noChangeAspect="1"/>
+          </p:cNvPicPr>
+          <p:nvPr/>
+        </p:nvPicPr>
+        <p:blipFill>
+          <a:blip r:embed="rId5"/>
+          <a:stretch>
+            <a:fillRect/>
+          </a:stretch>
+        </p:blipFill>
+        <p:spPr>
+          <a:xfrm>
+            <a:off x="926050" y="1715799"/>
+            <a:ext cx="2936757" cy="810140"/>
+          </a:xfrm>
+          <a:prstGeom prst="rect">
+            <a:avLst/>
+          </a:prstGeom>
+          <a:ln>
+            <a:solidFill>
+              <a:schemeClr val="accent1"/>
+            </a:solidFill>
+          </a:ln>
+        </p:spPr>
+      </p:pic>
+    </p:spTree>
+    <p:extLst>
+      <p:ext uri="{BB962C8B-B14F-4D97-AF65-F5344CB8AC3E}">
+        <p14:creationId xmlns:p14="http://schemas.microsoft.com/office/powerpoint/2010/main" val="28318076"/>
+      </p:ext>
+    </p:extLst>
+  </p:cSld>
+  <p:clrMapOvr>
+    <a:masterClrMapping/>
+  </p:clrMapOvr>
+</p:sld>
+</file>
+
+<file path=ppt/slides/slide18.xml><?xml version="1.0" encoding="utf-8"?>
+<p:sld xmlns:a="http://schemas.openxmlformats.org/drawingml/2006/main" xmlns:r="http://schemas.openxmlformats.org/officeDocument/2006/relationships" xmlns:p="http://schemas.openxmlformats.org/presentationml/2006/main">
+  <p:cSld>
+    <p:spTree>
+      <p:nvGrpSpPr>
+        <p:cNvPr id="1" name=""/>
         <p:cNvGrpSpPr/>
         <p:nvPr/>
       </p:nvGrpSpPr>
@@ -9968,117 +10238,177 @@
       </p:grpSpPr>
       <p:sp>
         <p:nvSpPr>
-          <p:cNvPr id="133" name="Google Shape;133;p24"/>
-          <p:cNvSpPr txBox="1">
+          <p:cNvPr id="2" name="Cím 1">
+            <a:extLst>
+              <a:ext uri="{FF2B5EF4-FFF2-40B4-BE49-F238E27FC236}">
+                <a16:creationId xmlns:a16="http://schemas.microsoft.com/office/drawing/2014/main" id="{E367FC36-0D5E-C4C6-37F8-84BE44D39D38}"/>
+              </a:ext>
+            </a:extLst>
+          </p:cNvPr>
+          <p:cNvSpPr>
             <a:spLocks noGrp="1"/>
           </p:cNvSpPr>
           <p:nvPr>
             <p:ph type="title"/>
           </p:nvPr>
         </p:nvSpPr>
-        <p:spPr>
-          <a:xfrm>
-            <a:off x="311700" y="391350"/>
-            <a:ext cx="8520600" cy="626100"/>
-          </a:xfrm>
-          <a:prstGeom prst="rect">
-            <a:avLst/>
-          </a:prstGeom>
-        </p:spPr>
+        <p:spPr/>
         <p:txBody>
-          <a:bodyPr spcFirstLastPara="1" wrap="square" lIns="91425" tIns="91425" rIns="91425" bIns="91425" anchor="t" anchorCtr="0">
+          <a:bodyPr>
             <a:normAutofit fontScale="90000"/>
           </a:bodyPr>
           <a:lstStyle/>
           <a:p>
-            <a:pPr marL="0" lvl="0" indent="0" algn="l" rtl="0">
-              <a:spcBef>
-                <a:spcPts val="0"/>
-              </a:spcBef>
-              <a:spcAft>
-                <a:spcPts val="0"/>
-              </a:spcAft>
-              <a:buNone/>
-            </a:pPr>
-            <a:r>
-              <a:rPr lang="hu"/>
-              <a:t>Gyakorlati példák</a:t>
-            </a:r>
-            <a:endParaRPr/>
+            <a:r>
+              <a:rPr lang="en-US" dirty="0" err="1"/>
+              <a:t>Ciklusok</a:t>
+            </a:r>
+            <a:r>
+              <a:rPr lang="en-US" dirty="0"/>
+              <a:t> break </a:t>
+            </a:r>
+            <a:r>
+              <a:rPr lang="en-US" dirty="0" err="1"/>
+              <a:t>haszn</a:t>
+            </a:r>
+            <a:r>
+              <a:rPr lang="hu-HU" dirty="0" err="1"/>
+              <a:t>álatával</a:t>
+            </a:r>
+            <a:endParaRPr lang="en-US" dirty="0"/>
           </a:p>
         </p:txBody>
       </p:sp>
       <p:sp>
         <p:nvSpPr>
-          <p:cNvPr id="134" name="Google Shape;134;p24"/>
-          <p:cNvSpPr txBox="1">
+          <p:cNvPr id="3" name="Szöveg helye 2">
+            <a:extLst>
+              <a:ext uri="{FF2B5EF4-FFF2-40B4-BE49-F238E27FC236}">
+                <a16:creationId xmlns:a16="http://schemas.microsoft.com/office/drawing/2014/main" id="{EC25788F-655A-8948-9AAA-3BB45E05D446}"/>
+              </a:ext>
+            </a:extLst>
+          </p:cNvPr>
+          <p:cNvSpPr>
             <a:spLocks noGrp="1"/>
           </p:cNvSpPr>
           <p:nvPr>
             <p:ph type="body" idx="1"/>
           </p:nvPr>
         </p:nvSpPr>
-        <p:spPr>
-          <a:xfrm>
-            <a:off x="311700" y="1152475"/>
-            <a:ext cx="8520600" cy="3416400"/>
-          </a:xfrm>
-          <a:prstGeom prst="rect">
-            <a:avLst/>
-          </a:prstGeom>
-        </p:spPr>
+        <p:spPr/>
         <p:txBody>
-          <a:bodyPr spcFirstLastPara="1" wrap="square" lIns="91425" tIns="91425" rIns="91425" bIns="91425" anchor="t" anchorCtr="0">
-            <a:normAutofit/>
-          </a:bodyPr>
+          <a:bodyPr/>
           <a:lstStyle/>
           <a:p>
-            <a:pPr marL="0" lvl="0" indent="0" algn="l" rtl="0">
-              <a:spcBef>
-                <a:spcPts val="0"/>
-              </a:spcBef>
-              <a:spcAft>
-                <a:spcPts val="1200"/>
-              </a:spcAft>
-              <a:buNone/>
-            </a:pPr>
-            <a:r>
-              <a:rPr lang="hu"/>
-              <a:t>Számkitalálós játék</a:t>
-            </a:r>
-            <a:endParaRPr/>
+            <a:r>
+              <a:rPr lang="hu-HU" dirty="0"/>
+              <a:t>Feladat: Számoljunk 1-től 5-ig</a:t>
+            </a:r>
+            <a:endParaRPr lang="en-US" dirty="0"/>
           </a:p>
         </p:txBody>
       </p:sp>
       <p:pic>
         <p:nvPicPr>
-          <p:cNvPr id="135" name="Google Shape;135;p24"/>
-          <p:cNvPicPr preferRelativeResize="0"/>
+          <p:cNvPr id="5" name="Kép 4">
+            <a:extLst>
+              <a:ext uri="{FF2B5EF4-FFF2-40B4-BE49-F238E27FC236}">
+                <a16:creationId xmlns:a16="http://schemas.microsoft.com/office/drawing/2014/main" id="{B2A95CA7-93AA-AD26-DA19-CCFE5EAF6822}"/>
+              </a:ext>
+            </a:extLst>
+          </p:cNvPr>
+          <p:cNvPicPr>
+            <a:picLocks noChangeAspect="1"/>
+          </p:cNvPicPr>
           <p:nvPr/>
         </p:nvPicPr>
         <p:blipFill>
-          <a:blip r:embed="rId3">
-            <a:alphaModFix/>
-          </a:blip>
+          <a:blip r:embed="rId2"/>
           <a:stretch>
             <a:fillRect/>
           </a:stretch>
         </p:blipFill>
         <p:spPr>
           <a:xfrm>
-            <a:off x="2366981" y="1647825"/>
-            <a:ext cx="6465325" cy="2709013"/>
+            <a:off x="1033281" y="1900780"/>
+            <a:ext cx="2084674" cy="2031221"/>
           </a:xfrm>
           <a:prstGeom prst="rect">
             <a:avLst/>
           </a:prstGeom>
-          <a:noFill/>
           <a:ln>
-            <a:noFill/>
+            <a:solidFill>
+              <a:schemeClr val="accent1"/>
+            </a:solidFill>
           </a:ln>
+        </p:spPr>
+      </p:pic>
+      <p:pic>
+        <p:nvPicPr>
+          <p:cNvPr id="7" name="Kép 6">
+            <a:extLst>
+              <a:ext uri="{FF2B5EF4-FFF2-40B4-BE49-F238E27FC236}">
+                <a16:creationId xmlns:a16="http://schemas.microsoft.com/office/drawing/2014/main" id="{E200E82D-B3F1-11D7-6C86-19D1B9F60FA4}"/>
+              </a:ext>
+            </a:extLst>
+          </p:cNvPr>
+          <p:cNvPicPr>
+            <a:picLocks noChangeAspect="1"/>
+          </p:cNvPicPr>
+          <p:nvPr/>
+        </p:nvPicPr>
+        <p:blipFill>
+          <a:blip r:embed="rId3"/>
+          <a:stretch>
+            <a:fillRect/>
+          </a:stretch>
+        </p:blipFill>
+        <p:spPr>
+          <a:xfrm>
+            <a:off x="4257207" y="1017450"/>
+            <a:ext cx="2728210" cy="3755718"/>
+          </a:xfrm>
+          <a:prstGeom prst="rect">
+            <a:avLst/>
+          </a:prstGeom>
+        </p:spPr>
+      </p:pic>
+      <p:pic>
+        <p:nvPicPr>
+          <p:cNvPr id="8" name="Kép 7">
+            <a:extLst>
+              <a:ext uri="{FF2B5EF4-FFF2-40B4-BE49-F238E27FC236}">
+                <a16:creationId xmlns:a16="http://schemas.microsoft.com/office/drawing/2014/main" id="{0366A209-93B4-4FBD-773B-A00DF0419BE8}"/>
+              </a:ext>
+            </a:extLst>
+          </p:cNvPr>
+          <p:cNvPicPr>
+            <a:picLocks noChangeAspect="1"/>
+          </p:cNvPicPr>
+          <p:nvPr/>
+        </p:nvPicPr>
+        <p:blipFill>
+          <a:blip r:embed="rId4"/>
+          <a:stretch>
+            <a:fillRect/>
+          </a:stretch>
+        </p:blipFill>
+        <p:spPr>
+          <a:xfrm>
+            <a:off x="6667729" y="574625"/>
+            <a:ext cx="1822798" cy="1814660"/>
+          </a:xfrm>
+          <a:prstGeom prst="rect">
+            <a:avLst/>
+          </a:prstGeom>
         </p:spPr>
       </p:pic>
     </p:spTree>
+    <p:extLst>
+      <p:ext uri="{BB962C8B-B14F-4D97-AF65-F5344CB8AC3E}">
+        <p14:creationId xmlns:p14="http://schemas.microsoft.com/office/powerpoint/2010/main" val="730989401"/>
+      </p:ext>
+    </p:extLst>
   </p:cSld>
   <p:clrMapOvr>
     <a:masterClrMapping/>
@@ -10086,12 +10416,12 @@
 </p:sld>
 </file>
 
-<file path=ppt/slides/slide18.xml><?xml version="1.0" encoding="utf-8"?>
+<file path=ppt/slides/slide19.xml><?xml version="1.0" encoding="utf-8"?>
 <p:sld xmlns:a="http://schemas.openxmlformats.org/drawingml/2006/main" xmlns:r="http://schemas.openxmlformats.org/officeDocument/2006/relationships" xmlns:p="http://schemas.openxmlformats.org/presentationml/2006/main">
   <p:cSld>
     <p:spTree>
       <p:nvGrpSpPr>
-        <p:cNvPr id="1" name="Shape 139"/>
+        <p:cNvPr id="1" name=""/>
         <p:cNvGrpSpPr/>
         <p:nvPr/>
       </p:nvGrpSpPr>
@@ -10105,198 +10435,140 @@
       </p:grpSpPr>
       <p:sp>
         <p:nvSpPr>
-          <p:cNvPr id="140" name="Google Shape;140;p25"/>
-          <p:cNvSpPr txBox="1">
+          <p:cNvPr id="2" name="Cím 1">
+            <a:extLst>
+              <a:ext uri="{FF2B5EF4-FFF2-40B4-BE49-F238E27FC236}">
+                <a16:creationId xmlns:a16="http://schemas.microsoft.com/office/drawing/2014/main" id="{B6B91694-5856-25FB-ABED-02D391093EA4}"/>
+              </a:ext>
+            </a:extLst>
+          </p:cNvPr>
+          <p:cNvSpPr>
             <a:spLocks noGrp="1"/>
           </p:cNvSpPr>
           <p:nvPr>
             <p:ph type="title"/>
           </p:nvPr>
         </p:nvSpPr>
-        <p:spPr>
-          <a:xfrm>
-            <a:off x="311700" y="391350"/>
-            <a:ext cx="8520600" cy="626100"/>
-          </a:xfrm>
-          <a:prstGeom prst="rect">
-            <a:avLst/>
-          </a:prstGeom>
-        </p:spPr>
+        <p:spPr/>
         <p:txBody>
-          <a:bodyPr spcFirstLastPara="1" wrap="square" lIns="91425" tIns="91425" rIns="91425" bIns="91425" anchor="t" anchorCtr="0">
+          <a:bodyPr>
             <a:normAutofit fontScale="90000"/>
           </a:bodyPr>
           <a:lstStyle/>
           <a:p>
-            <a:pPr marL="0" lvl="0" indent="0" algn="l" rtl="0">
-              <a:spcBef>
-                <a:spcPts val="0"/>
-              </a:spcBef>
-              <a:spcAft>
-                <a:spcPts val="0"/>
-              </a:spcAft>
-              <a:buNone/>
-            </a:pPr>
-            <a:r>
-              <a:rPr lang="hu"/>
-              <a:t>Továbbfejlesztett számkitalálós játék</a:t>
-            </a:r>
-            <a:endParaRPr/>
+            <a:r>
+              <a:rPr lang="hu-HU" dirty="0"/>
+              <a:t>Egymásba ágyazott ciklusok (ciklus a ciklusban)</a:t>
+            </a:r>
+            <a:endParaRPr lang="en-US" dirty="0"/>
+          </a:p>
+        </p:txBody>
+      </p:sp>
+      <p:sp>
+        <p:nvSpPr>
+          <p:cNvPr id="3" name="Szöveg helye 2">
+            <a:extLst>
+              <a:ext uri="{FF2B5EF4-FFF2-40B4-BE49-F238E27FC236}">
+                <a16:creationId xmlns:a16="http://schemas.microsoft.com/office/drawing/2014/main" id="{17E81B14-9244-8637-3A0F-4CA7A31D2EBE}"/>
+              </a:ext>
+            </a:extLst>
+          </p:cNvPr>
+          <p:cNvSpPr>
+            <a:spLocks noGrp="1"/>
+          </p:cNvSpPr>
+          <p:nvPr>
+            <p:ph type="body" idx="1"/>
+          </p:nvPr>
+        </p:nvSpPr>
+        <p:spPr>
+          <a:xfrm>
+            <a:off x="311700" y="1152475"/>
+            <a:ext cx="8520600" cy="626100"/>
+          </a:xfrm>
+        </p:spPr>
+        <p:txBody>
+          <a:bodyPr/>
+          <a:lstStyle/>
+          <a:p>
+            <a:r>
+              <a:rPr lang="hu-HU" dirty="0"/>
+              <a:t>Feladat: Szorozzuk össze a számokat 1-től 3-ig</a:t>
+            </a:r>
+            <a:endParaRPr lang="en-US" dirty="0"/>
           </a:p>
         </p:txBody>
       </p:sp>
       <p:pic>
         <p:nvPicPr>
-          <p:cNvPr id="141" name="Google Shape;141;p25"/>
-          <p:cNvPicPr preferRelativeResize="0"/>
+          <p:cNvPr id="5" name="Kép 4">
+            <a:extLst>
+              <a:ext uri="{FF2B5EF4-FFF2-40B4-BE49-F238E27FC236}">
+                <a16:creationId xmlns:a16="http://schemas.microsoft.com/office/drawing/2014/main" id="{A2D950D1-78B3-6068-978B-369A463512BA}"/>
+              </a:ext>
+            </a:extLst>
+          </p:cNvPr>
+          <p:cNvPicPr>
+            <a:picLocks noChangeAspect="1"/>
+          </p:cNvPicPr>
           <p:nvPr/>
         </p:nvPicPr>
         <p:blipFill>
-          <a:blip r:embed="rId3">
-            <a:alphaModFix/>
-          </a:blip>
+          <a:blip r:embed="rId2"/>
           <a:stretch>
             <a:fillRect/>
           </a:stretch>
         </p:blipFill>
         <p:spPr>
           <a:xfrm>
-            <a:off x="311693" y="939800"/>
-            <a:ext cx="4307382" cy="3705275"/>
+            <a:off x="4646950" y="1494236"/>
+            <a:ext cx="4185349" cy="3257913"/>
           </a:xfrm>
           <a:prstGeom prst="rect">
             <a:avLst/>
           </a:prstGeom>
-          <a:noFill/>
-          <a:ln>
-            <a:noFill/>
-          </a:ln>
         </p:spPr>
       </p:pic>
       <p:pic>
         <p:nvPicPr>
-          <p:cNvPr id="142" name="Google Shape;142;p25"/>
-          <p:cNvPicPr preferRelativeResize="0"/>
+          <p:cNvPr id="7" name="Kép 6">
+            <a:extLst>
+              <a:ext uri="{FF2B5EF4-FFF2-40B4-BE49-F238E27FC236}">
+                <a16:creationId xmlns:a16="http://schemas.microsoft.com/office/drawing/2014/main" id="{A8F60163-79B5-1334-C64B-05760C91D90B}"/>
+              </a:ext>
+            </a:extLst>
+          </p:cNvPr>
+          <p:cNvPicPr>
+            <a:picLocks noChangeAspect="1"/>
+          </p:cNvPicPr>
           <p:nvPr/>
         </p:nvPicPr>
         <p:blipFill>
-          <a:blip r:embed="rId4">
-            <a:alphaModFix/>
-          </a:blip>
+          <a:blip r:embed="rId3"/>
           <a:stretch>
             <a:fillRect/>
           </a:stretch>
         </p:blipFill>
         <p:spPr>
           <a:xfrm>
-            <a:off x="4619075" y="1600675"/>
-            <a:ext cx="4220125" cy="2231132"/>
+            <a:off x="483361" y="2571750"/>
+            <a:ext cx="3913163" cy="858096"/>
           </a:xfrm>
           <a:prstGeom prst="rect">
             <a:avLst/>
           </a:prstGeom>
-          <a:noFill/>
           <a:ln>
-            <a:noFill/>
+            <a:solidFill>
+              <a:schemeClr val="accent1"/>
+            </a:solidFill>
           </a:ln>
         </p:spPr>
       </p:pic>
     </p:spTree>
-  </p:cSld>
-  <p:clrMapOvr>
-    <a:masterClrMapping/>
-  </p:clrMapOvr>
-</p:sld>
-</file>
-
-<file path=ppt/slides/slide19.xml><?xml version="1.0" encoding="utf-8"?>
-<p:sld xmlns:a="http://schemas.openxmlformats.org/drawingml/2006/main" xmlns:r="http://schemas.openxmlformats.org/officeDocument/2006/relationships" xmlns:p="http://schemas.openxmlformats.org/presentationml/2006/main">
-  <p:cSld>
-    <p:spTree>
-      <p:nvGrpSpPr>
-        <p:cNvPr id="1" name="Shape 146"/>
-        <p:cNvGrpSpPr/>
-        <p:nvPr/>
-      </p:nvGrpSpPr>
-      <p:grpSpPr>
-        <a:xfrm>
-          <a:off x="0" y="0"/>
-          <a:ext cx="0" cy="0"/>
-          <a:chOff x="0" y="0"/>
-          <a:chExt cx="0" cy="0"/>
-        </a:xfrm>
-      </p:grpSpPr>
-      <p:sp>
-        <p:nvSpPr>
-          <p:cNvPr id="147" name="Google Shape;147;p26"/>
-          <p:cNvSpPr txBox="1">
-            <a:spLocks noGrp="1"/>
-          </p:cNvSpPr>
-          <p:nvPr>
-            <p:ph type="title"/>
-          </p:nvPr>
-        </p:nvSpPr>
-        <p:spPr>
-          <a:xfrm>
-            <a:off x="311700" y="391350"/>
-            <a:ext cx="8520600" cy="626100"/>
-          </a:xfrm>
-          <a:prstGeom prst="rect">
-            <a:avLst/>
-          </a:prstGeom>
-        </p:spPr>
-        <p:txBody>
-          <a:bodyPr spcFirstLastPara="1" wrap="square" lIns="91425" tIns="91425" rIns="91425" bIns="91425" anchor="t" anchorCtr="0">
-            <a:normAutofit fontScale="90000"/>
-          </a:bodyPr>
-          <a:lstStyle/>
-          <a:p>
-            <a:pPr marL="0" lvl="0" indent="0" algn="l" rtl="0">
-              <a:spcBef>
-                <a:spcPts val="0"/>
-              </a:spcBef>
-              <a:spcAft>
-                <a:spcPts val="0"/>
-              </a:spcAft>
-              <a:buNone/>
-            </a:pPr>
-            <a:r>
-              <a:rPr lang="hu"/>
-              <a:t>Kő-Papír-Olló játék</a:t>
-            </a:r>
-            <a:endParaRPr/>
-          </a:p>
-        </p:txBody>
-      </p:sp>
-      <p:pic>
-        <p:nvPicPr>
-          <p:cNvPr id="148" name="Google Shape;148;p26"/>
-          <p:cNvPicPr preferRelativeResize="0"/>
-          <p:nvPr/>
-        </p:nvPicPr>
-        <p:blipFill>
-          <a:blip r:embed="rId3">
-            <a:alphaModFix/>
-          </a:blip>
-          <a:stretch>
-            <a:fillRect/>
-          </a:stretch>
-        </p:blipFill>
-        <p:spPr>
-          <a:xfrm>
-            <a:off x="152400" y="1017725"/>
-            <a:ext cx="4829179" cy="3973375"/>
-          </a:xfrm>
-          <a:prstGeom prst="rect">
-            <a:avLst/>
-          </a:prstGeom>
-          <a:noFill/>
-          <a:ln>
-            <a:noFill/>
-          </a:ln>
-        </p:spPr>
-      </p:pic>
-    </p:spTree>
+    <p:extLst>
+      <p:ext uri="{BB962C8B-B14F-4D97-AF65-F5344CB8AC3E}">
+        <p14:creationId xmlns:p14="http://schemas.microsoft.com/office/powerpoint/2010/main" val="3441103669"/>
+      </p:ext>
+    </p:extLst>
   </p:cSld>
   <p:clrMapOvr>
     <a:masterClrMapping/>
@@ -10444,6 +10716,598 @@
   <p:cSld>
     <p:spTree>
       <p:nvGrpSpPr>
+        <p:cNvPr id="1" name="Shape 123"/>
+        <p:cNvGrpSpPr/>
+        <p:nvPr/>
+      </p:nvGrpSpPr>
+      <p:grpSpPr>
+        <a:xfrm>
+          <a:off x="0" y="0"/>
+          <a:ext cx="0" cy="0"/>
+          <a:chOff x="0" y="0"/>
+          <a:chExt cx="0" cy="0"/>
+        </a:xfrm>
+      </p:grpSpPr>
+      <p:sp>
+        <p:nvSpPr>
+          <p:cNvPr id="124" name="Google Shape;124;p23"/>
+          <p:cNvSpPr txBox="1">
+            <a:spLocks noGrp="1"/>
+          </p:cNvSpPr>
+          <p:nvPr>
+            <p:ph type="title"/>
+          </p:nvPr>
+        </p:nvSpPr>
+        <p:spPr>
+          <a:xfrm>
+            <a:off x="311700" y="391350"/>
+            <a:ext cx="8520600" cy="626100"/>
+          </a:xfrm>
+          <a:prstGeom prst="rect">
+            <a:avLst/>
+          </a:prstGeom>
+        </p:spPr>
+        <p:txBody>
+          <a:bodyPr spcFirstLastPara="1" wrap="square" lIns="91425" tIns="91425" rIns="91425" bIns="91425" anchor="t" anchorCtr="0">
+            <a:normAutofit fontScale="90000"/>
+          </a:bodyPr>
+          <a:lstStyle/>
+          <a:p>
+            <a:pPr marL="0" lvl="0" indent="0" algn="l" rtl="0">
+              <a:spcBef>
+                <a:spcPts val="0"/>
+              </a:spcBef>
+              <a:spcAft>
+                <a:spcPts val="0"/>
+              </a:spcAft>
+              <a:buNone/>
+            </a:pPr>
+            <a:r>
+              <a:rPr lang="hu"/>
+              <a:t>Haladó Python</a:t>
+            </a:r>
+            <a:endParaRPr/>
+          </a:p>
+        </p:txBody>
+      </p:sp>
+      <p:sp>
+        <p:nvSpPr>
+          <p:cNvPr id="125" name="Google Shape;125;p23"/>
+          <p:cNvSpPr txBox="1">
+            <a:spLocks noGrp="1"/>
+          </p:cNvSpPr>
+          <p:nvPr>
+            <p:ph type="body" idx="1"/>
+          </p:nvPr>
+        </p:nvSpPr>
+        <p:spPr>
+          <a:xfrm>
+            <a:off x="311700" y="1152475"/>
+            <a:ext cx="8520600" cy="3416400"/>
+          </a:xfrm>
+          <a:prstGeom prst="rect">
+            <a:avLst/>
+          </a:prstGeom>
+        </p:spPr>
+        <p:txBody>
+          <a:bodyPr spcFirstLastPara="1" wrap="square" lIns="91425" tIns="91425" rIns="91425" bIns="91425" anchor="t" anchorCtr="0">
+            <a:normAutofit/>
+          </a:bodyPr>
+          <a:lstStyle/>
+          <a:p>
+            <a:pPr marL="457200" lvl="0" indent="-387350" algn="l" rtl="0">
+              <a:lnSpc>
+                <a:spcPct val="100000"/>
+              </a:lnSpc>
+              <a:spcBef>
+                <a:spcPts val="0"/>
+              </a:spcBef>
+              <a:spcAft>
+                <a:spcPts val="0"/>
+              </a:spcAft>
+              <a:buSzPts val="2500"/>
+              <a:buChar char="●"/>
+            </a:pPr>
+            <a:r>
+              <a:rPr lang="hu" sz="2500"/>
+              <a:t>Listák és szótárak:</a:t>
+            </a:r>
+            <a:endParaRPr sz="2500"/>
+          </a:p>
+          <a:p>
+            <a:pPr marL="457200" lvl="0" indent="-387350" algn="l" rtl="0">
+              <a:lnSpc>
+                <a:spcPct val="100000"/>
+              </a:lnSpc>
+              <a:spcBef>
+                <a:spcPts val="0"/>
+              </a:spcBef>
+              <a:spcAft>
+                <a:spcPts val="0"/>
+              </a:spcAft>
+              <a:buSzPts val="2500"/>
+              <a:buChar char="●"/>
+            </a:pPr>
+            <a:r>
+              <a:rPr lang="hu" sz="2500"/>
+              <a:t>Fájlkezelés:</a:t>
+            </a:r>
+            <a:endParaRPr sz="2500"/>
+          </a:p>
+          <a:p>
+            <a:pPr marL="457200" lvl="0" indent="-387350" algn="l" rtl="0">
+              <a:lnSpc>
+                <a:spcPct val="100000"/>
+              </a:lnSpc>
+              <a:spcBef>
+                <a:spcPts val="0"/>
+              </a:spcBef>
+              <a:spcAft>
+                <a:spcPts val="0"/>
+              </a:spcAft>
+              <a:buSzPts val="2500"/>
+              <a:buChar char="●"/>
+            </a:pPr>
+            <a:r>
+              <a:rPr lang="hu" sz="2500"/>
+              <a:t>Modulok és csomagok:</a:t>
+            </a:r>
+            <a:endParaRPr sz="2500"/>
+          </a:p>
+        </p:txBody>
+      </p:sp>
+      <p:pic>
+        <p:nvPicPr>
+          <p:cNvPr id="126" name="Google Shape;126;p23"/>
+          <p:cNvPicPr preferRelativeResize="0"/>
+          <p:nvPr/>
+        </p:nvPicPr>
+        <p:blipFill>
+          <a:blip r:embed="rId3">
+            <a:alphaModFix/>
+          </a:blip>
+          <a:stretch>
+            <a:fillRect/>
+          </a:stretch>
+        </p:blipFill>
+        <p:spPr>
+          <a:xfrm>
+            <a:off x="4447249" y="668299"/>
+            <a:ext cx="4007275" cy="1541250"/>
+          </a:xfrm>
+          <a:prstGeom prst="rect">
+            <a:avLst/>
+          </a:prstGeom>
+          <a:noFill/>
+          <a:ln>
+            <a:noFill/>
+          </a:ln>
+        </p:spPr>
+      </p:pic>
+      <p:pic>
+        <p:nvPicPr>
+          <p:cNvPr id="127" name="Google Shape;127;p23"/>
+          <p:cNvPicPr preferRelativeResize="0"/>
+          <p:nvPr/>
+        </p:nvPicPr>
+        <p:blipFill>
+          <a:blip r:embed="rId4">
+            <a:alphaModFix/>
+          </a:blip>
+          <a:stretch>
+            <a:fillRect/>
+          </a:stretch>
+        </p:blipFill>
+        <p:spPr>
+          <a:xfrm>
+            <a:off x="3504225" y="2627810"/>
+            <a:ext cx="4950300" cy="1655900"/>
+          </a:xfrm>
+          <a:prstGeom prst="rect">
+            <a:avLst/>
+          </a:prstGeom>
+          <a:noFill/>
+          <a:ln>
+            <a:noFill/>
+          </a:ln>
+        </p:spPr>
+      </p:pic>
+      <p:pic>
+        <p:nvPicPr>
+          <p:cNvPr id="128" name="Google Shape;128;p23"/>
+          <p:cNvPicPr preferRelativeResize="0"/>
+          <p:nvPr/>
+        </p:nvPicPr>
+        <p:blipFill>
+          <a:blip r:embed="rId5">
+            <a:alphaModFix/>
+          </a:blip>
+          <a:stretch>
+            <a:fillRect/>
+          </a:stretch>
+        </p:blipFill>
+        <p:spPr>
+          <a:xfrm>
+            <a:off x="311707" y="2690557"/>
+            <a:ext cx="2892050" cy="1424000"/>
+          </a:xfrm>
+          <a:prstGeom prst="rect">
+            <a:avLst/>
+          </a:prstGeom>
+          <a:noFill/>
+          <a:ln>
+            <a:noFill/>
+          </a:ln>
+        </p:spPr>
+      </p:pic>
+    </p:spTree>
+  </p:cSld>
+  <p:clrMapOvr>
+    <a:masterClrMapping/>
+  </p:clrMapOvr>
+</p:sld>
+</file>
+
+<file path=ppt/slides/slide21.xml><?xml version="1.0" encoding="utf-8"?>
+<p:sld xmlns:a="http://schemas.openxmlformats.org/drawingml/2006/main" xmlns:r="http://schemas.openxmlformats.org/officeDocument/2006/relationships" xmlns:p="http://schemas.openxmlformats.org/presentationml/2006/main">
+  <p:cSld>
+    <p:spTree>
+      <p:nvGrpSpPr>
+        <p:cNvPr id="1" name="Shape 132"/>
+        <p:cNvGrpSpPr/>
+        <p:nvPr/>
+      </p:nvGrpSpPr>
+      <p:grpSpPr>
+        <a:xfrm>
+          <a:off x="0" y="0"/>
+          <a:ext cx="0" cy="0"/>
+          <a:chOff x="0" y="0"/>
+          <a:chExt cx="0" cy="0"/>
+        </a:xfrm>
+      </p:grpSpPr>
+      <p:sp>
+        <p:nvSpPr>
+          <p:cNvPr id="133" name="Google Shape;133;p24"/>
+          <p:cNvSpPr txBox="1">
+            <a:spLocks noGrp="1"/>
+          </p:cNvSpPr>
+          <p:nvPr>
+            <p:ph type="title"/>
+          </p:nvPr>
+        </p:nvSpPr>
+        <p:spPr>
+          <a:xfrm>
+            <a:off x="311700" y="391350"/>
+            <a:ext cx="8520600" cy="626100"/>
+          </a:xfrm>
+          <a:prstGeom prst="rect">
+            <a:avLst/>
+          </a:prstGeom>
+        </p:spPr>
+        <p:txBody>
+          <a:bodyPr spcFirstLastPara="1" wrap="square" lIns="91425" tIns="91425" rIns="91425" bIns="91425" anchor="t" anchorCtr="0">
+            <a:normAutofit fontScale="90000"/>
+          </a:bodyPr>
+          <a:lstStyle/>
+          <a:p>
+            <a:pPr marL="0" lvl="0" indent="0" algn="l" rtl="0">
+              <a:spcBef>
+                <a:spcPts val="0"/>
+              </a:spcBef>
+              <a:spcAft>
+                <a:spcPts val="0"/>
+              </a:spcAft>
+              <a:buNone/>
+            </a:pPr>
+            <a:r>
+              <a:rPr lang="hu"/>
+              <a:t>Gyakorlati példák</a:t>
+            </a:r>
+            <a:endParaRPr/>
+          </a:p>
+        </p:txBody>
+      </p:sp>
+      <p:sp>
+        <p:nvSpPr>
+          <p:cNvPr id="134" name="Google Shape;134;p24"/>
+          <p:cNvSpPr txBox="1">
+            <a:spLocks noGrp="1"/>
+          </p:cNvSpPr>
+          <p:nvPr>
+            <p:ph type="body" idx="1"/>
+          </p:nvPr>
+        </p:nvSpPr>
+        <p:spPr>
+          <a:xfrm>
+            <a:off x="311700" y="1152475"/>
+            <a:ext cx="8520600" cy="3416400"/>
+          </a:xfrm>
+          <a:prstGeom prst="rect">
+            <a:avLst/>
+          </a:prstGeom>
+        </p:spPr>
+        <p:txBody>
+          <a:bodyPr spcFirstLastPara="1" wrap="square" lIns="91425" tIns="91425" rIns="91425" bIns="91425" anchor="t" anchorCtr="0">
+            <a:normAutofit/>
+          </a:bodyPr>
+          <a:lstStyle/>
+          <a:p>
+            <a:pPr marL="0" lvl="0" indent="0" algn="l" rtl="0">
+              <a:spcBef>
+                <a:spcPts val="0"/>
+              </a:spcBef>
+              <a:spcAft>
+                <a:spcPts val="1200"/>
+              </a:spcAft>
+              <a:buNone/>
+            </a:pPr>
+            <a:r>
+              <a:rPr lang="hu"/>
+              <a:t>Számkitalálós játék</a:t>
+            </a:r>
+            <a:endParaRPr/>
+          </a:p>
+        </p:txBody>
+      </p:sp>
+      <p:pic>
+        <p:nvPicPr>
+          <p:cNvPr id="135" name="Google Shape;135;p24"/>
+          <p:cNvPicPr preferRelativeResize="0"/>
+          <p:nvPr/>
+        </p:nvPicPr>
+        <p:blipFill>
+          <a:blip r:embed="rId3">
+            <a:alphaModFix/>
+          </a:blip>
+          <a:stretch>
+            <a:fillRect/>
+          </a:stretch>
+        </p:blipFill>
+        <p:spPr>
+          <a:xfrm>
+            <a:off x="2366981" y="1647825"/>
+            <a:ext cx="6465325" cy="2709013"/>
+          </a:xfrm>
+          <a:prstGeom prst="rect">
+            <a:avLst/>
+          </a:prstGeom>
+          <a:noFill/>
+          <a:ln>
+            <a:noFill/>
+          </a:ln>
+        </p:spPr>
+      </p:pic>
+    </p:spTree>
+  </p:cSld>
+  <p:clrMapOvr>
+    <a:masterClrMapping/>
+  </p:clrMapOvr>
+</p:sld>
+</file>
+
+<file path=ppt/slides/slide22.xml><?xml version="1.0" encoding="utf-8"?>
+<p:sld xmlns:a="http://schemas.openxmlformats.org/drawingml/2006/main" xmlns:r="http://schemas.openxmlformats.org/officeDocument/2006/relationships" xmlns:p="http://schemas.openxmlformats.org/presentationml/2006/main">
+  <p:cSld>
+    <p:spTree>
+      <p:nvGrpSpPr>
+        <p:cNvPr id="1" name="Shape 139"/>
+        <p:cNvGrpSpPr/>
+        <p:nvPr/>
+      </p:nvGrpSpPr>
+      <p:grpSpPr>
+        <a:xfrm>
+          <a:off x="0" y="0"/>
+          <a:ext cx="0" cy="0"/>
+          <a:chOff x="0" y="0"/>
+          <a:chExt cx="0" cy="0"/>
+        </a:xfrm>
+      </p:grpSpPr>
+      <p:sp>
+        <p:nvSpPr>
+          <p:cNvPr id="140" name="Google Shape;140;p25"/>
+          <p:cNvSpPr txBox="1">
+            <a:spLocks noGrp="1"/>
+          </p:cNvSpPr>
+          <p:nvPr>
+            <p:ph type="title"/>
+          </p:nvPr>
+        </p:nvSpPr>
+        <p:spPr>
+          <a:xfrm>
+            <a:off x="311700" y="391350"/>
+            <a:ext cx="8520600" cy="626100"/>
+          </a:xfrm>
+          <a:prstGeom prst="rect">
+            <a:avLst/>
+          </a:prstGeom>
+        </p:spPr>
+        <p:txBody>
+          <a:bodyPr spcFirstLastPara="1" wrap="square" lIns="91425" tIns="91425" rIns="91425" bIns="91425" anchor="t" anchorCtr="0">
+            <a:normAutofit fontScale="90000"/>
+          </a:bodyPr>
+          <a:lstStyle/>
+          <a:p>
+            <a:pPr marL="0" lvl="0" indent="0" algn="l" rtl="0">
+              <a:spcBef>
+                <a:spcPts val="0"/>
+              </a:spcBef>
+              <a:spcAft>
+                <a:spcPts val="0"/>
+              </a:spcAft>
+              <a:buNone/>
+            </a:pPr>
+            <a:r>
+              <a:rPr lang="hu"/>
+              <a:t>Továbbfejlesztett számkitalálós játék</a:t>
+            </a:r>
+            <a:endParaRPr/>
+          </a:p>
+        </p:txBody>
+      </p:sp>
+      <p:pic>
+        <p:nvPicPr>
+          <p:cNvPr id="141" name="Google Shape;141;p25"/>
+          <p:cNvPicPr preferRelativeResize="0"/>
+          <p:nvPr/>
+        </p:nvPicPr>
+        <p:blipFill>
+          <a:blip r:embed="rId3">
+            <a:alphaModFix/>
+          </a:blip>
+          <a:stretch>
+            <a:fillRect/>
+          </a:stretch>
+        </p:blipFill>
+        <p:spPr>
+          <a:xfrm>
+            <a:off x="311693" y="939800"/>
+            <a:ext cx="4307382" cy="3705275"/>
+          </a:xfrm>
+          <a:prstGeom prst="rect">
+            <a:avLst/>
+          </a:prstGeom>
+          <a:noFill/>
+          <a:ln>
+            <a:noFill/>
+          </a:ln>
+        </p:spPr>
+      </p:pic>
+      <p:pic>
+        <p:nvPicPr>
+          <p:cNvPr id="142" name="Google Shape;142;p25"/>
+          <p:cNvPicPr preferRelativeResize="0"/>
+          <p:nvPr/>
+        </p:nvPicPr>
+        <p:blipFill>
+          <a:blip r:embed="rId4">
+            <a:alphaModFix/>
+          </a:blip>
+          <a:stretch>
+            <a:fillRect/>
+          </a:stretch>
+        </p:blipFill>
+        <p:spPr>
+          <a:xfrm>
+            <a:off x="4619075" y="1600675"/>
+            <a:ext cx="4220125" cy="2231132"/>
+          </a:xfrm>
+          <a:prstGeom prst="rect">
+            <a:avLst/>
+          </a:prstGeom>
+          <a:noFill/>
+          <a:ln>
+            <a:noFill/>
+          </a:ln>
+        </p:spPr>
+      </p:pic>
+    </p:spTree>
+  </p:cSld>
+  <p:clrMapOvr>
+    <a:masterClrMapping/>
+  </p:clrMapOvr>
+</p:sld>
+</file>
+
+<file path=ppt/slides/slide23.xml><?xml version="1.0" encoding="utf-8"?>
+<p:sld xmlns:a="http://schemas.openxmlformats.org/drawingml/2006/main" xmlns:r="http://schemas.openxmlformats.org/officeDocument/2006/relationships" xmlns:p="http://schemas.openxmlformats.org/presentationml/2006/main">
+  <p:cSld>
+    <p:spTree>
+      <p:nvGrpSpPr>
+        <p:cNvPr id="1" name="Shape 146"/>
+        <p:cNvGrpSpPr/>
+        <p:nvPr/>
+      </p:nvGrpSpPr>
+      <p:grpSpPr>
+        <a:xfrm>
+          <a:off x="0" y="0"/>
+          <a:ext cx="0" cy="0"/>
+          <a:chOff x="0" y="0"/>
+          <a:chExt cx="0" cy="0"/>
+        </a:xfrm>
+      </p:grpSpPr>
+      <p:sp>
+        <p:nvSpPr>
+          <p:cNvPr id="147" name="Google Shape;147;p26"/>
+          <p:cNvSpPr txBox="1">
+            <a:spLocks noGrp="1"/>
+          </p:cNvSpPr>
+          <p:nvPr>
+            <p:ph type="title"/>
+          </p:nvPr>
+        </p:nvSpPr>
+        <p:spPr>
+          <a:xfrm>
+            <a:off x="311700" y="391350"/>
+            <a:ext cx="8520600" cy="626100"/>
+          </a:xfrm>
+          <a:prstGeom prst="rect">
+            <a:avLst/>
+          </a:prstGeom>
+        </p:spPr>
+        <p:txBody>
+          <a:bodyPr spcFirstLastPara="1" wrap="square" lIns="91425" tIns="91425" rIns="91425" bIns="91425" anchor="t" anchorCtr="0">
+            <a:normAutofit fontScale="90000"/>
+          </a:bodyPr>
+          <a:lstStyle/>
+          <a:p>
+            <a:pPr marL="0" lvl="0" indent="0" algn="l" rtl="0">
+              <a:spcBef>
+                <a:spcPts val="0"/>
+              </a:spcBef>
+              <a:spcAft>
+                <a:spcPts val="0"/>
+              </a:spcAft>
+              <a:buNone/>
+            </a:pPr>
+            <a:r>
+              <a:rPr lang="hu"/>
+              <a:t>Kő-Papír-Olló játék</a:t>
+            </a:r>
+            <a:endParaRPr/>
+          </a:p>
+        </p:txBody>
+      </p:sp>
+      <p:pic>
+        <p:nvPicPr>
+          <p:cNvPr id="148" name="Google Shape;148;p26"/>
+          <p:cNvPicPr preferRelativeResize="0"/>
+          <p:nvPr/>
+        </p:nvPicPr>
+        <p:blipFill>
+          <a:blip r:embed="rId3">
+            <a:alphaModFix/>
+          </a:blip>
+          <a:stretch>
+            <a:fillRect/>
+          </a:stretch>
+        </p:blipFill>
+        <p:spPr>
+          <a:xfrm>
+            <a:off x="152400" y="1017725"/>
+            <a:ext cx="4829179" cy="3973375"/>
+          </a:xfrm>
+          <a:prstGeom prst="rect">
+            <a:avLst/>
+          </a:prstGeom>
+          <a:noFill/>
+          <a:ln>
+            <a:noFill/>
+          </a:ln>
+        </p:spPr>
+      </p:pic>
+    </p:spTree>
+  </p:cSld>
+  <p:clrMapOvr>
+    <a:masterClrMapping/>
+  </p:clrMapOvr>
+</p:sld>
+</file>
+
+<file path=ppt/slides/slide24.xml><?xml version="1.0" encoding="utf-8"?>
+<p:sld xmlns:a="http://schemas.openxmlformats.org/drawingml/2006/main" xmlns:r="http://schemas.openxmlformats.org/officeDocument/2006/relationships" xmlns:p="http://schemas.openxmlformats.org/presentationml/2006/main">
+  <p:cSld>
+    <p:spTree>
+      <p:nvGrpSpPr>
         <p:cNvPr id="1" name="Shape 152"/>
         <p:cNvGrpSpPr/>
         <p:nvPr/>
@@ -10588,7 +11452,7 @@
 </p:sld>
 </file>
 
-<file path=ppt/slides/slide21.xml><?xml version="1.0" encoding="utf-8"?>
+<file path=ppt/slides/slide25.xml><?xml version="1.0" encoding="utf-8"?>
 <p:sld xmlns:a="http://schemas.openxmlformats.org/drawingml/2006/main" xmlns:r="http://schemas.openxmlformats.org/officeDocument/2006/relationships" xmlns:p="http://schemas.openxmlformats.org/presentationml/2006/main">
   <p:cSld>
     <p:spTree>
@@ -10737,7 +11601,7 @@
 </p:sld>
 </file>
 
-<file path=ppt/slides/slide22.xml><?xml version="1.0" encoding="utf-8"?>
+<file path=ppt/slides/slide26.xml><?xml version="1.0" encoding="utf-8"?>
 <p:sld xmlns:a="http://schemas.openxmlformats.org/drawingml/2006/main" xmlns:r="http://schemas.openxmlformats.org/officeDocument/2006/relationships" xmlns:p="http://schemas.openxmlformats.org/presentationml/2006/main">
   <p:cSld>
     <p:spTree>
@@ -10886,7 +11750,7 @@
 </p:sld>
 </file>
 
-<file path=ppt/slides/slide23.xml><?xml version="1.0" encoding="utf-8"?>
+<file path=ppt/slides/slide27.xml><?xml version="1.0" encoding="utf-8"?>
 <p:sld xmlns:a="http://schemas.openxmlformats.org/drawingml/2006/main" xmlns:r="http://schemas.openxmlformats.org/officeDocument/2006/relationships" xmlns:p="http://schemas.openxmlformats.org/presentationml/2006/main">
   <p:cSld>
     <p:spTree>
@@ -11035,7 +11899,7 @@
 </p:sld>
 </file>
 
-<file path=ppt/slides/slide24.xml><?xml version="1.0" encoding="utf-8"?>
+<file path=ppt/slides/slide28.xml><?xml version="1.0" encoding="utf-8"?>
 <p:sld xmlns:a="http://schemas.openxmlformats.org/drawingml/2006/main" xmlns:r="http://schemas.openxmlformats.org/officeDocument/2006/relationships" xmlns:p="http://schemas.openxmlformats.org/presentationml/2006/main">
   <p:cSld>
     <p:spTree>

--- a/prog/Bevezetés a Programozás Világába.pptx
+++ b/prog/Bevezetés a Programozás Világába.pptx
@@ -5,7 +5,7 @@
     <p:sldMasterId id="2147483659" r:id="rId1"/>
   </p:sldMasterIdLst>
   <p:notesMasterIdLst>
-    <p:notesMasterId r:id="rId30"/>
+    <p:notesMasterId r:id="rId34"/>
   </p:notesMasterIdLst>
   <p:sldIdLst>
     <p:sldId id="256" r:id="rId2"/>
@@ -28,38 +28,42 @@
     <p:sldId id="282" r:id="rId19"/>
     <p:sldId id="283" r:id="rId20"/>
     <p:sldId id="266" r:id="rId21"/>
-    <p:sldId id="267" r:id="rId22"/>
-    <p:sldId id="268" r:id="rId23"/>
-    <p:sldId id="269" r:id="rId24"/>
-    <p:sldId id="270" r:id="rId25"/>
-    <p:sldId id="271" r:id="rId26"/>
-    <p:sldId id="272" r:id="rId27"/>
-    <p:sldId id="273" r:id="rId28"/>
-    <p:sldId id="274" r:id="rId29"/>
+    <p:sldId id="284" r:id="rId22"/>
+    <p:sldId id="285" r:id="rId23"/>
+    <p:sldId id="286" r:id="rId24"/>
+    <p:sldId id="287" r:id="rId25"/>
+    <p:sldId id="267" r:id="rId26"/>
+    <p:sldId id="268" r:id="rId27"/>
+    <p:sldId id="269" r:id="rId28"/>
+    <p:sldId id="270" r:id="rId29"/>
+    <p:sldId id="271" r:id="rId30"/>
+    <p:sldId id="272" r:id="rId31"/>
+    <p:sldId id="273" r:id="rId32"/>
+    <p:sldId id="274" r:id="rId33"/>
   </p:sldIdLst>
   <p:sldSz cx="9144000" cy="5143500" type="screen16x9"/>
   <p:notesSz cx="6858000" cy="9144000"/>
   <p:embeddedFontLst>
     <p:embeddedFont>
       <p:font typeface="Lato" panose="020F0502020204030203" pitchFamily="34" charset="0"/>
-      <p:regular r:id="rId31"/>
-      <p:bold r:id="rId32"/>
-      <p:italic r:id="rId33"/>
-      <p:boldItalic r:id="rId34"/>
-    </p:embeddedFont>
-    <p:embeddedFont>
-      <p:font typeface="Playfair Display" panose="00000500000000000000" pitchFamily="2" charset="0"/>
       <p:regular r:id="rId35"/>
       <p:bold r:id="rId36"/>
       <p:italic r:id="rId37"/>
       <p:boldItalic r:id="rId38"/>
     </p:embeddedFont>
     <p:embeddedFont>
-      <p:font typeface="Roboto" panose="02000000000000000000" pitchFamily="2" charset="0"/>
+      <p:font typeface="Playfair Display" panose="00000500000000000000" pitchFamily="2" charset="0"/>
       <p:regular r:id="rId39"/>
       <p:bold r:id="rId40"/>
       <p:italic r:id="rId41"/>
       <p:boldItalic r:id="rId42"/>
+    </p:embeddedFont>
+    <p:embeddedFont>
+      <p:font typeface="Roboto" panose="02000000000000000000" pitchFamily="2" charset="0"/>
+      <p:regular r:id="rId43"/>
+      <p:bold r:id="rId44"/>
+      <p:italic r:id="rId45"/>
+      <p:boldItalic r:id="rId46"/>
     </p:embeddedFont>
   </p:embeddedFontLst>
   <p:defaultTextStyle>
@@ -10953,6 +10957,825 @@
   <p:cSld>
     <p:spTree>
       <p:nvGrpSpPr>
+        <p:cNvPr id="1" name=""/>
+        <p:cNvGrpSpPr/>
+        <p:nvPr/>
+      </p:nvGrpSpPr>
+      <p:grpSpPr>
+        <a:xfrm>
+          <a:off x="0" y="0"/>
+          <a:ext cx="0" cy="0"/>
+          <a:chOff x="0" y="0"/>
+          <a:chExt cx="0" cy="0"/>
+        </a:xfrm>
+      </p:grpSpPr>
+      <p:sp>
+        <p:nvSpPr>
+          <p:cNvPr id="2" name="Cím 1">
+            <a:extLst>
+              <a:ext uri="{FF2B5EF4-FFF2-40B4-BE49-F238E27FC236}">
+                <a16:creationId xmlns:a16="http://schemas.microsoft.com/office/drawing/2014/main" id="{35FA2FCC-9C77-3CE4-3CA6-499EC4652640}"/>
+              </a:ext>
+            </a:extLst>
+          </p:cNvPr>
+          <p:cNvSpPr>
+            <a:spLocks noGrp="1"/>
+          </p:cNvSpPr>
+          <p:nvPr>
+            <p:ph type="title"/>
+          </p:nvPr>
+        </p:nvSpPr>
+        <p:spPr/>
+        <p:txBody>
+          <a:bodyPr>
+            <a:normAutofit fontScale="90000"/>
+          </a:bodyPr>
+          <a:lstStyle/>
+          <a:p>
+            <a:r>
+              <a:rPr lang="hu-HU" dirty="0"/>
+              <a:t>Listák</a:t>
+            </a:r>
+            <a:endParaRPr lang="en-US" dirty="0"/>
+          </a:p>
+        </p:txBody>
+      </p:sp>
+      <p:sp>
+        <p:nvSpPr>
+          <p:cNvPr id="3" name="Szöveg helye 2">
+            <a:extLst>
+              <a:ext uri="{FF2B5EF4-FFF2-40B4-BE49-F238E27FC236}">
+                <a16:creationId xmlns:a16="http://schemas.microsoft.com/office/drawing/2014/main" id="{3AF34660-4CC3-2CB5-6753-8F15E5C04DA5}"/>
+              </a:ext>
+            </a:extLst>
+          </p:cNvPr>
+          <p:cNvSpPr>
+            <a:spLocks noGrp="1"/>
+          </p:cNvSpPr>
+          <p:nvPr>
+            <p:ph type="body" idx="1"/>
+          </p:nvPr>
+        </p:nvSpPr>
+        <p:spPr/>
+        <p:txBody>
+          <a:bodyPr/>
+          <a:lstStyle/>
+          <a:p>
+            <a:r>
+              <a:rPr lang="hu-HU" dirty="0"/>
+              <a:t>Feladat: Egy program, ami eltárolja a kívánságainkat.</a:t>
+            </a:r>
+            <a:endParaRPr lang="en-US" dirty="0"/>
+          </a:p>
+        </p:txBody>
+      </p:sp>
+      <p:pic>
+        <p:nvPicPr>
+          <p:cNvPr id="5" name="Kép 4">
+            <a:extLst>
+              <a:ext uri="{FF2B5EF4-FFF2-40B4-BE49-F238E27FC236}">
+                <a16:creationId xmlns:a16="http://schemas.microsoft.com/office/drawing/2014/main" id="{C6AB3377-8127-99D0-4C45-A63402BF028A}"/>
+              </a:ext>
+            </a:extLst>
+          </p:cNvPr>
+          <p:cNvPicPr>
+            <a:picLocks noChangeAspect="1"/>
+          </p:cNvPicPr>
+          <p:nvPr/>
+        </p:nvPicPr>
+        <p:blipFill>
+          <a:blip r:embed="rId2"/>
+          <a:stretch>
+            <a:fillRect/>
+          </a:stretch>
+        </p:blipFill>
+        <p:spPr>
+          <a:xfrm>
+            <a:off x="3636817" y="1826251"/>
+            <a:ext cx="3964555" cy="3160423"/>
+          </a:xfrm>
+          <a:prstGeom prst="rect">
+            <a:avLst/>
+          </a:prstGeom>
+        </p:spPr>
+      </p:pic>
+      <p:pic>
+        <p:nvPicPr>
+          <p:cNvPr id="7" name="Kép 6">
+            <a:extLst>
+              <a:ext uri="{FF2B5EF4-FFF2-40B4-BE49-F238E27FC236}">
+                <a16:creationId xmlns:a16="http://schemas.microsoft.com/office/drawing/2014/main" id="{C039C9C4-A6DC-966A-DDD2-752E57F2C9AD}"/>
+              </a:ext>
+            </a:extLst>
+          </p:cNvPr>
+          <p:cNvPicPr>
+            <a:picLocks noChangeAspect="1"/>
+          </p:cNvPicPr>
+          <p:nvPr/>
+        </p:nvPicPr>
+        <p:blipFill>
+          <a:blip r:embed="rId3"/>
+          <a:stretch>
+            <a:fillRect/>
+          </a:stretch>
+        </p:blipFill>
+        <p:spPr>
+          <a:xfrm>
+            <a:off x="6386285" y="574625"/>
+            <a:ext cx="2127679" cy="1702143"/>
+          </a:xfrm>
+          <a:prstGeom prst="rect">
+            <a:avLst/>
+          </a:prstGeom>
+        </p:spPr>
+      </p:pic>
+      <p:pic>
+        <p:nvPicPr>
+          <p:cNvPr id="11" name="Kép 10">
+            <a:extLst>
+              <a:ext uri="{FF2B5EF4-FFF2-40B4-BE49-F238E27FC236}">
+                <a16:creationId xmlns:a16="http://schemas.microsoft.com/office/drawing/2014/main" id="{04DF4CF8-B1B1-CD75-F7C1-0702ADE39F6C}"/>
+              </a:ext>
+            </a:extLst>
+          </p:cNvPr>
+          <p:cNvPicPr>
+            <a:picLocks noChangeAspect="1"/>
+          </p:cNvPicPr>
+          <p:nvPr/>
+        </p:nvPicPr>
+        <p:blipFill>
+          <a:blip r:embed="rId4"/>
+          <a:stretch>
+            <a:fillRect/>
+          </a:stretch>
+        </p:blipFill>
+        <p:spPr>
+          <a:xfrm>
+            <a:off x="460582" y="1752820"/>
+            <a:ext cx="2857899" cy="1047896"/>
+          </a:xfrm>
+          <a:prstGeom prst="rect">
+            <a:avLst/>
+          </a:prstGeom>
+          <a:ln>
+            <a:solidFill>
+              <a:schemeClr val="accent1"/>
+            </a:solidFill>
+          </a:ln>
+        </p:spPr>
+      </p:pic>
+      <p:pic>
+        <p:nvPicPr>
+          <p:cNvPr id="13" name="Kép 12">
+            <a:extLst>
+              <a:ext uri="{FF2B5EF4-FFF2-40B4-BE49-F238E27FC236}">
+                <a16:creationId xmlns:a16="http://schemas.microsoft.com/office/drawing/2014/main" id="{7B6DC51E-4356-9CA1-0CFF-20E17F440141}"/>
+              </a:ext>
+            </a:extLst>
+          </p:cNvPr>
+          <p:cNvPicPr>
+            <a:picLocks noChangeAspect="1"/>
+          </p:cNvPicPr>
+          <p:nvPr/>
+        </p:nvPicPr>
+        <p:blipFill>
+          <a:blip r:embed="rId5"/>
+          <a:stretch>
+            <a:fillRect/>
+          </a:stretch>
+        </p:blipFill>
+        <p:spPr>
+          <a:xfrm>
+            <a:off x="576834" y="3401061"/>
+            <a:ext cx="1829055" cy="1181265"/>
+          </a:xfrm>
+          <a:prstGeom prst="rect">
+            <a:avLst/>
+          </a:prstGeom>
+        </p:spPr>
+      </p:pic>
+    </p:spTree>
+    <p:extLst>
+      <p:ext uri="{BB962C8B-B14F-4D97-AF65-F5344CB8AC3E}">
+        <p14:creationId xmlns:p14="http://schemas.microsoft.com/office/powerpoint/2010/main" val="3018647018"/>
+      </p:ext>
+    </p:extLst>
+  </p:cSld>
+  <p:clrMapOvr>
+    <a:masterClrMapping/>
+  </p:clrMapOvr>
+</p:sld>
+</file>
+
+<file path=ppt/slides/slide22.xml><?xml version="1.0" encoding="utf-8"?>
+<p:sld xmlns:a="http://schemas.openxmlformats.org/drawingml/2006/main" xmlns:r="http://schemas.openxmlformats.org/officeDocument/2006/relationships" xmlns:p="http://schemas.openxmlformats.org/presentationml/2006/main">
+  <p:cSld>
+    <p:spTree>
+      <p:nvGrpSpPr>
+        <p:cNvPr id="1" name=""/>
+        <p:cNvGrpSpPr/>
+        <p:nvPr/>
+      </p:nvGrpSpPr>
+      <p:grpSpPr>
+        <a:xfrm>
+          <a:off x="0" y="0"/>
+          <a:ext cx="0" cy="0"/>
+          <a:chOff x="0" y="0"/>
+          <a:chExt cx="0" cy="0"/>
+        </a:xfrm>
+      </p:grpSpPr>
+      <p:sp>
+        <p:nvSpPr>
+          <p:cNvPr id="2" name="Cím 1">
+            <a:extLst>
+              <a:ext uri="{FF2B5EF4-FFF2-40B4-BE49-F238E27FC236}">
+                <a16:creationId xmlns:a16="http://schemas.microsoft.com/office/drawing/2014/main" id="{1DEB7EEC-F24A-852F-1EFD-DAB932FE4BE2}"/>
+              </a:ext>
+            </a:extLst>
+          </p:cNvPr>
+          <p:cNvSpPr>
+            <a:spLocks noGrp="1"/>
+          </p:cNvSpPr>
+          <p:nvPr>
+            <p:ph type="title"/>
+          </p:nvPr>
+        </p:nvSpPr>
+        <p:spPr/>
+        <p:txBody>
+          <a:bodyPr>
+            <a:normAutofit fontScale="90000"/>
+          </a:bodyPr>
+          <a:lstStyle/>
+          <a:p>
+            <a:r>
+              <a:rPr lang="hu-HU" dirty="0"/>
+              <a:t>Mi a lista</a:t>
+            </a:r>
+            <a:endParaRPr lang="en-US" dirty="0"/>
+          </a:p>
+        </p:txBody>
+      </p:sp>
+      <p:sp>
+        <p:nvSpPr>
+          <p:cNvPr id="3" name="Szöveg helye 2">
+            <a:extLst>
+              <a:ext uri="{FF2B5EF4-FFF2-40B4-BE49-F238E27FC236}">
+                <a16:creationId xmlns:a16="http://schemas.microsoft.com/office/drawing/2014/main" id="{A5B67A3E-EFB0-5865-42AC-A947E00C0C2E}"/>
+              </a:ext>
+            </a:extLst>
+          </p:cNvPr>
+          <p:cNvSpPr>
+            <a:spLocks noGrp="1"/>
+          </p:cNvSpPr>
+          <p:nvPr>
+            <p:ph type="body" idx="1"/>
+          </p:nvPr>
+        </p:nvSpPr>
+        <p:spPr/>
+        <p:txBody>
+          <a:bodyPr/>
+          <a:lstStyle/>
+          <a:p>
+            <a:r>
+              <a:rPr lang="hu-HU" dirty="0"/>
+              <a:t>A listában több elemet tudunk egyetlen változóban eltárolni.</a:t>
+            </a:r>
+          </a:p>
+          <a:p>
+            <a:r>
+              <a:rPr lang="hu-HU" dirty="0"/>
+              <a:t>A listához </a:t>
+            </a:r>
+          </a:p>
+          <a:p>
+            <a:pPr lvl="1"/>
+            <a:r>
+              <a:rPr lang="hu-HU" dirty="0"/>
+              <a:t>hozzá tudunk fűzni egy elemet (</a:t>
+            </a:r>
+            <a:r>
+              <a:rPr lang="hu-HU" b="1" dirty="0" err="1"/>
+              <a:t>C</a:t>
+            </a:r>
+            <a:r>
+              <a:rPr lang="hu-HU" dirty="0" err="1"/>
+              <a:t>reate</a:t>
+            </a:r>
+            <a:r>
+              <a:rPr lang="hu-HU" dirty="0"/>
+              <a:t>), </a:t>
+            </a:r>
+          </a:p>
+          <a:p>
+            <a:pPr lvl="1"/>
+            <a:r>
+              <a:rPr lang="hu-HU" dirty="0"/>
+              <a:t>hivatkozni tudunk rá a sorszáma szerint (</a:t>
+            </a:r>
+            <a:r>
+              <a:rPr lang="hu-HU" b="1" dirty="0"/>
+              <a:t>R</a:t>
+            </a:r>
+            <a:r>
+              <a:rPr lang="hu-HU" dirty="0"/>
+              <a:t>ead)</a:t>
+            </a:r>
+          </a:p>
+          <a:p>
+            <a:pPr lvl="1"/>
+            <a:r>
+              <a:rPr lang="hu-HU" dirty="0"/>
+              <a:t>Módosítani tudjuk bármely elemét (</a:t>
+            </a:r>
+            <a:r>
+              <a:rPr lang="hu-HU" b="1" dirty="0"/>
+              <a:t>U</a:t>
+            </a:r>
+            <a:r>
+              <a:rPr lang="hu-HU" dirty="0"/>
+              <a:t>pdate)</a:t>
+            </a:r>
+          </a:p>
+          <a:p>
+            <a:pPr lvl="1"/>
+            <a:r>
+              <a:rPr lang="hu-HU" dirty="0"/>
+              <a:t>Törölni tudunk belőle elemet (</a:t>
+            </a:r>
+            <a:r>
+              <a:rPr lang="hu-HU" b="1" dirty="0" err="1"/>
+              <a:t>D</a:t>
+            </a:r>
+            <a:r>
+              <a:rPr lang="hu-HU" dirty="0" err="1"/>
+              <a:t>elete</a:t>
+            </a:r>
+            <a:r>
+              <a:rPr lang="hu-HU" dirty="0"/>
+              <a:t>)</a:t>
+            </a:r>
+          </a:p>
+          <a:p>
+            <a:r>
+              <a:rPr lang="hu-HU" dirty="0"/>
+              <a:t>Ezeket a műveleteket nevezzük CRUD műveleteknek.</a:t>
+            </a:r>
+          </a:p>
+          <a:p>
+            <a:r>
+              <a:rPr lang="hu-HU" dirty="0"/>
+              <a:t>Tudj meg többet: </a:t>
+            </a:r>
+            <a:r>
+              <a:rPr lang="en-US" dirty="0">
+                <a:hlinkClick r:id="rId2"/>
+              </a:rPr>
+              <a:t>Python Lists</a:t>
+            </a:r>
+            <a:endParaRPr lang="hu-HU" dirty="0"/>
+          </a:p>
+          <a:p>
+            <a:pPr lvl="1"/>
+            <a:endParaRPr lang="hu-HU" dirty="0"/>
+          </a:p>
+          <a:p>
+            <a:pPr marL="139700" indent="0">
+              <a:buNone/>
+            </a:pPr>
+            <a:endParaRPr lang="en-US" dirty="0"/>
+          </a:p>
+        </p:txBody>
+      </p:sp>
+    </p:spTree>
+    <p:extLst>
+      <p:ext uri="{BB962C8B-B14F-4D97-AF65-F5344CB8AC3E}">
+        <p14:creationId xmlns:p14="http://schemas.microsoft.com/office/powerpoint/2010/main" val="1041132644"/>
+      </p:ext>
+    </p:extLst>
+  </p:cSld>
+  <p:clrMapOvr>
+    <a:masterClrMapping/>
+  </p:clrMapOvr>
+</p:sld>
+</file>
+
+<file path=ppt/slides/slide23.xml><?xml version="1.0" encoding="utf-8"?>
+<p:sld xmlns:a="http://schemas.openxmlformats.org/drawingml/2006/main" xmlns:r="http://schemas.openxmlformats.org/officeDocument/2006/relationships" xmlns:p="http://schemas.openxmlformats.org/presentationml/2006/main">
+  <p:cSld>
+    <p:spTree>
+      <p:nvGrpSpPr>
+        <p:cNvPr id="1" name=""/>
+        <p:cNvGrpSpPr/>
+        <p:nvPr/>
+      </p:nvGrpSpPr>
+      <p:grpSpPr>
+        <a:xfrm>
+          <a:off x="0" y="0"/>
+          <a:ext cx="0" cy="0"/>
+          <a:chOff x="0" y="0"/>
+          <a:chExt cx="0" cy="0"/>
+        </a:xfrm>
+      </p:grpSpPr>
+      <p:sp>
+        <p:nvSpPr>
+          <p:cNvPr id="2" name="Cím 1">
+            <a:extLst>
+              <a:ext uri="{FF2B5EF4-FFF2-40B4-BE49-F238E27FC236}">
+                <a16:creationId xmlns:a16="http://schemas.microsoft.com/office/drawing/2014/main" id="{0554498B-8358-E829-8C56-658A2F9A29CA}"/>
+              </a:ext>
+            </a:extLst>
+          </p:cNvPr>
+          <p:cNvSpPr>
+            <a:spLocks noGrp="1"/>
+          </p:cNvSpPr>
+          <p:nvPr>
+            <p:ph type="title"/>
+          </p:nvPr>
+        </p:nvSpPr>
+        <p:spPr/>
+        <p:txBody>
+          <a:bodyPr>
+            <a:normAutofit fontScale="90000"/>
+          </a:bodyPr>
+          <a:lstStyle/>
+          <a:p>
+            <a:r>
+              <a:rPr lang="hu-HU" dirty="0"/>
+              <a:t>Műveletek a listával</a:t>
+            </a:r>
+            <a:endParaRPr lang="en-US" dirty="0"/>
+          </a:p>
+        </p:txBody>
+      </p:sp>
+      <p:pic>
+        <p:nvPicPr>
+          <p:cNvPr id="5" name="Kép 4">
+            <a:extLst>
+              <a:ext uri="{FF2B5EF4-FFF2-40B4-BE49-F238E27FC236}">
+                <a16:creationId xmlns:a16="http://schemas.microsoft.com/office/drawing/2014/main" id="{65263341-9AF7-14E3-32AF-71B7839DC7DA}"/>
+              </a:ext>
+            </a:extLst>
+          </p:cNvPr>
+          <p:cNvPicPr>
+            <a:picLocks noChangeAspect="1"/>
+          </p:cNvPicPr>
+          <p:nvPr/>
+        </p:nvPicPr>
+        <p:blipFill>
+          <a:blip r:embed="rId2"/>
+          <a:stretch>
+            <a:fillRect/>
+          </a:stretch>
+        </p:blipFill>
+        <p:spPr>
+          <a:xfrm>
+            <a:off x="4436269" y="1017450"/>
+            <a:ext cx="3717498" cy="3427384"/>
+          </a:xfrm>
+          <a:prstGeom prst="rect">
+            <a:avLst/>
+          </a:prstGeom>
+        </p:spPr>
+      </p:pic>
+      <p:pic>
+        <p:nvPicPr>
+          <p:cNvPr id="7" name="Kép 6">
+            <a:extLst>
+              <a:ext uri="{FF2B5EF4-FFF2-40B4-BE49-F238E27FC236}">
+                <a16:creationId xmlns:a16="http://schemas.microsoft.com/office/drawing/2014/main" id="{C3240125-A276-95C2-249C-E00815E19D05}"/>
+              </a:ext>
+            </a:extLst>
+          </p:cNvPr>
+          <p:cNvPicPr>
+            <a:picLocks noChangeAspect="1"/>
+          </p:cNvPicPr>
+          <p:nvPr/>
+        </p:nvPicPr>
+        <p:blipFill>
+          <a:blip r:embed="rId3"/>
+          <a:stretch>
+            <a:fillRect/>
+          </a:stretch>
+        </p:blipFill>
+        <p:spPr>
+          <a:xfrm>
+            <a:off x="6980899" y="560687"/>
+            <a:ext cx="1512134" cy="1239538"/>
+          </a:xfrm>
+          <a:prstGeom prst="rect">
+            <a:avLst/>
+          </a:prstGeom>
+        </p:spPr>
+      </p:pic>
+      <p:pic>
+        <p:nvPicPr>
+          <p:cNvPr id="9" name="Kép 8">
+            <a:extLst>
+              <a:ext uri="{FF2B5EF4-FFF2-40B4-BE49-F238E27FC236}">
+                <a16:creationId xmlns:a16="http://schemas.microsoft.com/office/drawing/2014/main" id="{6A9C2935-40A7-AFF6-1631-1AFC27A5D418}"/>
+              </a:ext>
+            </a:extLst>
+          </p:cNvPr>
+          <p:cNvPicPr>
+            <a:picLocks noChangeAspect="1"/>
+          </p:cNvPicPr>
+          <p:nvPr/>
+        </p:nvPicPr>
+        <p:blipFill>
+          <a:blip r:embed="rId4"/>
+          <a:stretch>
+            <a:fillRect/>
+          </a:stretch>
+        </p:blipFill>
+        <p:spPr>
+          <a:xfrm>
+            <a:off x="454650" y="1161853"/>
+            <a:ext cx="2419688" cy="1409897"/>
+          </a:xfrm>
+          <a:prstGeom prst="rect">
+            <a:avLst/>
+          </a:prstGeom>
+          <a:ln>
+            <a:solidFill>
+              <a:schemeClr val="accent1"/>
+            </a:solidFill>
+          </a:ln>
+        </p:spPr>
+      </p:pic>
+      <p:pic>
+        <p:nvPicPr>
+          <p:cNvPr id="11" name="Kép 10">
+            <a:extLst>
+              <a:ext uri="{FF2B5EF4-FFF2-40B4-BE49-F238E27FC236}">
+                <a16:creationId xmlns:a16="http://schemas.microsoft.com/office/drawing/2014/main" id="{6774104A-9781-7221-1F07-1FB0AE098B54}"/>
+              </a:ext>
+            </a:extLst>
+          </p:cNvPr>
+          <p:cNvPicPr>
+            <a:picLocks noChangeAspect="1"/>
+          </p:cNvPicPr>
+          <p:nvPr/>
+        </p:nvPicPr>
+        <p:blipFill>
+          <a:blip r:embed="rId5"/>
+          <a:stretch>
+            <a:fillRect/>
+          </a:stretch>
+        </p:blipFill>
+        <p:spPr>
+          <a:xfrm>
+            <a:off x="626124" y="3417207"/>
+            <a:ext cx="2248214" cy="600159"/>
+          </a:xfrm>
+          <a:prstGeom prst="rect">
+            <a:avLst/>
+          </a:prstGeom>
+        </p:spPr>
+      </p:pic>
+    </p:spTree>
+    <p:extLst>
+      <p:ext uri="{BB962C8B-B14F-4D97-AF65-F5344CB8AC3E}">
+        <p14:creationId xmlns:p14="http://schemas.microsoft.com/office/powerpoint/2010/main" val="806026489"/>
+      </p:ext>
+    </p:extLst>
+  </p:cSld>
+  <p:clrMapOvr>
+    <a:masterClrMapping/>
+  </p:clrMapOvr>
+</p:sld>
+</file>
+
+<file path=ppt/slides/slide24.xml><?xml version="1.0" encoding="utf-8"?>
+<p:sld xmlns:a="http://schemas.openxmlformats.org/drawingml/2006/main" xmlns:r="http://schemas.openxmlformats.org/officeDocument/2006/relationships" xmlns:p="http://schemas.openxmlformats.org/presentationml/2006/main">
+  <p:cSld>
+    <p:spTree>
+      <p:nvGrpSpPr>
+        <p:cNvPr id="1" name=""/>
+        <p:cNvGrpSpPr/>
+        <p:nvPr/>
+      </p:nvGrpSpPr>
+      <p:grpSpPr>
+        <a:xfrm>
+          <a:off x="0" y="0"/>
+          <a:ext cx="0" cy="0"/>
+          <a:chOff x="0" y="0"/>
+          <a:chExt cx="0" cy="0"/>
+        </a:xfrm>
+      </p:grpSpPr>
+      <p:sp>
+        <p:nvSpPr>
+          <p:cNvPr id="2" name="Cím 1">
+            <a:extLst>
+              <a:ext uri="{FF2B5EF4-FFF2-40B4-BE49-F238E27FC236}">
+                <a16:creationId xmlns:a16="http://schemas.microsoft.com/office/drawing/2014/main" id="{E5C9E1F5-B218-EC86-13BB-0F13652C762C}"/>
+              </a:ext>
+            </a:extLst>
+          </p:cNvPr>
+          <p:cNvSpPr>
+            <a:spLocks noGrp="1"/>
+          </p:cNvSpPr>
+          <p:nvPr>
+            <p:ph type="title"/>
+          </p:nvPr>
+        </p:nvSpPr>
+        <p:spPr/>
+        <p:txBody>
+          <a:bodyPr>
+            <a:normAutofit fontScale="90000"/>
+          </a:bodyPr>
+          <a:lstStyle/>
+          <a:p>
+            <a:r>
+              <a:rPr lang="hu-HU" dirty="0"/>
+              <a:t>Lista bejárása ciklussal</a:t>
+            </a:r>
+            <a:endParaRPr lang="en-US" dirty="0"/>
+          </a:p>
+        </p:txBody>
+      </p:sp>
+      <p:pic>
+        <p:nvPicPr>
+          <p:cNvPr id="7" name="Kép 6">
+            <a:extLst>
+              <a:ext uri="{FF2B5EF4-FFF2-40B4-BE49-F238E27FC236}">
+                <a16:creationId xmlns:a16="http://schemas.microsoft.com/office/drawing/2014/main" id="{4736A5D4-B274-BFC6-D8E9-9F791CD44B7B}"/>
+              </a:ext>
+            </a:extLst>
+          </p:cNvPr>
+          <p:cNvPicPr>
+            <a:picLocks noChangeAspect="1"/>
+          </p:cNvPicPr>
+          <p:nvPr/>
+        </p:nvPicPr>
+        <p:blipFill>
+          <a:blip r:embed="rId2"/>
+          <a:stretch>
+            <a:fillRect/>
+          </a:stretch>
+        </p:blipFill>
+        <p:spPr>
+          <a:xfrm>
+            <a:off x="4160340" y="900112"/>
+            <a:ext cx="3951792" cy="3852037"/>
+          </a:xfrm>
+          <a:prstGeom prst="rect">
+            <a:avLst/>
+          </a:prstGeom>
+        </p:spPr>
+      </p:pic>
+      <p:pic>
+        <p:nvPicPr>
+          <p:cNvPr id="9" name="Kép 8">
+            <a:extLst>
+              <a:ext uri="{FF2B5EF4-FFF2-40B4-BE49-F238E27FC236}">
+                <a16:creationId xmlns:a16="http://schemas.microsoft.com/office/drawing/2014/main" id="{67864A1D-2776-B0CF-5512-7EA7F00C2BC9}"/>
+              </a:ext>
+            </a:extLst>
+          </p:cNvPr>
+          <p:cNvPicPr>
+            <a:picLocks noChangeAspect="1"/>
+          </p:cNvPicPr>
+          <p:nvPr/>
+        </p:nvPicPr>
+        <p:blipFill>
+          <a:blip r:embed="rId3"/>
+          <a:stretch>
+            <a:fillRect/>
+          </a:stretch>
+        </p:blipFill>
+        <p:spPr>
+          <a:xfrm>
+            <a:off x="7040355" y="391350"/>
+            <a:ext cx="1791945" cy="1438432"/>
+          </a:xfrm>
+          <a:prstGeom prst="rect">
+            <a:avLst/>
+          </a:prstGeom>
+        </p:spPr>
+      </p:pic>
+      <p:pic>
+        <p:nvPicPr>
+          <p:cNvPr id="11" name="Kép 10">
+            <a:extLst>
+              <a:ext uri="{FF2B5EF4-FFF2-40B4-BE49-F238E27FC236}">
+                <a16:creationId xmlns:a16="http://schemas.microsoft.com/office/drawing/2014/main" id="{3AAFA9EE-1A17-E7B6-26F1-41EDD117BE63}"/>
+              </a:ext>
+            </a:extLst>
+          </p:cNvPr>
+          <p:cNvPicPr>
+            <a:picLocks noChangeAspect="1"/>
+          </p:cNvPicPr>
+          <p:nvPr/>
+        </p:nvPicPr>
+        <p:blipFill>
+          <a:blip r:embed="rId4"/>
+          <a:stretch>
+            <a:fillRect/>
+          </a:stretch>
+        </p:blipFill>
+        <p:spPr>
+          <a:xfrm>
+            <a:off x="453289" y="1173880"/>
+            <a:ext cx="2876951" cy="1095528"/>
+          </a:xfrm>
+          <a:prstGeom prst="rect">
+            <a:avLst/>
+          </a:prstGeom>
+          <a:ln>
+            <a:solidFill>
+              <a:schemeClr val="accent1"/>
+            </a:solidFill>
+          </a:ln>
+        </p:spPr>
+      </p:pic>
+      <p:pic>
+        <p:nvPicPr>
+          <p:cNvPr id="13" name="Kép 12">
+            <a:extLst>
+              <a:ext uri="{FF2B5EF4-FFF2-40B4-BE49-F238E27FC236}">
+                <a16:creationId xmlns:a16="http://schemas.microsoft.com/office/drawing/2014/main" id="{6DDEE05F-0F0A-1174-6A46-89D326E863BC}"/>
+              </a:ext>
+            </a:extLst>
+          </p:cNvPr>
+          <p:cNvPicPr>
+            <a:picLocks noChangeAspect="1"/>
+          </p:cNvPicPr>
+          <p:nvPr/>
+        </p:nvPicPr>
+        <p:blipFill>
+          <a:blip r:embed="rId5"/>
+          <a:stretch>
+            <a:fillRect/>
+          </a:stretch>
+        </p:blipFill>
+        <p:spPr>
+          <a:xfrm>
+            <a:off x="453289" y="3360944"/>
+            <a:ext cx="2991267" cy="638264"/>
+          </a:xfrm>
+          <a:prstGeom prst="rect">
+            <a:avLst/>
+          </a:prstGeom>
+          <a:ln>
+            <a:solidFill>
+              <a:schemeClr val="accent1"/>
+            </a:solidFill>
+          </a:ln>
+        </p:spPr>
+      </p:pic>
+      <p:pic>
+        <p:nvPicPr>
+          <p:cNvPr id="15" name="Kép 14">
+            <a:extLst>
+              <a:ext uri="{FF2B5EF4-FFF2-40B4-BE49-F238E27FC236}">
+                <a16:creationId xmlns:a16="http://schemas.microsoft.com/office/drawing/2014/main" id="{C531A185-B4F8-631C-CBC1-66DA023BE7C1}"/>
+              </a:ext>
+            </a:extLst>
+          </p:cNvPr>
+          <p:cNvPicPr>
+            <a:picLocks noChangeAspect="1"/>
+          </p:cNvPicPr>
+          <p:nvPr/>
+        </p:nvPicPr>
+        <p:blipFill>
+          <a:blip r:embed="rId6"/>
+          <a:stretch>
+            <a:fillRect/>
+          </a:stretch>
+        </p:blipFill>
+        <p:spPr>
+          <a:xfrm>
+            <a:off x="453289" y="2531728"/>
+            <a:ext cx="2838846" cy="590632"/>
+          </a:xfrm>
+          <a:prstGeom prst="rect">
+            <a:avLst/>
+          </a:prstGeom>
+          <a:ln>
+            <a:solidFill>
+              <a:schemeClr val="accent1"/>
+            </a:solidFill>
+          </a:ln>
+        </p:spPr>
+      </p:pic>
+    </p:spTree>
+    <p:extLst>
+      <p:ext uri="{BB962C8B-B14F-4D97-AF65-F5344CB8AC3E}">
+        <p14:creationId xmlns:p14="http://schemas.microsoft.com/office/powerpoint/2010/main" val="3947226389"/>
+      </p:ext>
+    </p:extLst>
+  </p:cSld>
+  <p:clrMapOvr>
+    <a:masterClrMapping/>
+  </p:clrMapOvr>
+</p:sld>
+</file>
+
+<file path=ppt/slides/slide25.xml><?xml version="1.0" encoding="utf-8"?>
+<p:sld xmlns:a="http://schemas.openxmlformats.org/drawingml/2006/main" xmlns:r="http://schemas.openxmlformats.org/officeDocument/2006/relationships" xmlns:p="http://schemas.openxmlformats.org/presentationml/2006/main">
+  <p:cSld>
+    <p:spTree>
+      <p:nvGrpSpPr>
         <p:cNvPr id="1" name="Shape 132"/>
         <p:cNvGrpSpPr/>
         <p:nvPr/>
@@ -11085,7 +11908,7 @@
 </p:sld>
 </file>
 
-<file path=ppt/slides/slide22.xml><?xml version="1.0" encoding="utf-8"?>
+<file path=ppt/slides/slide26.xml><?xml version="1.0" encoding="utf-8"?>
 <p:sld xmlns:a="http://schemas.openxmlformats.org/drawingml/2006/main" xmlns:r="http://schemas.openxmlformats.org/officeDocument/2006/relationships" xmlns:p="http://schemas.openxmlformats.org/presentationml/2006/main">
   <p:cSld>
     <p:spTree>
@@ -11208,7 +12031,7 @@
 </p:sld>
 </file>
 
-<file path=ppt/slides/slide23.xml><?xml version="1.0" encoding="utf-8"?>
+<file path=ppt/slides/slide27.xml><?xml version="1.0" encoding="utf-8"?>
 <p:sld xmlns:a="http://schemas.openxmlformats.org/drawingml/2006/main" xmlns:r="http://schemas.openxmlformats.org/officeDocument/2006/relationships" xmlns:p="http://schemas.openxmlformats.org/presentationml/2006/main">
   <p:cSld>
     <p:spTree>
@@ -11303,7 +12126,7 @@
 </p:sld>
 </file>
 
-<file path=ppt/slides/slide24.xml><?xml version="1.0" encoding="utf-8"?>
+<file path=ppt/slides/slide28.xml><?xml version="1.0" encoding="utf-8"?>
 <p:sld xmlns:a="http://schemas.openxmlformats.org/drawingml/2006/main" xmlns:r="http://schemas.openxmlformats.org/officeDocument/2006/relationships" xmlns:p="http://schemas.openxmlformats.org/presentationml/2006/main">
   <p:cSld>
     <p:spTree>
@@ -11452,7 +12275,7 @@
 </p:sld>
 </file>
 
-<file path=ppt/slides/slide25.xml><?xml version="1.0" encoding="utf-8"?>
+<file path=ppt/slides/slide29.xml><?xml version="1.0" encoding="utf-8"?>
 <p:sld xmlns:a="http://schemas.openxmlformats.org/drawingml/2006/main" xmlns:r="http://schemas.openxmlformats.org/officeDocument/2006/relationships" xmlns:p="http://schemas.openxmlformats.org/presentationml/2006/main">
   <p:cSld>
     <p:spTree>
@@ -11593,501 +12416,6 @@
           </a:ln>
         </p:spPr>
       </p:pic>
-    </p:spTree>
-  </p:cSld>
-  <p:clrMapOvr>
-    <a:masterClrMapping/>
-  </p:clrMapOvr>
-</p:sld>
-</file>
-
-<file path=ppt/slides/slide26.xml><?xml version="1.0" encoding="utf-8"?>
-<p:sld xmlns:a="http://schemas.openxmlformats.org/drawingml/2006/main" xmlns:r="http://schemas.openxmlformats.org/officeDocument/2006/relationships" xmlns:p="http://schemas.openxmlformats.org/presentationml/2006/main">
-  <p:cSld>
-    <p:spTree>
-      <p:nvGrpSpPr>
-        <p:cNvPr id="1" name="Shape 166"/>
-        <p:cNvGrpSpPr/>
-        <p:nvPr/>
-      </p:nvGrpSpPr>
-      <p:grpSpPr>
-        <a:xfrm>
-          <a:off x="0" y="0"/>
-          <a:ext cx="0" cy="0"/>
-          <a:chOff x="0" y="0"/>
-          <a:chExt cx="0" cy="0"/>
-        </a:xfrm>
-      </p:grpSpPr>
-      <p:sp>
-        <p:nvSpPr>
-          <p:cNvPr id="167" name="Google Shape;167;p29"/>
-          <p:cNvSpPr txBox="1">
-            <a:spLocks noGrp="1"/>
-          </p:cNvSpPr>
-          <p:nvPr>
-            <p:ph type="title"/>
-          </p:nvPr>
-        </p:nvSpPr>
-        <p:spPr>
-          <a:xfrm>
-            <a:off x="311700" y="391350"/>
-            <a:ext cx="8520600" cy="626100"/>
-          </a:xfrm>
-          <a:prstGeom prst="rect">
-            <a:avLst/>
-          </a:prstGeom>
-        </p:spPr>
-        <p:txBody>
-          <a:bodyPr spcFirstLastPara="1" wrap="square" lIns="91425" tIns="91425" rIns="91425" bIns="91425" anchor="t" anchorCtr="0">
-            <a:normAutofit fontScale="90000"/>
-          </a:bodyPr>
-          <a:lstStyle/>
-          <a:p>
-            <a:pPr marL="0" lvl="0" indent="0" algn="l" rtl="0">
-              <a:spcBef>
-                <a:spcPts val="0"/>
-              </a:spcBef>
-              <a:spcAft>
-                <a:spcPts val="0"/>
-              </a:spcAft>
-              <a:buNone/>
-            </a:pPr>
-            <a:r>
-              <a:rPr lang="hu"/>
-              <a:t>Jelszó generátor</a:t>
-            </a:r>
-            <a:endParaRPr/>
-          </a:p>
-        </p:txBody>
-      </p:sp>
-      <p:pic>
-        <p:nvPicPr>
-          <p:cNvPr id="168" name="Google Shape;168;p29"/>
-          <p:cNvPicPr preferRelativeResize="0"/>
-          <p:nvPr/>
-        </p:nvPicPr>
-        <p:blipFill>
-          <a:blip r:embed="rId3">
-            <a:alphaModFix/>
-          </a:blip>
-          <a:stretch>
-            <a:fillRect/>
-          </a:stretch>
-        </p:blipFill>
-        <p:spPr>
-          <a:xfrm>
-            <a:off x="2867450" y="867475"/>
-            <a:ext cx="5565539" cy="3820975"/>
-          </a:xfrm>
-          <a:prstGeom prst="rect">
-            <a:avLst/>
-          </a:prstGeom>
-          <a:noFill/>
-          <a:ln>
-            <a:noFill/>
-          </a:ln>
-        </p:spPr>
-      </p:pic>
-      <p:sp>
-        <p:nvSpPr>
-          <p:cNvPr id="169" name="Google Shape;169;p29"/>
-          <p:cNvSpPr txBox="1"/>
-          <p:nvPr/>
-        </p:nvSpPr>
-        <p:spPr>
-          <a:xfrm>
-            <a:off x="401475" y="1265950"/>
-            <a:ext cx="2350200" cy="2697300"/>
-          </a:xfrm>
-          <a:prstGeom prst="rect">
-            <a:avLst/>
-          </a:prstGeom>
-          <a:noFill/>
-          <a:ln>
-            <a:noFill/>
-          </a:ln>
-        </p:spPr>
-        <p:txBody>
-          <a:bodyPr spcFirstLastPara="1" wrap="square" lIns="91425" tIns="91425" rIns="91425" bIns="91425" anchor="t" anchorCtr="0">
-            <a:noAutofit/>
-          </a:bodyPr>
-          <a:lstStyle/>
-          <a:p>
-            <a:pPr marL="0" lvl="0" indent="0" algn="l" rtl="0">
-              <a:spcBef>
-                <a:spcPts val="0"/>
-              </a:spcBef>
-              <a:spcAft>
-                <a:spcPts val="0"/>
-              </a:spcAft>
-              <a:buNone/>
-            </a:pPr>
-            <a:r>
-              <a:rPr lang="hu" sz="1600">
-                <a:solidFill>
-                  <a:srgbClr val="404040"/>
-                </a:solidFill>
-                <a:latin typeface="Roboto"/>
-                <a:ea typeface="Roboto"/>
-                <a:cs typeface="Roboto"/>
-                <a:sym typeface="Roboto"/>
-              </a:rPr>
-              <a:t>Egy egyszerű jelszó generátor, amely véletlenszerű jelszót hoz létre.</a:t>
-            </a:r>
-            <a:endParaRPr sz="2600">
-              <a:solidFill>
-                <a:schemeClr val="dk2"/>
-              </a:solidFill>
-            </a:endParaRPr>
-          </a:p>
-        </p:txBody>
-      </p:sp>
-    </p:spTree>
-  </p:cSld>
-  <p:clrMapOvr>
-    <a:masterClrMapping/>
-  </p:clrMapOvr>
-</p:sld>
-</file>
-
-<file path=ppt/slides/slide27.xml><?xml version="1.0" encoding="utf-8"?>
-<p:sld xmlns:a="http://schemas.openxmlformats.org/drawingml/2006/main" xmlns:r="http://schemas.openxmlformats.org/officeDocument/2006/relationships" xmlns:p="http://schemas.openxmlformats.org/presentationml/2006/main">
-  <p:cSld>
-    <p:spTree>
-      <p:nvGrpSpPr>
-        <p:cNvPr id="1" name="Shape 173"/>
-        <p:cNvGrpSpPr/>
-        <p:nvPr/>
-      </p:nvGrpSpPr>
-      <p:grpSpPr>
-        <a:xfrm>
-          <a:off x="0" y="0"/>
-          <a:ext cx="0" cy="0"/>
-          <a:chOff x="0" y="0"/>
-          <a:chExt cx="0" cy="0"/>
-        </a:xfrm>
-      </p:grpSpPr>
-      <p:sp>
-        <p:nvSpPr>
-          <p:cNvPr id="174" name="Google Shape;174;p30"/>
-          <p:cNvSpPr txBox="1">
-            <a:spLocks noGrp="1"/>
-          </p:cNvSpPr>
-          <p:nvPr>
-            <p:ph type="title"/>
-          </p:nvPr>
-        </p:nvSpPr>
-        <p:spPr>
-          <a:xfrm>
-            <a:off x="311700" y="391350"/>
-            <a:ext cx="8520600" cy="626100"/>
-          </a:xfrm>
-          <a:prstGeom prst="rect">
-            <a:avLst/>
-          </a:prstGeom>
-        </p:spPr>
-        <p:txBody>
-          <a:bodyPr spcFirstLastPara="1" wrap="square" lIns="91425" tIns="91425" rIns="91425" bIns="91425" anchor="t" anchorCtr="0">
-            <a:normAutofit fontScale="90000"/>
-          </a:bodyPr>
-          <a:lstStyle/>
-          <a:p>
-            <a:pPr marL="0" lvl="0" indent="0" algn="l" rtl="0">
-              <a:spcBef>
-                <a:spcPts val="0"/>
-              </a:spcBef>
-              <a:spcAft>
-                <a:spcPts val="0"/>
-              </a:spcAft>
-              <a:buNone/>
-            </a:pPr>
-            <a:r>
-              <a:rPr lang="hu"/>
-              <a:t>Számok összeadása egy tartományban</a:t>
-            </a:r>
-            <a:endParaRPr/>
-          </a:p>
-        </p:txBody>
-      </p:sp>
-      <p:pic>
-        <p:nvPicPr>
-          <p:cNvPr id="175" name="Google Shape;175;p30"/>
-          <p:cNvPicPr preferRelativeResize="0"/>
-          <p:nvPr/>
-        </p:nvPicPr>
-        <p:blipFill>
-          <a:blip r:embed="rId3">
-            <a:alphaModFix/>
-          </a:blip>
-          <a:stretch>
-            <a:fillRect/>
-          </a:stretch>
-        </p:blipFill>
-        <p:spPr>
-          <a:xfrm>
-            <a:off x="3446100" y="1330350"/>
-            <a:ext cx="4800600" cy="3076575"/>
-          </a:xfrm>
-          <a:prstGeom prst="rect">
-            <a:avLst/>
-          </a:prstGeom>
-          <a:noFill/>
-          <a:ln>
-            <a:noFill/>
-          </a:ln>
-        </p:spPr>
-      </p:pic>
-      <p:sp>
-        <p:nvSpPr>
-          <p:cNvPr id="176" name="Google Shape;176;p30"/>
-          <p:cNvSpPr txBox="1"/>
-          <p:nvPr/>
-        </p:nvSpPr>
-        <p:spPr>
-          <a:xfrm>
-            <a:off x="401475" y="1265950"/>
-            <a:ext cx="3044700" cy="1914000"/>
-          </a:xfrm>
-          <a:prstGeom prst="rect">
-            <a:avLst/>
-          </a:prstGeom>
-          <a:noFill/>
-          <a:ln>
-            <a:noFill/>
-          </a:ln>
-        </p:spPr>
-        <p:txBody>
-          <a:bodyPr spcFirstLastPara="1" wrap="square" lIns="91425" tIns="91425" rIns="91425" bIns="91425" anchor="t" anchorCtr="0">
-            <a:noAutofit/>
-          </a:bodyPr>
-          <a:lstStyle/>
-          <a:p>
-            <a:pPr marL="0" lvl="0" indent="0" algn="l" rtl="0">
-              <a:spcBef>
-                <a:spcPts val="0"/>
-              </a:spcBef>
-              <a:spcAft>
-                <a:spcPts val="0"/>
-              </a:spcAft>
-              <a:buNone/>
-            </a:pPr>
-            <a:r>
-              <a:rPr lang="hu" sz="1600">
-                <a:solidFill>
-                  <a:srgbClr val="404040"/>
-                </a:solidFill>
-                <a:latin typeface="Roboto"/>
-                <a:ea typeface="Roboto"/>
-                <a:cs typeface="Roboto"/>
-                <a:sym typeface="Roboto"/>
-              </a:rPr>
-              <a:t>Ez a program összeadja a számokat egy adott tartományban.</a:t>
-            </a:r>
-            <a:endParaRPr sz="2200">
-              <a:solidFill>
-                <a:schemeClr val="dk2"/>
-              </a:solidFill>
-            </a:endParaRPr>
-          </a:p>
-        </p:txBody>
-      </p:sp>
-    </p:spTree>
-  </p:cSld>
-  <p:clrMapOvr>
-    <a:masterClrMapping/>
-  </p:clrMapOvr>
-</p:sld>
-</file>
-
-<file path=ppt/slides/slide28.xml><?xml version="1.0" encoding="utf-8"?>
-<p:sld xmlns:a="http://schemas.openxmlformats.org/drawingml/2006/main" xmlns:r="http://schemas.openxmlformats.org/officeDocument/2006/relationships" xmlns:p="http://schemas.openxmlformats.org/presentationml/2006/main">
-  <p:cSld>
-    <p:spTree>
-      <p:nvGrpSpPr>
-        <p:cNvPr id="1" name="Shape 180"/>
-        <p:cNvGrpSpPr/>
-        <p:nvPr/>
-      </p:nvGrpSpPr>
-      <p:grpSpPr>
-        <a:xfrm>
-          <a:off x="0" y="0"/>
-          <a:ext cx="0" cy="0"/>
-          <a:chOff x="0" y="0"/>
-          <a:chExt cx="0" cy="0"/>
-        </a:xfrm>
-      </p:grpSpPr>
-      <p:sp>
-        <p:nvSpPr>
-          <p:cNvPr id="181" name="Google Shape;181;p31"/>
-          <p:cNvSpPr txBox="1">
-            <a:spLocks noGrp="1"/>
-          </p:cNvSpPr>
-          <p:nvPr>
-            <p:ph type="title"/>
-          </p:nvPr>
-        </p:nvSpPr>
-        <p:spPr>
-          <a:xfrm>
-            <a:off x="311700" y="391350"/>
-            <a:ext cx="8520600" cy="626100"/>
-          </a:xfrm>
-          <a:prstGeom prst="rect">
-            <a:avLst/>
-          </a:prstGeom>
-        </p:spPr>
-        <p:txBody>
-          <a:bodyPr spcFirstLastPara="1" wrap="square" lIns="91425" tIns="91425" rIns="91425" bIns="91425" anchor="t" anchorCtr="0">
-            <a:normAutofit fontScale="90000"/>
-          </a:bodyPr>
-          <a:lstStyle/>
-          <a:p>
-            <a:pPr marL="0" lvl="0" indent="0" algn="l" rtl="0">
-              <a:spcBef>
-                <a:spcPts val="0"/>
-              </a:spcBef>
-              <a:spcAft>
-                <a:spcPts val="0"/>
-              </a:spcAft>
-              <a:buNone/>
-            </a:pPr>
-            <a:r>
-              <a:rPr lang="hu"/>
-              <a:t>Madárnyelv fordító</a:t>
-            </a:r>
-            <a:endParaRPr/>
-          </a:p>
-        </p:txBody>
-      </p:sp>
-      <p:pic>
-        <p:nvPicPr>
-          <p:cNvPr id="182" name="Google Shape;182;p31"/>
-          <p:cNvPicPr preferRelativeResize="0"/>
-          <p:nvPr/>
-        </p:nvPicPr>
-        <p:blipFill>
-          <a:blip r:embed="rId3">
-            <a:alphaModFix/>
-          </a:blip>
-          <a:stretch>
-            <a:fillRect/>
-          </a:stretch>
-        </p:blipFill>
-        <p:spPr>
-          <a:xfrm>
-            <a:off x="3989100" y="1090000"/>
-            <a:ext cx="3911951" cy="3820975"/>
-          </a:xfrm>
-          <a:prstGeom prst="rect">
-            <a:avLst/>
-          </a:prstGeom>
-          <a:noFill/>
-          <a:ln>
-            <a:noFill/>
-          </a:ln>
-        </p:spPr>
-      </p:pic>
-      <p:sp>
-        <p:nvSpPr>
-          <p:cNvPr id="183" name="Google Shape;183;p31"/>
-          <p:cNvSpPr txBox="1"/>
-          <p:nvPr/>
-        </p:nvSpPr>
-        <p:spPr>
-          <a:xfrm>
-            <a:off x="401475" y="1265950"/>
-            <a:ext cx="3632100" cy="1914000"/>
-          </a:xfrm>
-          <a:prstGeom prst="rect">
-            <a:avLst/>
-          </a:prstGeom>
-          <a:noFill/>
-          <a:ln>
-            <a:noFill/>
-          </a:ln>
-        </p:spPr>
-        <p:txBody>
-          <a:bodyPr spcFirstLastPara="1" wrap="square" lIns="91425" tIns="91425" rIns="91425" bIns="91425" anchor="t" anchorCtr="0">
-            <a:noAutofit/>
-          </a:bodyPr>
-          <a:lstStyle/>
-          <a:p>
-            <a:pPr marL="0" lvl="0" indent="0" algn="l" rtl="0">
-              <a:spcBef>
-                <a:spcPts val="0"/>
-              </a:spcBef>
-              <a:spcAft>
-                <a:spcPts val="0"/>
-              </a:spcAft>
-              <a:buNone/>
-            </a:pPr>
-            <a:r>
-              <a:rPr lang="hu" sz="1600">
-                <a:solidFill>
-                  <a:srgbClr val="404040"/>
-                </a:solidFill>
-                <a:latin typeface="Roboto"/>
-                <a:ea typeface="Roboto"/>
-                <a:cs typeface="Roboto"/>
-                <a:sym typeface="Roboto"/>
-              </a:rPr>
-              <a:t>Ez a program a szöveget "</a:t>
-            </a:r>
-            <a:r>
-              <a:rPr lang="hu" sz="1600" b="1" i="1">
-                <a:solidFill>
-                  <a:srgbClr val="404040"/>
-                </a:solidFill>
-                <a:latin typeface="Roboto"/>
-                <a:ea typeface="Roboto"/>
-                <a:cs typeface="Roboto"/>
-                <a:sym typeface="Roboto"/>
-              </a:rPr>
-              <a:t>madár nyelvre</a:t>
-            </a:r>
-            <a:r>
-              <a:rPr lang="hu" sz="1600">
-                <a:solidFill>
-                  <a:srgbClr val="404040"/>
-                </a:solidFill>
-                <a:latin typeface="Roboto"/>
-                <a:ea typeface="Roboto"/>
-                <a:cs typeface="Roboto"/>
-                <a:sym typeface="Roboto"/>
-              </a:rPr>
-              <a:t>" fordítja, minden magánhangzó után hozzáad egy "</a:t>
-            </a:r>
-            <a:r>
-              <a:rPr lang="hu" sz="1600" b="1">
-                <a:solidFill>
-                  <a:srgbClr val="404040"/>
-                </a:solidFill>
-                <a:latin typeface="Roboto"/>
-                <a:ea typeface="Roboto"/>
-                <a:cs typeface="Roboto"/>
-                <a:sym typeface="Roboto"/>
-              </a:rPr>
-              <a:t>v</a:t>
-            </a:r>
-            <a:r>
-              <a:rPr lang="hu" sz="1600">
-                <a:solidFill>
-                  <a:srgbClr val="404040"/>
-                </a:solidFill>
-                <a:latin typeface="Roboto"/>
-                <a:ea typeface="Roboto"/>
-                <a:cs typeface="Roboto"/>
-                <a:sym typeface="Roboto"/>
-              </a:rPr>
-              <a:t>" betűt és ismétli a magánhangzót.</a:t>
-            </a:r>
-            <a:endParaRPr sz="2200">
-              <a:solidFill>
-                <a:schemeClr val="dk2"/>
-              </a:solidFill>
-            </a:endParaRPr>
-          </a:p>
-        </p:txBody>
-      </p:sp>
     </p:spTree>
   </p:cSld>
   <p:clrMapOvr>
@@ -12262,6 +12590,501 @@
               <a:t>Autókban, okoseszközökben, gyártási gépekben is futnak programok.</a:t>
             </a:r>
             <a:endParaRPr/>
+          </a:p>
+        </p:txBody>
+      </p:sp>
+    </p:spTree>
+  </p:cSld>
+  <p:clrMapOvr>
+    <a:masterClrMapping/>
+  </p:clrMapOvr>
+</p:sld>
+</file>
+
+<file path=ppt/slides/slide30.xml><?xml version="1.0" encoding="utf-8"?>
+<p:sld xmlns:a="http://schemas.openxmlformats.org/drawingml/2006/main" xmlns:r="http://schemas.openxmlformats.org/officeDocument/2006/relationships" xmlns:p="http://schemas.openxmlformats.org/presentationml/2006/main">
+  <p:cSld>
+    <p:spTree>
+      <p:nvGrpSpPr>
+        <p:cNvPr id="1" name="Shape 166"/>
+        <p:cNvGrpSpPr/>
+        <p:nvPr/>
+      </p:nvGrpSpPr>
+      <p:grpSpPr>
+        <a:xfrm>
+          <a:off x="0" y="0"/>
+          <a:ext cx="0" cy="0"/>
+          <a:chOff x="0" y="0"/>
+          <a:chExt cx="0" cy="0"/>
+        </a:xfrm>
+      </p:grpSpPr>
+      <p:sp>
+        <p:nvSpPr>
+          <p:cNvPr id="167" name="Google Shape;167;p29"/>
+          <p:cNvSpPr txBox="1">
+            <a:spLocks noGrp="1"/>
+          </p:cNvSpPr>
+          <p:nvPr>
+            <p:ph type="title"/>
+          </p:nvPr>
+        </p:nvSpPr>
+        <p:spPr>
+          <a:xfrm>
+            <a:off x="311700" y="391350"/>
+            <a:ext cx="8520600" cy="626100"/>
+          </a:xfrm>
+          <a:prstGeom prst="rect">
+            <a:avLst/>
+          </a:prstGeom>
+        </p:spPr>
+        <p:txBody>
+          <a:bodyPr spcFirstLastPara="1" wrap="square" lIns="91425" tIns="91425" rIns="91425" bIns="91425" anchor="t" anchorCtr="0">
+            <a:normAutofit fontScale="90000"/>
+          </a:bodyPr>
+          <a:lstStyle/>
+          <a:p>
+            <a:pPr marL="0" lvl="0" indent="0" algn="l" rtl="0">
+              <a:spcBef>
+                <a:spcPts val="0"/>
+              </a:spcBef>
+              <a:spcAft>
+                <a:spcPts val="0"/>
+              </a:spcAft>
+              <a:buNone/>
+            </a:pPr>
+            <a:r>
+              <a:rPr lang="hu"/>
+              <a:t>Jelszó generátor</a:t>
+            </a:r>
+            <a:endParaRPr/>
+          </a:p>
+        </p:txBody>
+      </p:sp>
+      <p:pic>
+        <p:nvPicPr>
+          <p:cNvPr id="168" name="Google Shape;168;p29"/>
+          <p:cNvPicPr preferRelativeResize="0"/>
+          <p:nvPr/>
+        </p:nvPicPr>
+        <p:blipFill>
+          <a:blip r:embed="rId3">
+            <a:alphaModFix/>
+          </a:blip>
+          <a:stretch>
+            <a:fillRect/>
+          </a:stretch>
+        </p:blipFill>
+        <p:spPr>
+          <a:xfrm>
+            <a:off x="2867450" y="867475"/>
+            <a:ext cx="5565539" cy="3820975"/>
+          </a:xfrm>
+          <a:prstGeom prst="rect">
+            <a:avLst/>
+          </a:prstGeom>
+          <a:noFill/>
+          <a:ln>
+            <a:noFill/>
+          </a:ln>
+        </p:spPr>
+      </p:pic>
+      <p:sp>
+        <p:nvSpPr>
+          <p:cNvPr id="169" name="Google Shape;169;p29"/>
+          <p:cNvSpPr txBox="1"/>
+          <p:nvPr/>
+        </p:nvSpPr>
+        <p:spPr>
+          <a:xfrm>
+            <a:off x="401475" y="1265950"/>
+            <a:ext cx="2350200" cy="2697300"/>
+          </a:xfrm>
+          <a:prstGeom prst="rect">
+            <a:avLst/>
+          </a:prstGeom>
+          <a:noFill/>
+          <a:ln>
+            <a:noFill/>
+          </a:ln>
+        </p:spPr>
+        <p:txBody>
+          <a:bodyPr spcFirstLastPara="1" wrap="square" lIns="91425" tIns="91425" rIns="91425" bIns="91425" anchor="t" anchorCtr="0">
+            <a:noAutofit/>
+          </a:bodyPr>
+          <a:lstStyle/>
+          <a:p>
+            <a:pPr marL="0" lvl="0" indent="0" algn="l" rtl="0">
+              <a:spcBef>
+                <a:spcPts val="0"/>
+              </a:spcBef>
+              <a:spcAft>
+                <a:spcPts val="0"/>
+              </a:spcAft>
+              <a:buNone/>
+            </a:pPr>
+            <a:r>
+              <a:rPr lang="hu" sz="1600">
+                <a:solidFill>
+                  <a:srgbClr val="404040"/>
+                </a:solidFill>
+                <a:latin typeface="Roboto"/>
+                <a:ea typeface="Roboto"/>
+                <a:cs typeface="Roboto"/>
+                <a:sym typeface="Roboto"/>
+              </a:rPr>
+              <a:t>Egy egyszerű jelszó generátor, amely véletlenszerű jelszót hoz létre.</a:t>
+            </a:r>
+            <a:endParaRPr sz="2600">
+              <a:solidFill>
+                <a:schemeClr val="dk2"/>
+              </a:solidFill>
+            </a:endParaRPr>
+          </a:p>
+        </p:txBody>
+      </p:sp>
+    </p:spTree>
+  </p:cSld>
+  <p:clrMapOvr>
+    <a:masterClrMapping/>
+  </p:clrMapOvr>
+</p:sld>
+</file>
+
+<file path=ppt/slides/slide31.xml><?xml version="1.0" encoding="utf-8"?>
+<p:sld xmlns:a="http://schemas.openxmlformats.org/drawingml/2006/main" xmlns:r="http://schemas.openxmlformats.org/officeDocument/2006/relationships" xmlns:p="http://schemas.openxmlformats.org/presentationml/2006/main">
+  <p:cSld>
+    <p:spTree>
+      <p:nvGrpSpPr>
+        <p:cNvPr id="1" name="Shape 173"/>
+        <p:cNvGrpSpPr/>
+        <p:nvPr/>
+      </p:nvGrpSpPr>
+      <p:grpSpPr>
+        <a:xfrm>
+          <a:off x="0" y="0"/>
+          <a:ext cx="0" cy="0"/>
+          <a:chOff x="0" y="0"/>
+          <a:chExt cx="0" cy="0"/>
+        </a:xfrm>
+      </p:grpSpPr>
+      <p:sp>
+        <p:nvSpPr>
+          <p:cNvPr id="174" name="Google Shape;174;p30"/>
+          <p:cNvSpPr txBox="1">
+            <a:spLocks noGrp="1"/>
+          </p:cNvSpPr>
+          <p:nvPr>
+            <p:ph type="title"/>
+          </p:nvPr>
+        </p:nvSpPr>
+        <p:spPr>
+          <a:xfrm>
+            <a:off x="311700" y="391350"/>
+            <a:ext cx="8520600" cy="626100"/>
+          </a:xfrm>
+          <a:prstGeom prst="rect">
+            <a:avLst/>
+          </a:prstGeom>
+        </p:spPr>
+        <p:txBody>
+          <a:bodyPr spcFirstLastPara="1" wrap="square" lIns="91425" tIns="91425" rIns="91425" bIns="91425" anchor="t" anchorCtr="0">
+            <a:normAutofit fontScale="90000"/>
+          </a:bodyPr>
+          <a:lstStyle/>
+          <a:p>
+            <a:pPr marL="0" lvl="0" indent="0" algn="l" rtl="0">
+              <a:spcBef>
+                <a:spcPts val="0"/>
+              </a:spcBef>
+              <a:spcAft>
+                <a:spcPts val="0"/>
+              </a:spcAft>
+              <a:buNone/>
+            </a:pPr>
+            <a:r>
+              <a:rPr lang="hu"/>
+              <a:t>Számok összeadása egy tartományban</a:t>
+            </a:r>
+            <a:endParaRPr/>
+          </a:p>
+        </p:txBody>
+      </p:sp>
+      <p:pic>
+        <p:nvPicPr>
+          <p:cNvPr id="175" name="Google Shape;175;p30"/>
+          <p:cNvPicPr preferRelativeResize="0"/>
+          <p:nvPr/>
+        </p:nvPicPr>
+        <p:blipFill>
+          <a:blip r:embed="rId3">
+            <a:alphaModFix/>
+          </a:blip>
+          <a:stretch>
+            <a:fillRect/>
+          </a:stretch>
+        </p:blipFill>
+        <p:spPr>
+          <a:xfrm>
+            <a:off x="3446100" y="1330350"/>
+            <a:ext cx="4800600" cy="3076575"/>
+          </a:xfrm>
+          <a:prstGeom prst="rect">
+            <a:avLst/>
+          </a:prstGeom>
+          <a:noFill/>
+          <a:ln>
+            <a:noFill/>
+          </a:ln>
+        </p:spPr>
+      </p:pic>
+      <p:sp>
+        <p:nvSpPr>
+          <p:cNvPr id="176" name="Google Shape;176;p30"/>
+          <p:cNvSpPr txBox="1"/>
+          <p:nvPr/>
+        </p:nvSpPr>
+        <p:spPr>
+          <a:xfrm>
+            <a:off x="401475" y="1265950"/>
+            <a:ext cx="3044700" cy="1914000"/>
+          </a:xfrm>
+          <a:prstGeom prst="rect">
+            <a:avLst/>
+          </a:prstGeom>
+          <a:noFill/>
+          <a:ln>
+            <a:noFill/>
+          </a:ln>
+        </p:spPr>
+        <p:txBody>
+          <a:bodyPr spcFirstLastPara="1" wrap="square" lIns="91425" tIns="91425" rIns="91425" bIns="91425" anchor="t" anchorCtr="0">
+            <a:noAutofit/>
+          </a:bodyPr>
+          <a:lstStyle/>
+          <a:p>
+            <a:pPr marL="0" lvl="0" indent="0" algn="l" rtl="0">
+              <a:spcBef>
+                <a:spcPts val="0"/>
+              </a:spcBef>
+              <a:spcAft>
+                <a:spcPts val="0"/>
+              </a:spcAft>
+              <a:buNone/>
+            </a:pPr>
+            <a:r>
+              <a:rPr lang="hu" sz="1600">
+                <a:solidFill>
+                  <a:srgbClr val="404040"/>
+                </a:solidFill>
+                <a:latin typeface="Roboto"/>
+                <a:ea typeface="Roboto"/>
+                <a:cs typeface="Roboto"/>
+                <a:sym typeface="Roboto"/>
+              </a:rPr>
+              <a:t>Ez a program összeadja a számokat egy adott tartományban.</a:t>
+            </a:r>
+            <a:endParaRPr sz="2200">
+              <a:solidFill>
+                <a:schemeClr val="dk2"/>
+              </a:solidFill>
+            </a:endParaRPr>
+          </a:p>
+        </p:txBody>
+      </p:sp>
+    </p:spTree>
+  </p:cSld>
+  <p:clrMapOvr>
+    <a:masterClrMapping/>
+  </p:clrMapOvr>
+</p:sld>
+</file>
+
+<file path=ppt/slides/slide32.xml><?xml version="1.0" encoding="utf-8"?>
+<p:sld xmlns:a="http://schemas.openxmlformats.org/drawingml/2006/main" xmlns:r="http://schemas.openxmlformats.org/officeDocument/2006/relationships" xmlns:p="http://schemas.openxmlformats.org/presentationml/2006/main">
+  <p:cSld>
+    <p:spTree>
+      <p:nvGrpSpPr>
+        <p:cNvPr id="1" name="Shape 180"/>
+        <p:cNvGrpSpPr/>
+        <p:nvPr/>
+      </p:nvGrpSpPr>
+      <p:grpSpPr>
+        <a:xfrm>
+          <a:off x="0" y="0"/>
+          <a:ext cx="0" cy="0"/>
+          <a:chOff x="0" y="0"/>
+          <a:chExt cx="0" cy="0"/>
+        </a:xfrm>
+      </p:grpSpPr>
+      <p:sp>
+        <p:nvSpPr>
+          <p:cNvPr id="181" name="Google Shape;181;p31"/>
+          <p:cNvSpPr txBox="1">
+            <a:spLocks noGrp="1"/>
+          </p:cNvSpPr>
+          <p:nvPr>
+            <p:ph type="title"/>
+          </p:nvPr>
+        </p:nvSpPr>
+        <p:spPr>
+          <a:xfrm>
+            <a:off x="311700" y="391350"/>
+            <a:ext cx="8520600" cy="626100"/>
+          </a:xfrm>
+          <a:prstGeom prst="rect">
+            <a:avLst/>
+          </a:prstGeom>
+        </p:spPr>
+        <p:txBody>
+          <a:bodyPr spcFirstLastPara="1" wrap="square" lIns="91425" tIns="91425" rIns="91425" bIns="91425" anchor="t" anchorCtr="0">
+            <a:normAutofit fontScale="90000"/>
+          </a:bodyPr>
+          <a:lstStyle/>
+          <a:p>
+            <a:pPr marL="0" lvl="0" indent="0" algn="l" rtl="0">
+              <a:spcBef>
+                <a:spcPts val="0"/>
+              </a:spcBef>
+              <a:spcAft>
+                <a:spcPts val="0"/>
+              </a:spcAft>
+              <a:buNone/>
+            </a:pPr>
+            <a:r>
+              <a:rPr lang="hu"/>
+              <a:t>Madárnyelv fordító</a:t>
+            </a:r>
+            <a:endParaRPr/>
+          </a:p>
+        </p:txBody>
+      </p:sp>
+      <p:pic>
+        <p:nvPicPr>
+          <p:cNvPr id="182" name="Google Shape;182;p31"/>
+          <p:cNvPicPr preferRelativeResize="0"/>
+          <p:nvPr/>
+        </p:nvPicPr>
+        <p:blipFill>
+          <a:blip r:embed="rId3">
+            <a:alphaModFix/>
+          </a:blip>
+          <a:stretch>
+            <a:fillRect/>
+          </a:stretch>
+        </p:blipFill>
+        <p:spPr>
+          <a:xfrm>
+            <a:off x="3989100" y="1090000"/>
+            <a:ext cx="3911951" cy="3820975"/>
+          </a:xfrm>
+          <a:prstGeom prst="rect">
+            <a:avLst/>
+          </a:prstGeom>
+          <a:noFill/>
+          <a:ln>
+            <a:noFill/>
+          </a:ln>
+        </p:spPr>
+      </p:pic>
+      <p:sp>
+        <p:nvSpPr>
+          <p:cNvPr id="183" name="Google Shape;183;p31"/>
+          <p:cNvSpPr txBox="1"/>
+          <p:nvPr/>
+        </p:nvSpPr>
+        <p:spPr>
+          <a:xfrm>
+            <a:off x="401475" y="1265950"/>
+            <a:ext cx="3632100" cy="1914000"/>
+          </a:xfrm>
+          <a:prstGeom prst="rect">
+            <a:avLst/>
+          </a:prstGeom>
+          <a:noFill/>
+          <a:ln>
+            <a:noFill/>
+          </a:ln>
+        </p:spPr>
+        <p:txBody>
+          <a:bodyPr spcFirstLastPara="1" wrap="square" lIns="91425" tIns="91425" rIns="91425" bIns="91425" anchor="t" anchorCtr="0">
+            <a:noAutofit/>
+          </a:bodyPr>
+          <a:lstStyle/>
+          <a:p>
+            <a:pPr marL="0" lvl="0" indent="0" algn="l" rtl="0">
+              <a:spcBef>
+                <a:spcPts val="0"/>
+              </a:spcBef>
+              <a:spcAft>
+                <a:spcPts val="0"/>
+              </a:spcAft>
+              <a:buNone/>
+            </a:pPr>
+            <a:r>
+              <a:rPr lang="hu" sz="1600">
+                <a:solidFill>
+                  <a:srgbClr val="404040"/>
+                </a:solidFill>
+                <a:latin typeface="Roboto"/>
+                <a:ea typeface="Roboto"/>
+                <a:cs typeface="Roboto"/>
+                <a:sym typeface="Roboto"/>
+              </a:rPr>
+              <a:t>Ez a program a szöveget "</a:t>
+            </a:r>
+            <a:r>
+              <a:rPr lang="hu" sz="1600" b="1" i="1">
+                <a:solidFill>
+                  <a:srgbClr val="404040"/>
+                </a:solidFill>
+                <a:latin typeface="Roboto"/>
+                <a:ea typeface="Roboto"/>
+                <a:cs typeface="Roboto"/>
+                <a:sym typeface="Roboto"/>
+              </a:rPr>
+              <a:t>madár nyelvre</a:t>
+            </a:r>
+            <a:r>
+              <a:rPr lang="hu" sz="1600">
+                <a:solidFill>
+                  <a:srgbClr val="404040"/>
+                </a:solidFill>
+                <a:latin typeface="Roboto"/>
+                <a:ea typeface="Roboto"/>
+                <a:cs typeface="Roboto"/>
+                <a:sym typeface="Roboto"/>
+              </a:rPr>
+              <a:t>" fordítja, minden magánhangzó után hozzáad egy "</a:t>
+            </a:r>
+            <a:r>
+              <a:rPr lang="hu" sz="1600" b="1">
+                <a:solidFill>
+                  <a:srgbClr val="404040"/>
+                </a:solidFill>
+                <a:latin typeface="Roboto"/>
+                <a:ea typeface="Roboto"/>
+                <a:cs typeface="Roboto"/>
+                <a:sym typeface="Roboto"/>
+              </a:rPr>
+              <a:t>v</a:t>
+            </a:r>
+            <a:r>
+              <a:rPr lang="hu" sz="1600">
+                <a:solidFill>
+                  <a:srgbClr val="404040"/>
+                </a:solidFill>
+                <a:latin typeface="Roboto"/>
+                <a:ea typeface="Roboto"/>
+                <a:cs typeface="Roboto"/>
+                <a:sym typeface="Roboto"/>
+              </a:rPr>
+              <a:t>" betűt és ismétli a magánhangzót.</a:t>
+            </a:r>
+            <a:endParaRPr sz="2200">
+              <a:solidFill>
+                <a:schemeClr val="dk2"/>
+              </a:solidFill>
+            </a:endParaRPr>
           </a:p>
         </p:txBody>
       </p:sp>

--- a/prog/Bevezetés a Programozás Világába.pptx
+++ b/prog/Bevezetés a Programozás Világába.pptx
@@ -5,7 +5,7 @@
     <p:sldMasterId id="2147483659" r:id="rId1"/>
   </p:sldMasterIdLst>
   <p:notesMasterIdLst>
-    <p:notesMasterId r:id="rId34"/>
+    <p:notesMasterId r:id="rId53"/>
   </p:notesMasterIdLst>
   <p:sldIdLst>
     <p:sldId id="256" r:id="rId2"/>
@@ -13,57 +13,76 @@
     <p:sldId id="258" r:id="rId4"/>
     <p:sldId id="259" r:id="rId5"/>
     <p:sldId id="260" r:id="rId6"/>
-    <p:sldId id="275" r:id="rId7"/>
-    <p:sldId id="276" r:id="rId8"/>
-    <p:sldId id="277" r:id="rId9"/>
-    <p:sldId id="279" r:id="rId10"/>
-    <p:sldId id="278" r:id="rId11"/>
-    <p:sldId id="261" r:id="rId12"/>
-    <p:sldId id="262" r:id="rId13"/>
-    <p:sldId id="263" r:id="rId14"/>
-    <p:sldId id="264" r:id="rId15"/>
-    <p:sldId id="265" r:id="rId16"/>
-    <p:sldId id="280" r:id="rId17"/>
-    <p:sldId id="281" r:id="rId18"/>
-    <p:sldId id="282" r:id="rId19"/>
-    <p:sldId id="283" r:id="rId20"/>
-    <p:sldId id="266" r:id="rId21"/>
-    <p:sldId id="284" r:id="rId22"/>
-    <p:sldId id="285" r:id="rId23"/>
-    <p:sldId id="286" r:id="rId24"/>
-    <p:sldId id="287" r:id="rId25"/>
-    <p:sldId id="267" r:id="rId26"/>
-    <p:sldId id="268" r:id="rId27"/>
-    <p:sldId id="269" r:id="rId28"/>
-    <p:sldId id="270" r:id="rId29"/>
-    <p:sldId id="271" r:id="rId30"/>
-    <p:sldId id="272" r:id="rId31"/>
-    <p:sldId id="273" r:id="rId32"/>
-    <p:sldId id="274" r:id="rId33"/>
+    <p:sldId id="288" r:id="rId7"/>
+    <p:sldId id="275" r:id="rId8"/>
+    <p:sldId id="276" r:id="rId9"/>
+    <p:sldId id="277" r:id="rId10"/>
+    <p:sldId id="279" r:id="rId11"/>
+    <p:sldId id="278" r:id="rId12"/>
+    <p:sldId id="289" r:id="rId13"/>
+    <p:sldId id="261" r:id="rId14"/>
+    <p:sldId id="262" r:id="rId15"/>
+    <p:sldId id="263" r:id="rId16"/>
+    <p:sldId id="264" r:id="rId17"/>
+    <p:sldId id="265" r:id="rId18"/>
+    <p:sldId id="290" r:id="rId19"/>
+    <p:sldId id="280" r:id="rId20"/>
+    <p:sldId id="281" r:id="rId21"/>
+    <p:sldId id="282" r:id="rId22"/>
+    <p:sldId id="283" r:id="rId23"/>
+    <p:sldId id="266" r:id="rId24"/>
+    <p:sldId id="291" r:id="rId25"/>
+    <p:sldId id="285" r:id="rId26"/>
+    <p:sldId id="284" r:id="rId27"/>
+    <p:sldId id="286" r:id="rId28"/>
+    <p:sldId id="287" r:id="rId29"/>
+    <p:sldId id="292" r:id="rId30"/>
+    <p:sldId id="293" r:id="rId31"/>
+    <p:sldId id="294" r:id="rId32"/>
+    <p:sldId id="295" r:id="rId33"/>
+    <p:sldId id="296" r:id="rId34"/>
+    <p:sldId id="297" r:id="rId35"/>
+    <p:sldId id="303" r:id="rId36"/>
+    <p:sldId id="302" r:id="rId37"/>
+    <p:sldId id="298" r:id="rId38"/>
+    <p:sldId id="299" r:id="rId39"/>
+    <p:sldId id="301" r:id="rId40"/>
+    <p:sldId id="267" r:id="rId41"/>
+    <p:sldId id="268" r:id="rId42"/>
+    <p:sldId id="269" r:id="rId43"/>
+    <p:sldId id="270" r:id="rId44"/>
+    <p:sldId id="271" r:id="rId45"/>
+    <p:sldId id="304" r:id="rId46"/>
+    <p:sldId id="305" r:id="rId47"/>
+    <p:sldId id="306" r:id="rId48"/>
+    <p:sldId id="307" r:id="rId49"/>
+    <p:sldId id="272" r:id="rId50"/>
+    <p:sldId id="273" r:id="rId51"/>
+    <p:sldId id="274" r:id="rId52"/>
   </p:sldIdLst>
   <p:sldSz cx="9144000" cy="5143500" type="screen16x9"/>
   <p:notesSz cx="6858000" cy="9144000"/>
   <p:embeddedFontLst>
     <p:embeddedFont>
       <p:font typeface="Lato" panose="020F0502020204030203" pitchFamily="34" charset="0"/>
-      <p:regular r:id="rId35"/>
-      <p:bold r:id="rId36"/>
-      <p:italic r:id="rId37"/>
-      <p:boldItalic r:id="rId38"/>
+      <p:regular r:id="rId54"/>
+      <p:bold r:id="rId55"/>
+      <p:italic r:id="rId56"/>
+      <p:boldItalic r:id="rId57"/>
     </p:embeddedFont>
     <p:embeddedFont>
       <p:font typeface="Playfair Display" panose="00000500000000000000" pitchFamily="2" charset="0"/>
-      <p:regular r:id="rId39"/>
-      <p:bold r:id="rId40"/>
-      <p:italic r:id="rId41"/>
-      <p:boldItalic r:id="rId42"/>
+      <p:regular r:id="rId58"/>
+      <p:bold r:id="rId59"/>
+      <p:italic r:id="rId60"/>
+      <p:boldItalic r:id="rId61"/>
     </p:embeddedFont>
     <p:embeddedFont>
       <p:font typeface="Roboto" panose="02000000000000000000" pitchFamily="2" charset="0"/>
-      <p:regular r:id="rId43"/>
-      <p:bold r:id="rId44"/>
-      <p:italic r:id="rId45"/>
-      <p:boldItalic r:id="rId46"/>
+      <p:regular r:id="rId62"/>
+      <p:bold r:id="rId63"/>
+      <p:italic r:id="rId64"/>
+      <p:boldItalic r:id="rId65"/>
     </p:embeddedFont>
   </p:embeddedFontLst>
   <p:defaultTextStyle>
@@ -1096,7 +1115,7 @@
         </p:nvSpPr>
         <p:spPr>
           <a:xfrm>
-            <a:off x="381300" y="685800"/>
+            <a:off x="381000" y="685800"/>
             <a:ext cx="6096000" cy="3429000"/>
           </a:xfrm>
           <a:custGeom>
@@ -1200,7 +1219,7 @@
         </p:nvSpPr>
         <p:spPr>
           <a:xfrm>
-            <a:off x="381300" y="685800"/>
+            <a:off x="381000" y="685800"/>
             <a:ext cx="6096000" cy="3429000"/>
           </a:xfrm>
           <a:custGeom>
@@ -1304,7 +1323,7 @@
         </p:nvSpPr>
         <p:spPr>
           <a:xfrm>
-            <a:off x="381300" y="685800"/>
+            <a:off x="381000" y="685800"/>
             <a:ext cx="6096000" cy="3429000"/>
           </a:xfrm>
           <a:custGeom>
@@ -1408,7 +1427,7 @@
         </p:nvSpPr>
         <p:spPr>
           <a:xfrm>
-            <a:off x="381300" y="685800"/>
+            <a:off x="381000" y="685800"/>
             <a:ext cx="6096000" cy="3429000"/>
           </a:xfrm>
           <a:custGeom>
@@ -1824,7 +1843,7 @@
         </p:nvSpPr>
         <p:spPr>
           <a:xfrm>
-            <a:off x="381300" y="685800"/>
+            <a:off x="381000" y="685800"/>
             <a:ext cx="6096000" cy="3429000"/>
           </a:xfrm>
           <a:custGeom>
@@ -8606,7 +8625,7 @@
                   <a:schemeClr val="dk2"/>
                 </a:solidFill>
               </a:rPr>
-              <a:t>Készítette: Szalontai István, 2025-03-03</a:t>
+              <a:t>Készítette: Szalontai István, 2025-04-07</a:t>
             </a:r>
             <a:endParaRPr sz="1800" dirty="0">
               <a:solidFill>
@@ -8625,6 +8644,161 @@
 </file>
 
 <file path=ppt/slides/slide10.xml><?xml version="1.0" encoding="utf-8"?>
+<p:sld xmlns:a="http://schemas.openxmlformats.org/drawingml/2006/main" xmlns:r="http://schemas.openxmlformats.org/officeDocument/2006/relationships" xmlns:p="http://schemas.openxmlformats.org/presentationml/2006/main">
+  <p:cSld>
+    <p:spTree>
+      <p:nvGrpSpPr>
+        <p:cNvPr id="1" name=""/>
+        <p:cNvGrpSpPr/>
+        <p:nvPr/>
+      </p:nvGrpSpPr>
+      <p:grpSpPr>
+        <a:xfrm>
+          <a:off x="0" y="0"/>
+          <a:ext cx="0" cy="0"/>
+          <a:chOff x="0" y="0"/>
+          <a:chExt cx="0" cy="0"/>
+        </a:xfrm>
+      </p:grpSpPr>
+      <p:sp>
+        <p:nvSpPr>
+          <p:cNvPr id="2" name="Cím 1">
+            <a:extLst>
+              <a:ext uri="{FF2B5EF4-FFF2-40B4-BE49-F238E27FC236}">
+                <a16:creationId xmlns:a16="http://schemas.microsoft.com/office/drawing/2014/main" id="{D078A1E8-8B29-65EF-D9E3-662DFDE7388A}"/>
+              </a:ext>
+            </a:extLst>
+          </p:cNvPr>
+          <p:cNvSpPr>
+            <a:spLocks noGrp="1"/>
+          </p:cNvSpPr>
+          <p:nvPr>
+            <p:ph type="title"/>
+          </p:nvPr>
+        </p:nvSpPr>
+        <p:spPr/>
+        <p:txBody>
+          <a:bodyPr>
+            <a:normAutofit fontScale="90000"/>
+          </a:bodyPr>
+          <a:lstStyle/>
+          <a:p>
+            <a:r>
+              <a:rPr lang="hu-HU" dirty="0"/>
+              <a:t>Üdvözlés </a:t>
+            </a:r>
+            <a:r>
+              <a:rPr lang="hu-HU" dirty="0" err="1"/>
+              <a:t>Scratchben</a:t>
+            </a:r>
+            <a:endParaRPr lang="en-US" dirty="0"/>
+          </a:p>
+        </p:txBody>
+      </p:sp>
+      <p:pic>
+        <p:nvPicPr>
+          <p:cNvPr id="5" name="Kép 4">
+            <a:extLst>
+              <a:ext uri="{FF2B5EF4-FFF2-40B4-BE49-F238E27FC236}">
+                <a16:creationId xmlns:a16="http://schemas.microsoft.com/office/drawing/2014/main" id="{5E3AEDFE-CD1A-739A-B65C-70488B10FFAD}"/>
+              </a:ext>
+            </a:extLst>
+          </p:cNvPr>
+          <p:cNvPicPr>
+            <a:picLocks noChangeAspect="1"/>
+          </p:cNvPicPr>
+          <p:nvPr/>
+        </p:nvPicPr>
+        <p:blipFill>
+          <a:blip r:embed="rId2"/>
+          <a:stretch>
+            <a:fillRect/>
+          </a:stretch>
+        </p:blipFill>
+        <p:spPr>
+          <a:xfrm>
+            <a:off x="395310" y="1271883"/>
+            <a:ext cx="4737799" cy="1579266"/>
+          </a:xfrm>
+          <a:prstGeom prst="rect">
+            <a:avLst/>
+          </a:prstGeom>
+        </p:spPr>
+      </p:pic>
+      <p:pic>
+        <p:nvPicPr>
+          <p:cNvPr id="7" name="Kép 6">
+            <a:extLst>
+              <a:ext uri="{FF2B5EF4-FFF2-40B4-BE49-F238E27FC236}">
+                <a16:creationId xmlns:a16="http://schemas.microsoft.com/office/drawing/2014/main" id="{476CF647-8121-67A0-0AC0-2F423B3DBFDC}"/>
+              </a:ext>
+            </a:extLst>
+          </p:cNvPr>
+          <p:cNvPicPr>
+            <a:picLocks noChangeAspect="1"/>
+          </p:cNvPicPr>
+          <p:nvPr/>
+        </p:nvPicPr>
+        <p:blipFill>
+          <a:blip r:embed="rId3"/>
+          <a:stretch>
+            <a:fillRect/>
+          </a:stretch>
+        </p:blipFill>
+        <p:spPr>
+          <a:xfrm>
+            <a:off x="5355772" y="518817"/>
+            <a:ext cx="3151492" cy="2052933"/>
+          </a:xfrm>
+          <a:prstGeom prst="rect">
+            <a:avLst/>
+          </a:prstGeom>
+        </p:spPr>
+      </p:pic>
+      <p:pic>
+        <p:nvPicPr>
+          <p:cNvPr id="9" name="Kép 8">
+            <a:extLst>
+              <a:ext uri="{FF2B5EF4-FFF2-40B4-BE49-F238E27FC236}">
+                <a16:creationId xmlns:a16="http://schemas.microsoft.com/office/drawing/2014/main" id="{89D3F94F-0E3F-7D8E-09DC-9141170F0F0A}"/>
+              </a:ext>
+            </a:extLst>
+          </p:cNvPr>
+          <p:cNvPicPr>
+            <a:picLocks noChangeAspect="1"/>
+          </p:cNvPicPr>
+          <p:nvPr/>
+        </p:nvPicPr>
+        <p:blipFill>
+          <a:blip r:embed="rId4"/>
+          <a:stretch>
+            <a:fillRect/>
+          </a:stretch>
+        </p:blipFill>
+        <p:spPr>
+          <a:xfrm>
+            <a:off x="6264584" y="2699217"/>
+            <a:ext cx="2057687" cy="1657581"/>
+          </a:xfrm>
+          <a:prstGeom prst="rect">
+            <a:avLst/>
+          </a:prstGeom>
+        </p:spPr>
+      </p:pic>
+    </p:spTree>
+    <p:extLst>
+      <p:ext uri="{BB962C8B-B14F-4D97-AF65-F5344CB8AC3E}">
+        <p14:creationId xmlns:p14="http://schemas.microsoft.com/office/powerpoint/2010/main" val="695231929"/>
+      </p:ext>
+    </p:extLst>
+  </p:cSld>
+  <p:clrMapOvr>
+    <a:masterClrMapping/>
+  </p:clrMapOvr>
+</p:sld>
+</file>
+
+<file path=ppt/slides/slide11.xml><?xml version="1.0" encoding="utf-8"?>
 <p:sld xmlns:a="http://schemas.openxmlformats.org/drawingml/2006/main" xmlns:r="http://schemas.openxmlformats.org/officeDocument/2006/relationships" xmlns:p="http://schemas.openxmlformats.org/presentationml/2006/main">
   <p:cSld>
     <p:spTree>
@@ -8880,7 +9054,66 @@
 </p:sld>
 </file>
 
-<file path=ppt/slides/slide11.xml><?xml version="1.0" encoding="utf-8"?>
+<file path=ppt/slides/slide12.xml><?xml version="1.0" encoding="utf-8"?>
+<p:sld xmlns:a="http://schemas.openxmlformats.org/drawingml/2006/main" xmlns:r="http://schemas.openxmlformats.org/officeDocument/2006/relationships" xmlns:p="http://schemas.openxmlformats.org/presentationml/2006/main">
+  <p:cSld>
+    <p:spTree>
+      <p:nvGrpSpPr>
+        <p:cNvPr id="1" name=""/>
+        <p:cNvGrpSpPr/>
+        <p:nvPr/>
+      </p:nvGrpSpPr>
+      <p:grpSpPr>
+        <a:xfrm>
+          <a:off x="0" y="0"/>
+          <a:ext cx="0" cy="0"/>
+          <a:chOff x="0" y="0"/>
+          <a:chExt cx="0" cy="0"/>
+        </a:xfrm>
+      </p:grpSpPr>
+      <p:sp>
+        <p:nvSpPr>
+          <p:cNvPr id="2" name="Cím 1">
+            <a:extLst>
+              <a:ext uri="{FF2B5EF4-FFF2-40B4-BE49-F238E27FC236}">
+                <a16:creationId xmlns:a16="http://schemas.microsoft.com/office/drawing/2014/main" id="{83BA4FD7-F2FD-BDFD-DFDA-490EF492845F}"/>
+              </a:ext>
+            </a:extLst>
+          </p:cNvPr>
+          <p:cNvSpPr>
+            <a:spLocks noGrp="1"/>
+          </p:cNvSpPr>
+          <p:nvPr>
+            <p:ph type="title"/>
+          </p:nvPr>
+        </p:nvSpPr>
+        <p:spPr/>
+        <p:txBody>
+          <a:bodyPr/>
+          <a:lstStyle/>
+          <a:p>
+            <a:r>
+              <a:rPr lang="hu-HU" dirty="0"/>
+              <a:t>Python</a:t>
+            </a:r>
+            <a:endParaRPr lang="en-US" dirty="0"/>
+          </a:p>
+        </p:txBody>
+      </p:sp>
+    </p:spTree>
+    <p:extLst>
+      <p:ext uri="{BB962C8B-B14F-4D97-AF65-F5344CB8AC3E}">
+        <p14:creationId xmlns:p14="http://schemas.microsoft.com/office/powerpoint/2010/main" val="2005944883"/>
+      </p:ext>
+    </p:extLst>
+  </p:cSld>
+  <p:clrMapOvr>
+    <a:masterClrMapping/>
+  </p:clrMapOvr>
+</p:sld>
+</file>
+
+<file path=ppt/slides/slide13.xml><?xml version="1.0" encoding="utf-8"?>
 <p:sld xmlns:a="http://schemas.openxmlformats.org/drawingml/2006/main" xmlns:r="http://schemas.openxmlformats.org/officeDocument/2006/relationships" xmlns:p="http://schemas.openxmlformats.org/presentationml/2006/main">
   <p:cSld>
     <p:spTree>
@@ -9041,7 +9274,7 @@
 </p:sld>
 </file>
 
-<file path=ppt/slides/slide12.xml><?xml version="1.0" encoding="utf-8"?>
+<file path=ppt/slides/slide14.xml><?xml version="1.0" encoding="utf-8"?>
 <p:sld xmlns:a="http://schemas.openxmlformats.org/drawingml/2006/main" xmlns:r="http://schemas.openxmlformats.org/officeDocument/2006/relationships" xmlns:p="http://schemas.openxmlformats.org/presentationml/2006/main">
   <p:cSld>
     <p:spTree>
@@ -9181,7 +9414,7 @@
 </p:sld>
 </file>
 
-<file path=ppt/slides/slide13.xml><?xml version="1.0" encoding="utf-8"?>
+<file path=ppt/slides/slide15.xml><?xml version="1.0" encoding="utf-8"?>
 <p:sld xmlns:a="http://schemas.openxmlformats.org/drawingml/2006/main" xmlns:r="http://schemas.openxmlformats.org/officeDocument/2006/relationships" xmlns:p="http://schemas.openxmlformats.org/presentationml/2006/main">
   <p:cSld>
     <p:spTree>
@@ -9342,7 +9575,7 @@
 </p:sld>
 </file>
 
-<file path=ppt/slides/slide14.xml><?xml version="1.0" encoding="utf-8"?>
+<file path=ppt/slides/slide16.xml><?xml version="1.0" encoding="utf-8"?>
 <p:sld xmlns:a="http://schemas.openxmlformats.org/drawingml/2006/main" xmlns:r="http://schemas.openxmlformats.org/officeDocument/2006/relationships" xmlns:p="http://schemas.openxmlformats.org/presentationml/2006/main">
   <p:cSld>
     <p:spTree>
@@ -9531,7 +9764,7 @@
 </p:sld>
 </file>
 
-<file path=ppt/slides/slide15.xml><?xml version="1.0" encoding="utf-8"?>
+<file path=ppt/slides/slide17.xml><?xml version="1.0" encoding="utf-8"?>
 <p:sld xmlns:a="http://schemas.openxmlformats.org/drawingml/2006/main" xmlns:r="http://schemas.openxmlformats.org/officeDocument/2006/relationships" xmlns:p="http://schemas.openxmlformats.org/presentationml/2006/main">
   <p:cSld>
     <p:spTree>
@@ -9720,7 +9953,66 @@
 </p:sld>
 </file>
 
-<file path=ppt/slides/slide16.xml><?xml version="1.0" encoding="utf-8"?>
+<file path=ppt/slides/slide18.xml><?xml version="1.0" encoding="utf-8"?>
+<p:sld xmlns:a="http://schemas.openxmlformats.org/drawingml/2006/main" xmlns:r="http://schemas.openxmlformats.org/officeDocument/2006/relationships" xmlns:p="http://schemas.openxmlformats.org/presentationml/2006/main">
+  <p:cSld>
+    <p:spTree>
+      <p:nvGrpSpPr>
+        <p:cNvPr id="1" name=""/>
+        <p:cNvGrpSpPr/>
+        <p:nvPr/>
+      </p:nvGrpSpPr>
+      <p:grpSpPr>
+        <a:xfrm>
+          <a:off x="0" y="0"/>
+          <a:ext cx="0" cy="0"/>
+          <a:chOff x="0" y="0"/>
+          <a:chExt cx="0" cy="0"/>
+        </a:xfrm>
+      </p:grpSpPr>
+      <p:sp>
+        <p:nvSpPr>
+          <p:cNvPr id="2" name="Cím 1">
+            <a:extLst>
+              <a:ext uri="{FF2B5EF4-FFF2-40B4-BE49-F238E27FC236}">
+                <a16:creationId xmlns:a16="http://schemas.microsoft.com/office/drawing/2014/main" id="{89F08CF0-373E-930D-AB94-A078B4299122}"/>
+              </a:ext>
+            </a:extLst>
+          </p:cNvPr>
+          <p:cNvSpPr>
+            <a:spLocks noGrp="1"/>
+          </p:cNvSpPr>
+          <p:nvPr>
+            <p:ph type="title"/>
+          </p:nvPr>
+        </p:nvSpPr>
+        <p:spPr/>
+        <p:txBody>
+          <a:bodyPr/>
+          <a:lstStyle/>
+          <a:p>
+            <a:r>
+              <a:rPr lang="hu-HU" dirty="0"/>
+              <a:t>Ciklusok</a:t>
+            </a:r>
+            <a:endParaRPr lang="en-US" dirty="0"/>
+          </a:p>
+        </p:txBody>
+      </p:sp>
+    </p:spTree>
+    <p:extLst>
+      <p:ext uri="{BB962C8B-B14F-4D97-AF65-F5344CB8AC3E}">
+        <p14:creationId xmlns:p14="http://schemas.microsoft.com/office/powerpoint/2010/main" val="3128275327"/>
+      </p:ext>
+    </p:extLst>
+  </p:cSld>
+  <p:clrMapOvr>
+    <a:masterClrMapping/>
+  </p:clrMapOvr>
+</p:sld>
+</file>
+
+<file path=ppt/slides/slide19.xml><?xml version="1.0" encoding="utf-8"?>
 <p:sld xmlns:a="http://schemas.openxmlformats.org/drawingml/2006/main" xmlns:r="http://schemas.openxmlformats.org/officeDocument/2006/relationships" xmlns:p="http://schemas.openxmlformats.org/presentationml/2006/main">
   <p:cSld>
     <p:spTree>
@@ -9952,7 +10244,142 @@
 </p:sld>
 </file>
 
-<file path=ppt/slides/slide17.xml><?xml version="1.0" encoding="utf-8"?>
+<file path=ppt/slides/slide2.xml><?xml version="1.0" encoding="utf-8"?>
+<p:sld xmlns:a="http://schemas.openxmlformats.org/drawingml/2006/main" xmlns:r="http://schemas.openxmlformats.org/officeDocument/2006/relationships" xmlns:p="http://schemas.openxmlformats.org/presentationml/2006/main">
+  <p:cSld>
+    <p:spTree>
+      <p:nvGrpSpPr>
+        <p:cNvPr id="1" name="Shape 65"/>
+        <p:cNvGrpSpPr/>
+        <p:nvPr/>
+      </p:nvGrpSpPr>
+      <p:grpSpPr>
+        <a:xfrm>
+          <a:off x="0" y="0"/>
+          <a:ext cx="0" cy="0"/>
+          <a:chOff x="0" y="0"/>
+          <a:chExt cx="0" cy="0"/>
+        </a:xfrm>
+      </p:grpSpPr>
+      <p:sp>
+        <p:nvSpPr>
+          <p:cNvPr id="66" name="Google Shape;66;p14"/>
+          <p:cNvSpPr txBox="1">
+            <a:spLocks noGrp="1"/>
+          </p:cNvSpPr>
+          <p:nvPr>
+            <p:ph type="title"/>
+          </p:nvPr>
+        </p:nvSpPr>
+        <p:spPr>
+          <a:xfrm>
+            <a:off x="311700" y="391350"/>
+            <a:ext cx="8520600" cy="626100"/>
+          </a:xfrm>
+          <a:prstGeom prst="rect">
+            <a:avLst/>
+          </a:prstGeom>
+        </p:spPr>
+        <p:txBody>
+          <a:bodyPr spcFirstLastPara="1" wrap="square" lIns="91425" tIns="91425" rIns="91425" bIns="91425" anchor="t" anchorCtr="0">
+            <a:normAutofit fontScale="90000"/>
+          </a:bodyPr>
+          <a:lstStyle/>
+          <a:p>
+            <a:pPr marL="0" lvl="0" indent="0" algn="l" rtl="0">
+              <a:spcBef>
+                <a:spcPts val="0"/>
+              </a:spcBef>
+              <a:spcAft>
+                <a:spcPts val="0"/>
+              </a:spcAft>
+              <a:buNone/>
+            </a:pPr>
+            <a:r>
+              <a:rPr lang="hu"/>
+              <a:t>Mi is az a program?</a:t>
+            </a:r>
+            <a:endParaRPr/>
+          </a:p>
+        </p:txBody>
+      </p:sp>
+      <p:sp>
+        <p:nvSpPr>
+          <p:cNvPr id="67" name="Google Shape;67;p14"/>
+          <p:cNvSpPr txBox="1">
+            <a:spLocks noGrp="1"/>
+          </p:cNvSpPr>
+          <p:nvPr>
+            <p:ph type="body" idx="1"/>
+          </p:nvPr>
+        </p:nvSpPr>
+        <p:spPr>
+          <a:xfrm>
+            <a:off x="311700" y="1152475"/>
+            <a:ext cx="8520600" cy="3416400"/>
+          </a:xfrm>
+          <a:prstGeom prst="rect">
+            <a:avLst/>
+          </a:prstGeom>
+        </p:spPr>
+        <p:txBody>
+          <a:bodyPr spcFirstLastPara="1" wrap="square" lIns="91425" tIns="91425" rIns="91425" bIns="91425" anchor="t" anchorCtr="0">
+            <a:normAutofit/>
+          </a:bodyPr>
+          <a:lstStyle/>
+          <a:p>
+            <a:pPr marL="457200" lvl="0" indent="-374650" algn="l" rtl="0">
+              <a:spcBef>
+                <a:spcPts val="0"/>
+              </a:spcBef>
+              <a:spcAft>
+                <a:spcPts val="0"/>
+              </a:spcAft>
+              <a:buSzPts val="2300"/>
+              <a:buChar char="●"/>
+            </a:pPr>
+            <a:r>
+              <a:rPr lang="hu" sz="2300" b="1"/>
+              <a:t>Definíció</a:t>
+            </a:r>
+            <a:r>
+              <a:rPr lang="hu" sz="2300"/>
+              <a:t>: A program egy olyan utasítások sorozata, amelyet a számítógép képes végrehajtani. Ezek az utasítások egy adott feladat elvégzésére szolgálnak, például számítások, adatfeldolgozás vagy felhasználói felület megjelenítése.</a:t>
+            </a:r>
+            <a:endParaRPr sz="2300"/>
+          </a:p>
+          <a:p>
+            <a:pPr marL="457200" lvl="0" indent="-374650" algn="l" rtl="0">
+              <a:spcBef>
+                <a:spcPts val="1000"/>
+              </a:spcBef>
+              <a:spcAft>
+                <a:spcPts val="1000"/>
+              </a:spcAft>
+              <a:buSzPts val="2300"/>
+              <a:buChar char="●"/>
+            </a:pPr>
+            <a:r>
+              <a:rPr lang="hu" sz="2300" b="1"/>
+              <a:t>Példa</a:t>
+            </a:r>
+            <a:r>
+              <a:rPr lang="hu" sz="2300"/>
+              <a:t>: Egy egyszerű program lehet egy olyan szkript, amely kiírja a képernyőre, hogy "Helló, Világ!".</a:t>
+            </a:r>
+            <a:endParaRPr sz="2300"/>
+          </a:p>
+        </p:txBody>
+      </p:sp>
+    </p:spTree>
+  </p:cSld>
+  <p:clrMapOvr>
+    <a:masterClrMapping/>
+  </p:clrMapOvr>
+</p:sld>
+</file>
+
+<file path=ppt/slides/slide20.xml><?xml version="1.0" encoding="utf-8"?>
 <p:sld xmlns:a="http://schemas.openxmlformats.org/drawingml/2006/main" xmlns:r="http://schemas.openxmlformats.org/officeDocument/2006/relationships" xmlns:p="http://schemas.openxmlformats.org/presentationml/2006/main">
   <p:cSld>
     <p:spTree>
@@ -10223,7 +10650,7 @@
 </p:sld>
 </file>
 
-<file path=ppt/slides/slide18.xml><?xml version="1.0" encoding="utf-8"?>
+<file path=ppt/slides/slide21.xml><?xml version="1.0" encoding="utf-8"?>
 <p:sld xmlns:a="http://schemas.openxmlformats.org/drawingml/2006/main" xmlns:r="http://schemas.openxmlformats.org/officeDocument/2006/relationships" xmlns:p="http://schemas.openxmlformats.org/presentationml/2006/main">
   <p:cSld>
     <p:spTree>
@@ -10420,7 +10847,7 @@
 </p:sld>
 </file>
 
-<file path=ppt/slides/slide19.xml><?xml version="1.0" encoding="utf-8"?>
+<file path=ppt/slides/slide22.xml><?xml version="1.0" encoding="utf-8"?>
 <p:sld xmlns:a="http://schemas.openxmlformats.org/drawingml/2006/main" xmlns:r="http://schemas.openxmlformats.org/officeDocument/2006/relationships" xmlns:p="http://schemas.openxmlformats.org/presentationml/2006/main">
   <p:cSld>
     <p:spTree>
@@ -10580,142 +11007,7 @@
 </p:sld>
 </file>
 
-<file path=ppt/slides/slide2.xml><?xml version="1.0" encoding="utf-8"?>
-<p:sld xmlns:a="http://schemas.openxmlformats.org/drawingml/2006/main" xmlns:r="http://schemas.openxmlformats.org/officeDocument/2006/relationships" xmlns:p="http://schemas.openxmlformats.org/presentationml/2006/main">
-  <p:cSld>
-    <p:spTree>
-      <p:nvGrpSpPr>
-        <p:cNvPr id="1" name="Shape 65"/>
-        <p:cNvGrpSpPr/>
-        <p:nvPr/>
-      </p:nvGrpSpPr>
-      <p:grpSpPr>
-        <a:xfrm>
-          <a:off x="0" y="0"/>
-          <a:ext cx="0" cy="0"/>
-          <a:chOff x="0" y="0"/>
-          <a:chExt cx="0" cy="0"/>
-        </a:xfrm>
-      </p:grpSpPr>
-      <p:sp>
-        <p:nvSpPr>
-          <p:cNvPr id="66" name="Google Shape;66;p14"/>
-          <p:cNvSpPr txBox="1">
-            <a:spLocks noGrp="1"/>
-          </p:cNvSpPr>
-          <p:nvPr>
-            <p:ph type="title"/>
-          </p:nvPr>
-        </p:nvSpPr>
-        <p:spPr>
-          <a:xfrm>
-            <a:off x="311700" y="391350"/>
-            <a:ext cx="8520600" cy="626100"/>
-          </a:xfrm>
-          <a:prstGeom prst="rect">
-            <a:avLst/>
-          </a:prstGeom>
-        </p:spPr>
-        <p:txBody>
-          <a:bodyPr spcFirstLastPara="1" wrap="square" lIns="91425" tIns="91425" rIns="91425" bIns="91425" anchor="t" anchorCtr="0">
-            <a:normAutofit fontScale="90000"/>
-          </a:bodyPr>
-          <a:lstStyle/>
-          <a:p>
-            <a:pPr marL="0" lvl="0" indent="0" algn="l" rtl="0">
-              <a:spcBef>
-                <a:spcPts val="0"/>
-              </a:spcBef>
-              <a:spcAft>
-                <a:spcPts val="0"/>
-              </a:spcAft>
-              <a:buNone/>
-            </a:pPr>
-            <a:r>
-              <a:rPr lang="hu"/>
-              <a:t>Mi is az a program?</a:t>
-            </a:r>
-            <a:endParaRPr/>
-          </a:p>
-        </p:txBody>
-      </p:sp>
-      <p:sp>
-        <p:nvSpPr>
-          <p:cNvPr id="67" name="Google Shape;67;p14"/>
-          <p:cNvSpPr txBox="1">
-            <a:spLocks noGrp="1"/>
-          </p:cNvSpPr>
-          <p:nvPr>
-            <p:ph type="body" idx="1"/>
-          </p:nvPr>
-        </p:nvSpPr>
-        <p:spPr>
-          <a:xfrm>
-            <a:off x="311700" y="1152475"/>
-            <a:ext cx="8520600" cy="3416400"/>
-          </a:xfrm>
-          <a:prstGeom prst="rect">
-            <a:avLst/>
-          </a:prstGeom>
-        </p:spPr>
-        <p:txBody>
-          <a:bodyPr spcFirstLastPara="1" wrap="square" lIns="91425" tIns="91425" rIns="91425" bIns="91425" anchor="t" anchorCtr="0">
-            <a:normAutofit/>
-          </a:bodyPr>
-          <a:lstStyle/>
-          <a:p>
-            <a:pPr marL="457200" lvl="0" indent="-374650" algn="l" rtl="0">
-              <a:spcBef>
-                <a:spcPts val="0"/>
-              </a:spcBef>
-              <a:spcAft>
-                <a:spcPts val="0"/>
-              </a:spcAft>
-              <a:buSzPts val="2300"/>
-              <a:buChar char="●"/>
-            </a:pPr>
-            <a:r>
-              <a:rPr lang="hu" sz="2300" b="1"/>
-              <a:t>Definíció</a:t>
-            </a:r>
-            <a:r>
-              <a:rPr lang="hu" sz="2300"/>
-              <a:t>: A program egy olyan utasítások sorozata, amelyet a számítógép képes végrehajtani. Ezek az utasítások egy adott feladat elvégzésére szolgálnak, például számítások, adatfeldolgozás vagy felhasználói felület megjelenítése.</a:t>
-            </a:r>
-            <a:endParaRPr sz="2300"/>
-          </a:p>
-          <a:p>
-            <a:pPr marL="457200" lvl="0" indent="-374650" algn="l" rtl="0">
-              <a:spcBef>
-                <a:spcPts val="1000"/>
-              </a:spcBef>
-              <a:spcAft>
-                <a:spcPts val="1000"/>
-              </a:spcAft>
-              <a:buSzPts val="2300"/>
-              <a:buChar char="●"/>
-            </a:pPr>
-            <a:r>
-              <a:rPr lang="hu" sz="2300" b="1"/>
-              <a:t>Példa</a:t>
-            </a:r>
-            <a:r>
-              <a:rPr lang="hu" sz="2300"/>
-              <a:t>: Egy egyszerű program lehet egy olyan szkript, amely kiírja a képernyőre, hogy "Helló, Világ!".</a:t>
-            </a:r>
-            <a:endParaRPr sz="2300"/>
-          </a:p>
-        </p:txBody>
-      </p:sp>
-    </p:spTree>
-  </p:cSld>
-  <p:clrMapOvr>
-    <a:masterClrMapping/>
-  </p:clrMapOvr>
-</p:sld>
-</file>
-
-<file path=ppt/slides/slide20.xml><?xml version="1.0" encoding="utf-8"?>
+<file path=ppt/slides/slide23.xml><?xml version="1.0" encoding="utf-8"?>
 <p:sld xmlns:a="http://schemas.openxmlformats.org/drawingml/2006/main" xmlns:r="http://schemas.openxmlformats.org/officeDocument/2006/relationships" xmlns:p="http://schemas.openxmlformats.org/presentationml/2006/main">
   <p:cSld>
     <p:spTree>
@@ -10952,7 +11244,258 @@
 </p:sld>
 </file>
 
-<file path=ppt/slides/slide21.xml><?xml version="1.0" encoding="utf-8"?>
+<file path=ppt/slides/slide24.xml><?xml version="1.0" encoding="utf-8"?>
+<p:sld xmlns:a="http://schemas.openxmlformats.org/drawingml/2006/main" xmlns:r="http://schemas.openxmlformats.org/officeDocument/2006/relationships" xmlns:p="http://schemas.openxmlformats.org/presentationml/2006/main">
+  <p:cSld>
+    <p:spTree>
+      <p:nvGrpSpPr>
+        <p:cNvPr id="1" name=""/>
+        <p:cNvGrpSpPr/>
+        <p:nvPr/>
+      </p:nvGrpSpPr>
+      <p:grpSpPr>
+        <a:xfrm>
+          <a:off x="0" y="0"/>
+          <a:ext cx="0" cy="0"/>
+          <a:chOff x="0" y="0"/>
+          <a:chExt cx="0" cy="0"/>
+        </a:xfrm>
+      </p:grpSpPr>
+      <p:sp>
+        <p:nvSpPr>
+          <p:cNvPr id="2" name="Cím 1">
+            <a:extLst>
+              <a:ext uri="{FF2B5EF4-FFF2-40B4-BE49-F238E27FC236}">
+                <a16:creationId xmlns:a16="http://schemas.microsoft.com/office/drawing/2014/main" id="{3DAB1E3C-9C3B-5A51-9F18-97C8CADCC38D}"/>
+              </a:ext>
+            </a:extLst>
+          </p:cNvPr>
+          <p:cNvSpPr>
+            <a:spLocks noGrp="1"/>
+          </p:cNvSpPr>
+          <p:nvPr>
+            <p:ph type="title"/>
+          </p:nvPr>
+        </p:nvSpPr>
+        <p:spPr/>
+        <p:txBody>
+          <a:bodyPr/>
+          <a:lstStyle/>
+          <a:p>
+            <a:r>
+              <a:rPr lang="hu-HU" dirty="0"/>
+              <a:t>Lista</a:t>
+            </a:r>
+            <a:endParaRPr lang="en-US" dirty="0"/>
+          </a:p>
+        </p:txBody>
+      </p:sp>
+    </p:spTree>
+    <p:extLst>
+      <p:ext uri="{BB962C8B-B14F-4D97-AF65-F5344CB8AC3E}">
+        <p14:creationId xmlns:p14="http://schemas.microsoft.com/office/powerpoint/2010/main" val="845452829"/>
+      </p:ext>
+    </p:extLst>
+  </p:cSld>
+  <p:clrMapOvr>
+    <a:masterClrMapping/>
+  </p:clrMapOvr>
+</p:sld>
+</file>
+
+<file path=ppt/slides/slide25.xml><?xml version="1.0" encoding="utf-8"?>
+<p:sld xmlns:a="http://schemas.openxmlformats.org/drawingml/2006/main" xmlns:r="http://schemas.openxmlformats.org/officeDocument/2006/relationships" xmlns:p="http://schemas.openxmlformats.org/presentationml/2006/main">
+  <p:cSld>
+    <p:spTree>
+      <p:nvGrpSpPr>
+        <p:cNvPr id="1" name=""/>
+        <p:cNvGrpSpPr/>
+        <p:nvPr/>
+      </p:nvGrpSpPr>
+      <p:grpSpPr>
+        <a:xfrm>
+          <a:off x="0" y="0"/>
+          <a:ext cx="0" cy="0"/>
+          <a:chOff x="0" y="0"/>
+          <a:chExt cx="0" cy="0"/>
+        </a:xfrm>
+      </p:grpSpPr>
+      <p:sp>
+        <p:nvSpPr>
+          <p:cNvPr id="2" name="Cím 1">
+            <a:extLst>
+              <a:ext uri="{FF2B5EF4-FFF2-40B4-BE49-F238E27FC236}">
+                <a16:creationId xmlns:a16="http://schemas.microsoft.com/office/drawing/2014/main" id="{1DEB7EEC-F24A-852F-1EFD-DAB932FE4BE2}"/>
+              </a:ext>
+            </a:extLst>
+          </p:cNvPr>
+          <p:cNvSpPr>
+            <a:spLocks noGrp="1"/>
+          </p:cNvSpPr>
+          <p:nvPr>
+            <p:ph type="title"/>
+          </p:nvPr>
+        </p:nvSpPr>
+        <p:spPr/>
+        <p:txBody>
+          <a:bodyPr>
+            <a:normAutofit fontScale="90000"/>
+          </a:bodyPr>
+          <a:lstStyle/>
+          <a:p>
+            <a:r>
+              <a:rPr lang="hu-HU" dirty="0"/>
+              <a:t>Mi a lista</a:t>
+            </a:r>
+            <a:endParaRPr lang="en-US" dirty="0"/>
+          </a:p>
+        </p:txBody>
+      </p:sp>
+      <p:sp>
+        <p:nvSpPr>
+          <p:cNvPr id="3" name="Szöveg helye 2">
+            <a:extLst>
+              <a:ext uri="{FF2B5EF4-FFF2-40B4-BE49-F238E27FC236}">
+                <a16:creationId xmlns:a16="http://schemas.microsoft.com/office/drawing/2014/main" id="{A5B67A3E-EFB0-5865-42AC-A947E00C0C2E}"/>
+              </a:ext>
+            </a:extLst>
+          </p:cNvPr>
+          <p:cNvSpPr>
+            <a:spLocks noGrp="1"/>
+          </p:cNvSpPr>
+          <p:nvPr>
+            <p:ph type="body" idx="1"/>
+          </p:nvPr>
+        </p:nvSpPr>
+        <p:spPr/>
+        <p:txBody>
+          <a:bodyPr/>
+          <a:lstStyle/>
+          <a:p>
+            <a:r>
+              <a:rPr lang="hu-HU" dirty="0"/>
+              <a:t>A listában több elemet tudunk egyetlen változóban eltárolni.</a:t>
+            </a:r>
+          </a:p>
+          <a:p>
+            <a:r>
+              <a:rPr lang="hu-HU" dirty="0"/>
+              <a:t>A listához </a:t>
+            </a:r>
+          </a:p>
+          <a:p>
+            <a:pPr lvl="1"/>
+            <a:r>
+              <a:rPr lang="hu-HU" dirty="0"/>
+              <a:t>hozzá tudunk fűzni egy elemet (</a:t>
+            </a:r>
+            <a:r>
+              <a:rPr lang="hu-HU" b="1" dirty="0" err="1"/>
+              <a:t>C</a:t>
+            </a:r>
+            <a:r>
+              <a:rPr lang="hu-HU" dirty="0" err="1"/>
+              <a:t>reate</a:t>
+            </a:r>
+            <a:r>
+              <a:rPr lang="hu-HU" dirty="0"/>
+              <a:t>), </a:t>
+            </a:r>
+          </a:p>
+          <a:p>
+            <a:pPr lvl="1"/>
+            <a:r>
+              <a:rPr lang="hu-HU" dirty="0"/>
+              <a:t>hivatkozni tudunk rá a sorszáma szerint (</a:t>
+            </a:r>
+            <a:r>
+              <a:rPr lang="hu-HU" b="1" dirty="0"/>
+              <a:t>R</a:t>
+            </a:r>
+            <a:r>
+              <a:rPr lang="hu-HU" dirty="0"/>
+              <a:t>ead)</a:t>
+            </a:r>
+          </a:p>
+          <a:p>
+            <a:pPr lvl="1"/>
+            <a:r>
+              <a:rPr lang="hu-HU" dirty="0"/>
+              <a:t>Módosítani tudjuk bármely elemét (</a:t>
+            </a:r>
+            <a:r>
+              <a:rPr lang="hu-HU" b="1" dirty="0"/>
+              <a:t>U</a:t>
+            </a:r>
+            <a:r>
+              <a:rPr lang="hu-HU" dirty="0"/>
+              <a:t>pdate)</a:t>
+            </a:r>
+          </a:p>
+          <a:p>
+            <a:pPr lvl="1"/>
+            <a:r>
+              <a:rPr lang="hu-HU" dirty="0"/>
+              <a:t>Törölni tudunk belőle elemet (</a:t>
+            </a:r>
+            <a:r>
+              <a:rPr lang="hu-HU" b="1" dirty="0" err="1"/>
+              <a:t>D</a:t>
+            </a:r>
+            <a:r>
+              <a:rPr lang="hu-HU" dirty="0" err="1"/>
+              <a:t>elete</a:t>
+            </a:r>
+            <a:r>
+              <a:rPr lang="hu-HU" dirty="0"/>
+              <a:t>)</a:t>
+            </a:r>
+          </a:p>
+          <a:p>
+            <a:r>
+              <a:rPr lang="hu-HU" dirty="0"/>
+              <a:t>Ezeket a műveleteket nevezzük CRUD műveleteknek.</a:t>
+            </a:r>
+          </a:p>
+          <a:p>
+            <a:r>
+              <a:rPr lang="hu-HU" dirty="0"/>
+              <a:t>Tudj meg többet: </a:t>
+            </a:r>
+            <a:r>
+              <a:rPr lang="en-US" dirty="0">
+                <a:hlinkClick r:id="rId2"/>
+              </a:rPr>
+              <a:t>Python Lists</a:t>
+            </a:r>
+            <a:endParaRPr lang="hu-HU" dirty="0"/>
+          </a:p>
+          <a:p>
+            <a:pPr lvl="1"/>
+            <a:endParaRPr lang="hu-HU" dirty="0"/>
+          </a:p>
+          <a:p>
+            <a:pPr marL="139700" indent="0">
+              <a:buNone/>
+            </a:pPr>
+            <a:endParaRPr lang="en-US" dirty="0"/>
+          </a:p>
+        </p:txBody>
+      </p:sp>
+    </p:spTree>
+    <p:extLst>
+      <p:ext uri="{BB962C8B-B14F-4D97-AF65-F5344CB8AC3E}">
+        <p14:creationId xmlns:p14="http://schemas.microsoft.com/office/powerpoint/2010/main" val="1041132644"/>
+      </p:ext>
+    </p:extLst>
+  </p:cSld>
+  <p:clrMapOvr>
+    <a:masterClrMapping/>
+  </p:clrMapOvr>
+</p:sld>
+</file>
+
+<file path=ppt/slides/slide26.xml><?xml version="1.0" encoding="utf-8"?>
 <p:sld xmlns:a="http://schemas.openxmlformats.org/drawingml/2006/main" xmlns:r="http://schemas.openxmlformats.org/officeDocument/2006/relationships" xmlns:p="http://schemas.openxmlformats.org/presentationml/2006/main">
   <p:cSld>
     <p:spTree>
@@ -11167,199 +11710,7 @@
 </p:sld>
 </file>
 
-<file path=ppt/slides/slide22.xml><?xml version="1.0" encoding="utf-8"?>
-<p:sld xmlns:a="http://schemas.openxmlformats.org/drawingml/2006/main" xmlns:r="http://schemas.openxmlformats.org/officeDocument/2006/relationships" xmlns:p="http://schemas.openxmlformats.org/presentationml/2006/main">
-  <p:cSld>
-    <p:spTree>
-      <p:nvGrpSpPr>
-        <p:cNvPr id="1" name=""/>
-        <p:cNvGrpSpPr/>
-        <p:nvPr/>
-      </p:nvGrpSpPr>
-      <p:grpSpPr>
-        <a:xfrm>
-          <a:off x="0" y="0"/>
-          <a:ext cx="0" cy="0"/>
-          <a:chOff x="0" y="0"/>
-          <a:chExt cx="0" cy="0"/>
-        </a:xfrm>
-      </p:grpSpPr>
-      <p:sp>
-        <p:nvSpPr>
-          <p:cNvPr id="2" name="Cím 1">
-            <a:extLst>
-              <a:ext uri="{FF2B5EF4-FFF2-40B4-BE49-F238E27FC236}">
-                <a16:creationId xmlns:a16="http://schemas.microsoft.com/office/drawing/2014/main" id="{1DEB7EEC-F24A-852F-1EFD-DAB932FE4BE2}"/>
-              </a:ext>
-            </a:extLst>
-          </p:cNvPr>
-          <p:cNvSpPr>
-            <a:spLocks noGrp="1"/>
-          </p:cNvSpPr>
-          <p:nvPr>
-            <p:ph type="title"/>
-          </p:nvPr>
-        </p:nvSpPr>
-        <p:spPr/>
-        <p:txBody>
-          <a:bodyPr>
-            <a:normAutofit fontScale="90000"/>
-          </a:bodyPr>
-          <a:lstStyle/>
-          <a:p>
-            <a:r>
-              <a:rPr lang="hu-HU" dirty="0"/>
-              <a:t>Mi a lista</a:t>
-            </a:r>
-            <a:endParaRPr lang="en-US" dirty="0"/>
-          </a:p>
-        </p:txBody>
-      </p:sp>
-      <p:sp>
-        <p:nvSpPr>
-          <p:cNvPr id="3" name="Szöveg helye 2">
-            <a:extLst>
-              <a:ext uri="{FF2B5EF4-FFF2-40B4-BE49-F238E27FC236}">
-                <a16:creationId xmlns:a16="http://schemas.microsoft.com/office/drawing/2014/main" id="{A5B67A3E-EFB0-5865-42AC-A947E00C0C2E}"/>
-              </a:ext>
-            </a:extLst>
-          </p:cNvPr>
-          <p:cNvSpPr>
-            <a:spLocks noGrp="1"/>
-          </p:cNvSpPr>
-          <p:nvPr>
-            <p:ph type="body" idx="1"/>
-          </p:nvPr>
-        </p:nvSpPr>
-        <p:spPr/>
-        <p:txBody>
-          <a:bodyPr/>
-          <a:lstStyle/>
-          <a:p>
-            <a:r>
-              <a:rPr lang="hu-HU" dirty="0"/>
-              <a:t>A listában több elemet tudunk egyetlen változóban eltárolni.</a:t>
-            </a:r>
-          </a:p>
-          <a:p>
-            <a:r>
-              <a:rPr lang="hu-HU" dirty="0"/>
-              <a:t>A listához </a:t>
-            </a:r>
-          </a:p>
-          <a:p>
-            <a:pPr lvl="1"/>
-            <a:r>
-              <a:rPr lang="hu-HU" dirty="0"/>
-              <a:t>hozzá tudunk fűzni egy elemet (</a:t>
-            </a:r>
-            <a:r>
-              <a:rPr lang="hu-HU" b="1" dirty="0" err="1"/>
-              <a:t>C</a:t>
-            </a:r>
-            <a:r>
-              <a:rPr lang="hu-HU" dirty="0" err="1"/>
-              <a:t>reate</a:t>
-            </a:r>
-            <a:r>
-              <a:rPr lang="hu-HU" dirty="0"/>
-              <a:t>), </a:t>
-            </a:r>
-          </a:p>
-          <a:p>
-            <a:pPr lvl="1"/>
-            <a:r>
-              <a:rPr lang="hu-HU" dirty="0"/>
-              <a:t>hivatkozni tudunk rá a sorszáma szerint (</a:t>
-            </a:r>
-            <a:r>
-              <a:rPr lang="hu-HU" b="1" dirty="0"/>
-              <a:t>R</a:t>
-            </a:r>
-            <a:r>
-              <a:rPr lang="hu-HU" dirty="0"/>
-              <a:t>ead)</a:t>
-            </a:r>
-          </a:p>
-          <a:p>
-            <a:pPr lvl="1"/>
-            <a:r>
-              <a:rPr lang="hu-HU" dirty="0"/>
-              <a:t>Módosítani tudjuk bármely elemét (</a:t>
-            </a:r>
-            <a:r>
-              <a:rPr lang="hu-HU" b="1" dirty="0"/>
-              <a:t>U</a:t>
-            </a:r>
-            <a:r>
-              <a:rPr lang="hu-HU" dirty="0"/>
-              <a:t>pdate)</a:t>
-            </a:r>
-          </a:p>
-          <a:p>
-            <a:pPr lvl="1"/>
-            <a:r>
-              <a:rPr lang="hu-HU" dirty="0"/>
-              <a:t>Törölni tudunk belőle elemet (</a:t>
-            </a:r>
-            <a:r>
-              <a:rPr lang="hu-HU" b="1" dirty="0" err="1"/>
-              <a:t>D</a:t>
-            </a:r>
-            <a:r>
-              <a:rPr lang="hu-HU" dirty="0" err="1"/>
-              <a:t>elete</a:t>
-            </a:r>
-            <a:r>
-              <a:rPr lang="hu-HU" dirty="0"/>
-              <a:t>)</a:t>
-            </a:r>
-          </a:p>
-          <a:p>
-            <a:r>
-              <a:rPr lang="hu-HU" dirty="0"/>
-              <a:t>Ezeket a műveleteket nevezzük CRUD műveleteknek.</a:t>
-            </a:r>
-          </a:p>
-          <a:p>
-            <a:r>
-              <a:rPr lang="hu-HU" dirty="0"/>
-              <a:t>Tudj meg többet: </a:t>
-            </a:r>
-            <a:r>
-              <a:rPr lang="en-US" dirty="0">
-                <a:hlinkClick r:id="rId2"/>
-              </a:rPr>
-              <a:t>Python Lists</a:t>
-            </a:r>
-            <a:endParaRPr lang="hu-HU" dirty="0"/>
-          </a:p>
-          <a:p>
-            <a:pPr lvl="1"/>
-            <a:endParaRPr lang="hu-HU" dirty="0"/>
-          </a:p>
-          <a:p>
-            <a:pPr marL="139700" indent="0">
-              <a:buNone/>
-            </a:pPr>
-            <a:endParaRPr lang="en-US" dirty="0"/>
-          </a:p>
-        </p:txBody>
-      </p:sp>
-    </p:spTree>
-    <p:extLst>
-      <p:ext uri="{BB962C8B-B14F-4D97-AF65-F5344CB8AC3E}">
-        <p14:creationId xmlns:p14="http://schemas.microsoft.com/office/powerpoint/2010/main" val="1041132644"/>
-      </p:ext>
-    </p:extLst>
-  </p:cSld>
-  <p:clrMapOvr>
-    <a:masterClrMapping/>
-  </p:clrMapOvr>
-</p:sld>
-</file>
-
-<file path=ppt/slides/slide23.xml><?xml version="1.0" encoding="utf-8"?>
+<file path=ppt/slides/slide27.xml><?xml version="1.0" encoding="utf-8"?>
 <p:sld xmlns:a="http://schemas.openxmlformats.org/drawingml/2006/main" xmlns:r="http://schemas.openxmlformats.org/officeDocument/2006/relationships" xmlns:p="http://schemas.openxmlformats.org/presentationml/2006/main">
   <p:cSld>
     <p:spTree>
@@ -11545,7 +11896,7 @@
 </p:sld>
 </file>
 
-<file path=ppt/slides/slide24.xml><?xml version="1.0" encoding="utf-8"?>
+<file path=ppt/slides/slide28.xml><?xml version="1.0" encoding="utf-8"?>
 <p:sld xmlns:a="http://schemas.openxmlformats.org/drawingml/2006/main" xmlns:r="http://schemas.openxmlformats.org/officeDocument/2006/relationships" xmlns:p="http://schemas.openxmlformats.org/presentationml/2006/main">
   <p:cSld>
     <p:spTree>
@@ -11771,12 +12122,12 @@
 </p:sld>
 </file>
 
-<file path=ppt/slides/slide25.xml><?xml version="1.0" encoding="utf-8"?>
+<file path=ppt/slides/slide29.xml><?xml version="1.0" encoding="utf-8"?>
 <p:sld xmlns:a="http://schemas.openxmlformats.org/drawingml/2006/main" xmlns:r="http://schemas.openxmlformats.org/officeDocument/2006/relationships" xmlns:p="http://schemas.openxmlformats.org/presentationml/2006/main">
   <p:cSld>
     <p:spTree>
       <p:nvGrpSpPr>
-        <p:cNvPr id="1" name="Shape 132"/>
+        <p:cNvPr id="1" name=""/>
         <p:cNvGrpSpPr/>
         <p:nvPr/>
       </p:nvGrpSpPr>
@@ -11790,633 +12141,39 @@
       </p:grpSpPr>
       <p:sp>
         <p:nvSpPr>
-          <p:cNvPr id="133" name="Google Shape;133;p24"/>
-          <p:cNvSpPr txBox="1">
+          <p:cNvPr id="2" name="Cím 1">
+            <a:extLst>
+              <a:ext uri="{FF2B5EF4-FFF2-40B4-BE49-F238E27FC236}">
+                <a16:creationId xmlns:a16="http://schemas.microsoft.com/office/drawing/2014/main" id="{9C0D925C-71B7-0BB8-9B51-BEF6C4E513BC}"/>
+              </a:ext>
+            </a:extLst>
+          </p:cNvPr>
+          <p:cNvSpPr>
             <a:spLocks noGrp="1"/>
           </p:cNvSpPr>
           <p:nvPr>
             <p:ph type="title"/>
           </p:nvPr>
         </p:nvSpPr>
-        <p:spPr>
-          <a:xfrm>
-            <a:off x="311700" y="391350"/>
-            <a:ext cx="8520600" cy="626100"/>
-          </a:xfrm>
-          <a:prstGeom prst="rect">
-            <a:avLst/>
-          </a:prstGeom>
-        </p:spPr>
+        <p:spPr/>
         <p:txBody>
-          <a:bodyPr spcFirstLastPara="1" wrap="square" lIns="91425" tIns="91425" rIns="91425" bIns="91425" anchor="t" anchorCtr="0">
-            <a:normAutofit fontScale="90000"/>
-          </a:bodyPr>
+          <a:bodyPr/>
           <a:lstStyle/>
           <a:p>
-            <a:pPr marL="0" lvl="0" indent="0" algn="l" rtl="0">
-              <a:spcBef>
-                <a:spcPts val="0"/>
-              </a:spcBef>
-              <a:spcAft>
-                <a:spcPts val="0"/>
-              </a:spcAft>
-              <a:buNone/>
-            </a:pPr>
-            <a:r>
-              <a:rPr lang="hu"/>
-              <a:t>Gyakorlati példák</a:t>
-            </a:r>
-            <a:endParaRPr/>
+            <a:r>
+              <a:rPr lang="hu-HU" dirty="0"/>
+              <a:t>Függvények</a:t>
+            </a:r>
+            <a:endParaRPr lang="en-US" dirty="0"/>
           </a:p>
         </p:txBody>
       </p:sp>
-      <p:sp>
-        <p:nvSpPr>
-          <p:cNvPr id="134" name="Google Shape;134;p24"/>
-          <p:cNvSpPr txBox="1">
-            <a:spLocks noGrp="1"/>
-          </p:cNvSpPr>
-          <p:nvPr>
-            <p:ph type="body" idx="1"/>
-          </p:nvPr>
-        </p:nvSpPr>
-        <p:spPr>
-          <a:xfrm>
-            <a:off x="311700" y="1152475"/>
-            <a:ext cx="8520600" cy="3416400"/>
-          </a:xfrm>
-          <a:prstGeom prst="rect">
-            <a:avLst/>
-          </a:prstGeom>
-        </p:spPr>
-        <p:txBody>
-          <a:bodyPr spcFirstLastPara="1" wrap="square" lIns="91425" tIns="91425" rIns="91425" bIns="91425" anchor="t" anchorCtr="0">
-            <a:normAutofit/>
-          </a:bodyPr>
-          <a:lstStyle/>
-          <a:p>
-            <a:pPr marL="0" lvl="0" indent="0" algn="l" rtl="0">
-              <a:spcBef>
-                <a:spcPts val="0"/>
-              </a:spcBef>
-              <a:spcAft>
-                <a:spcPts val="1200"/>
-              </a:spcAft>
-              <a:buNone/>
-            </a:pPr>
-            <a:r>
-              <a:rPr lang="hu"/>
-              <a:t>Számkitalálós játék</a:t>
-            </a:r>
-            <a:endParaRPr/>
-          </a:p>
-        </p:txBody>
-      </p:sp>
-      <p:pic>
-        <p:nvPicPr>
-          <p:cNvPr id="135" name="Google Shape;135;p24"/>
-          <p:cNvPicPr preferRelativeResize="0"/>
-          <p:nvPr/>
-        </p:nvPicPr>
-        <p:blipFill>
-          <a:blip r:embed="rId3">
-            <a:alphaModFix/>
-          </a:blip>
-          <a:stretch>
-            <a:fillRect/>
-          </a:stretch>
-        </p:blipFill>
-        <p:spPr>
-          <a:xfrm>
-            <a:off x="2366981" y="1647825"/>
-            <a:ext cx="6465325" cy="2709013"/>
-          </a:xfrm>
-          <a:prstGeom prst="rect">
-            <a:avLst/>
-          </a:prstGeom>
-          <a:noFill/>
-          <a:ln>
-            <a:noFill/>
-          </a:ln>
-        </p:spPr>
-      </p:pic>
     </p:spTree>
-  </p:cSld>
-  <p:clrMapOvr>
-    <a:masterClrMapping/>
-  </p:clrMapOvr>
-</p:sld>
-</file>
-
-<file path=ppt/slides/slide26.xml><?xml version="1.0" encoding="utf-8"?>
-<p:sld xmlns:a="http://schemas.openxmlformats.org/drawingml/2006/main" xmlns:r="http://schemas.openxmlformats.org/officeDocument/2006/relationships" xmlns:p="http://schemas.openxmlformats.org/presentationml/2006/main">
-  <p:cSld>
-    <p:spTree>
-      <p:nvGrpSpPr>
-        <p:cNvPr id="1" name="Shape 139"/>
-        <p:cNvGrpSpPr/>
-        <p:nvPr/>
-      </p:nvGrpSpPr>
-      <p:grpSpPr>
-        <a:xfrm>
-          <a:off x="0" y="0"/>
-          <a:ext cx="0" cy="0"/>
-          <a:chOff x="0" y="0"/>
-          <a:chExt cx="0" cy="0"/>
-        </a:xfrm>
-      </p:grpSpPr>
-      <p:sp>
-        <p:nvSpPr>
-          <p:cNvPr id="140" name="Google Shape;140;p25"/>
-          <p:cNvSpPr txBox="1">
-            <a:spLocks noGrp="1"/>
-          </p:cNvSpPr>
-          <p:nvPr>
-            <p:ph type="title"/>
-          </p:nvPr>
-        </p:nvSpPr>
-        <p:spPr>
-          <a:xfrm>
-            <a:off x="311700" y="391350"/>
-            <a:ext cx="8520600" cy="626100"/>
-          </a:xfrm>
-          <a:prstGeom prst="rect">
-            <a:avLst/>
-          </a:prstGeom>
-        </p:spPr>
-        <p:txBody>
-          <a:bodyPr spcFirstLastPara="1" wrap="square" lIns="91425" tIns="91425" rIns="91425" bIns="91425" anchor="t" anchorCtr="0">
-            <a:normAutofit fontScale="90000"/>
-          </a:bodyPr>
-          <a:lstStyle/>
-          <a:p>
-            <a:pPr marL="0" lvl="0" indent="0" algn="l" rtl="0">
-              <a:spcBef>
-                <a:spcPts val="0"/>
-              </a:spcBef>
-              <a:spcAft>
-                <a:spcPts val="0"/>
-              </a:spcAft>
-              <a:buNone/>
-            </a:pPr>
-            <a:r>
-              <a:rPr lang="hu"/>
-              <a:t>Továbbfejlesztett számkitalálós játék</a:t>
-            </a:r>
-            <a:endParaRPr/>
-          </a:p>
-        </p:txBody>
-      </p:sp>
-      <p:pic>
-        <p:nvPicPr>
-          <p:cNvPr id="141" name="Google Shape;141;p25"/>
-          <p:cNvPicPr preferRelativeResize="0"/>
-          <p:nvPr/>
-        </p:nvPicPr>
-        <p:blipFill>
-          <a:blip r:embed="rId3">
-            <a:alphaModFix/>
-          </a:blip>
-          <a:stretch>
-            <a:fillRect/>
-          </a:stretch>
-        </p:blipFill>
-        <p:spPr>
-          <a:xfrm>
-            <a:off x="311693" y="939800"/>
-            <a:ext cx="4307382" cy="3705275"/>
-          </a:xfrm>
-          <a:prstGeom prst="rect">
-            <a:avLst/>
-          </a:prstGeom>
-          <a:noFill/>
-          <a:ln>
-            <a:noFill/>
-          </a:ln>
-        </p:spPr>
-      </p:pic>
-      <p:pic>
-        <p:nvPicPr>
-          <p:cNvPr id="142" name="Google Shape;142;p25"/>
-          <p:cNvPicPr preferRelativeResize="0"/>
-          <p:nvPr/>
-        </p:nvPicPr>
-        <p:blipFill>
-          <a:blip r:embed="rId4">
-            <a:alphaModFix/>
-          </a:blip>
-          <a:stretch>
-            <a:fillRect/>
-          </a:stretch>
-        </p:blipFill>
-        <p:spPr>
-          <a:xfrm>
-            <a:off x="4619075" y="1600675"/>
-            <a:ext cx="4220125" cy="2231132"/>
-          </a:xfrm>
-          <a:prstGeom prst="rect">
-            <a:avLst/>
-          </a:prstGeom>
-          <a:noFill/>
-          <a:ln>
-            <a:noFill/>
-          </a:ln>
-        </p:spPr>
-      </p:pic>
-    </p:spTree>
-  </p:cSld>
-  <p:clrMapOvr>
-    <a:masterClrMapping/>
-  </p:clrMapOvr>
-</p:sld>
-</file>
-
-<file path=ppt/slides/slide27.xml><?xml version="1.0" encoding="utf-8"?>
-<p:sld xmlns:a="http://schemas.openxmlformats.org/drawingml/2006/main" xmlns:r="http://schemas.openxmlformats.org/officeDocument/2006/relationships" xmlns:p="http://schemas.openxmlformats.org/presentationml/2006/main">
-  <p:cSld>
-    <p:spTree>
-      <p:nvGrpSpPr>
-        <p:cNvPr id="1" name="Shape 146"/>
-        <p:cNvGrpSpPr/>
-        <p:nvPr/>
-      </p:nvGrpSpPr>
-      <p:grpSpPr>
-        <a:xfrm>
-          <a:off x="0" y="0"/>
-          <a:ext cx="0" cy="0"/>
-          <a:chOff x="0" y="0"/>
-          <a:chExt cx="0" cy="0"/>
-        </a:xfrm>
-      </p:grpSpPr>
-      <p:sp>
-        <p:nvSpPr>
-          <p:cNvPr id="147" name="Google Shape;147;p26"/>
-          <p:cNvSpPr txBox="1">
-            <a:spLocks noGrp="1"/>
-          </p:cNvSpPr>
-          <p:nvPr>
-            <p:ph type="title"/>
-          </p:nvPr>
-        </p:nvSpPr>
-        <p:spPr>
-          <a:xfrm>
-            <a:off x="311700" y="391350"/>
-            <a:ext cx="8520600" cy="626100"/>
-          </a:xfrm>
-          <a:prstGeom prst="rect">
-            <a:avLst/>
-          </a:prstGeom>
-        </p:spPr>
-        <p:txBody>
-          <a:bodyPr spcFirstLastPara="1" wrap="square" lIns="91425" tIns="91425" rIns="91425" bIns="91425" anchor="t" anchorCtr="0">
-            <a:normAutofit fontScale="90000"/>
-          </a:bodyPr>
-          <a:lstStyle/>
-          <a:p>
-            <a:pPr marL="0" lvl="0" indent="0" algn="l" rtl="0">
-              <a:spcBef>
-                <a:spcPts val="0"/>
-              </a:spcBef>
-              <a:spcAft>
-                <a:spcPts val="0"/>
-              </a:spcAft>
-              <a:buNone/>
-            </a:pPr>
-            <a:r>
-              <a:rPr lang="hu"/>
-              <a:t>Kő-Papír-Olló játék</a:t>
-            </a:r>
-            <a:endParaRPr/>
-          </a:p>
-        </p:txBody>
-      </p:sp>
-      <p:pic>
-        <p:nvPicPr>
-          <p:cNvPr id="148" name="Google Shape;148;p26"/>
-          <p:cNvPicPr preferRelativeResize="0"/>
-          <p:nvPr/>
-        </p:nvPicPr>
-        <p:blipFill>
-          <a:blip r:embed="rId3">
-            <a:alphaModFix/>
-          </a:blip>
-          <a:stretch>
-            <a:fillRect/>
-          </a:stretch>
-        </p:blipFill>
-        <p:spPr>
-          <a:xfrm>
-            <a:off x="152400" y="1017725"/>
-            <a:ext cx="4829179" cy="3973375"/>
-          </a:xfrm>
-          <a:prstGeom prst="rect">
-            <a:avLst/>
-          </a:prstGeom>
-          <a:noFill/>
-          <a:ln>
-            <a:noFill/>
-          </a:ln>
-        </p:spPr>
-      </p:pic>
-    </p:spTree>
-  </p:cSld>
-  <p:clrMapOvr>
-    <a:masterClrMapping/>
-  </p:clrMapOvr>
-</p:sld>
-</file>
-
-<file path=ppt/slides/slide28.xml><?xml version="1.0" encoding="utf-8"?>
-<p:sld xmlns:a="http://schemas.openxmlformats.org/drawingml/2006/main" xmlns:r="http://schemas.openxmlformats.org/officeDocument/2006/relationships" xmlns:p="http://schemas.openxmlformats.org/presentationml/2006/main">
-  <p:cSld>
-    <p:spTree>
-      <p:nvGrpSpPr>
-        <p:cNvPr id="1" name="Shape 152"/>
-        <p:cNvGrpSpPr/>
-        <p:nvPr/>
-      </p:nvGrpSpPr>
-      <p:grpSpPr>
-        <a:xfrm>
-          <a:off x="0" y="0"/>
-          <a:ext cx="0" cy="0"/>
-          <a:chOff x="0" y="0"/>
-          <a:chExt cx="0" cy="0"/>
-        </a:xfrm>
-      </p:grpSpPr>
-      <p:sp>
-        <p:nvSpPr>
-          <p:cNvPr id="153" name="Google Shape;153;p27"/>
-          <p:cNvSpPr txBox="1">
-            <a:spLocks noGrp="1"/>
-          </p:cNvSpPr>
-          <p:nvPr>
-            <p:ph type="title"/>
-          </p:nvPr>
-        </p:nvSpPr>
-        <p:spPr>
-          <a:xfrm>
-            <a:off x="311700" y="391350"/>
-            <a:ext cx="8520600" cy="626100"/>
-          </a:xfrm>
-          <a:prstGeom prst="rect">
-            <a:avLst/>
-          </a:prstGeom>
-        </p:spPr>
-        <p:txBody>
-          <a:bodyPr spcFirstLastPara="1" wrap="square" lIns="91425" tIns="91425" rIns="91425" bIns="91425" anchor="t" anchorCtr="0">
-            <a:normAutofit fontScale="90000"/>
-          </a:bodyPr>
-          <a:lstStyle/>
-          <a:p>
-            <a:pPr marL="0" lvl="0" indent="0" algn="l" rtl="0">
-              <a:spcBef>
-                <a:spcPts val="0"/>
-              </a:spcBef>
-              <a:spcAft>
-                <a:spcPts val="0"/>
-              </a:spcAft>
-              <a:buNone/>
-            </a:pPr>
-            <a:r>
-              <a:rPr lang="hu"/>
-              <a:t>Számológép</a:t>
-            </a:r>
-            <a:endParaRPr/>
-          </a:p>
-        </p:txBody>
-      </p:sp>
-      <p:sp>
-        <p:nvSpPr>
-          <p:cNvPr id="154" name="Google Shape;154;p27"/>
-          <p:cNvSpPr txBox="1"/>
-          <p:nvPr/>
-        </p:nvSpPr>
-        <p:spPr>
-          <a:xfrm>
-            <a:off x="419275" y="1283750"/>
-            <a:ext cx="3801000" cy="2697300"/>
-          </a:xfrm>
-          <a:prstGeom prst="rect">
-            <a:avLst/>
-          </a:prstGeom>
-          <a:noFill/>
-          <a:ln>
-            <a:noFill/>
-          </a:ln>
-        </p:spPr>
-        <p:txBody>
-          <a:bodyPr spcFirstLastPara="1" wrap="square" lIns="91425" tIns="91425" rIns="91425" bIns="91425" anchor="t" anchorCtr="0">
-            <a:noAutofit/>
-          </a:bodyPr>
-          <a:lstStyle/>
-          <a:p>
-            <a:pPr marL="0" lvl="0" indent="0" algn="l" rtl="0">
-              <a:spcBef>
-                <a:spcPts val="0"/>
-              </a:spcBef>
-              <a:spcAft>
-                <a:spcPts val="0"/>
-              </a:spcAft>
-              <a:buNone/>
-            </a:pPr>
-            <a:r>
-              <a:rPr lang="hu" sz="1600">
-                <a:solidFill>
-                  <a:srgbClr val="404040"/>
-                </a:solidFill>
-                <a:latin typeface="Roboto"/>
-                <a:ea typeface="Roboto"/>
-                <a:cs typeface="Roboto"/>
-                <a:sym typeface="Roboto"/>
-              </a:rPr>
-              <a:t>Egy egyszerű számológép, amely alap műveleteket végez.</a:t>
-            </a:r>
-            <a:endParaRPr sz="2600">
-              <a:solidFill>
-                <a:schemeClr val="dk2"/>
-              </a:solidFill>
-            </a:endParaRPr>
-          </a:p>
-        </p:txBody>
-      </p:sp>
-      <p:pic>
-        <p:nvPicPr>
-          <p:cNvPr id="155" name="Google Shape;155;p27"/>
-          <p:cNvPicPr preferRelativeResize="0"/>
-          <p:nvPr/>
-        </p:nvPicPr>
-        <p:blipFill>
-          <a:blip r:embed="rId3">
-            <a:alphaModFix/>
-          </a:blip>
-          <a:stretch>
-            <a:fillRect/>
-          </a:stretch>
-        </p:blipFill>
-        <p:spPr>
-          <a:xfrm>
-            <a:off x="4572000" y="564775"/>
-            <a:ext cx="3561215" cy="3820974"/>
-          </a:xfrm>
-          <a:prstGeom prst="rect">
-            <a:avLst/>
-          </a:prstGeom>
-          <a:noFill/>
-          <a:ln>
-            <a:noFill/>
-          </a:ln>
-        </p:spPr>
-      </p:pic>
-    </p:spTree>
-  </p:cSld>
-  <p:clrMapOvr>
-    <a:masterClrMapping/>
-  </p:clrMapOvr>
-</p:sld>
-</file>
-
-<file path=ppt/slides/slide29.xml><?xml version="1.0" encoding="utf-8"?>
-<p:sld xmlns:a="http://schemas.openxmlformats.org/drawingml/2006/main" xmlns:r="http://schemas.openxmlformats.org/officeDocument/2006/relationships" xmlns:p="http://schemas.openxmlformats.org/presentationml/2006/main">
-  <p:cSld>
-    <p:spTree>
-      <p:nvGrpSpPr>
-        <p:cNvPr id="1" name="Shape 159"/>
-        <p:cNvGrpSpPr/>
-        <p:nvPr/>
-      </p:nvGrpSpPr>
-      <p:grpSpPr>
-        <a:xfrm>
-          <a:off x="0" y="0"/>
-          <a:ext cx="0" cy="0"/>
-          <a:chOff x="0" y="0"/>
-          <a:chExt cx="0" cy="0"/>
-        </a:xfrm>
-      </p:grpSpPr>
-      <p:sp>
-        <p:nvSpPr>
-          <p:cNvPr id="160" name="Google Shape;160;p28"/>
-          <p:cNvSpPr txBox="1">
-            <a:spLocks noGrp="1"/>
-          </p:cNvSpPr>
-          <p:nvPr>
-            <p:ph type="title"/>
-          </p:nvPr>
-        </p:nvSpPr>
-        <p:spPr>
-          <a:xfrm>
-            <a:off x="311700" y="391350"/>
-            <a:ext cx="8520600" cy="626100"/>
-          </a:xfrm>
-          <a:prstGeom prst="rect">
-            <a:avLst/>
-          </a:prstGeom>
-        </p:spPr>
-        <p:txBody>
-          <a:bodyPr spcFirstLastPara="1" wrap="square" lIns="91425" tIns="91425" rIns="91425" bIns="91425" anchor="t" anchorCtr="0">
-            <a:normAutofit fontScale="90000"/>
-          </a:bodyPr>
-          <a:lstStyle/>
-          <a:p>
-            <a:pPr marL="0" lvl="0" indent="0" algn="l" rtl="0">
-              <a:spcBef>
-                <a:spcPts val="0"/>
-              </a:spcBef>
-              <a:spcAft>
-                <a:spcPts val="0"/>
-              </a:spcAft>
-              <a:buNone/>
-            </a:pPr>
-            <a:r>
-              <a:rPr lang="hu"/>
-              <a:t>Számok kitalálása fordítva</a:t>
-            </a:r>
-            <a:endParaRPr/>
-          </a:p>
-        </p:txBody>
-      </p:sp>
-      <p:sp>
-        <p:nvSpPr>
-          <p:cNvPr id="161" name="Google Shape;161;p28"/>
-          <p:cNvSpPr txBox="1"/>
-          <p:nvPr/>
-        </p:nvSpPr>
-        <p:spPr>
-          <a:xfrm>
-            <a:off x="401475" y="1265950"/>
-            <a:ext cx="2350200" cy="2697300"/>
-          </a:xfrm>
-          <a:prstGeom prst="rect">
-            <a:avLst/>
-          </a:prstGeom>
-          <a:noFill/>
-          <a:ln>
-            <a:noFill/>
-          </a:ln>
-        </p:spPr>
-        <p:txBody>
-          <a:bodyPr spcFirstLastPara="1" wrap="square" lIns="91425" tIns="91425" rIns="91425" bIns="91425" anchor="t" anchorCtr="0">
-            <a:noAutofit/>
-          </a:bodyPr>
-          <a:lstStyle/>
-          <a:p>
-            <a:pPr marL="0" lvl="0" indent="0" algn="l" rtl="0">
-              <a:spcBef>
-                <a:spcPts val="0"/>
-              </a:spcBef>
-              <a:spcAft>
-                <a:spcPts val="0"/>
-              </a:spcAft>
-              <a:buNone/>
-            </a:pPr>
-            <a:r>
-              <a:rPr lang="hu" sz="1600">
-                <a:solidFill>
-                  <a:srgbClr val="404040"/>
-                </a:solidFill>
-                <a:latin typeface="Roboto"/>
-                <a:ea typeface="Roboto"/>
-                <a:cs typeface="Roboto"/>
-                <a:sym typeface="Roboto"/>
-              </a:rPr>
-              <a:t>Ebben a játékban a gép próbálja kitalálni a játékos által gondolt számot.</a:t>
-            </a:r>
-            <a:endParaRPr sz="2600">
-              <a:solidFill>
-                <a:schemeClr val="dk2"/>
-              </a:solidFill>
-            </a:endParaRPr>
-          </a:p>
-        </p:txBody>
-      </p:sp>
-      <p:pic>
-        <p:nvPicPr>
-          <p:cNvPr id="162" name="Google Shape;162;p28"/>
-          <p:cNvPicPr preferRelativeResize="0"/>
-          <p:nvPr/>
-        </p:nvPicPr>
-        <p:blipFill>
-          <a:blip r:embed="rId3">
-            <a:alphaModFix/>
-          </a:blip>
-          <a:stretch>
-            <a:fillRect/>
-          </a:stretch>
-        </p:blipFill>
-        <p:spPr>
-          <a:xfrm>
-            <a:off x="2751675" y="911975"/>
-            <a:ext cx="6087524" cy="3807703"/>
-          </a:xfrm>
-          <a:prstGeom prst="rect">
-            <a:avLst/>
-          </a:prstGeom>
-          <a:noFill/>
-          <a:ln>
-            <a:noFill/>
-          </a:ln>
-        </p:spPr>
-      </p:pic>
-    </p:spTree>
+    <p:extLst>
+      <p:ext uri="{BB962C8B-B14F-4D97-AF65-F5344CB8AC3E}">
+        <p14:creationId xmlns:p14="http://schemas.microsoft.com/office/powerpoint/2010/main" val="2141321924"/>
+      </p:ext>
+    </p:extLst>
   </p:cSld>
   <p:clrMapOvr>
     <a:masterClrMapping/>
@@ -12602,6 +12359,4063 @@
 </file>
 
 <file path=ppt/slides/slide30.xml><?xml version="1.0" encoding="utf-8"?>
+<p:sld xmlns:a="http://schemas.openxmlformats.org/drawingml/2006/main" xmlns:r="http://schemas.openxmlformats.org/officeDocument/2006/relationships" xmlns:p="http://schemas.openxmlformats.org/presentationml/2006/main">
+  <p:cSld>
+    <p:spTree>
+      <p:nvGrpSpPr>
+        <p:cNvPr id="1" name=""/>
+        <p:cNvGrpSpPr/>
+        <p:nvPr/>
+      </p:nvGrpSpPr>
+      <p:grpSpPr>
+        <a:xfrm>
+          <a:off x="0" y="0"/>
+          <a:ext cx="0" cy="0"/>
+          <a:chOff x="0" y="0"/>
+          <a:chExt cx="0" cy="0"/>
+        </a:xfrm>
+      </p:grpSpPr>
+      <p:sp>
+        <p:nvSpPr>
+          <p:cNvPr id="2" name="Cím 1">
+            <a:extLst>
+              <a:ext uri="{FF2B5EF4-FFF2-40B4-BE49-F238E27FC236}">
+                <a16:creationId xmlns:a16="http://schemas.microsoft.com/office/drawing/2014/main" id="{33E57B71-FF8E-493C-27EB-5B7973F62211}"/>
+              </a:ext>
+            </a:extLst>
+          </p:cNvPr>
+          <p:cNvSpPr>
+            <a:spLocks noGrp="1"/>
+          </p:cNvSpPr>
+          <p:nvPr>
+            <p:ph type="title"/>
+          </p:nvPr>
+        </p:nvSpPr>
+        <p:spPr/>
+        <p:txBody>
+          <a:bodyPr>
+            <a:normAutofit fontScale="90000"/>
+          </a:bodyPr>
+          <a:lstStyle/>
+          <a:p>
+            <a:r>
+              <a:rPr lang="hu-HU" dirty="0"/>
+              <a:t>Mi a függvény?</a:t>
+            </a:r>
+            <a:endParaRPr lang="en-US" dirty="0"/>
+          </a:p>
+        </p:txBody>
+      </p:sp>
+      <p:sp>
+        <p:nvSpPr>
+          <p:cNvPr id="3" name="Szöveg helye 2">
+            <a:extLst>
+              <a:ext uri="{FF2B5EF4-FFF2-40B4-BE49-F238E27FC236}">
+                <a16:creationId xmlns:a16="http://schemas.microsoft.com/office/drawing/2014/main" id="{092A20C7-30FC-EF9B-67D2-82BEB2D0DEA7}"/>
+              </a:ext>
+            </a:extLst>
+          </p:cNvPr>
+          <p:cNvSpPr>
+            <a:spLocks noGrp="1"/>
+          </p:cNvSpPr>
+          <p:nvPr>
+            <p:ph type="body" idx="1"/>
+          </p:nvPr>
+        </p:nvSpPr>
+        <p:spPr/>
+        <p:txBody>
+          <a:bodyPr>
+            <a:normAutofit fontScale="77500" lnSpcReduction="20000"/>
+          </a:bodyPr>
+          <a:lstStyle/>
+          <a:p>
+            <a:r>
+              <a:rPr lang="en-US" sz="2400" b="0" i="0" dirty="0" err="1">
+                <a:solidFill>
+                  <a:srgbClr val="404040"/>
+                </a:solidFill>
+                <a:effectLst/>
+                <a:latin typeface="DeepSeek-CJK-patch"/>
+              </a:rPr>
+              <a:t>Egy</a:t>
+            </a:r>
+            <a:r>
+              <a:rPr lang="en-US" sz="2400" b="0" i="0" dirty="0">
+                <a:solidFill>
+                  <a:srgbClr val="404040"/>
+                </a:solidFill>
+                <a:effectLst/>
+                <a:latin typeface="DeepSeek-CJK-patch"/>
+              </a:rPr>
+              <a:t> </a:t>
+            </a:r>
+            <a:r>
+              <a:rPr lang="en-US" sz="2400" b="1" i="0" dirty="0" err="1">
+                <a:solidFill>
+                  <a:srgbClr val="404040"/>
+                </a:solidFill>
+                <a:effectLst/>
+                <a:latin typeface="DeepSeek-CJK-patch"/>
+              </a:rPr>
+              <a:t>függvény</a:t>
+            </a:r>
+            <a:r>
+              <a:rPr lang="en-US" sz="2400" b="0" i="0" dirty="0">
+                <a:solidFill>
+                  <a:srgbClr val="404040"/>
+                </a:solidFill>
+                <a:effectLst/>
+                <a:latin typeface="DeepSeek-CJK-patch"/>
+              </a:rPr>
+              <a:t> </a:t>
+            </a:r>
+            <a:r>
+              <a:rPr lang="en-US" sz="2400" b="0" i="0" dirty="0" err="1">
+                <a:solidFill>
+                  <a:srgbClr val="404040"/>
+                </a:solidFill>
+                <a:effectLst/>
+                <a:latin typeface="DeepSeek-CJK-patch"/>
+              </a:rPr>
+              <a:t>egy</a:t>
+            </a:r>
+            <a:r>
+              <a:rPr lang="en-US" sz="2400" b="0" i="0" dirty="0">
+                <a:solidFill>
+                  <a:srgbClr val="404040"/>
+                </a:solidFill>
+                <a:effectLst/>
+                <a:latin typeface="DeepSeek-CJK-patch"/>
+              </a:rPr>
+              <a:t> </a:t>
+            </a:r>
+            <a:r>
+              <a:rPr lang="en-US" sz="2400" b="0" i="0" dirty="0" err="1">
+                <a:solidFill>
+                  <a:srgbClr val="404040"/>
+                </a:solidFill>
+                <a:effectLst/>
+                <a:latin typeface="DeepSeek-CJK-patch"/>
+              </a:rPr>
+              <a:t>önálló</a:t>
+            </a:r>
+            <a:r>
+              <a:rPr lang="en-US" sz="2400" b="0" i="0" dirty="0">
+                <a:solidFill>
+                  <a:srgbClr val="404040"/>
+                </a:solidFill>
+                <a:effectLst/>
+                <a:latin typeface="DeepSeek-CJK-patch"/>
+              </a:rPr>
+              <a:t>, </a:t>
+            </a:r>
+            <a:r>
+              <a:rPr lang="en-US" sz="2400" b="0" i="0" dirty="0" err="1">
+                <a:solidFill>
+                  <a:srgbClr val="404040"/>
+                </a:solidFill>
+                <a:effectLst/>
+                <a:latin typeface="DeepSeek-CJK-patch"/>
+              </a:rPr>
+              <a:t>újrafelhasználható</a:t>
+            </a:r>
+            <a:r>
+              <a:rPr lang="en-US" sz="2400" b="0" i="0" dirty="0">
+                <a:solidFill>
+                  <a:srgbClr val="404040"/>
+                </a:solidFill>
+                <a:effectLst/>
+                <a:latin typeface="DeepSeek-CJK-patch"/>
+              </a:rPr>
+              <a:t> </a:t>
+            </a:r>
+            <a:r>
+              <a:rPr lang="en-US" sz="2400" b="0" i="0" dirty="0" err="1">
+                <a:solidFill>
+                  <a:srgbClr val="404040"/>
+                </a:solidFill>
+                <a:effectLst/>
+                <a:latin typeface="DeepSeek-CJK-patch"/>
+              </a:rPr>
+              <a:t>kódrészlet</a:t>
+            </a:r>
+            <a:r>
+              <a:rPr lang="en-US" sz="2400" b="0" i="0" dirty="0">
+                <a:solidFill>
+                  <a:srgbClr val="404040"/>
+                </a:solidFill>
+                <a:effectLst/>
+                <a:latin typeface="DeepSeek-CJK-patch"/>
+              </a:rPr>
+              <a:t>, </a:t>
+            </a:r>
+            <a:r>
+              <a:rPr lang="en-US" sz="2400" b="0" i="0" dirty="0" err="1">
+                <a:solidFill>
+                  <a:srgbClr val="404040"/>
+                </a:solidFill>
+                <a:effectLst/>
+                <a:latin typeface="DeepSeek-CJK-patch"/>
+              </a:rPr>
+              <a:t>amely</a:t>
+            </a:r>
+            <a:r>
+              <a:rPr lang="en-US" sz="2400" b="0" i="0" dirty="0">
+                <a:solidFill>
+                  <a:srgbClr val="404040"/>
+                </a:solidFill>
+                <a:effectLst/>
+                <a:latin typeface="DeepSeek-CJK-patch"/>
+              </a:rPr>
+              <a:t>:</a:t>
+            </a:r>
+            <a:endParaRPr lang="hu-HU" sz="2400" b="0" i="0" dirty="0">
+              <a:solidFill>
+                <a:srgbClr val="404040"/>
+              </a:solidFill>
+              <a:effectLst/>
+              <a:latin typeface="DeepSeek-CJK-patch"/>
+            </a:endParaRPr>
+          </a:p>
+          <a:p>
+            <a:pPr lvl="1">
+              <a:lnSpc>
+                <a:spcPts val="2143"/>
+              </a:lnSpc>
+              <a:spcBef>
+                <a:spcPts val="1029"/>
+              </a:spcBef>
+              <a:spcAft>
+                <a:spcPts val="1029"/>
+              </a:spcAft>
+              <a:buFont typeface="Arial" panose="020B0604020202020204" pitchFamily="34" charset="0"/>
+              <a:buChar char="•"/>
+            </a:pPr>
+            <a:r>
+              <a:rPr lang="en-US" sz="2400" b="0" i="0" dirty="0" err="1">
+                <a:solidFill>
+                  <a:srgbClr val="404040"/>
+                </a:solidFill>
+                <a:effectLst/>
+                <a:latin typeface="DeepSeek-CJK-patch"/>
+              </a:rPr>
+              <a:t>Egy</a:t>
+            </a:r>
+            <a:r>
+              <a:rPr lang="en-US" sz="2400" b="0" i="0" dirty="0">
+                <a:solidFill>
+                  <a:srgbClr val="404040"/>
+                </a:solidFill>
+                <a:effectLst/>
+                <a:latin typeface="DeepSeek-CJK-patch"/>
+              </a:rPr>
+              <a:t> </a:t>
+            </a:r>
+            <a:r>
+              <a:rPr lang="en-US" sz="2400" b="0" i="0" dirty="0" err="1">
+                <a:solidFill>
+                  <a:srgbClr val="404040"/>
+                </a:solidFill>
+                <a:effectLst/>
+                <a:latin typeface="DeepSeek-CJK-patch"/>
+              </a:rPr>
+              <a:t>meghatározott</a:t>
+            </a:r>
+            <a:r>
+              <a:rPr lang="en-US" sz="2400" b="0" i="0" dirty="0">
+                <a:solidFill>
+                  <a:srgbClr val="404040"/>
+                </a:solidFill>
+                <a:effectLst/>
+                <a:latin typeface="DeepSeek-CJK-patch"/>
+              </a:rPr>
+              <a:t> </a:t>
+            </a:r>
+            <a:r>
+              <a:rPr lang="en-US" sz="2400" b="0" i="0" dirty="0" err="1">
+                <a:solidFill>
+                  <a:srgbClr val="404040"/>
+                </a:solidFill>
+                <a:effectLst/>
+                <a:latin typeface="DeepSeek-CJK-patch"/>
+              </a:rPr>
+              <a:t>feladatot</a:t>
+            </a:r>
+            <a:r>
+              <a:rPr lang="en-US" sz="2400" b="0" i="0" dirty="0">
+                <a:solidFill>
+                  <a:srgbClr val="404040"/>
+                </a:solidFill>
+                <a:effectLst/>
+                <a:latin typeface="DeepSeek-CJK-patch"/>
+              </a:rPr>
+              <a:t> </a:t>
+            </a:r>
+            <a:r>
+              <a:rPr lang="en-US" sz="2400" b="0" i="0" dirty="0" err="1">
+                <a:solidFill>
+                  <a:srgbClr val="404040"/>
+                </a:solidFill>
+                <a:effectLst/>
+                <a:latin typeface="DeepSeek-CJK-patch"/>
+              </a:rPr>
+              <a:t>lát</a:t>
+            </a:r>
+            <a:r>
+              <a:rPr lang="en-US" sz="2400" b="0" i="0" dirty="0">
+                <a:solidFill>
+                  <a:srgbClr val="404040"/>
+                </a:solidFill>
+                <a:effectLst/>
+                <a:latin typeface="DeepSeek-CJK-patch"/>
+              </a:rPr>
+              <a:t> </a:t>
+            </a:r>
+            <a:r>
+              <a:rPr lang="en-US" sz="2400" b="0" i="0" dirty="0" err="1">
+                <a:solidFill>
+                  <a:srgbClr val="404040"/>
+                </a:solidFill>
+                <a:effectLst/>
+                <a:latin typeface="DeepSeek-CJK-patch"/>
+              </a:rPr>
+              <a:t>el</a:t>
+            </a:r>
+            <a:endParaRPr lang="en-US" sz="2400" b="0" i="0" dirty="0">
+              <a:solidFill>
+                <a:srgbClr val="404040"/>
+              </a:solidFill>
+              <a:effectLst/>
+              <a:latin typeface="DeepSeek-CJK-patch"/>
+            </a:endParaRPr>
+          </a:p>
+          <a:p>
+            <a:pPr lvl="1">
+              <a:lnSpc>
+                <a:spcPts val="2143"/>
+              </a:lnSpc>
+              <a:spcBef>
+                <a:spcPts val="300"/>
+              </a:spcBef>
+              <a:spcAft>
+                <a:spcPts val="1029"/>
+              </a:spcAft>
+              <a:buFont typeface="Arial" panose="020B0604020202020204" pitchFamily="34" charset="0"/>
+              <a:buChar char="•"/>
+            </a:pPr>
+            <a:r>
+              <a:rPr lang="en-US" sz="2400" b="0" i="0" dirty="0" err="1">
+                <a:solidFill>
+                  <a:srgbClr val="404040"/>
+                </a:solidFill>
+                <a:effectLst/>
+                <a:latin typeface="DeepSeek-CJK-patch"/>
+              </a:rPr>
+              <a:t>Bemeneti</a:t>
+            </a:r>
+            <a:r>
+              <a:rPr lang="en-US" sz="2400" b="0" i="0" dirty="0">
+                <a:solidFill>
+                  <a:srgbClr val="404040"/>
+                </a:solidFill>
+                <a:effectLst/>
+                <a:latin typeface="DeepSeek-CJK-patch"/>
+              </a:rPr>
+              <a:t> </a:t>
+            </a:r>
+            <a:r>
+              <a:rPr lang="en-US" sz="2400" b="0" i="0" dirty="0" err="1">
+                <a:solidFill>
+                  <a:srgbClr val="404040"/>
+                </a:solidFill>
+                <a:effectLst/>
+                <a:latin typeface="DeepSeek-CJK-patch"/>
+              </a:rPr>
+              <a:t>paramétereket</a:t>
+            </a:r>
+            <a:r>
+              <a:rPr lang="en-US" sz="2400" b="0" i="0" dirty="0">
+                <a:solidFill>
+                  <a:srgbClr val="404040"/>
+                </a:solidFill>
+                <a:effectLst/>
+                <a:latin typeface="DeepSeek-CJK-patch"/>
+              </a:rPr>
+              <a:t> </a:t>
+            </a:r>
+            <a:r>
+              <a:rPr lang="en-US" sz="2400" b="0" i="0" dirty="0" err="1">
+                <a:solidFill>
+                  <a:srgbClr val="404040"/>
+                </a:solidFill>
+                <a:effectLst/>
+                <a:latin typeface="DeepSeek-CJK-patch"/>
+              </a:rPr>
+              <a:t>fogad</a:t>
+            </a:r>
+            <a:r>
+              <a:rPr lang="en-US" sz="2400" b="0" i="0" dirty="0">
+                <a:solidFill>
+                  <a:srgbClr val="404040"/>
+                </a:solidFill>
+                <a:effectLst/>
+                <a:latin typeface="DeepSeek-CJK-patch"/>
+              </a:rPr>
+              <a:t> (</a:t>
+            </a:r>
+            <a:r>
+              <a:rPr lang="en-US" sz="2400" b="0" i="0" dirty="0" err="1">
+                <a:solidFill>
+                  <a:srgbClr val="404040"/>
+                </a:solidFill>
+                <a:effectLst/>
+                <a:latin typeface="DeepSeek-CJK-patch"/>
+              </a:rPr>
+              <a:t>opcionális</a:t>
+            </a:r>
+            <a:r>
+              <a:rPr lang="en-US" sz="2400" b="0" i="0" dirty="0">
+                <a:solidFill>
+                  <a:srgbClr val="404040"/>
+                </a:solidFill>
+                <a:effectLst/>
+                <a:latin typeface="DeepSeek-CJK-patch"/>
+              </a:rPr>
+              <a:t>)</a:t>
+            </a:r>
+          </a:p>
+          <a:p>
+            <a:pPr lvl="1">
+              <a:lnSpc>
+                <a:spcPts val="2143"/>
+              </a:lnSpc>
+              <a:spcBef>
+                <a:spcPts val="300"/>
+              </a:spcBef>
+              <a:spcAft>
+                <a:spcPts val="1029"/>
+              </a:spcAft>
+              <a:buFont typeface="Arial" panose="020B0604020202020204" pitchFamily="34" charset="0"/>
+              <a:buChar char="•"/>
+            </a:pPr>
+            <a:r>
+              <a:rPr lang="en-US" sz="2400" b="0" i="0" dirty="0" err="1">
+                <a:solidFill>
+                  <a:srgbClr val="404040"/>
+                </a:solidFill>
+                <a:effectLst/>
+                <a:latin typeface="DeepSeek-CJK-patch"/>
+              </a:rPr>
+              <a:t>Visszatérési</a:t>
+            </a:r>
+            <a:r>
+              <a:rPr lang="en-US" sz="2400" b="0" i="0" dirty="0">
+                <a:solidFill>
+                  <a:srgbClr val="404040"/>
+                </a:solidFill>
+                <a:effectLst/>
+                <a:latin typeface="DeepSeek-CJK-patch"/>
+              </a:rPr>
+              <a:t> </a:t>
+            </a:r>
+            <a:r>
+              <a:rPr lang="en-US" sz="2400" b="0" i="0" dirty="0" err="1">
+                <a:solidFill>
+                  <a:srgbClr val="404040"/>
+                </a:solidFill>
+                <a:effectLst/>
+                <a:latin typeface="DeepSeek-CJK-patch"/>
+              </a:rPr>
+              <a:t>értéket</a:t>
+            </a:r>
+            <a:r>
+              <a:rPr lang="en-US" sz="2400" b="0" i="0" dirty="0">
+                <a:solidFill>
+                  <a:srgbClr val="404040"/>
+                </a:solidFill>
+                <a:effectLst/>
+                <a:latin typeface="DeepSeek-CJK-patch"/>
+              </a:rPr>
+              <a:t> ad </a:t>
+            </a:r>
+            <a:r>
+              <a:rPr lang="en-US" sz="2400" b="0" i="0" dirty="0" err="1">
+                <a:solidFill>
+                  <a:srgbClr val="404040"/>
+                </a:solidFill>
+                <a:effectLst/>
+                <a:latin typeface="DeepSeek-CJK-patch"/>
+              </a:rPr>
+              <a:t>vissza</a:t>
+            </a:r>
+            <a:r>
+              <a:rPr lang="en-US" sz="2400" b="0" i="0" dirty="0">
+                <a:solidFill>
+                  <a:srgbClr val="404040"/>
+                </a:solidFill>
+                <a:effectLst/>
+                <a:latin typeface="DeepSeek-CJK-patch"/>
+              </a:rPr>
+              <a:t> (</a:t>
+            </a:r>
+            <a:r>
+              <a:rPr lang="en-US" sz="2400" b="0" i="0" dirty="0" err="1">
+                <a:solidFill>
+                  <a:srgbClr val="404040"/>
+                </a:solidFill>
+                <a:effectLst/>
+                <a:latin typeface="DeepSeek-CJK-patch"/>
+              </a:rPr>
+              <a:t>opcionális</a:t>
+            </a:r>
+            <a:r>
+              <a:rPr lang="en-US" sz="2400" b="0" i="0" dirty="0">
+                <a:solidFill>
+                  <a:srgbClr val="404040"/>
+                </a:solidFill>
+                <a:effectLst/>
+                <a:latin typeface="DeepSeek-CJK-patch"/>
+              </a:rPr>
+              <a:t>)</a:t>
+            </a:r>
+          </a:p>
+          <a:p>
+            <a:pPr lvl="1">
+              <a:lnSpc>
+                <a:spcPts val="2143"/>
+              </a:lnSpc>
+              <a:spcBef>
+                <a:spcPts val="300"/>
+              </a:spcBef>
+              <a:spcAft>
+                <a:spcPts val="1029"/>
+              </a:spcAft>
+              <a:buFont typeface="Arial" panose="020B0604020202020204" pitchFamily="34" charset="0"/>
+              <a:buChar char="•"/>
+            </a:pPr>
+            <a:r>
+              <a:rPr lang="en-US" sz="2400" b="0" i="0" dirty="0" err="1">
+                <a:solidFill>
+                  <a:srgbClr val="404040"/>
+                </a:solidFill>
+                <a:effectLst/>
+                <a:latin typeface="DeepSeek-CJK-patch"/>
+              </a:rPr>
+              <a:t>Elnevezett</a:t>
+            </a:r>
+            <a:r>
+              <a:rPr lang="en-US" sz="2400" b="0" i="0" dirty="0">
+                <a:solidFill>
+                  <a:srgbClr val="404040"/>
+                </a:solidFill>
+                <a:effectLst/>
+                <a:latin typeface="DeepSeek-CJK-patch"/>
+              </a:rPr>
+              <a:t> </a:t>
+            </a:r>
+            <a:r>
+              <a:rPr lang="en-US" sz="2400" b="0" i="0" dirty="0" err="1">
+                <a:solidFill>
+                  <a:srgbClr val="404040"/>
+                </a:solidFill>
+                <a:effectLst/>
+                <a:latin typeface="DeepSeek-CJK-patch"/>
+              </a:rPr>
+              <a:t>programozási</a:t>
+            </a:r>
+            <a:r>
+              <a:rPr lang="en-US" sz="2400" b="0" i="0" dirty="0">
+                <a:solidFill>
+                  <a:srgbClr val="404040"/>
+                </a:solidFill>
+                <a:effectLst/>
+                <a:latin typeface="DeepSeek-CJK-patch"/>
+              </a:rPr>
+              <a:t> </a:t>
+            </a:r>
+            <a:r>
+              <a:rPr lang="en-US" sz="2400" b="0" i="0" dirty="0" err="1">
+                <a:solidFill>
+                  <a:srgbClr val="404040"/>
+                </a:solidFill>
+                <a:effectLst/>
+                <a:latin typeface="DeepSeek-CJK-patch"/>
+              </a:rPr>
+              <a:t>egység</a:t>
+            </a:r>
+            <a:endParaRPr lang="hu-HU" sz="2400" b="0" i="0" dirty="0">
+              <a:solidFill>
+                <a:srgbClr val="404040"/>
+              </a:solidFill>
+              <a:effectLst/>
+              <a:latin typeface="DeepSeek-CJK-patch"/>
+            </a:endParaRPr>
+          </a:p>
+          <a:p>
+            <a:pPr>
+              <a:lnSpc>
+                <a:spcPts val="2143"/>
+              </a:lnSpc>
+              <a:spcBef>
+                <a:spcPts val="300"/>
+              </a:spcBef>
+              <a:spcAft>
+                <a:spcPts val="1029"/>
+              </a:spcAft>
+              <a:buFont typeface="Arial" panose="020B0604020202020204" pitchFamily="34" charset="0"/>
+              <a:buChar char="•"/>
+            </a:pPr>
+            <a:r>
+              <a:rPr lang="en-US" sz="2400" dirty="0">
+                <a:solidFill>
+                  <a:srgbClr val="404040"/>
+                </a:solidFill>
+                <a:latin typeface="DeepSeek-CJK-patch"/>
+              </a:rPr>
+              <a:t>Mint </a:t>
+            </a:r>
+            <a:r>
+              <a:rPr lang="en-US" sz="2400" dirty="0" err="1">
+                <a:solidFill>
+                  <a:srgbClr val="404040"/>
+                </a:solidFill>
+                <a:latin typeface="DeepSeek-CJK-patch"/>
+              </a:rPr>
+              <a:t>egy</a:t>
+            </a:r>
+            <a:r>
+              <a:rPr lang="en-US" sz="2400" dirty="0">
+                <a:solidFill>
+                  <a:srgbClr val="404040"/>
+                </a:solidFill>
+                <a:latin typeface="DeepSeek-CJK-patch"/>
+              </a:rPr>
+              <a:t> </a:t>
+            </a:r>
+            <a:r>
+              <a:rPr lang="en-US" sz="2400" dirty="0" err="1">
+                <a:solidFill>
+                  <a:srgbClr val="404040"/>
+                </a:solidFill>
+                <a:latin typeface="DeepSeek-CJK-patch"/>
+              </a:rPr>
+              <a:t>kis</a:t>
+            </a:r>
+            <a:r>
+              <a:rPr lang="en-US" sz="2400" dirty="0">
+                <a:solidFill>
+                  <a:srgbClr val="404040"/>
+                </a:solidFill>
+                <a:latin typeface="DeepSeek-CJK-patch"/>
+              </a:rPr>
+              <a:t> </a:t>
+            </a:r>
+            <a:r>
+              <a:rPr lang="en-US" sz="2400" b="1" dirty="0" err="1">
+                <a:solidFill>
+                  <a:srgbClr val="404040"/>
+                </a:solidFill>
+                <a:latin typeface="DeepSeek-CJK-patch"/>
+              </a:rPr>
+              <a:t>fekete</a:t>
+            </a:r>
+            <a:r>
+              <a:rPr lang="en-US" sz="2400" b="1" dirty="0">
+                <a:solidFill>
+                  <a:srgbClr val="404040"/>
+                </a:solidFill>
+                <a:latin typeface="DeepSeek-CJK-patch"/>
+              </a:rPr>
+              <a:t> </a:t>
+            </a:r>
+            <a:r>
+              <a:rPr lang="en-US" sz="2400" b="1" dirty="0" err="1">
+                <a:solidFill>
+                  <a:srgbClr val="404040"/>
+                </a:solidFill>
+                <a:latin typeface="DeepSeek-CJK-patch"/>
+              </a:rPr>
+              <a:t>doboz</a:t>
+            </a:r>
+            <a:r>
+              <a:rPr lang="en-US" sz="2400" dirty="0">
+                <a:solidFill>
+                  <a:srgbClr val="404040"/>
+                </a:solidFill>
+                <a:latin typeface="DeepSeek-CJK-patch"/>
+              </a:rPr>
+              <a:t>, </a:t>
+            </a:r>
+            <a:r>
+              <a:rPr lang="en-US" sz="2400" dirty="0" err="1">
+                <a:solidFill>
+                  <a:srgbClr val="404040"/>
+                </a:solidFill>
+                <a:latin typeface="DeepSeek-CJK-patch"/>
+              </a:rPr>
+              <a:t>ami</a:t>
+            </a:r>
+            <a:r>
+              <a:rPr lang="en-US" sz="2400" dirty="0">
+                <a:solidFill>
+                  <a:srgbClr val="404040"/>
+                </a:solidFill>
+                <a:latin typeface="DeepSeek-CJK-patch"/>
+              </a:rPr>
+              <a:t> </a:t>
+            </a:r>
+            <a:r>
+              <a:rPr lang="en-US" sz="2400" dirty="0" err="1">
+                <a:solidFill>
+                  <a:srgbClr val="404040"/>
+                </a:solidFill>
+                <a:latin typeface="DeepSeek-CJK-patch"/>
+              </a:rPr>
+              <a:t>bemenetből</a:t>
+            </a:r>
+            <a:r>
+              <a:rPr lang="en-US" sz="2400" dirty="0">
+                <a:solidFill>
+                  <a:srgbClr val="404040"/>
+                </a:solidFill>
+                <a:latin typeface="DeepSeek-CJK-patch"/>
+              </a:rPr>
+              <a:t> </a:t>
+            </a:r>
+            <a:r>
+              <a:rPr lang="en-US" sz="2400" dirty="0" err="1">
+                <a:solidFill>
+                  <a:srgbClr val="404040"/>
+                </a:solidFill>
+                <a:latin typeface="DeepSeek-CJK-patch"/>
+              </a:rPr>
+              <a:t>kimenetet</a:t>
+            </a:r>
+            <a:r>
+              <a:rPr lang="en-US" sz="2400" dirty="0">
+                <a:solidFill>
+                  <a:srgbClr val="404040"/>
+                </a:solidFill>
+                <a:latin typeface="DeepSeek-CJK-patch"/>
+              </a:rPr>
+              <a:t> </a:t>
+            </a:r>
+            <a:r>
+              <a:rPr lang="en-US" sz="2400" dirty="0" err="1">
+                <a:solidFill>
+                  <a:srgbClr val="404040"/>
+                </a:solidFill>
+                <a:latin typeface="DeepSeek-CJK-patch"/>
+              </a:rPr>
+              <a:t>állít</a:t>
+            </a:r>
+            <a:r>
+              <a:rPr lang="en-US" sz="2400" dirty="0">
+                <a:solidFill>
+                  <a:srgbClr val="404040"/>
+                </a:solidFill>
+                <a:latin typeface="DeepSeek-CJK-patch"/>
+              </a:rPr>
+              <a:t> </a:t>
+            </a:r>
+            <a:r>
+              <a:rPr lang="en-US" sz="2400" dirty="0" err="1">
+                <a:solidFill>
+                  <a:srgbClr val="404040"/>
+                </a:solidFill>
+                <a:latin typeface="DeepSeek-CJK-patch"/>
+              </a:rPr>
+              <a:t>elő</a:t>
+            </a:r>
+            <a:r>
+              <a:rPr lang="hu-HU" sz="2400" dirty="0">
+                <a:solidFill>
+                  <a:srgbClr val="404040"/>
+                </a:solidFill>
+                <a:latin typeface="DeepSeek-CJK-patch"/>
+              </a:rPr>
+              <a:t>.</a:t>
+            </a:r>
+          </a:p>
+          <a:p>
+            <a:pPr>
+              <a:lnSpc>
+                <a:spcPts val="2143"/>
+              </a:lnSpc>
+              <a:spcBef>
+                <a:spcPts val="300"/>
+              </a:spcBef>
+              <a:spcAft>
+                <a:spcPts val="1029"/>
+              </a:spcAft>
+              <a:buFont typeface="Arial" panose="020B0604020202020204" pitchFamily="34" charset="0"/>
+              <a:buChar char="•"/>
+            </a:pPr>
+            <a:r>
+              <a:rPr lang="hu-HU" sz="2400" dirty="0">
+                <a:solidFill>
+                  <a:srgbClr val="404040"/>
+                </a:solidFill>
+                <a:latin typeface="DeepSeek-CJK-patch"/>
+              </a:rPr>
+              <a:t>Más programozás nyelvekben szokták hívni őket funkciónak, metódusnak, eljárásnak.</a:t>
+            </a:r>
+            <a:endParaRPr lang="en-US" sz="2400" dirty="0">
+              <a:solidFill>
+                <a:srgbClr val="404040"/>
+              </a:solidFill>
+              <a:latin typeface="DeepSeek-CJK-patch"/>
+            </a:endParaRPr>
+          </a:p>
+          <a:p>
+            <a:endParaRPr lang="en-US" sz="2400" dirty="0"/>
+          </a:p>
+        </p:txBody>
+      </p:sp>
+    </p:spTree>
+    <p:extLst>
+      <p:ext uri="{BB962C8B-B14F-4D97-AF65-F5344CB8AC3E}">
+        <p14:creationId xmlns:p14="http://schemas.microsoft.com/office/powerpoint/2010/main" val="148222907"/>
+      </p:ext>
+    </p:extLst>
+  </p:cSld>
+  <p:clrMapOvr>
+    <a:masterClrMapping/>
+  </p:clrMapOvr>
+</p:sld>
+</file>
+
+<file path=ppt/slides/slide31.xml><?xml version="1.0" encoding="utf-8"?>
+<p:sld xmlns:a="http://schemas.openxmlformats.org/drawingml/2006/main" xmlns:r="http://schemas.openxmlformats.org/officeDocument/2006/relationships" xmlns:p="http://schemas.openxmlformats.org/presentationml/2006/main">
+  <p:cSld>
+    <p:spTree>
+      <p:nvGrpSpPr>
+        <p:cNvPr id="1" name=""/>
+        <p:cNvGrpSpPr/>
+        <p:nvPr/>
+      </p:nvGrpSpPr>
+      <p:grpSpPr>
+        <a:xfrm>
+          <a:off x="0" y="0"/>
+          <a:ext cx="0" cy="0"/>
+          <a:chOff x="0" y="0"/>
+          <a:chExt cx="0" cy="0"/>
+        </a:xfrm>
+      </p:grpSpPr>
+      <p:sp>
+        <p:nvSpPr>
+          <p:cNvPr id="2" name="Cím 1">
+            <a:extLst>
+              <a:ext uri="{FF2B5EF4-FFF2-40B4-BE49-F238E27FC236}">
+                <a16:creationId xmlns:a16="http://schemas.microsoft.com/office/drawing/2014/main" id="{23F02CDB-511B-E15B-DD10-13E672A300C7}"/>
+              </a:ext>
+            </a:extLst>
+          </p:cNvPr>
+          <p:cNvSpPr>
+            <a:spLocks noGrp="1"/>
+          </p:cNvSpPr>
+          <p:nvPr>
+            <p:ph type="title"/>
+          </p:nvPr>
+        </p:nvSpPr>
+        <p:spPr/>
+        <p:txBody>
+          <a:bodyPr>
+            <a:normAutofit fontScale="90000"/>
+          </a:bodyPr>
+          <a:lstStyle/>
+          <a:p>
+            <a:r>
+              <a:rPr lang="en-US" dirty="0" err="1"/>
+              <a:t>Függvények</a:t>
+            </a:r>
+            <a:r>
+              <a:rPr lang="en-US" dirty="0"/>
+              <a:t> </a:t>
+            </a:r>
+            <a:r>
+              <a:rPr lang="en-US" dirty="0" err="1"/>
+              <a:t>felépítése</a:t>
+            </a:r>
+            <a:r>
+              <a:rPr lang="en-US" dirty="0"/>
+              <a:t> </a:t>
+            </a:r>
+            <a:r>
+              <a:rPr lang="en-US" dirty="0" err="1"/>
+              <a:t>Pythonban</a:t>
+            </a:r>
+            <a:endParaRPr lang="en-US" dirty="0"/>
+          </a:p>
+        </p:txBody>
+      </p:sp>
+      <p:sp>
+        <p:nvSpPr>
+          <p:cNvPr id="3" name="Szöveg helye 2">
+            <a:extLst>
+              <a:ext uri="{FF2B5EF4-FFF2-40B4-BE49-F238E27FC236}">
+                <a16:creationId xmlns:a16="http://schemas.microsoft.com/office/drawing/2014/main" id="{B57B93BE-F17A-E14F-D8B9-934003275028}"/>
+              </a:ext>
+            </a:extLst>
+          </p:cNvPr>
+          <p:cNvSpPr>
+            <a:spLocks noGrp="1"/>
+          </p:cNvSpPr>
+          <p:nvPr>
+            <p:ph type="body" idx="1"/>
+          </p:nvPr>
+        </p:nvSpPr>
+        <p:spPr>
+          <a:xfrm>
+            <a:off x="311700" y="2667161"/>
+            <a:ext cx="8520600" cy="1901714"/>
+          </a:xfrm>
+        </p:spPr>
+        <p:txBody>
+          <a:bodyPr/>
+          <a:lstStyle/>
+          <a:p>
+            <a:r>
+              <a:rPr lang="hu-HU" dirty="0"/>
+              <a:t>Példa:</a:t>
+            </a:r>
+            <a:endParaRPr lang="en-US" dirty="0"/>
+          </a:p>
+        </p:txBody>
+      </p:sp>
+      <p:pic>
+        <p:nvPicPr>
+          <p:cNvPr id="5" name="Kép 4">
+            <a:extLst>
+              <a:ext uri="{FF2B5EF4-FFF2-40B4-BE49-F238E27FC236}">
+                <a16:creationId xmlns:a16="http://schemas.microsoft.com/office/drawing/2014/main" id="{0CC5A519-8E27-6A0C-5F5A-0D3393C0FCE2}"/>
+              </a:ext>
+            </a:extLst>
+          </p:cNvPr>
+          <p:cNvPicPr>
+            <a:picLocks noChangeAspect="1"/>
+          </p:cNvPicPr>
+          <p:nvPr/>
+        </p:nvPicPr>
+        <p:blipFill>
+          <a:blip r:embed="rId2"/>
+          <a:stretch>
+            <a:fillRect/>
+          </a:stretch>
+        </p:blipFill>
+        <p:spPr>
+          <a:xfrm>
+            <a:off x="1991124" y="1152475"/>
+            <a:ext cx="4029637" cy="1514686"/>
+          </a:xfrm>
+          <a:prstGeom prst="rect">
+            <a:avLst/>
+          </a:prstGeom>
+        </p:spPr>
+      </p:pic>
+      <p:pic>
+        <p:nvPicPr>
+          <p:cNvPr id="7" name="Kép 6">
+            <a:extLst>
+              <a:ext uri="{FF2B5EF4-FFF2-40B4-BE49-F238E27FC236}">
+                <a16:creationId xmlns:a16="http://schemas.microsoft.com/office/drawing/2014/main" id="{10F0F225-1D40-9D2C-90E4-82AEF40F8FD2}"/>
+              </a:ext>
+            </a:extLst>
+          </p:cNvPr>
+          <p:cNvPicPr>
+            <a:picLocks noChangeAspect="1"/>
+          </p:cNvPicPr>
+          <p:nvPr/>
+        </p:nvPicPr>
+        <p:blipFill>
+          <a:blip r:embed="rId3"/>
+          <a:stretch>
+            <a:fillRect/>
+          </a:stretch>
+        </p:blipFill>
+        <p:spPr>
+          <a:xfrm>
+            <a:off x="1902240" y="2802186"/>
+            <a:ext cx="5923604" cy="1766689"/>
+          </a:xfrm>
+          <a:prstGeom prst="rect">
+            <a:avLst/>
+          </a:prstGeom>
+        </p:spPr>
+      </p:pic>
+    </p:spTree>
+    <p:extLst>
+      <p:ext uri="{BB962C8B-B14F-4D97-AF65-F5344CB8AC3E}">
+        <p14:creationId xmlns:p14="http://schemas.microsoft.com/office/powerpoint/2010/main" val="1319350094"/>
+      </p:ext>
+    </p:extLst>
+  </p:cSld>
+  <p:clrMapOvr>
+    <a:masterClrMapping/>
+  </p:clrMapOvr>
+</p:sld>
+</file>
+
+<file path=ppt/slides/slide32.xml><?xml version="1.0" encoding="utf-8"?>
+<p:sld xmlns:a="http://schemas.openxmlformats.org/drawingml/2006/main" xmlns:r="http://schemas.openxmlformats.org/officeDocument/2006/relationships" xmlns:p="http://schemas.openxmlformats.org/presentationml/2006/main">
+  <p:cSld>
+    <p:spTree>
+      <p:nvGrpSpPr>
+        <p:cNvPr id="1" name=""/>
+        <p:cNvGrpSpPr/>
+        <p:nvPr/>
+      </p:nvGrpSpPr>
+      <p:grpSpPr>
+        <a:xfrm>
+          <a:off x="0" y="0"/>
+          <a:ext cx="0" cy="0"/>
+          <a:chOff x="0" y="0"/>
+          <a:chExt cx="0" cy="0"/>
+        </a:xfrm>
+      </p:grpSpPr>
+      <p:sp>
+        <p:nvSpPr>
+          <p:cNvPr id="2" name="Cím 1">
+            <a:extLst>
+              <a:ext uri="{FF2B5EF4-FFF2-40B4-BE49-F238E27FC236}">
+                <a16:creationId xmlns:a16="http://schemas.microsoft.com/office/drawing/2014/main" id="{D5380545-313C-DEC2-D51A-34C28FCAB2D4}"/>
+              </a:ext>
+            </a:extLst>
+          </p:cNvPr>
+          <p:cNvSpPr>
+            <a:spLocks noGrp="1"/>
+          </p:cNvSpPr>
+          <p:nvPr>
+            <p:ph type="title"/>
+          </p:nvPr>
+        </p:nvSpPr>
+        <p:spPr/>
+        <p:txBody>
+          <a:bodyPr>
+            <a:normAutofit fontScale="90000"/>
+          </a:bodyPr>
+          <a:lstStyle/>
+          <a:p>
+            <a:r>
+              <a:rPr lang="en-US" dirty="0" err="1"/>
+              <a:t>Függvények</a:t>
+            </a:r>
+            <a:r>
+              <a:rPr lang="en-US" dirty="0"/>
+              <a:t> </a:t>
+            </a:r>
+            <a:r>
+              <a:rPr lang="en-US" dirty="0" err="1"/>
+              <a:t>használata</a:t>
+            </a:r>
+            <a:r>
+              <a:rPr lang="en-US" dirty="0"/>
+              <a:t> - </a:t>
+            </a:r>
+            <a:r>
+              <a:rPr lang="en-US" dirty="0" err="1"/>
+              <a:t>Előnyök</a:t>
+            </a:r>
+            <a:endParaRPr lang="en-US" dirty="0"/>
+          </a:p>
+        </p:txBody>
+      </p:sp>
+      <p:sp>
+        <p:nvSpPr>
+          <p:cNvPr id="3" name="Szöveg helye 2">
+            <a:extLst>
+              <a:ext uri="{FF2B5EF4-FFF2-40B4-BE49-F238E27FC236}">
+                <a16:creationId xmlns:a16="http://schemas.microsoft.com/office/drawing/2014/main" id="{FBD9B8B3-A1FF-7EBC-1F08-B616AFB51D7E}"/>
+              </a:ext>
+            </a:extLst>
+          </p:cNvPr>
+          <p:cNvSpPr>
+            <a:spLocks noGrp="1"/>
+          </p:cNvSpPr>
+          <p:nvPr>
+            <p:ph type="body" idx="1"/>
+          </p:nvPr>
+        </p:nvSpPr>
+        <p:spPr/>
+        <p:txBody>
+          <a:bodyPr>
+            <a:normAutofit/>
+          </a:bodyPr>
+          <a:lstStyle/>
+          <a:p>
+            <a:r>
+              <a:rPr lang="hu-HU" sz="2400" b="1" dirty="0" err="1"/>
+              <a:t>Kódújrafelhasználás</a:t>
+            </a:r>
+            <a:r>
+              <a:rPr lang="hu-HU" sz="2400" dirty="0"/>
+              <a:t>: Egyszer írjuk meg, többször használjuk</a:t>
+            </a:r>
+          </a:p>
+          <a:p>
+            <a:r>
+              <a:rPr lang="hu-HU" sz="2400" b="1" dirty="0"/>
+              <a:t>Modularitás</a:t>
+            </a:r>
+            <a:r>
+              <a:rPr lang="hu-HU" sz="2400" dirty="0"/>
+              <a:t>: Nagy programokat kisebb részekre bontjuk</a:t>
+            </a:r>
+          </a:p>
+          <a:p>
+            <a:r>
+              <a:rPr lang="hu-HU" sz="2400" b="1" dirty="0"/>
+              <a:t>Olvashatóság</a:t>
+            </a:r>
+            <a:r>
+              <a:rPr lang="hu-HU" sz="2400" dirty="0"/>
+              <a:t>: Önmagát dokumentáló kód</a:t>
+            </a:r>
+          </a:p>
+          <a:p>
+            <a:r>
+              <a:rPr lang="hu-HU" sz="2400" b="1" dirty="0"/>
+              <a:t>Karbantarthatóság</a:t>
+            </a:r>
+            <a:r>
+              <a:rPr lang="hu-HU" sz="2400" dirty="0"/>
+              <a:t>: Hibajavítás egyszerűbb</a:t>
+            </a:r>
+          </a:p>
+          <a:p>
+            <a:r>
+              <a:rPr lang="hu-HU" sz="2400" b="1" dirty="0"/>
+              <a:t>Tesztelhetőség</a:t>
+            </a:r>
+            <a:r>
+              <a:rPr lang="hu-HU" sz="2400" dirty="0"/>
+              <a:t>: Egységek külön tesztelhetők</a:t>
+            </a:r>
+            <a:endParaRPr lang="en-US" sz="2400" dirty="0"/>
+          </a:p>
+        </p:txBody>
+      </p:sp>
+    </p:spTree>
+    <p:extLst>
+      <p:ext uri="{BB962C8B-B14F-4D97-AF65-F5344CB8AC3E}">
+        <p14:creationId xmlns:p14="http://schemas.microsoft.com/office/powerpoint/2010/main" val="99175107"/>
+      </p:ext>
+    </p:extLst>
+  </p:cSld>
+  <p:clrMapOvr>
+    <a:masterClrMapping/>
+  </p:clrMapOvr>
+</p:sld>
+</file>
+
+<file path=ppt/slides/slide33.xml><?xml version="1.0" encoding="utf-8"?>
+<p:sld xmlns:a="http://schemas.openxmlformats.org/drawingml/2006/main" xmlns:r="http://schemas.openxmlformats.org/officeDocument/2006/relationships" xmlns:p="http://schemas.openxmlformats.org/presentationml/2006/main">
+  <p:cSld>
+    <p:spTree>
+      <p:nvGrpSpPr>
+        <p:cNvPr id="1" name=""/>
+        <p:cNvGrpSpPr/>
+        <p:nvPr/>
+      </p:nvGrpSpPr>
+      <p:grpSpPr>
+        <a:xfrm>
+          <a:off x="0" y="0"/>
+          <a:ext cx="0" cy="0"/>
+          <a:chOff x="0" y="0"/>
+          <a:chExt cx="0" cy="0"/>
+        </a:xfrm>
+      </p:grpSpPr>
+      <p:sp>
+        <p:nvSpPr>
+          <p:cNvPr id="2" name="Cím 1">
+            <a:extLst>
+              <a:ext uri="{FF2B5EF4-FFF2-40B4-BE49-F238E27FC236}">
+                <a16:creationId xmlns:a16="http://schemas.microsoft.com/office/drawing/2014/main" id="{A1F9516D-BBD5-3841-3B07-3AB978A3D808}"/>
+              </a:ext>
+            </a:extLst>
+          </p:cNvPr>
+          <p:cNvSpPr>
+            <a:spLocks noGrp="1"/>
+          </p:cNvSpPr>
+          <p:nvPr>
+            <p:ph type="title"/>
+          </p:nvPr>
+        </p:nvSpPr>
+        <p:spPr/>
+        <p:txBody>
+          <a:bodyPr>
+            <a:normAutofit fontScale="90000"/>
+          </a:bodyPr>
+          <a:lstStyle/>
+          <a:p>
+            <a:r>
+              <a:rPr lang="en-US" dirty="0" err="1"/>
+              <a:t>Függvénytípusok</a:t>
+            </a:r>
+            <a:endParaRPr lang="en-US" dirty="0"/>
+          </a:p>
+        </p:txBody>
+      </p:sp>
+      <p:sp>
+        <p:nvSpPr>
+          <p:cNvPr id="3" name="Szöveg helye 2">
+            <a:extLst>
+              <a:ext uri="{FF2B5EF4-FFF2-40B4-BE49-F238E27FC236}">
+                <a16:creationId xmlns:a16="http://schemas.microsoft.com/office/drawing/2014/main" id="{A6654AFD-1CEA-EB79-EC29-0C39D89B5771}"/>
+              </a:ext>
+            </a:extLst>
+          </p:cNvPr>
+          <p:cNvSpPr>
+            <a:spLocks noGrp="1"/>
+          </p:cNvSpPr>
+          <p:nvPr>
+            <p:ph type="body" idx="1"/>
+          </p:nvPr>
+        </p:nvSpPr>
+        <p:spPr/>
+        <p:txBody>
+          <a:bodyPr/>
+          <a:lstStyle/>
+          <a:p>
+            <a:r>
+              <a:rPr lang="en-US" b="1" dirty="0" err="1"/>
+              <a:t>Beépített</a:t>
+            </a:r>
+            <a:r>
+              <a:rPr lang="en-US" b="1" dirty="0"/>
+              <a:t> </a:t>
+            </a:r>
+            <a:r>
+              <a:rPr lang="en-US" b="1" dirty="0" err="1"/>
+              <a:t>függvények</a:t>
+            </a:r>
+            <a:r>
+              <a:rPr lang="en-US" dirty="0"/>
+              <a:t>: </a:t>
+            </a:r>
+            <a:r>
+              <a:rPr lang="en-US" b="1" dirty="0">
+                <a:solidFill>
+                  <a:srgbClr val="0070C0"/>
+                </a:solidFill>
+                <a:latin typeface="Courier New" panose="02070309020205020404" pitchFamily="49" charset="0"/>
+                <a:cs typeface="Courier New" panose="02070309020205020404" pitchFamily="49" charset="0"/>
+              </a:rPr>
+              <a:t>print(), </a:t>
+            </a:r>
+            <a:r>
+              <a:rPr lang="en-US" b="1" dirty="0" err="1">
+                <a:solidFill>
+                  <a:srgbClr val="0070C0"/>
+                </a:solidFill>
+                <a:latin typeface="Courier New" panose="02070309020205020404" pitchFamily="49" charset="0"/>
+                <a:cs typeface="Courier New" panose="02070309020205020404" pitchFamily="49" charset="0"/>
+              </a:rPr>
+              <a:t>len</a:t>
+            </a:r>
+            <a:r>
+              <a:rPr lang="en-US" b="1" dirty="0">
+                <a:solidFill>
+                  <a:srgbClr val="0070C0"/>
+                </a:solidFill>
+                <a:latin typeface="Courier New" panose="02070309020205020404" pitchFamily="49" charset="0"/>
+                <a:cs typeface="Courier New" panose="02070309020205020404" pitchFamily="49" charset="0"/>
+              </a:rPr>
+              <a:t>(), input()</a:t>
+            </a:r>
+          </a:p>
+          <a:p>
+            <a:r>
+              <a:rPr lang="en-US" b="1" dirty="0"/>
+              <a:t>Modul </a:t>
+            </a:r>
+            <a:r>
+              <a:rPr lang="en-US" b="1" dirty="0" err="1"/>
+              <a:t>függvények</a:t>
+            </a:r>
+            <a:r>
+              <a:rPr lang="en-US" dirty="0"/>
+              <a:t>: </a:t>
+            </a:r>
+            <a:r>
+              <a:rPr lang="en-US" b="1" dirty="0" err="1">
+                <a:solidFill>
+                  <a:srgbClr val="0070C0"/>
+                </a:solidFill>
+                <a:latin typeface="Courier New" panose="02070309020205020404" pitchFamily="49" charset="0"/>
+                <a:cs typeface="Courier New" panose="02070309020205020404" pitchFamily="49" charset="0"/>
+              </a:rPr>
+              <a:t>math.sqrt</a:t>
+            </a:r>
+            <a:r>
+              <a:rPr lang="en-US" b="1" dirty="0">
+                <a:solidFill>
+                  <a:srgbClr val="0070C0"/>
+                </a:solidFill>
+                <a:latin typeface="Courier New" panose="02070309020205020404" pitchFamily="49" charset="0"/>
+                <a:cs typeface="Courier New" panose="02070309020205020404" pitchFamily="49" charset="0"/>
+              </a:rPr>
+              <a:t>(), </a:t>
+            </a:r>
+            <a:r>
+              <a:rPr lang="en-US" b="1" dirty="0" err="1">
+                <a:solidFill>
+                  <a:srgbClr val="0070C0"/>
+                </a:solidFill>
+                <a:latin typeface="Courier New" panose="02070309020205020404" pitchFamily="49" charset="0"/>
+                <a:cs typeface="Courier New" panose="02070309020205020404" pitchFamily="49" charset="0"/>
+              </a:rPr>
+              <a:t>random.randint</a:t>
+            </a:r>
+            <a:r>
+              <a:rPr lang="en-US" b="1" dirty="0">
+                <a:solidFill>
+                  <a:srgbClr val="0070C0"/>
+                </a:solidFill>
+                <a:latin typeface="Courier New" panose="02070309020205020404" pitchFamily="49" charset="0"/>
+                <a:cs typeface="Courier New" panose="02070309020205020404" pitchFamily="49" charset="0"/>
+              </a:rPr>
+              <a:t>()</a:t>
+            </a:r>
+          </a:p>
+          <a:p>
+            <a:r>
+              <a:rPr lang="en-US" b="1" dirty="0" err="1"/>
+              <a:t>Felhasználó</a:t>
+            </a:r>
+            <a:r>
+              <a:rPr lang="en-US" b="1" dirty="0"/>
+              <a:t> </a:t>
+            </a:r>
+            <a:r>
+              <a:rPr lang="en-US" b="1" dirty="0" err="1"/>
+              <a:t>által</a:t>
+            </a:r>
+            <a:r>
+              <a:rPr lang="en-US" b="1" dirty="0"/>
+              <a:t> </a:t>
+            </a:r>
+            <a:r>
+              <a:rPr lang="en-US" b="1" dirty="0" err="1"/>
+              <a:t>definiált</a:t>
+            </a:r>
+            <a:r>
+              <a:rPr lang="en-US" b="1" dirty="0"/>
+              <a:t> </a:t>
+            </a:r>
+            <a:r>
+              <a:rPr lang="en-US" b="1" dirty="0" err="1"/>
+              <a:t>függvények</a:t>
+            </a:r>
+            <a:endParaRPr lang="en-US" b="1" dirty="0"/>
+          </a:p>
+          <a:p>
+            <a:r>
+              <a:rPr lang="en-US" b="1" dirty="0"/>
+              <a:t>Lambda </a:t>
+            </a:r>
+            <a:r>
+              <a:rPr lang="en-US" b="1" dirty="0" err="1"/>
+              <a:t>függvények</a:t>
+            </a:r>
+            <a:r>
+              <a:rPr lang="en-US" dirty="0"/>
+              <a:t>: </a:t>
+            </a:r>
+            <a:r>
+              <a:rPr lang="en-US" dirty="0" err="1"/>
+              <a:t>Egysoros</a:t>
+            </a:r>
+            <a:r>
+              <a:rPr lang="en-US" dirty="0"/>
+              <a:t>, </a:t>
+            </a:r>
+            <a:r>
+              <a:rPr lang="en-US" dirty="0" err="1"/>
+              <a:t>név</a:t>
+            </a:r>
+            <a:r>
+              <a:rPr lang="en-US" dirty="0"/>
+              <a:t> </a:t>
+            </a:r>
+            <a:r>
+              <a:rPr lang="en-US" dirty="0" err="1"/>
+              <a:t>nélküli</a:t>
+            </a:r>
+            <a:r>
+              <a:rPr lang="en-US" dirty="0"/>
+              <a:t> </a:t>
+            </a:r>
+            <a:r>
+              <a:rPr lang="en-US" dirty="0" err="1"/>
+              <a:t>függvények</a:t>
+            </a:r>
+            <a:endParaRPr lang="en-US" dirty="0"/>
+          </a:p>
+        </p:txBody>
+      </p:sp>
+      <p:pic>
+        <p:nvPicPr>
+          <p:cNvPr id="5" name="Kép 4">
+            <a:extLst>
+              <a:ext uri="{FF2B5EF4-FFF2-40B4-BE49-F238E27FC236}">
+                <a16:creationId xmlns:a16="http://schemas.microsoft.com/office/drawing/2014/main" id="{F86BF783-2BD3-3636-A64D-3142EAA2F830}"/>
+              </a:ext>
+            </a:extLst>
+          </p:cNvPr>
+          <p:cNvPicPr>
+            <a:picLocks noChangeAspect="1"/>
+          </p:cNvPicPr>
+          <p:nvPr/>
+        </p:nvPicPr>
+        <p:blipFill>
+          <a:blip r:embed="rId2"/>
+          <a:stretch>
+            <a:fillRect/>
+          </a:stretch>
+        </p:blipFill>
+        <p:spPr>
+          <a:xfrm>
+            <a:off x="2854278" y="2684696"/>
+            <a:ext cx="3545047" cy="1007540"/>
+          </a:xfrm>
+          <a:prstGeom prst="rect">
+            <a:avLst/>
+          </a:prstGeom>
+        </p:spPr>
+      </p:pic>
+    </p:spTree>
+    <p:extLst>
+      <p:ext uri="{BB962C8B-B14F-4D97-AF65-F5344CB8AC3E}">
+        <p14:creationId xmlns:p14="http://schemas.microsoft.com/office/powerpoint/2010/main" val="2824284716"/>
+      </p:ext>
+    </p:extLst>
+  </p:cSld>
+  <p:clrMapOvr>
+    <a:masterClrMapping/>
+  </p:clrMapOvr>
+</p:sld>
+</file>
+
+<file path=ppt/slides/slide34.xml><?xml version="1.0" encoding="utf-8"?>
+<p:sld xmlns:a="http://schemas.openxmlformats.org/drawingml/2006/main" xmlns:r="http://schemas.openxmlformats.org/officeDocument/2006/relationships" xmlns:p="http://schemas.openxmlformats.org/presentationml/2006/main">
+  <p:cSld>
+    <p:spTree>
+      <p:nvGrpSpPr>
+        <p:cNvPr id="1" name=""/>
+        <p:cNvGrpSpPr/>
+        <p:nvPr/>
+      </p:nvGrpSpPr>
+      <p:grpSpPr>
+        <a:xfrm>
+          <a:off x="0" y="0"/>
+          <a:ext cx="0" cy="0"/>
+          <a:chOff x="0" y="0"/>
+          <a:chExt cx="0" cy="0"/>
+        </a:xfrm>
+      </p:grpSpPr>
+      <p:sp>
+        <p:nvSpPr>
+          <p:cNvPr id="2" name="Cím 1">
+            <a:extLst>
+              <a:ext uri="{FF2B5EF4-FFF2-40B4-BE49-F238E27FC236}">
+                <a16:creationId xmlns:a16="http://schemas.microsoft.com/office/drawing/2014/main" id="{B1485F92-14F0-0D40-FFDA-52BACEF0DC05}"/>
+              </a:ext>
+            </a:extLst>
+          </p:cNvPr>
+          <p:cNvSpPr>
+            <a:spLocks noGrp="1"/>
+          </p:cNvSpPr>
+          <p:nvPr>
+            <p:ph type="title"/>
+          </p:nvPr>
+        </p:nvSpPr>
+        <p:spPr/>
+        <p:txBody>
+          <a:bodyPr>
+            <a:normAutofit fontScale="90000"/>
+          </a:bodyPr>
+          <a:lstStyle/>
+          <a:p>
+            <a:r>
+              <a:rPr lang="en-US" dirty="0" err="1"/>
+              <a:t>Fontos</a:t>
+            </a:r>
+            <a:r>
+              <a:rPr lang="en-US" dirty="0"/>
+              <a:t> </a:t>
+            </a:r>
+            <a:r>
+              <a:rPr lang="en-US" dirty="0" err="1"/>
+              <a:t>fogalmak</a:t>
+            </a:r>
+            <a:endParaRPr lang="en-US" dirty="0"/>
+          </a:p>
+        </p:txBody>
+      </p:sp>
+      <p:sp>
+        <p:nvSpPr>
+          <p:cNvPr id="3" name="Szöveg helye 2">
+            <a:extLst>
+              <a:ext uri="{FF2B5EF4-FFF2-40B4-BE49-F238E27FC236}">
+                <a16:creationId xmlns:a16="http://schemas.microsoft.com/office/drawing/2014/main" id="{2D6314F5-B938-276F-FAC8-1918C1FC9A51}"/>
+              </a:ext>
+            </a:extLst>
+          </p:cNvPr>
+          <p:cNvSpPr>
+            <a:spLocks noGrp="1"/>
+          </p:cNvSpPr>
+          <p:nvPr>
+            <p:ph type="body" idx="1"/>
+          </p:nvPr>
+        </p:nvSpPr>
+        <p:spPr/>
+        <p:txBody>
+          <a:bodyPr>
+            <a:normAutofit/>
+          </a:bodyPr>
+          <a:lstStyle/>
+          <a:p>
+            <a:r>
+              <a:rPr lang="en-US" b="1" dirty="0" err="1"/>
+              <a:t>Paraméter</a:t>
+            </a:r>
+            <a:r>
+              <a:rPr lang="en-US" b="1" dirty="0"/>
+              <a:t> vs. Argumentum:</a:t>
+            </a:r>
+          </a:p>
+          <a:p>
+            <a:pPr lvl="1"/>
+            <a:r>
+              <a:rPr lang="en-US" dirty="0" err="1"/>
+              <a:t>Paraméter</a:t>
+            </a:r>
+            <a:r>
+              <a:rPr lang="en-US" dirty="0"/>
+              <a:t>: A </a:t>
+            </a:r>
+            <a:r>
+              <a:rPr lang="en-US" dirty="0" err="1"/>
+              <a:t>függvény</a:t>
+            </a:r>
+            <a:r>
+              <a:rPr lang="en-US" dirty="0"/>
+              <a:t> </a:t>
+            </a:r>
+            <a:r>
+              <a:rPr lang="en-US" dirty="0" err="1"/>
+              <a:t>definíciójában</a:t>
+            </a:r>
+            <a:endParaRPr lang="en-US" dirty="0"/>
+          </a:p>
+          <a:p>
+            <a:pPr lvl="1"/>
+            <a:r>
+              <a:rPr lang="en-US" dirty="0"/>
+              <a:t>Argumentum: A </a:t>
+            </a:r>
+            <a:r>
+              <a:rPr lang="en-US" dirty="0" err="1"/>
+              <a:t>függvény</a:t>
+            </a:r>
+            <a:r>
+              <a:rPr lang="en-US" dirty="0"/>
+              <a:t> </a:t>
+            </a:r>
+            <a:r>
+              <a:rPr lang="en-US" dirty="0" err="1"/>
+              <a:t>hívásakor</a:t>
+            </a:r>
+            <a:endParaRPr lang="en-US" dirty="0"/>
+          </a:p>
+          <a:p>
+            <a:r>
+              <a:rPr lang="en-US" b="1" dirty="0" err="1"/>
+              <a:t>Visszatérési</a:t>
+            </a:r>
+            <a:r>
+              <a:rPr lang="en-US" b="1" dirty="0"/>
+              <a:t> </a:t>
+            </a:r>
+            <a:r>
+              <a:rPr lang="en-US" b="1" dirty="0" err="1"/>
+              <a:t>érték</a:t>
+            </a:r>
+            <a:r>
+              <a:rPr lang="en-US" b="1" dirty="0"/>
+              <a:t>: </a:t>
+            </a:r>
+            <a:r>
+              <a:rPr lang="en-US" b="1" dirty="0">
+                <a:solidFill>
+                  <a:srgbClr val="0070C0"/>
+                </a:solidFill>
+                <a:latin typeface="Courier New" panose="02070309020205020404" pitchFamily="49" charset="0"/>
+                <a:cs typeface="Courier New" panose="02070309020205020404" pitchFamily="49" charset="0"/>
+              </a:rPr>
+              <a:t>return</a:t>
+            </a:r>
+            <a:r>
+              <a:rPr lang="en-US" dirty="0"/>
+              <a:t> </a:t>
+            </a:r>
+            <a:r>
+              <a:rPr lang="en-US" dirty="0" err="1"/>
+              <a:t>utasítás</a:t>
+            </a:r>
+            <a:endParaRPr lang="en-US" dirty="0"/>
+          </a:p>
+          <a:p>
+            <a:pPr lvl="1"/>
+            <a:r>
+              <a:rPr lang="en-US" dirty="0" err="1"/>
+              <a:t>Egy</a:t>
+            </a:r>
+            <a:r>
+              <a:rPr lang="en-US" dirty="0"/>
+              <a:t> </a:t>
+            </a:r>
+            <a:r>
+              <a:rPr lang="en-US" dirty="0" err="1"/>
+              <a:t>függvény</a:t>
+            </a:r>
+            <a:r>
+              <a:rPr lang="en-US" dirty="0"/>
+              <a:t> </a:t>
+            </a:r>
+            <a:r>
+              <a:rPr lang="en-US" dirty="0" err="1"/>
+              <a:t>több</a:t>
+            </a:r>
+            <a:r>
+              <a:rPr lang="en-US" dirty="0"/>
+              <a:t> </a:t>
+            </a:r>
+            <a:r>
+              <a:rPr lang="en-US" dirty="0" err="1"/>
+              <a:t>értéket</a:t>
+            </a:r>
+            <a:r>
+              <a:rPr lang="en-US" dirty="0"/>
+              <a:t> is </a:t>
+            </a:r>
+            <a:r>
+              <a:rPr lang="en-US" dirty="0" err="1"/>
+              <a:t>visszaadhat</a:t>
+            </a:r>
+            <a:r>
+              <a:rPr lang="en-US" dirty="0"/>
+              <a:t> (tuple-</a:t>
+            </a:r>
+            <a:r>
+              <a:rPr lang="en-US" dirty="0" err="1"/>
+              <a:t>ként</a:t>
+            </a:r>
+            <a:r>
+              <a:rPr lang="en-US" dirty="0"/>
+              <a:t>)</a:t>
+            </a:r>
+          </a:p>
+          <a:p>
+            <a:pPr lvl="1"/>
+            <a:r>
+              <a:rPr lang="en-US" dirty="0"/>
+              <a:t>Ha </a:t>
+            </a:r>
+            <a:r>
+              <a:rPr lang="en-US" dirty="0" err="1"/>
+              <a:t>nincs</a:t>
+            </a:r>
+            <a:r>
+              <a:rPr lang="en-US" dirty="0"/>
+              <a:t> </a:t>
+            </a:r>
+            <a:r>
+              <a:rPr lang="en-US" sz="1800" b="1" dirty="0">
+                <a:solidFill>
+                  <a:srgbClr val="0070C0"/>
+                </a:solidFill>
+                <a:latin typeface="Courier New" panose="02070309020205020404" pitchFamily="49" charset="0"/>
+                <a:cs typeface="Courier New" panose="02070309020205020404" pitchFamily="49" charset="0"/>
+              </a:rPr>
+              <a:t>return</a:t>
+            </a:r>
+            <a:r>
+              <a:rPr lang="en-US" dirty="0"/>
+              <a:t>, a </a:t>
+            </a:r>
+            <a:r>
+              <a:rPr lang="en-US" dirty="0" err="1"/>
+              <a:t>függvény</a:t>
+            </a:r>
+            <a:r>
+              <a:rPr lang="en-US" dirty="0"/>
+              <a:t> </a:t>
+            </a:r>
+            <a:r>
+              <a:rPr lang="en-US" sz="1800" b="1" dirty="0">
+                <a:solidFill>
+                  <a:srgbClr val="0070C0"/>
+                </a:solidFill>
+                <a:latin typeface="Courier New" panose="02070309020205020404" pitchFamily="49" charset="0"/>
+                <a:cs typeface="Courier New" panose="02070309020205020404" pitchFamily="49" charset="0"/>
+              </a:rPr>
+              <a:t>None</a:t>
+            </a:r>
+            <a:r>
+              <a:rPr lang="en-US" dirty="0"/>
+              <a:t>-t ad </a:t>
+            </a:r>
+            <a:r>
+              <a:rPr lang="en-US" dirty="0" err="1"/>
+              <a:t>vissza</a:t>
+            </a:r>
+            <a:endParaRPr lang="en-US" dirty="0"/>
+          </a:p>
+          <a:p>
+            <a:r>
+              <a:rPr lang="en-US" b="1" dirty="0" err="1"/>
+              <a:t>Hatókör</a:t>
+            </a:r>
+            <a:r>
+              <a:rPr lang="en-US" b="1" dirty="0"/>
+              <a:t> (scope):</a:t>
+            </a:r>
+          </a:p>
+          <a:p>
+            <a:pPr lvl="1"/>
+            <a:r>
+              <a:rPr lang="en-US" dirty="0" err="1"/>
+              <a:t>Lokális</a:t>
+            </a:r>
+            <a:r>
+              <a:rPr lang="en-US" dirty="0"/>
+              <a:t> </a:t>
+            </a:r>
+            <a:r>
+              <a:rPr lang="en-US" dirty="0" err="1"/>
+              <a:t>változók</a:t>
+            </a:r>
+            <a:r>
+              <a:rPr lang="hu-HU" dirty="0"/>
+              <a:t> </a:t>
+            </a:r>
+            <a:r>
+              <a:rPr lang="en-US" dirty="0"/>
+              <a:t>(</a:t>
+            </a:r>
+            <a:r>
+              <a:rPr lang="en-US" dirty="0" err="1"/>
+              <a:t>csak</a:t>
+            </a:r>
+            <a:r>
+              <a:rPr lang="en-US" dirty="0"/>
+              <a:t> a </a:t>
+            </a:r>
+            <a:r>
+              <a:rPr lang="en-US" dirty="0" err="1"/>
+              <a:t>függvényen</a:t>
+            </a:r>
+            <a:r>
+              <a:rPr lang="en-US" dirty="0"/>
+              <a:t> </a:t>
+            </a:r>
+            <a:r>
+              <a:rPr lang="en-US" dirty="0" err="1"/>
+              <a:t>belül</a:t>
+            </a:r>
+            <a:r>
+              <a:rPr lang="en-US" dirty="0"/>
+              <a:t>)</a:t>
+            </a:r>
+          </a:p>
+          <a:p>
+            <a:pPr lvl="1"/>
+            <a:r>
+              <a:rPr lang="en-US" dirty="0" err="1"/>
+              <a:t>Globális</a:t>
+            </a:r>
+            <a:r>
+              <a:rPr lang="en-US" dirty="0"/>
+              <a:t> </a:t>
+            </a:r>
+            <a:r>
+              <a:rPr lang="en-US" dirty="0" err="1"/>
+              <a:t>változók</a:t>
+            </a:r>
+            <a:r>
+              <a:rPr lang="en-US" dirty="0"/>
+              <a:t> (</a:t>
+            </a:r>
+            <a:r>
+              <a:rPr lang="en-US" dirty="0" err="1"/>
+              <a:t>az</a:t>
+            </a:r>
+            <a:r>
+              <a:rPr lang="en-US" dirty="0"/>
+              <a:t> </a:t>
+            </a:r>
+            <a:r>
+              <a:rPr lang="en-US" dirty="0" err="1"/>
+              <a:t>egész</a:t>
+            </a:r>
+            <a:r>
+              <a:rPr lang="en-US" dirty="0"/>
+              <a:t> </a:t>
+            </a:r>
+            <a:r>
+              <a:rPr lang="en-US" dirty="0" err="1"/>
+              <a:t>programban</a:t>
+            </a:r>
+            <a:r>
+              <a:rPr lang="en-US" dirty="0"/>
+              <a:t>)</a:t>
+            </a:r>
+          </a:p>
+        </p:txBody>
+      </p:sp>
+    </p:spTree>
+    <p:extLst>
+      <p:ext uri="{BB962C8B-B14F-4D97-AF65-F5344CB8AC3E}">
+        <p14:creationId xmlns:p14="http://schemas.microsoft.com/office/powerpoint/2010/main" val="1892320244"/>
+      </p:ext>
+    </p:extLst>
+  </p:cSld>
+  <p:clrMapOvr>
+    <a:masterClrMapping/>
+  </p:clrMapOvr>
+</p:sld>
+</file>
+
+<file path=ppt/slides/slide35.xml><?xml version="1.0" encoding="utf-8"?>
+<p:sld xmlns:a="http://schemas.openxmlformats.org/drawingml/2006/main" xmlns:r="http://schemas.openxmlformats.org/officeDocument/2006/relationships" xmlns:p="http://schemas.openxmlformats.org/presentationml/2006/main">
+  <p:cSld>
+    <p:spTree>
+      <p:nvGrpSpPr>
+        <p:cNvPr id="1" name=""/>
+        <p:cNvGrpSpPr/>
+        <p:nvPr/>
+      </p:nvGrpSpPr>
+      <p:grpSpPr>
+        <a:xfrm>
+          <a:off x="0" y="0"/>
+          <a:ext cx="0" cy="0"/>
+          <a:chOff x="0" y="0"/>
+          <a:chExt cx="0" cy="0"/>
+        </a:xfrm>
+      </p:grpSpPr>
+      <p:sp>
+        <p:nvSpPr>
+          <p:cNvPr id="2" name="Cím 1">
+            <a:extLst>
+              <a:ext uri="{FF2B5EF4-FFF2-40B4-BE49-F238E27FC236}">
+                <a16:creationId xmlns:a16="http://schemas.microsoft.com/office/drawing/2014/main" id="{1F51CF99-2817-6616-1864-267359E95100}"/>
+              </a:ext>
+            </a:extLst>
+          </p:cNvPr>
+          <p:cNvSpPr>
+            <a:spLocks noGrp="1"/>
+          </p:cNvSpPr>
+          <p:nvPr>
+            <p:ph type="title"/>
+          </p:nvPr>
+        </p:nvSpPr>
+        <p:spPr/>
+        <p:txBody>
+          <a:bodyPr>
+            <a:normAutofit fontScale="90000"/>
+          </a:bodyPr>
+          <a:lstStyle/>
+          <a:p>
+            <a:r>
+              <a:rPr lang="hu-HU" dirty="0"/>
+              <a:t>Best </a:t>
+            </a:r>
+            <a:r>
+              <a:rPr lang="hu-HU" dirty="0" err="1"/>
+              <a:t>Practices</a:t>
+            </a:r>
+            <a:endParaRPr lang="en-US" dirty="0"/>
+          </a:p>
+        </p:txBody>
+      </p:sp>
+      <p:sp>
+        <p:nvSpPr>
+          <p:cNvPr id="3" name="Szöveg helye 2">
+            <a:extLst>
+              <a:ext uri="{FF2B5EF4-FFF2-40B4-BE49-F238E27FC236}">
+                <a16:creationId xmlns:a16="http://schemas.microsoft.com/office/drawing/2014/main" id="{4725DB13-CD26-D10D-6CAA-F065239BA446}"/>
+              </a:ext>
+            </a:extLst>
+          </p:cNvPr>
+          <p:cNvSpPr>
+            <a:spLocks noGrp="1"/>
+          </p:cNvSpPr>
+          <p:nvPr>
+            <p:ph type="body" idx="1"/>
+          </p:nvPr>
+        </p:nvSpPr>
+        <p:spPr/>
+        <p:txBody>
+          <a:bodyPr>
+            <a:normAutofit/>
+          </a:bodyPr>
+          <a:lstStyle/>
+          <a:p>
+            <a:r>
+              <a:rPr lang="hu-HU" dirty="0"/>
+              <a:t>Értelmes nevek: </a:t>
+            </a:r>
+            <a:r>
+              <a:rPr lang="hu-HU" b="1" dirty="0" err="1">
+                <a:solidFill>
+                  <a:srgbClr val="0070C0"/>
+                </a:solidFill>
+                <a:latin typeface="Courier New" panose="02070309020205020404" pitchFamily="49" charset="0"/>
+                <a:cs typeface="Courier New" panose="02070309020205020404" pitchFamily="49" charset="0"/>
+              </a:rPr>
+              <a:t>calculate_area</a:t>
+            </a:r>
+            <a:r>
+              <a:rPr lang="hu-HU" b="1" dirty="0">
+                <a:solidFill>
+                  <a:srgbClr val="0070C0"/>
+                </a:solidFill>
+                <a:latin typeface="Courier New" panose="02070309020205020404" pitchFamily="49" charset="0"/>
+                <a:cs typeface="Courier New" panose="02070309020205020404" pitchFamily="49" charset="0"/>
+              </a:rPr>
+              <a:t>() </a:t>
+            </a:r>
+            <a:r>
+              <a:rPr lang="hu-HU" dirty="0" err="1"/>
+              <a:t>vs</a:t>
+            </a:r>
+            <a:r>
+              <a:rPr lang="hu-HU" dirty="0"/>
+              <a:t> </a:t>
+            </a:r>
+            <a:r>
+              <a:rPr lang="hu-HU" b="1" dirty="0">
+                <a:solidFill>
+                  <a:srgbClr val="0070C0"/>
+                </a:solidFill>
+                <a:latin typeface="Courier New" panose="02070309020205020404" pitchFamily="49" charset="0"/>
+                <a:cs typeface="Courier New" panose="02070309020205020404" pitchFamily="49" charset="0"/>
+              </a:rPr>
+              <a:t>func1()</a:t>
+            </a:r>
+          </a:p>
+          <a:p>
+            <a:r>
+              <a:rPr lang="hu-HU" dirty="0"/>
+              <a:t>Egy függvény - egy feladat</a:t>
+            </a:r>
+          </a:p>
+          <a:p>
+            <a:r>
+              <a:rPr lang="hu-HU" dirty="0" err="1"/>
+              <a:t>Docstring</a:t>
+            </a:r>
+            <a:r>
+              <a:rPr lang="hu-HU" dirty="0"/>
+              <a:t> használata</a:t>
+            </a:r>
+          </a:p>
+          <a:p>
+            <a:r>
+              <a:rPr lang="hu-HU" dirty="0"/>
+              <a:t>Ésszerű paraméterek száma (</a:t>
+            </a:r>
+            <a:r>
+              <a:rPr lang="hu-HU" dirty="0" err="1"/>
+              <a:t>max</a:t>
+            </a:r>
+            <a:r>
+              <a:rPr lang="hu-HU" dirty="0"/>
+              <a:t> 3-4)</a:t>
+            </a:r>
+          </a:p>
+          <a:p>
+            <a:r>
+              <a:rPr lang="hu-HU" dirty="0"/>
+              <a:t>Nincs mellékhatás (ha lehet)</a:t>
+            </a:r>
+          </a:p>
+          <a:p>
+            <a:r>
+              <a:rPr lang="hu-HU" dirty="0" err="1"/>
+              <a:t>Type</a:t>
+            </a:r>
+            <a:r>
+              <a:rPr lang="hu-HU" dirty="0"/>
+              <a:t> hints (Python 3.5+)</a:t>
+            </a:r>
+            <a:endParaRPr lang="en-US" dirty="0"/>
+          </a:p>
+        </p:txBody>
+      </p:sp>
+      <p:pic>
+        <p:nvPicPr>
+          <p:cNvPr id="5" name="Kép 4">
+            <a:extLst>
+              <a:ext uri="{FF2B5EF4-FFF2-40B4-BE49-F238E27FC236}">
+                <a16:creationId xmlns:a16="http://schemas.microsoft.com/office/drawing/2014/main" id="{35575A45-807C-84C5-0392-A3AB38D63219}"/>
+              </a:ext>
+            </a:extLst>
+          </p:cNvPr>
+          <p:cNvPicPr>
+            <a:picLocks noChangeAspect="1"/>
+          </p:cNvPicPr>
+          <p:nvPr/>
+        </p:nvPicPr>
+        <p:blipFill>
+          <a:blip r:embed="rId2"/>
+          <a:stretch>
+            <a:fillRect/>
+          </a:stretch>
+        </p:blipFill>
+        <p:spPr>
+          <a:xfrm>
+            <a:off x="1998289" y="3190377"/>
+            <a:ext cx="4888693" cy="1378498"/>
+          </a:xfrm>
+          <a:prstGeom prst="rect">
+            <a:avLst/>
+          </a:prstGeom>
+        </p:spPr>
+      </p:pic>
+    </p:spTree>
+    <p:extLst>
+      <p:ext uri="{BB962C8B-B14F-4D97-AF65-F5344CB8AC3E}">
+        <p14:creationId xmlns:p14="http://schemas.microsoft.com/office/powerpoint/2010/main" val="1298135298"/>
+      </p:ext>
+    </p:extLst>
+  </p:cSld>
+  <p:clrMapOvr>
+    <a:masterClrMapping/>
+  </p:clrMapOvr>
+</p:sld>
+</file>
+
+<file path=ppt/slides/slide36.xml><?xml version="1.0" encoding="utf-8"?>
+<p:sld xmlns:a="http://schemas.openxmlformats.org/drawingml/2006/main" xmlns:r="http://schemas.openxmlformats.org/officeDocument/2006/relationships" xmlns:p="http://schemas.openxmlformats.org/presentationml/2006/main">
+  <p:cSld>
+    <p:spTree>
+      <p:nvGrpSpPr>
+        <p:cNvPr id="1" name=""/>
+        <p:cNvGrpSpPr/>
+        <p:nvPr/>
+      </p:nvGrpSpPr>
+      <p:grpSpPr>
+        <a:xfrm>
+          <a:off x="0" y="0"/>
+          <a:ext cx="0" cy="0"/>
+          <a:chOff x="0" y="0"/>
+          <a:chExt cx="0" cy="0"/>
+        </a:xfrm>
+      </p:grpSpPr>
+      <p:sp>
+        <p:nvSpPr>
+          <p:cNvPr id="2" name="Cím 1">
+            <a:extLst>
+              <a:ext uri="{FF2B5EF4-FFF2-40B4-BE49-F238E27FC236}">
+                <a16:creationId xmlns:a16="http://schemas.microsoft.com/office/drawing/2014/main" id="{358CD110-076B-1388-686C-22250BAD9390}"/>
+              </a:ext>
+            </a:extLst>
+          </p:cNvPr>
+          <p:cNvSpPr>
+            <a:spLocks noGrp="1"/>
+          </p:cNvSpPr>
+          <p:nvPr>
+            <p:ph type="title"/>
+          </p:nvPr>
+        </p:nvSpPr>
+        <p:spPr/>
+        <p:txBody>
+          <a:bodyPr>
+            <a:normAutofit fontScale="90000"/>
+          </a:bodyPr>
+          <a:lstStyle/>
+          <a:p>
+            <a:r>
+              <a:rPr lang="en-US" dirty="0" err="1"/>
+              <a:t>Mikor</a:t>
+            </a:r>
+            <a:r>
+              <a:rPr lang="en-US" dirty="0"/>
+              <a:t> </a:t>
+            </a:r>
+            <a:r>
+              <a:rPr lang="en-US" dirty="0" err="1"/>
+              <a:t>érdemes</a:t>
+            </a:r>
+            <a:r>
+              <a:rPr lang="en-US" dirty="0"/>
+              <a:t> </a:t>
+            </a:r>
+            <a:r>
+              <a:rPr lang="en-US" dirty="0" err="1"/>
+              <a:t>függvényeket</a:t>
+            </a:r>
+            <a:r>
+              <a:rPr lang="en-US" dirty="0"/>
+              <a:t> </a:t>
+            </a:r>
+            <a:r>
+              <a:rPr lang="en-US" dirty="0" err="1"/>
+              <a:t>használni</a:t>
+            </a:r>
+            <a:r>
+              <a:rPr lang="en-US" dirty="0"/>
+              <a:t>?</a:t>
+            </a:r>
+          </a:p>
+        </p:txBody>
+      </p:sp>
+      <p:sp>
+        <p:nvSpPr>
+          <p:cNvPr id="3" name="Szöveg helye 2">
+            <a:extLst>
+              <a:ext uri="{FF2B5EF4-FFF2-40B4-BE49-F238E27FC236}">
+                <a16:creationId xmlns:a16="http://schemas.microsoft.com/office/drawing/2014/main" id="{35F1996B-93B9-180F-7B74-1FAB11F1E707}"/>
+              </a:ext>
+            </a:extLst>
+          </p:cNvPr>
+          <p:cNvSpPr>
+            <a:spLocks noGrp="1"/>
+          </p:cNvSpPr>
+          <p:nvPr>
+            <p:ph type="body" idx="1"/>
+          </p:nvPr>
+        </p:nvSpPr>
+        <p:spPr/>
+        <p:txBody>
+          <a:bodyPr/>
+          <a:lstStyle/>
+          <a:p>
+            <a:pPr>
+              <a:buFont typeface="+mj-lt"/>
+              <a:buAutoNum type="arabicPeriod"/>
+            </a:pPr>
+            <a:r>
+              <a:rPr lang="hu-HU" dirty="0"/>
+              <a:t>Ha ugyanazt a kódot </a:t>
+            </a:r>
+            <a:r>
+              <a:rPr lang="hu-HU" b="1" dirty="0"/>
+              <a:t>többször</a:t>
+            </a:r>
+            <a:r>
+              <a:rPr lang="hu-HU" dirty="0"/>
+              <a:t> használod</a:t>
+            </a:r>
+          </a:p>
+          <a:p>
+            <a:pPr>
+              <a:buFont typeface="+mj-lt"/>
+              <a:buAutoNum type="arabicPeriod"/>
+            </a:pPr>
+            <a:r>
+              <a:rPr lang="hu-HU" dirty="0"/>
+              <a:t>Ha egy bonyolult műveletet szeretnél </a:t>
+            </a:r>
+            <a:r>
+              <a:rPr lang="hu-HU" b="1" dirty="0"/>
+              <a:t>logikai egységbe </a:t>
+            </a:r>
+            <a:r>
+              <a:rPr lang="hu-HU" dirty="0"/>
+              <a:t>zárni</a:t>
+            </a:r>
+          </a:p>
+          <a:p>
+            <a:pPr>
+              <a:buFont typeface="+mj-lt"/>
+              <a:buAutoNum type="arabicPeriod"/>
+            </a:pPr>
+            <a:r>
+              <a:rPr lang="hu-HU" dirty="0"/>
+              <a:t>Ha a kódodat </a:t>
+            </a:r>
+            <a:r>
+              <a:rPr lang="hu-HU" b="1" dirty="0"/>
+              <a:t>átláthatóbbá</a:t>
+            </a:r>
+            <a:r>
+              <a:rPr lang="hu-HU" dirty="0"/>
+              <a:t> szeretnéd tenni</a:t>
+            </a:r>
+          </a:p>
+          <a:p>
+            <a:pPr>
+              <a:buFont typeface="+mj-lt"/>
+              <a:buAutoNum type="arabicPeriod"/>
+            </a:pPr>
+            <a:r>
+              <a:rPr lang="hu-HU" dirty="0"/>
+              <a:t>Ha olyan műveleted van, amit később </a:t>
+            </a:r>
+            <a:r>
+              <a:rPr lang="hu-HU" b="1" dirty="0"/>
+              <a:t>újra</a:t>
+            </a:r>
+            <a:r>
+              <a:rPr lang="hu-HU" dirty="0"/>
+              <a:t> fel szeretnél használni</a:t>
+            </a:r>
+          </a:p>
+          <a:p>
+            <a:pPr>
+              <a:buFont typeface="+mj-lt"/>
+              <a:buAutoNum type="arabicPeriod"/>
+            </a:pPr>
+            <a:r>
+              <a:rPr lang="hu-HU" dirty="0"/>
+              <a:t>Ha szeretnéd csökkenteni a </a:t>
+            </a:r>
+            <a:r>
+              <a:rPr lang="hu-HU" b="1" dirty="0"/>
+              <a:t>kód ismétlődését </a:t>
+            </a:r>
+            <a:r>
+              <a:rPr lang="hu-HU" dirty="0"/>
+              <a:t>(</a:t>
+            </a:r>
+            <a:r>
+              <a:rPr lang="hu-HU" b="1" dirty="0"/>
+              <a:t>DRY</a:t>
+            </a:r>
+            <a:r>
+              <a:rPr lang="hu-HU" dirty="0"/>
+              <a:t> elv - </a:t>
+            </a:r>
+            <a:r>
+              <a:rPr lang="hu-HU" dirty="0" err="1"/>
+              <a:t>Don't</a:t>
+            </a:r>
+            <a:r>
+              <a:rPr lang="hu-HU" dirty="0"/>
+              <a:t> </a:t>
+            </a:r>
+            <a:r>
+              <a:rPr lang="hu-HU" dirty="0" err="1"/>
+              <a:t>Repeat</a:t>
+            </a:r>
+            <a:r>
+              <a:rPr lang="hu-HU" dirty="0"/>
+              <a:t> </a:t>
+            </a:r>
+            <a:r>
+              <a:rPr lang="hu-HU" dirty="0" err="1"/>
+              <a:t>Yourself</a:t>
+            </a:r>
+            <a:r>
+              <a:rPr lang="hu-HU" dirty="0"/>
+              <a:t>)</a:t>
+            </a:r>
+          </a:p>
+          <a:p>
+            <a:pPr>
+              <a:buFont typeface="+mj-lt"/>
+              <a:buAutoNum type="arabicPeriod"/>
+            </a:pPr>
+            <a:endParaRPr lang="hu-HU" dirty="0"/>
+          </a:p>
+          <a:p>
+            <a:pPr>
+              <a:buFont typeface="+mj-lt"/>
+              <a:buAutoNum type="arabicPeriod"/>
+            </a:pPr>
+            <a:endParaRPr lang="hu-HU" dirty="0"/>
+          </a:p>
+          <a:p>
+            <a:pPr marL="114300" indent="0">
+              <a:buNone/>
+            </a:pPr>
+            <a:r>
+              <a:rPr lang="hu-HU" i="1" dirty="0"/>
+              <a:t>"A jó függvények olyanok, mint a jó viccek - nem kell magyarázni, hogy működnek." </a:t>
+            </a:r>
+            <a:r>
+              <a:rPr lang="hu-HU" b="1" i="1" dirty="0"/>
+              <a:t>(Robert C. Martin)</a:t>
+            </a:r>
+            <a:endParaRPr lang="en-US" b="1" i="1" dirty="0"/>
+          </a:p>
+        </p:txBody>
+      </p:sp>
+    </p:spTree>
+    <p:extLst>
+      <p:ext uri="{BB962C8B-B14F-4D97-AF65-F5344CB8AC3E}">
+        <p14:creationId xmlns:p14="http://schemas.microsoft.com/office/powerpoint/2010/main" val="1690607057"/>
+      </p:ext>
+    </p:extLst>
+  </p:cSld>
+  <p:clrMapOvr>
+    <a:masterClrMapping/>
+  </p:clrMapOvr>
+</p:sld>
+</file>
+
+<file path=ppt/slides/slide37.xml><?xml version="1.0" encoding="utf-8"?>
+<p:sld xmlns:a="http://schemas.openxmlformats.org/drawingml/2006/main" xmlns:r="http://schemas.openxmlformats.org/officeDocument/2006/relationships" xmlns:p="http://schemas.openxmlformats.org/presentationml/2006/main">
+  <p:cSld>
+    <p:spTree>
+      <p:nvGrpSpPr>
+        <p:cNvPr id="1" name=""/>
+        <p:cNvGrpSpPr/>
+        <p:nvPr/>
+      </p:nvGrpSpPr>
+      <p:grpSpPr>
+        <a:xfrm>
+          <a:off x="0" y="0"/>
+          <a:ext cx="0" cy="0"/>
+          <a:chOff x="0" y="0"/>
+          <a:chExt cx="0" cy="0"/>
+        </a:xfrm>
+      </p:grpSpPr>
+      <p:sp>
+        <p:nvSpPr>
+          <p:cNvPr id="2" name="Cím 1">
+            <a:extLst>
+              <a:ext uri="{FF2B5EF4-FFF2-40B4-BE49-F238E27FC236}">
+                <a16:creationId xmlns:a16="http://schemas.microsoft.com/office/drawing/2014/main" id="{292187AB-E46B-2E42-E11F-9BA64C55EB8D}"/>
+              </a:ext>
+            </a:extLst>
+          </p:cNvPr>
+          <p:cNvSpPr>
+            <a:spLocks noGrp="1"/>
+          </p:cNvSpPr>
+          <p:nvPr>
+            <p:ph type="title"/>
+          </p:nvPr>
+        </p:nvSpPr>
+        <p:spPr/>
+        <p:txBody>
+          <a:bodyPr>
+            <a:normAutofit fontScale="90000"/>
+          </a:bodyPr>
+          <a:lstStyle/>
+          <a:p>
+            <a:r>
+              <a:rPr lang="hu-HU" dirty="0"/>
+              <a:t>Gyakorlati példa háromszöggel 🍕</a:t>
+            </a:r>
+            <a:endParaRPr lang="en-US" dirty="0"/>
+          </a:p>
+        </p:txBody>
+      </p:sp>
+      <p:pic>
+        <p:nvPicPr>
+          <p:cNvPr id="5" name="Kép 4">
+            <a:extLst>
+              <a:ext uri="{FF2B5EF4-FFF2-40B4-BE49-F238E27FC236}">
+                <a16:creationId xmlns:a16="http://schemas.microsoft.com/office/drawing/2014/main" id="{5D8BD96E-A40C-2E25-28BC-0118C88A7644}"/>
+              </a:ext>
+            </a:extLst>
+          </p:cNvPr>
+          <p:cNvPicPr>
+            <a:picLocks noChangeAspect="1"/>
+          </p:cNvPicPr>
+          <p:nvPr/>
+        </p:nvPicPr>
+        <p:blipFill>
+          <a:blip r:embed="rId2"/>
+          <a:stretch>
+            <a:fillRect/>
+          </a:stretch>
+        </p:blipFill>
+        <p:spPr>
+          <a:xfrm>
+            <a:off x="2195945" y="1357142"/>
+            <a:ext cx="4176531" cy="2817501"/>
+          </a:xfrm>
+          <a:prstGeom prst="rect">
+            <a:avLst/>
+          </a:prstGeom>
+        </p:spPr>
+      </p:pic>
+    </p:spTree>
+    <p:extLst>
+      <p:ext uri="{BB962C8B-B14F-4D97-AF65-F5344CB8AC3E}">
+        <p14:creationId xmlns:p14="http://schemas.microsoft.com/office/powerpoint/2010/main" val="2994813314"/>
+      </p:ext>
+    </p:extLst>
+  </p:cSld>
+  <p:clrMapOvr>
+    <a:masterClrMapping/>
+  </p:clrMapOvr>
+</p:sld>
+</file>
+
+<file path=ppt/slides/slide38.xml><?xml version="1.0" encoding="utf-8"?>
+<p:sld xmlns:a="http://schemas.openxmlformats.org/drawingml/2006/main" xmlns:r="http://schemas.openxmlformats.org/officeDocument/2006/relationships" xmlns:p="http://schemas.openxmlformats.org/presentationml/2006/main">
+  <p:cSld>
+    <p:spTree>
+      <p:nvGrpSpPr>
+        <p:cNvPr id="1" name=""/>
+        <p:cNvGrpSpPr/>
+        <p:nvPr/>
+      </p:nvGrpSpPr>
+      <p:grpSpPr>
+        <a:xfrm>
+          <a:off x="0" y="0"/>
+          <a:ext cx="0" cy="0"/>
+          <a:chOff x="0" y="0"/>
+          <a:chExt cx="0" cy="0"/>
+        </a:xfrm>
+      </p:grpSpPr>
+      <p:sp>
+        <p:nvSpPr>
+          <p:cNvPr id="2" name="Cím 1">
+            <a:extLst>
+              <a:ext uri="{FF2B5EF4-FFF2-40B4-BE49-F238E27FC236}">
+                <a16:creationId xmlns:a16="http://schemas.microsoft.com/office/drawing/2014/main" id="{4BECE351-EDF9-D4E0-A4CB-F068C45D8FC7}"/>
+              </a:ext>
+            </a:extLst>
+          </p:cNvPr>
+          <p:cNvSpPr>
+            <a:spLocks noGrp="1"/>
+          </p:cNvSpPr>
+          <p:nvPr>
+            <p:ph type="title"/>
+          </p:nvPr>
+        </p:nvSpPr>
+        <p:spPr/>
+        <p:txBody>
+          <a:bodyPr>
+            <a:normAutofit fontScale="90000"/>
+          </a:bodyPr>
+          <a:lstStyle/>
+          <a:p>
+            <a:r>
+              <a:rPr lang="hu-HU" dirty="0"/>
+              <a:t>Másik gyakorlati példa körrel 🍩</a:t>
+            </a:r>
+            <a:endParaRPr lang="en-US" dirty="0"/>
+          </a:p>
+        </p:txBody>
+      </p:sp>
+      <p:pic>
+        <p:nvPicPr>
+          <p:cNvPr id="5" name="Kép 4">
+            <a:extLst>
+              <a:ext uri="{FF2B5EF4-FFF2-40B4-BE49-F238E27FC236}">
+                <a16:creationId xmlns:a16="http://schemas.microsoft.com/office/drawing/2014/main" id="{7444AF30-3E86-1306-FEDA-F5AE9A4BDA3F}"/>
+              </a:ext>
+            </a:extLst>
+          </p:cNvPr>
+          <p:cNvPicPr>
+            <a:picLocks noChangeAspect="1"/>
+          </p:cNvPicPr>
+          <p:nvPr/>
+        </p:nvPicPr>
+        <p:blipFill>
+          <a:blip r:embed="rId2"/>
+          <a:stretch>
+            <a:fillRect/>
+          </a:stretch>
+        </p:blipFill>
+        <p:spPr>
+          <a:xfrm>
+            <a:off x="311700" y="989061"/>
+            <a:ext cx="4311631" cy="3084176"/>
+          </a:xfrm>
+          <a:prstGeom prst="rect">
+            <a:avLst/>
+          </a:prstGeom>
+        </p:spPr>
+      </p:pic>
+      <p:pic>
+        <p:nvPicPr>
+          <p:cNvPr id="7" name="Kép 6">
+            <a:extLst>
+              <a:ext uri="{FF2B5EF4-FFF2-40B4-BE49-F238E27FC236}">
+                <a16:creationId xmlns:a16="http://schemas.microsoft.com/office/drawing/2014/main" id="{87391B40-329D-E09D-7524-02A4D0F55171}"/>
+              </a:ext>
+            </a:extLst>
+          </p:cNvPr>
+          <p:cNvPicPr>
+            <a:picLocks noChangeAspect="1"/>
+          </p:cNvPicPr>
+          <p:nvPr/>
+        </p:nvPicPr>
+        <p:blipFill>
+          <a:blip r:embed="rId3"/>
+          <a:stretch>
+            <a:fillRect/>
+          </a:stretch>
+        </p:blipFill>
+        <p:spPr>
+          <a:xfrm>
+            <a:off x="4525073" y="970197"/>
+            <a:ext cx="4059028" cy="3103040"/>
+          </a:xfrm>
+          <a:prstGeom prst="rect">
+            <a:avLst/>
+          </a:prstGeom>
+        </p:spPr>
+      </p:pic>
+    </p:spTree>
+    <p:extLst>
+      <p:ext uri="{BB962C8B-B14F-4D97-AF65-F5344CB8AC3E}">
+        <p14:creationId xmlns:p14="http://schemas.microsoft.com/office/powerpoint/2010/main" val="5841426"/>
+      </p:ext>
+    </p:extLst>
+  </p:cSld>
+  <p:clrMapOvr>
+    <a:masterClrMapping/>
+  </p:clrMapOvr>
+</p:sld>
+</file>
+
+<file path=ppt/slides/slide39.xml><?xml version="1.0" encoding="utf-8"?>
+<p:sld xmlns:a="http://schemas.openxmlformats.org/drawingml/2006/main" xmlns:r="http://schemas.openxmlformats.org/officeDocument/2006/relationships" xmlns:p="http://schemas.openxmlformats.org/presentationml/2006/main">
+  <p:cSld>
+    <p:spTree>
+      <p:nvGrpSpPr>
+        <p:cNvPr id="1" name=""/>
+        <p:cNvGrpSpPr/>
+        <p:nvPr/>
+      </p:nvGrpSpPr>
+      <p:grpSpPr>
+        <a:xfrm>
+          <a:off x="0" y="0"/>
+          <a:ext cx="0" cy="0"/>
+          <a:chOff x="0" y="0"/>
+          <a:chExt cx="0" cy="0"/>
+        </a:xfrm>
+      </p:grpSpPr>
+      <p:sp>
+        <p:nvSpPr>
+          <p:cNvPr id="2" name="Cím 1">
+            <a:extLst>
+              <a:ext uri="{FF2B5EF4-FFF2-40B4-BE49-F238E27FC236}">
+                <a16:creationId xmlns:a16="http://schemas.microsoft.com/office/drawing/2014/main" id="{6E0D3C32-5880-D781-D837-9D7CA6A3DB64}"/>
+              </a:ext>
+            </a:extLst>
+          </p:cNvPr>
+          <p:cNvSpPr>
+            <a:spLocks noGrp="1"/>
+          </p:cNvSpPr>
+          <p:nvPr>
+            <p:ph type="title"/>
+          </p:nvPr>
+        </p:nvSpPr>
+        <p:spPr/>
+        <p:txBody>
+          <a:bodyPr/>
+          <a:lstStyle/>
+          <a:p>
+            <a:r>
+              <a:rPr lang="hu-HU" dirty="0"/>
+              <a:t>Játékok 🎮 👾</a:t>
+            </a:r>
+            <a:endParaRPr lang="en-US" dirty="0"/>
+          </a:p>
+        </p:txBody>
+      </p:sp>
+    </p:spTree>
+    <p:extLst>
+      <p:ext uri="{BB962C8B-B14F-4D97-AF65-F5344CB8AC3E}">
+        <p14:creationId xmlns:p14="http://schemas.microsoft.com/office/powerpoint/2010/main" val="4231895182"/>
+      </p:ext>
+    </p:extLst>
+  </p:cSld>
+  <p:clrMapOvr>
+    <a:masterClrMapping/>
+  </p:clrMapOvr>
+</p:sld>
+</file>
+
+<file path=ppt/slides/slide4.xml><?xml version="1.0" encoding="utf-8"?>
+<p:sld xmlns:a="http://schemas.openxmlformats.org/drawingml/2006/main" xmlns:r="http://schemas.openxmlformats.org/officeDocument/2006/relationships" xmlns:p="http://schemas.openxmlformats.org/presentationml/2006/main">
+  <p:cSld>
+    <p:spTree>
+      <p:nvGrpSpPr>
+        <p:cNvPr id="1" name="Shape 77"/>
+        <p:cNvGrpSpPr/>
+        <p:nvPr/>
+      </p:nvGrpSpPr>
+      <p:grpSpPr>
+        <a:xfrm>
+          <a:off x="0" y="0"/>
+          <a:ext cx="0" cy="0"/>
+          <a:chOff x="0" y="0"/>
+          <a:chExt cx="0" cy="0"/>
+        </a:xfrm>
+      </p:grpSpPr>
+      <p:sp>
+        <p:nvSpPr>
+          <p:cNvPr id="78" name="Google Shape;78;p16"/>
+          <p:cNvSpPr txBox="1">
+            <a:spLocks noGrp="1"/>
+          </p:cNvSpPr>
+          <p:nvPr>
+            <p:ph type="title"/>
+          </p:nvPr>
+        </p:nvSpPr>
+        <p:spPr>
+          <a:xfrm>
+            <a:off x="311700" y="391350"/>
+            <a:ext cx="8520600" cy="626100"/>
+          </a:xfrm>
+          <a:prstGeom prst="rect">
+            <a:avLst/>
+          </a:prstGeom>
+        </p:spPr>
+        <p:txBody>
+          <a:bodyPr spcFirstLastPara="1" wrap="square" lIns="91425" tIns="91425" rIns="91425" bIns="91425" anchor="t" anchorCtr="0">
+            <a:normAutofit fontScale="90000"/>
+          </a:bodyPr>
+          <a:lstStyle/>
+          <a:p>
+            <a:pPr marL="0" lvl="0" indent="0" algn="l" rtl="0">
+              <a:spcBef>
+                <a:spcPts val="0"/>
+              </a:spcBef>
+              <a:spcAft>
+                <a:spcPts val="0"/>
+              </a:spcAft>
+              <a:buNone/>
+            </a:pPr>
+            <a:r>
+              <a:rPr lang="hu"/>
+              <a:t>Mi van a program fájlban?</a:t>
+            </a:r>
+            <a:endParaRPr/>
+          </a:p>
+        </p:txBody>
+      </p:sp>
+      <p:sp>
+        <p:nvSpPr>
+          <p:cNvPr id="79" name="Google Shape;79;p16"/>
+          <p:cNvSpPr txBox="1">
+            <a:spLocks noGrp="1"/>
+          </p:cNvSpPr>
+          <p:nvPr>
+            <p:ph type="body" idx="1"/>
+          </p:nvPr>
+        </p:nvSpPr>
+        <p:spPr>
+          <a:xfrm>
+            <a:off x="311700" y="1152475"/>
+            <a:ext cx="8520600" cy="3416400"/>
+          </a:xfrm>
+          <a:prstGeom prst="rect">
+            <a:avLst/>
+          </a:prstGeom>
+        </p:spPr>
+        <p:txBody>
+          <a:bodyPr spcFirstLastPara="1" wrap="square" lIns="91425" tIns="91425" rIns="91425" bIns="91425" anchor="t" anchorCtr="0">
+            <a:normAutofit/>
+          </a:bodyPr>
+          <a:lstStyle/>
+          <a:p>
+            <a:pPr marL="457200" lvl="0" indent="-342900" algn="l" rtl="0">
+              <a:spcBef>
+                <a:spcPts val="0"/>
+              </a:spcBef>
+              <a:spcAft>
+                <a:spcPts val="0"/>
+              </a:spcAft>
+              <a:buSzPts val="1800"/>
+              <a:buChar char="●"/>
+            </a:pPr>
+            <a:r>
+              <a:rPr lang="hu" b="1"/>
+              <a:t>Forráskód</a:t>
+            </a:r>
+            <a:r>
+              <a:rPr lang="hu"/>
+              <a:t>: A program fájl tartalmazza a forráskódot, amelyet a programozó ír. Ez a kód ember által olvasható, és egy adott programozási nyelven íródott (pl. Python, Java, C++).</a:t>
+            </a:r>
+            <a:endParaRPr/>
+          </a:p>
+          <a:p>
+            <a:pPr marL="457200" lvl="0" indent="-342900" algn="l" rtl="0">
+              <a:spcBef>
+                <a:spcPts val="1000"/>
+              </a:spcBef>
+              <a:spcAft>
+                <a:spcPts val="0"/>
+              </a:spcAft>
+              <a:buSzPts val="1800"/>
+              <a:buChar char="●"/>
+            </a:pPr>
+            <a:r>
+              <a:rPr lang="hu" b="1"/>
+              <a:t>Futtatható kód</a:t>
+            </a:r>
+            <a:r>
+              <a:rPr lang="hu"/>
+              <a:t>: A forráskód lefordítva vagy értelmezve futtatható kód lesz, amelyet a számítógép közvetlenül tud végrehajtani.</a:t>
+            </a:r>
+            <a:endParaRPr/>
+          </a:p>
+          <a:p>
+            <a:pPr marL="457200" lvl="0" indent="-342900" algn="l" rtl="0">
+              <a:spcBef>
+                <a:spcPts val="1000"/>
+              </a:spcBef>
+              <a:spcAft>
+                <a:spcPts val="1000"/>
+              </a:spcAft>
+              <a:buSzPts val="1800"/>
+              <a:buChar char="●"/>
+            </a:pPr>
+            <a:r>
+              <a:rPr lang="hu" b="1"/>
+              <a:t>Adatok és erőforrások:</a:t>
+            </a:r>
+            <a:r>
+              <a:rPr lang="hu"/>
+              <a:t> A program fájl tartalmazhat adatokat, képeket, hangfájlokat vagy más erőforrásokat, amelyekre a programnak szüksége van.</a:t>
+            </a:r>
+            <a:endParaRPr/>
+          </a:p>
+        </p:txBody>
+      </p:sp>
+    </p:spTree>
+  </p:cSld>
+  <p:clrMapOvr>
+    <a:masterClrMapping/>
+  </p:clrMapOvr>
+</p:sld>
+</file>
+
+<file path=ppt/slides/slide40.xml><?xml version="1.0" encoding="utf-8"?>
+<p:sld xmlns:a="http://schemas.openxmlformats.org/drawingml/2006/main" xmlns:r="http://schemas.openxmlformats.org/officeDocument/2006/relationships" xmlns:p="http://schemas.openxmlformats.org/presentationml/2006/main">
+  <p:cSld>
+    <p:spTree>
+      <p:nvGrpSpPr>
+        <p:cNvPr id="1" name="Shape 132"/>
+        <p:cNvGrpSpPr/>
+        <p:nvPr/>
+      </p:nvGrpSpPr>
+      <p:grpSpPr>
+        <a:xfrm>
+          <a:off x="0" y="0"/>
+          <a:ext cx="0" cy="0"/>
+          <a:chOff x="0" y="0"/>
+          <a:chExt cx="0" cy="0"/>
+        </a:xfrm>
+      </p:grpSpPr>
+      <p:sp>
+        <p:nvSpPr>
+          <p:cNvPr id="133" name="Google Shape;133;p24"/>
+          <p:cNvSpPr txBox="1">
+            <a:spLocks noGrp="1"/>
+          </p:cNvSpPr>
+          <p:nvPr>
+            <p:ph type="title"/>
+          </p:nvPr>
+        </p:nvSpPr>
+        <p:spPr>
+          <a:xfrm>
+            <a:off x="311700" y="391350"/>
+            <a:ext cx="8520600" cy="626100"/>
+          </a:xfrm>
+          <a:prstGeom prst="rect">
+            <a:avLst/>
+          </a:prstGeom>
+        </p:spPr>
+        <p:txBody>
+          <a:bodyPr spcFirstLastPara="1" wrap="square" lIns="91425" tIns="91425" rIns="91425" bIns="91425" anchor="t" anchorCtr="0">
+            <a:normAutofit fontScale="90000"/>
+          </a:bodyPr>
+          <a:lstStyle/>
+          <a:p>
+            <a:pPr marL="0" lvl="0" indent="0" algn="l" rtl="0">
+              <a:spcBef>
+                <a:spcPts val="0"/>
+              </a:spcBef>
+              <a:spcAft>
+                <a:spcPts val="0"/>
+              </a:spcAft>
+              <a:buNone/>
+            </a:pPr>
+            <a:r>
+              <a:rPr lang="hu" dirty="0"/>
+              <a:t>Számkitalálós játék 🤔</a:t>
+            </a:r>
+            <a:endParaRPr dirty="0"/>
+          </a:p>
+        </p:txBody>
+      </p:sp>
+      <p:pic>
+        <p:nvPicPr>
+          <p:cNvPr id="135" name="Google Shape;135;p24"/>
+          <p:cNvPicPr preferRelativeResize="0"/>
+          <p:nvPr/>
+        </p:nvPicPr>
+        <p:blipFill>
+          <a:blip r:embed="rId3">
+            <a:alphaModFix/>
+          </a:blip>
+          <a:stretch>
+            <a:fillRect/>
+          </a:stretch>
+        </p:blipFill>
+        <p:spPr>
+          <a:xfrm>
+            <a:off x="1614055" y="1253837"/>
+            <a:ext cx="7218251" cy="3103002"/>
+          </a:xfrm>
+          <a:prstGeom prst="rect">
+            <a:avLst/>
+          </a:prstGeom>
+          <a:noFill/>
+          <a:ln>
+            <a:noFill/>
+          </a:ln>
+        </p:spPr>
+      </p:pic>
+    </p:spTree>
+  </p:cSld>
+  <p:clrMapOvr>
+    <a:masterClrMapping/>
+  </p:clrMapOvr>
+</p:sld>
+</file>
+
+<file path=ppt/slides/slide41.xml><?xml version="1.0" encoding="utf-8"?>
+<p:sld xmlns:a="http://schemas.openxmlformats.org/drawingml/2006/main" xmlns:r="http://schemas.openxmlformats.org/officeDocument/2006/relationships" xmlns:p="http://schemas.openxmlformats.org/presentationml/2006/main">
+  <p:cSld>
+    <p:spTree>
+      <p:nvGrpSpPr>
+        <p:cNvPr id="1" name="Shape 139"/>
+        <p:cNvGrpSpPr/>
+        <p:nvPr/>
+      </p:nvGrpSpPr>
+      <p:grpSpPr>
+        <a:xfrm>
+          <a:off x="0" y="0"/>
+          <a:ext cx="0" cy="0"/>
+          <a:chOff x="0" y="0"/>
+          <a:chExt cx="0" cy="0"/>
+        </a:xfrm>
+      </p:grpSpPr>
+      <p:sp>
+        <p:nvSpPr>
+          <p:cNvPr id="140" name="Google Shape;140;p25"/>
+          <p:cNvSpPr txBox="1">
+            <a:spLocks noGrp="1"/>
+          </p:cNvSpPr>
+          <p:nvPr>
+            <p:ph type="title"/>
+          </p:nvPr>
+        </p:nvSpPr>
+        <p:spPr>
+          <a:xfrm>
+            <a:off x="311700" y="391350"/>
+            <a:ext cx="8520600" cy="626100"/>
+          </a:xfrm>
+          <a:prstGeom prst="rect">
+            <a:avLst/>
+          </a:prstGeom>
+        </p:spPr>
+        <p:txBody>
+          <a:bodyPr spcFirstLastPara="1" wrap="square" lIns="91425" tIns="91425" rIns="91425" bIns="91425" anchor="t" anchorCtr="0">
+            <a:normAutofit fontScale="90000"/>
+          </a:bodyPr>
+          <a:lstStyle/>
+          <a:p>
+            <a:pPr marL="0" lvl="0" indent="0" algn="l" rtl="0">
+              <a:spcBef>
+                <a:spcPts val="0"/>
+              </a:spcBef>
+              <a:spcAft>
+                <a:spcPts val="0"/>
+              </a:spcAft>
+              <a:buNone/>
+            </a:pPr>
+            <a:r>
+              <a:rPr lang="hu"/>
+              <a:t>Továbbfejlesztett számkitalálós játék</a:t>
+            </a:r>
+            <a:endParaRPr/>
+          </a:p>
+        </p:txBody>
+      </p:sp>
+      <p:pic>
+        <p:nvPicPr>
+          <p:cNvPr id="141" name="Google Shape;141;p25"/>
+          <p:cNvPicPr preferRelativeResize="0"/>
+          <p:nvPr/>
+        </p:nvPicPr>
+        <p:blipFill>
+          <a:blip r:embed="rId3">
+            <a:alphaModFix/>
+          </a:blip>
+          <a:stretch>
+            <a:fillRect/>
+          </a:stretch>
+        </p:blipFill>
+        <p:spPr>
+          <a:xfrm>
+            <a:off x="311692" y="939800"/>
+            <a:ext cx="4620525" cy="3971636"/>
+          </a:xfrm>
+          <a:prstGeom prst="rect">
+            <a:avLst/>
+          </a:prstGeom>
+          <a:noFill/>
+          <a:ln>
+            <a:noFill/>
+          </a:ln>
+        </p:spPr>
+      </p:pic>
+      <p:pic>
+        <p:nvPicPr>
+          <p:cNvPr id="142" name="Google Shape;142;p25"/>
+          <p:cNvPicPr preferRelativeResize="0"/>
+          <p:nvPr/>
+        </p:nvPicPr>
+        <p:blipFill>
+          <a:blip r:embed="rId4">
+            <a:alphaModFix/>
+          </a:blip>
+          <a:stretch>
+            <a:fillRect/>
+          </a:stretch>
+        </p:blipFill>
+        <p:spPr>
+          <a:xfrm>
+            <a:off x="5043055" y="1600675"/>
+            <a:ext cx="3796145" cy="1897598"/>
+          </a:xfrm>
+          <a:prstGeom prst="rect">
+            <a:avLst/>
+          </a:prstGeom>
+          <a:noFill/>
+          <a:ln>
+            <a:noFill/>
+          </a:ln>
+        </p:spPr>
+      </p:pic>
+    </p:spTree>
+  </p:cSld>
+  <p:clrMapOvr>
+    <a:masterClrMapping/>
+  </p:clrMapOvr>
+</p:sld>
+</file>
+
+<file path=ppt/slides/slide42.xml><?xml version="1.0" encoding="utf-8"?>
+<p:sld xmlns:a="http://schemas.openxmlformats.org/drawingml/2006/main" xmlns:r="http://schemas.openxmlformats.org/officeDocument/2006/relationships" xmlns:p="http://schemas.openxmlformats.org/presentationml/2006/main">
+  <p:cSld>
+    <p:spTree>
+      <p:nvGrpSpPr>
+        <p:cNvPr id="1" name="Shape 146"/>
+        <p:cNvGrpSpPr/>
+        <p:nvPr/>
+      </p:nvGrpSpPr>
+      <p:grpSpPr>
+        <a:xfrm>
+          <a:off x="0" y="0"/>
+          <a:ext cx="0" cy="0"/>
+          <a:chOff x="0" y="0"/>
+          <a:chExt cx="0" cy="0"/>
+        </a:xfrm>
+      </p:grpSpPr>
+      <p:sp>
+        <p:nvSpPr>
+          <p:cNvPr id="147" name="Google Shape;147;p26"/>
+          <p:cNvSpPr txBox="1">
+            <a:spLocks noGrp="1"/>
+          </p:cNvSpPr>
+          <p:nvPr>
+            <p:ph type="title"/>
+          </p:nvPr>
+        </p:nvSpPr>
+        <p:spPr>
+          <a:xfrm>
+            <a:off x="311700" y="391350"/>
+            <a:ext cx="8520600" cy="626100"/>
+          </a:xfrm>
+          <a:prstGeom prst="rect">
+            <a:avLst/>
+          </a:prstGeom>
+        </p:spPr>
+        <p:txBody>
+          <a:bodyPr spcFirstLastPara="1" wrap="square" lIns="91425" tIns="91425" rIns="91425" bIns="91425" anchor="t" anchorCtr="0">
+            <a:normAutofit fontScale="90000"/>
+          </a:bodyPr>
+          <a:lstStyle/>
+          <a:p>
+            <a:pPr marL="0" lvl="0" indent="0" algn="l" rtl="0">
+              <a:spcBef>
+                <a:spcPts val="0"/>
+              </a:spcBef>
+              <a:spcAft>
+                <a:spcPts val="0"/>
+              </a:spcAft>
+              <a:buNone/>
+            </a:pPr>
+            <a:r>
+              <a:rPr lang="hu" dirty="0"/>
+              <a:t>Kő-Papír-Olló játék 🪨 📃 ✂️</a:t>
+            </a:r>
+            <a:endParaRPr dirty="0"/>
+          </a:p>
+        </p:txBody>
+      </p:sp>
+      <p:pic>
+        <p:nvPicPr>
+          <p:cNvPr id="148" name="Google Shape;148;p26"/>
+          <p:cNvPicPr preferRelativeResize="0"/>
+          <p:nvPr/>
+        </p:nvPicPr>
+        <p:blipFill>
+          <a:blip r:embed="rId3">
+            <a:alphaModFix/>
+          </a:blip>
+          <a:stretch>
+            <a:fillRect/>
+          </a:stretch>
+        </p:blipFill>
+        <p:spPr>
+          <a:xfrm>
+            <a:off x="152400" y="1017725"/>
+            <a:ext cx="4829179" cy="3973375"/>
+          </a:xfrm>
+          <a:prstGeom prst="rect">
+            <a:avLst/>
+          </a:prstGeom>
+          <a:noFill/>
+          <a:ln>
+            <a:noFill/>
+          </a:ln>
+        </p:spPr>
+      </p:pic>
+    </p:spTree>
+  </p:cSld>
+  <p:clrMapOvr>
+    <a:masterClrMapping/>
+  </p:clrMapOvr>
+</p:sld>
+</file>
+
+<file path=ppt/slides/slide43.xml><?xml version="1.0" encoding="utf-8"?>
+<p:sld xmlns:a="http://schemas.openxmlformats.org/drawingml/2006/main" xmlns:r="http://schemas.openxmlformats.org/officeDocument/2006/relationships" xmlns:p="http://schemas.openxmlformats.org/presentationml/2006/main">
+  <p:cSld>
+    <p:spTree>
+      <p:nvGrpSpPr>
+        <p:cNvPr id="1" name="Shape 152"/>
+        <p:cNvGrpSpPr/>
+        <p:nvPr/>
+      </p:nvGrpSpPr>
+      <p:grpSpPr>
+        <a:xfrm>
+          <a:off x="0" y="0"/>
+          <a:ext cx="0" cy="0"/>
+          <a:chOff x="0" y="0"/>
+          <a:chExt cx="0" cy="0"/>
+        </a:xfrm>
+      </p:grpSpPr>
+      <p:sp>
+        <p:nvSpPr>
+          <p:cNvPr id="153" name="Google Shape;153;p27"/>
+          <p:cNvSpPr txBox="1">
+            <a:spLocks noGrp="1"/>
+          </p:cNvSpPr>
+          <p:nvPr>
+            <p:ph type="title"/>
+          </p:nvPr>
+        </p:nvSpPr>
+        <p:spPr>
+          <a:xfrm>
+            <a:off x="311700" y="391350"/>
+            <a:ext cx="8520600" cy="626100"/>
+          </a:xfrm>
+          <a:prstGeom prst="rect">
+            <a:avLst/>
+          </a:prstGeom>
+        </p:spPr>
+        <p:txBody>
+          <a:bodyPr spcFirstLastPara="1" wrap="square" lIns="91425" tIns="91425" rIns="91425" bIns="91425" anchor="t" anchorCtr="0">
+            <a:normAutofit fontScale="90000"/>
+          </a:bodyPr>
+          <a:lstStyle/>
+          <a:p>
+            <a:pPr marL="0" lvl="0" indent="0" algn="l" rtl="0">
+              <a:spcBef>
+                <a:spcPts val="0"/>
+              </a:spcBef>
+              <a:spcAft>
+                <a:spcPts val="0"/>
+              </a:spcAft>
+              <a:buNone/>
+            </a:pPr>
+            <a:r>
+              <a:rPr lang="hu" dirty="0"/>
+              <a:t>Számológép 🧮</a:t>
+            </a:r>
+            <a:endParaRPr dirty="0"/>
+          </a:p>
+        </p:txBody>
+      </p:sp>
+      <p:sp>
+        <p:nvSpPr>
+          <p:cNvPr id="154" name="Google Shape;154;p27"/>
+          <p:cNvSpPr txBox="1"/>
+          <p:nvPr/>
+        </p:nvSpPr>
+        <p:spPr>
+          <a:xfrm>
+            <a:off x="419275" y="1283750"/>
+            <a:ext cx="3801000" cy="2697300"/>
+          </a:xfrm>
+          <a:prstGeom prst="rect">
+            <a:avLst/>
+          </a:prstGeom>
+          <a:noFill/>
+          <a:ln>
+            <a:noFill/>
+          </a:ln>
+        </p:spPr>
+        <p:txBody>
+          <a:bodyPr spcFirstLastPara="1" wrap="square" lIns="91425" tIns="91425" rIns="91425" bIns="91425" anchor="t" anchorCtr="0">
+            <a:noAutofit/>
+          </a:bodyPr>
+          <a:lstStyle/>
+          <a:p>
+            <a:pPr marL="0" lvl="0" indent="0" algn="l" rtl="0">
+              <a:spcBef>
+                <a:spcPts val="0"/>
+              </a:spcBef>
+              <a:spcAft>
+                <a:spcPts val="0"/>
+              </a:spcAft>
+              <a:buNone/>
+            </a:pPr>
+            <a:r>
+              <a:rPr lang="hu" sz="1600">
+                <a:solidFill>
+                  <a:srgbClr val="404040"/>
+                </a:solidFill>
+                <a:latin typeface="Roboto"/>
+                <a:ea typeface="Roboto"/>
+                <a:cs typeface="Roboto"/>
+                <a:sym typeface="Roboto"/>
+              </a:rPr>
+              <a:t>Egy egyszerű számológép, amely alap műveleteket végez.</a:t>
+            </a:r>
+            <a:endParaRPr sz="2600">
+              <a:solidFill>
+                <a:schemeClr val="dk2"/>
+              </a:solidFill>
+            </a:endParaRPr>
+          </a:p>
+        </p:txBody>
+      </p:sp>
+      <p:pic>
+        <p:nvPicPr>
+          <p:cNvPr id="155" name="Google Shape;155;p27"/>
+          <p:cNvPicPr preferRelativeResize="0"/>
+          <p:nvPr/>
+        </p:nvPicPr>
+        <p:blipFill>
+          <a:blip r:embed="rId3">
+            <a:alphaModFix/>
+          </a:blip>
+          <a:stretch>
+            <a:fillRect/>
+          </a:stretch>
+        </p:blipFill>
+        <p:spPr>
+          <a:xfrm>
+            <a:off x="4572000" y="564775"/>
+            <a:ext cx="3561215" cy="3820974"/>
+          </a:xfrm>
+          <a:prstGeom prst="rect">
+            <a:avLst/>
+          </a:prstGeom>
+          <a:noFill/>
+          <a:ln>
+            <a:noFill/>
+          </a:ln>
+        </p:spPr>
+      </p:pic>
+    </p:spTree>
+  </p:cSld>
+  <p:clrMapOvr>
+    <a:masterClrMapping/>
+  </p:clrMapOvr>
+</p:sld>
+</file>
+
+<file path=ppt/slides/slide44.xml><?xml version="1.0" encoding="utf-8"?>
+<p:sld xmlns:a="http://schemas.openxmlformats.org/drawingml/2006/main" xmlns:r="http://schemas.openxmlformats.org/officeDocument/2006/relationships" xmlns:p="http://schemas.openxmlformats.org/presentationml/2006/main">
+  <p:cSld>
+    <p:spTree>
+      <p:nvGrpSpPr>
+        <p:cNvPr id="1" name="Shape 159"/>
+        <p:cNvGrpSpPr/>
+        <p:nvPr/>
+      </p:nvGrpSpPr>
+      <p:grpSpPr>
+        <a:xfrm>
+          <a:off x="0" y="0"/>
+          <a:ext cx="0" cy="0"/>
+          <a:chOff x="0" y="0"/>
+          <a:chExt cx="0" cy="0"/>
+        </a:xfrm>
+      </p:grpSpPr>
+      <p:sp>
+        <p:nvSpPr>
+          <p:cNvPr id="160" name="Google Shape;160;p28"/>
+          <p:cNvSpPr txBox="1">
+            <a:spLocks noGrp="1"/>
+          </p:cNvSpPr>
+          <p:nvPr>
+            <p:ph type="title"/>
+          </p:nvPr>
+        </p:nvSpPr>
+        <p:spPr>
+          <a:xfrm>
+            <a:off x="311700" y="391350"/>
+            <a:ext cx="8520600" cy="626100"/>
+          </a:xfrm>
+          <a:prstGeom prst="rect">
+            <a:avLst/>
+          </a:prstGeom>
+        </p:spPr>
+        <p:txBody>
+          <a:bodyPr spcFirstLastPara="1" wrap="square" lIns="91425" tIns="91425" rIns="91425" bIns="91425" anchor="t" anchorCtr="0">
+            <a:normAutofit fontScale="90000"/>
+          </a:bodyPr>
+          <a:lstStyle/>
+          <a:p>
+            <a:pPr marL="0" lvl="0" indent="0" algn="l" rtl="0">
+              <a:spcBef>
+                <a:spcPts val="0"/>
+              </a:spcBef>
+              <a:spcAft>
+                <a:spcPts val="0"/>
+              </a:spcAft>
+              <a:buNone/>
+            </a:pPr>
+            <a:r>
+              <a:rPr lang="hu"/>
+              <a:t>Számok kitalálása fordítva</a:t>
+            </a:r>
+            <a:endParaRPr/>
+          </a:p>
+        </p:txBody>
+      </p:sp>
+      <p:sp>
+        <p:nvSpPr>
+          <p:cNvPr id="161" name="Google Shape;161;p28"/>
+          <p:cNvSpPr txBox="1"/>
+          <p:nvPr/>
+        </p:nvSpPr>
+        <p:spPr>
+          <a:xfrm>
+            <a:off x="401475" y="1265950"/>
+            <a:ext cx="2350200" cy="2697300"/>
+          </a:xfrm>
+          <a:prstGeom prst="rect">
+            <a:avLst/>
+          </a:prstGeom>
+          <a:noFill/>
+          <a:ln>
+            <a:noFill/>
+          </a:ln>
+        </p:spPr>
+        <p:txBody>
+          <a:bodyPr spcFirstLastPara="1" wrap="square" lIns="91425" tIns="91425" rIns="91425" bIns="91425" anchor="t" anchorCtr="0">
+            <a:noAutofit/>
+          </a:bodyPr>
+          <a:lstStyle/>
+          <a:p>
+            <a:pPr marL="0" lvl="0" indent="0" algn="l" rtl="0">
+              <a:spcBef>
+                <a:spcPts val="0"/>
+              </a:spcBef>
+              <a:spcAft>
+                <a:spcPts val="0"/>
+              </a:spcAft>
+              <a:buNone/>
+            </a:pPr>
+            <a:r>
+              <a:rPr lang="hu" sz="1600">
+                <a:solidFill>
+                  <a:srgbClr val="404040"/>
+                </a:solidFill>
+                <a:latin typeface="Roboto"/>
+                <a:ea typeface="Roboto"/>
+                <a:cs typeface="Roboto"/>
+                <a:sym typeface="Roboto"/>
+              </a:rPr>
+              <a:t>Ebben a játékban a gép próbálja kitalálni a játékos által gondolt számot.</a:t>
+            </a:r>
+            <a:endParaRPr sz="2600">
+              <a:solidFill>
+                <a:schemeClr val="dk2"/>
+              </a:solidFill>
+            </a:endParaRPr>
+          </a:p>
+        </p:txBody>
+      </p:sp>
+      <p:pic>
+        <p:nvPicPr>
+          <p:cNvPr id="162" name="Google Shape;162;p28"/>
+          <p:cNvPicPr preferRelativeResize="0"/>
+          <p:nvPr/>
+        </p:nvPicPr>
+        <p:blipFill>
+          <a:blip r:embed="rId3">
+            <a:alphaModFix/>
+          </a:blip>
+          <a:stretch>
+            <a:fillRect/>
+          </a:stretch>
+        </p:blipFill>
+        <p:spPr>
+          <a:xfrm>
+            <a:off x="2751675" y="911975"/>
+            <a:ext cx="6087524" cy="3807703"/>
+          </a:xfrm>
+          <a:prstGeom prst="rect">
+            <a:avLst/>
+          </a:prstGeom>
+          <a:noFill/>
+          <a:ln>
+            <a:noFill/>
+          </a:ln>
+        </p:spPr>
+      </p:pic>
+    </p:spTree>
+  </p:cSld>
+  <p:clrMapOvr>
+    <a:masterClrMapping/>
+  </p:clrMapOvr>
+</p:sld>
+</file>
+
+<file path=ppt/slides/slide45.xml><?xml version="1.0" encoding="utf-8"?>
+<p:sld xmlns:a="http://schemas.openxmlformats.org/drawingml/2006/main" xmlns:r="http://schemas.openxmlformats.org/officeDocument/2006/relationships" xmlns:p="http://schemas.openxmlformats.org/presentationml/2006/main">
+  <p:cSld>
+    <p:spTree>
+      <p:nvGrpSpPr>
+        <p:cNvPr id="1" name=""/>
+        <p:cNvGrpSpPr/>
+        <p:nvPr/>
+      </p:nvGrpSpPr>
+      <p:grpSpPr>
+        <a:xfrm>
+          <a:off x="0" y="0"/>
+          <a:ext cx="0" cy="0"/>
+          <a:chOff x="0" y="0"/>
+          <a:chExt cx="0" cy="0"/>
+        </a:xfrm>
+      </p:grpSpPr>
+      <p:sp>
+        <p:nvSpPr>
+          <p:cNvPr id="2" name="Cím 1">
+            <a:extLst>
+              <a:ext uri="{FF2B5EF4-FFF2-40B4-BE49-F238E27FC236}">
+                <a16:creationId xmlns:a16="http://schemas.microsoft.com/office/drawing/2014/main" id="{E1688994-2F3E-2E14-BDBF-9A44AC241090}"/>
+              </a:ext>
+            </a:extLst>
+          </p:cNvPr>
+          <p:cNvSpPr>
+            <a:spLocks noGrp="1"/>
+          </p:cNvSpPr>
+          <p:nvPr>
+            <p:ph type="title"/>
+          </p:nvPr>
+        </p:nvSpPr>
+        <p:spPr/>
+        <p:txBody>
+          <a:bodyPr>
+            <a:normAutofit fontScale="90000"/>
+          </a:bodyPr>
+          <a:lstStyle/>
+          <a:p>
+            <a:r>
+              <a:rPr lang="hu-HU" dirty="0" err="1"/>
+              <a:t>Nim</a:t>
+            </a:r>
+            <a:r>
+              <a:rPr lang="hu-HU" dirty="0"/>
+              <a:t> játék 🍬 🍬 🍬 🍬 🍬 🍬 🍬 🍬</a:t>
+            </a:r>
+            <a:endParaRPr lang="en-US" dirty="0"/>
+          </a:p>
+        </p:txBody>
+      </p:sp>
+      <p:sp>
+        <p:nvSpPr>
+          <p:cNvPr id="3" name="Szöveg helye 2">
+            <a:extLst>
+              <a:ext uri="{FF2B5EF4-FFF2-40B4-BE49-F238E27FC236}">
+                <a16:creationId xmlns:a16="http://schemas.microsoft.com/office/drawing/2014/main" id="{323546C1-34E2-0F0B-607E-7A9017156153}"/>
+              </a:ext>
+            </a:extLst>
+          </p:cNvPr>
+          <p:cNvSpPr>
+            <a:spLocks noGrp="1"/>
+          </p:cNvSpPr>
+          <p:nvPr>
+            <p:ph type="body" idx="1"/>
+          </p:nvPr>
+        </p:nvSpPr>
+        <p:spPr/>
+        <p:txBody>
+          <a:bodyPr/>
+          <a:lstStyle/>
+          <a:p>
+            <a:pPr marL="114300" indent="0">
+              <a:buNone/>
+            </a:pPr>
+            <a:r>
+              <a:rPr lang="en-US" b="1" dirty="0"/>
+              <a:t>A Nim </a:t>
+            </a:r>
+            <a:r>
+              <a:rPr lang="en-US" b="1" dirty="0" err="1"/>
+              <a:t>játék</a:t>
+            </a:r>
+            <a:r>
+              <a:rPr lang="en-US" b="1" dirty="0"/>
+              <a:t> </a:t>
+            </a:r>
+            <a:r>
+              <a:rPr lang="en-US" b="1" dirty="0" err="1"/>
+              <a:t>alapjai</a:t>
+            </a:r>
+            <a:r>
+              <a:rPr lang="en-US" b="1" dirty="0"/>
+              <a:t>:</a:t>
+            </a:r>
+          </a:p>
+          <a:p>
+            <a:r>
+              <a:rPr lang="en-US" b="1" dirty="0" err="1"/>
+              <a:t>Kezdeti</a:t>
+            </a:r>
+            <a:r>
+              <a:rPr lang="en-US" b="1" dirty="0"/>
+              <a:t> </a:t>
+            </a:r>
+            <a:r>
+              <a:rPr lang="en-US" b="1" dirty="0" err="1"/>
+              <a:t>állapot</a:t>
+            </a:r>
+            <a:r>
+              <a:rPr lang="en-US" b="1" dirty="0"/>
+              <a:t>: </a:t>
+            </a:r>
+            <a:r>
+              <a:rPr lang="en-US" dirty="0" err="1"/>
+              <a:t>Egy</a:t>
+            </a:r>
+            <a:r>
+              <a:rPr lang="en-US" dirty="0"/>
+              <a:t> </a:t>
+            </a:r>
+            <a:r>
+              <a:rPr lang="en-US" dirty="0" err="1"/>
+              <a:t>halom</a:t>
+            </a:r>
+            <a:r>
+              <a:rPr lang="en-US" dirty="0"/>
+              <a:t> </a:t>
+            </a:r>
+            <a:r>
+              <a:rPr lang="en-US" dirty="0" err="1"/>
+              <a:t>tárgy</a:t>
+            </a:r>
+            <a:r>
+              <a:rPr lang="en-US" dirty="0"/>
+              <a:t> (</a:t>
+            </a:r>
+            <a:r>
+              <a:rPr lang="en-US" dirty="0" err="1"/>
+              <a:t>bab</a:t>
+            </a:r>
+            <a:r>
+              <a:rPr lang="en-US" dirty="0"/>
+              <a:t>, </a:t>
+            </a:r>
+            <a:r>
+              <a:rPr lang="en-US" dirty="0" err="1"/>
+              <a:t>golyó</a:t>
+            </a:r>
+            <a:r>
+              <a:rPr lang="en-US" dirty="0"/>
+              <a:t>, </a:t>
+            </a:r>
+            <a:r>
+              <a:rPr lang="en-US" dirty="0" err="1"/>
+              <a:t>gyufaszál</a:t>
+            </a:r>
+            <a:r>
+              <a:rPr lang="en-US" dirty="0"/>
+              <a:t>, </a:t>
+            </a:r>
+            <a:r>
+              <a:rPr lang="en-US" dirty="0" err="1"/>
+              <a:t>stb</a:t>
+            </a:r>
+            <a:r>
+              <a:rPr lang="en-US" dirty="0"/>
+              <a:t>.) van, </a:t>
+            </a:r>
+            <a:r>
+              <a:rPr lang="en-US" dirty="0" err="1"/>
+              <a:t>vagy</a:t>
+            </a:r>
+            <a:r>
+              <a:rPr lang="en-US" dirty="0"/>
+              <a:t> </a:t>
+            </a:r>
+            <a:r>
+              <a:rPr lang="en-US" dirty="0" err="1"/>
+              <a:t>több</a:t>
+            </a:r>
+            <a:r>
+              <a:rPr lang="en-US" dirty="0"/>
+              <a:t> </a:t>
+            </a:r>
+            <a:r>
+              <a:rPr lang="en-US" dirty="0" err="1"/>
+              <a:t>halom</a:t>
+            </a:r>
+            <a:r>
+              <a:rPr lang="en-US" dirty="0"/>
+              <a:t>.</a:t>
+            </a:r>
+          </a:p>
+          <a:p>
+            <a:r>
+              <a:rPr lang="en-US" b="1" dirty="0" err="1"/>
+              <a:t>Játékmenet</a:t>
+            </a:r>
+            <a:r>
+              <a:rPr lang="en-US" b="1" dirty="0"/>
+              <a:t>: </a:t>
+            </a:r>
+            <a:r>
+              <a:rPr lang="en-US" dirty="0"/>
+              <a:t>A </a:t>
+            </a:r>
+            <a:r>
+              <a:rPr lang="en-US" dirty="0" err="1"/>
+              <a:t>játékosok</a:t>
+            </a:r>
+            <a:r>
+              <a:rPr lang="en-US" dirty="0"/>
+              <a:t> </a:t>
+            </a:r>
+            <a:r>
+              <a:rPr lang="en-US" dirty="0" err="1"/>
+              <a:t>felváltva</a:t>
+            </a:r>
+            <a:r>
+              <a:rPr lang="en-US" dirty="0"/>
+              <a:t> </a:t>
+            </a:r>
+            <a:r>
+              <a:rPr lang="en-US" dirty="0" err="1"/>
+              <a:t>elvesznek</a:t>
+            </a:r>
+            <a:r>
+              <a:rPr lang="en-US" dirty="0"/>
+              <a:t> 1 </a:t>
+            </a:r>
+            <a:r>
+              <a:rPr lang="en-US" dirty="0" err="1"/>
+              <a:t>vagy</a:t>
+            </a:r>
+            <a:r>
+              <a:rPr lang="en-US" dirty="0"/>
+              <a:t> </a:t>
+            </a:r>
+            <a:r>
+              <a:rPr lang="en-US" dirty="0" err="1"/>
+              <a:t>több</a:t>
+            </a:r>
+            <a:r>
+              <a:rPr lang="en-US" dirty="0"/>
+              <a:t> (de </a:t>
+            </a:r>
+            <a:r>
+              <a:rPr lang="en-US" dirty="0" err="1"/>
+              <a:t>korlátozott</a:t>
+            </a:r>
+            <a:r>
+              <a:rPr lang="en-US" dirty="0"/>
+              <a:t> </a:t>
+            </a:r>
+            <a:r>
+              <a:rPr lang="en-US" dirty="0" err="1"/>
+              <a:t>számú</a:t>
+            </a:r>
+            <a:r>
+              <a:rPr lang="en-US" dirty="0"/>
+              <a:t>) </a:t>
+            </a:r>
+            <a:r>
+              <a:rPr lang="en-US" dirty="0" err="1"/>
+              <a:t>tárgyat</a:t>
+            </a:r>
+            <a:r>
+              <a:rPr lang="en-US" dirty="0"/>
+              <a:t> </a:t>
+            </a:r>
+            <a:r>
+              <a:rPr lang="en-US" dirty="0" err="1"/>
+              <a:t>egy</a:t>
+            </a:r>
+            <a:r>
+              <a:rPr lang="en-US" dirty="0"/>
+              <a:t> </a:t>
+            </a:r>
+            <a:r>
+              <a:rPr lang="en-US" dirty="0" err="1"/>
+              <a:t>halomból</a:t>
+            </a:r>
+            <a:r>
+              <a:rPr lang="en-US" dirty="0"/>
+              <a:t>.</a:t>
+            </a:r>
+          </a:p>
+          <a:p>
+            <a:r>
+              <a:rPr lang="en-US" b="1" dirty="0" err="1"/>
+              <a:t>Cél</a:t>
+            </a:r>
+            <a:r>
+              <a:rPr lang="en-US" b="1" dirty="0"/>
+              <a:t>:</a:t>
+            </a:r>
+            <a:r>
+              <a:rPr lang="en-US" dirty="0"/>
+              <a:t> Az </a:t>
+            </a:r>
+            <a:r>
+              <a:rPr lang="en-US" dirty="0" err="1"/>
+              <a:t>utolsó</a:t>
+            </a:r>
+            <a:r>
+              <a:rPr lang="en-US" dirty="0"/>
+              <a:t> </a:t>
+            </a:r>
+            <a:r>
+              <a:rPr lang="en-US" dirty="0" err="1"/>
+              <a:t>tárgyat</a:t>
+            </a:r>
+            <a:r>
+              <a:rPr lang="en-US" dirty="0"/>
+              <a:t> </a:t>
+            </a:r>
+            <a:r>
+              <a:rPr lang="en-US" dirty="0" err="1"/>
+              <a:t>elveszi</a:t>
+            </a:r>
+            <a:r>
+              <a:rPr lang="en-US" dirty="0"/>
+              <a:t> a </a:t>
+            </a:r>
+            <a:r>
+              <a:rPr lang="en-US" dirty="0" err="1"/>
+              <a:t>nyertes</a:t>
+            </a:r>
+            <a:r>
+              <a:rPr lang="en-US" dirty="0"/>
+              <a:t> (</a:t>
+            </a:r>
+            <a:r>
+              <a:rPr lang="en-US" dirty="0" err="1"/>
+              <a:t>vagy</a:t>
+            </a:r>
+            <a:r>
+              <a:rPr lang="en-US" dirty="0"/>
+              <a:t> </a:t>
+            </a:r>
+            <a:r>
+              <a:rPr lang="en-US" dirty="0" err="1"/>
+              <a:t>vereséget</a:t>
+            </a:r>
+            <a:r>
+              <a:rPr lang="en-US" dirty="0"/>
+              <a:t> </a:t>
+            </a:r>
+            <a:r>
+              <a:rPr lang="en-US" dirty="0" err="1"/>
+              <a:t>szenved</a:t>
+            </a:r>
+            <a:r>
+              <a:rPr lang="en-US" dirty="0"/>
+              <a:t>, </a:t>
+            </a:r>
+            <a:r>
+              <a:rPr lang="en-US" dirty="0" err="1"/>
+              <a:t>attól</a:t>
+            </a:r>
+            <a:r>
+              <a:rPr lang="en-US" dirty="0"/>
+              <a:t> </a:t>
+            </a:r>
+            <a:r>
+              <a:rPr lang="en-US" dirty="0" err="1"/>
+              <a:t>függően</a:t>
+            </a:r>
+            <a:r>
+              <a:rPr lang="en-US" dirty="0"/>
+              <a:t>, </a:t>
+            </a:r>
+            <a:r>
+              <a:rPr lang="en-US" dirty="0" err="1"/>
+              <a:t>hogyan</a:t>
+            </a:r>
+            <a:r>
+              <a:rPr lang="en-US" dirty="0"/>
+              <a:t> </a:t>
+            </a:r>
+            <a:r>
+              <a:rPr lang="en-US" dirty="0" err="1"/>
+              <a:t>változtatják</a:t>
+            </a:r>
+            <a:r>
+              <a:rPr lang="en-US" dirty="0"/>
+              <a:t> a </a:t>
+            </a:r>
+            <a:r>
+              <a:rPr lang="en-US" dirty="0" err="1"/>
+              <a:t>szabályokat</a:t>
+            </a:r>
+            <a:r>
+              <a:rPr lang="en-US" dirty="0"/>
+              <a:t>).</a:t>
+            </a:r>
+            <a:endParaRPr lang="hu-HU" dirty="0"/>
+          </a:p>
+          <a:p>
+            <a:r>
+              <a:rPr lang="hu-HU" dirty="0"/>
+              <a:t>Video: </a:t>
+            </a:r>
+            <a:r>
+              <a:rPr lang="en-US" dirty="0">
+                <a:hlinkClick r:id="rId2"/>
+              </a:rPr>
+              <a:t>How to Play Nim - YouTube</a:t>
+            </a:r>
+            <a:endParaRPr lang="en-US" dirty="0"/>
+          </a:p>
+        </p:txBody>
+      </p:sp>
+    </p:spTree>
+    <p:extLst>
+      <p:ext uri="{BB962C8B-B14F-4D97-AF65-F5344CB8AC3E}">
+        <p14:creationId xmlns:p14="http://schemas.microsoft.com/office/powerpoint/2010/main" val="3607960969"/>
+      </p:ext>
+    </p:extLst>
+  </p:cSld>
+  <p:clrMapOvr>
+    <a:masterClrMapping/>
+  </p:clrMapOvr>
+</p:sld>
+</file>
+
+<file path=ppt/slides/slide46.xml><?xml version="1.0" encoding="utf-8"?>
+<p:sld xmlns:a="http://schemas.openxmlformats.org/drawingml/2006/main" xmlns:r="http://schemas.openxmlformats.org/officeDocument/2006/relationships" xmlns:p="http://schemas.openxmlformats.org/presentationml/2006/main">
+  <p:cSld>
+    <p:spTree>
+      <p:nvGrpSpPr>
+        <p:cNvPr id="1" name=""/>
+        <p:cNvGrpSpPr/>
+        <p:nvPr/>
+      </p:nvGrpSpPr>
+      <p:grpSpPr>
+        <a:xfrm>
+          <a:off x="0" y="0"/>
+          <a:ext cx="0" cy="0"/>
+          <a:chOff x="0" y="0"/>
+          <a:chExt cx="0" cy="0"/>
+        </a:xfrm>
+      </p:grpSpPr>
+      <p:sp>
+        <p:nvSpPr>
+          <p:cNvPr id="2" name="Cím 1">
+            <a:extLst>
+              <a:ext uri="{FF2B5EF4-FFF2-40B4-BE49-F238E27FC236}">
+                <a16:creationId xmlns:a16="http://schemas.microsoft.com/office/drawing/2014/main" id="{E44D946B-7CF2-776D-27E6-D3AC8B3AC06C}"/>
+              </a:ext>
+            </a:extLst>
+          </p:cNvPr>
+          <p:cNvSpPr>
+            <a:spLocks noGrp="1"/>
+          </p:cNvSpPr>
+          <p:nvPr>
+            <p:ph type="title"/>
+          </p:nvPr>
+        </p:nvSpPr>
+        <p:spPr/>
+        <p:txBody>
+          <a:bodyPr>
+            <a:normAutofit fontScale="90000"/>
+          </a:bodyPr>
+          <a:lstStyle/>
+          <a:p>
+            <a:r>
+              <a:rPr lang="hu-HU" dirty="0" err="1"/>
+              <a:t>Nim</a:t>
+            </a:r>
+            <a:r>
+              <a:rPr lang="hu-HU" dirty="0"/>
+              <a:t> játék egymás ellen</a:t>
+            </a:r>
+            <a:endParaRPr lang="en-US" dirty="0"/>
+          </a:p>
+        </p:txBody>
+      </p:sp>
+      <p:pic>
+        <p:nvPicPr>
+          <p:cNvPr id="5" name="Kép 4">
+            <a:extLst>
+              <a:ext uri="{FF2B5EF4-FFF2-40B4-BE49-F238E27FC236}">
+                <a16:creationId xmlns:a16="http://schemas.microsoft.com/office/drawing/2014/main" id="{8EE4249D-56CE-9EDC-733C-11A5FFE361A7}"/>
+              </a:ext>
+            </a:extLst>
+          </p:cNvPr>
+          <p:cNvPicPr>
+            <a:picLocks noChangeAspect="1"/>
+          </p:cNvPicPr>
+          <p:nvPr/>
+        </p:nvPicPr>
+        <p:blipFill>
+          <a:blip r:embed="rId2"/>
+          <a:stretch>
+            <a:fillRect/>
+          </a:stretch>
+        </p:blipFill>
+        <p:spPr>
+          <a:xfrm>
+            <a:off x="1503218" y="1176645"/>
+            <a:ext cx="5343544" cy="3590924"/>
+          </a:xfrm>
+          <a:prstGeom prst="rect">
+            <a:avLst/>
+          </a:prstGeom>
+        </p:spPr>
+      </p:pic>
+    </p:spTree>
+    <p:extLst>
+      <p:ext uri="{BB962C8B-B14F-4D97-AF65-F5344CB8AC3E}">
+        <p14:creationId xmlns:p14="http://schemas.microsoft.com/office/powerpoint/2010/main" val="3137471996"/>
+      </p:ext>
+    </p:extLst>
+  </p:cSld>
+  <p:clrMapOvr>
+    <a:masterClrMapping/>
+  </p:clrMapOvr>
+</p:sld>
+</file>
+
+<file path=ppt/slides/slide47.xml><?xml version="1.0" encoding="utf-8"?>
+<p:sld xmlns:a="http://schemas.openxmlformats.org/drawingml/2006/main" xmlns:r="http://schemas.openxmlformats.org/officeDocument/2006/relationships" xmlns:p="http://schemas.openxmlformats.org/presentationml/2006/main">
+  <p:cSld>
+    <p:spTree>
+      <p:nvGrpSpPr>
+        <p:cNvPr id="1" name=""/>
+        <p:cNvGrpSpPr/>
+        <p:nvPr/>
+      </p:nvGrpSpPr>
+      <p:grpSpPr>
+        <a:xfrm>
+          <a:off x="0" y="0"/>
+          <a:ext cx="0" cy="0"/>
+          <a:chOff x="0" y="0"/>
+          <a:chExt cx="0" cy="0"/>
+        </a:xfrm>
+      </p:grpSpPr>
+      <p:sp>
+        <p:nvSpPr>
+          <p:cNvPr id="2" name="Cím 1">
+            <a:extLst>
+              <a:ext uri="{FF2B5EF4-FFF2-40B4-BE49-F238E27FC236}">
+                <a16:creationId xmlns:a16="http://schemas.microsoft.com/office/drawing/2014/main" id="{D5FD00F2-3960-1E35-8F6D-E6B22A89BC47}"/>
+              </a:ext>
+            </a:extLst>
+          </p:cNvPr>
+          <p:cNvSpPr>
+            <a:spLocks noGrp="1"/>
+          </p:cNvSpPr>
+          <p:nvPr>
+            <p:ph type="title"/>
+          </p:nvPr>
+        </p:nvSpPr>
+        <p:spPr/>
+        <p:txBody>
+          <a:bodyPr>
+            <a:normAutofit fontScale="90000"/>
+          </a:bodyPr>
+          <a:lstStyle/>
+          <a:p>
+            <a:r>
+              <a:rPr lang="hu-HU" dirty="0" err="1"/>
+              <a:t>Nim</a:t>
+            </a:r>
+            <a:r>
+              <a:rPr lang="hu-HU" dirty="0"/>
+              <a:t> játék gép ellen</a:t>
+            </a:r>
+            <a:endParaRPr lang="en-US" dirty="0"/>
+          </a:p>
+        </p:txBody>
+      </p:sp>
+      <p:pic>
+        <p:nvPicPr>
+          <p:cNvPr id="7" name="Kép 6">
+            <a:extLst>
+              <a:ext uri="{FF2B5EF4-FFF2-40B4-BE49-F238E27FC236}">
+                <a16:creationId xmlns:a16="http://schemas.microsoft.com/office/drawing/2014/main" id="{38C60BA1-5940-A034-8DF8-5B2F259E998B}"/>
+              </a:ext>
+            </a:extLst>
+          </p:cNvPr>
+          <p:cNvPicPr>
+            <a:picLocks noChangeAspect="1"/>
+          </p:cNvPicPr>
+          <p:nvPr/>
+        </p:nvPicPr>
+        <p:blipFill>
+          <a:blip r:embed="rId2"/>
+          <a:stretch>
+            <a:fillRect/>
+          </a:stretch>
+        </p:blipFill>
+        <p:spPr>
+          <a:xfrm>
+            <a:off x="1704109" y="851247"/>
+            <a:ext cx="5527996" cy="4187398"/>
+          </a:xfrm>
+          <a:prstGeom prst="rect">
+            <a:avLst/>
+          </a:prstGeom>
+        </p:spPr>
+      </p:pic>
+    </p:spTree>
+    <p:extLst>
+      <p:ext uri="{BB962C8B-B14F-4D97-AF65-F5344CB8AC3E}">
+        <p14:creationId xmlns:p14="http://schemas.microsoft.com/office/powerpoint/2010/main" val="4234239654"/>
+      </p:ext>
+    </p:extLst>
+  </p:cSld>
+  <p:clrMapOvr>
+    <a:masterClrMapping/>
+  </p:clrMapOvr>
+</p:sld>
+</file>
+
+<file path=ppt/slides/slide48.xml><?xml version="1.0" encoding="utf-8"?>
+<p:sld xmlns:a="http://schemas.openxmlformats.org/drawingml/2006/main" xmlns:r="http://schemas.openxmlformats.org/officeDocument/2006/relationships" xmlns:p="http://schemas.openxmlformats.org/presentationml/2006/main">
+  <p:cSld>
+    <p:spTree>
+      <p:nvGrpSpPr>
+        <p:cNvPr id="1" name="">
+          <a:extLst>
+            <a:ext uri="{FF2B5EF4-FFF2-40B4-BE49-F238E27FC236}">
+              <a16:creationId xmlns:a16="http://schemas.microsoft.com/office/drawing/2014/main" id="{89BF264B-9526-FB03-B962-705535A14BF8}"/>
+            </a:ext>
+          </a:extLst>
+        </p:cNvPr>
+        <p:cNvGrpSpPr/>
+        <p:nvPr/>
+      </p:nvGrpSpPr>
+      <p:grpSpPr>
+        <a:xfrm>
+          <a:off x="0" y="0"/>
+          <a:ext cx="0" cy="0"/>
+          <a:chOff x="0" y="0"/>
+          <a:chExt cx="0" cy="0"/>
+        </a:xfrm>
+      </p:grpSpPr>
+      <p:sp>
+        <p:nvSpPr>
+          <p:cNvPr id="2" name="Cím 1">
+            <a:extLst>
+              <a:ext uri="{FF2B5EF4-FFF2-40B4-BE49-F238E27FC236}">
+                <a16:creationId xmlns:a16="http://schemas.microsoft.com/office/drawing/2014/main" id="{F261DA6D-F3DE-6E7C-9FF0-AF5B98901D7C}"/>
+              </a:ext>
+            </a:extLst>
+          </p:cNvPr>
+          <p:cNvSpPr>
+            <a:spLocks noGrp="1"/>
+          </p:cNvSpPr>
+          <p:nvPr>
+            <p:ph type="title"/>
+          </p:nvPr>
+        </p:nvSpPr>
+        <p:spPr/>
+        <p:txBody>
+          <a:bodyPr>
+            <a:normAutofit fontScale="90000"/>
+          </a:bodyPr>
+          <a:lstStyle/>
+          <a:p>
+            <a:r>
+              <a:rPr lang="hu-HU" dirty="0" err="1"/>
+              <a:t>Nim</a:t>
+            </a:r>
+            <a:r>
+              <a:rPr lang="hu-HU" dirty="0"/>
+              <a:t> játék gép ellen (folytatás)</a:t>
+            </a:r>
+            <a:endParaRPr lang="en-US" dirty="0"/>
+          </a:p>
+        </p:txBody>
+      </p:sp>
+      <p:pic>
+        <p:nvPicPr>
+          <p:cNvPr id="4" name="Kép 3">
+            <a:extLst>
+              <a:ext uri="{FF2B5EF4-FFF2-40B4-BE49-F238E27FC236}">
+                <a16:creationId xmlns:a16="http://schemas.microsoft.com/office/drawing/2014/main" id="{B09B159D-59B3-A980-C16E-9CD8DAE52811}"/>
+              </a:ext>
+            </a:extLst>
+          </p:cNvPr>
+          <p:cNvPicPr>
+            <a:picLocks noChangeAspect="1"/>
+          </p:cNvPicPr>
+          <p:nvPr/>
+        </p:nvPicPr>
+        <p:blipFill>
+          <a:blip r:embed="rId2"/>
+          <a:stretch>
+            <a:fillRect/>
+          </a:stretch>
+        </p:blipFill>
+        <p:spPr>
+          <a:xfrm>
+            <a:off x="1794164" y="1066337"/>
+            <a:ext cx="6387423" cy="3938911"/>
+          </a:xfrm>
+          <a:prstGeom prst="rect">
+            <a:avLst/>
+          </a:prstGeom>
+        </p:spPr>
+      </p:pic>
+    </p:spTree>
+    <p:extLst>
+      <p:ext uri="{BB962C8B-B14F-4D97-AF65-F5344CB8AC3E}">
+        <p14:creationId xmlns:p14="http://schemas.microsoft.com/office/powerpoint/2010/main" val="657530017"/>
+      </p:ext>
+    </p:extLst>
+  </p:cSld>
+  <p:clrMapOvr>
+    <a:masterClrMapping/>
+  </p:clrMapOvr>
+</p:sld>
+</file>
+
+<file path=ppt/slides/slide49.xml><?xml version="1.0" encoding="utf-8"?>
 <p:sld xmlns:a="http://schemas.openxmlformats.org/drawingml/2006/main" xmlns:r="http://schemas.openxmlformats.org/officeDocument/2006/relationships" xmlns:p="http://schemas.openxmlformats.org/presentationml/2006/main">
   <p:cSld>
     <p:spTree>
@@ -12750,7 +16564,281 @@
 </p:sld>
 </file>
 
-<file path=ppt/slides/slide31.xml><?xml version="1.0" encoding="utf-8"?>
+<file path=ppt/slides/slide5.xml><?xml version="1.0" encoding="utf-8"?>
+<p:sld xmlns:a="http://schemas.openxmlformats.org/drawingml/2006/main" xmlns:r="http://schemas.openxmlformats.org/officeDocument/2006/relationships" xmlns:p="http://schemas.openxmlformats.org/presentationml/2006/main">
+  <p:cSld>
+    <p:spTree>
+      <p:nvGrpSpPr>
+        <p:cNvPr id="1" name="Shape 83"/>
+        <p:cNvGrpSpPr/>
+        <p:nvPr/>
+      </p:nvGrpSpPr>
+      <p:grpSpPr>
+        <a:xfrm>
+          <a:off x="0" y="0"/>
+          <a:ext cx="0" cy="0"/>
+          <a:chOff x="0" y="0"/>
+          <a:chExt cx="0" cy="0"/>
+        </a:xfrm>
+      </p:grpSpPr>
+      <p:sp>
+        <p:nvSpPr>
+          <p:cNvPr id="84" name="Google Shape;84;p17"/>
+          <p:cNvSpPr txBox="1">
+            <a:spLocks noGrp="1"/>
+          </p:cNvSpPr>
+          <p:nvPr>
+            <p:ph type="title"/>
+          </p:nvPr>
+        </p:nvSpPr>
+        <p:spPr>
+          <a:xfrm>
+            <a:off x="311700" y="391350"/>
+            <a:ext cx="8520600" cy="626100"/>
+          </a:xfrm>
+          <a:prstGeom prst="rect">
+            <a:avLst/>
+          </a:prstGeom>
+        </p:spPr>
+        <p:txBody>
+          <a:bodyPr spcFirstLastPara="1" wrap="square" lIns="91425" tIns="91425" rIns="91425" bIns="91425" anchor="t" anchorCtr="0">
+            <a:normAutofit fontScale="90000"/>
+          </a:bodyPr>
+          <a:lstStyle/>
+          <a:p>
+            <a:pPr marL="0" lvl="0" indent="0" algn="l" rtl="0">
+              <a:spcBef>
+                <a:spcPts val="0"/>
+              </a:spcBef>
+              <a:spcAft>
+                <a:spcPts val="0"/>
+              </a:spcAft>
+              <a:buNone/>
+            </a:pPr>
+            <a:r>
+              <a:rPr lang="hu"/>
+              <a:t>Programozási nyelvek típusai</a:t>
+            </a:r>
+            <a:endParaRPr/>
+          </a:p>
+        </p:txBody>
+      </p:sp>
+      <p:sp>
+        <p:nvSpPr>
+          <p:cNvPr id="85" name="Google Shape;85;p17"/>
+          <p:cNvSpPr txBox="1">
+            <a:spLocks noGrp="1"/>
+          </p:cNvSpPr>
+          <p:nvPr>
+            <p:ph type="body" idx="1"/>
+          </p:nvPr>
+        </p:nvSpPr>
+        <p:spPr>
+          <a:xfrm>
+            <a:off x="311700" y="1152475"/>
+            <a:ext cx="8520600" cy="3416400"/>
+          </a:xfrm>
+          <a:prstGeom prst="rect">
+            <a:avLst/>
+          </a:prstGeom>
+        </p:spPr>
+        <p:txBody>
+          <a:bodyPr spcFirstLastPara="1" wrap="square" lIns="91425" tIns="91425" rIns="91425" bIns="91425" anchor="t" anchorCtr="0">
+            <a:normAutofit/>
+          </a:bodyPr>
+          <a:lstStyle/>
+          <a:p>
+            <a:pPr marL="457200" lvl="0" indent="-342900" algn="l" rtl="0">
+              <a:spcBef>
+                <a:spcPts val="0"/>
+              </a:spcBef>
+              <a:spcAft>
+                <a:spcPts val="0"/>
+              </a:spcAft>
+              <a:buSzPts val="1800"/>
+              <a:buChar char="●"/>
+            </a:pPr>
+            <a:r>
+              <a:rPr lang="hu" b="1"/>
+              <a:t>Fordított nyelvek</a:t>
+            </a:r>
+            <a:r>
+              <a:rPr lang="hu"/>
+              <a:t> (pl. C, C++):</a:t>
+            </a:r>
+            <a:endParaRPr/>
+          </a:p>
+          <a:p>
+            <a:pPr marL="914400" lvl="1" indent="-317500" algn="l" rtl="0">
+              <a:spcBef>
+                <a:spcPts val="0"/>
+              </a:spcBef>
+              <a:spcAft>
+                <a:spcPts val="0"/>
+              </a:spcAft>
+              <a:buSzPts val="1400"/>
+              <a:buChar char="○"/>
+            </a:pPr>
+            <a:r>
+              <a:rPr lang="hu"/>
+              <a:t>A forráskódot egy fordítóprogram (compiler) gépi kódra fordítja, amelyet a számítógép közvetlenül tud futtatni.</a:t>
+            </a:r>
+            <a:endParaRPr/>
+          </a:p>
+          <a:p>
+            <a:pPr marL="914400" lvl="1" indent="-317500" algn="l" rtl="0">
+              <a:spcBef>
+                <a:spcPts val="0"/>
+              </a:spcBef>
+              <a:spcAft>
+                <a:spcPts val="0"/>
+              </a:spcAft>
+              <a:buSzPts val="1400"/>
+              <a:buChar char="○"/>
+            </a:pPr>
+            <a:r>
+              <a:rPr lang="hu"/>
+              <a:t>Gyors futási sebesség, de a fordítás időigényes.</a:t>
+            </a:r>
+            <a:endParaRPr/>
+          </a:p>
+          <a:p>
+            <a:pPr marL="457200" lvl="0" indent="-342900" algn="l" rtl="0">
+              <a:spcBef>
+                <a:spcPts val="0"/>
+              </a:spcBef>
+              <a:spcAft>
+                <a:spcPts val="0"/>
+              </a:spcAft>
+              <a:buSzPts val="1800"/>
+              <a:buChar char="●"/>
+            </a:pPr>
+            <a:r>
+              <a:rPr lang="hu" b="1"/>
+              <a:t>Értelmezett nyelvek </a:t>
+            </a:r>
+            <a:r>
+              <a:rPr lang="hu"/>
+              <a:t>(pl. Python, JavaScript):</a:t>
+            </a:r>
+            <a:endParaRPr/>
+          </a:p>
+          <a:p>
+            <a:pPr marL="914400" lvl="1" indent="-317500" algn="l" rtl="0">
+              <a:spcBef>
+                <a:spcPts val="0"/>
+              </a:spcBef>
+              <a:spcAft>
+                <a:spcPts val="0"/>
+              </a:spcAft>
+              <a:buSzPts val="1400"/>
+              <a:buChar char="○"/>
+            </a:pPr>
+            <a:r>
+              <a:rPr lang="hu"/>
+              <a:t>A forráskódot egy interpreter soronként értelmezi és hajtja végre.</a:t>
+            </a:r>
+            <a:endParaRPr/>
+          </a:p>
+          <a:p>
+            <a:pPr marL="914400" lvl="1" indent="-317500" algn="l" rtl="0">
+              <a:spcBef>
+                <a:spcPts val="0"/>
+              </a:spcBef>
+              <a:spcAft>
+                <a:spcPts val="0"/>
+              </a:spcAft>
+              <a:buSzPts val="1400"/>
+              <a:buChar char="○"/>
+            </a:pPr>
+            <a:r>
+              <a:rPr lang="hu"/>
+              <a:t>Könnyebb hibakeresés, de lassabb futási sebesség.</a:t>
+            </a:r>
+            <a:endParaRPr/>
+          </a:p>
+          <a:p>
+            <a:pPr marL="457200" lvl="0" indent="-342900" algn="l" rtl="0">
+              <a:spcBef>
+                <a:spcPts val="0"/>
+              </a:spcBef>
+              <a:spcAft>
+                <a:spcPts val="0"/>
+              </a:spcAft>
+              <a:buSzPts val="1800"/>
+              <a:buChar char="●"/>
+            </a:pPr>
+            <a:r>
+              <a:rPr lang="hu" b="1"/>
+              <a:t>Közvetítő (meta) kódot generáló nyelvek </a:t>
+            </a:r>
+            <a:r>
+              <a:rPr lang="hu"/>
+              <a:t>(pl. Java):</a:t>
+            </a:r>
+            <a:endParaRPr/>
+          </a:p>
+          <a:p>
+            <a:pPr marL="914400" lvl="1" indent="-317500" algn="l" rtl="0">
+              <a:spcBef>
+                <a:spcPts val="0"/>
+              </a:spcBef>
+              <a:spcAft>
+                <a:spcPts val="0"/>
+              </a:spcAft>
+              <a:buSzPts val="1400"/>
+              <a:buChar char="○"/>
+            </a:pPr>
+            <a:r>
+              <a:rPr lang="hu"/>
+              <a:t>A forráskódot egy közvetítő kódra (bytecode) fordítja, amelyet egy virtuális gép (pl. Java Virtual Machine azaz </a:t>
+            </a:r>
+            <a:r>
+              <a:rPr lang="hu" b="1"/>
+              <a:t>JVM</a:t>
+            </a:r>
+            <a:r>
+              <a:rPr lang="hu"/>
+              <a:t>) hajt végre.</a:t>
+            </a:r>
+            <a:endParaRPr/>
+          </a:p>
+          <a:p>
+            <a:pPr marL="914400" lvl="1" indent="-317500" algn="l" rtl="0">
+              <a:spcBef>
+                <a:spcPts val="0"/>
+              </a:spcBef>
+              <a:spcAft>
+                <a:spcPts val="0"/>
+              </a:spcAft>
+              <a:buSzPts val="1400"/>
+              <a:buChar char="○"/>
+            </a:pPr>
+            <a:r>
+              <a:rPr lang="hu"/>
+              <a:t>Platformfüggetlenség, de a virtuális gép (Java Runtime Environment azaz </a:t>
+            </a:r>
+            <a:r>
+              <a:rPr lang="hu" b="1"/>
+              <a:t>JRE)</a:t>
+            </a:r>
+            <a:r>
+              <a:rPr lang="hu"/>
+              <a:t> szükséges a futtatáshoz.</a:t>
+            </a:r>
+            <a:endParaRPr/>
+          </a:p>
+        </p:txBody>
+      </p:sp>
+    </p:spTree>
+  </p:cSld>
+  <p:clrMapOvr>
+    <a:masterClrMapping/>
+  </p:clrMapOvr>
+</p:sld>
+</file>
+
+<file path=ppt/slides/slide50.xml><?xml version="1.0" encoding="utf-8"?>
 <p:sld xmlns:a="http://schemas.openxmlformats.org/drawingml/2006/main" xmlns:r="http://schemas.openxmlformats.org/officeDocument/2006/relationships" xmlns:p="http://schemas.openxmlformats.org/presentationml/2006/main">
   <p:cSld>
     <p:spTree>
@@ -12899,7 +16987,7 @@
 </p:sld>
 </file>
 
-<file path=ppt/slides/slide32.xml><?xml version="1.0" encoding="utf-8"?>
+<file path=ppt/slides/slide51.xml><?xml version="1.0" encoding="utf-8"?>
 <p:sld xmlns:a="http://schemas.openxmlformats.org/drawingml/2006/main" xmlns:r="http://schemas.openxmlformats.org/officeDocument/2006/relationships" xmlns:p="http://schemas.openxmlformats.org/presentationml/2006/main">
   <p:cSld>
     <p:spTree>
@@ -12951,10 +17039,10 @@
               <a:buNone/>
             </a:pPr>
             <a:r>
-              <a:rPr lang="hu"/>
-              <a:t>Madárnyelv fordító</a:t>
-            </a:r>
-            <a:endParaRPr/>
+              <a:rPr lang="hu" dirty="0"/>
+              <a:t>Madárnyelv fordító 🐓 🦩 🦜🐧</a:t>
+            </a:r>
+            <a:endParaRPr dirty="0"/>
           </a:p>
         </p:txBody>
       </p:sp>
@@ -13096,12 +17184,12 @@
 </p:sld>
 </file>
 
-<file path=ppt/slides/slide4.xml><?xml version="1.0" encoding="utf-8"?>
+<file path=ppt/slides/slide6.xml><?xml version="1.0" encoding="utf-8"?>
 <p:sld xmlns:a="http://schemas.openxmlformats.org/drawingml/2006/main" xmlns:r="http://schemas.openxmlformats.org/officeDocument/2006/relationships" xmlns:p="http://schemas.openxmlformats.org/presentationml/2006/main">
   <p:cSld>
     <p:spTree>
       <p:nvGrpSpPr>
-        <p:cNvPr id="1" name="Shape 77"/>
+        <p:cNvPr id="1" name=""/>
         <p:cNvGrpSpPr/>
         <p:nvPr/>
       </p:nvGrpSpPr>
@@ -13115,136 +17203,39 @@
       </p:grpSpPr>
       <p:sp>
         <p:nvSpPr>
-          <p:cNvPr id="78" name="Google Shape;78;p16"/>
-          <p:cNvSpPr txBox="1">
+          <p:cNvPr id="2" name="Cím 1">
+            <a:extLst>
+              <a:ext uri="{FF2B5EF4-FFF2-40B4-BE49-F238E27FC236}">
+                <a16:creationId xmlns:a16="http://schemas.microsoft.com/office/drawing/2014/main" id="{51489FB9-E01A-C274-632D-441080E63419}"/>
+              </a:ext>
+            </a:extLst>
+          </p:cNvPr>
+          <p:cNvSpPr>
             <a:spLocks noGrp="1"/>
           </p:cNvSpPr>
           <p:nvPr>
             <p:ph type="title"/>
           </p:nvPr>
         </p:nvSpPr>
-        <p:spPr>
-          <a:xfrm>
-            <a:off x="311700" y="391350"/>
-            <a:ext cx="8520600" cy="626100"/>
-          </a:xfrm>
-          <a:prstGeom prst="rect">
-            <a:avLst/>
-          </a:prstGeom>
-        </p:spPr>
+        <p:spPr/>
         <p:txBody>
-          <a:bodyPr spcFirstLastPara="1" wrap="square" lIns="91425" tIns="91425" rIns="91425" bIns="91425" anchor="t" anchorCtr="0">
-            <a:normAutofit fontScale="90000"/>
-          </a:bodyPr>
+          <a:bodyPr/>
           <a:lstStyle/>
           <a:p>
-            <a:pPr marL="0" lvl="0" indent="0" algn="l" rtl="0">
-              <a:spcBef>
-                <a:spcPts val="0"/>
-              </a:spcBef>
-              <a:spcAft>
-                <a:spcPts val="0"/>
-              </a:spcAft>
-              <a:buNone/>
-            </a:pPr>
-            <a:r>
-              <a:rPr lang="hu"/>
-              <a:t>Mi van a program fájlban?</a:t>
-            </a:r>
-            <a:endParaRPr/>
-          </a:p>
-        </p:txBody>
-      </p:sp>
-      <p:sp>
-        <p:nvSpPr>
-          <p:cNvPr id="79" name="Google Shape;79;p16"/>
-          <p:cNvSpPr txBox="1">
-            <a:spLocks noGrp="1"/>
-          </p:cNvSpPr>
-          <p:nvPr>
-            <p:ph type="body" idx="1"/>
-          </p:nvPr>
-        </p:nvSpPr>
-        <p:spPr>
-          <a:xfrm>
-            <a:off x="311700" y="1152475"/>
-            <a:ext cx="8520600" cy="3416400"/>
-          </a:xfrm>
-          <a:prstGeom prst="rect">
-            <a:avLst/>
-          </a:prstGeom>
-        </p:spPr>
-        <p:txBody>
-          <a:bodyPr spcFirstLastPara="1" wrap="square" lIns="91425" tIns="91425" rIns="91425" bIns="91425" anchor="t" anchorCtr="0">
-            <a:normAutofit/>
-          </a:bodyPr>
-          <a:lstStyle/>
-          <a:p>
-            <a:pPr marL="457200" lvl="0" indent="-342900" algn="l" rtl="0">
-              <a:spcBef>
-                <a:spcPts val="0"/>
-              </a:spcBef>
-              <a:spcAft>
-                <a:spcPts val="0"/>
-              </a:spcAft>
-              <a:buSzPts val="1800"/>
-              <a:buChar char="●"/>
-            </a:pPr>
-            <a:r>
-              <a:rPr lang="hu" b="1"/>
-              <a:t>Forráskód</a:t>
-            </a:r>
-            <a:r>
-              <a:rPr lang="hu"/>
-              <a:t>: A program fájl tartalmazza a forráskódot, amelyet a programozó ír. Ez a kód ember által olvasható, és egy adott programozási nyelven íródott (pl. Python, Java, C++).</a:t>
-            </a:r>
-            <a:endParaRPr/>
-          </a:p>
-          <a:p>
-            <a:pPr marL="457200" lvl="0" indent="-342900" algn="l" rtl="0">
-              <a:spcBef>
-                <a:spcPts val="1000"/>
-              </a:spcBef>
-              <a:spcAft>
-                <a:spcPts val="0"/>
-              </a:spcAft>
-              <a:buSzPts val="1800"/>
-              <a:buChar char="●"/>
-            </a:pPr>
-            <a:r>
-              <a:rPr lang="hu" b="1"/>
-              <a:t>Futtatható kód</a:t>
-            </a:r>
-            <a:r>
-              <a:rPr lang="hu"/>
-              <a:t>: A forráskód lefordítva vagy értelmezve futtatható kód lesz, amelyet a számítógép közvetlenül tud végrehajtani.</a:t>
-            </a:r>
-            <a:endParaRPr/>
-          </a:p>
-          <a:p>
-            <a:pPr marL="457200" lvl="0" indent="-342900" algn="l" rtl="0">
-              <a:spcBef>
-                <a:spcPts val="1000"/>
-              </a:spcBef>
-              <a:spcAft>
-                <a:spcPts val="1000"/>
-              </a:spcAft>
-              <a:buSzPts val="1800"/>
-              <a:buChar char="●"/>
-            </a:pPr>
-            <a:r>
-              <a:rPr lang="hu" b="1"/>
-              <a:t>Adatok és erőforrások:</a:t>
-            </a:r>
-            <a:r>
-              <a:rPr lang="hu"/>
-              <a:t> A program fájl tartalmazhat adatokat, képeket, hangfájlokat vagy más erőforrásokat, amelyekre a programnak szüksége van.</a:t>
-            </a:r>
-            <a:endParaRPr/>
+            <a:r>
+              <a:rPr lang="hu-HU" dirty="0"/>
+              <a:t>Üdvözlés</a:t>
+            </a:r>
+            <a:endParaRPr lang="en-US" dirty="0"/>
           </a:p>
         </p:txBody>
       </p:sp>
     </p:spTree>
+    <p:extLst>
+      <p:ext uri="{BB962C8B-B14F-4D97-AF65-F5344CB8AC3E}">
+        <p14:creationId xmlns:p14="http://schemas.microsoft.com/office/powerpoint/2010/main" val="2245299636"/>
+      </p:ext>
+    </p:extLst>
   </p:cSld>
   <p:clrMapOvr>
     <a:masterClrMapping/>
@@ -13252,281 +17243,7 @@
 </p:sld>
 </file>
 
-<file path=ppt/slides/slide5.xml><?xml version="1.0" encoding="utf-8"?>
-<p:sld xmlns:a="http://schemas.openxmlformats.org/drawingml/2006/main" xmlns:r="http://schemas.openxmlformats.org/officeDocument/2006/relationships" xmlns:p="http://schemas.openxmlformats.org/presentationml/2006/main">
-  <p:cSld>
-    <p:spTree>
-      <p:nvGrpSpPr>
-        <p:cNvPr id="1" name="Shape 83"/>
-        <p:cNvGrpSpPr/>
-        <p:nvPr/>
-      </p:nvGrpSpPr>
-      <p:grpSpPr>
-        <a:xfrm>
-          <a:off x="0" y="0"/>
-          <a:ext cx="0" cy="0"/>
-          <a:chOff x="0" y="0"/>
-          <a:chExt cx="0" cy="0"/>
-        </a:xfrm>
-      </p:grpSpPr>
-      <p:sp>
-        <p:nvSpPr>
-          <p:cNvPr id="84" name="Google Shape;84;p17"/>
-          <p:cNvSpPr txBox="1">
-            <a:spLocks noGrp="1"/>
-          </p:cNvSpPr>
-          <p:nvPr>
-            <p:ph type="title"/>
-          </p:nvPr>
-        </p:nvSpPr>
-        <p:spPr>
-          <a:xfrm>
-            <a:off x="311700" y="391350"/>
-            <a:ext cx="8520600" cy="626100"/>
-          </a:xfrm>
-          <a:prstGeom prst="rect">
-            <a:avLst/>
-          </a:prstGeom>
-        </p:spPr>
-        <p:txBody>
-          <a:bodyPr spcFirstLastPara="1" wrap="square" lIns="91425" tIns="91425" rIns="91425" bIns="91425" anchor="t" anchorCtr="0">
-            <a:normAutofit fontScale="90000"/>
-          </a:bodyPr>
-          <a:lstStyle/>
-          <a:p>
-            <a:pPr marL="0" lvl="0" indent="0" algn="l" rtl="0">
-              <a:spcBef>
-                <a:spcPts val="0"/>
-              </a:spcBef>
-              <a:spcAft>
-                <a:spcPts val="0"/>
-              </a:spcAft>
-              <a:buNone/>
-            </a:pPr>
-            <a:r>
-              <a:rPr lang="hu"/>
-              <a:t>Programozási nyelvek típusai</a:t>
-            </a:r>
-            <a:endParaRPr/>
-          </a:p>
-        </p:txBody>
-      </p:sp>
-      <p:sp>
-        <p:nvSpPr>
-          <p:cNvPr id="85" name="Google Shape;85;p17"/>
-          <p:cNvSpPr txBox="1">
-            <a:spLocks noGrp="1"/>
-          </p:cNvSpPr>
-          <p:nvPr>
-            <p:ph type="body" idx="1"/>
-          </p:nvPr>
-        </p:nvSpPr>
-        <p:spPr>
-          <a:xfrm>
-            <a:off x="311700" y="1152475"/>
-            <a:ext cx="8520600" cy="3416400"/>
-          </a:xfrm>
-          <a:prstGeom prst="rect">
-            <a:avLst/>
-          </a:prstGeom>
-        </p:spPr>
-        <p:txBody>
-          <a:bodyPr spcFirstLastPara="1" wrap="square" lIns="91425" tIns="91425" rIns="91425" bIns="91425" anchor="t" anchorCtr="0">
-            <a:normAutofit/>
-          </a:bodyPr>
-          <a:lstStyle/>
-          <a:p>
-            <a:pPr marL="457200" lvl="0" indent="-342900" algn="l" rtl="0">
-              <a:spcBef>
-                <a:spcPts val="0"/>
-              </a:spcBef>
-              <a:spcAft>
-                <a:spcPts val="0"/>
-              </a:spcAft>
-              <a:buSzPts val="1800"/>
-              <a:buChar char="●"/>
-            </a:pPr>
-            <a:r>
-              <a:rPr lang="hu" b="1"/>
-              <a:t>Fordított nyelvek</a:t>
-            </a:r>
-            <a:r>
-              <a:rPr lang="hu"/>
-              <a:t> (pl. C, C++):</a:t>
-            </a:r>
-            <a:endParaRPr/>
-          </a:p>
-          <a:p>
-            <a:pPr marL="914400" lvl="1" indent="-317500" algn="l" rtl="0">
-              <a:spcBef>
-                <a:spcPts val="0"/>
-              </a:spcBef>
-              <a:spcAft>
-                <a:spcPts val="0"/>
-              </a:spcAft>
-              <a:buSzPts val="1400"/>
-              <a:buChar char="○"/>
-            </a:pPr>
-            <a:r>
-              <a:rPr lang="hu"/>
-              <a:t>A forráskódot egy fordítóprogram (compiler) gépi kódra fordítja, amelyet a számítógép közvetlenül tud futtatni.</a:t>
-            </a:r>
-            <a:endParaRPr/>
-          </a:p>
-          <a:p>
-            <a:pPr marL="914400" lvl="1" indent="-317500" algn="l" rtl="0">
-              <a:spcBef>
-                <a:spcPts val="0"/>
-              </a:spcBef>
-              <a:spcAft>
-                <a:spcPts val="0"/>
-              </a:spcAft>
-              <a:buSzPts val="1400"/>
-              <a:buChar char="○"/>
-            </a:pPr>
-            <a:r>
-              <a:rPr lang="hu"/>
-              <a:t>Gyors futási sebesség, de a fordítás időigényes.</a:t>
-            </a:r>
-            <a:endParaRPr/>
-          </a:p>
-          <a:p>
-            <a:pPr marL="457200" lvl="0" indent="-342900" algn="l" rtl="0">
-              <a:spcBef>
-                <a:spcPts val="0"/>
-              </a:spcBef>
-              <a:spcAft>
-                <a:spcPts val="0"/>
-              </a:spcAft>
-              <a:buSzPts val="1800"/>
-              <a:buChar char="●"/>
-            </a:pPr>
-            <a:r>
-              <a:rPr lang="hu" b="1"/>
-              <a:t>Értelmezett nyelvek </a:t>
-            </a:r>
-            <a:r>
-              <a:rPr lang="hu"/>
-              <a:t>(pl. Python, JavaScript):</a:t>
-            </a:r>
-            <a:endParaRPr/>
-          </a:p>
-          <a:p>
-            <a:pPr marL="914400" lvl="1" indent="-317500" algn="l" rtl="0">
-              <a:spcBef>
-                <a:spcPts val="0"/>
-              </a:spcBef>
-              <a:spcAft>
-                <a:spcPts val="0"/>
-              </a:spcAft>
-              <a:buSzPts val="1400"/>
-              <a:buChar char="○"/>
-            </a:pPr>
-            <a:r>
-              <a:rPr lang="hu"/>
-              <a:t>A forráskódot egy interpreter soronként értelmezi és hajtja végre.</a:t>
-            </a:r>
-            <a:endParaRPr/>
-          </a:p>
-          <a:p>
-            <a:pPr marL="914400" lvl="1" indent="-317500" algn="l" rtl="0">
-              <a:spcBef>
-                <a:spcPts val="0"/>
-              </a:spcBef>
-              <a:spcAft>
-                <a:spcPts val="0"/>
-              </a:spcAft>
-              <a:buSzPts val="1400"/>
-              <a:buChar char="○"/>
-            </a:pPr>
-            <a:r>
-              <a:rPr lang="hu"/>
-              <a:t>Könnyebb hibakeresés, de lassabb futási sebesség.</a:t>
-            </a:r>
-            <a:endParaRPr/>
-          </a:p>
-          <a:p>
-            <a:pPr marL="457200" lvl="0" indent="-342900" algn="l" rtl="0">
-              <a:spcBef>
-                <a:spcPts val="0"/>
-              </a:spcBef>
-              <a:spcAft>
-                <a:spcPts val="0"/>
-              </a:spcAft>
-              <a:buSzPts val="1800"/>
-              <a:buChar char="●"/>
-            </a:pPr>
-            <a:r>
-              <a:rPr lang="hu" b="1"/>
-              <a:t>Közvetítő (meta) kódot generáló nyelvek </a:t>
-            </a:r>
-            <a:r>
-              <a:rPr lang="hu"/>
-              <a:t>(pl. Java):</a:t>
-            </a:r>
-            <a:endParaRPr/>
-          </a:p>
-          <a:p>
-            <a:pPr marL="914400" lvl="1" indent="-317500" algn="l" rtl="0">
-              <a:spcBef>
-                <a:spcPts val="0"/>
-              </a:spcBef>
-              <a:spcAft>
-                <a:spcPts val="0"/>
-              </a:spcAft>
-              <a:buSzPts val="1400"/>
-              <a:buChar char="○"/>
-            </a:pPr>
-            <a:r>
-              <a:rPr lang="hu"/>
-              <a:t>A forráskódot egy közvetítő kódra (bytecode) fordítja, amelyet egy virtuális gép (pl. Java Virtual Machine azaz </a:t>
-            </a:r>
-            <a:r>
-              <a:rPr lang="hu" b="1"/>
-              <a:t>JVM</a:t>
-            </a:r>
-            <a:r>
-              <a:rPr lang="hu"/>
-              <a:t>) hajt végre.</a:t>
-            </a:r>
-            <a:endParaRPr/>
-          </a:p>
-          <a:p>
-            <a:pPr marL="914400" lvl="1" indent="-317500" algn="l" rtl="0">
-              <a:spcBef>
-                <a:spcPts val="0"/>
-              </a:spcBef>
-              <a:spcAft>
-                <a:spcPts val="0"/>
-              </a:spcAft>
-              <a:buSzPts val="1400"/>
-              <a:buChar char="○"/>
-            </a:pPr>
-            <a:r>
-              <a:rPr lang="hu"/>
-              <a:t>Platformfüggetlenség, de a virtuális gép (Java Runtime Environment azaz </a:t>
-            </a:r>
-            <a:r>
-              <a:rPr lang="hu" b="1"/>
-              <a:t>JRE)</a:t>
-            </a:r>
-            <a:r>
-              <a:rPr lang="hu"/>
-              <a:t> szükséges a futtatáshoz.</a:t>
-            </a:r>
-            <a:endParaRPr/>
-          </a:p>
-        </p:txBody>
-      </p:sp>
-    </p:spTree>
-  </p:cSld>
-  <p:clrMapOvr>
-    <a:masterClrMapping/>
-  </p:clrMapOvr>
-</p:sld>
-</file>
-
-<file path=ppt/slides/slide6.xml><?xml version="1.0" encoding="utf-8"?>
+<file path=ppt/slides/slide7.xml><?xml version="1.0" encoding="utf-8"?>
 <p:sld xmlns:a="http://schemas.openxmlformats.org/drawingml/2006/main" xmlns:r="http://schemas.openxmlformats.org/officeDocument/2006/relationships" xmlns:p="http://schemas.openxmlformats.org/presentationml/2006/main">
   <p:cSld>
     <p:spTree>
@@ -13650,7 +17367,7 @@
 </p:sld>
 </file>
 
-<file path=ppt/slides/slide7.xml><?xml version="1.0" encoding="utf-8"?>
+<file path=ppt/slides/slide8.xml><?xml version="1.0" encoding="utf-8"?>
 <p:sld xmlns:a="http://schemas.openxmlformats.org/drawingml/2006/main" xmlns:r="http://schemas.openxmlformats.org/officeDocument/2006/relationships" xmlns:p="http://schemas.openxmlformats.org/presentationml/2006/main">
   <p:cSld>
     <p:spTree>
@@ -13972,7 +17689,7 @@
 </p:sld>
 </file>
 
-<file path=ppt/slides/slide8.xml><?xml version="1.0" encoding="utf-8"?>
+<file path=ppt/slides/slide9.xml><?xml version="1.0" encoding="utf-8"?>
 <p:sld xmlns:a="http://schemas.openxmlformats.org/drawingml/2006/main" xmlns:r="http://schemas.openxmlformats.org/officeDocument/2006/relationships" xmlns:p="http://schemas.openxmlformats.org/presentationml/2006/main">
   <p:cSld>
     <p:spTree>
@@ -14155,161 +17872,6 @@
     <p:extLst>
       <p:ext uri="{BB962C8B-B14F-4D97-AF65-F5344CB8AC3E}">
         <p14:creationId xmlns:p14="http://schemas.microsoft.com/office/powerpoint/2010/main" val="1178786851"/>
-      </p:ext>
-    </p:extLst>
-  </p:cSld>
-  <p:clrMapOvr>
-    <a:masterClrMapping/>
-  </p:clrMapOvr>
-</p:sld>
-</file>
-
-<file path=ppt/slides/slide9.xml><?xml version="1.0" encoding="utf-8"?>
-<p:sld xmlns:a="http://schemas.openxmlformats.org/drawingml/2006/main" xmlns:r="http://schemas.openxmlformats.org/officeDocument/2006/relationships" xmlns:p="http://schemas.openxmlformats.org/presentationml/2006/main">
-  <p:cSld>
-    <p:spTree>
-      <p:nvGrpSpPr>
-        <p:cNvPr id="1" name=""/>
-        <p:cNvGrpSpPr/>
-        <p:nvPr/>
-      </p:nvGrpSpPr>
-      <p:grpSpPr>
-        <a:xfrm>
-          <a:off x="0" y="0"/>
-          <a:ext cx="0" cy="0"/>
-          <a:chOff x="0" y="0"/>
-          <a:chExt cx="0" cy="0"/>
-        </a:xfrm>
-      </p:grpSpPr>
-      <p:sp>
-        <p:nvSpPr>
-          <p:cNvPr id="2" name="Cím 1">
-            <a:extLst>
-              <a:ext uri="{FF2B5EF4-FFF2-40B4-BE49-F238E27FC236}">
-                <a16:creationId xmlns:a16="http://schemas.microsoft.com/office/drawing/2014/main" id="{D078A1E8-8B29-65EF-D9E3-662DFDE7388A}"/>
-              </a:ext>
-            </a:extLst>
-          </p:cNvPr>
-          <p:cNvSpPr>
-            <a:spLocks noGrp="1"/>
-          </p:cNvSpPr>
-          <p:nvPr>
-            <p:ph type="title"/>
-          </p:nvPr>
-        </p:nvSpPr>
-        <p:spPr/>
-        <p:txBody>
-          <a:bodyPr>
-            <a:normAutofit fontScale="90000"/>
-          </a:bodyPr>
-          <a:lstStyle/>
-          <a:p>
-            <a:r>
-              <a:rPr lang="hu-HU" dirty="0"/>
-              <a:t>Üdvözlés </a:t>
-            </a:r>
-            <a:r>
-              <a:rPr lang="hu-HU" dirty="0" err="1"/>
-              <a:t>Scratchben</a:t>
-            </a:r>
-            <a:endParaRPr lang="en-US" dirty="0"/>
-          </a:p>
-        </p:txBody>
-      </p:sp>
-      <p:pic>
-        <p:nvPicPr>
-          <p:cNvPr id="5" name="Kép 4">
-            <a:extLst>
-              <a:ext uri="{FF2B5EF4-FFF2-40B4-BE49-F238E27FC236}">
-                <a16:creationId xmlns:a16="http://schemas.microsoft.com/office/drawing/2014/main" id="{5E3AEDFE-CD1A-739A-B65C-70488B10FFAD}"/>
-              </a:ext>
-            </a:extLst>
-          </p:cNvPr>
-          <p:cNvPicPr>
-            <a:picLocks noChangeAspect="1"/>
-          </p:cNvPicPr>
-          <p:nvPr/>
-        </p:nvPicPr>
-        <p:blipFill>
-          <a:blip r:embed="rId2"/>
-          <a:stretch>
-            <a:fillRect/>
-          </a:stretch>
-        </p:blipFill>
-        <p:spPr>
-          <a:xfrm>
-            <a:off x="395310" y="1271883"/>
-            <a:ext cx="4737799" cy="1579266"/>
-          </a:xfrm>
-          <a:prstGeom prst="rect">
-            <a:avLst/>
-          </a:prstGeom>
-        </p:spPr>
-      </p:pic>
-      <p:pic>
-        <p:nvPicPr>
-          <p:cNvPr id="7" name="Kép 6">
-            <a:extLst>
-              <a:ext uri="{FF2B5EF4-FFF2-40B4-BE49-F238E27FC236}">
-                <a16:creationId xmlns:a16="http://schemas.microsoft.com/office/drawing/2014/main" id="{476CF647-8121-67A0-0AC0-2F423B3DBFDC}"/>
-              </a:ext>
-            </a:extLst>
-          </p:cNvPr>
-          <p:cNvPicPr>
-            <a:picLocks noChangeAspect="1"/>
-          </p:cNvPicPr>
-          <p:nvPr/>
-        </p:nvPicPr>
-        <p:blipFill>
-          <a:blip r:embed="rId3"/>
-          <a:stretch>
-            <a:fillRect/>
-          </a:stretch>
-        </p:blipFill>
-        <p:spPr>
-          <a:xfrm>
-            <a:off x="5355772" y="518817"/>
-            <a:ext cx="3151492" cy="2052933"/>
-          </a:xfrm>
-          <a:prstGeom prst="rect">
-            <a:avLst/>
-          </a:prstGeom>
-        </p:spPr>
-      </p:pic>
-      <p:pic>
-        <p:nvPicPr>
-          <p:cNvPr id="9" name="Kép 8">
-            <a:extLst>
-              <a:ext uri="{FF2B5EF4-FFF2-40B4-BE49-F238E27FC236}">
-                <a16:creationId xmlns:a16="http://schemas.microsoft.com/office/drawing/2014/main" id="{89D3F94F-0E3F-7D8E-09DC-9141170F0F0A}"/>
-              </a:ext>
-            </a:extLst>
-          </p:cNvPr>
-          <p:cNvPicPr>
-            <a:picLocks noChangeAspect="1"/>
-          </p:cNvPicPr>
-          <p:nvPr/>
-        </p:nvPicPr>
-        <p:blipFill>
-          <a:blip r:embed="rId4"/>
-          <a:stretch>
-            <a:fillRect/>
-          </a:stretch>
-        </p:blipFill>
-        <p:spPr>
-          <a:xfrm>
-            <a:off x="6264584" y="2699217"/>
-            <a:ext cx="2057687" cy="1657581"/>
-          </a:xfrm>
-          <a:prstGeom prst="rect">
-            <a:avLst/>
-          </a:prstGeom>
-        </p:spPr>
-      </p:pic>
-    </p:spTree>
-    <p:extLst>
-      <p:ext uri="{BB962C8B-B14F-4D97-AF65-F5344CB8AC3E}">
-        <p14:creationId xmlns:p14="http://schemas.microsoft.com/office/powerpoint/2010/main" val="695231929"/>
       </p:ext>
     </p:extLst>
   </p:cSld>

--- a/prog/Bevezetés a Programozás Világába.pptx
+++ b/prog/Bevezetés a Programozás Világába.pptx
@@ -5,7 +5,7 @@
     <p:sldMasterId id="2147483659" r:id="rId1"/>
   </p:sldMasterIdLst>
   <p:notesMasterIdLst>
-    <p:notesMasterId r:id="rId53"/>
+    <p:notesMasterId r:id="rId55"/>
   </p:notesMasterIdLst>
   <p:sldIdLst>
     <p:sldId id="256" r:id="rId2"/>
@@ -39,50 +39,52 @@
     <p:sldId id="292" r:id="rId30"/>
     <p:sldId id="293" r:id="rId31"/>
     <p:sldId id="294" r:id="rId32"/>
-    <p:sldId id="295" r:id="rId33"/>
-    <p:sldId id="296" r:id="rId34"/>
-    <p:sldId id="297" r:id="rId35"/>
-    <p:sldId id="303" r:id="rId36"/>
-    <p:sldId id="302" r:id="rId37"/>
-    <p:sldId id="298" r:id="rId38"/>
-    <p:sldId id="299" r:id="rId39"/>
-    <p:sldId id="301" r:id="rId40"/>
-    <p:sldId id="267" r:id="rId41"/>
-    <p:sldId id="268" r:id="rId42"/>
-    <p:sldId id="269" r:id="rId43"/>
-    <p:sldId id="270" r:id="rId44"/>
-    <p:sldId id="271" r:id="rId45"/>
-    <p:sldId id="304" r:id="rId46"/>
-    <p:sldId id="305" r:id="rId47"/>
-    <p:sldId id="306" r:id="rId48"/>
-    <p:sldId id="307" r:id="rId49"/>
-    <p:sldId id="272" r:id="rId50"/>
-    <p:sldId id="273" r:id="rId51"/>
-    <p:sldId id="274" r:id="rId52"/>
+    <p:sldId id="308" r:id="rId33"/>
+    <p:sldId id="309" r:id="rId34"/>
+    <p:sldId id="295" r:id="rId35"/>
+    <p:sldId id="296" r:id="rId36"/>
+    <p:sldId id="297" r:id="rId37"/>
+    <p:sldId id="303" r:id="rId38"/>
+    <p:sldId id="302" r:id="rId39"/>
+    <p:sldId id="298" r:id="rId40"/>
+    <p:sldId id="299" r:id="rId41"/>
+    <p:sldId id="301" r:id="rId42"/>
+    <p:sldId id="267" r:id="rId43"/>
+    <p:sldId id="268" r:id="rId44"/>
+    <p:sldId id="269" r:id="rId45"/>
+    <p:sldId id="270" r:id="rId46"/>
+    <p:sldId id="271" r:id="rId47"/>
+    <p:sldId id="304" r:id="rId48"/>
+    <p:sldId id="305" r:id="rId49"/>
+    <p:sldId id="306" r:id="rId50"/>
+    <p:sldId id="307" r:id="rId51"/>
+    <p:sldId id="272" r:id="rId52"/>
+    <p:sldId id="273" r:id="rId53"/>
+    <p:sldId id="274" r:id="rId54"/>
   </p:sldIdLst>
   <p:sldSz cx="9144000" cy="5143500" type="screen16x9"/>
   <p:notesSz cx="6858000" cy="9144000"/>
   <p:embeddedFontLst>
     <p:embeddedFont>
       <p:font typeface="Lato" panose="020F0502020204030203" pitchFamily="34" charset="0"/>
-      <p:regular r:id="rId54"/>
-      <p:bold r:id="rId55"/>
-      <p:italic r:id="rId56"/>
-      <p:boldItalic r:id="rId57"/>
+      <p:regular r:id="rId56"/>
+      <p:bold r:id="rId57"/>
+      <p:italic r:id="rId58"/>
+      <p:boldItalic r:id="rId59"/>
     </p:embeddedFont>
     <p:embeddedFont>
       <p:font typeface="Playfair Display" panose="00000500000000000000" pitchFamily="2" charset="0"/>
-      <p:regular r:id="rId58"/>
-      <p:bold r:id="rId59"/>
-      <p:italic r:id="rId60"/>
-      <p:boldItalic r:id="rId61"/>
+      <p:regular r:id="rId60"/>
+      <p:bold r:id="rId61"/>
+      <p:italic r:id="rId62"/>
+      <p:boldItalic r:id="rId63"/>
     </p:embeddedFont>
     <p:embeddedFont>
       <p:font typeface="Roboto" panose="02000000000000000000" pitchFamily="2" charset="0"/>
-      <p:regular r:id="rId62"/>
-      <p:bold r:id="rId63"/>
-      <p:italic r:id="rId64"/>
-      <p:boldItalic r:id="rId65"/>
+      <p:regular r:id="rId64"/>
+      <p:bold r:id="rId65"/>
+      <p:italic r:id="rId66"/>
+      <p:boldItalic r:id="rId67"/>
     </p:embeddedFont>
   </p:embeddedFontLst>
   <p:defaultTextStyle>
@@ -9094,9 +9096,17 @@
           <a:p>
             <a:r>
               <a:rPr lang="hu-HU" dirty="0"/>
-              <a:t>Python</a:t>
-            </a:r>
-            <a:endParaRPr lang="en-US" dirty="0"/>
+              <a:t>Python </a:t>
+            </a:r>
+            <a:r>
+              <a:rPr lang="hu-HU" sz="2400" dirty="0"/>
+              <a:t>és egy kicsi </a:t>
+            </a:r>
+            <a:r>
+              <a:rPr lang="hu-HU" sz="2400" dirty="0" err="1"/>
+              <a:t>Scratch</a:t>
+            </a:r>
+            <a:endParaRPr lang="en-US" sz="2400" dirty="0"/>
           </a:p>
         </p:txBody>
       </p:sp>
@@ -13378,6 +13388,252 @@
           <p:cNvPr id="2" name="Cím 1">
             <a:extLst>
               <a:ext uri="{FF2B5EF4-FFF2-40B4-BE49-F238E27FC236}">
+                <a16:creationId xmlns:a16="http://schemas.microsoft.com/office/drawing/2014/main" id="{1C179256-8A19-47DE-89EC-A526F9A399E6}"/>
+              </a:ext>
+            </a:extLst>
+          </p:cNvPr>
+          <p:cNvSpPr>
+            <a:spLocks noGrp="1"/>
+          </p:cNvSpPr>
+          <p:nvPr>
+            <p:ph type="title"/>
+          </p:nvPr>
+        </p:nvSpPr>
+        <p:spPr/>
+        <p:txBody>
+          <a:bodyPr>
+            <a:normAutofit fontScale="90000"/>
+          </a:bodyPr>
+          <a:lstStyle/>
+          <a:p>
+            <a:r>
+              <a:rPr lang="hu-HU" dirty="0"/>
+              <a:t>Függvény </a:t>
+            </a:r>
+            <a:r>
+              <a:rPr lang="hu-HU" dirty="0" err="1"/>
+              <a:t>Scratchben</a:t>
+            </a:r>
+            <a:endParaRPr lang="en-US" dirty="0"/>
+          </a:p>
+        </p:txBody>
+      </p:sp>
+      <p:pic>
+        <p:nvPicPr>
+          <p:cNvPr id="5" name="Kép 4">
+            <a:extLst>
+              <a:ext uri="{FF2B5EF4-FFF2-40B4-BE49-F238E27FC236}">
+                <a16:creationId xmlns:a16="http://schemas.microsoft.com/office/drawing/2014/main" id="{4B895AF8-63C8-72EF-3946-8FF6235245E5}"/>
+              </a:ext>
+            </a:extLst>
+          </p:cNvPr>
+          <p:cNvPicPr>
+            <a:picLocks noChangeAspect="1"/>
+          </p:cNvPicPr>
+          <p:nvPr/>
+        </p:nvPicPr>
+        <p:blipFill>
+          <a:blip r:embed="rId2"/>
+          <a:stretch>
+            <a:fillRect/>
+          </a:stretch>
+        </p:blipFill>
+        <p:spPr>
+          <a:xfrm>
+            <a:off x="678873" y="1017450"/>
+            <a:ext cx="4544642" cy="3494554"/>
+          </a:xfrm>
+          <a:prstGeom prst="rect">
+            <a:avLst/>
+          </a:prstGeom>
+        </p:spPr>
+      </p:pic>
+      <p:pic>
+        <p:nvPicPr>
+          <p:cNvPr id="7" name="Kép 6">
+            <a:extLst>
+              <a:ext uri="{FF2B5EF4-FFF2-40B4-BE49-F238E27FC236}">
+                <a16:creationId xmlns:a16="http://schemas.microsoft.com/office/drawing/2014/main" id="{913EB6E3-CBE2-F5FD-07C1-E26551D44ED7}"/>
+              </a:ext>
+            </a:extLst>
+          </p:cNvPr>
+          <p:cNvPicPr>
+            <a:picLocks noChangeAspect="1"/>
+          </p:cNvPicPr>
+          <p:nvPr/>
+        </p:nvPicPr>
+        <p:blipFill>
+          <a:blip r:embed="rId3"/>
+          <a:stretch>
+            <a:fillRect/>
+          </a:stretch>
+        </p:blipFill>
+        <p:spPr>
+          <a:xfrm>
+            <a:off x="5645621" y="1161853"/>
+            <a:ext cx="2113968" cy="1955420"/>
+          </a:xfrm>
+          <a:prstGeom prst="rect">
+            <a:avLst/>
+          </a:prstGeom>
+        </p:spPr>
+      </p:pic>
+    </p:spTree>
+    <p:extLst>
+      <p:ext uri="{BB962C8B-B14F-4D97-AF65-F5344CB8AC3E}">
+        <p14:creationId xmlns:p14="http://schemas.microsoft.com/office/powerpoint/2010/main" val="241958192"/>
+      </p:ext>
+    </p:extLst>
+  </p:cSld>
+  <p:clrMapOvr>
+    <a:masterClrMapping/>
+  </p:clrMapOvr>
+</p:sld>
+</file>
+
+<file path=ppt/slides/slide33.xml><?xml version="1.0" encoding="utf-8"?>
+<p:sld xmlns:a="http://schemas.openxmlformats.org/drawingml/2006/main" xmlns:r="http://schemas.openxmlformats.org/officeDocument/2006/relationships" xmlns:p="http://schemas.openxmlformats.org/presentationml/2006/main">
+  <p:cSld>
+    <p:spTree>
+      <p:nvGrpSpPr>
+        <p:cNvPr id="1" name=""/>
+        <p:cNvGrpSpPr/>
+        <p:nvPr/>
+      </p:nvGrpSpPr>
+      <p:grpSpPr>
+        <a:xfrm>
+          <a:off x="0" y="0"/>
+          <a:ext cx="0" cy="0"/>
+          <a:chOff x="0" y="0"/>
+          <a:chExt cx="0" cy="0"/>
+        </a:xfrm>
+      </p:grpSpPr>
+      <p:sp>
+        <p:nvSpPr>
+          <p:cNvPr id="2" name="Cím 1">
+            <a:extLst>
+              <a:ext uri="{FF2B5EF4-FFF2-40B4-BE49-F238E27FC236}">
+                <a16:creationId xmlns:a16="http://schemas.microsoft.com/office/drawing/2014/main" id="{453B2846-C69F-8348-601B-9AF36C23E400}"/>
+              </a:ext>
+            </a:extLst>
+          </p:cNvPr>
+          <p:cNvSpPr>
+            <a:spLocks noGrp="1"/>
+          </p:cNvSpPr>
+          <p:nvPr>
+            <p:ph type="title"/>
+          </p:nvPr>
+        </p:nvSpPr>
+        <p:spPr/>
+        <p:txBody>
+          <a:bodyPr>
+            <a:normAutofit fontScale="90000"/>
+          </a:bodyPr>
+          <a:lstStyle/>
+          <a:p>
+            <a:r>
+              <a:rPr lang="hu-HU" dirty="0"/>
+              <a:t>Több háromszög</a:t>
+            </a:r>
+            <a:endParaRPr lang="en-US" dirty="0"/>
+          </a:p>
+        </p:txBody>
+      </p:sp>
+      <p:pic>
+        <p:nvPicPr>
+          <p:cNvPr id="5" name="Kép 4">
+            <a:extLst>
+              <a:ext uri="{FF2B5EF4-FFF2-40B4-BE49-F238E27FC236}">
+                <a16:creationId xmlns:a16="http://schemas.microsoft.com/office/drawing/2014/main" id="{8AF6525B-BAC7-C2D9-D1B1-01D05E706713}"/>
+              </a:ext>
+            </a:extLst>
+          </p:cNvPr>
+          <p:cNvPicPr>
+            <a:picLocks noChangeAspect="1"/>
+          </p:cNvPicPr>
+          <p:nvPr/>
+        </p:nvPicPr>
+        <p:blipFill>
+          <a:blip r:embed="rId2"/>
+          <a:stretch>
+            <a:fillRect/>
+          </a:stretch>
+        </p:blipFill>
+        <p:spPr>
+          <a:xfrm>
+            <a:off x="365703" y="1022461"/>
+            <a:ext cx="4067752" cy="3788530"/>
+          </a:xfrm>
+          <a:prstGeom prst="rect">
+            <a:avLst/>
+          </a:prstGeom>
+        </p:spPr>
+      </p:pic>
+      <p:pic>
+        <p:nvPicPr>
+          <p:cNvPr id="7" name="Kép 6">
+            <a:extLst>
+              <a:ext uri="{FF2B5EF4-FFF2-40B4-BE49-F238E27FC236}">
+                <a16:creationId xmlns:a16="http://schemas.microsoft.com/office/drawing/2014/main" id="{B5A85993-582C-0F87-F429-4821043A0E21}"/>
+              </a:ext>
+            </a:extLst>
+          </p:cNvPr>
+          <p:cNvPicPr>
+            <a:picLocks noChangeAspect="1"/>
+          </p:cNvPicPr>
+          <p:nvPr/>
+        </p:nvPicPr>
+        <p:blipFill>
+          <a:blip r:embed="rId3"/>
+          <a:stretch>
+            <a:fillRect/>
+          </a:stretch>
+        </p:blipFill>
+        <p:spPr>
+          <a:xfrm>
+            <a:off x="4957903" y="1406237"/>
+            <a:ext cx="3300054" cy="2195946"/>
+          </a:xfrm>
+          <a:prstGeom prst="rect">
+            <a:avLst/>
+          </a:prstGeom>
+        </p:spPr>
+      </p:pic>
+    </p:spTree>
+    <p:extLst>
+      <p:ext uri="{BB962C8B-B14F-4D97-AF65-F5344CB8AC3E}">
+        <p14:creationId xmlns:p14="http://schemas.microsoft.com/office/powerpoint/2010/main" val="1191448210"/>
+      </p:ext>
+    </p:extLst>
+  </p:cSld>
+  <p:clrMapOvr>
+    <a:masterClrMapping/>
+  </p:clrMapOvr>
+</p:sld>
+</file>
+
+<file path=ppt/slides/slide34.xml><?xml version="1.0" encoding="utf-8"?>
+<p:sld xmlns:a="http://schemas.openxmlformats.org/drawingml/2006/main" xmlns:r="http://schemas.openxmlformats.org/officeDocument/2006/relationships" xmlns:p="http://schemas.openxmlformats.org/presentationml/2006/main">
+  <p:cSld>
+    <p:spTree>
+      <p:nvGrpSpPr>
+        <p:cNvPr id="1" name=""/>
+        <p:cNvGrpSpPr/>
+        <p:nvPr/>
+      </p:nvGrpSpPr>
+      <p:grpSpPr>
+        <a:xfrm>
+          <a:off x="0" y="0"/>
+          <a:ext cx="0" cy="0"/>
+          <a:chOff x="0" y="0"/>
+          <a:chExt cx="0" cy="0"/>
+        </a:xfrm>
+      </p:grpSpPr>
+      <p:sp>
+        <p:nvSpPr>
+          <p:cNvPr id="2" name="Cím 1">
+            <a:extLst>
+              <a:ext uri="{FF2B5EF4-FFF2-40B4-BE49-F238E27FC236}">
                 <a16:creationId xmlns:a16="http://schemas.microsoft.com/office/drawing/2014/main" id="{D5380545-313C-DEC2-D51A-34C28FCAB2D4}"/>
               </a:ext>
             </a:extLst>
@@ -13508,7 +13764,7 @@
 </p:sld>
 </file>
 
-<file path=ppt/slides/slide33.xml><?xml version="1.0" encoding="utf-8"?>
+<file path=ppt/slides/slide35.xml><?xml version="1.0" encoding="utf-8"?>
 <p:sld xmlns:a="http://schemas.openxmlformats.org/drawingml/2006/main" xmlns:r="http://schemas.openxmlformats.org/officeDocument/2006/relationships" xmlns:p="http://schemas.openxmlformats.org/presentationml/2006/main">
   <p:cSld>
     <p:spTree>
@@ -13797,7 +14053,7 @@
 </p:sld>
 </file>
 
-<file path=ppt/slides/slide34.xml><?xml version="1.0" encoding="utf-8"?>
+<file path=ppt/slides/slide36.xml><?xml version="1.0" encoding="utf-8"?>
 <p:sld xmlns:a="http://schemas.openxmlformats.org/drawingml/2006/main" xmlns:r="http://schemas.openxmlformats.org/officeDocument/2006/relationships" xmlns:p="http://schemas.openxmlformats.org/presentationml/2006/main">
   <p:cSld>
     <p:spTree>
@@ -14188,7 +14444,7 @@
 </p:sld>
 </file>
 
-<file path=ppt/slides/slide35.xml><?xml version="1.0" encoding="utf-8"?>
+<file path=ppt/slides/slide37.xml><?xml version="1.0" encoding="utf-8"?>
 <p:sld xmlns:a="http://schemas.openxmlformats.org/drawingml/2006/main" xmlns:r="http://schemas.openxmlformats.org/officeDocument/2006/relationships" xmlns:p="http://schemas.openxmlformats.org/presentationml/2006/main">
   <p:cSld>
     <p:spTree>
@@ -14398,7 +14654,7 @@
 </p:sld>
 </file>
 
-<file path=ppt/slides/slide36.xml><?xml version="1.0" encoding="utf-8"?>
+<file path=ppt/slides/slide38.xml><?xml version="1.0" encoding="utf-8"?>
 <p:sld xmlns:a="http://schemas.openxmlformats.org/drawingml/2006/main" xmlns:r="http://schemas.openxmlformats.org/officeDocument/2006/relationships" xmlns:p="http://schemas.openxmlformats.org/presentationml/2006/main">
   <p:cSld>
     <p:spTree>
@@ -14658,7 +14914,7 @@
 </p:sld>
 </file>
 
-<file path=ppt/slides/slide37.xml><?xml version="1.0" encoding="utf-8"?>
+<file path=ppt/slides/slide39.xml><?xml version="1.0" encoding="utf-8"?>
 <p:sld xmlns:a="http://schemas.openxmlformats.org/drawingml/2006/main" xmlns:r="http://schemas.openxmlformats.org/officeDocument/2006/relationships" xmlns:p="http://schemas.openxmlformats.org/presentationml/2006/main">
   <p:cSld>
     <p:spTree>
@@ -14749,7 +15005,163 @@
 </p:sld>
 </file>
 
-<file path=ppt/slides/slide38.xml><?xml version="1.0" encoding="utf-8"?>
+<file path=ppt/slides/slide4.xml><?xml version="1.0" encoding="utf-8"?>
+<p:sld xmlns:a="http://schemas.openxmlformats.org/drawingml/2006/main" xmlns:r="http://schemas.openxmlformats.org/officeDocument/2006/relationships" xmlns:p="http://schemas.openxmlformats.org/presentationml/2006/main">
+  <p:cSld>
+    <p:spTree>
+      <p:nvGrpSpPr>
+        <p:cNvPr id="1" name="Shape 77"/>
+        <p:cNvGrpSpPr/>
+        <p:nvPr/>
+      </p:nvGrpSpPr>
+      <p:grpSpPr>
+        <a:xfrm>
+          <a:off x="0" y="0"/>
+          <a:ext cx="0" cy="0"/>
+          <a:chOff x="0" y="0"/>
+          <a:chExt cx="0" cy="0"/>
+        </a:xfrm>
+      </p:grpSpPr>
+      <p:sp>
+        <p:nvSpPr>
+          <p:cNvPr id="78" name="Google Shape;78;p16"/>
+          <p:cNvSpPr txBox="1">
+            <a:spLocks noGrp="1"/>
+          </p:cNvSpPr>
+          <p:nvPr>
+            <p:ph type="title"/>
+          </p:nvPr>
+        </p:nvSpPr>
+        <p:spPr>
+          <a:xfrm>
+            <a:off x="311700" y="391350"/>
+            <a:ext cx="8520600" cy="626100"/>
+          </a:xfrm>
+          <a:prstGeom prst="rect">
+            <a:avLst/>
+          </a:prstGeom>
+        </p:spPr>
+        <p:txBody>
+          <a:bodyPr spcFirstLastPara="1" wrap="square" lIns="91425" tIns="91425" rIns="91425" bIns="91425" anchor="t" anchorCtr="0">
+            <a:normAutofit fontScale="90000"/>
+          </a:bodyPr>
+          <a:lstStyle/>
+          <a:p>
+            <a:pPr marL="0" lvl="0" indent="0" algn="l" rtl="0">
+              <a:spcBef>
+                <a:spcPts val="0"/>
+              </a:spcBef>
+              <a:spcAft>
+                <a:spcPts val="0"/>
+              </a:spcAft>
+              <a:buNone/>
+            </a:pPr>
+            <a:r>
+              <a:rPr lang="hu"/>
+              <a:t>Mi van a program fájlban?</a:t>
+            </a:r>
+            <a:endParaRPr/>
+          </a:p>
+        </p:txBody>
+      </p:sp>
+      <p:sp>
+        <p:nvSpPr>
+          <p:cNvPr id="79" name="Google Shape;79;p16"/>
+          <p:cNvSpPr txBox="1">
+            <a:spLocks noGrp="1"/>
+          </p:cNvSpPr>
+          <p:nvPr>
+            <p:ph type="body" idx="1"/>
+          </p:nvPr>
+        </p:nvSpPr>
+        <p:spPr>
+          <a:xfrm>
+            <a:off x="311700" y="1152475"/>
+            <a:ext cx="8520600" cy="3416400"/>
+          </a:xfrm>
+          <a:prstGeom prst="rect">
+            <a:avLst/>
+          </a:prstGeom>
+        </p:spPr>
+        <p:txBody>
+          <a:bodyPr spcFirstLastPara="1" wrap="square" lIns="91425" tIns="91425" rIns="91425" bIns="91425" anchor="t" anchorCtr="0">
+            <a:normAutofit/>
+          </a:bodyPr>
+          <a:lstStyle/>
+          <a:p>
+            <a:pPr marL="457200" lvl="0" indent="-342900" algn="l" rtl="0">
+              <a:spcBef>
+                <a:spcPts val="0"/>
+              </a:spcBef>
+              <a:spcAft>
+                <a:spcPts val="0"/>
+              </a:spcAft>
+              <a:buSzPts val="1800"/>
+              <a:buChar char="●"/>
+            </a:pPr>
+            <a:r>
+              <a:rPr lang="hu" b="1"/>
+              <a:t>Forráskód</a:t>
+            </a:r>
+            <a:r>
+              <a:rPr lang="hu"/>
+              <a:t>: A program fájl tartalmazza a forráskódot, amelyet a programozó ír. Ez a kód ember által olvasható, és egy adott programozási nyelven íródott (pl. Python, Java, C++).</a:t>
+            </a:r>
+            <a:endParaRPr/>
+          </a:p>
+          <a:p>
+            <a:pPr marL="457200" lvl="0" indent="-342900" algn="l" rtl="0">
+              <a:spcBef>
+                <a:spcPts val="1000"/>
+              </a:spcBef>
+              <a:spcAft>
+                <a:spcPts val="0"/>
+              </a:spcAft>
+              <a:buSzPts val="1800"/>
+              <a:buChar char="●"/>
+            </a:pPr>
+            <a:r>
+              <a:rPr lang="hu" b="1"/>
+              <a:t>Futtatható kód</a:t>
+            </a:r>
+            <a:r>
+              <a:rPr lang="hu"/>
+              <a:t>: A forráskód lefordítva vagy értelmezve futtatható kód lesz, amelyet a számítógép közvetlenül tud végrehajtani.</a:t>
+            </a:r>
+            <a:endParaRPr/>
+          </a:p>
+          <a:p>
+            <a:pPr marL="457200" lvl="0" indent="-342900" algn="l" rtl="0">
+              <a:spcBef>
+                <a:spcPts val="1000"/>
+              </a:spcBef>
+              <a:spcAft>
+                <a:spcPts val="1000"/>
+              </a:spcAft>
+              <a:buSzPts val="1800"/>
+              <a:buChar char="●"/>
+            </a:pPr>
+            <a:r>
+              <a:rPr lang="hu" b="1"/>
+              <a:t>Adatok és erőforrások:</a:t>
+            </a:r>
+            <a:r>
+              <a:rPr lang="hu"/>
+              <a:t> A program fájl tartalmazhat adatokat, képeket, hangfájlokat vagy más erőforrásokat, amelyekre a programnak szüksége van.</a:t>
+            </a:r>
+            <a:endParaRPr/>
+          </a:p>
+        </p:txBody>
+      </p:sp>
+    </p:spTree>
+  </p:cSld>
+  <p:clrMapOvr>
+    <a:masterClrMapping/>
+  </p:clrMapOvr>
+</p:sld>
+</file>
+
+<file path=ppt/slides/slide40.xml><?xml version="1.0" encoding="utf-8"?>
 <p:sld xmlns:a="http://schemas.openxmlformats.org/drawingml/2006/main" xmlns:r="http://schemas.openxmlformats.org/officeDocument/2006/relationships" xmlns:p="http://schemas.openxmlformats.org/presentationml/2006/main">
   <p:cSld>
     <p:spTree>
@@ -14870,7 +15282,7 @@
 </p:sld>
 </file>
 
-<file path=ppt/slides/slide39.xml><?xml version="1.0" encoding="utf-8"?>
+<file path=ppt/slides/slide41.xml><?xml version="1.0" encoding="utf-8"?>
 <p:sld xmlns:a="http://schemas.openxmlformats.org/drawingml/2006/main" xmlns:r="http://schemas.openxmlformats.org/officeDocument/2006/relationships" xmlns:p="http://schemas.openxmlformats.org/presentationml/2006/main">
   <p:cSld>
     <p:spTree>
@@ -14929,163 +15341,7 @@
 </p:sld>
 </file>
 
-<file path=ppt/slides/slide4.xml><?xml version="1.0" encoding="utf-8"?>
-<p:sld xmlns:a="http://schemas.openxmlformats.org/drawingml/2006/main" xmlns:r="http://schemas.openxmlformats.org/officeDocument/2006/relationships" xmlns:p="http://schemas.openxmlformats.org/presentationml/2006/main">
-  <p:cSld>
-    <p:spTree>
-      <p:nvGrpSpPr>
-        <p:cNvPr id="1" name="Shape 77"/>
-        <p:cNvGrpSpPr/>
-        <p:nvPr/>
-      </p:nvGrpSpPr>
-      <p:grpSpPr>
-        <a:xfrm>
-          <a:off x="0" y="0"/>
-          <a:ext cx="0" cy="0"/>
-          <a:chOff x="0" y="0"/>
-          <a:chExt cx="0" cy="0"/>
-        </a:xfrm>
-      </p:grpSpPr>
-      <p:sp>
-        <p:nvSpPr>
-          <p:cNvPr id="78" name="Google Shape;78;p16"/>
-          <p:cNvSpPr txBox="1">
-            <a:spLocks noGrp="1"/>
-          </p:cNvSpPr>
-          <p:nvPr>
-            <p:ph type="title"/>
-          </p:nvPr>
-        </p:nvSpPr>
-        <p:spPr>
-          <a:xfrm>
-            <a:off x="311700" y="391350"/>
-            <a:ext cx="8520600" cy="626100"/>
-          </a:xfrm>
-          <a:prstGeom prst="rect">
-            <a:avLst/>
-          </a:prstGeom>
-        </p:spPr>
-        <p:txBody>
-          <a:bodyPr spcFirstLastPara="1" wrap="square" lIns="91425" tIns="91425" rIns="91425" bIns="91425" anchor="t" anchorCtr="0">
-            <a:normAutofit fontScale="90000"/>
-          </a:bodyPr>
-          <a:lstStyle/>
-          <a:p>
-            <a:pPr marL="0" lvl="0" indent="0" algn="l" rtl="0">
-              <a:spcBef>
-                <a:spcPts val="0"/>
-              </a:spcBef>
-              <a:spcAft>
-                <a:spcPts val="0"/>
-              </a:spcAft>
-              <a:buNone/>
-            </a:pPr>
-            <a:r>
-              <a:rPr lang="hu"/>
-              <a:t>Mi van a program fájlban?</a:t>
-            </a:r>
-            <a:endParaRPr/>
-          </a:p>
-        </p:txBody>
-      </p:sp>
-      <p:sp>
-        <p:nvSpPr>
-          <p:cNvPr id="79" name="Google Shape;79;p16"/>
-          <p:cNvSpPr txBox="1">
-            <a:spLocks noGrp="1"/>
-          </p:cNvSpPr>
-          <p:nvPr>
-            <p:ph type="body" idx="1"/>
-          </p:nvPr>
-        </p:nvSpPr>
-        <p:spPr>
-          <a:xfrm>
-            <a:off x="311700" y="1152475"/>
-            <a:ext cx="8520600" cy="3416400"/>
-          </a:xfrm>
-          <a:prstGeom prst="rect">
-            <a:avLst/>
-          </a:prstGeom>
-        </p:spPr>
-        <p:txBody>
-          <a:bodyPr spcFirstLastPara="1" wrap="square" lIns="91425" tIns="91425" rIns="91425" bIns="91425" anchor="t" anchorCtr="0">
-            <a:normAutofit/>
-          </a:bodyPr>
-          <a:lstStyle/>
-          <a:p>
-            <a:pPr marL="457200" lvl="0" indent="-342900" algn="l" rtl="0">
-              <a:spcBef>
-                <a:spcPts val="0"/>
-              </a:spcBef>
-              <a:spcAft>
-                <a:spcPts val="0"/>
-              </a:spcAft>
-              <a:buSzPts val="1800"/>
-              <a:buChar char="●"/>
-            </a:pPr>
-            <a:r>
-              <a:rPr lang="hu" b="1"/>
-              <a:t>Forráskód</a:t>
-            </a:r>
-            <a:r>
-              <a:rPr lang="hu"/>
-              <a:t>: A program fájl tartalmazza a forráskódot, amelyet a programozó ír. Ez a kód ember által olvasható, és egy adott programozási nyelven íródott (pl. Python, Java, C++).</a:t>
-            </a:r>
-            <a:endParaRPr/>
-          </a:p>
-          <a:p>
-            <a:pPr marL="457200" lvl="0" indent="-342900" algn="l" rtl="0">
-              <a:spcBef>
-                <a:spcPts val="1000"/>
-              </a:spcBef>
-              <a:spcAft>
-                <a:spcPts val="0"/>
-              </a:spcAft>
-              <a:buSzPts val="1800"/>
-              <a:buChar char="●"/>
-            </a:pPr>
-            <a:r>
-              <a:rPr lang="hu" b="1"/>
-              <a:t>Futtatható kód</a:t>
-            </a:r>
-            <a:r>
-              <a:rPr lang="hu"/>
-              <a:t>: A forráskód lefordítva vagy értelmezve futtatható kód lesz, amelyet a számítógép közvetlenül tud végrehajtani.</a:t>
-            </a:r>
-            <a:endParaRPr/>
-          </a:p>
-          <a:p>
-            <a:pPr marL="457200" lvl="0" indent="-342900" algn="l" rtl="0">
-              <a:spcBef>
-                <a:spcPts val="1000"/>
-              </a:spcBef>
-              <a:spcAft>
-                <a:spcPts val="1000"/>
-              </a:spcAft>
-              <a:buSzPts val="1800"/>
-              <a:buChar char="●"/>
-            </a:pPr>
-            <a:r>
-              <a:rPr lang="hu" b="1"/>
-              <a:t>Adatok és erőforrások:</a:t>
-            </a:r>
-            <a:r>
-              <a:rPr lang="hu"/>
-              <a:t> A program fájl tartalmazhat adatokat, képeket, hangfájlokat vagy más erőforrásokat, amelyekre a programnak szüksége van.</a:t>
-            </a:r>
-            <a:endParaRPr/>
-          </a:p>
-        </p:txBody>
-      </p:sp>
-    </p:spTree>
-  </p:cSld>
-  <p:clrMapOvr>
-    <a:masterClrMapping/>
-  </p:clrMapOvr>
-</p:sld>
-</file>
-
-<file path=ppt/slides/slide40.xml><?xml version="1.0" encoding="utf-8"?>
+<file path=ppt/slides/slide42.xml><?xml version="1.0" encoding="utf-8"?>
 <p:sld xmlns:a="http://schemas.openxmlformats.org/drawingml/2006/main" xmlns:r="http://schemas.openxmlformats.org/officeDocument/2006/relationships" xmlns:p="http://schemas.openxmlformats.org/presentationml/2006/main">
   <p:cSld>
     <p:spTree>
@@ -15180,7 +15436,7 @@
 </p:sld>
 </file>
 
-<file path=ppt/slides/slide41.xml><?xml version="1.0" encoding="utf-8"?>
+<file path=ppt/slides/slide43.xml><?xml version="1.0" encoding="utf-8"?>
 <p:sld xmlns:a="http://schemas.openxmlformats.org/drawingml/2006/main" xmlns:r="http://schemas.openxmlformats.org/officeDocument/2006/relationships" xmlns:p="http://schemas.openxmlformats.org/presentationml/2006/main">
   <p:cSld>
     <p:spTree>
@@ -15303,7 +15559,7 @@
 </p:sld>
 </file>
 
-<file path=ppt/slides/slide42.xml><?xml version="1.0" encoding="utf-8"?>
+<file path=ppt/slides/slide44.xml><?xml version="1.0" encoding="utf-8"?>
 <p:sld xmlns:a="http://schemas.openxmlformats.org/drawingml/2006/main" xmlns:r="http://schemas.openxmlformats.org/officeDocument/2006/relationships" xmlns:p="http://schemas.openxmlformats.org/presentationml/2006/main">
   <p:cSld>
     <p:spTree>
@@ -15398,7 +15654,7 @@
 </p:sld>
 </file>
 
-<file path=ppt/slides/slide43.xml><?xml version="1.0" encoding="utf-8"?>
+<file path=ppt/slides/slide45.xml><?xml version="1.0" encoding="utf-8"?>
 <p:sld xmlns:a="http://schemas.openxmlformats.org/drawingml/2006/main" xmlns:r="http://schemas.openxmlformats.org/officeDocument/2006/relationships" xmlns:p="http://schemas.openxmlformats.org/presentationml/2006/main">
   <p:cSld>
     <p:spTree>
@@ -15547,7 +15803,7 @@
 </p:sld>
 </file>
 
-<file path=ppt/slides/slide44.xml><?xml version="1.0" encoding="utf-8"?>
+<file path=ppt/slides/slide46.xml><?xml version="1.0" encoding="utf-8"?>
 <p:sld xmlns:a="http://schemas.openxmlformats.org/drawingml/2006/main" xmlns:r="http://schemas.openxmlformats.org/officeDocument/2006/relationships" xmlns:p="http://schemas.openxmlformats.org/presentationml/2006/main">
   <p:cSld>
     <p:spTree>
@@ -15696,7 +15952,7 @@
 </p:sld>
 </file>
 
-<file path=ppt/slides/slide45.xml><?xml version="1.0" encoding="utf-8"?>
+<file path=ppt/slides/slide47.xml><?xml version="1.0" encoding="utf-8"?>
 <p:sld xmlns:a="http://schemas.openxmlformats.org/drawingml/2006/main" xmlns:r="http://schemas.openxmlformats.org/officeDocument/2006/relationships" xmlns:p="http://schemas.openxmlformats.org/presentationml/2006/main">
   <p:cSld>
     <p:spTree>
@@ -16124,7 +16380,7 @@
 </p:sld>
 </file>
 
-<file path=ppt/slides/slide46.xml><?xml version="1.0" encoding="utf-8"?>
+<file path=ppt/slides/slide48.xml><?xml version="1.0" encoding="utf-8"?>
 <p:sld xmlns:a="http://schemas.openxmlformats.org/drawingml/2006/main" xmlns:r="http://schemas.openxmlformats.org/officeDocument/2006/relationships" xmlns:p="http://schemas.openxmlformats.org/presentationml/2006/main">
   <p:cSld>
     <p:spTree>
@@ -16219,7 +16475,7 @@
 </p:sld>
 </file>
 
-<file path=ppt/slides/slide47.xml><?xml version="1.0" encoding="utf-8"?>
+<file path=ppt/slides/slide49.xml><?xml version="1.0" encoding="utf-8"?>
 <p:sld xmlns:a="http://schemas.openxmlformats.org/drawingml/2006/main" xmlns:r="http://schemas.openxmlformats.org/officeDocument/2006/relationships" xmlns:p="http://schemas.openxmlformats.org/presentationml/2006/main">
   <p:cSld>
     <p:spTree>
@@ -16314,7 +16570,281 @@
 </p:sld>
 </file>
 
-<file path=ppt/slides/slide48.xml><?xml version="1.0" encoding="utf-8"?>
+<file path=ppt/slides/slide5.xml><?xml version="1.0" encoding="utf-8"?>
+<p:sld xmlns:a="http://schemas.openxmlformats.org/drawingml/2006/main" xmlns:r="http://schemas.openxmlformats.org/officeDocument/2006/relationships" xmlns:p="http://schemas.openxmlformats.org/presentationml/2006/main">
+  <p:cSld>
+    <p:spTree>
+      <p:nvGrpSpPr>
+        <p:cNvPr id="1" name="Shape 83"/>
+        <p:cNvGrpSpPr/>
+        <p:nvPr/>
+      </p:nvGrpSpPr>
+      <p:grpSpPr>
+        <a:xfrm>
+          <a:off x="0" y="0"/>
+          <a:ext cx="0" cy="0"/>
+          <a:chOff x="0" y="0"/>
+          <a:chExt cx="0" cy="0"/>
+        </a:xfrm>
+      </p:grpSpPr>
+      <p:sp>
+        <p:nvSpPr>
+          <p:cNvPr id="84" name="Google Shape;84;p17"/>
+          <p:cNvSpPr txBox="1">
+            <a:spLocks noGrp="1"/>
+          </p:cNvSpPr>
+          <p:nvPr>
+            <p:ph type="title"/>
+          </p:nvPr>
+        </p:nvSpPr>
+        <p:spPr>
+          <a:xfrm>
+            <a:off x="311700" y="391350"/>
+            <a:ext cx="8520600" cy="626100"/>
+          </a:xfrm>
+          <a:prstGeom prst="rect">
+            <a:avLst/>
+          </a:prstGeom>
+        </p:spPr>
+        <p:txBody>
+          <a:bodyPr spcFirstLastPara="1" wrap="square" lIns="91425" tIns="91425" rIns="91425" bIns="91425" anchor="t" anchorCtr="0">
+            <a:normAutofit fontScale="90000"/>
+          </a:bodyPr>
+          <a:lstStyle/>
+          <a:p>
+            <a:pPr marL="0" lvl="0" indent="0" algn="l" rtl="0">
+              <a:spcBef>
+                <a:spcPts val="0"/>
+              </a:spcBef>
+              <a:spcAft>
+                <a:spcPts val="0"/>
+              </a:spcAft>
+              <a:buNone/>
+            </a:pPr>
+            <a:r>
+              <a:rPr lang="hu"/>
+              <a:t>Programozási nyelvek típusai</a:t>
+            </a:r>
+            <a:endParaRPr/>
+          </a:p>
+        </p:txBody>
+      </p:sp>
+      <p:sp>
+        <p:nvSpPr>
+          <p:cNvPr id="85" name="Google Shape;85;p17"/>
+          <p:cNvSpPr txBox="1">
+            <a:spLocks noGrp="1"/>
+          </p:cNvSpPr>
+          <p:nvPr>
+            <p:ph type="body" idx="1"/>
+          </p:nvPr>
+        </p:nvSpPr>
+        <p:spPr>
+          <a:xfrm>
+            <a:off x="311700" y="1152475"/>
+            <a:ext cx="8520600" cy="3416400"/>
+          </a:xfrm>
+          <a:prstGeom prst="rect">
+            <a:avLst/>
+          </a:prstGeom>
+        </p:spPr>
+        <p:txBody>
+          <a:bodyPr spcFirstLastPara="1" wrap="square" lIns="91425" tIns="91425" rIns="91425" bIns="91425" anchor="t" anchorCtr="0">
+            <a:normAutofit/>
+          </a:bodyPr>
+          <a:lstStyle/>
+          <a:p>
+            <a:pPr marL="457200" lvl="0" indent="-342900" algn="l" rtl="0">
+              <a:spcBef>
+                <a:spcPts val="0"/>
+              </a:spcBef>
+              <a:spcAft>
+                <a:spcPts val="0"/>
+              </a:spcAft>
+              <a:buSzPts val="1800"/>
+              <a:buChar char="●"/>
+            </a:pPr>
+            <a:r>
+              <a:rPr lang="hu" b="1"/>
+              <a:t>Fordított nyelvek</a:t>
+            </a:r>
+            <a:r>
+              <a:rPr lang="hu"/>
+              <a:t> (pl. C, C++):</a:t>
+            </a:r>
+            <a:endParaRPr/>
+          </a:p>
+          <a:p>
+            <a:pPr marL="914400" lvl="1" indent="-317500" algn="l" rtl="0">
+              <a:spcBef>
+                <a:spcPts val="0"/>
+              </a:spcBef>
+              <a:spcAft>
+                <a:spcPts val="0"/>
+              </a:spcAft>
+              <a:buSzPts val="1400"/>
+              <a:buChar char="○"/>
+            </a:pPr>
+            <a:r>
+              <a:rPr lang="hu"/>
+              <a:t>A forráskódot egy fordítóprogram (compiler) gépi kódra fordítja, amelyet a számítógép közvetlenül tud futtatni.</a:t>
+            </a:r>
+            <a:endParaRPr/>
+          </a:p>
+          <a:p>
+            <a:pPr marL="914400" lvl="1" indent="-317500" algn="l" rtl="0">
+              <a:spcBef>
+                <a:spcPts val="0"/>
+              </a:spcBef>
+              <a:spcAft>
+                <a:spcPts val="0"/>
+              </a:spcAft>
+              <a:buSzPts val="1400"/>
+              <a:buChar char="○"/>
+            </a:pPr>
+            <a:r>
+              <a:rPr lang="hu"/>
+              <a:t>Gyors futási sebesség, de a fordítás időigényes.</a:t>
+            </a:r>
+            <a:endParaRPr/>
+          </a:p>
+          <a:p>
+            <a:pPr marL="457200" lvl="0" indent="-342900" algn="l" rtl="0">
+              <a:spcBef>
+                <a:spcPts val="0"/>
+              </a:spcBef>
+              <a:spcAft>
+                <a:spcPts val="0"/>
+              </a:spcAft>
+              <a:buSzPts val="1800"/>
+              <a:buChar char="●"/>
+            </a:pPr>
+            <a:r>
+              <a:rPr lang="hu" b="1"/>
+              <a:t>Értelmezett nyelvek </a:t>
+            </a:r>
+            <a:r>
+              <a:rPr lang="hu"/>
+              <a:t>(pl. Python, JavaScript):</a:t>
+            </a:r>
+            <a:endParaRPr/>
+          </a:p>
+          <a:p>
+            <a:pPr marL="914400" lvl="1" indent="-317500" algn="l" rtl="0">
+              <a:spcBef>
+                <a:spcPts val="0"/>
+              </a:spcBef>
+              <a:spcAft>
+                <a:spcPts val="0"/>
+              </a:spcAft>
+              <a:buSzPts val="1400"/>
+              <a:buChar char="○"/>
+            </a:pPr>
+            <a:r>
+              <a:rPr lang="hu"/>
+              <a:t>A forráskódot egy interpreter soronként értelmezi és hajtja végre.</a:t>
+            </a:r>
+            <a:endParaRPr/>
+          </a:p>
+          <a:p>
+            <a:pPr marL="914400" lvl="1" indent="-317500" algn="l" rtl="0">
+              <a:spcBef>
+                <a:spcPts val="0"/>
+              </a:spcBef>
+              <a:spcAft>
+                <a:spcPts val="0"/>
+              </a:spcAft>
+              <a:buSzPts val="1400"/>
+              <a:buChar char="○"/>
+            </a:pPr>
+            <a:r>
+              <a:rPr lang="hu"/>
+              <a:t>Könnyebb hibakeresés, de lassabb futási sebesség.</a:t>
+            </a:r>
+            <a:endParaRPr/>
+          </a:p>
+          <a:p>
+            <a:pPr marL="457200" lvl="0" indent="-342900" algn="l" rtl="0">
+              <a:spcBef>
+                <a:spcPts val="0"/>
+              </a:spcBef>
+              <a:spcAft>
+                <a:spcPts val="0"/>
+              </a:spcAft>
+              <a:buSzPts val="1800"/>
+              <a:buChar char="●"/>
+            </a:pPr>
+            <a:r>
+              <a:rPr lang="hu" b="1"/>
+              <a:t>Közvetítő (meta) kódot generáló nyelvek </a:t>
+            </a:r>
+            <a:r>
+              <a:rPr lang="hu"/>
+              <a:t>(pl. Java):</a:t>
+            </a:r>
+            <a:endParaRPr/>
+          </a:p>
+          <a:p>
+            <a:pPr marL="914400" lvl="1" indent="-317500" algn="l" rtl="0">
+              <a:spcBef>
+                <a:spcPts val="0"/>
+              </a:spcBef>
+              <a:spcAft>
+                <a:spcPts val="0"/>
+              </a:spcAft>
+              <a:buSzPts val="1400"/>
+              <a:buChar char="○"/>
+            </a:pPr>
+            <a:r>
+              <a:rPr lang="hu"/>
+              <a:t>A forráskódot egy közvetítő kódra (bytecode) fordítja, amelyet egy virtuális gép (pl. Java Virtual Machine azaz </a:t>
+            </a:r>
+            <a:r>
+              <a:rPr lang="hu" b="1"/>
+              <a:t>JVM</a:t>
+            </a:r>
+            <a:r>
+              <a:rPr lang="hu"/>
+              <a:t>) hajt végre.</a:t>
+            </a:r>
+            <a:endParaRPr/>
+          </a:p>
+          <a:p>
+            <a:pPr marL="914400" lvl="1" indent="-317500" algn="l" rtl="0">
+              <a:spcBef>
+                <a:spcPts val="0"/>
+              </a:spcBef>
+              <a:spcAft>
+                <a:spcPts val="0"/>
+              </a:spcAft>
+              <a:buSzPts val="1400"/>
+              <a:buChar char="○"/>
+            </a:pPr>
+            <a:r>
+              <a:rPr lang="hu"/>
+              <a:t>Platformfüggetlenség, de a virtuális gép (Java Runtime Environment azaz </a:t>
+            </a:r>
+            <a:r>
+              <a:rPr lang="hu" b="1"/>
+              <a:t>JRE)</a:t>
+            </a:r>
+            <a:r>
+              <a:rPr lang="hu"/>
+              <a:t> szükséges a futtatáshoz.</a:t>
+            </a:r>
+            <a:endParaRPr/>
+          </a:p>
+        </p:txBody>
+      </p:sp>
+    </p:spTree>
+  </p:cSld>
+  <p:clrMapOvr>
+    <a:masterClrMapping/>
+  </p:clrMapOvr>
+</p:sld>
+</file>
+
+<file path=ppt/slides/slide50.xml><?xml version="1.0" encoding="utf-8"?>
 <p:sld xmlns:a="http://schemas.openxmlformats.org/drawingml/2006/main" xmlns:r="http://schemas.openxmlformats.org/officeDocument/2006/relationships" xmlns:p="http://schemas.openxmlformats.org/presentationml/2006/main">
   <p:cSld>
     <p:spTree>
@@ -16415,7 +16945,7 @@
 </p:sld>
 </file>
 
-<file path=ppt/slides/slide49.xml><?xml version="1.0" encoding="utf-8"?>
+<file path=ppt/slides/slide51.xml><?xml version="1.0" encoding="utf-8"?>
 <p:sld xmlns:a="http://schemas.openxmlformats.org/drawingml/2006/main" xmlns:r="http://schemas.openxmlformats.org/officeDocument/2006/relationships" xmlns:p="http://schemas.openxmlformats.org/presentationml/2006/main">
   <p:cSld>
     <p:spTree>
@@ -16564,281 +17094,7 @@
 </p:sld>
 </file>
 
-<file path=ppt/slides/slide5.xml><?xml version="1.0" encoding="utf-8"?>
-<p:sld xmlns:a="http://schemas.openxmlformats.org/drawingml/2006/main" xmlns:r="http://schemas.openxmlformats.org/officeDocument/2006/relationships" xmlns:p="http://schemas.openxmlformats.org/presentationml/2006/main">
-  <p:cSld>
-    <p:spTree>
-      <p:nvGrpSpPr>
-        <p:cNvPr id="1" name="Shape 83"/>
-        <p:cNvGrpSpPr/>
-        <p:nvPr/>
-      </p:nvGrpSpPr>
-      <p:grpSpPr>
-        <a:xfrm>
-          <a:off x="0" y="0"/>
-          <a:ext cx="0" cy="0"/>
-          <a:chOff x="0" y="0"/>
-          <a:chExt cx="0" cy="0"/>
-        </a:xfrm>
-      </p:grpSpPr>
-      <p:sp>
-        <p:nvSpPr>
-          <p:cNvPr id="84" name="Google Shape;84;p17"/>
-          <p:cNvSpPr txBox="1">
-            <a:spLocks noGrp="1"/>
-          </p:cNvSpPr>
-          <p:nvPr>
-            <p:ph type="title"/>
-          </p:nvPr>
-        </p:nvSpPr>
-        <p:spPr>
-          <a:xfrm>
-            <a:off x="311700" y="391350"/>
-            <a:ext cx="8520600" cy="626100"/>
-          </a:xfrm>
-          <a:prstGeom prst="rect">
-            <a:avLst/>
-          </a:prstGeom>
-        </p:spPr>
-        <p:txBody>
-          <a:bodyPr spcFirstLastPara="1" wrap="square" lIns="91425" tIns="91425" rIns="91425" bIns="91425" anchor="t" anchorCtr="0">
-            <a:normAutofit fontScale="90000"/>
-          </a:bodyPr>
-          <a:lstStyle/>
-          <a:p>
-            <a:pPr marL="0" lvl="0" indent="0" algn="l" rtl="0">
-              <a:spcBef>
-                <a:spcPts val="0"/>
-              </a:spcBef>
-              <a:spcAft>
-                <a:spcPts val="0"/>
-              </a:spcAft>
-              <a:buNone/>
-            </a:pPr>
-            <a:r>
-              <a:rPr lang="hu"/>
-              <a:t>Programozási nyelvek típusai</a:t>
-            </a:r>
-            <a:endParaRPr/>
-          </a:p>
-        </p:txBody>
-      </p:sp>
-      <p:sp>
-        <p:nvSpPr>
-          <p:cNvPr id="85" name="Google Shape;85;p17"/>
-          <p:cNvSpPr txBox="1">
-            <a:spLocks noGrp="1"/>
-          </p:cNvSpPr>
-          <p:nvPr>
-            <p:ph type="body" idx="1"/>
-          </p:nvPr>
-        </p:nvSpPr>
-        <p:spPr>
-          <a:xfrm>
-            <a:off x="311700" y="1152475"/>
-            <a:ext cx="8520600" cy="3416400"/>
-          </a:xfrm>
-          <a:prstGeom prst="rect">
-            <a:avLst/>
-          </a:prstGeom>
-        </p:spPr>
-        <p:txBody>
-          <a:bodyPr spcFirstLastPara="1" wrap="square" lIns="91425" tIns="91425" rIns="91425" bIns="91425" anchor="t" anchorCtr="0">
-            <a:normAutofit/>
-          </a:bodyPr>
-          <a:lstStyle/>
-          <a:p>
-            <a:pPr marL="457200" lvl="0" indent="-342900" algn="l" rtl="0">
-              <a:spcBef>
-                <a:spcPts val="0"/>
-              </a:spcBef>
-              <a:spcAft>
-                <a:spcPts val="0"/>
-              </a:spcAft>
-              <a:buSzPts val="1800"/>
-              <a:buChar char="●"/>
-            </a:pPr>
-            <a:r>
-              <a:rPr lang="hu" b="1"/>
-              <a:t>Fordított nyelvek</a:t>
-            </a:r>
-            <a:r>
-              <a:rPr lang="hu"/>
-              <a:t> (pl. C, C++):</a:t>
-            </a:r>
-            <a:endParaRPr/>
-          </a:p>
-          <a:p>
-            <a:pPr marL="914400" lvl="1" indent="-317500" algn="l" rtl="0">
-              <a:spcBef>
-                <a:spcPts val="0"/>
-              </a:spcBef>
-              <a:spcAft>
-                <a:spcPts val="0"/>
-              </a:spcAft>
-              <a:buSzPts val="1400"/>
-              <a:buChar char="○"/>
-            </a:pPr>
-            <a:r>
-              <a:rPr lang="hu"/>
-              <a:t>A forráskódot egy fordítóprogram (compiler) gépi kódra fordítja, amelyet a számítógép közvetlenül tud futtatni.</a:t>
-            </a:r>
-            <a:endParaRPr/>
-          </a:p>
-          <a:p>
-            <a:pPr marL="914400" lvl="1" indent="-317500" algn="l" rtl="0">
-              <a:spcBef>
-                <a:spcPts val="0"/>
-              </a:spcBef>
-              <a:spcAft>
-                <a:spcPts val="0"/>
-              </a:spcAft>
-              <a:buSzPts val="1400"/>
-              <a:buChar char="○"/>
-            </a:pPr>
-            <a:r>
-              <a:rPr lang="hu"/>
-              <a:t>Gyors futási sebesség, de a fordítás időigényes.</a:t>
-            </a:r>
-            <a:endParaRPr/>
-          </a:p>
-          <a:p>
-            <a:pPr marL="457200" lvl="0" indent="-342900" algn="l" rtl="0">
-              <a:spcBef>
-                <a:spcPts val="0"/>
-              </a:spcBef>
-              <a:spcAft>
-                <a:spcPts val="0"/>
-              </a:spcAft>
-              <a:buSzPts val="1800"/>
-              <a:buChar char="●"/>
-            </a:pPr>
-            <a:r>
-              <a:rPr lang="hu" b="1"/>
-              <a:t>Értelmezett nyelvek </a:t>
-            </a:r>
-            <a:r>
-              <a:rPr lang="hu"/>
-              <a:t>(pl. Python, JavaScript):</a:t>
-            </a:r>
-            <a:endParaRPr/>
-          </a:p>
-          <a:p>
-            <a:pPr marL="914400" lvl="1" indent="-317500" algn="l" rtl="0">
-              <a:spcBef>
-                <a:spcPts val="0"/>
-              </a:spcBef>
-              <a:spcAft>
-                <a:spcPts val="0"/>
-              </a:spcAft>
-              <a:buSzPts val="1400"/>
-              <a:buChar char="○"/>
-            </a:pPr>
-            <a:r>
-              <a:rPr lang="hu"/>
-              <a:t>A forráskódot egy interpreter soronként értelmezi és hajtja végre.</a:t>
-            </a:r>
-            <a:endParaRPr/>
-          </a:p>
-          <a:p>
-            <a:pPr marL="914400" lvl="1" indent="-317500" algn="l" rtl="0">
-              <a:spcBef>
-                <a:spcPts val="0"/>
-              </a:spcBef>
-              <a:spcAft>
-                <a:spcPts val="0"/>
-              </a:spcAft>
-              <a:buSzPts val="1400"/>
-              <a:buChar char="○"/>
-            </a:pPr>
-            <a:r>
-              <a:rPr lang="hu"/>
-              <a:t>Könnyebb hibakeresés, de lassabb futási sebesség.</a:t>
-            </a:r>
-            <a:endParaRPr/>
-          </a:p>
-          <a:p>
-            <a:pPr marL="457200" lvl="0" indent="-342900" algn="l" rtl="0">
-              <a:spcBef>
-                <a:spcPts val="0"/>
-              </a:spcBef>
-              <a:spcAft>
-                <a:spcPts val="0"/>
-              </a:spcAft>
-              <a:buSzPts val="1800"/>
-              <a:buChar char="●"/>
-            </a:pPr>
-            <a:r>
-              <a:rPr lang="hu" b="1"/>
-              <a:t>Közvetítő (meta) kódot generáló nyelvek </a:t>
-            </a:r>
-            <a:r>
-              <a:rPr lang="hu"/>
-              <a:t>(pl. Java):</a:t>
-            </a:r>
-            <a:endParaRPr/>
-          </a:p>
-          <a:p>
-            <a:pPr marL="914400" lvl="1" indent="-317500" algn="l" rtl="0">
-              <a:spcBef>
-                <a:spcPts val="0"/>
-              </a:spcBef>
-              <a:spcAft>
-                <a:spcPts val="0"/>
-              </a:spcAft>
-              <a:buSzPts val="1400"/>
-              <a:buChar char="○"/>
-            </a:pPr>
-            <a:r>
-              <a:rPr lang="hu"/>
-              <a:t>A forráskódot egy közvetítő kódra (bytecode) fordítja, amelyet egy virtuális gép (pl. Java Virtual Machine azaz </a:t>
-            </a:r>
-            <a:r>
-              <a:rPr lang="hu" b="1"/>
-              <a:t>JVM</a:t>
-            </a:r>
-            <a:r>
-              <a:rPr lang="hu"/>
-              <a:t>) hajt végre.</a:t>
-            </a:r>
-            <a:endParaRPr/>
-          </a:p>
-          <a:p>
-            <a:pPr marL="914400" lvl="1" indent="-317500" algn="l" rtl="0">
-              <a:spcBef>
-                <a:spcPts val="0"/>
-              </a:spcBef>
-              <a:spcAft>
-                <a:spcPts val="0"/>
-              </a:spcAft>
-              <a:buSzPts val="1400"/>
-              <a:buChar char="○"/>
-            </a:pPr>
-            <a:r>
-              <a:rPr lang="hu"/>
-              <a:t>Platformfüggetlenség, de a virtuális gép (Java Runtime Environment azaz </a:t>
-            </a:r>
-            <a:r>
-              <a:rPr lang="hu" b="1"/>
-              <a:t>JRE)</a:t>
-            </a:r>
-            <a:r>
-              <a:rPr lang="hu"/>
-              <a:t> szükséges a futtatáshoz.</a:t>
-            </a:r>
-            <a:endParaRPr/>
-          </a:p>
-        </p:txBody>
-      </p:sp>
-    </p:spTree>
-  </p:cSld>
-  <p:clrMapOvr>
-    <a:masterClrMapping/>
-  </p:clrMapOvr>
-</p:sld>
-</file>
-
-<file path=ppt/slides/slide50.xml><?xml version="1.0" encoding="utf-8"?>
+<file path=ppt/slides/slide52.xml><?xml version="1.0" encoding="utf-8"?>
 <p:sld xmlns:a="http://schemas.openxmlformats.org/drawingml/2006/main" xmlns:r="http://schemas.openxmlformats.org/officeDocument/2006/relationships" xmlns:p="http://schemas.openxmlformats.org/presentationml/2006/main">
   <p:cSld>
     <p:spTree>
@@ -16987,7 +17243,7 @@
 </p:sld>
 </file>
 
-<file path=ppt/slides/slide51.xml><?xml version="1.0" encoding="utf-8"?>
+<file path=ppt/slides/slide53.xml><?xml version="1.0" encoding="utf-8"?>
 <p:sld xmlns:a="http://schemas.openxmlformats.org/drawingml/2006/main" xmlns:r="http://schemas.openxmlformats.org/officeDocument/2006/relationships" xmlns:p="http://schemas.openxmlformats.org/presentationml/2006/main">
   <p:cSld>
     <p:spTree>
